--- a/Bemutato.pptx
+++ b/Bemutato.pptx
@@ -113,7 +113,3565 @@
       </a:defRPr>
     </a:lvl9pPr>
   </p:defaultTextStyle>
+  <p:extLst>
+    <p:ext uri="{EFAFB233-063F-42B5-8137-9DF3F51BA10A}">
+      <p15:sldGuideLst xmlns:p15="http://schemas.microsoft.com/office/powerpoint/2012/main"/>
+    </p:ext>
+  </p:extLst>
 </p:presentation>
+</file>
+
+<file path=ppt/diagrams/colors1.xml><?xml version="1.0" encoding="utf-8"?>
+<dgm:colorsDef xmlns:dgm="http://schemas.openxmlformats.org/drawingml/2006/diagram" xmlns:a="http://schemas.openxmlformats.org/drawingml/2006/main" uniqueId="urn:microsoft.com/office/officeart/2005/8/colors/colorful1">
+  <dgm:title val=""/>
+  <dgm:desc val=""/>
+  <dgm:catLst>
+    <dgm:cat type="colorful" pri="10100"/>
+  </dgm:catLst>
+  <dgm:styleLbl name="node0">
+    <dgm:fillClrLst meth="repeat">
+      <a:schemeClr val="accent1"/>
+    </dgm:fillClrLst>
+    <dgm:linClrLst meth="repeat">
+      <a:schemeClr val="lt1"/>
+    </dgm:linClrLst>
+    <dgm:effectClrLst/>
+    <dgm:txLinClrLst/>
+    <dgm:txFillClrLst/>
+    <dgm:txEffectClrLst/>
+  </dgm:styleLbl>
+  <dgm:styleLbl name="node1">
+    <dgm:fillClrLst meth="repeat">
+      <a:schemeClr val="accent2"/>
+      <a:schemeClr val="accent3"/>
+      <a:schemeClr val="accent4"/>
+      <a:schemeClr val="accent5"/>
+      <a:schemeClr val="accent6"/>
+    </dgm:fillClrLst>
+    <dgm:linClrLst meth="repeat">
+      <a:schemeClr val="lt1"/>
+    </dgm:linClrLst>
+    <dgm:effectClrLst/>
+    <dgm:txLinClrLst/>
+    <dgm:txFillClrLst/>
+    <dgm:txEffectClrLst/>
+  </dgm:styleLbl>
+  <dgm:styleLbl name="alignNode1">
+    <dgm:fillClrLst meth="repeat">
+      <a:schemeClr val="accent2"/>
+      <a:schemeClr val="accent3"/>
+      <a:schemeClr val="accent4"/>
+      <a:schemeClr val="accent5"/>
+      <a:schemeClr val="accent6"/>
+    </dgm:fillClrLst>
+    <dgm:linClrLst meth="repeat">
+      <a:schemeClr val="accent2"/>
+      <a:schemeClr val="accent3"/>
+      <a:schemeClr val="accent4"/>
+      <a:schemeClr val="accent5"/>
+      <a:schemeClr val="accent6"/>
+    </dgm:linClrLst>
+    <dgm:effectClrLst/>
+    <dgm:txLinClrLst/>
+    <dgm:txFillClrLst/>
+    <dgm:txEffectClrLst/>
+  </dgm:styleLbl>
+  <dgm:styleLbl name="lnNode1">
+    <dgm:fillClrLst meth="repeat">
+      <a:schemeClr val="accent2"/>
+      <a:schemeClr val="accent3"/>
+      <a:schemeClr val="accent4"/>
+      <a:schemeClr val="accent5"/>
+      <a:schemeClr val="accent6"/>
+    </dgm:fillClrLst>
+    <dgm:linClrLst meth="repeat">
+      <a:schemeClr val="lt1"/>
+    </dgm:linClrLst>
+    <dgm:effectClrLst/>
+    <dgm:txLinClrLst/>
+    <dgm:txFillClrLst/>
+    <dgm:txEffectClrLst/>
+  </dgm:styleLbl>
+  <dgm:styleLbl name="vennNode1">
+    <dgm:fillClrLst meth="repeat">
+      <a:schemeClr val="accent2">
+        <a:alpha val="50000"/>
+      </a:schemeClr>
+      <a:schemeClr val="accent3">
+        <a:alpha val="50000"/>
+      </a:schemeClr>
+      <a:schemeClr val="accent4">
+        <a:alpha val="50000"/>
+      </a:schemeClr>
+      <a:schemeClr val="accent5">
+        <a:alpha val="50000"/>
+      </a:schemeClr>
+      <a:schemeClr val="accent6">
+        <a:alpha val="50000"/>
+      </a:schemeClr>
+    </dgm:fillClrLst>
+    <dgm:linClrLst meth="repeat">
+      <a:schemeClr val="lt1"/>
+    </dgm:linClrLst>
+    <dgm:effectClrLst/>
+    <dgm:txLinClrLst/>
+    <dgm:txFillClrLst/>
+    <dgm:txEffectClrLst/>
+  </dgm:styleLbl>
+  <dgm:styleLbl name="node2">
+    <dgm:fillClrLst>
+      <a:schemeClr val="accent2"/>
+    </dgm:fillClrLst>
+    <dgm:linClrLst meth="repeat">
+      <a:schemeClr val="lt1"/>
+    </dgm:linClrLst>
+    <dgm:effectClrLst/>
+    <dgm:txLinClrLst/>
+    <dgm:txFillClrLst/>
+    <dgm:txEffectClrLst/>
+  </dgm:styleLbl>
+  <dgm:styleLbl name="node3">
+    <dgm:fillClrLst>
+      <a:schemeClr val="accent3"/>
+    </dgm:fillClrLst>
+    <dgm:linClrLst meth="repeat">
+      <a:schemeClr val="lt1"/>
+    </dgm:linClrLst>
+    <dgm:effectClrLst/>
+    <dgm:txLinClrLst/>
+    <dgm:txFillClrLst/>
+    <dgm:txEffectClrLst/>
+  </dgm:styleLbl>
+  <dgm:styleLbl name="node4">
+    <dgm:fillClrLst>
+      <a:schemeClr val="accent4"/>
+    </dgm:fillClrLst>
+    <dgm:linClrLst meth="repeat">
+      <a:schemeClr val="lt1"/>
+    </dgm:linClrLst>
+    <dgm:effectClrLst/>
+    <dgm:txLinClrLst/>
+    <dgm:txFillClrLst/>
+    <dgm:txEffectClrLst/>
+  </dgm:styleLbl>
+  <dgm:styleLbl name="fgImgPlace1">
+    <dgm:fillClrLst meth="repeat">
+      <a:schemeClr val="accent2">
+        <a:tint val="50000"/>
+      </a:schemeClr>
+      <a:schemeClr val="accent3">
+        <a:tint val="50000"/>
+      </a:schemeClr>
+      <a:schemeClr val="accent4">
+        <a:tint val="50000"/>
+      </a:schemeClr>
+      <a:schemeClr val="accent5">
+        <a:tint val="50000"/>
+      </a:schemeClr>
+      <a:schemeClr val="accent6">
+        <a:tint val="50000"/>
+      </a:schemeClr>
+    </dgm:fillClrLst>
+    <dgm:linClrLst meth="repeat">
+      <a:schemeClr val="lt1"/>
+    </dgm:linClrLst>
+    <dgm:effectClrLst/>
+    <dgm:txLinClrLst/>
+    <dgm:txFillClrLst meth="repeat">
+      <a:schemeClr val="lt1"/>
+    </dgm:txFillClrLst>
+    <dgm:txEffectClrLst/>
+  </dgm:styleLbl>
+  <dgm:styleLbl name="alignImgPlace1">
+    <dgm:fillClrLst>
+      <a:schemeClr val="accent1">
+        <a:tint val="50000"/>
+      </a:schemeClr>
+      <a:schemeClr val="accent2">
+        <a:tint val="20000"/>
+      </a:schemeClr>
+    </dgm:fillClrLst>
+    <dgm:linClrLst meth="repeat">
+      <a:schemeClr val="lt1"/>
+    </dgm:linClrLst>
+    <dgm:effectClrLst/>
+    <dgm:txLinClrLst/>
+    <dgm:txFillClrLst meth="repeat">
+      <a:schemeClr val="lt1"/>
+    </dgm:txFillClrLst>
+    <dgm:txEffectClrLst/>
+  </dgm:styleLbl>
+  <dgm:styleLbl name="bgImgPlace1">
+    <dgm:fillClrLst>
+      <a:schemeClr val="accent1">
+        <a:tint val="50000"/>
+      </a:schemeClr>
+      <a:schemeClr val="accent2">
+        <a:tint val="20000"/>
+      </a:schemeClr>
+    </dgm:fillClrLst>
+    <dgm:linClrLst meth="repeat">
+      <a:schemeClr val="lt1"/>
+    </dgm:linClrLst>
+    <dgm:effectClrLst/>
+    <dgm:txLinClrLst/>
+    <dgm:txFillClrLst meth="repeat">
+      <a:schemeClr val="lt1"/>
+    </dgm:txFillClrLst>
+    <dgm:txEffectClrLst/>
+  </dgm:styleLbl>
+  <dgm:styleLbl name="sibTrans2D1">
+    <dgm:fillClrLst meth="repeat">
+      <a:schemeClr val="accent2"/>
+      <a:schemeClr val="accent3"/>
+      <a:schemeClr val="accent4"/>
+      <a:schemeClr val="accent5"/>
+      <a:schemeClr val="accent6"/>
+    </dgm:fillClrLst>
+    <dgm:linClrLst meth="cycle">
+      <a:schemeClr val="lt1"/>
+    </dgm:linClrLst>
+    <dgm:effectClrLst/>
+    <dgm:txLinClrLst/>
+    <dgm:txFillClrLst/>
+    <dgm:txEffectClrLst/>
+  </dgm:styleLbl>
+  <dgm:styleLbl name="fgSibTrans2D1">
+    <dgm:fillClrLst meth="repeat">
+      <a:schemeClr val="accent2"/>
+      <a:schemeClr val="accent3"/>
+      <a:schemeClr val="accent4"/>
+      <a:schemeClr val="accent5"/>
+      <a:schemeClr val="accent6"/>
+    </dgm:fillClrLst>
+    <dgm:linClrLst meth="cycle">
+      <a:schemeClr val="lt1"/>
+    </dgm:linClrLst>
+    <dgm:effectClrLst/>
+    <dgm:txLinClrLst/>
+    <dgm:txFillClrLst meth="repeat">
+      <a:schemeClr val="lt1"/>
+    </dgm:txFillClrLst>
+    <dgm:txEffectClrLst/>
+  </dgm:styleLbl>
+  <dgm:styleLbl name="bgSibTrans2D1">
+    <dgm:fillClrLst meth="repeat">
+      <a:schemeClr val="accent2"/>
+      <a:schemeClr val="accent3"/>
+      <a:schemeClr val="accent4"/>
+      <a:schemeClr val="accent5"/>
+      <a:schemeClr val="accent6"/>
+    </dgm:fillClrLst>
+    <dgm:linClrLst meth="cycle">
+      <a:schemeClr val="lt1"/>
+    </dgm:linClrLst>
+    <dgm:effectClrLst/>
+    <dgm:txLinClrLst/>
+    <dgm:txFillClrLst meth="repeat">
+      <a:schemeClr val="lt1"/>
+    </dgm:txFillClrLst>
+    <dgm:txEffectClrLst/>
+  </dgm:styleLbl>
+  <dgm:styleLbl name="sibTrans1D1">
+    <dgm:fillClrLst meth="repeat">
+      <a:schemeClr val="accent2"/>
+      <a:schemeClr val="accent3"/>
+      <a:schemeClr val="accent4"/>
+      <a:schemeClr val="accent5"/>
+      <a:schemeClr val="accent6"/>
+    </dgm:fillClrLst>
+    <dgm:linClrLst meth="repeat">
+      <a:schemeClr val="accent2"/>
+      <a:schemeClr val="accent3"/>
+      <a:schemeClr val="accent4"/>
+      <a:schemeClr val="accent5"/>
+      <a:schemeClr val="accent6"/>
+    </dgm:linClrLst>
+    <dgm:effectClrLst/>
+    <dgm:txLinClrLst/>
+    <dgm:txFillClrLst meth="repeat">
+      <a:schemeClr val="tx1"/>
+    </dgm:txFillClrLst>
+    <dgm:txEffectClrLst/>
+  </dgm:styleLbl>
+  <dgm:styleLbl name="callout">
+    <dgm:fillClrLst meth="repeat">
+      <a:schemeClr val="accent2"/>
+    </dgm:fillClrLst>
+    <dgm:linClrLst meth="repeat">
+      <a:schemeClr val="accent2">
+        <a:tint val="50000"/>
+      </a:schemeClr>
+    </dgm:linClrLst>
+    <dgm:effectClrLst/>
+    <dgm:txLinClrLst/>
+    <dgm:txFillClrLst meth="repeat">
+      <a:schemeClr val="tx1"/>
+    </dgm:txFillClrLst>
+    <dgm:txEffectClrLst/>
+  </dgm:styleLbl>
+  <dgm:styleLbl name="asst0">
+    <dgm:fillClrLst meth="repeat">
+      <a:schemeClr val="accent1"/>
+    </dgm:fillClrLst>
+    <dgm:linClrLst meth="repeat">
+      <a:schemeClr val="lt1"/>
+    </dgm:linClrLst>
+    <dgm:effectClrLst/>
+    <dgm:txLinClrLst/>
+    <dgm:txFillClrLst/>
+    <dgm:txEffectClrLst/>
+  </dgm:styleLbl>
+  <dgm:styleLbl name="asst1">
+    <dgm:fillClrLst meth="repeat">
+      <a:schemeClr val="accent2"/>
+    </dgm:fillClrLst>
+    <dgm:linClrLst meth="repeat">
+      <a:schemeClr val="lt1"/>
+    </dgm:linClrLst>
+    <dgm:effectClrLst/>
+    <dgm:txLinClrLst/>
+    <dgm:txFillClrLst/>
+    <dgm:txEffectClrLst/>
+  </dgm:styleLbl>
+  <dgm:styleLbl name="asst2">
+    <dgm:fillClrLst>
+      <a:schemeClr val="accent3"/>
+    </dgm:fillClrLst>
+    <dgm:linClrLst meth="repeat">
+      <a:schemeClr val="lt1"/>
+    </dgm:linClrLst>
+    <dgm:effectClrLst/>
+    <dgm:txLinClrLst/>
+    <dgm:txFillClrLst/>
+    <dgm:txEffectClrLst/>
+  </dgm:styleLbl>
+  <dgm:styleLbl name="asst3">
+    <dgm:fillClrLst>
+      <a:schemeClr val="accent4"/>
+    </dgm:fillClrLst>
+    <dgm:linClrLst meth="repeat">
+      <a:schemeClr val="lt1"/>
+    </dgm:linClrLst>
+    <dgm:effectClrLst/>
+    <dgm:txLinClrLst/>
+    <dgm:txFillClrLst/>
+    <dgm:txEffectClrLst/>
+  </dgm:styleLbl>
+  <dgm:styleLbl name="asst4">
+    <dgm:fillClrLst>
+      <a:schemeClr val="accent5"/>
+    </dgm:fillClrLst>
+    <dgm:linClrLst meth="repeat">
+      <a:schemeClr val="lt1"/>
+    </dgm:linClrLst>
+    <dgm:effectClrLst/>
+    <dgm:txLinClrLst/>
+    <dgm:txFillClrLst/>
+    <dgm:txEffectClrLst/>
+  </dgm:styleLbl>
+  <dgm:styleLbl name="parChTrans2D1">
+    <dgm:fillClrLst meth="repeat">
+      <a:schemeClr val="accent2"/>
+    </dgm:fillClrLst>
+    <dgm:linClrLst meth="repeat">
+      <a:schemeClr val="lt1"/>
+    </dgm:linClrLst>
+    <dgm:effectClrLst/>
+    <dgm:txLinClrLst/>
+    <dgm:txFillClrLst meth="repeat">
+      <a:schemeClr val="lt1"/>
+    </dgm:txFillClrLst>
+    <dgm:txEffectClrLst/>
+  </dgm:styleLbl>
+  <dgm:styleLbl name="parChTrans2D2">
+    <dgm:fillClrLst meth="repeat">
+      <a:schemeClr val="accent3"/>
+    </dgm:fillClrLst>
+    <dgm:linClrLst meth="repeat">
+      <a:schemeClr val="lt1"/>
+    </dgm:linClrLst>
+    <dgm:effectClrLst/>
+    <dgm:txLinClrLst/>
+    <dgm:txFillClrLst/>
+    <dgm:txEffectClrLst/>
+  </dgm:styleLbl>
+  <dgm:styleLbl name="parChTrans2D3">
+    <dgm:fillClrLst meth="repeat">
+      <a:schemeClr val="accent4"/>
+    </dgm:fillClrLst>
+    <dgm:linClrLst meth="repeat">
+      <a:schemeClr val="lt1"/>
+    </dgm:linClrLst>
+    <dgm:effectClrLst/>
+    <dgm:txLinClrLst/>
+    <dgm:txFillClrLst/>
+    <dgm:txEffectClrLst/>
+  </dgm:styleLbl>
+  <dgm:styleLbl name="parChTrans2D4">
+    <dgm:fillClrLst meth="repeat">
+      <a:schemeClr val="accent5"/>
+    </dgm:fillClrLst>
+    <dgm:linClrLst meth="repeat">
+      <a:schemeClr val="lt1"/>
+    </dgm:linClrLst>
+    <dgm:effectClrLst/>
+    <dgm:txLinClrLst/>
+    <dgm:txFillClrLst meth="repeat">
+      <a:schemeClr val="lt1"/>
+    </dgm:txFillClrLst>
+    <dgm:txEffectClrLst/>
+  </dgm:styleLbl>
+  <dgm:styleLbl name="parChTrans1D1">
+    <dgm:fillClrLst meth="repeat">
+      <a:schemeClr val="accent2"/>
+    </dgm:fillClrLst>
+    <dgm:linClrLst meth="repeat">
+      <a:schemeClr val="accent1"/>
+    </dgm:linClrLst>
+    <dgm:effectClrLst/>
+    <dgm:txLinClrLst/>
+    <dgm:txFillClrLst meth="repeat">
+      <a:schemeClr val="tx1"/>
+    </dgm:txFillClrLst>
+    <dgm:txEffectClrLst/>
+  </dgm:styleLbl>
+  <dgm:styleLbl name="parChTrans1D2">
+    <dgm:fillClrLst meth="repeat">
+      <a:schemeClr val="accent3">
+        <a:tint val="90000"/>
+      </a:schemeClr>
+    </dgm:fillClrLst>
+    <dgm:linClrLst meth="repeat">
+      <a:schemeClr val="accent2"/>
+    </dgm:linClrLst>
+    <dgm:effectClrLst/>
+    <dgm:txLinClrLst/>
+    <dgm:txFillClrLst meth="repeat">
+      <a:schemeClr val="tx1"/>
+    </dgm:txFillClrLst>
+    <dgm:txEffectClrLst/>
+  </dgm:styleLbl>
+  <dgm:styleLbl name="parChTrans1D3">
+    <dgm:fillClrLst meth="repeat">
+      <a:schemeClr val="accent4">
+        <a:tint val="70000"/>
+      </a:schemeClr>
+    </dgm:fillClrLst>
+    <dgm:linClrLst meth="repeat">
+      <a:schemeClr val="accent3"/>
+    </dgm:linClrLst>
+    <dgm:effectClrLst/>
+    <dgm:txLinClrLst/>
+    <dgm:txFillClrLst meth="repeat">
+      <a:schemeClr val="tx1"/>
+    </dgm:txFillClrLst>
+    <dgm:txEffectClrLst/>
+  </dgm:styleLbl>
+  <dgm:styleLbl name="parChTrans1D4">
+    <dgm:fillClrLst meth="repeat">
+      <a:schemeClr val="accent5">
+        <a:tint val="50000"/>
+      </a:schemeClr>
+    </dgm:fillClrLst>
+    <dgm:linClrLst meth="repeat">
+      <a:schemeClr val="accent4"/>
+    </dgm:linClrLst>
+    <dgm:effectClrLst/>
+    <dgm:txLinClrLst/>
+    <dgm:txFillClrLst meth="repeat">
+      <a:schemeClr val="tx1"/>
+    </dgm:txFillClrLst>
+    <dgm:txEffectClrLst/>
+  </dgm:styleLbl>
+  <dgm:styleLbl name="fgAcc1">
+    <dgm:fillClrLst meth="repeat">
+      <a:schemeClr val="lt1">
+        <a:alpha val="90000"/>
+      </a:schemeClr>
+    </dgm:fillClrLst>
+    <dgm:linClrLst meth="repeat">
+      <a:schemeClr val="accent2"/>
+      <a:schemeClr val="accent3"/>
+      <a:schemeClr val="accent4"/>
+      <a:schemeClr val="accent5"/>
+      <a:schemeClr val="accent6"/>
+    </dgm:linClrLst>
+    <dgm:effectClrLst/>
+    <dgm:txLinClrLst/>
+    <dgm:txFillClrLst meth="repeat">
+      <a:schemeClr val="dk1"/>
+    </dgm:txFillClrLst>
+    <dgm:txEffectClrLst/>
+  </dgm:styleLbl>
+  <dgm:styleLbl name="conFgAcc1">
+    <dgm:fillClrLst meth="repeat">
+      <a:schemeClr val="lt1">
+        <a:alpha val="90000"/>
+      </a:schemeClr>
+    </dgm:fillClrLst>
+    <dgm:linClrLst meth="repeat">
+      <a:schemeClr val="accent2"/>
+      <a:schemeClr val="accent3"/>
+      <a:schemeClr val="accent4"/>
+      <a:schemeClr val="accent5"/>
+      <a:schemeClr val="accent6"/>
+    </dgm:linClrLst>
+    <dgm:effectClrLst/>
+    <dgm:txLinClrLst/>
+    <dgm:txFillClrLst meth="repeat">
+      <a:schemeClr val="dk1"/>
+    </dgm:txFillClrLst>
+    <dgm:txEffectClrLst/>
+  </dgm:styleLbl>
+  <dgm:styleLbl name="alignAcc1">
+    <dgm:fillClrLst meth="repeat">
+      <a:schemeClr val="lt1">
+        <a:alpha val="90000"/>
+      </a:schemeClr>
+    </dgm:fillClrLst>
+    <dgm:linClrLst meth="repeat">
+      <a:schemeClr val="accent2"/>
+      <a:schemeClr val="accent3"/>
+      <a:schemeClr val="accent4"/>
+      <a:schemeClr val="accent5"/>
+      <a:schemeClr val="accent6"/>
+    </dgm:linClrLst>
+    <dgm:effectClrLst/>
+    <dgm:txLinClrLst/>
+    <dgm:txFillClrLst meth="repeat">
+      <a:schemeClr val="dk1"/>
+    </dgm:txFillClrLst>
+    <dgm:txEffectClrLst/>
+  </dgm:styleLbl>
+  <dgm:styleLbl name="trAlignAcc1">
+    <dgm:fillClrLst meth="repeat">
+      <a:schemeClr val="lt1">
+        <a:alpha val="40000"/>
+      </a:schemeClr>
+    </dgm:fillClrLst>
+    <dgm:linClrLst meth="repeat">
+      <a:schemeClr val="accent1"/>
+    </dgm:linClrLst>
+    <dgm:effectClrLst/>
+    <dgm:txLinClrLst/>
+    <dgm:txFillClrLst meth="repeat">
+      <a:schemeClr val="dk1"/>
+    </dgm:txFillClrLst>
+    <dgm:txEffectClrLst/>
+  </dgm:styleLbl>
+  <dgm:styleLbl name="bgAcc1">
+    <dgm:fillClrLst meth="repeat">
+      <a:schemeClr val="lt1">
+        <a:alpha val="90000"/>
+      </a:schemeClr>
+    </dgm:fillClrLst>
+    <dgm:linClrLst meth="repeat">
+      <a:schemeClr val="accent2"/>
+      <a:schemeClr val="accent3"/>
+      <a:schemeClr val="accent4"/>
+      <a:schemeClr val="accent5"/>
+      <a:schemeClr val="accent6"/>
+    </dgm:linClrLst>
+    <dgm:effectClrLst/>
+    <dgm:txLinClrLst/>
+    <dgm:txFillClrLst meth="repeat">
+      <a:schemeClr val="dk1"/>
+    </dgm:txFillClrLst>
+    <dgm:txEffectClrLst/>
+  </dgm:styleLbl>
+  <dgm:styleLbl name="solidFgAcc1">
+    <dgm:fillClrLst meth="repeat">
+      <a:schemeClr val="lt1"/>
+    </dgm:fillClrLst>
+    <dgm:linClrLst meth="repeat">
+      <a:schemeClr val="accent2"/>
+      <a:schemeClr val="accent3"/>
+      <a:schemeClr val="accent4"/>
+      <a:schemeClr val="accent5"/>
+      <a:schemeClr val="accent6"/>
+    </dgm:linClrLst>
+    <dgm:effectClrLst/>
+    <dgm:txLinClrLst/>
+    <dgm:txFillClrLst meth="repeat">
+      <a:schemeClr val="dk1"/>
+    </dgm:txFillClrLst>
+    <dgm:txEffectClrLst/>
+  </dgm:styleLbl>
+  <dgm:styleLbl name="solidAlignAcc1">
+    <dgm:fillClrLst meth="repeat">
+      <a:schemeClr val="lt1"/>
+    </dgm:fillClrLst>
+    <dgm:linClrLst meth="repeat">
+      <a:schemeClr val="accent2"/>
+      <a:schemeClr val="accent3"/>
+      <a:schemeClr val="accent4"/>
+      <a:schemeClr val="accent5"/>
+      <a:schemeClr val="accent6"/>
+    </dgm:linClrLst>
+    <dgm:effectClrLst/>
+    <dgm:txLinClrLst/>
+    <dgm:txFillClrLst meth="repeat">
+      <a:schemeClr val="dk1"/>
+    </dgm:txFillClrLst>
+    <dgm:txEffectClrLst/>
+  </dgm:styleLbl>
+  <dgm:styleLbl name="solidBgAcc1">
+    <dgm:fillClrLst meth="repeat">
+      <a:schemeClr val="lt1"/>
+    </dgm:fillClrLst>
+    <dgm:linClrLst meth="repeat">
+      <a:schemeClr val="accent2"/>
+      <a:schemeClr val="accent3"/>
+      <a:schemeClr val="accent4"/>
+      <a:schemeClr val="accent5"/>
+      <a:schemeClr val="accent6"/>
+    </dgm:linClrLst>
+    <dgm:effectClrLst/>
+    <dgm:txLinClrLst/>
+    <dgm:txFillClrLst meth="repeat">
+      <a:schemeClr val="dk1"/>
+    </dgm:txFillClrLst>
+    <dgm:txEffectClrLst/>
+  </dgm:styleLbl>
+  <dgm:styleLbl name="fgAccFollowNode1">
+    <dgm:fillClrLst meth="repeat">
+      <a:schemeClr val="accent2">
+        <a:tint val="40000"/>
+        <a:alpha val="90000"/>
+      </a:schemeClr>
+      <a:schemeClr val="accent3">
+        <a:tint val="40000"/>
+        <a:alpha val="90000"/>
+      </a:schemeClr>
+      <a:schemeClr val="accent4">
+        <a:tint val="40000"/>
+        <a:alpha val="90000"/>
+      </a:schemeClr>
+      <a:schemeClr val="accent5">
+        <a:tint val="40000"/>
+        <a:alpha val="90000"/>
+      </a:schemeClr>
+      <a:schemeClr val="accent6">
+        <a:tint val="40000"/>
+        <a:alpha val="90000"/>
+      </a:schemeClr>
+    </dgm:fillClrLst>
+    <dgm:linClrLst meth="repeat">
+      <a:schemeClr val="accent2">
+        <a:tint val="40000"/>
+        <a:alpha val="90000"/>
+      </a:schemeClr>
+      <a:schemeClr val="accent3">
+        <a:tint val="40000"/>
+        <a:alpha val="90000"/>
+      </a:schemeClr>
+      <a:schemeClr val="accent4">
+        <a:tint val="40000"/>
+        <a:alpha val="90000"/>
+      </a:schemeClr>
+      <a:schemeClr val="accent5">
+        <a:tint val="40000"/>
+        <a:alpha val="90000"/>
+      </a:schemeClr>
+      <a:schemeClr val="accent6">
+        <a:tint val="40000"/>
+        <a:alpha val="90000"/>
+      </a:schemeClr>
+    </dgm:linClrLst>
+    <dgm:effectClrLst/>
+    <dgm:txLinClrLst/>
+    <dgm:txFillClrLst meth="repeat">
+      <a:schemeClr val="dk1"/>
+    </dgm:txFillClrLst>
+    <dgm:txEffectClrLst/>
+  </dgm:styleLbl>
+  <dgm:styleLbl name="alignAccFollowNode1">
+    <dgm:fillClrLst meth="repeat">
+      <a:schemeClr val="accent2">
+        <a:tint val="40000"/>
+        <a:alpha val="90000"/>
+      </a:schemeClr>
+      <a:schemeClr val="accent3">
+        <a:tint val="40000"/>
+        <a:alpha val="90000"/>
+      </a:schemeClr>
+      <a:schemeClr val="accent4">
+        <a:tint val="40000"/>
+        <a:alpha val="90000"/>
+      </a:schemeClr>
+      <a:schemeClr val="accent5">
+        <a:tint val="40000"/>
+        <a:alpha val="90000"/>
+      </a:schemeClr>
+      <a:schemeClr val="accent6">
+        <a:tint val="40000"/>
+        <a:alpha val="90000"/>
+      </a:schemeClr>
+    </dgm:fillClrLst>
+    <dgm:linClrLst meth="repeat">
+      <a:schemeClr val="accent2">
+        <a:tint val="40000"/>
+        <a:alpha val="90000"/>
+      </a:schemeClr>
+      <a:schemeClr val="accent3">
+        <a:tint val="40000"/>
+        <a:alpha val="90000"/>
+      </a:schemeClr>
+      <a:schemeClr val="accent4">
+        <a:tint val="40000"/>
+        <a:alpha val="90000"/>
+      </a:schemeClr>
+      <a:schemeClr val="accent5">
+        <a:tint val="40000"/>
+        <a:alpha val="90000"/>
+      </a:schemeClr>
+      <a:schemeClr val="accent6">
+        <a:tint val="40000"/>
+        <a:alpha val="90000"/>
+      </a:schemeClr>
+    </dgm:linClrLst>
+    <dgm:effectClrLst/>
+    <dgm:txLinClrLst/>
+    <dgm:txFillClrLst meth="repeat">
+      <a:schemeClr val="dk1"/>
+    </dgm:txFillClrLst>
+    <dgm:txEffectClrLst/>
+  </dgm:styleLbl>
+  <dgm:styleLbl name="bgAccFollowNode1">
+    <dgm:fillClrLst meth="repeat">
+      <a:schemeClr val="accent2">
+        <a:tint val="40000"/>
+        <a:alpha val="90000"/>
+      </a:schemeClr>
+      <a:schemeClr val="accent3">
+        <a:tint val="40000"/>
+        <a:alpha val="90000"/>
+      </a:schemeClr>
+      <a:schemeClr val="accent4">
+        <a:tint val="40000"/>
+        <a:alpha val="90000"/>
+      </a:schemeClr>
+      <a:schemeClr val="accent5">
+        <a:tint val="40000"/>
+        <a:alpha val="90000"/>
+      </a:schemeClr>
+      <a:schemeClr val="accent6">
+        <a:tint val="40000"/>
+        <a:alpha val="90000"/>
+      </a:schemeClr>
+    </dgm:fillClrLst>
+    <dgm:linClrLst meth="repeat">
+      <a:schemeClr val="accent2">
+        <a:tint val="40000"/>
+        <a:alpha val="90000"/>
+      </a:schemeClr>
+      <a:schemeClr val="accent3">
+        <a:tint val="40000"/>
+        <a:alpha val="90000"/>
+      </a:schemeClr>
+      <a:schemeClr val="accent4">
+        <a:tint val="40000"/>
+        <a:alpha val="90000"/>
+      </a:schemeClr>
+      <a:schemeClr val="accent5">
+        <a:tint val="40000"/>
+        <a:alpha val="90000"/>
+      </a:schemeClr>
+      <a:schemeClr val="accent6">
+        <a:tint val="40000"/>
+        <a:alpha val="90000"/>
+      </a:schemeClr>
+    </dgm:linClrLst>
+    <dgm:effectClrLst/>
+    <dgm:txLinClrLst/>
+    <dgm:txFillClrLst meth="repeat">
+      <a:schemeClr val="dk1"/>
+    </dgm:txFillClrLst>
+    <dgm:txEffectClrLst/>
+  </dgm:styleLbl>
+  <dgm:styleLbl name="fgAcc0">
+    <dgm:fillClrLst meth="repeat">
+      <a:schemeClr val="lt1">
+        <a:alpha val="90000"/>
+      </a:schemeClr>
+    </dgm:fillClrLst>
+    <dgm:linClrLst>
+      <a:schemeClr val="accent1"/>
+    </dgm:linClrLst>
+    <dgm:effectClrLst/>
+    <dgm:txLinClrLst/>
+    <dgm:txFillClrLst meth="repeat">
+      <a:schemeClr val="dk1"/>
+    </dgm:txFillClrLst>
+    <dgm:txEffectClrLst/>
+  </dgm:styleLbl>
+  <dgm:styleLbl name="fgAcc2">
+    <dgm:fillClrLst meth="repeat">
+      <a:schemeClr val="lt1">
+        <a:alpha val="90000"/>
+      </a:schemeClr>
+    </dgm:fillClrLst>
+    <dgm:linClrLst>
+      <a:schemeClr val="accent2"/>
+    </dgm:linClrLst>
+    <dgm:effectClrLst/>
+    <dgm:txLinClrLst/>
+    <dgm:txFillClrLst meth="repeat">
+      <a:schemeClr val="dk1"/>
+    </dgm:txFillClrLst>
+    <dgm:txEffectClrLst/>
+  </dgm:styleLbl>
+  <dgm:styleLbl name="fgAcc3">
+    <dgm:fillClrLst meth="repeat">
+      <a:schemeClr val="lt1">
+        <a:alpha val="90000"/>
+      </a:schemeClr>
+    </dgm:fillClrLst>
+    <dgm:linClrLst>
+      <a:schemeClr val="accent3"/>
+    </dgm:linClrLst>
+    <dgm:effectClrLst/>
+    <dgm:txLinClrLst/>
+    <dgm:txFillClrLst meth="repeat">
+      <a:schemeClr val="dk1"/>
+    </dgm:txFillClrLst>
+    <dgm:txEffectClrLst/>
+  </dgm:styleLbl>
+  <dgm:styleLbl name="fgAcc4">
+    <dgm:fillClrLst meth="repeat">
+      <a:schemeClr val="lt1">
+        <a:alpha val="90000"/>
+      </a:schemeClr>
+    </dgm:fillClrLst>
+    <dgm:linClrLst>
+      <a:schemeClr val="accent4"/>
+    </dgm:linClrLst>
+    <dgm:effectClrLst/>
+    <dgm:txLinClrLst/>
+    <dgm:txFillClrLst meth="repeat">
+      <a:schemeClr val="dk1"/>
+    </dgm:txFillClrLst>
+    <dgm:txEffectClrLst/>
+  </dgm:styleLbl>
+  <dgm:styleLbl name="bgShp">
+    <dgm:fillClrLst meth="repeat">
+      <a:schemeClr val="accent2">
+        <a:tint val="40000"/>
+      </a:schemeClr>
+    </dgm:fillClrLst>
+    <dgm:linClrLst meth="repeat">
+      <a:schemeClr val="dk1"/>
+    </dgm:linClrLst>
+    <dgm:effectClrLst/>
+    <dgm:txLinClrLst/>
+    <dgm:txFillClrLst meth="repeat">
+      <a:schemeClr val="dk1"/>
+    </dgm:txFillClrLst>
+    <dgm:txEffectClrLst/>
+  </dgm:styleLbl>
+  <dgm:styleLbl name="dkBgShp">
+    <dgm:fillClrLst meth="repeat">
+      <a:schemeClr val="accent2">
+        <a:shade val="90000"/>
+      </a:schemeClr>
+    </dgm:fillClrLst>
+    <dgm:linClrLst meth="repeat">
+      <a:schemeClr val="dk1"/>
+    </dgm:linClrLst>
+    <dgm:effectClrLst/>
+    <dgm:txLinClrLst/>
+    <dgm:txFillClrLst meth="repeat">
+      <a:schemeClr val="lt1"/>
+    </dgm:txFillClrLst>
+    <dgm:txEffectClrLst/>
+  </dgm:styleLbl>
+  <dgm:styleLbl name="trBgShp">
+    <dgm:fillClrLst meth="repeat">
+      <a:schemeClr val="accent1">
+        <a:tint val="50000"/>
+        <a:alpha val="40000"/>
+      </a:schemeClr>
+    </dgm:fillClrLst>
+    <dgm:linClrLst meth="repeat">
+      <a:schemeClr val="accent2"/>
+    </dgm:linClrLst>
+    <dgm:effectClrLst/>
+    <dgm:txLinClrLst/>
+    <dgm:txFillClrLst meth="repeat">
+      <a:schemeClr val="lt1"/>
+    </dgm:txFillClrLst>
+    <dgm:txEffectClrLst/>
+  </dgm:styleLbl>
+  <dgm:styleLbl name="fgShp">
+    <dgm:fillClrLst meth="repeat">
+      <a:schemeClr val="accent2">
+        <a:tint val="40000"/>
+      </a:schemeClr>
+    </dgm:fillClrLst>
+    <dgm:linClrLst meth="repeat">
+      <a:schemeClr val="lt1"/>
+    </dgm:linClrLst>
+    <dgm:effectClrLst/>
+    <dgm:txLinClrLst/>
+    <dgm:txFillClrLst meth="repeat">
+      <a:schemeClr val="dk1"/>
+    </dgm:txFillClrLst>
+    <dgm:txEffectClrLst/>
+  </dgm:styleLbl>
+  <dgm:styleLbl name="revTx">
+    <dgm:fillClrLst meth="repeat">
+      <a:schemeClr val="lt1">
+        <a:alpha val="0"/>
+      </a:schemeClr>
+    </dgm:fillClrLst>
+    <dgm:linClrLst meth="repeat">
+      <a:schemeClr val="dk1">
+        <a:alpha val="0"/>
+      </a:schemeClr>
+    </dgm:linClrLst>
+    <dgm:effectClrLst/>
+    <dgm:txLinClrLst/>
+    <dgm:txFillClrLst meth="repeat">
+      <a:schemeClr val="tx1"/>
+    </dgm:txFillClrLst>
+    <dgm:txEffectClrLst/>
+  </dgm:styleLbl>
+</dgm:colorsDef>
+</file>
+
+<file path=ppt/diagrams/data1.xml><?xml version="1.0" encoding="utf-8"?>
+<dgm:dataModel xmlns:dgm="http://schemas.openxmlformats.org/drawingml/2006/diagram" xmlns:a="http://schemas.openxmlformats.org/drawingml/2006/main">
+  <dgm:ptLst>
+    <dgm:pt modelId="{FDC28ED3-693D-4854-A654-FCC5EAA3058D}" type="doc">
+      <dgm:prSet loTypeId="urn:microsoft.com/office/officeart/2016/7/layout/RepeatingBendingProcessNew" loCatId="process" qsTypeId="urn:microsoft.com/office/officeart/2005/8/quickstyle/simple4" qsCatId="simple" csTypeId="urn:microsoft.com/office/officeart/2005/8/colors/colorful1" csCatId="colorful"/>
+      <dgm:spPr/>
+      <dgm:t>
+        <a:bodyPr/>
+        <a:lstStyle/>
+        <a:p>
+          <a:endParaRPr lang="en-US"/>
+        </a:p>
+      </dgm:t>
+    </dgm:pt>
+    <dgm:pt modelId="{0517F615-5CF3-4786-A708-7AB16000F7E9}">
+      <dgm:prSet/>
+      <dgm:spPr/>
+      <dgm:t>
+        <a:bodyPr/>
+        <a:lstStyle/>
+        <a:p>
+          <a:r>
+            <a:rPr lang="hu-HU"/>
+            <a:t>Projektünk célja egy webshop létrehozása, melyen a felhasználók számítógép alkatrészeket, különböző hardware elemeket tudnak vásárolni.</a:t>
+          </a:r>
+          <a:endParaRPr lang="en-US"/>
+        </a:p>
+      </dgm:t>
+    </dgm:pt>
+    <dgm:pt modelId="{951BD995-B499-48DC-BAEE-B0B4D67F58DB}" type="parTrans" cxnId="{3DE61A38-B8CC-4BF5-8932-78819EE83EF5}">
+      <dgm:prSet/>
+      <dgm:spPr/>
+      <dgm:t>
+        <a:bodyPr/>
+        <a:lstStyle/>
+        <a:p>
+          <a:endParaRPr lang="en-US"/>
+        </a:p>
+      </dgm:t>
+    </dgm:pt>
+    <dgm:pt modelId="{A3075435-B546-42DA-AACD-321D3EC9C8B4}" type="sibTrans" cxnId="{3DE61A38-B8CC-4BF5-8932-78819EE83EF5}">
+      <dgm:prSet/>
+      <dgm:spPr/>
+      <dgm:t>
+        <a:bodyPr/>
+        <a:lstStyle/>
+        <a:p>
+          <a:endParaRPr lang="en-US"/>
+        </a:p>
+      </dgm:t>
+    </dgm:pt>
+    <dgm:pt modelId="{2CCD1438-4051-4038-9B49-D34C9D61D875}">
+      <dgm:prSet/>
+      <dgm:spPr/>
+      <dgm:t>
+        <a:bodyPr/>
+        <a:lstStyle/>
+        <a:p>
+          <a:r>
+            <a:rPr lang="hu-HU"/>
+            <a:t>Weboldalunk egyedi tulajdonsága, hogy licitálási funkcióval is rendelkezik. </a:t>
+          </a:r>
+          <a:endParaRPr lang="en-US"/>
+        </a:p>
+      </dgm:t>
+    </dgm:pt>
+    <dgm:pt modelId="{00A76E80-DA97-4672-B2D7-7FAE6E1B3E26}" type="parTrans" cxnId="{6E7A3138-2830-4FE8-920A-CC7AD11610A6}">
+      <dgm:prSet/>
+      <dgm:spPr/>
+      <dgm:t>
+        <a:bodyPr/>
+        <a:lstStyle/>
+        <a:p>
+          <a:endParaRPr lang="en-US"/>
+        </a:p>
+      </dgm:t>
+    </dgm:pt>
+    <dgm:pt modelId="{1104F6C3-BC24-4A9C-94B2-B4F45E4BAB81}" type="sibTrans" cxnId="{6E7A3138-2830-4FE8-920A-CC7AD11610A6}">
+      <dgm:prSet/>
+      <dgm:spPr/>
+      <dgm:t>
+        <a:bodyPr/>
+        <a:lstStyle/>
+        <a:p>
+          <a:endParaRPr lang="en-US"/>
+        </a:p>
+      </dgm:t>
+    </dgm:pt>
+    <dgm:pt modelId="{300D3669-BFB8-4663-B6E4-06B18732DF9D}">
+      <dgm:prSet/>
+      <dgm:spPr/>
+      <dgm:t>
+        <a:bodyPr/>
+        <a:lstStyle/>
+        <a:p>
+          <a:r>
+            <a:rPr lang="hu-HU"/>
+            <a:t>Ezen a felületen olyan termékek kapnak helyet, amelyek forgalmazását és vagy gyártását már beszüntették.</a:t>
+          </a:r>
+          <a:endParaRPr lang="en-US"/>
+        </a:p>
+      </dgm:t>
+    </dgm:pt>
+    <dgm:pt modelId="{5D118DFB-8146-43C2-B28A-EE020BBBF99A}" type="parTrans" cxnId="{43D46A1F-9427-4C44-89C9-48B4D6C2D227}">
+      <dgm:prSet/>
+      <dgm:spPr/>
+      <dgm:t>
+        <a:bodyPr/>
+        <a:lstStyle/>
+        <a:p>
+          <a:endParaRPr lang="en-US"/>
+        </a:p>
+      </dgm:t>
+    </dgm:pt>
+    <dgm:pt modelId="{DA016EF8-4E83-46EC-A6FC-A1C1D185D717}" type="sibTrans" cxnId="{43D46A1F-9427-4C44-89C9-48B4D6C2D227}">
+      <dgm:prSet/>
+      <dgm:spPr/>
+      <dgm:t>
+        <a:bodyPr/>
+        <a:lstStyle/>
+        <a:p>
+          <a:endParaRPr lang="en-US"/>
+        </a:p>
+      </dgm:t>
+    </dgm:pt>
+    <dgm:pt modelId="{D3C4C5C6-AFDC-42C2-9346-6BB1C48AFBAE}">
+      <dgm:prSet/>
+      <dgm:spPr/>
+      <dgm:t>
+        <a:bodyPr/>
+        <a:lstStyle/>
+        <a:p>
+          <a:r>
+            <a:rPr lang="hu-HU"/>
+            <a:t>A termékek állapota ettől függetlenül lehet még gyári, eredeti bontatlan vagy használt, másod kézből való. </a:t>
+          </a:r>
+          <a:endParaRPr lang="en-US"/>
+        </a:p>
+      </dgm:t>
+    </dgm:pt>
+    <dgm:pt modelId="{E5D385D7-543D-4004-A50E-0C3FE3239F90}" type="parTrans" cxnId="{4FBD629A-7080-4848-BBA6-261BD2141621}">
+      <dgm:prSet/>
+      <dgm:spPr/>
+      <dgm:t>
+        <a:bodyPr/>
+        <a:lstStyle/>
+        <a:p>
+          <a:endParaRPr lang="en-US"/>
+        </a:p>
+      </dgm:t>
+    </dgm:pt>
+    <dgm:pt modelId="{A90C4144-D582-44EC-A61C-79E028168E98}" type="sibTrans" cxnId="{4FBD629A-7080-4848-BBA6-261BD2141621}">
+      <dgm:prSet/>
+      <dgm:spPr/>
+      <dgm:t>
+        <a:bodyPr/>
+        <a:lstStyle/>
+        <a:p>
+          <a:endParaRPr lang="en-US"/>
+        </a:p>
+      </dgm:t>
+    </dgm:pt>
+    <dgm:pt modelId="{A24FCD8B-7E88-423A-8DD6-E577DFBB13A5}">
+      <dgm:prSet/>
+      <dgm:spPr/>
+      <dgm:t>
+        <a:bodyPr/>
+        <a:lstStyle/>
+        <a:p>
+          <a:r>
+            <a:rPr lang="hu-HU"/>
+            <a:t>A funkció lehetőséget biztosít a felhasználók számára, hogy ezen a hardware elemeket akár kedvezőbb áron szerezzék be. </a:t>
+          </a:r>
+          <a:endParaRPr lang="en-US"/>
+        </a:p>
+      </dgm:t>
+    </dgm:pt>
+    <dgm:pt modelId="{B131012E-09EE-451D-89E7-645DC7ED4D14}" type="parTrans" cxnId="{899D7121-9FE6-4B56-AA2B-B810AF05372D}">
+      <dgm:prSet/>
+      <dgm:spPr/>
+      <dgm:t>
+        <a:bodyPr/>
+        <a:lstStyle/>
+        <a:p>
+          <a:endParaRPr lang="en-US"/>
+        </a:p>
+      </dgm:t>
+    </dgm:pt>
+    <dgm:pt modelId="{FB0350C9-1C89-4521-8CEB-5CBF7500B826}" type="sibTrans" cxnId="{899D7121-9FE6-4B56-AA2B-B810AF05372D}">
+      <dgm:prSet/>
+      <dgm:spPr/>
+      <dgm:t>
+        <a:bodyPr/>
+        <a:lstStyle/>
+        <a:p>
+          <a:endParaRPr lang="en-US"/>
+        </a:p>
+      </dgm:t>
+    </dgm:pt>
+    <dgm:pt modelId="{278CFE42-611E-46A5-8855-AAECCB9E7B24}">
+      <dgm:prSet/>
+      <dgm:spPr/>
+      <dgm:t>
+        <a:bodyPr/>
+        <a:lstStyle/>
+        <a:p>
+          <a:r>
+            <a:rPr lang="hu-HU"/>
+            <a:t>Továbbá a ritka, gyűjtők számára értékes alkatrészeket is ennek a funkciónak az alkalmazásával szeretnénk értékesíteni.</a:t>
+          </a:r>
+          <a:endParaRPr lang="en-US"/>
+        </a:p>
+      </dgm:t>
+    </dgm:pt>
+    <dgm:pt modelId="{F75A987C-DE2A-4F98-8DCA-B53AED8A3122}" type="parTrans" cxnId="{76E9B186-ED39-4634-AEB9-94FFD5E01461}">
+      <dgm:prSet/>
+      <dgm:spPr/>
+      <dgm:t>
+        <a:bodyPr/>
+        <a:lstStyle/>
+        <a:p>
+          <a:endParaRPr lang="en-US"/>
+        </a:p>
+      </dgm:t>
+    </dgm:pt>
+    <dgm:pt modelId="{6E35B9FE-520D-47CF-8C4F-4191712EFD5F}" type="sibTrans" cxnId="{76E9B186-ED39-4634-AEB9-94FFD5E01461}">
+      <dgm:prSet/>
+      <dgm:spPr/>
+      <dgm:t>
+        <a:bodyPr/>
+        <a:lstStyle/>
+        <a:p>
+          <a:endParaRPr lang="en-US"/>
+        </a:p>
+      </dgm:t>
+    </dgm:pt>
+    <dgm:pt modelId="{65666B51-514D-453D-ABDA-8BBE160A5018}" type="pres">
+      <dgm:prSet presAssocID="{FDC28ED3-693D-4854-A654-FCC5EAA3058D}" presName="Name0" presStyleCnt="0">
+        <dgm:presLayoutVars>
+          <dgm:dir/>
+          <dgm:resizeHandles val="exact"/>
+        </dgm:presLayoutVars>
+      </dgm:prSet>
+      <dgm:spPr/>
+    </dgm:pt>
+    <dgm:pt modelId="{C3063529-39A9-4506-ACFD-077346DA2274}" type="pres">
+      <dgm:prSet presAssocID="{0517F615-5CF3-4786-A708-7AB16000F7E9}" presName="node" presStyleLbl="node1" presStyleIdx="0" presStyleCnt="6">
+        <dgm:presLayoutVars>
+          <dgm:bulletEnabled val="1"/>
+        </dgm:presLayoutVars>
+      </dgm:prSet>
+      <dgm:spPr/>
+    </dgm:pt>
+    <dgm:pt modelId="{7FDAED56-2D46-4D91-B2E9-C81D59203D69}" type="pres">
+      <dgm:prSet presAssocID="{A3075435-B546-42DA-AACD-321D3EC9C8B4}" presName="sibTrans" presStyleLbl="sibTrans1D1" presStyleIdx="0" presStyleCnt="5"/>
+      <dgm:spPr/>
+    </dgm:pt>
+    <dgm:pt modelId="{ABD35BDC-9F05-4201-A256-409402A415CA}" type="pres">
+      <dgm:prSet presAssocID="{A3075435-B546-42DA-AACD-321D3EC9C8B4}" presName="connectorText" presStyleLbl="sibTrans1D1" presStyleIdx="0" presStyleCnt="5"/>
+      <dgm:spPr/>
+    </dgm:pt>
+    <dgm:pt modelId="{203730B9-95EB-456B-B4CF-029A68FA7486}" type="pres">
+      <dgm:prSet presAssocID="{2CCD1438-4051-4038-9B49-D34C9D61D875}" presName="node" presStyleLbl="node1" presStyleIdx="1" presStyleCnt="6">
+        <dgm:presLayoutVars>
+          <dgm:bulletEnabled val="1"/>
+        </dgm:presLayoutVars>
+      </dgm:prSet>
+      <dgm:spPr/>
+    </dgm:pt>
+    <dgm:pt modelId="{0EE86574-E1EA-4899-B9D2-B00128E45053}" type="pres">
+      <dgm:prSet presAssocID="{1104F6C3-BC24-4A9C-94B2-B4F45E4BAB81}" presName="sibTrans" presStyleLbl="sibTrans1D1" presStyleIdx="1" presStyleCnt="5"/>
+      <dgm:spPr/>
+    </dgm:pt>
+    <dgm:pt modelId="{5D42696C-4ED7-45A3-9CFF-234B60EFF147}" type="pres">
+      <dgm:prSet presAssocID="{1104F6C3-BC24-4A9C-94B2-B4F45E4BAB81}" presName="connectorText" presStyleLbl="sibTrans1D1" presStyleIdx="1" presStyleCnt="5"/>
+      <dgm:spPr/>
+    </dgm:pt>
+    <dgm:pt modelId="{0F87DA73-7B4D-4E67-A5C3-846D34649EFE}" type="pres">
+      <dgm:prSet presAssocID="{300D3669-BFB8-4663-B6E4-06B18732DF9D}" presName="node" presStyleLbl="node1" presStyleIdx="2" presStyleCnt="6">
+        <dgm:presLayoutVars>
+          <dgm:bulletEnabled val="1"/>
+        </dgm:presLayoutVars>
+      </dgm:prSet>
+      <dgm:spPr/>
+    </dgm:pt>
+    <dgm:pt modelId="{DA1808E9-0DCB-4923-8701-7E81923D2E14}" type="pres">
+      <dgm:prSet presAssocID="{DA016EF8-4E83-46EC-A6FC-A1C1D185D717}" presName="sibTrans" presStyleLbl="sibTrans1D1" presStyleIdx="2" presStyleCnt="5"/>
+      <dgm:spPr/>
+    </dgm:pt>
+    <dgm:pt modelId="{01610AC1-C2E9-4084-B270-4CCCE46D9015}" type="pres">
+      <dgm:prSet presAssocID="{DA016EF8-4E83-46EC-A6FC-A1C1D185D717}" presName="connectorText" presStyleLbl="sibTrans1D1" presStyleIdx="2" presStyleCnt="5"/>
+      <dgm:spPr/>
+    </dgm:pt>
+    <dgm:pt modelId="{245E51B4-FAC9-4CDA-97D7-982396F64D90}" type="pres">
+      <dgm:prSet presAssocID="{D3C4C5C6-AFDC-42C2-9346-6BB1C48AFBAE}" presName="node" presStyleLbl="node1" presStyleIdx="3" presStyleCnt="6">
+        <dgm:presLayoutVars>
+          <dgm:bulletEnabled val="1"/>
+        </dgm:presLayoutVars>
+      </dgm:prSet>
+      <dgm:spPr/>
+    </dgm:pt>
+    <dgm:pt modelId="{71E1F75C-BD90-468B-AFA3-9B0165FC47A4}" type="pres">
+      <dgm:prSet presAssocID="{A90C4144-D582-44EC-A61C-79E028168E98}" presName="sibTrans" presStyleLbl="sibTrans1D1" presStyleIdx="3" presStyleCnt="5"/>
+      <dgm:spPr/>
+    </dgm:pt>
+    <dgm:pt modelId="{DC428F86-7630-4A0C-AA2C-85A37CFDCF51}" type="pres">
+      <dgm:prSet presAssocID="{A90C4144-D582-44EC-A61C-79E028168E98}" presName="connectorText" presStyleLbl="sibTrans1D1" presStyleIdx="3" presStyleCnt="5"/>
+      <dgm:spPr/>
+    </dgm:pt>
+    <dgm:pt modelId="{7D2F7EEC-70E2-4926-9BC5-0649FE62AEF4}" type="pres">
+      <dgm:prSet presAssocID="{A24FCD8B-7E88-423A-8DD6-E577DFBB13A5}" presName="node" presStyleLbl="node1" presStyleIdx="4" presStyleCnt="6">
+        <dgm:presLayoutVars>
+          <dgm:bulletEnabled val="1"/>
+        </dgm:presLayoutVars>
+      </dgm:prSet>
+      <dgm:spPr/>
+    </dgm:pt>
+    <dgm:pt modelId="{4064D003-79B0-4B3A-9863-F9467397C6AC}" type="pres">
+      <dgm:prSet presAssocID="{FB0350C9-1C89-4521-8CEB-5CBF7500B826}" presName="sibTrans" presStyleLbl="sibTrans1D1" presStyleIdx="4" presStyleCnt="5"/>
+      <dgm:spPr/>
+    </dgm:pt>
+    <dgm:pt modelId="{494EF920-8923-42D3-92EA-68C3095B3B2B}" type="pres">
+      <dgm:prSet presAssocID="{FB0350C9-1C89-4521-8CEB-5CBF7500B826}" presName="connectorText" presStyleLbl="sibTrans1D1" presStyleIdx="4" presStyleCnt="5"/>
+      <dgm:spPr/>
+    </dgm:pt>
+    <dgm:pt modelId="{BBE2DDB4-5416-47BE-BC53-270248D992F4}" type="pres">
+      <dgm:prSet presAssocID="{278CFE42-611E-46A5-8855-AAECCB9E7B24}" presName="node" presStyleLbl="node1" presStyleIdx="5" presStyleCnt="6">
+        <dgm:presLayoutVars>
+          <dgm:bulletEnabled val="1"/>
+        </dgm:presLayoutVars>
+      </dgm:prSet>
+      <dgm:spPr/>
+    </dgm:pt>
+  </dgm:ptLst>
+  <dgm:cxnLst>
+    <dgm:cxn modelId="{9ABB7C18-5D1E-4C06-AD0B-86CA85BC4FD9}" type="presOf" srcId="{2CCD1438-4051-4038-9B49-D34C9D61D875}" destId="{203730B9-95EB-456B-B4CF-029A68FA7486}" srcOrd="0" destOrd="0" presId="urn:microsoft.com/office/officeart/2016/7/layout/RepeatingBendingProcessNew"/>
+    <dgm:cxn modelId="{43D46A1F-9427-4C44-89C9-48B4D6C2D227}" srcId="{FDC28ED3-693D-4854-A654-FCC5EAA3058D}" destId="{300D3669-BFB8-4663-B6E4-06B18732DF9D}" srcOrd="2" destOrd="0" parTransId="{5D118DFB-8146-43C2-B28A-EE020BBBF99A}" sibTransId="{DA016EF8-4E83-46EC-A6FC-A1C1D185D717}"/>
+    <dgm:cxn modelId="{899D7121-9FE6-4B56-AA2B-B810AF05372D}" srcId="{FDC28ED3-693D-4854-A654-FCC5EAA3058D}" destId="{A24FCD8B-7E88-423A-8DD6-E577DFBB13A5}" srcOrd="4" destOrd="0" parTransId="{B131012E-09EE-451D-89E7-645DC7ED4D14}" sibTransId="{FB0350C9-1C89-4521-8CEB-5CBF7500B826}"/>
+    <dgm:cxn modelId="{B35EB52E-9E0A-46EC-9FDC-CCC0C3117D85}" type="presOf" srcId="{FB0350C9-1C89-4521-8CEB-5CBF7500B826}" destId="{494EF920-8923-42D3-92EA-68C3095B3B2B}" srcOrd="1" destOrd="0" presId="urn:microsoft.com/office/officeart/2016/7/layout/RepeatingBendingProcessNew"/>
+    <dgm:cxn modelId="{3DE61A38-B8CC-4BF5-8932-78819EE83EF5}" srcId="{FDC28ED3-693D-4854-A654-FCC5EAA3058D}" destId="{0517F615-5CF3-4786-A708-7AB16000F7E9}" srcOrd="0" destOrd="0" parTransId="{951BD995-B499-48DC-BAEE-B0B4D67F58DB}" sibTransId="{A3075435-B546-42DA-AACD-321D3EC9C8B4}"/>
+    <dgm:cxn modelId="{6E7A3138-2830-4FE8-920A-CC7AD11610A6}" srcId="{FDC28ED3-693D-4854-A654-FCC5EAA3058D}" destId="{2CCD1438-4051-4038-9B49-D34C9D61D875}" srcOrd="1" destOrd="0" parTransId="{00A76E80-DA97-4672-B2D7-7FAE6E1B3E26}" sibTransId="{1104F6C3-BC24-4A9C-94B2-B4F45E4BAB81}"/>
+    <dgm:cxn modelId="{35198D3C-D665-481B-AD7D-F2E94BA20582}" type="presOf" srcId="{FDC28ED3-693D-4854-A654-FCC5EAA3058D}" destId="{65666B51-514D-453D-ABDA-8BBE160A5018}" srcOrd="0" destOrd="0" presId="urn:microsoft.com/office/officeart/2016/7/layout/RepeatingBendingProcessNew"/>
+    <dgm:cxn modelId="{E428A75D-EC0F-4CD1-AB56-9F92F5892CD4}" type="presOf" srcId="{1104F6C3-BC24-4A9C-94B2-B4F45E4BAB81}" destId="{0EE86574-E1EA-4899-B9D2-B00128E45053}" srcOrd="0" destOrd="0" presId="urn:microsoft.com/office/officeart/2016/7/layout/RepeatingBendingProcessNew"/>
+    <dgm:cxn modelId="{C57BD165-A4AF-4010-9CCE-F96D1A5DDCDB}" type="presOf" srcId="{300D3669-BFB8-4663-B6E4-06B18732DF9D}" destId="{0F87DA73-7B4D-4E67-A5C3-846D34649EFE}" srcOrd="0" destOrd="0" presId="urn:microsoft.com/office/officeart/2016/7/layout/RepeatingBendingProcessNew"/>
+    <dgm:cxn modelId="{A5D3E074-A508-42CF-A2A3-CEB4F046ABF3}" type="presOf" srcId="{A3075435-B546-42DA-AACD-321D3EC9C8B4}" destId="{7FDAED56-2D46-4D91-B2E9-C81D59203D69}" srcOrd="0" destOrd="0" presId="urn:microsoft.com/office/officeart/2016/7/layout/RepeatingBendingProcessNew"/>
+    <dgm:cxn modelId="{F4D8E278-D000-4CD5-B94A-728F4EC17864}" type="presOf" srcId="{A90C4144-D582-44EC-A61C-79E028168E98}" destId="{DC428F86-7630-4A0C-AA2C-85A37CFDCF51}" srcOrd="1" destOrd="0" presId="urn:microsoft.com/office/officeart/2016/7/layout/RepeatingBendingProcessNew"/>
+    <dgm:cxn modelId="{BC6C2D7B-1B37-4163-BB4F-83A186366F5D}" type="presOf" srcId="{0517F615-5CF3-4786-A708-7AB16000F7E9}" destId="{C3063529-39A9-4506-ACFD-077346DA2274}" srcOrd="0" destOrd="0" presId="urn:microsoft.com/office/officeart/2016/7/layout/RepeatingBendingProcessNew"/>
+    <dgm:cxn modelId="{5AA5D87C-2A89-405D-B1D9-1242551A21BF}" type="presOf" srcId="{A90C4144-D582-44EC-A61C-79E028168E98}" destId="{71E1F75C-BD90-468B-AFA3-9B0165FC47A4}" srcOrd="0" destOrd="0" presId="urn:microsoft.com/office/officeart/2016/7/layout/RepeatingBendingProcessNew"/>
+    <dgm:cxn modelId="{6ADDBA7D-D638-4E48-92EC-793B127557C5}" type="presOf" srcId="{1104F6C3-BC24-4A9C-94B2-B4F45E4BAB81}" destId="{5D42696C-4ED7-45A3-9CFF-234B60EFF147}" srcOrd="1" destOrd="0" presId="urn:microsoft.com/office/officeart/2016/7/layout/RepeatingBendingProcessNew"/>
+    <dgm:cxn modelId="{76E9B186-ED39-4634-AEB9-94FFD5E01461}" srcId="{FDC28ED3-693D-4854-A654-FCC5EAA3058D}" destId="{278CFE42-611E-46A5-8855-AAECCB9E7B24}" srcOrd="5" destOrd="0" parTransId="{F75A987C-DE2A-4F98-8DCA-B53AED8A3122}" sibTransId="{6E35B9FE-520D-47CF-8C4F-4191712EFD5F}"/>
+    <dgm:cxn modelId="{5006F187-7966-411D-A5B1-6137496DA50A}" type="presOf" srcId="{DA016EF8-4E83-46EC-A6FC-A1C1D185D717}" destId="{01610AC1-C2E9-4084-B270-4CCCE46D9015}" srcOrd="1" destOrd="0" presId="urn:microsoft.com/office/officeart/2016/7/layout/RepeatingBendingProcessNew"/>
+    <dgm:cxn modelId="{39CB6389-514B-4566-B1BD-B17F7087F72D}" type="presOf" srcId="{DA016EF8-4E83-46EC-A6FC-A1C1D185D717}" destId="{DA1808E9-0DCB-4923-8701-7E81923D2E14}" srcOrd="0" destOrd="0" presId="urn:microsoft.com/office/officeart/2016/7/layout/RepeatingBendingProcessNew"/>
+    <dgm:cxn modelId="{4FBD629A-7080-4848-BBA6-261BD2141621}" srcId="{FDC28ED3-693D-4854-A654-FCC5EAA3058D}" destId="{D3C4C5C6-AFDC-42C2-9346-6BB1C48AFBAE}" srcOrd="3" destOrd="0" parTransId="{E5D385D7-543D-4004-A50E-0C3FE3239F90}" sibTransId="{A90C4144-D582-44EC-A61C-79E028168E98}"/>
+    <dgm:cxn modelId="{8161D8A3-B0D4-4A6A-939E-2A8860EE3D6B}" type="presOf" srcId="{278CFE42-611E-46A5-8855-AAECCB9E7B24}" destId="{BBE2DDB4-5416-47BE-BC53-270248D992F4}" srcOrd="0" destOrd="0" presId="urn:microsoft.com/office/officeart/2016/7/layout/RepeatingBendingProcessNew"/>
+    <dgm:cxn modelId="{6A0998CB-BCA0-421F-AE84-AD48731AABBD}" type="presOf" srcId="{FB0350C9-1C89-4521-8CEB-5CBF7500B826}" destId="{4064D003-79B0-4B3A-9863-F9467397C6AC}" srcOrd="0" destOrd="0" presId="urn:microsoft.com/office/officeart/2016/7/layout/RepeatingBendingProcessNew"/>
+    <dgm:cxn modelId="{6B0E36D0-AD37-4B4D-890B-59AF10AFDA2E}" type="presOf" srcId="{D3C4C5C6-AFDC-42C2-9346-6BB1C48AFBAE}" destId="{245E51B4-FAC9-4CDA-97D7-982396F64D90}" srcOrd="0" destOrd="0" presId="urn:microsoft.com/office/officeart/2016/7/layout/RepeatingBendingProcessNew"/>
+    <dgm:cxn modelId="{1316E1EC-7403-4107-8482-098E5BFCBE7C}" type="presOf" srcId="{A3075435-B546-42DA-AACD-321D3EC9C8B4}" destId="{ABD35BDC-9F05-4201-A256-409402A415CA}" srcOrd="1" destOrd="0" presId="urn:microsoft.com/office/officeart/2016/7/layout/RepeatingBendingProcessNew"/>
+    <dgm:cxn modelId="{9A562AFD-FA9E-4900-B84B-EED12D35E331}" type="presOf" srcId="{A24FCD8B-7E88-423A-8DD6-E577DFBB13A5}" destId="{7D2F7EEC-70E2-4926-9BC5-0649FE62AEF4}" srcOrd="0" destOrd="0" presId="urn:microsoft.com/office/officeart/2016/7/layout/RepeatingBendingProcessNew"/>
+    <dgm:cxn modelId="{B30F625A-9BFC-4359-A1F6-BC836C2A8086}" type="presParOf" srcId="{65666B51-514D-453D-ABDA-8BBE160A5018}" destId="{C3063529-39A9-4506-ACFD-077346DA2274}" srcOrd="0" destOrd="0" presId="urn:microsoft.com/office/officeart/2016/7/layout/RepeatingBendingProcessNew"/>
+    <dgm:cxn modelId="{F0564DD2-9131-4944-A1ED-FE749DDB1999}" type="presParOf" srcId="{65666B51-514D-453D-ABDA-8BBE160A5018}" destId="{7FDAED56-2D46-4D91-B2E9-C81D59203D69}" srcOrd="1" destOrd="0" presId="urn:microsoft.com/office/officeart/2016/7/layout/RepeatingBendingProcessNew"/>
+    <dgm:cxn modelId="{027F2DAC-FBB9-4DEE-8880-4130B0508EC5}" type="presParOf" srcId="{7FDAED56-2D46-4D91-B2E9-C81D59203D69}" destId="{ABD35BDC-9F05-4201-A256-409402A415CA}" srcOrd="0" destOrd="0" presId="urn:microsoft.com/office/officeart/2016/7/layout/RepeatingBendingProcessNew"/>
+    <dgm:cxn modelId="{EBD37011-95B1-4820-A397-7B55E613EAA9}" type="presParOf" srcId="{65666B51-514D-453D-ABDA-8BBE160A5018}" destId="{203730B9-95EB-456B-B4CF-029A68FA7486}" srcOrd="2" destOrd="0" presId="urn:microsoft.com/office/officeart/2016/7/layout/RepeatingBendingProcessNew"/>
+    <dgm:cxn modelId="{E039FF3C-FEEE-4410-AC57-1B45FC0B91D6}" type="presParOf" srcId="{65666B51-514D-453D-ABDA-8BBE160A5018}" destId="{0EE86574-E1EA-4899-B9D2-B00128E45053}" srcOrd="3" destOrd="0" presId="urn:microsoft.com/office/officeart/2016/7/layout/RepeatingBendingProcessNew"/>
+    <dgm:cxn modelId="{8540EA7F-29C5-414F-B7D9-AAFB97AB328B}" type="presParOf" srcId="{0EE86574-E1EA-4899-B9D2-B00128E45053}" destId="{5D42696C-4ED7-45A3-9CFF-234B60EFF147}" srcOrd="0" destOrd="0" presId="urn:microsoft.com/office/officeart/2016/7/layout/RepeatingBendingProcessNew"/>
+    <dgm:cxn modelId="{775EF2E5-0C4A-4D92-BA37-E2537F7D0357}" type="presParOf" srcId="{65666B51-514D-453D-ABDA-8BBE160A5018}" destId="{0F87DA73-7B4D-4E67-A5C3-846D34649EFE}" srcOrd="4" destOrd="0" presId="urn:microsoft.com/office/officeart/2016/7/layout/RepeatingBendingProcessNew"/>
+    <dgm:cxn modelId="{69A2A5E2-4D05-4BB5-87F4-4E21D9F15202}" type="presParOf" srcId="{65666B51-514D-453D-ABDA-8BBE160A5018}" destId="{DA1808E9-0DCB-4923-8701-7E81923D2E14}" srcOrd="5" destOrd="0" presId="urn:microsoft.com/office/officeart/2016/7/layout/RepeatingBendingProcessNew"/>
+    <dgm:cxn modelId="{671C8572-8C94-41F0-99B9-0A95575332CA}" type="presParOf" srcId="{DA1808E9-0DCB-4923-8701-7E81923D2E14}" destId="{01610AC1-C2E9-4084-B270-4CCCE46D9015}" srcOrd="0" destOrd="0" presId="urn:microsoft.com/office/officeart/2016/7/layout/RepeatingBendingProcessNew"/>
+    <dgm:cxn modelId="{3220A1A4-ABD0-460D-A91B-1CB19D97A423}" type="presParOf" srcId="{65666B51-514D-453D-ABDA-8BBE160A5018}" destId="{245E51B4-FAC9-4CDA-97D7-982396F64D90}" srcOrd="6" destOrd="0" presId="urn:microsoft.com/office/officeart/2016/7/layout/RepeatingBendingProcessNew"/>
+    <dgm:cxn modelId="{6A224D3E-8892-4513-AB47-AE1FBEAB8C68}" type="presParOf" srcId="{65666B51-514D-453D-ABDA-8BBE160A5018}" destId="{71E1F75C-BD90-468B-AFA3-9B0165FC47A4}" srcOrd="7" destOrd="0" presId="urn:microsoft.com/office/officeart/2016/7/layout/RepeatingBendingProcessNew"/>
+    <dgm:cxn modelId="{37E47259-D786-4248-A52A-B825469E5571}" type="presParOf" srcId="{71E1F75C-BD90-468B-AFA3-9B0165FC47A4}" destId="{DC428F86-7630-4A0C-AA2C-85A37CFDCF51}" srcOrd="0" destOrd="0" presId="urn:microsoft.com/office/officeart/2016/7/layout/RepeatingBendingProcessNew"/>
+    <dgm:cxn modelId="{002F2A72-8479-40B5-BB7E-FD73471BD9F4}" type="presParOf" srcId="{65666B51-514D-453D-ABDA-8BBE160A5018}" destId="{7D2F7EEC-70E2-4926-9BC5-0649FE62AEF4}" srcOrd="8" destOrd="0" presId="urn:microsoft.com/office/officeart/2016/7/layout/RepeatingBendingProcessNew"/>
+    <dgm:cxn modelId="{8DBF9E1F-53AB-40B2-8989-6B5379A5CAA8}" type="presParOf" srcId="{65666B51-514D-453D-ABDA-8BBE160A5018}" destId="{4064D003-79B0-4B3A-9863-F9467397C6AC}" srcOrd="9" destOrd="0" presId="urn:microsoft.com/office/officeart/2016/7/layout/RepeatingBendingProcessNew"/>
+    <dgm:cxn modelId="{A0EBBB9A-815A-4293-94AC-6204B7317999}" type="presParOf" srcId="{4064D003-79B0-4B3A-9863-F9467397C6AC}" destId="{494EF920-8923-42D3-92EA-68C3095B3B2B}" srcOrd="0" destOrd="0" presId="urn:microsoft.com/office/officeart/2016/7/layout/RepeatingBendingProcessNew"/>
+    <dgm:cxn modelId="{34894841-8137-4FCB-ADB1-513145B48D66}" type="presParOf" srcId="{65666B51-514D-453D-ABDA-8BBE160A5018}" destId="{BBE2DDB4-5416-47BE-BC53-270248D992F4}" srcOrd="10" destOrd="0" presId="urn:microsoft.com/office/officeart/2016/7/layout/RepeatingBendingProcessNew"/>
+  </dgm:cxnLst>
+  <dgm:bg/>
+  <dgm:whole/>
+  <dgm:extLst>
+    <a:ext uri="http://schemas.microsoft.com/office/drawing/2008/diagram">
+      <dsp:dataModelExt xmlns:dsp="http://schemas.microsoft.com/office/drawing/2008/diagram" relId="rId7" minVer="http://schemas.openxmlformats.org/drawingml/2006/diagram"/>
+    </a:ext>
+  </dgm:extLst>
+</dgm:dataModel>
+</file>
+
+<file path=ppt/diagrams/drawing1.xml><?xml version="1.0" encoding="utf-8"?>
+<dsp:drawing xmlns:dgm="http://schemas.openxmlformats.org/drawingml/2006/diagram" xmlns:dsp="http://schemas.microsoft.com/office/drawing/2008/diagram" xmlns:a="http://schemas.openxmlformats.org/drawingml/2006/main">
+  <dsp:spTree>
+    <dsp:nvGrpSpPr>
+      <dsp:cNvPr id="0" name=""/>
+      <dsp:cNvGrpSpPr/>
+    </dsp:nvGrpSpPr>
+    <dsp:grpSpPr/>
+    <dsp:sp modelId="{7FDAED56-2D46-4D91-B2E9-C81D59203D69}">
+      <dsp:nvSpPr>
+        <dsp:cNvPr id="0" name=""/>
+        <dsp:cNvSpPr/>
+      </dsp:nvSpPr>
+      <dsp:spPr>
+        <a:xfrm>
+          <a:off x="3040792" y="870618"/>
+          <a:ext cx="667342" cy="91440"/>
+        </a:xfrm>
+        <a:custGeom>
+          <a:avLst/>
+          <a:gdLst/>
+          <a:ahLst/>
+          <a:cxnLst/>
+          <a:rect l="0" t="0" r="0" b="0"/>
+          <a:pathLst>
+            <a:path>
+              <a:moveTo>
+                <a:pt x="0" y="45720"/>
+              </a:moveTo>
+              <a:lnTo>
+                <a:pt x="667342" y="45720"/>
+              </a:lnTo>
+            </a:path>
+          </a:pathLst>
+        </a:custGeom>
+        <a:noFill/>
+        <a:ln w="6350" cap="flat" cmpd="sng" algn="ctr">
+          <a:solidFill>
+            <a:schemeClr val="accent2">
+              <a:hueOff val="0"/>
+              <a:satOff val="0"/>
+              <a:lumOff val="0"/>
+              <a:alphaOff val="0"/>
+            </a:schemeClr>
+          </a:solidFill>
+          <a:prstDash val="solid"/>
+          <a:miter lim="800000"/>
+          <a:tailEnd type="arrow"/>
+        </a:ln>
+        <a:effectLst/>
+      </dsp:spPr>
+      <dsp:style>
+        <a:lnRef idx="1">
+          <a:scrgbClr r="0" g="0" b="0"/>
+        </a:lnRef>
+        <a:fillRef idx="0">
+          <a:scrgbClr r="0" g="0" b="0"/>
+        </a:fillRef>
+        <a:effectRef idx="0">
+          <a:scrgbClr r="0" g="0" b="0"/>
+        </a:effectRef>
+        <a:fontRef idx="minor"/>
+      </dsp:style>
+      <dsp:txBody>
+        <a:bodyPr spcFirstLastPara="0" vert="horz" wrap="square" lIns="12700" tIns="0" rIns="12700" bIns="0" numCol="1" spcCol="1270" anchor="ctr" anchorCtr="0">
+          <a:noAutofit/>
+        </a:bodyPr>
+        <a:lstStyle/>
+        <a:p>
+          <a:pPr marL="0" lvl="0" indent="0" algn="ctr" defTabSz="222250">
+            <a:lnSpc>
+              <a:spcPct val="90000"/>
+            </a:lnSpc>
+            <a:spcBef>
+              <a:spcPct val="0"/>
+            </a:spcBef>
+            <a:spcAft>
+              <a:spcPct val="35000"/>
+            </a:spcAft>
+            <a:buNone/>
+          </a:pPr>
+          <a:endParaRPr lang="en-US" sz="500" kern="1200"/>
+        </a:p>
+      </dsp:txBody>
+      <dsp:txXfrm>
+        <a:off x="3357014" y="912848"/>
+        <a:ext cx="34897" cy="6979"/>
+      </dsp:txXfrm>
+    </dsp:sp>
+    <dsp:sp modelId="{C3063529-39A9-4506-ACFD-077346DA2274}">
+      <dsp:nvSpPr>
+        <dsp:cNvPr id="0" name=""/>
+        <dsp:cNvSpPr/>
+      </dsp:nvSpPr>
+      <dsp:spPr>
+        <a:xfrm>
+          <a:off x="8061" y="5979"/>
+          <a:ext cx="3034531" cy="1820718"/>
+        </a:xfrm>
+        <a:prstGeom prst="rect">
+          <a:avLst/>
+        </a:prstGeom>
+        <a:gradFill rotWithShape="0">
+          <a:gsLst>
+            <a:gs pos="0">
+              <a:schemeClr val="accent2">
+                <a:hueOff val="0"/>
+                <a:satOff val="0"/>
+                <a:lumOff val="0"/>
+                <a:alphaOff val="0"/>
+                <a:satMod val="103000"/>
+                <a:lumMod val="102000"/>
+                <a:tint val="94000"/>
+              </a:schemeClr>
+            </a:gs>
+            <a:gs pos="50000">
+              <a:schemeClr val="accent2">
+                <a:hueOff val="0"/>
+                <a:satOff val="0"/>
+                <a:lumOff val="0"/>
+                <a:alphaOff val="0"/>
+                <a:satMod val="110000"/>
+                <a:lumMod val="100000"/>
+                <a:shade val="100000"/>
+              </a:schemeClr>
+            </a:gs>
+            <a:gs pos="100000">
+              <a:schemeClr val="accent2">
+                <a:hueOff val="0"/>
+                <a:satOff val="0"/>
+                <a:lumOff val="0"/>
+                <a:alphaOff val="0"/>
+                <a:lumMod val="99000"/>
+                <a:satMod val="120000"/>
+                <a:shade val="78000"/>
+              </a:schemeClr>
+            </a:gs>
+          </a:gsLst>
+          <a:lin ang="5400000" scaled="0"/>
+        </a:gradFill>
+        <a:ln>
+          <a:noFill/>
+        </a:ln>
+        <a:effectLst/>
+      </dsp:spPr>
+      <dsp:style>
+        <a:lnRef idx="0">
+          <a:scrgbClr r="0" g="0" b="0"/>
+        </a:lnRef>
+        <a:fillRef idx="3">
+          <a:scrgbClr r="0" g="0" b="0"/>
+        </a:fillRef>
+        <a:effectRef idx="2">
+          <a:scrgbClr r="0" g="0" b="0"/>
+        </a:effectRef>
+        <a:fontRef idx="minor">
+          <a:schemeClr val="lt1"/>
+        </a:fontRef>
+      </dsp:style>
+      <dsp:txBody>
+        <a:bodyPr spcFirstLastPara="0" vert="horz" wrap="square" lIns="148695" tIns="156081" rIns="148695" bIns="156081" numCol="1" spcCol="1270" anchor="ctr" anchorCtr="0">
+          <a:noAutofit/>
+        </a:bodyPr>
+        <a:lstStyle/>
+        <a:p>
+          <a:pPr marL="0" lvl="0" indent="0" algn="ctr" defTabSz="800100">
+            <a:lnSpc>
+              <a:spcPct val="90000"/>
+            </a:lnSpc>
+            <a:spcBef>
+              <a:spcPct val="0"/>
+            </a:spcBef>
+            <a:spcAft>
+              <a:spcPct val="35000"/>
+            </a:spcAft>
+            <a:buNone/>
+          </a:pPr>
+          <a:r>
+            <a:rPr lang="hu-HU" sz="1800" kern="1200"/>
+            <a:t>Projektünk célja egy webshop létrehozása, melyen a felhasználók számítógép alkatrészeket, különböző hardware elemeket tudnak vásárolni.</a:t>
+          </a:r>
+          <a:endParaRPr lang="en-US" sz="1800" kern="1200"/>
+        </a:p>
+      </dsp:txBody>
+      <dsp:txXfrm>
+        <a:off x="8061" y="5979"/>
+        <a:ext cx="3034531" cy="1820718"/>
+      </dsp:txXfrm>
+    </dsp:sp>
+    <dsp:sp modelId="{0EE86574-E1EA-4899-B9D2-B00128E45053}">
+      <dsp:nvSpPr>
+        <dsp:cNvPr id="0" name=""/>
+        <dsp:cNvSpPr/>
+      </dsp:nvSpPr>
+      <dsp:spPr>
+        <a:xfrm>
+          <a:off x="6773265" y="870618"/>
+          <a:ext cx="667342" cy="91440"/>
+        </a:xfrm>
+        <a:custGeom>
+          <a:avLst/>
+          <a:gdLst/>
+          <a:ahLst/>
+          <a:cxnLst/>
+          <a:rect l="0" t="0" r="0" b="0"/>
+          <a:pathLst>
+            <a:path>
+              <a:moveTo>
+                <a:pt x="0" y="45720"/>
+              </a:moveTo>
+              <a:lnTo>
+                <a:pt x="667342" y="45720"/>
+              </a:lnTo>
+            </a:path>
+          </a:pathLst>
+        </a:custGeom>
+        <a:noFill/>
+        <a:ln w="6350" cap="flat" cmpd="sng" algn="ctr">
+          <a:solidFill>
+            <a:schemeClr val="accent3">
+              <a:hueOff val="0"/>
+              <a:satOff val="0"/>
+              <a:lumOff val="0"/>
+              <a:alphaOff val="0"/>
+            </a:schemeClr>
+          </a:solidFill>
+          <a:prstDash val="solid"/>
+          <a:miter lim="800000"/>
+          <a:tailEnd type="arrow"/>
+        </a:ln>
+        <a:effectLst/>
+      </dsp:spPr>
+      <dsp:style>
+        <a:lnRef idx="1">
+          <a:scrgbClr r="0" g="0" b="0"/>
+        </a:lnRef>
+        <a:fillRef idx="0">
+          <a:scrgbClr r="0" g="0" b="0"/>
+        </a:fillRef>
+        <a:effectRef idx="0">
+          <a:scrgbClr r="0" g="0" b="0"/>
+        </a:effectRef>
+        <a:fontRef idx="minor"/>
+      </dsp:style>
+      <dsp:txBody>
+        <a:bodyPr spcFirstLastPara="0" vert="horz" wrap="square" lIns="12700" tIns="0" rIns="12700" bIns="0" numCol="1" spcCol="1270" anchor="ctr" anchorCtr="0">
+          <a:noAutofit/>
+        </a:bodyPr>
+        <a:lstStyle/>
+        <a:p>
+          <a:pPr marL="0" lvl="0" indent="0" algn="ctr" defTabSz="222250">
+            <a:lnSpc>
+              <a:spcPct val="90000"/>
+            </a:lnSpc>
+            <a:spcBef>
+              <a:spcPct val="0"/>
+            </a:spcBef>
+            <a:spcAft>
+              <a:spcPct val="35000"/>
+            </a:spcAft>
+            <a:buNone/>
+          </a:pPr>
+          <a:endParaRPr lang="en-US" sz="500" kern="1200"/>
+        </a:p>
+      </dsp:txBody>
+      <dsp:txXfrm>
+        <a:off x="7089488" y="912848"/>
+        <a:ext cx="34897" cy="6979"/>
+      </dsp:txXfrm>
+    </dsp:sp>
+    <dsp:sp modelId="{203730B9-95EB-456B-B4CF-029A68FA7486}">
+      <dsp:nvSpPr>
+        <dsp:cNvPr id="0" name=""/>
+        <dsp:cNvSpPr/>
+      </dsp:nvSpPr>
+      <dsp:spPr>
+        <a:xfrm>
+          <a:off x="3740534" y="5979"/>
+          <a:ext cx="3034531" cy="1820718"/>
+        </a:xfrm>
+        <a:prstGeom prst="rect">
+          <a:avLst/>
+        </a:prstGeom>
+        <a:gradFill rotWithShape="0">
+          <a:gsLst>
+            <a:gs pos="0">
+              <a:schemeClr val="accent3">
+                <a:hueOff val="0"/>
+                <a:satOff val="0"/>
+                <a:lumOff val="0"/>
+                <a:alphaOff val="0"/>
+                <a:satMod val="103000"/>
+                <a:lumMod val="102000"/>
+                <a:tint val="94000"/>
+              </a:schemeClr>
+            </a:gs>
+            <a:gs pos="50000">
+              <a:schemeClr val="accent3">
+                <a:hueOff val="0"/>
+                <a:satOff val="0"/>
+                <a:lumOff val="0"/>
+                <a:alphaOff val="0"/>
+                <a:satMod val="110000"/>
+                <a:lumMod val="100000"/>
+                <a:shade val="100000"/>
+              </a:schemeClr>
+            </a:gs>
+            <a:gs pos="100000">
+              <a:schemeClr val="accent3">
+                <a:hueOff val="0"/>
+                <a:satOff val="0"/>
+                <a:lumOff val="0"/>
+                <a:alphaOff val="0"/>
+                <a:lumMod val="99000"/>
+                <a:satMod val="120000"/>
+                <a:shade val="78000"/>
+              </a:schemeClr>
+            </a:gs>
+          </a:gsLst>
+          <a:lin ang="5400000" scaled="0"/>
+        </a:gradFill>
+        <a:ln>
+          <a:noFill/>
+        </a:ln>
+        <a:effectLst/>
+      </dsp:spPr>
+      <dsp:style>
+        <a:lnRef idx="0">
+          <a:scrgbClr r="0" g="0" b="0"/>
+        </a:lnRef>
+        <a:fillRef idx="3">
+          <a:scrgbClr r="0" g="0" b="0"/>
+        </a:fillRef>
+        <a:effectRef idx="2">
+          <a:scrgbClr r="0" g="0" b="0"/>
+        </a:effectRef>
+        <a:fontRef idx="minor">
+          <a:schemeClr val="lt1"/>
+        </a:fontRef>
+      </dsp:style>
+      <dsp:txBody>
+        <a:bodyPr spcFirstLastPara="0" vert="horz" wrap="square" lIns="148695" tIns="156081" rIns="148695" bIns="156081" numCol="1" spcCol="1270" anchor="ctr" anchorCtr="0">
+          <a:noAutofit/>
+        </a:bodyPr>
+        <a:lstStyle/>
+        <a:p>
+          <a:pPr marL="0" lvl="0" indent="0" algn="ctr" defTabSz="800100">
+            <a:lnSpc>
+              <a:spcPct val="90000"/>
+            </a:lnSpc>
+            <a:spcBef>
+              <a:spcPct val="0"/>
+            </a:spcBef>
+            <a:spcAft>
+              <a:spcPct val="35000"/>
+            </a:spcAft>
+            <a:buNone/>
+          </a:pPr>
+          <a:r>
+            <a:rPr lang="hu-HU" sz="1800" kern="1200"/>
+            <a:t>Weboldalunk egyedi tulajdonsága, hogy licitálási funkcióval is rendelkezik. </a:t>
+          </a:r>
+          <a:endParaRPr lang="en-US" sz="1800" kern="1200"/>
+        </a:p>
+      </dsp:txBody>
+      <dsp:txXfrm>
+        <a:off x="3740534" y="5979"/>
+        <a:ext cx="3034531" cy="1820718"/>
+      </dsp:txXfrm>
+    </dsp:sp>
+    <dsp:sp modelId="{DA1808E9-0DCB-4923-8701-7E81923D2E14}">
+      <dsp:nvSpPr>
+        <dsp:cNvPr id="0" name=""/>
+        <dsp:cNvSpPr/>
+      </dsp:nvSpPr>
+      <dsp:spPr>
+        <a:xfrm>
+          <a:off x="1525326" y="1824897"/>
+          <a:ext cx="7464946" cy="667342"/>
+        </a:xfrm>
+        <a:custGeom>
+          <a:avLst/>
+          <a:gdLst/>
+          <a:ahLst/>
+          <a:cxnLst/>
+          <a:rect l="0" t="0" r="0" b="0"/>
+          <a:pathLst>
+            <a:path>
+              <a:moveTo>
+                <a:pt x="7464946" y="0"/>
+              </a:moveTo>
+              <a:lnTo>
+                <a:pt x="7464946" y="350771"/>
+              </a:lnTo>
+              <a:lnTo>
+                <a:pt x="0" y="350771"/>
+              </a:lnTo>
+              <a:lnTo>
+                <a:pt x="0" y="667342"/>
+              </a:lnTo>
+            </a:path>
+          </a:pathLst>
+        </a:custGeom>
+        <a:noFill/>
+        <a:ln w="6350" cap="flat" cmpd="sng" algn="ctr">
+          <a:solidFill>
+            <a:schemeClr val="accent4">
+              <a:hueOff val="0"/>
+              <a:satOff val="0"/>
+              <a:lumOff val="0"/>
+              <a:alphaOff val="0"/>
+            </a:schemeClr>
+          </a:solidFill>
+          <a:prstDash val="solid"/>
+          <a:miter lim="800000"/>
+          <a:tailEnd type="arrow"/>
+        </a:ln>
+        <a:effectLst/>
+      </dsp:spPr>
+      <dsp:style>
+        <a:lnRef idx="1">
+          <a:scrgbClr r="0" g="0" b="0"/>
+        </a:lnRef>
+        <a:fillRef idx="0">
+          <a:scrgbClr r="0" g="0" b="0"/>
+        </a:fillRef>
+        <a:effectRef idx="0">
+          <a:scrgbClr r="0" g="0" b="0"/>
+        </a:effectRef>
+        <a:fontRef idx="minor"/>
+      </dsp:style>
+      <dsp:txBody>
+        <a:bodyPr spcFirstLastPara="0" vert="horz" wrap="square" lIns="12700" tIns="0" rIns="12700" bIns="0" numCol="1" spcCol="1270" anchor="ctr" anchorCtr="0">
+          <a:noAutofit/>
+        </a:bodyPr>
+        <a:lstStyle/>
+        <a:p>
+          <a:pPr marL="0" lvl="0" indent="0" algn="ctr" defTabSz="222250">
+            <a:lnSpc>
+              <a:spcPct val="90000"/>
+            </a:lnSpc>
+            <a:spcBef>
+              <a:spcPct val="0"/>
+            </a:spcBef>
+            <a:spcAft>
+              <a:spcPct val="35000"/>
+            </a:spcAft>
+            <a:buNone/>
+          </a:pPr>
+          <a:endParaRPr lang="en-US" sz="500" kern="1200"/>
+        </a:p>
+      </dsp:txBody>
+      <dsp:txXfrm>
+        <a:off x="5070362" y="2155079"/>
+        <a:ext cx="374875" cy="6979"/>
+      </dsp:txXfrm>
+    </dsp:sp>
+    <dsp:sp modelId="{0F87DA73-7B4D-4E67-A5C3-846D34649EFE}">
+      <dsp:nvSpPr>
+        <dsp:cNvPr id="0" name=""/>
+        <dsp:cNvSpPr/>
+      </dsp:nvSpPr>
+      <dsp:spPr>
+        <a:xfrm>
+          <a:off x="7473007" y="5979"/>
+          <a:ext cx="3034531" cy="1820718"/>
+        </a:xfrm>
+        <a:prstGeom prst="rect">
+          <a:avLst/>
+        </a:prstGeom>
+        <a:gradFill rotWithShape="0">
+          <a:gsLst>
+            <a:gs pos="0">
+              <a:schemeClr val="accent4">
+                <a:hueOff val="0"/>
+                <a:satOff val="0"/>
+                <a:lumOff val="0"/>
+                <a:alphaOff val="0"/>
+                <a:satMod val="103000"/>
+                <a:lumMod val="102000"/>
+                <a:tint val="94000"/>
+              </a:schemeClr>
+            </a:gs>
+            <a:gs pos="50000">
+              <a:schemeClr val="accent4">
+                <a:hueOff val="0"/>
+                <a:satOff val="0"/>
+                <a:lumOff val="0"/>
+                <a:alphaOff val="0"/>
+                <a:satMod val="110000"/>
+                <a:lumMod val="100000"/>
+                <a:shade val="100000"/>
+              </a:schemeClr>
+            </a:gs>
+            <a:gs pos="100000">
+              <a:schemeClr val="accent4">
+                <a:hueOff val="0"/>
+                <a:satOff val="0"/>
+                <a:lumOff val="0"/>
+                <a:alphaOff val="0"/>
+                <a:lumMod val="99000"/>
+                <a:satMod val="120000"/>
+                <a:shade val="78000"/>
+              </a:schemeClr>
+            </a:gs>
+          </a:gsLst>
+          <a:lin ang="5400000" scaled="0"/>
+        </a:gradFill>
+        <a:ln>
+          <a:noFill/>
+        </a:ln>
+        <a:effectLst/>
+      </dsp:spPr>
+      <dsp:style>
+        <a:lnRef idx="0">
+          <a:scrgbClr r="0" g="0" b="0"/>
+        </a:lnRef>
+        <a:fillRef idx="3">
+          <a:scrgbClr r="0" g="0" b="0"/>
+        </a:fillRef>
+        <a:effectRef idx="2">
+          <a:scrgbClr r="0" g="0" b="0"/>
+        </a:effectRef>
+        <a:fontRef idx="minor">
+          <a:schemeClr val="lt1"/>
+        </a:fontRef>
+      </dsp:style>
+      <dsp:txBody>
+        <a:bodyPr spcFirstLastPara="0" vert="horz" wrap="square" lIns="148695" tIns="156081" rIns="148695" bIns="156081" numCol="1" spcCol="1270" anchor="ctr" anchorCtr="0">
+          <a:noAutofit/>
+        </a:bodyPr>
+        <a:lstStyle/>
+        <a:p>
+          <a:pPr marL="0" lvl="0" indent="0" algn="ctr" defTabSz="800100">
+            <a:lnSpc>
+              <a:spcPct val="90000"/>
+            </a:lnSpc>
+            <a:spcBef>
+              <a:spcPct val="0"/>
+            </a:spcBef>
+            <a:spcAft>
+              <a:spcPct val="35000"/>
+            </a:spcAft>
+            <a:buNone/>
+          </a:pPr>
+          <a:r>
+            <a:rPr lang="hu-HU" sz="1800" kern="1200"/>
+            <a:t>Ezen a felületen olyan termékek kapnak helyet, amelyek forgalmazását és vagy gyártását már beszüntették.</a:t>
+          </a:r>
+          <a:endParaRPr lang="en-US" sz="1800" kern="1200"/>
+        </a:p>
+      </dsp:txBody>
+      <dsp:txXfrm>
+        <a:off x="7473007" y="5979"/>
+        <a:ext cx="3034531" cy="1820718"/>
+      </dsp:txXfrm>
+    </dsp:sp>
+    <dsp:sp modelId="{71E1F75C-BD90-468B-AFA3-9B0165FC47A4}">
+      <dsp:nvSpPr>
+        <dsp:cNvPr id="0" name=""/>
+        <dsp:cNvSpPr/>
+      </dsp:nvSpPr>
+      <dsp:spPr>
+        <a:xfrm>
+          <a:off x="3040792" y="3389279"/>
+          <a:ext cx="667342" cy="91440"/>
+        </a:xfrm>
+        <a:custGeom>
+          <a:avLst/>
+          <a:gdLst/>
+          <a:ahLst/>
+          <a:cxnLst/>
+          <a:rect l="0" t="0" r="0" b="0"/>
+          <a:pathLst>
+            <a:path>
+              <a:moveTo>
+                <a:pt x="0" y="45720"/>
+              </a:moveTo>
+              <a:lnTo>
+                <a:pt x="667342" y="45720"/>
+              </a:lnTo>
+            </a:path>
+          </a:pathLst>
+        </a:custGeom>
+        <a:noFill/>
+        <a:ln w="6350" cap="flat" cmpd="sng" algn="ctr">
+          <a:solidFill>
+            <a:schemeClr val="accent5">
+              <a:hueOff val="0"/>
+              <a:satOff val="0"/>
+              <a:lumOff val="0"/>
+              <a:alphaOff val="0"/>
+            </a:schemeClr>
+          </a:solidFill>
+          <a:prstDash val="solid"/>
+          <a:miter lim="800000"/>
+          <a:tailEnd type="arrow"/>
+        </a:ln>
+        <a:effectLst/>
+      </dsp:spPr>
+      <dsp:style>
+        <a:lnRef idx="1">
+          <a:scrgbClr r="0" g="0" b="0"/>
+        </a:lnRef>
+        <a:fillRef idx="0">
+          <a:scrgbClr r="0" g="0" b="0"/>
+        </a:fillRef>
+        <a:effectRef idx="0">
+          <a:scrgbClr r="0" g="0" b="0"/>
+        </a:effectRef>
+        <a:fontRef idx="minor"/>
+      </dsp:style>
+      <dsp:txBody>
+        <a:bodyPr spcFirstLastPara="0" vert="horz" wrap="square" lIns="12700" tIns="0" rIns="12700" bIns="0" numCol="1" spcCol="1270" anchor="ctr" anchorCtr="0">
+          <a:noAutofit/>
+        </a:bodyPr>
+        <a:lstStyle/>
+        <a:p>
+          <a:pPr marL="0" lvl="0" indent="0" algn="ctr" defTabSz="222250">
+            <a:lnSpc>
+              <a:spcPct val="90000"/>
+            </a:lnSpc>
+            <a:spcBef>
+              <a:spcPct val="0"/>
+            </a:spcBef>
+            <a:spcAft>
+              <a:spcPct val="35000"/>
+            </a:spcAft>
+            <a:buNone/>
+          </a:pPr>
+          <a:endParaRPr lang="en-US" sz="500" kern="1200"/>
+        </a:p>
+      </dsp:txBody>
+      <dsp:txXfrm>
+        <a:off x="3357014" y="3431509"/>
+        <a:ext cx="34897" cy="6979"/>
+      </dsp:txXfrm>
+    </dsp:sp>
+    <dsp:sp modelId="{245E51B4-FAC9-4CDA-97D7-982396F64D90}">
+      <dsp:nvSpPr>
+        <dsp:cNvPr id="0" name=""/>
+        <dsp:cNvSpPr/>
+      </dsp:nvSpPr>
+      <dsp:spPr>
+        <a:xfrm>
+          <a:off x="8061" y="2524640"/>
+          <a:ext cx="3034531" cy="1820718"/>
+        </a:xfrm>
+        <a:prstGeom prst="rect">
+          <a:avLst/>
+        </a:prstGeom>
+        <a:gradFill rotWithShape="0">
+          <a:gsLst>
+            <a:gs pos="0">
+              <a:schemeClr val="accent5">
+                <a:hueOff val="0"/>
+                <a:satOff val="0"/>
+                <a:lumOff val="0"/>
+                <a:alphaOff val="0"/>
+                <a:satMod val="103000"/>
+                <a:lumMod val="102000"/>
+                <a:tint val="94000"/>
+              </a:schemeClr>
+            </a:gs>
+            <a:gs pos="50000">
+              <a:schemeClr val="accent5">
+                <a:hueOff val="0"/>
+                <a:satOff val="0"/>
+                <a:lumOff val="0"/>
+                <a:alphaOff val="0"/>
+                <a:satMod val="110000"/>
+                <a:lumMod val="100000"/>
+                <a:shade val="100000"/>
+              </a:schemeClr>
+            </a:gs>
+            <a:gs pos="100000">
+              <a:schemeClr val="accent5">
+                <a:hueOff val="0"/>
+                <a:satOff val="0"/>
+                <a:lumOff val="0"/>
+                <a:alphaOff val="0"/>
+                <a:lumMod val="99000"/>
+                <a:satMod val="120000"/>
+                <a:shade val="78000"/>
+              </a:schemeClr>
+            </a:gs>
+          </a:gsLst>
+          <a:lin ang="5400000" scaled="0"/>
+        </a:gradFill>
+        <a:ln>
+          <a:noFill/>
+        </a:ln>
+        <a:effectLst/>
+      </dsp:spPr>
+      <dsp:style>
+        <a:lnRef idx="0">
+          <a:scrgbClr r="0" g="0" b="0"/>
+        </a:lnRef>
+        <a:fillRef idx="3">
+          <a:scrgbClr r="0" g="0" b="0"/>
+        </a:fillRef>
+        <a:effectRef idx="2">
+          <a:scrgbClr r="0" g="0" b="0"/>
+        </a:effectRef>
+        <a:fontRef idx="minor">
+          <a:schemeClr val="lt1"/>
+        </a:fontRef>
+      </dsp:style>
+      <dsp:txBody>
+        <a:bodyPr spcFirstLastPara="0" vert="horz" wrap="square" lIns="148695" tIns="156081" rIns="148695" bIns="156081" numCol="1" spcCol="1270" anchor="ctr" anchorCtr="0">
+          <a:noAutofit/>
+        </a:bodyPr>
+        <a:lstStyle/>
+        <a:p>
+          <a:pPr marL="0" lvl="0" indent="0" algn="ctr" defTabSz="800100">
+            <a:lnSpc>
+              <a:spcPct val="90000"/>
+            </a:lnSpc>
+            <a:spcBef>
+              <a:spcPct val="0"/>
+            </a:spcBef>
+            <a:spcAft>
+              <a:spcPct val="35000"/>
+            </a:spcAft>
+            <a:buNone/>
+          </a:pPr>
+          <a:r>
+            <a:rPr lang="hu-HU" sz="1800" kern="1200"/>
+            <a:t>A termékek állapota ettől függetlenül lehet még gyári, eredeti bontatlan vagy használt, másod kézből való. </a:t>
+          </a:r>
+          <a:endParaRPr lang="en-US" sz="1800" kern="1200"/>
+        </a:p>
+      </dsp:txBody>
+      <dsp:txXfrm>
+        <a:off x="8061" y="2524640"/>
+        <a:ext cx="3034531" cy="1820718"/>
+      </dsp:txXfrm>
+    </dsp:sp>
+    <dsp:sp modelId="{4064D003-79B0-4B3A-9863-F9467397C6AC}">
+      <dsp:nvSpPr>
+        <dsp:cNvPr id="0" name=""/>
+        <dsp:cNvSpPr/>
+      </dsp:nvSpPr>
+      <dsp:spPr>
+        <a:xfrm>
+          <a:off x="6773265" y="3389279"/>
+          <a:ext cx="667342" cy="91440"/>
+        </a:xfrm>
+        <a:custGeom>
+          <a:avLst/>
+          <a:gdLst/>
+          <a:ahLst/>
+          <a:cxnLst/>
+          <a:rect l="0" t="0" r="0" b="0"/>
+          <a:pathLst>
+            <a:path>
+              <a:moveTo>
+                <a:pt x="0" y="45720"/>
+              </a:moveTo>
+              <a:lnTo>
+                <a:pt x="667342" y="45720"/>
+              </a:lnTo>
+            </a:path>
+          </a:pathLst>
+        </a:custGeom>
+        <a:noFill/>
+        <a:ln w="6350" cap="flat" cmpd="sng" algn="ctr">
+          <a:solidFill>
+            <a:schemeClr val="accent6">
+              <a:hueOff val="0"/>
+              <a:satOff val="0"/>
+              <a:lumOff val="0"/>
+              <a:alphaOff val="0"/>
+            </a:schemeClr>
+          </a:solidFill>
+          <a:prstDash val="solid"/>
+          <a:miter lim="800000"/>
+          <a:tailEnd type="arrow"/>
+        </a:ln>
+        <a:effectLst/>
+      </dsp:spPr>
+      <dsp:style>
+        <a:lnRef idx="1">
+          <a:scrgbClr r="0" g="0" b="0"/>
+        </a:lnRef>
+        <a:fillRef idx="0">
+          <a:scrgbClr r="0" g="0" b="0"/>
+        </a:fillRef>
+        <a:effectRef idx="0">
+          <a:scrgbClr r="0" g="0" b="0"/>
+        </a:effectRef>
+        <a:fontRef idx="minor"/>
+      </dsp:style>
+      <dsp:txBody>
+        <a:bodyPr spcFirstLastPara="0" vert="horz" wrap="square" lIns="12700" tIns="0" rIns="12700" bIns="0" numCol="1" spcCol="1270" anchor="ctr" anchorCtr="0">
+          <a:noAutofit/>
+        </a:bodyPr>
+        <a:lstStyle/>
+        <a:p>
+          <a:pPr marL="0" lvl="0" indent="0" algn="ctr" defTabSz="222250">
+            <a:lnSpc>
+              <a:spcPct val="90000"/>
+            </a:lnSpc>
+            <a:spcBef>
+              <a:spcPct val="0"/>
+            </a:spcBef>
+            <a:spcAft>
+              <a:spcPct val="35000"/>
+            </a:spcAft>
+            <a:buNone/>
+          </a:pPr>
+          <a:endParaRPr lang="en-US" sz="500" kern="1200"/>
+        </a:p>
+      </dsp:txBody>
+      <dsp:txXfrm>
+        <a:off x="7089488" y="3431509"/>
+        <a:ext cx="34897" cy="6979"/>
+      </dsp:txXfrm>
+    </dsp:sp>
+    <dsp:sp modelId="{7D2F7EEC-70E2-4926-9BC5-0649FE62AEF4}">
+      <dsp:nvSpPr>
+        <dsp:cNvPr id="0" name=""/>
+        <dsp:cNvSpPr/>
+      </dsp:nvSpPr>
+      <dsp:spPr>
+        <a:xfrm>
+          <a:off x="3740534" y="2524640"/>
+          <a:ext cx="3034531" cy="1820718"/>
+        </a:xfrm>
+        <a:prstGeom prst="rect">
+          <a:avLst/>
+        </a:prstGeom>
+        <a:gradFill rotWithShape="0">
+          <a:gsLst>
+            <a:gs pos="0">
+              <a:schemeClr val="accent6">
+                <a:hueOff val="0"/>
+                <a:satOff val="0"/>
+                <a:lumOff val="0"/>
+                <a:alphaOff val="0"/>
+                <a:satMod val="103000"/>
+                <a:lumMod val="102000"/>
+                <a:tint val="94000"/>
+              </a:schemeClr>
+            </a:gs>
+            <a:gs pos="50000">
+              <a:schemeClr val="accent6">
+                <a:hueOff val="0"/>
+                <a:satOff val="0"/>
+                <a:lumOff val="0"/>
+                <a:alphaOff val="0"/>
+                <a:satMod val="110000"/>
+                <a:lumMod val="100000"/>
+                <a:shade val="100000"/>
+              </a:schemeClr>
+            </a:gs>
+            <a:gs pos="100000">
+              <a:schemeClr val="accent6">
+                <a:hueOff val="0"/>
+                <a:satOff val="0"/>
+                <a:lumOff val="0"/>
+                <a:alphaOff val="0"/>
+                <a:lumMod val="99000"/>
+                <a:satMod val="120000"/>
+                <a:shade val="78000"/>
+              </a:schemeClr>
+            </a:gs>
+          </a:gsLst>
+          <a:lin ang="5400000" scaled="0"/>
+        </a:gradFill>
+        <a:ln>
+          <a:noFill/>
+        </a:ln>
+        <a:effectLst/>
+      </dsp:spPr>
+      <dsp:style>
+        <a:lnRef idx="0">
+          <a:scrgbClr r="0" g="0" b="0"/>
+        </a:lnRef>
+        <a:fillRef idx="3">
+          <a:scrgbClr r="0" g="0" b="0"/>
+        </a:fillRef>
+        <a:effectRef idx="2">
+          <a:scrgbClr r="0" g="0" b="0"/>
+        </a:effectRef>
+        <a:fontRef idx="minor">
+          <a:schemeClr val="lt1"/>
+        </a:fontRef>
+      </dsp:style>
+      <dsp:txBody>
+        <a:bodyPr spcFirstLastPara="0" vert="horz" wrap="square" lIns="148695" tIns="156081" rIns="148695" bIns="156081" numCol="1" spcCol="1270" anchor="ctr" anchorCtr="0">
+          <a:noAutofit/>
+        </a:bodyPr>
+        <a:lstStyle/>
+        <a:p>
+          <a:pPr marL="0" lvl="0" indent="0" algn="ctr" defTabSz="800100">
+            <a:lnSpc>
+              <a:spcPct val="90000"/>
+            </a:lnSpc>
+            <a:spcBef>
+              <a:spcPct val="0"/>
+            </a:spcBef>
+            <a:spcAft>
+              <a:spcPct val="35000"/>
+            </a:spcAft>
+            <a:buNone/>
+          </a:pPr>
+          <a:r>
+            <a:rPr lang="hu-HU" sz="1800" kern="1200"/>
+            <a:t>A funkció lehetőséget biztosít a felhasználók számára, hogy ezen a hardware elemeket akár kedvezőbb áron szerezzék be. </a:t>
+          </a:r>
+          <a:endParaRPr lang="en-US" sz="1800" kern="1200"/>
+        </a:p>
+      </dsp:txBody>
+      <dsp:txXfrm>
+        <a:off x="3740534" y="2524640"/>
+        <a:ext cx="3034531" cy="1820718"/>
+      </dsp:txXfrm>
+    </dsp:sp>
+    <dsp:sp modelId="{BBE2DDB4-5416-47BE-BC53-270248D992F4}">
+      <dsp:nvSpPr>
+        <dsp:cNvPr id="0" name=""/>
+        <dsp:cNvSpPr/>
+      </dsp:nvSpPr>
+      <dsp:spPr>
+        <a:xfrm>
+          <a:off x="7473007" y="2524640"/>
+          <a:ext cx="3034531" cy="1820718"/>
+        </a:xfrm>
+        <a:prstGeom prst="rect">
+          <a:avLst/>
+        </a:prstGeom>
+        <a:gradFill rotWithShape="0">
+          <a:gsLst>
+            <a:gs pos="0">
+              <a:schemeClr val="accent2">
+                <a:hueOff val="0"/>
+                <a:satOff val="0"/>
+                <a:lumOff val="0"/>
+                <a:alphaOff val="0"/>
+                <a:satMod val="103000"/>
+                <a:lumMod val="102000"/>
+                <a:tint val="94000"/>
+              </a:schemeClr>
+            </a:gs>
+            <a:gs pos="50000">
+              <a:schemeClr val="accent2">
+                <a:hueOff val="0"/>
+                <a:satOff val="0"/>
+                <a:lumOff val="0"/>
+                <a:alphaOff val="0"/>
+                <a:satMod val="110000"/>
+                <a:lumMod val="100000"/>
+                <a:shade val="100000"/>
+              </a:schemeClr>
+            </a:gs>
+            <a:gs pos="100000">
+              <a:schemeClr val="accent2">
+                <a:hueOff val="0"/>
+                <a:satOff val="0"/>
+                <a:lumOff val="0"/>
+                <a:alphaOff val="0"/>
+                <a:lumMod val="99000"/>
+                <a:satMod val="120000"/>
+                <a:shade val="78000"/>
+              </a:schemeClr>
+            </a:gs>
+          </a:gsLst>
+          <a:lin ang="5400000" scaled="0"/>
+        </a:gradFill>
+        <a:ln>
+          <a:noFill/>
+        </a:ln>
+        <a:effectLst/>
+      </dsp:spPr>
+      <dsp:style>
+        <a:lnRef idx="0">
+          <a:scrgbClr r="0" g="0" b="0"/>
+        </a:lnRef>
+        <a:fillRef idx="3">
+          <a:scrgbClr r="0" g="0" b="0"/>
+        </a:fillRef>
+        <a:effectRef idx="2">
+          <a:scrgbClr r="0" g="0" b="0"/>
+        </a:effectRef>
+        <a:fontRef idx="minor">
+          <a:schemeClr val="lt1"/>
+        </a:fontRef>
+      </dsp:style>
+      <dsp:txBody>
+        <a:bodyPr spcFirstLastPara="0" vert="horz" wrap="square" lIns="148695" tIns="156081" rIns="148695" bIns="156081" numCol="1" spcCol="1270" anchor="ctr" anchorCtr="0">
+          <a:noAutofit/>
+        </a:bodyPr>
+        <a:lstStyle/>
+        <a:p>
+          <a:pPr marL="0" lvl="0" indent="0" algn="ctr" defTabSz="800100">
+            <a:lnSpc>
+              <a:spcPct val="90000"/>
+            </a:lnSpc>
+            <a:spcBef>
+              <a:spcPct val="0"/>
+            </a:spcBef>
+            <a:spcAft>
+              <a:spcPct val="35000"/>
+            </a:spcAft>
+            <a:buNone/>
+          </a:pPr>
+          <a:r>
+            <a:rPr lang="hu-HU" sz="1800" kern="1200"/>
+            <a:t>Továbbá a ritka, gyűjtők számára értékes alkatrészeket is ennek a funkciónak az alkalmazásával szeretnénk értékesíteni.</a:t>
+          </a:r>
+          <a:endParaRPr lang="en-US" sz="1800" kern="1200"/>
+        </a:p>
+      </dsp:txBody>
+      <dsp:txXfrm>
+        <a:off x="7473007" y="2524640"/>
+        <a:ext cx="3034531" cy="1820718"/>
+      </dsp:txXfrm>
+    </dsp:sp>
+  </dsp:spTree>
+</dsp:drawing>
+</file>
+
+<file path=ppt/diagrams/layout1.xml><?xml version="1.0" encoding="utf-8"?>
+<dgm:layoutDef xmlns:dgm="http://schemas.openxmlformats.org/drawingml/2006/diagram" xmlns:a="http://schemas.openxmlformats.org/drawingml/2006/main" uniqueId="urn:microsoft.com/office/officeart/2016/7/layout/RepeatingBendingProcessNew">
+  <dgm:title val="Repeating Bending Process New"/>
+  <dgm:desc val=""/>
+  <dgm:catLst>
+    <dgm:cat type="process" pri="500"/>
+  </dgm:catLst>
+  <dgm:sampData>
+    <dgm:dataModel>
+      <dgm:ptLst>
+        <dgm:pt modelId="0" type="doc"/>
+        <dgm:pt modelId="1">
+          <dgm:prSet phldr="1"/>
+        </dgm:pt>
+        <dgm:pt modelId="2">
+          <dgm:prSet phldr="1"/>
+        </dgm:pt>
+        <dgm:pt modelId="3">
+          <dgm:prSet phldr="1"/>
+        </dgm:pt>
+        <dgm:pt modelId="4">
+          <dgm:prSet phldr="1"/>
+        </dgm:pt>
+        <dgm:pt modelId="5">
+          <dgm:prSet phldr="1"/>
+        </dgm:pt>
+      </dgm:ptLst>
+      <dgm:cxnLst>
+        <dgm:cxn modelId="7" srcId="0" destId="1" srcOrd="0" destOrd="0"/>
+        <dgm:cxn modelId="8" srcId="0" destId="2" srcOrd="1" destOrd="0"/>
+        <dgm:cxn modelId="9" srcId="0" destId="3" srcOrd="2" destOrd="0"/>
+        <dgm:cxn modelId="10" srcId="0" destId="4" srcOrd="3" destOrd="0"/>
+        <dgm:cxn modelId="11" srcId="0" destId="5" srcOrd="4" destOrd="0"/>
+      </dgm:cxnLst>
+      <dgm:bg/>
+      <dgm:whole/>
+    </dgm:dataModel>
+  </dgm:sampData>
+  <dgm:styleData>
+    <dgm:dataModel>
+      <dgm:ptLst>
+        <dgm:pt modelId="0" type="doc"/>
+        <dgm:pt modelId="1"/>
+        <dgm:pt modelId="2"/>
+      </dgm:ptLst>
+      <dgm:cxnLst>
+        <dgm:cxn modelId="3" srcId="0" destId="1" srcOrd="0" destOrd="0"/>
+        <dgm:cxn modelId="4" srcId="0" destId="2" srcOrd="1" destOrd="0"/>
+      </dgm:cxnLst>
+      <dgm:bg/>
+      <dgm:whole/>
+    </dgm:dataModel>
+  </dgm:styleData>
+  <dgm:clrData>
+    <dgm:dataModel>
+      <dgm:ptLst>
+        <dgm:pt modelId="0" type="doc"/>
+        <dgm:pt modelId="1"/>
+        <dgm:pt modelId="2"/>
+        <dgm:pt modelId="3"/>
+        <dgm:pt modelId="4"/>
+      </dgm:ptLst>
+      <dgm:cxnLst>
+        <dgm:cxn modelId="5" srcId="0" destId="1" srcOrd="0" destOrd="0"/>
+        <dgm:cxn modelId="6" srcId="0" destId="2" srcOrd="1" destOrd="0"/>
+        <dgm:cxn modelId="7" srcId="0" destId="3" srcOrd="2" destOrd="0"/>
+        <dgm:cxn modelId="8" srcId="0" destId="4" srcOrd="3" destOrd="0"/>
+      </dgm:cxnLst>
+      <dgm:bg/>
+      <dgm:whole/>
+    </dgm:dataModel>
+  </dgm:clrData>
+  <dgm:layoutNode name="Name0">
+    <dgm:varLst>
+      <dgm:dir/>
+      <dgm:resizeHandles val="exact"/>
+    </dgm:varLst>
+    <dgm:choose name="Name1">
+      <dgm:if name="Name2" axis="self" func="var" arg="dir" op="equ" val="norm">
+        <dgm:alg type="snake">
+          <dgm:param type="grDir" val="tL"/>
+          <dgm:param type="flowDir" val="row"/>
+          <dgm:param type="contDir" val="sameDir"/>
+          <dgm:param type="bkpt" val="endCnv"/>
+        </dgm:alg>
+      </dgm:if>
+      <dgm:else name="Name3">
+        <dgm:alg type="snake">
+          <dgm:param type="grDir" val="tR"/>
+          <dgm:param type="flowDir" val="row"/>
+          <dgm:param type="contDir" val="sameDir"/>
+          <dgm:param type="bkpt" val="endCnv"/>
+        </dgm:alg>
+      </dgm:else>
+    </dgm:choose>
+    <dgm:shape xmlns:r="http://schemas.openxmlformats.org/officeDocument/2006/relationships" r:blip="">
+      <dgm:adjLst/>
+    </dgm:shape>
+    <dgm:presOf/>
+    <dgm:constrLst>
+      <dgm:constr type="w" for="ch" ptType="node" refType="w"/>
+      <dgm:constr type="w" for="ch" forName="sibTrans" refType="w" refFor="ch" refPtType="node" op="equ" fact="0.23"/>
+      <dgm:constr type="sp" refType="w" refFor="ch" refForName="sibTrans" op="equ"/>
+      <dgm:constr type="userB" for="des" forName="connectorText" refType="sp"/>
+      <dgm:constr type="primFontSz" for="ch" ptType="node" op="equ" val="65"/>
+      <dgm:constr type="h" for="ch" ptType="sibTrans" op="equ"/>
+      <dgm:constr type="primFontSz" for="des" forName="connectorText" op="equ" val="55"/>
+      <dgm:constr type="primFontSz" for="des" forName="connectorText" refType="primFontSz" refFor="ch" refPtType="node" op="lte" fact="0.8"/>
+    </dgm:constrLst>
+    <dgm:ruleLst/>
+    <dgm:forEach name="nodesForEach" axis="ch" ptType="node">
+      <dgm:layoutNode name="node">
+        <dgm:varLst>
+          <dgm:bulletEnabled val="1"/>
+        </dgm:varLst>
+        <dgm:alg type="tx"/>
+        <dgm:shape xmlns:r="http://schemas.openxmlformats.org/officeDocument/2006/relationships" type="rect" r:blip="">
+          <dgm:adjLst/>
+        </dgm:shape>
+        <dgm:presOf axis="desOrSelf" ptType="node"/>
+        <dgm:constrLst>
+          <dgm:constr type="h" refType="w" fact="0.6"/>
+          <dgm:constr type="tMarg" refType="h" fact="0.243"/>
+          <dgm:constr type="bMarg" refType="h" fact="0.243"/>
+          <dgm:constr type="lMarg" refType="w" fact="0.1389"/>
+          <dgm:constr type="rMarg" refType="w" fact="0.1389"/>
+        </dgm:constrLst>
+        <dgm:ruleLst>
+          <dgm:rule type="primFontSz" val="12" fact="NaN" max="NaN"/>
+        </dgm:ruleLst>
+      </dgm:layoutNode>
+      <dgm:forEach name="sibTransForEach" axis="followSib" ptType="sibTrans" cnt="1">
+        <dgm:layoutNode name="sibTrans">
+          <dgm:choose name="Name4">
+            <dgm:if name="Name5" axis="self" func="var" arg="dir" op="equ" val="norm">
+              <dgm:alg type="conn">
+                <dgm:param type="connRout" val="bend"/>
+                <dgm:param type="dim" val="1D"/>
+                <dgm:param type="begPts" val="midR bCtr"/>
+                <dgm:param type="endPts" val="midL tCtr"/>
+              </dgm:alg>
+            </dgm:if>
+            <dgm:else name="Name6">
+              <dgm:alg type="conn">
+                <dgm:param type="connRout" val="bend"/>
+                <dgm:param type="dim" val="1D"/>
+                <dgm:param type="begPts" val="midL bCtr"/>
+                <dgm:param type="endPts" val="midR tCtr"/>
+              </dgm:alg>
+            </dgm:else>
+          </dgm:choose>
+          <dgm:shape xmlns:r="http://schemas.openxmlformats.org/officeDocument/2006/relationships" type="conn" r:blip="" zOrderOff="-2">
+            <dgm:adjLst/>
+          </dgm:shape>
+          <dgm:presOf axis="self"/>
+          <dgm:constrLst>
+            <dgm:constr type="begPad" val="-0.05"/>
+            <dgm:constr type="endPad" val="0.9"/>
+            <dgm:constr type="userA" for="ch" refType="connDist"/>
+          </dgm:constrLst>
+          <dgm:ruleLst/>
+          <dgm:layoutNode name="connectorText">
+            <dgm:alg type="tx">
+              <dgm:param type="autoTxRot" val="upr"/>
+            </dgm:alg>
+            <dgm:shape xmlns:r="http://schemas.openxmlformats.org/officeDocument/2006/relationships" type="rect" r:blip="" hideGeom="1">
+              <dgm:adjLst/>
+            </dgm:shape>
+            <dgm:presOf axis="self"/>
+            <dgm:constrLst>
+              <dgm:constr type="userA"/>
+              <dgm:constr type="userB"/>
+              <dgm:constr type="w" refType="userA" fact="0.05"/>
+              <dgm:constr type="h" refType="userB" fact="0.01"/>
+              <dgm:constr type="lMarg" val="1"/>
+              <dgm:constr type="rMarg" val="1"/>
+              <dgm:constr type="tMarg"/>
+              <dgm:constr type="bMarg"/>
+            </dgm:constrLst>
+            <dgm:ruleLst>
+              <dgm:rule type="w" val="NaN" fact="0.6" max="NaN"/>
+              <dgm:rule type="h" val="NaN" fact="0.6" max="NaN"/>
+              <dgm:rule type="primFontSz" val="5" fact="NaN" max="NaN"/>
+            </dgm:ruleLst>
+          </dgm:layoutNode>
+        </dgm:layoutNode>
+      </dgm:forEach>
+    </dgm:forEach>
+  </dgm:layoutNode>
+</dgm:layoutDef>
+</file>
+
+<file path=ppt/diagrams/quickStyle1.xml><?xml version="1.0" encoding="utf-8"?>
+<dgm:styleDef xmlns:dgm="http://schemas.openxmlformats.org/drawingml/2006/diagram" xmlns:a="http://schemas.openxmlformats.org/drawingml/2006/main" uniqueId="urn:microsoft.com/office/officeart/2005/8/quickstyle/simple4">
+  <dgm:title val=""/>
+  <dgm:desc val=""/>
+  <dgm:catLst>
+    <dgm:cat type="simple" pri="10400"/>
+  </dgm:catLst>
+  <dgm:scene3d>
+    <a:camera prst="orthographicFront"/>
+    <a:lightRig rig="threePt" dir="t"/>
+  </dgm:scene3d>
+  <dgm:styleLbl name="node0">
+    <dgm:scene3d>
+      <a:camera prst="orthographicFront"/>
+      <a:lightRig rig="threePt" dir="t"/>
+    </dgm:scene3d>
+    <dgm:sp3d/>
+    <dgm:txPr/>
+    <dgm:style>
+      <a:lnRef idx="0">
+        <a:scrgbClr r="0" g="0" b="0"/>
+      </a:lnRef>
+      <a:fillRef idx="3">
+        <a:scrgbClr r="0" g="0" b="0"/>
+      </a:fillRef>
+      <a:effectRef idx="2">
+        <a:scrgbClr r="0" g="0" b="0"/>
+      </a:effectRef>
+      <a:fontRef idx="minor">
+        <a:schemeClr val="lt1"/>
+      </a:fontRef>
+    </dgm:style>
+  </dgm:styleLbl>
+  <dgm:styleLbl name="lnNode1">
+    <dgm:scene3d>
+      <a:camera prst="orthographicFront"/>
+      <a:lightRig rig="threePt" dir="t"/>
+    </dgm:scene3d>
+    <dgm:sp3d/>
+    <dgm:txPr/>
+    <dgm:style>
+      <a:lnRef idx="1">
+        <a:scrgbClr r="0" g="0" b="0"/>
+      </a:lnRef>
+      <a:fillRef idx="3">
+        <a:scrgbClr r="0" g="0" b="0"/>
+      </a:fillRef>
+      <a:effectRef idx="2">
+        <a:scrgbClr r="0" g="0" b="0"/>
+      </a:effectRef>
+      <a:fontRef idx="minor">
+        <a:schemeClr val="lt1"/>
+      </a:fontRef>
+    </dgm:style>
+  </dgm:styleLbl>
+  <dgm:styleLbl name="vennNode1">
+    <dgm:scene3d>
+      <a:camera prst="orthographicFront"/>
+      <a:lightRig rig="threePt" dir="t"/>
+    </dgm:scene3d>
+    <dgm:sp3d/>
+    <dgm:txPr/>
+    <dgm:style>
+      <a:lnRef idx="0">
+        <a:scrgbClr r="0" g="0" b="0"/>
+      </a:lnRef>
+      <a:fillRef idx="3">
+        <a:scrgbClr r="0" g="0" b="0"/>
+      </a:fillRef>
+      <a:effectRef idx="0">
+        <a:scrgbClr r="0" g="0" b="0"/>
+      </a:effectRef>
+      <a:fontRef idx="minor">
+        <a:schemeClr val="tx1"/>
+      </a:fontRef>
+    </dgm:style>
+  </dgm:styleLbl>
+  <dgm:styleLbl name="alignNode1">
+    <dgm:scene3d>
+      <a:camera prst="orthographicFront"/>
+      <a:lightRig rig="threePt" dir="t"/>
+    </dgm:scene3d>
+    <dgm:sp3d/>
+    <dgm:txPr/>
+    <dgm:style>
+      <a:lnRef idx="1">
+        <a:scrgbClr r="0" g="0" b="0"/>
+      </a:lnRef>
+      <a:fillRef idx="3">
+        <a:scrgbClr r="0" g="0" b="0"/>
+      </a:fillRef>
+      <a:effectRef idx="2">
+        <a:scrgbClr r="0" g="0" b="0"/>
+      </a:effectRef>
+      <a:fontRef idx="minor">
+        <a:schemeClr val="lt1"/>
+      </a:fontRef>
+    </dgm:style>
+  </dgm:styleLbl>
+  <dgm:styleLbl name="node1">
+    <dgm:scene3d>
+      <a:camera prst="orthographicFront"/>
+      <a:lightRig rig="threePt" dir="t"/>
+    </dgm:scene3d>
+    <dgm:sp3d/>
+    <dgm:txPr/>
+    <dgm:style>
+      <a:lnRef idx="0">
+        <a:scrgbClr r="0" g="0" b="0"/>
+      </a:lnRef>
+      <a:fillRef idx="3">
+        <a:scrgbClr r="0" g="0" b="0"/>
+      </a:fillRef>
+      <a:effectRef idx="2">
+        <a:scrgbClr r="0" g="0" b="0"/>
+      </a:effectRef>
+      <a:fontRef idx="minor">
+        <a:schemeClr val="lt1"/>
+      </a:fontRef>
+    </dgm:style>
+  </dgm:styleLbl>
+  <dgm:styleLbl name="node2">
+    <dgm:scene3d>
+      <a:camera prst="orthographicFront"/>
+      <a:lightRig rig="threePt" dir="t"/>
+    </dgm:scene3d>
+    <dgm:sp3d/>
+    <dgm:txPr/>
+    <dgm:style>
+      <a:lnRef idx="0">
+        <a:scrgbClr r="0" g="0" b="0"/>
+      </a:lnRef>
+      <a:fillRef idx="3">
+        <a:scrgbClr r="0" g="0" b="0"/>
+      </a:fillRef>
+      <a:effectRef idx="2">
+        <a:scrgbClr r="0" g="0" b="0"/>
+      </a:effectRef>
+      <a:fontRef idx="minor">
+        <a:schemeClr val="lt1"/>
+      </a:fontRef>
+    </dgm:style>
+  </dgm:styleLbl>
+  <dgm:styleLbl name="node3">
+    <dgm:scene3d>
+      <a:camera prst="orthographicFront"/>
+      <a:lightRig rig="threePt" dir="t"/>
+    </dgm:scene3d>
+    <dgm:sp3d/>
+    <dgm:txPr/>
+    <dgm:style>
+      <a:lnRef idx="0">
+        <a:scrgbClr r="0" g="0" b="0"/>
+      </a:lnRef>
+      <a:fillRef idx="3">
+        <a:scrgbClr r="0" g="0" b="0"/>
+      </a:fillRef>
+      <a:effectRef idx="2">
+        <a:scrgbClr r="0" g="0" b="0"/>
+      </a:effectRef>
+      <a:fontRef idx="minor">
+        <a:schemeClr val="lt1"/>
+      </a:fontRef>
+    </dgm:style>
+  </dgm:styleLbl>
+  <dgm:styleLbl name="node4">
+    <dgm:scene3d>
+      <a:camera prst="orthographicFront"/>
+      <a:lightRig rig="threePt" dir="t"/>
+    </dgm:scene3d>
+    <dgm:sp3d/>
+    <dgm:txPr/>
+    <dgm:style>
+      <a:lnRef idx="0">
+        <a:scrgbClr r="0" g="0" b="0"/>
+      </a:lnRef>
+      <a:fillRef idx="3">
+        <a:scrgbClr r="0" g="0" b="0"/>
+      </a:fillRef>
+      <a:effectRef idx="2">
+        <a:scrgbClr r="0" g="0" b="0"/>
+      </a:effectRef>
+      <a:fontRef idx="minor">
+        <a:schemeClr val="lt1"/>
+      </a:fontRef>
+    </dgm:style>
+  </dgm:styleLbl>
+  <dgm:styleLbl name="fgImgPlace1">
+    <dgm:scene3d>
+      <a:camera prst="orthographicFront"/>
+      <a:lightRig rig="threePt" dir="t"/>
+    </dgm:scene3d>
+    <dgm:sp3d/>
+    <dgm:txPr/>
+    <dgm:style>
+      <a:lnRef idx="0">
+        <a:scrgbClr r="0" g="0" b="0"/>
+      </a:lnRef>
+      <a:fillRef idx="1">
+        <a:scrgbClr r="0" g="0" b="0"/>
+      </a:fillRef>
+      <a:effectRef idx="2">
+        <a:scrgbClr r="0" g="0" b="0"/>
+      </a:effectRef>
+      <a:fontRef idx="minor"/>
+    </dgm:style>
+  </dgm:styleLbl>
+  <dgm:styleLbl name="alignImgPlace1">
+    <dgm:scene3d>
+      <a:camera prst="orthographicFront"/>
+      <a:lightRig rig="threePt" dir="t"/>
+    </dgm:scene3d>
+    <dgm:sp3d/>
+    <dgm:txPr/>
+    <dgm:style>
+      <a:lnRef idx="0">
+        <a:scrgbClr r="0" g="0" b="0"/>
+      </a:lnRef>
+      <a:fillRef idx="1">
+        <a:scrgbClr r="0" g="0" b="0"/>
+      </a:fillRef>
+      <a:effectRef idx="2">
+        <a:scrgbClr r="0" g="0" b="0"/>
+      </a:effectRef>
+      <a:fontRef idx="minor"/>
+    </dgm:style>
+  </dgm:styleLbl>
+  <dgm:styleLbl name="bgImgPlace1">
+    <dgm:scene3d>
+      <a:camera prst="orthographicFront"/>
+      <a:lightRig rig="threePt" dir="t"/>
+    </dgm:scene3d>
+    <dgm:sp3d/>
+    <dgm:txPr/>
+    <dgm:style>
+      <a:lnRef idx="0">
+        <a:scrgbClr r="0" g="0" b="0"/>
+      </a:lnRef>
+      <a:fillRef idx="1">
+        <a:scrgbClr r="0" g="0" b="0"/>
+      </a:fillRef>
+      <a:effectRef idx="2">
+        <a:scrgbClr r="0" g="0" b="0"/>
+      </a:effectRef>
+      <a:fontRef idx="minor"/>
+    </dgm:style>
+  </dgm:styleLbl>
+  <dgm:styleLbl name="sibTrans2D1">
+    <dgm:scene3d>
+      <a:camera prst="orthographicFront"/>
+      <a:lightRig rig="threePt" dir="t"/>
+    </dgm:scene3d>
+    <dgm:sp3d/>
+    <dgm:txPr/>
+    <dgm:style>
+      <a:lnRef idx="0">
+        <a:scrgbClr r="0" g="0" b="0"/>
+      </a:lnRef>
+      <a:fillRef idx="3">
+        <a:scrgbClr r="0" g="0" b="0"/>
+      </a:fillRef>
+      <a:effectRef idx="2">
+        <a:scrgbClr r="0" g="0" b="0"/>
+      </a:effectRef>
+      <a:fontRef idx="minor">
+        <a:schemeClr val="lt1"/>
+      </a:fontRef>
+    </dgm:style>
+  </dgm:styleLbl>
+  <dgm:styleLbl name="fgSibTrans2D1">
+    <dgm:scene3d>
+      <a:camera prst="orthographicFront"/>
+      <a:lightRig rig="threePt" dir="t"/>
+    </dgm:scene3d>
+    <dgm:sp3d/>
+    <dgm:txPr/>
+    <dgm:style>
+      <a:lnRef idx="0">
+        <a:scrgbClr r="0" g="0" b="0"/>
+      </a:lnRef>
+      <a:fillRef idx="3">
+        <a:scrgbClr r="0" g="0" b="0"/>
+      </a:fillRef>
+      <a:effectRef idx="2">
+        <a:scrgbClr r="0" g="0" b="0"/>
+      </a:effectRef>
+      <a:fontRef idx="minor">
+        <a:schemeClr val="lt1"/>
+      </a:fontRef>
+    </dgm:style>
+  </dgm:styleLbl>
+  <dgm:styleLbl name="bgSibTrans2D1">
+    <dgm:scene3d>
+      <a:camera prst="orthographicFront"/>
+      <a:lightRig rig="threePt" dir="t"/>
+    </dgm:scene3d>
+    <dgm:sp3d/>
+    <dgm:txPr/>
+    <dgm:style>
+      <a:lnRef idx="0">
+        <a:scrgbClr r="0" g="0" b="0"/>
+      </a:lnRef>
+      <a:fillRef idx="3">
+        <a:scrgbClr r="0" g="0" b="0"/>
+      </a:fillRef>
+      <a:effectRef idx="2">
+        <a:scrgbClr r="0" g="0" b="0"/>
+      </a:effectRef>
+      <a:fontRef idx="minor">
+        <a:schemeClr val="lt1"/>
+      </a:fontRef>
+    </dgm:style>
+  </dgm:styleLbl>
+  <dgm:styleLbl name="sibTrans1D1">
+    <dgm:scene3d>
+      <a:camera prst="orthographicFront"/>
+      <a:lightRig rig="threePt" dir="t"/>
+    </dgm:scene3d>
+    <dgm:sp3d/>
+    <dgm:txPr/>
+    <dgm:style>
+      <a:lnRef idx="1">
+        <a:scrgbClr r="0" g="0" b="0"/>
+      </a:lnRef>
+      <a:fillRef idx="0">
+        <a:scrgbClr r="0" g="0" b="0"/>
+      </a:fillRef>
+      <a:effectRef idx="0">
+        <a:scrgbClr r="0" g="0" b="0"/>
+      </a:effectRef>
+      <a:fontRef idx="minor"/>
+    </dgm:style>
+  </dgm:styleLbl>
+  <dgm:styleLbl name="callout">
+    <dgm:scene3d>
+      <a:camera prst="orthographicFront"/>
+      <a:lightRig rig="threePt" dir="t"/>
+    </dgm:scene3d>
+    <dgm:sp3d/>
+    <dgm:txPr/>
+    <dgm:style>
+      <a:lnRef idx="2">
+        <a:scrgbClr r="0" g="0" b="0"/>
+      </a:lnRef>
+      <a:fillRef idx="1">
+        <a:scrgbClr r="0" g="0" b="0"/>
+      </a:fillRef>
+      <a:effectRef idx="1">
+        <a:scrgbClr r="0" g="0" b="0"/>
+      </a:effectRef>
+      <a:fontRef idx="minor"/>
+    </dgm:style>
+  </dgm:styleLbl>
+  <dgm:styleLbl name="asst0">
+    <dgm:scene3d>
+      <a:camera prst="orthographicFront"/>
+      <a:lightRig rig="threePt" dir="t"/>
+    </dgm:scene3d>
+    <dgm:sp3d/>
+    <dgm:txPr/>
+    <dgm:style>
+      <a:lnRef idx="0">
+        <a:scrgbClr r="0" g="0" b="0"/>
+      </a:lnRef>
+      <a:fillRef idx="3">
+        <a:scrgbClr r="0" g="0" b="0"/>
+      </a:fillRef>
+      <a:effectRef idx="2">
+        <a:scrgbClr r="0" g="0" b="0"/>
+      </a:effectRef>
+      <a:fontRef idx="minor">
+        <a:schemeClr val="lt1"/>
+      </a:fontRef>
+    </dgm:style>
+  </dgm:styleLbl>
+  <dgm:styleLbl name="asst1">
+    <dgm:scene3d>
+      <a:camera prst="orthographicFront"/>
+      <a:lightRig rig="threePt" dir="t"/>
+    </dgm:scene3d>
+    <dgm:sp3d/>
+    <dgm:txPr/>
+    <dgm:style>
+      <a:lnRef idx="0">
+        <a:scrgbClr r="0" g="0" b="0"/>
+      </a:lnRef>
+      <a:fillRef idx="3">
+        <a:scrgbClr r="0" g="0" b="0"/>
+      </a:fillRef>
+      <a:effectRef idx="2">
+        <a:scrgbClr r="0" g="0" b="0"/>
+      </a:effectRef>
+      <a:fontRef idx="minor">
+        <a:schemeClr val="lt1"/>
+      </a:fontRef>
+    </dgm:style>
+  </dgm:styleLbl>
+  <dgm:styleLbl name="asst2">
+    <dgm:scene3d>
+      <a:camera prst="orthographicFront"/>
+      <a:lightRig rig="threePt" dir="t"/>
+    </dgm:scene3d>
+    <dgm:sp3d/>
+    <dgm:txPr/>
+    <dgm:style>
+      <a:lnRef idx="0">
+        <a:scrgbClr r="0" g="0" b="0"/>
+      </a:lnRef>
+      <a:fillRef idx="3">
+        <a:scrgbClr r="0" g="0" b="0"/>
+      </a:fillRef>
+      <a:effectRef idx="2">
+        <a:scrgbClr r="0" g="0" b="0"/>
+      </a:effectRef>
+      <a:fontRef idx="minor">
+        <a:schemeClr val="lt1"/>
+      </a:fontRef>
+    </dgm:style>
+  </dgm:styleLbl>
+  <dgm:styleLbl name="asst3">
+    <dgm:scene3d>
+      <a:camera prst="orthographicFront"/>
+      <a:lightRig rig="threePt" dir="t"/>
+    </dgm:scene3d>
+    <dgm:sp3d/>
+    <dgm:txPr/>
+    <dgm:style>
+      <a:lnRef idx="0">
+        <a:scrgbClr r="0" g="0" b="0"/>
+      </a:lnRef>
+      <a:fillRef idx="3">
+        <a:scrgbClr r="0" g="0" b="0"/>
+      </a:fillRef>
+      <a:effectRef idx="2">
+        <a:scrgbClr r="0" g="0" b="0"/>
+      </a:effectRef>
+      <a:fontRef idx="minor">
+        <a:schemeClr val="lt1"/>
+      </a:fontRef>
+    </dgm:style>
+  </dgm:styleLbl>
+  <dgm:styleLbl name="asst4">
+    <dgm:scene3d>
+      <a:camera prst="orthographicFront"/>
+      <a:lightRig rig="threePt" dir="t"/>
+    </dgm:scene3d>
+    <dgm:sp3d/>
+    <dgm:txPr/>
+    <dgm:style>
+      <a:lnRef idx="0">
+        <a:scrgbClr r="0" g="0" b="0"/>
+      </a:lnRef>
+      <a:fillRef idx="3">
+        <a:scrgbClr r="0" g="0" b="0"/>
+      </a:fillRef>
+      <a:effectRef idx="2">
+        <a:scrgbClr r="0" g="0" b="0"/>
+      </a:effectRef>
+      <a:fontRef idx="minor">
+        <a:schemeClr val="lt1"/>
+      </a:fontRef>
+    </dgm:style>
+  </dgm:styleLbl>
+  <dgm:styleLbl name="parChTrans2D1">
+    <dgm:scene3d>
+      <a:camera prst="orthographicFront"/>
+      <a:lightRig rig="threePt" dir="t"/>
+    </dgm:scene3d>
+    <dgm:sp3d/>
+    <dgm:txPr/>
+    <dgm:style>
+      <a:lnRef idx="0">
+        <a:scrgbClr r="0" g="0" b="0"/>
+      </a:lnRef>
+      <a:fillRef idx="3">
+        <a:scrgbClr r="0" g="0" b="0"/>
+      </a:fillRef>
+      <a:effectRef idx="2">
+        <a:scrgbClr r="0" g="0" b="0"/>
+      </a:effectRef>
+      <a:fontRef idx="minor">
+        <a:schemeClr val="lt1"/>
+      </a:fontRef>
+    </dgm:style>
+  </dgm:styleLbl>
+  <dgm:styleLbl name="parChTrans2D2">
+    <dgm:scene3d>
+      <a:camera prst="orthographicFront"/>
+      <a:lightRig rig="threePt" dir="t"/>
+    </dgm:scene3d>
+    <dgm:sp3d/>
+    <dgm:txPr/>
+    <dgm:style>
+      <a:lnRef idx="0">
+        <a:scrgbClr r="0" g="0" b="0"/>
+      </a:lnRef>
+      <a:fillRef idx="3">
+        <a:scrgbClr r="0" g="0" b="0"/>
+      </a:fillRef>
+      <a:effectRef idx="2">
+        <a:scrgbClr r="0" g="0" b="0"/>
+      </a:effectRef>
+      <a:fontRef idx="minor">
+        <a:schemeClr val="lt1"/>
+      </a:fontRef>
+    </dgm:style>
+  </dgm:styleLbl>
+  <dgm:styleLbl name="parChTrans2D3">
+    <dgm:scene3d>
+      <a:camera prst="orthographicFront"/>
+      <a:lightRig rig="threePt" dir="t"/>
+    </dgm:scene3d>
+    <dgm:sp3d/>
+    <dgm:txPr/>
+    <dgm:style>
+      <a:lnRef idx="1">
+        <a:scrgbClr r="0" g="0" b="0"/>
+      </a:lnRef>
+      <a:fillRef idx="3">
+        <a:scrgbClr r="0" g="0" b="0"/>
+      </a:fillRef>
+      <a:effectRef idx="2">
+        <a:scrgbClr r="0" g="0" b="0"/>
+      </a:effectRef>
+      <a:fontRef idx="minor">
+        <a:schemeClr val="lt1"/>
+      </a:fontRef>
+    </dgm:style>
+  </dgm:styleLbl>
+  <dgm:styleLbl name="parChTrans2D4">
+    <dgm:scene3d>
+      <a:camera prst="orthographicFront"/>
+      <a:lightRig rig="threePt" dir="t"/>
+    </dgm:scene3d>
+    <dgm:sp3d/>
+    <dgm:txPr/>
+    <dgm:style>
+      <a:lnRef idx="1">
+        <a:scrgbClr r="0" g="0" b="0"/>
+      </a:lnRef>
+      <a:fillRef idx="3">
+        <a:scrgbClr r="0" g="0" b="0"/>
+      </a:fillRef>
+      <a:effectRef idx="2">
+        <a:scrgbClr r="0" g="0" b="0"/>
+      </a:effectRef>
+      <a:fontRef idx="minor">
+        <a:schemeClr val="lt1"/>
+      </a:fontRef>
+    </dgm:style>
+  </dgm:styleLbl>
+  <dgm:styleLbl name="parChTrans1D1">
+    <dgm:scene3d>
+      <a:camera prst="orthographicFront"/>
+      <a:lightRig rig="threePt" dir="t"/>
+    </dgm:scene3d>
+    <dgm:sp3d/>
+    <dgm:txPr/>
+    <dgm:style>
+      <a:lnRef idx="1">
+        <a:scrgbClr r="0" g="0" b="0"/>
+      </a:lnRef>
+      <a:fillRef idx="0">
+        <a:scrgbClr r="0" g="0" b="0"/>
+      </a:fillRef>
+      <a:effectRef idx="0">
+        <a:scrgbClr r="0" g="0" b="0"/>
+      </a:effectRef>
+      <a:fontRef idx="minor"/>
+    </dgm:style>
+  </dgm:styleLbl>
+  <dgm:styleLbl name="parChTrans1D2">
+    <dgm:scene3d>
+      <a:camera prst="orthographicFront"/>
+      <a:lightRig rig="threePt" dir="t"/>
+    </dgm:scene3d>
+    <dgm:sp3d/>
+    <dgm:txPr/>
+    <dgm:style>
+      <a:lnRef idx="1">
+        <a:scrgbClr r="0" g="0" b="0"/>
+      </a:lnRef>
+      <a:fillRef idx="0">
+        <a:scrgbClr r="0" g="0" b="0"/>
+      </a:fillRef>
+      <a:effectRef idx="0">
+        <a:scrgbClr r="0" g="0" b="0"/>
+      </a:effectRef>
+      <a:fontRef idx="minor"/>
+    </dgm:style>
+  </dgm:styleLbl>
+  <dgm:styleLbl name="parChTrans1D3">
+    <dgm:scene3d>
+      <a:camera prst="orthographicFront"/>
+      <a:lightRig rig="threePt" dir="t"/>
+    </dgm:scene3d>
+    <dgm:sp3d/>
+    <dgm:txPr/>
+    <dgm:style>
+      <a:lnRef idx="1">
+        <a:scrgbClr r="0" g="0" b="0"/>
+      </a:lnRef>
+      <a:fillRef idx="0">
+        <a:scrgbClr r="0" g="0" b="0"/>
+      </a:fillRef>
+      <a:effectRef idx="0">
+        <a:scrgbClr r="0" g="0" b="0"/>
+      </a:effectRef>
+      <a:fontRef idx="minor"/>
+    </dgm:style>
+  </dgm:styleLbl>
+  <dgm:styleLbl name="parChTrans1D4">
+    <dgm:scene3d>
+      <a:camera prst="orthographicFront"/>
+      <a:lightRig rig="threePt" dir="t"/>
+    </dgm:scene3d>
+    <dgm:sp3d/>
+    <dgm:txPr/>
+    <dgm:style>
+      <a:lnRef idx="1">
+        <a:scrgbClr r="0" g="0" b="0"/>
+      </a:lnRef>
+      <a:fillRef idx="0">
+        <a:scrgbClr r="0" g="0" b="0"/>
+      </a:fillRef>
+      <a:effectRef idx="0">
+        <a:scrgbClr r="0" g="0" b="0"/>
+      </a:effectRef>
+      <a:fontRef idx="minor"/>
+    </dgm:style>
+  </dgm:styleLbl>
+  <dgm:styleLbl name="fgAcc1">
+    <dgm:scene3d>
+      <a:camera prst="orthographicFront"/>
+      <a:lightRig rig="threePt" dir="t"/>
+    </dgm:scene3d>
+    <dgm:sp3d/>
+    <dgm:txPr/>
+    <dgm:style>
+      <a:lnRef idx="1">
+        <a:scrgbClr r="0" g="0" b="0"/>
+      </a:lnRef>
+      <a:fillRef idx="1">
+        <a:scrgbClr r="0" g="0" b="0"/>
+      </a:fillRef>
+      <a:effectRef idx="0">
+        <a:scrgbClr r="0" g="0" b="0"/>
+      </a:effectRef>
+      <a:fontRef idx="minor"/>
+    </dgm:style>
+  </dgm:styleLbl>
+  <dgm:styleLbl name="conFgAcc1">
+    <dgm:scene3d>
+      <a:camera prst="orthographicFront"/>
+      <a:lightRig rig="threePt" dir="t"/>
+    </dgm:scene3d>
+    <dgm:sp3d/>
+    <dgm:txPr/>
+    <dgm:style>
+      <a:lnRef idx="1">
+        <a:scrgbClr r="0" g="0" b="0"/>
+      </a:lnRef>
+      <a:fillRef idx="1">
+        <a:scrgbClr r="0" g="0" b="0"/>
+      </a:fillRef>
+      <a:effectRef idx="0">
+        <a:scrgbClr r="0" g="0" b="0"/>
+      </a:effectRef>
+      <a:fontRef idx="minor"/>
+    </dgm:style>
+  </dgm:styleLbl>
+  <dgm:styleLbl name="alignAcc1">
+    <dgm:scene3d>
+      <a:camera prst="orthographicFront"/>
+      <a:lightRig rig="threePt" dir="t"/>
+    </dgm:scene3d>
+    <dgm:sp3d/>
+    <dgm:txPr/>
+    <dgm:style>
+      <a:lnRef idx="1">
+        <a:scrgbClr r="0" g="0" b="0"/>
+      </a:lnRef>
+      <a:fillRef idx="1">
+        <a:scrgbClr r="0" g="0" b="0"/>
+      </a:fillRef>
+      <a:effectRef idx="0">
+        <a:scrgbClr r="0" g="0" b="0"/>
+      </a:effectRef>
+      <a:fontRef idx="minor"/>
+    </dgm:style>
+  </dgm:styleLbl>
+  <dgm:styleLbl name="trAlignAcc1">
+    <dgm:scene3d>
+      <a:camera prst="orthographicFront"/>
+      <a:lightRig rig="threePt" dir="t"/>
+    </dgm:scene3d>
+    <dgm:sp3d/>
+    <dgm:txPr/>
+    <dgm:style>
+      <a:lnRef idx="1">
+        <a:scrgbClr r="0" g="0" b="0"/>
+      </a:lnRef>
+      <a:fillRef idx="1">
+        <a:scrgbClr r="0" g="0" b="0"/>
+      </a:fillRef>
+      <a:effectRef idx="0">
+        <a:scrgbClr r="0" g="0" b="0"/>
+      </a:effectRef>
+      <a:fontRef idx="minor"/>
+    </dgm:style>
+  </dgm:styleLbl>
+  <dgm:styleLbl name="bgAcc1">
+    <dgm:scene3d>
+      <a:camera prst="orthographicFront"/>
+      <a:lightRig rig="threePt" dir="t"/>
+    </dgm:scene3d>
+    <dgm:sp3d/>
+    <dgm:txPr/>
+    <dgm:style>
+      <a:lnRef idx="1">
+        <a:scrgbClr r="0" g="0" b="0"/>
+      </a:lnRef>
+      <a:fillRef idx="1">
+        <a:scrgbClr r="0" g="0" b="0"/>
+      </a:fillRef>
+      <a:effectRef idx="0">
+        <a:scrgbClr r="0" g="0" b="0"/>
+      </a:effectRef>
+      <a:fontRef idx="minor"/>
+    </dgm:style>
+  </dgm:styleLbl>
+  <dgm:styleLbl name="solidFgAcc1">
+    <dgm:scene3d>
+      <a:camera prst="orthographicFront"/>
+      <a:lightRig rig="threePt" dir="t"/>
+    </dgm:scene3d>
+    <dgm:sp3d/>
+    <dgm:txPr/>
+    <dgm:style>
+      <a:lnRef idx="1">
+        <a:scrgbClr r="0" g="0" b="0"/>
+      </a:lnRef>
+      <a:fillRef idx="1">
+        <a:scrgbClr r="0" g="0" b="0"/>
+      </a:fillRef>
+      <a:effectRef idx="0">
+        <a:scrgbClr r="0" g="0" b="0"/>
+      </a:effectRef>
+      <a:fontRef idx="minor"/>
+    </dgm:style>
+  </dgm:styleLbl>
+  <dgm:styleLbl name="solidAlignAcc1">
+    <dgm:scene3d>
+      <a:camera prst="orthographicFront"/>
+      <a:lightRig rig="threePt" dir="t"/>
+    </dgm:scene3d>
+    <dgm:sp3d/>
+    <dgm:txPr/>
+    <dgm:style>
+      <a:lnRef idx="1">
+        <a:scrgbClr r="0" g="0" b="0"/>
+      </a:lnRef>
+      <a:fillRef idx="1">
+        <a:scrgbClr r="0" g="0" b="0"/>
+      </a:fillRef>
+      <a:effectRef idx="0">
+        <a:scrgbClr r="0" g="0" b="0"/>
+      </a:effectRef>
+      <a:fontRef idx="minor"/>
+    </dgm:style>
+  </dgm:styleLbl>
+  <dgm:styleLbl name="solidBgAcc1">
+    <dgm:scene3d>
+      <a:camera prst="orthographicFront"/>
+      <a:lightRig rig="threePt" dir="t"/>
+    </dgm:scene3d>
+    <dgm:sp3d/>
+    <dgm:txPr/>
+    <dgm:style>
+      <a:lnRef idx="1">
+        <a:scrgbClr r="0" g="0" b="0"/>
+      </a:lnRef>
+      <a:fillRef idx="1">
+        <a:scrgbClr r="0" g="0" b="0"/>
+      </a:fillRef>
+      <a:effectRef idx="0">
+        <a:scrgbClr r="0" g="0" b="0"/>
+      </a:effectRef>
+      <a:fontRef idx="minor"/>
+    </dgm:style>
+  </dgm:styleLbl>
+  <dgm:styleLbl name="fgAccFollowNode1">
+    <dgm:scene3d>
+      <a:camera prst="orthographicFront"/>
+      <a:lightRig rig="threePt" dir="t"/>
+    </dgm:scene3d>
+    <dgm:sp3d/>
+    <dgm:txPr/>
+    <dgm:style>
+      <a:lnRef idx="1">
+        <a:scrgbClr r="0" g="0" b="0"/>
+      </a:lnRef>
+      <a:fillRef idx="1">
+        <a:scrgbClr r="0" g="0" b="0"/>
+      </a:fillRef>
+      <a:effectRef idx="0">
+        <a:scrgbClr r="0" g="0" b="0"/>
+      </a:effectRef>
+      <a:fontRef idx="minor"/>
+    </dgm:style>
+  </dgm:styleLbl>
+  <dgm:styleLbl name="alignAccFollowNode1">
+    <dgm:scene3d>
+      <a:camera prst="orthographicFront"/>
+      <a:lightRig rig="threePt" dir="t"/>
+    </dgm:scene3d>
+    <dgm:sp3d/>
+    <dgm:txPr/>
+    <dgm:style>
+      <a:lnRef idx="1">
+        <a:scrgbClr r="0" g="0" b="0"/>
+      </a:lnRef>
+      <a:fillRef idx="1">
+        <a:scrgbClr r="0" g="0" b="0"/>
+      </a:fillRef>
+      <a:effectRef idx="0">
+        <a:scrgbClr r="0" g="0" b="0"/>
+      </a:effectRef>
+      <a:fontRef idx="minor"/>
+    </dgm:style>
+  </dgm:styleLbl>
+  <dgm:styleLbl name="bgAccFollowNode1">
+    <dgm:scene3d>
+      <a:camera prst="orthographicFront"/>
+      <a:lightRig rig="threePt" dir="t"/>
+    </dgm:scene3d>
+    <dgm:sp3d/>
+    <dgm:txPr/>
+    <dgm:style>
+      <a:lnRef idx="1">
+        <a:scrgbClr r="0" g="0" b="0"/>
+      </a:lnRef>
+      <a:fillRef idx="1">
+        <a:scrgbClr r="0" g="0" b="0"/>
+      </a:fillRef>
+      <a:effectRef idx="0">
+        <a:scrgbClr r="0" g="0" b="0"/>
+      </a:effectRef>
+      <a:fontRef idx="minor"/>
+    </dgm:style>
+  </dgm:styleLbl>
+  <dgm:styleLbl name="fgAcc0">
+    <dgm:scene3d>
+      <a:camera prst="orthographicFront"/>
+      <a:lightRig rig="threePt" dir="t"/>
+    </dgm:scene3d>
+    <dgm:sp3d/>
+    <dgm:txPr/>
+    <dgm:style>
+      <a:lnRef idx="1">
+        <a:scrgbClr r="0" g="0" b="0"/>
+      </a:lnRef>
+      <a:fillRef idx="1">
+        <a:scrgbClr r="0" g="0" b="0"/>
+      </a:fillRef>
+      <a:effectRef idx="0">
+        <a:scrgbClr r="0" g="0" b="0"/>
+      </a:effectRef>
+      <a:fontRef idx="minor"/>
+    </dgm:style>
+  </dgm:styleLbl>
+  <dgm:styleLbl name="fgAcc2">
+    <dgm:scene3d>
+      <a:camera prst="orthographicFront"/>
+      <a:lightRig rig="threePt" dir="t"/>
+    </dgm:scene3d>
+    <dgm:sp3d/>
+    <dgm:txPr/>
+    <dgm:style>
+      <a:lnRef idx="1">
+        <a:scrgbClr r="0" g="0" b="0"/>
+      </a:lnRef>
+      <a:fillRef idx="1">
+        <a:scrgbClr r="0" g="0" b="0"/>
+      </a:fillRef>
+      <a:effectRef idx="0">
+        <a:scrgbClr r="0" g="0" b="0"/>
+      </a:effectRef>
+      <a:fontRef idx="minor"/>
+    </dgm:style>
+  </dgm:styleLbl>
+  <dgm:styleLbl name="fgAcc3">
+    <dgm:scene3d>
+      <a:camera prst="orthographicFront"/>
+      <a:lightRig rig="threePt" dir="t"/>
+    </dgm:scene3d>
+    <dgm:sp3d/>
+    <dgm:txPr/>
+    <dgm:style>
+      <a:lnRef idx="1">
+        <a:scrgbClr r="0" g="0" b="0"/>
+      </a:lnRef>
+      <a:fillRef idx="1">
+        <a:scrgbClr r="0" g="0" b="0"/>
+      </a:fillRef>
+      <a:effectRef idx="0">
+        <a:scrgbClr r="0" g="0" b="0"/>
+      </a:effectRef>
+      <a:fontRef idx="minor"/>
+    </dgm:style>
+  </dgm:styleLbl>
+  <dgm:styleLbl name="fgAcc4">
+    <dgm:scene3d>
+      <a:camera prst="orthographicFront"/>
+      <a:lightRig rig="threePt" dir="t"/>
+    </dgm:scene3d>
+    <dgm:sp3d/>
+    <dgm:txPr/>
+    <dgm:style>
+      <a:lnRef idx="1">
+        <a:scrgbClr r="0" g="0" b="0"/>
+      </a:lnRef>
+      <a:fillRef idx="1">
+        <a:scrgbClr r="0" g="0" b="0"/>
+      </a:fillRef>
+      <a:effectRef idx="0">
+        <a:scrgbClr r="0" g="0" b="0"/>
+      </a:effectRef>
+      <a:fontRef idx="minor"/>
+    </dgm:style>
+  </dgm:styleLbl>
+  <dgm:styleLbl name="bgShp">
+    <dgm:scene3d>
+      <a:camera prst="orthographicFront"/>
+      <a:lightRig rig="threePt" dir="t"/>
+    </dgm:scene3d>
+    <dgm:sp3d/>
+    <dgm:txPr/>
+    <dgm:style>
+      <a:lnRef idx="0">
+        <a:scrgbClr r="0" g="0" b="0"/>
+      </a:lnRef>
+      <a:fillRef idx="1">
+        <a:scrgbClr r="0" g="0" b="0"/>
+      </a:fillRef>
+      <a:effectRef idx="2">
+        <a:scrgbClr r="0" g="0" b="0"/>
+      </a:effectRef>
+      <a:fontRef idx="minor"/>
+    </dgm:style>
+  </dgm:styleLbl>
+  <dgm:styleLbl name="dkBgShp">
+    <dgm:scene3d>
+      <a:camera prst="orthographicFront"/>
+      <a:lightRig rig="threePt" dir="t"/>
+    </dgm:scene3d>
+    <dgm:sp3d/>
+    <dgm:txPr/>
+    <dgm:style>
+      <a:lnRef idx="0">
+        <a:scrgbClr r="0" g="0" b="0"/>
+      </a:lnRef>
+      <a:fillRef idx="1">
+        <a:scrgbClr r="0" g="0" b="0"/>
+      </a:fillRef>
+      <a:effectRef idx="2">
+        <a:scrgbClr r="0" g="0" b="0"/>
+      </a:effectRef>
+      <a:fontRef idx="minor"/>
+    </dgm:style>
+  </dgm:styleLbl>
+  <dgm:styleLbl name="trBgShp">
+    <dgm:scene3d>
+      <a:camera prst="orthographicFront"/>
+      <a:lightRig rig="threePt" dir="t"/>
+    </dgm:scene3d>
+    <dgm:sp3d/>
+    <dgm:txPr/>
+    <dgm:style>
+      <a:lnRef idx="0">
+        <a:scrgbClr r="0" g="0" b="0"/>
+      </a:lnRef>
+      <a:fillRef idx="1">
+        <a:scrgbClr r="0" g="0" b="0"/>
+      </a:fillRef>
+      <a:effectRef idx="0">
+        <a:scrgbClr r="0" g="0" b="0"/>
+      </a:effectRef>
+      <a:fontRef idx="minor"/>
+    </dgm:style>
+  </dgm:styleLbl>
+  <dgm:styleLbl name="fgShp">
+    <dgm:scene3d>
+      <a:camera prst="orthographicFront"/>
+      <a:lightRig rig="threePt" dir="t"/>
+    </dgm:scene3d>
+    <dgm:sp3d/>
+    <dgm:txPr/>
+    <dgm:style>
+      <a:lnRef idx="0">
+        <a:scrgbClr r="0" g="0" b="0"/>
+      </a:lnRef>
+      <a:fillRef idx="3">
+        <a:scrgbClr r="0" g="0" b="0"/>
+      </a:fillRef>
+      <a:effectRef idx="2">
+        <a:scrgbClr r="0" g="0" b="0"/>
+      </a:effectRef>
+      <a:fontRef idx="minor"/>
+    </dgm:style>
+  </dgm:styleLbl>
+  <dgm:styleLbl name="revTx">
+    <dgm:scene3d>
+      <a:camera prst="orthographicFront"/>
+      <a:lightRig rig="threePt" dir="t"/>
+    </dgm:scene3d>
+    <dgm:sp3d/>
+    <dgm:txPr/>
+    <dgm:style>
+      <a:lnRef idx="0">
+        <a:scrgbClr r="0" g="0" b="0"/>
+      </a:lnRef>
+      <a:fillRef idx="0">
+        <a:scrgbClr r="0" g="0" b="0"/>
+      </a:fillRef>
+      <a:effectRef idx="0">
+        <a:scrgbClr r="0" g="0" b="0"/>
+      </a:effectRef>
+      <a:fontRef idx="minor"/>
+    </dgm:style>
+  </dgm:styleLbl>
+</dgm:styleDef>
 </file>
 
 <file path=ppt/slideLayouts/slideLayout1.xml><?xml version="1.0" encoding="utf-8"?>
@@ -263,7 +3821,7 @@
           <a:p>
             <a:fld id="{FA64CA88-A0F0-4D5B-BEA8-B57532FDFF33}" type="datetimeFigureOut">
               <a:rPr lang="hu-HU" smtClean="0"/>
-              <a:t>2024. 01. 31.</a:t>
+              <a:t>2024. 03. 13.</a:t>
             </a:fld>
             <a:endParaRPr lang="hu-HU"/>
           </a:p>
@@ -461,7 +4019,7 @@
           <a:p>
             <a:fld id="{FA64CA88-A0F0-4D5B-BEA8-B57532FDFF33}" type="datetimeFigureOut">
               <a:rPr lang="hu-HU" smtClean="0"/>
-              <a:t>2024. 01. 31.</a:t>
+              <a:t>2024. 03. 13.</a:t>
             </a:fld>
             <a:endParaRPr lang="hu-HU"/>
           </a:p>
@@ -669,7 +4227,7 @@
           <a:p>
             <a:fld id="{FA64CA88-A0F0-4D5B-BEA8-B57532FDFF33}" type="datetimeFigureOut">
               <a:rPr lang="hu-HU" smtClean="0"/>
-              <a:t>2024. 01. 31.</a:t>
+              <a:t>2024. 03. 13.</a:t>
             </a:fld>
             <a:endParaRPr lang="hu-HU"/>
           </a:p>
@@ -867,7 +4425,7 @@
           <a:p>
             <a:fld id="{FA64CA88-A0F0-4D5B-BEA8-B57532FDFF33}" type="datetimeFigureOut">
               <a:rPr lang="hu-HU" smtClean="0"/>
-              <a:t>2024. 01. 31.</a:t>
+              <a:t>2024. 03. 13.</a:t>
             </a:fld>
             <a:endParaRPr lang="hu-HU"/>
           </a:p>
@@ -1142,7 +4700,7 @@
           <a:p>
             <a:fld id="{FA64CA88-A0F0-4D5B-BEA8-B57532FDFF33}" type="datetimeFigureOut">
               <a:rPr lang="hu-HU" smtClean="0"/>
-              <a:t>2024. 01. 31.</a:t>
+              <a:t>2024. 03. 13.</a:t>
             </a:fld>
             <a:endParaRPr lang="hu-HU"/>
           </a:p>
@@ -1407,7 +4965,7 @@
           <a:p>
             <a:fld id="{FA64CA88-A0F0-4D5B-BEA8-B57532FDFF33}" type="datetimeFigureOut">
               <a:rPr lang="hu-HU" smtClean="0"/>
-              <a:t>2024. 01. 31.</a:t>
+              <a:t>2024. 03. 13.</a:t>
             </a:fld>
             <a:endParaRPr lang="hu-HU"/>
           </a:p>
@@ -1819,7 +5377,7 @@
           <a:p>
             <a:fld id="{FA64CA88-A0F0-4D5B-BEA8-B57532FDFF33}" type="datetimeFigureOut">
               <a:rPr lang="hu-HU" smtClean="0"/>
-              <a:t>2024. 01. 31.</a:t>
+              <a:t>2024. 03. 13.</a:t>
             </a:fld>
             <a:endParaRPr lang="hu-HU"/>
           </a:p>
@@ -1960,7 +5518,7 @@
           <a:p>
             <a:fld id="{FA64CA88-A0F0-4D5B-BEA8-B57532FDFF33}" type="datetimeFigureOut">
               <a:rPr lang="hu-HU" smtClean="0"/>
-              <a:t>2024. 01. 31.</a:t>
+              <a:t>2024. 03. 13.</a:t>
             </a:fld>
             <a:endParaRPr lang="hu-HU"/>
           </a:p>
@@ -2073,7 +5631,7 @@
           <a:p>
             <a:fld id="{FA64CA88-A0F0-4D5B-BEA8-B57532FDFF33}" type="datetimeFigureOut">
               <a:rPr lang="hu-HU" smtClean="0"/>
-              <a:t>2024. 01. 31.</a:t>
+              <a:t>2024. 03. 13.</a:t>
             </a:fld>
             <a:endParaRPr lang="hu-HU"/>
           </a:p>
@@ -2384,7 +5942,7 @@
           <a:p>
             <a:fld id="{FA64CA88-A0F0-4D5B-BEA8-B57532FDFF33}" type="datetimeFigureOut">
               <a:rPr lang="hu-HU" smtClean="0"/>
-              <a:t>2024. 01. 31.</a:t>
+              <a:t>2024. 03. 13.</a:t>
             </a:fld>
             <a:endParaRPr lang="hu-HU"/>
           </a:p>
@@ -2672,7 +6230,7 @@
           <a:p>
             <a:fld id="{FA64CA88-A0F0-4D5B-BEA8-B57532FDFF33}" type="datetimeFigureOut">
               <a:rPr lang="hu-HU" smtClean="0"/>
-              <a:t>2024. 01. 31.</a:t>
+              <a:t>2024. 03. 13.</a:t>
             </a:fld>
             <a:endParaRPr lang="hu-HU"/>
           </a:p>
@@ -2913,7 +6471,7 @@
           <a:p>
             <a:fld id="{FA64CA88-A0F0-4D5B-BEA8-B57532FDFF33}" type="datetimeFigureOut">
               <a:rPr lang="hu-HU" smtClean="0"/>
-              <a:t>2024. 01. 31.</a:t>
+              <a:t>2024. 03. 13.</a:t>
             </a:fld>
             <a:endParaRPr lang="hu-HU"/>
           </a:p>
@@ -3316,6 +6874,14 @@
 <file path=ppt/slides/slide1.xml><?xml version="1.0" encoding="utf-8"?>
 <p:sld xmlns:a="http://schemas.openxmlformats.org/drawingml/2006/main" xmlns:r="http://schemas.openxmlformats.org/officeDocument/2006/relationships" xmlns:p="http://schemas.openxmlformats.org/presentationml/2006/main">
   <p:cSld>
+    <p:bg>
+      <p:bgPr>
+        <a:solidFill>
+          <a:schemeClr val="bg1"/>
+        </a:solidFill>
+        <a:effectLst/>
+      </p:bgPr>
+    </p:bg>
     <p:spTree>
       <p:nvGrpSpPr>
         <p:cNvPr id="1" name=""/>
@@ -3330,6 +6896,144 @@
           <a:chExt cx="0" cy="0"/>
         </a:xfrm>
       </p:grpSpPr>
+      <p:sp useBgFill="1">
+        <p:nvSpPr>
+          <p:cNvPr id="19" name="Rectangle 18">
+            <a:extLst>
+              <a:ext uri="{FF2B5EF4-FFF2-40B4-BE49-F238E27FC236}">
+                <a16:creationId xmlns:a16="http://schemas.microsoft.com/office/drawing/2014/main" id="{1ACA2EA0-FFD3-42EC-9406-B595015ED96E}"/>
+              </a:ext>
+              <a:ext uri="{C183D7F6-B498-43B3-948B-1728B52AA6E4}">
+                <adec:decorative xmlns:adec="http://schemas.microsoft.com/office/drawing/2017/decorative" val="1"/>
+              </a:ext>
+            </a:extLst>
+          </p:cNvPr>
+          <p:cNvSpPr>
+            <a:spLocks noGrp="1" noRot="1" noChangeAspect="1" noMove="1" noResize="1" noEditPoints="1" noAdjustHandles="1" noChangeArrowheads="1" noChangeShapeType="1" noTextEdit="1"/>
+          </p:cNvSpPr>
+          <p:nvPr>
+            <p:extLst>
+              <p:ext uri="{386F3935-93C4-4BCD-93E2-E3B085C9AB24}">
+                <p16:designElem xmlns:p16="http://schemas.microsoft.com/office/powerpoint/2015/main" val="1"/>
+              </p:ext>
+            </p:extLst>
+          </p:nvPr>
+        </p:nvSpPr>
+        <p:spPr>
+          <a:xfrm>
+            <a:off x="0" y="0"/>
+            <a:ext cx="12192000" cy="6858000"/>
+          </a:xfrm>
+          <a:prstGeom prst="rect">
+            <a:avLst/>
+          </a:prstGeom>
+          <a:ln>
+            <a:noFill/>
+          </a:ln>
+        </p:spPr>
+        <p:style>
+          <a:lnRef idx="2">
+            <a:schemeClr val="accent1">
+              <a:shade val="50000"/>
+            </a:schemeClr>
+          </a:lnRef>
+          <a:fillRef idx="1">
+            <a:schemeClr val="accent1"/>
+          </a:fillRef>
+          <a:effectRef idx="0">
+            <a:schemeClr val="accent1"/>
+          </a:effectRef>
+          <a:fontRef idx="minor">
+            <a:schemeClr val="lt1"/>
+          </a:fontRef>
+        </p:style>
+        <p:txBody>
+          <a:bodyPr rtlCol="0" anchor="ctr"/>
+          <a:lstStyle/>
+          <a:p>
+            <a:pPr algn="ctr"/>
+            <a:endParaRPr lang="en-US"/>
+          </a:p>
+        </p:txBody>
+      </p:sp>
+      <p:sp useBgFill="1">
+        <p:nvSpPr>
+          <p:cNvPr id="21" name="Rectangle 20">
+            <a:extLst>
+              <a:ext uri="{FF2B5EF4-FFF2-40B4-BE49-F238E27FC236}">
+                <a16:creationId xmlns:a16="http://schemas.microsoft.com/office/drawing/2014/main" id="{D5288BCE-665C-472A-8C43-664BCFA31E43}"/>
+              </a:ext>
+              <a:ext uri="{C183D7F6-B498-43B3-948B-1728B52AA6E4}">
+                <adec:decorative xmlns:adec="http://schemas.microsoft.com/office/drawing/2017/decorative" val="1"/>
+              </a:ext>
+            </a:extLst>
+          </p:cNvPr>
+          <p:cNvSpPr>
+            <a:spLocks noGrp="1" noRot="1" noChangeAspect="1" noMove="1" noResize="1" noEditPoints="1" noAdjustHandles="1" noChangeArrowheads="1" noChangeShapeType="1" noTextEdit="1"/>
+          </p:cNvSpPr>
+          <p:nvPr>
+            <p:extLst>
+              <p:ext uri="{386F3935-93C4-4BCD-93E2-E3B085C9AB24}">
+                <p16:designElem xmlns:p16="http://schemas.microsoft.com/office/powerpoint/2015/main" val="1"/>
+              </p:ext>
+            </p:extLst>
+          </p:nvPr>
+        </p:nvSpPr>
+        <p:spPr>
+          <a:xfrm>
+            <a:off x="1528762" y="1247775"/>
+            <a:ext cx="9144000" cy="3007447"/>
+          </a:xfrm>
+          <a:prstGeom prst="rect">
+            <a:avLst/>
+          </a:prstGeom>
+          <a:solidFill>
+            <a:schemeClr val="bg1"/>
+          </a:solidFill>
+          <a:ln w="12700">
+            <a:solidFill>
+              <a:srgbClr val="E1E1E1"/>
+            </a:solidFill>
+          </a:ln>
+          <a:effectLst>
+            <a:outerShdw blurRad="50800" dist="38100" dir="2700000" algn="tl" rotWithShape="0">
+              <a:schemeClr val="bg1">
+                <a:lumMod val="85000"/>
+                <a:alpha val="50000"/>
+              </a:schemeClr>
+            </a:outerShdw>
+          </a:effectLst>
+        </p:spPr>
+        <p:style>
+          <a:lnRef idx="2">
+            <a:schemeClr val="accent1">
+              <a:shade val="50000"/>
+            </a:schemeClr>
+          </a:lnRef>
+          <a:fillRef idx="1">
+            <a:schemeClr val="accent1"/>
+          </a:fillRef>
+          <a:effectRef idx="0">
+            <a:schemeClr val="accent1"/>
+          </a:effectRef>
+          <a:fontRef idx="minor">
+            <a:schemeClr val="lt1"/>
+          </a:fontRef>
+        </p:style>
+        <p:txBody>
+          <a:bodyPr rtlCol="0" anchor="ctr"/>
+          <a:lstStyle/>
+          <a:p>
+            <a:pPr algn="ctr"/>
+            <a:endParaRPr lang="en-US">
+              <a:solidFill>
+                <a:prstClr val="white"/>
+              </a:solidFill>
+              <a:latin typeface="Calibri" panose="020F0502020204030204"/>
+            </a:endParaRPr>
+          </a:p>
+        </p:txBody>
+      </p:sp>
       <p:sp>
         <p:nvSpPr>
           <p:cNvPr id="2" name="Cím 1">
@@ -3346,15 +7050,90 @@
             <p:ph type="ctrTitle"/>
           </p:nvPr>
         </p:nvSpPr>
-        <p:spPr/>
+        <p:spPr>
+          <a:xfrm>
+            <a:off x="1804988" y="1442172"/>
+            <a:ext cx="8582025" cy="2177328"/>
+          </a:xfrm>
+        </p:spPr>
         <p:txBody>
-          <a:bodyPr/>
+          <a:bodyPr anchor="ctr">
+            <a:normAutofit/>
+          </a:bodyPr>
           <a:lstStyle/>
           <a:p>
             <a:r>
-              <a:rPr lang="hu-HU" dirty="0"/>
-              <a:t>Pc-Webshop</a:t>
+              <a:rPr lang="hu-HU" sz="6600" dirty="0">
+                <a:latin typeface="Arial" panose="020B0604020202020204" pitchFamily="34" charset="0"/>
+                <a:cs typeface="Arial" panose="020B0604020202020204" pitchFamily="34" charset="0"/>
+              </a:rPr>
+              <a:t>PcWebshop</a:t>
             </a:r>
+          </a:p>
+        </p:txBody>
+      </p:sp>
+      <p:sp>
+        <p:nvSpPr>
+          <p:cNvPr id="23" name="Rectangle: Rounded Corners 22">
+            <a:extLst>
+              <a:ext uri="{FF2B5EF4-FFF2-40B4-BE49-F238E27FC236}">
+                <a16:creationId xmlns:a16="http://schemas.microsoft.com/office/drawing/2014/main" id="{46C57131-53A7-4C1A-BEA8-25F06A06AD29}"/>
+              </a:ext>
+              <a:ext uri="{C183D7F6-B498-43B3-948B-1728B52AA6E4}">
+                <adec:decorative xmlns:adec="http://schemas.microsoft.com/office/drawing/2017/decorative" val="1"/>
+              </a:ext>
+            </a:extLst>
+          </p:cNvPr>
+          <p:cNvSpPr>
+            <a:spLocks noGrp="1" noRot="1" noChangeAspect="1" noMove="1" noResize="1" noEditPoints="1" noAdjustHandles="1" noChangeArrowheads="1" noChangeShapeType="1" noTextEdit="1"/>
+          </p:cNvSpPr>
+          <p:nvPr>
+            <p:extLst>
+              <p:ext uri="{386F3935-93C4-4BCD-93E2-E3B085C9AB24}">
+                <p16:designElem xmlns:p16="http://schemas.microsoft.com/office/powerpoint/2015/main" val="1"/>
+              </p:ext>
+            </p:extLst>
+          </p:nvPr>
+        </p:nvSpPr>
+        <p:spPr>
+          <a:xfrm>
+            <a:off x="2487872" y="3912322"/>
+            <a:ext cx="7225780" cy="685800"/>
+          </a:xfrm>
+          <a:prstGeom prst="roundRect">
+            <a:avLst>
+              <a:gd name="adj" fmla="val 0"/>
+            </a:avLst>
+          </a:prstGeom>
+          <a:solidFill>
+            <a:schemeClr val="accent2"/>
+          </a:solidFill>
+          <a:ln>
+            <a:noFill/>
+          </a:ln>
+        </p:spPr>
+        <p:style>
+          <a:lnRef idx="2">
+            <a:schemeClr val="accent1">
+              <a:shade val="50000"/>
+            </a:schemeClr>
+          </a:lnRef>
+          <a:fillRef idx="1">
+            <a:schemeClr val="accent1"/>
+          </a:fillRef>
+          <a:effectRef idx="0">
+            <a:schemeClr val="accent1"/>
+          </a:effectRef>
+          <a:fontRef idx="minor">
+            <a:schemeClr val="lt1"/>
+          </a:fontRef>
+        </p:style>
+        <p:txBody>
+          <a:bodyPr rtlCol="0" anchor="ctr"/>
+          <a:lstStyle/>
+          <a:p>
+            <a:pPr algn="ctr"/>
+            <a:endParaRPr lang="en-US"/>
           </a:p>
         </p:txBody>
       </p:sp>
@@ -3376,25 +7155,23 @@
         </p:nvSpPr>
         <p:spPr>
           <a:xfrm>
-            <a:off x="-776748" y="4907756"/>
-            <a:ext cx="9144000" cy="1655762"/>
+            <a:off x="2566988" y="3962400"/>
+            <a:ext cx="7058025" cy="581025"/>
           </a:xfrm>
         </p:spPr>
         <p:txBody>
-          <a:bodyPr/>
+          <a:bodyPr anchor="ctr">
+            <a:normAutofit/>
+          </a:bodyPr>
           <a:lstStyle/>
           <a:p>
             <a:r>
-              <a:rPr lang="hu-HU" dirty="0"/>
-              <a:t>Készítette: Szigetvári Márk Nagy Bence </a:t>
-            </a:r>
-            <a:r>
-              <a:rPr lang="hu-HU" dirty="0" err="1"/>
-              <a:t>Brösztl</a:t>
-            </a:r>
-            <a:r>
-              <a:rPr lang="hu-HU" dirty="0"/>
-              <a:t> Máté</a:t>
+              <a:rPr lang="hu-HU">
+                <a:solidFill>
+                  <a:srgbClr val="FFFFFF"/>
+                </a:solidFill>
+              </a:rPr>
+              <a:t>Készítette: Szigetvári Márk Nagy Bence Brösztl Máté</a:t>
             </a:r>
           </a:p>
         </p:txBody>
@@ -3415,6 +7192,14 @@
 <file path=ppt/slides/slide10.xml><?xml version="1.0" encoding="utf-8"?>
 <p:sld xmlns:a="http://schemas.openxmlformats.org/drawingml/2006/main" xmlns:r="http://schemas.openxmlformats.org/officeDocument/2006/relationships" xmlns:p="http://schemas.openxmlformats.org/presentationml/2006/main">
   <p:cSld>
+    <p:bg>
+      <p:bgPr>
+        <a:solidFill>
+          <a:schemeClr val="bg1"/>
+        </a:solidFill>
+        <a:effectLst/>
+      </p:bgPr>
+    </p:bg>
     <p:spTree>
       <p:nvGrpSpPr>
         <p:cNvPr id="1" name=""/>
@@ -3429,6 +7214,144 @@
           <a:chExt cx="0" cy="0"/>
         </a:xfrm>
       </p:grpSpPr>
+      <p:sp useBgFill="1">
+        <p:nvSpPr>
+          <p:cNvPr id="7" name="Rectangle 6">
+            <a:extLst>
+              <a:ext uri="{FF2B5EF4-FFF2-40B4-BE49-F238E27FC236}">
+                <a16:creationId xmlns:a16="http://schemas.microsoft.com/office/drawing/2014/main" id="{1ACA2EA0-FFD3-42EC-9406-B595015ED96E}"/>
+              </a:ext>
+              <a:ext uri="{C183D7F6-B498-43B3-948B-1728B52AA6E4}">
+                <adec:decorative xmlns:adec="http://schemas.microsoft.com/office/drawing/2017/decorative" val="1"/>
+              </a:ext>
+            </a:extLst>
+          </p:cNvPr>
+          <p:cNvSpPr>
+            <a:spLocks noGrp="1" noRot="1" noChangeAspect="1" noMove="1" noResize="1" noEditPoints="1" noAdjustHandles="1" noChangeArrowheads="1" noChangeShapeType="1" noTextEdit="1"/>
+          </p:cNvSpPr>
+          <p:nvPr>
+            <p:extLst>
+              <p:ext uri="{386F3935-93C4-4BCD-93E2-E3B085C9AB24}">
+                <p16:designElem xmlns:p16="http://schemas.microsoft.com/office/powerpoint/2015/main" val="1"/>
+              </p:ext>
+            </p:extLst>
+          </p:nvPr>
+        </p:nvSpPr>
+        <p:spPr>
+          <a:xfrm>
+            <a:off x="0" y="0"/>
+            <a:ext cx="12192000" cy="6858000"/>
+          </a:xfrm>
+          <a:prstGeom prst="rect">
+            <a:avLst/>
+          </a:prstGeom>
+          <a:ln>
+            <a:noFill/>
+          </a:ln>
+        </p:spPr>
+        <p:style>
+          <a:lnRef idx="2">
+            <a:schemeClr val="accent1">
+              <a:shade val="50000"/>
+            </a:schemeClr>
+          </a:lnRef>
+          <a:fillRef idx="1">
+            <a:schemeClr val="accent1"/>
+          </a:fillRef>
+          <a:effectRef idx="0">
+            <a:schemeClr val="accent1"/>
+          </a:effectRef>
+          <a:fontRef idx="minor">
+            <a:schemeClr val="lt1"/>
+          </a:fontRef>
+        </p:style>
+        <p:txBody>
+          <a:bodyPr rtlCol="0" anchor="ctr"/>
+          <a:lstStyle/>
+          <a:p>
+            <a:pPr algn="ctr"/>
+            <a:endParaRPr lang="en-US"/>
+          </a:p>
+        </p:txBody>
+      </p:sp>
+      <p:sp useBgFill="1">
+        <p:nvSpPr>
+          <p:cNvPr id="9" name="Rectangle 8">
+            <a:extLst>
+              <a:ext uri="{FF2B5EF4-FFF2-40B4-BE49-F238E27FC236}">
+                <a16:creationId xmlns:a16="http://schemas.microsoft.com/office/drawing/2014/main" id="{D5288BCE-665C-472A-8C43-664BCFA31E43}"/>
+              </a:ext>
+              <a:ext uri="{C183D7F6-B498-43B3-948B-1728B52AA6E4}">
+                <adec:decorative xmlns:adec="http://schemas.microsoft.com/office/drawing/2017/decorative" val="1"/>
+              </a:ext>
+            </a:extLst>
+          </p:cNvPr>
+          <p:cNvSpPr>
+            <a:spLocks noGrp="1" noRot="1" noChangeAspect="1" noMove="1" noResize="1" noEditPoints="1" noAdjustHandles="1" noChangeArrowheads="1" noChangeShapeType="1" noTextEdit="1"/>
+          </p:cNvSpPr>
+          <p:nvPr>
+            <p:extLst>
+              <p:ext uri="{386F3935-93C4-4BCD-93E2-E3B085C9AB24}">
+                <p16:designElem xmlns:p16="http://schemas.microsoft.com/office/powerpoint/2015/main" val="1"/>
+              </p:ext>
+            </p:extLst>
+          </p:nvPr>
+        </p:nvSpPr>
+        <p:spPr>
+          <a:xfrm>
+            <a:off x="1528762" y="1247775"/>
+            <a:ext cx="9144000" cy="3007447"/>
+          </a:xfrm>
+          <a:prstGeom prst="rect">
+            <a:avLst/>
+          </a:prstGeom>
+          <a:solidFill>
+            <a:schemeClr val="bg1"/>
+          </a:solidFill>
+          <a:ln w="12700">
+            <a:solidFill>
+              <a:srgbClr val="E1E1E1"/>
+            </a:solidFill>
+          </a:ln>
+          <a:effectLst>
+            <a:outerShdw blurRad="50800" dist="38100" dir="2700000" algn="tl" rotWithShape="0">
+              <a:schemeClr val="bg1">
+                <a:lumMod val="85000"/>
+                <a:alpha val="50000"/>
+              </a:schemeClr>
+            </a:outerShdw>
+          </a:effectLst>
+        </p:spPr>
+        <p:style>
+          <a:lnRef idx="2">
+            <a:schemeClr val="accent1">
+              <a:shade val="50000"/>
+            </a:schemeClr>
+          </a:lnRef>
+          <a:fillRef idx="1">
+            <a:schemeClr val="accent1"/>
+          </a:fillRef>
+          <a:effectRef idx="0">
+            <a:schemeClr val="accent1"/>
+          </a:effectRef>
+          <a:fontRef idx="minor">
+            <a:schemeClr val="lt1"/>
+          </a:fontRef>
+        </p:style>
+        <p:txBody>
+          <a:bodyPr rtlCol="0" anchor="ctr"/>
+          <a:lstStyle/>
+          <a:p>
+            <a:pPr algn="ctr"/>
+            <a:endParaRPr lang="en-US">
+              <a:solidFill>
+                <a:prstClr val="white"/>
+              </a:solidFill>
+              <a:latin typeface="Calibri" panose="020F0502020204030204"/>
+            </a:endParaRPr>
+          </a:p>
+        </p:txBody>
+      </p:sp>
       <p:sp>
         <p:nvSpPr>
           <p:cNvPr id="2" name="Cím 1">
@@ -3447,18 +7370,93 @@
         </p:nvSpPr>
         <p:spPr>
           <a:xfrm>
-            <a:off x="3006213" y="2872351"/>
-            <a:ext cx="10515600" cy="1325563"/>
+            <a:off x="1804988" y="1442172"/>
+            <a:ext cx="8582025" cy="2177328"/>
           </a:xfrm>
         </p:spPr>
         <p:txBody>
-          <a:bodyPr/>
+          <a:bodyPr vert="horz" lIns="91440" tIns="45720" rIns="91440" bIns="45720" rtlCol="0" anchor="ctr">
+            <a:normAutofit/>
+          </a:bodyPr>
           <a:lstStyle/>
           <a:p>
+            <a:pPr algn="ctr"/>
             <a:r>
-              <a:rPr lang="hu-HU" dirty="0"/>
+              <a:rPr lang="en-US" sz="6600" kern="1200">
+                <a:solidFill>
+                  <a:schemeClr val="tx1"/>
+                </a:solidFill>
+                <a:latin typeface="+mj-lt"/>
+                <a:ea typeface="+mj-ea"/>
+                <a:cs typeface="+mj-cs"/>
+              </a:rPr>
               <a:t>Köszönjük a figyelmet !</a:t>
             </a:r>
+          </a:p>
+        </p:txBody>
+      </p:sp>
+      <p:sp>
+        <p:nvSpPr>
+          <p:cNvPr id="11" name="Rectangle: Rounded Corners 10">
+            <a:extLst>
+              <a:ext uri="{FF2B5EF4-FFF2-40B4-BE49-F238E27FC236}">
+                <a16:creationId xmlns:a16="http://schemas.microsoft.com/office/drawing/2014/main" id="{46C57131-53A7-4C1A-BEA8-25F06A06AD29}"/>
+              </a:ext>
+              <a:ext uri="{C183D7F6-B498-43B3-948B-1728B52AA6E4}">
+                <adec:decorative xmlns:adec="http://schemas.microsoft.com/office/drawing/2017/decorative" val="1"/>
+              </a:ext>
+            </a:extLst>
+          </p:cNvPr>
+          <p:cNvSpPr>
+            <a:spLocks noGrp="1" noRot="1" noChangeAspect="1" noMove="1" noResize="1" noEditPoints="1" noAdjustHandles="1" noChangeArrowheads="1" noChangeShapeType="1" noTextEdit="1"/>
+          </p:cNvSpPr>
+          <p:nvPr>
+            <p:extLst>
+              <p:ext uri="{386F3935-93C4-4BCD-93E2-E3B085C9AB24}">
+                <p16:designElem xmlns:p16="http://schemas.microsoft.com/office/powerpoint/2015/main" val="1"/>
+              </p:ext>
+            </p:extLst>
+          </p:nvPr>
+        </p:nvSpPr>
+        <p:spPr>
+          <a:xfrm>
+            <a:off x="2487872" y="3912322"/>
+            <a:ext cx="7225780" cy="685800"/>
+          </a:xfrm>
+          <a:prstGeom prst="roundRect">
+            <a:avLst>
+              <a:gd name="adj" fmla="val 0"/>
+            </a:avLst>
+          </a:prstGeom>
+          <a:solidFill>
+            <a:schemeClr val="accent2"/>
+          </a:solidFill>
+          <a:ln>
+            <a:noFill/>
+          </a:ln>
+        </p:spPr>
+        <p:style>
+          <a:lnRef idx="2">
+            <a:schemeClr val="accent1">
+              <a:shade val="50000"/>
+            </a:schemeClr>
+          </a:lnRef>
+          <a:fillRef idx="1">
+            <a:schemeClr val="accent1"/>
+          </a:fillRef>
+          <a:effectRef idx="0">
+            <a:schemeClr val="accent1"/>
+          </a:effectRef>
+          <a:fontRef idx="minor">
+            <a:schemeClr val="lt1"/>
+          </a:fontRef>
+        </p:style>
+        <p:txBody>
+          <a:bodyPr rtlCol="0" anchor="ctr"/>
+          <a:lstStyle/>
+          <a:p>
+            <a:pPr algn="ctr"/>
+            <a:endParaRPr lang="en-US"/>
           </a:p>
         </p:txBody>
       </p:sp>
@@ -3472,12 +7470,112 @@
   <p:clrMapOvr>
     <a:masterClrMapping/>
   </p:clrMapOvr>
+  <p:timing>
+    <p:tnLst>
+      <p:par>
+        <p:cTn id="1" dur="indefinite" restart="never" nodeType="tmRoot">
+          <p:childTnLst>
+            <p:seq concurrent="1" nextAc="seek">
+              <p:cTn id="2" dur="indefinite" nodeType="mainSeq">
+                <p:childTnLst>
+                  <p:par>
+                    <p:cTn id="3" fill="hold">
+                      <p:stCondLst>
+                        <p:cond delay="indefinite"/>
+                        <p:cond evt="onBegin" delay="0">
+                          <p:tn val="2"/>
+                        </p:cond>
+                      </p:stCondLst>
+                      <p:childTnLst>
+                        <p:par>
+                          <p:cTn id="4" fill="hold">
+                            <p:stCondLst>
+                              <p:cond delay="0"/>
+                            </p:stCondLst>
+                            <p:childTnLst>
+                              <p:par>
+                                <p:cTn id="5" presetID="10" presetClass="entr" presetSubtype="0" fill="hold" grpId="0" nodeType="withEffect">
+                                  <p:stCondLst>
+                                    <p:cond delay="500"/>
+                                  </p:stCondLst>
+                                  <p:iterate type="wd">
+                                    <p:tmPct val="15000"/>
+                                  </p:iterate>
+                                  <p:childTnLst>
+                                    <p:set>
+                                      <p:cBhvr>
+                                        <p:cTn id="6" dur="1" fill="hold">
+                                          <p:stCondLst>
+                                            <p:cond delay="0"/>
+                                          </p:stCondLst>
+                                        </p:cTn>
+                                        <p:tgtEl>
+                                          <p:spTgt spid="2"/>
+                                        </p:tgtEl>
+                                        <p:attrNameLst>
+                                          <p:attrName>style.visibility</p:attrName>
+                                        </p:attrNameLst>
+                                      </p:cBhvr>
+                                      <p:to>
+                                        <p:strVal val="visible"/>
+                                      </p:to>
+                                    </p:set>
+                                    <p:animEffect transition="in" filter="fade">
+                                      <p:cBhvr>
+                                        <p:cTn id="7" dur="1000"/>
+                                        <p:tgtEl>
+                                          <p:spTgt spid="2"/>
+                                        </p:tgtEl>
+                                      </p:cBhvr>
+                                    </p:animEffect>
+                                  </p:childTnLst>
+                                </p:cTn>
+                              </p:par>
+                            </p:childTnLst>
+                          </p:cTn>
+                        </p:par>
+                      </p:childTnLst>
+                    </p:cTn>
+                  </p:par>
+                </p:childTnLst>
+              </p:cTn>
+              <p:prevCondLst>
+                <p:cond evt="onPrev" delay="0">
+                  <p:tgtEl>
+                    <p:sldTgt/>
+                  </p:tgtEl>
+                </p:cond>
+              </p:prevCondLst>
+              <p:nextCondLst>
+                <p:cond evt="onNext" delay="0">
+                  <p:tgtEl>
+                    <p:sldTgt/>
+                  </p:tgtEl>
+                </p:cond>
+              </p:nextCondLst>
+            </p:seq>
+          </p:childTnLst>
+        </p:cTn>
+      </p:par>
+    </p:tnLst>
+    <p:bldLst>
+      <p:bldP spid="2" grpId="0"/>
+    </p:bldLst>
+  </p:timing>
 </p:sld>
 </file>
 
 <file path=ppt/slides/slide2.xml><?xml version="1.0" encoding="utf-8"?>
 <p:sld xmlns:a="http://schemas.openxmlformats.org/drawingml/2006/main" xmlns:r="http://schemas.openxmlformats.org/officeDocument/2006/relationships" xmlns:p="http://schemas.openxmlformats.org/presentationml/2006/main">
   <p:cSld>
+    <p:bg>
+      <p:bgPr>
+        <a:solidFill>
+          <a:schemeClr val="bg1"/>
+        </a:solidFill>
+        <a:effectLst/>
+      </p:bgPr>
+    </p:bg>
     <p:spTree>
       <p:nvGrpSpPr>
         <p:cNvPr id="1" name=""/>
@@ -3492,6 +7590,140 @@
           <a:chExt cx="0" cy="0"/>
         </a:xfrm>
       </p:grpSpPr>
+      <p:pic>
+        <p:nvPicPr>
+          <p:cNvPr id="6" name="Picture 5">
+            <a:extLst>
+              <a:ext uri="{FF2B5EF4-FFF2-40B4-BE49-F238E27FC236}">
+                <a16:creationId xmlns:a16="http://schemas.microsoft.com/office/drawing/2014/main" id="{BC5E3E58-B850-E653-2861-7F0E9DD50D58}"/>
+              </a:ext>
+            </a:extLst>
+          </p:cNvPr>
+          <p:cNvPicPr>
+            <a:picLocks noChangeAspect="1"/>
+          </p:cNvPicPr>
+          <p:nvPr/>
+        </p:nvPicPr>
+        <p:blipFill rotWithShape="1">
+          <a:blip r:embed="rId2"/>
+          <a:srcRect b="8537"/>
+          <a:stretch/>
+        </p:blipFill>
+        <p:spPr>
+          <a:xfrm>
+            <a:off x="20" y="10"/>
+            <a:ext cx="12191980" cy="6857990"/>
+          </a:xfrm>
+          <a:prstGeom prst="rect">
+            <a:avLst/>
+          </a:prstGeom>
+        </p:spPr>
+      </p:pic>
+      <p:sp>
+        <p:nvSpPr>
+          <p:cNvPr id="10" name="Rectangle 9">
+            <a:extLst>
+              <a:ext uri="{FF2B5EF4-FFF2-40B4-BE49-F238E27FC236}">
+                <a16:creationId xmlns:a16="http://schemas.microsoft.com/office/drawing/2014/main" id="{257363FD-7E77-4145-9483-331A807ADF0E}"/>
+              </a:ext>
+              <a:ext uri="{C183D7F6-B498-43B3-948B-1728B52AA6E4}">
+                <adec:decorative xmlns:adec="http://schemas.microsoft.com/office/drawing/2017/decorative" val="1"/>
+              </a:ext>
+            </a:extLst>
+          </p:cNvPr>
+          <p:cNvSpPr>
+            <a:spLocks noGrp="1" noRot="1" noChangeAspect="1" noMove="1" noResize="1" noEditPoints="1" noAdjustHandles="1" noChangeArrowheads="1" noChangeShapeType="1" noTextEdit="1"/>
+          </p:cNvSpPr>
+          <p:nvPr>
+            <p:extLst>
+              <p:ext uri="{386F3935-93C4-4BCD-93E2-E3B085C9AB24}">
+                <p16:designElem xmlns:p16="http://schemas.microsoft.com/office/powerpoint/2015/main" val="1"/>
+              </p:ext>
+            </p:extLst>
+          </p:nvPr>
+        </p:nvSpPr>
+        <p:spPr>
+          <a:xfrm>
+            <a:off x="0" y="0"/>
+            <a:ext cx="12196802" cy="6858000"/>
+          </a:xfrm>
+          <a:prstGeom prst="rect">
+            <a:avLst/>
+          </a:prstGeom>
+          <a:gradFill flip="none" rotWithShape="1">
+            <a:gsLst>
+              <a:gs pos="28000">
+                <a:schemeClr val="bg2">
+                  <a:alpha val="84000"/>
+                </a:schemeClr>
+              </a:gs>
+              <a:gs pos="74000">
+                <a:schemeClr val="bg1"/>
+              </a:gs>
+            </a:gsLst>
+            <a:path path="circle">
+              <a:fillToRect l="100000" t="100000"/>
+            </a:path>
+            <a:tileRect r="-100000" b="-100000"/>
+          </a:gradFill>
+          <a:ln>
+            <a:noFill/>
+          </a:ln>
+        </p:spPr>
+        <p:style>
+          <a:lnRef idx="2">
+            <a:schemeClr val="accent1">
+              <a:shade val="50000"/>
+            </a:schemeClr>
+          </a:lnRef>
+          <a:fillRef idx="1">
+            <a:schemeClr val="accent1"/>
+          </a:fillRef>
+          <a:effectRef idx="0">
+            <a:schemeClr val="accent1"/>
+          </a:effectRef>
+          <a:fontRef idx="minor">
+            <a:schemeClr val="lt1"/>
+          </a:fontRef>
+        </p:style>
+        <p:txBody>
+          <a:bodyPr rtlCol="0" anchor="ctr"/>
+          <a:lstStyle/>
+          <a:p>
+            <a:pPr marL="0" marR="0" lvl="0" indent="0" algn="ctr" defTabSz="914400" rtl="0" eaLnBrk="1" fontAlgn="auto" latinLnBrk="0" hangingPunct="1">
+              <a:lnSpc>
+                <a:spcPct val="100000"/>
+              </a:lnSpc>
+              <a:spcBef>
+                <a:spcPts val="0"/>
+              </a:spcBef>
+              <a:spcAft>
+                <a:spcPts val="0"/>
+              </a:spcAft>
+              <a:buClrTx/>
+              <a:buSzTx/>
+              <a:buFontTx/>
+              <a:buNone/>
+              <a:tabLst/>
+              <a:defRPr/>
+            </a:pPr>
+            <a:endParaRPr kumimoji="0" lang="en-US" sz="1800" b="0" i="0" u="none" strike="noStrike" kern="1200" cap="none" spc="0" normalizeH="0" baseline="0" noProof="0">
+              <a:ln>
+                <a:noFill/>
+              </a:ln>
+              <a:solidFill>
+                <a:prstClr val="white"/>
+              </a:solidFill>
+              <a:effectLst/>
+              <a:uLnTx/>
+              <a:uFillTx/>
+              <a:latin typeface="Calibri" panose="020F0502020204030204"/>
+              <a:ea typeface="+mn-ea"/>
+              <a:cs typeface="+mn-cs"/>
+            </a:endParaRPr>
+          </a:p>
+        </p:txBody>
+      </p:sp>
       <p:sp>
         <p:nvSpPr>
           <p:cNvPr id="2" name="Cím 1">
@@ -3508,40 +7740,59 @@
             <p:ph type="title"/>
           </p:nvPr>
         </p:nvSpPr>
-        <p:spPr/>
+        <p:spPr>
+          <a:xfrm>
+            <a:off x="838200" y="365125"/>
+            <a:ext cx="10515600" cy="1325563"/>
+          </a:xfrm>
+        </p:spPr>
         <p:txBody>
-          <a:bodyPr/>
+          <a:bodyPr>
+            <a:normAutofit/>
+          </a:bodyPr>
           <a:lstStyle/>
           <a:p>
-            <a:endParaRPr lang="hu-HU"/>
+            <a:r>
+              <a:rPr lang="hu-HU" sz="5400" dirty="0">
+                <a:latin typeface="Arial" panose="020B0604020202020204" pitchFamily="34" charset="0"/>
+                <a:cs typeface="Arial" panose="020B0604020202020204" pitchFamily="34" charset="0"/>
+              </a:rPr>
+              <a:t>A projektünk célja</a:t>
+            </a:r>
           </a:p>
         </p:txBody>
       </p:sp>
-      <p:sp>
-        <p:nvSpPr>
-          <p:cNvPr id="3" name="Tartalom helye 2">
-            <a:extLst>
-              <a:ext uri="{FF2B5EF4-FFF2-40B4-BE49-F238E27FC236}">
-                <a16:creationId xmlns:a16="http://schemas.microsoft.com/office/drawing/2014/main" id="{679E2AA1-C5DB-78F6-9F6C-DE0CB5D00734}"/>
-              </a:ext>
-            </a:extLst>
-          </p:cNvPr>
-          <p:cNvSpPr>
-            <a:spLocks noGrp="1"/>
-          </p:cNvSpPr>
+      <p:graphicFrame>
+        <p:nvGraphicFramePr>
+          <p:cNvPr id="5" name="Tartalom helye 2">
+            <a:extLst>
+              <a:ext uri="{FF2B5EF4-FFF2-40B4-BE49-F238E27FC236}">
+                <a16:creationId xmlns:a16="http://schemas.microsoft.com/office/drawing/2014/main" id="{7004DF60-1E71-AC7C-E262-F5B4D1FA82AC}"/>
+              </a:ext>
+            </a:extLst>
+          </p:cNvPr>
+          <p:cNvGraphicFramePr>
+            <a:graphicFrameLocks noGrp="1"/>
+          </p:cNvGraphicFramePr>
           <p:nvPr>
             <p:ph idx="1"/>
+            <p:extLst>
+              <p:ext uri="{D42A27DB-BD31-4B8C-83A1-F6EECF244321}">
+                <p14:modId xmlns:p14="http://schemas.microsoft.com/office/powerpoint/2010/main" val="2388089171"/>
+              </p:ext>
+            </p:extLst>
           </p:nvPr>
-        </p:nvSpPr>
-        <p:spPr/>
-        <p:txBody>
-          <a:bodyPr/>
-          <a:lstStyle/>
-          <a:p>
-            <a:endParaRPr lang="hu-HU"/>
-          </a:p>
-        </p:txBody>
-      </p:sp>
+        </p:nvGraphicFramePr>
+        <p:xfrm>
+          <a:off x="838200" y="1825625"/>
+          <a:ext cx="10515600" cy="4351338"/>
+        </p:xfrm>
+        <a:graphic>
+          <a:graphicData uri="http://schemas.openxmlformats.org/drawingml/2006/diagram">
+            <dgm:relIds xmlns:dgm="http://schemas.openxmlformats.org/drawingml/2006/diagram" xmlns:r="http://schemas.openxmlformats.org/officeDocument/2006/relationships" r:dm="rId3" r:lo="rId4" r:qs="rId5" r:cs="rId6"/>
+          </a:graphicData>
+        </a:graphic>
+      </p:graphicFrame>
     </p:spTree>
     <p:extLst>
       <p:ext uri="{BB962C8B-B14F-4D97-AF65-F5344CB8AC3E}">
@@ -3558,6 +7809,14 @@
 <file path=ppt/slides/slide3.xml><?xml version="1.0" encoding="utf-8"?>
 <p:sld xmlns:a="http://schemas.openxmlformats.org/drawingml/2006/main" xmlns:r="http://schemas.openxmlformats.org/officeDocument/2006/relationships" xmlns:p="http://schemas.openxmlformats.org/presentationml/2006/main">
   <p:cSld>
+    <p:bg>
+      <p:bgPr>
+        <a:solidFill>
+          <a:schemeClr val="bg1"/>
+        </a:solidFill>
+        <a:effectLst/>
+      </p:bgPr>
+    </p:bg>
     <p:spTree>
       <p:nvGrpSpPr>
         <p:cNvPr id="1" name=""/>
@@ -3572,6 +7831,197 @@
           <a:chExt cx="0" cy="0"/>
         </a:xfrm>
       </p:grpSpPr>
+      <p:sp useBgFill="1">
+        <p:nvSpPr>
+          <p:cNvPr id="1035" name="Rectangle 1030">
+            <a:extLst>
+              <a:ext uri="{FF2B5EF4-FFF2-40B4-BE49-F238E27FC236}">
+                <a16:creationId xmlns:a16="http://schemas.microsoft.com/office/drawing/2014/main" id="{04812C46-200A-4DEB-A05E-3ED6C68C2387}"/>
+              </a:ext>
+              <a:ext uri="{C183D7F6-B498-43B3-948B-1728B52AA6E4}">
+                <adec:decorative xmlns:adec="http://schemas.microsoft.com/office/drawing/2017/decorative" val="1"/>
+              </a:ext>
+            </a:extLst>
+          </p:cNvPr>
+          <p:cNvSpPr>
+            <a:spLocks noGrp="1" noRot="1" noChangeAspect="1" noMove="1" noResize="1" noEditPoints="1" noAdjustHandles="1" noChangeArrowheads="1" noChangeShapeType="1" noTextEdit="1"/>
+          </p:cNvSpPr>
+          <p:nvPr>
+            <p:extLst>
+              <p:ext uri="{386F3935-93C4-4BCD-93E2-E3B085C9AB24}">
+                <p16:designElem xmlns:p16="http://schemas.microsoft.com/office/powerpoint/2015/main" val="1"/>
+              </p:ext>
+            </p:extLst>
+          </p:nvPr>
+        </p:nvSpPr>
+        <p:spPr>
+          <a:xfrm>
+            <a:off x="3049" y="0"/>
+            <a:ext cx="12188952" cy="6858000"/>
+          </a:xfrm>
+          <a:prstGeom prst="rect">
+            <a:avLst/>
+          </a:prstGeom>
+          <a:ln>
+            <a:noFill/>
+          </a:ln>
+        </p:spPr>
+        <p:style>
+          <a:lnRef idx="2">
+            <a:schemeClr val="accent1">
+              <a:shade val="50000"/>
+            </a:schemeClr>
+          </a:lnRef>
+          <a:fillRef idx="1">
+            <a:schemeClr val="accent1"/>
+          </a:fillRef>
+          <a:effectRef idx="0">
+            <a:schemeClr val="accent1"/>
+          </a:effectRef>
+          <a:fontRef idx="minor">
+            <a:schemeClr val="lt1"/>
+          </a:fontRef>
+        </p:style>
+        <p:txBody>
+          <a:bodyPr rtlCol="0" anchor="ctr"/>
+          <a:lstStyle/>
+          <a:p>
+            <a:pPr algn="ctr"/>
+            <a:endParaRPr lang="en-US"/>
+          </a:p>
+        </p:txBody>
+      </p:sp>
+      <p:pic>
+        <p:nvPicPr>
+          <p:cNvPr id="1026" name="Picture 2" descr="MongoDB Archives - ITAdminGuide.com">
+            <a:extLst>
+              <a:ext uri="{FF2B5EF4-FFF2-40B4-BE49-F238E27FC236}">
+                <a16:creationId xmlns:a16="http://schemas.microsoft.com/office/drawing/2014/main" id="{DEAB7AAA-C978-8922-EED6-68719F59E9A6}"/>
+              </a:ext>
+            </a:extLst>
+          </p:cNvPr>
+          <p:cNvPicPr>
+            <a:picLocks noChangeAspect="1" noChangeArrowheads="1"/>
+          </p:cNvPicPr>
+          <p:nvPr/>
+        </p:nvPicPr>
+        <p:blipFill rotWithShape="1">
+          <a:blip r:embed="rId2">
+            <a:extLst>
+              <a:ext uri="{28A0092B-C50C-407E-A947-70E740481C1C}">
+                <a14:useLocalDpi xmlns:a14="http://schemas.microsoft.com/office/drawing/2010/main" val="0"/>
+              </a:ext>
+            </a:extLst>
+          </a:blip>
+          <a:srcRect l="8573" r="6475" b="-1"/>
+          <a:stretch/>
+        </p:blipFill>
+        <p:spPr bwMode="auto">
+          <a:xfrm>
+            <a:off x="2522356" y="10"/>
+            <a:ext cx="9669642" cy="6857990"/>
+          </a:xfrm>
+          <a:prstGeom prst="rect">
+            <a:avLst/>
+          </a:prstGeom>
+          <a:noFill/>
+          <a:extLst>
+            <a:ext uri="{909E8E84-426E-40DD-AFC4-6F175D3DCCD1}">
+              <a14:hiddenFill xmlns:a14="http://schemas.microsoft.com/office/drawing/2010/main">
+                <a:solidFill>
+                  <a:srgbClr val="FFFFFF"/>
+                </a:solidFill>
+              </a14:hiddenFill>
+            </a:ext>
+          </a:extLst>
+        </p:spPr>
+      </p:pic>
+      <p:sp>
+        <p:nvSpPr>
+          <p:cNvPr id="1036" name="Rectangle 1032">
+            <a:extLst>
+              <a:ext uri="{FF2B5EF4-FFF2-40B4-BE49-F238E27FC236}">
+                <a16:creationId xmlns:a16="http://schemas.microsoft.com/office/drawing/2014/main" id="{D1EA859B-E555-4109-94F3-6700E046E008}"/>
+              </a:ext>
+              <a:ext uri="{C183D7F6-B498-43B3-948B-1728B52AA6E4}">
+                <adec:decorative xmlns:adec="http://schemas.microsoft.com/office/drawing/2017/decorative" val="1"/>
+              </a:ext>
+            </a:extLst>
+          </p:cNvPr>
+          <p:cNvSpPr>
+            <a:spLocks noGrp="1" noRot="1" noChangeAspect="1" noMove="1" noResize="1" noEditPoints="1" noAdjustHandles="1" noChangeArrowheads="1" noChangeShapeType="1" noTextEdit="1"/>
+          </p:cNvSpPr>
+          <p:nvPr>
+            <p:extLst>
+              <p:ext uri="{386F3935-93C4-4BCD-93E2-E3B085C9AB24}">
+                <p16:designElem xmlns:p16="http://schemas.microsoft.com/office/powerpoint/2015/main" val="1"/>
+              </p:ext>
+            </p:extLst>
+          </p:nvPr>
+        </p:nvSpPr>
+        <p:spPr>
+          <a:xfrm>
+            <a:off x="-1" y="0"/>
+            <a:ext cx="7390263" cy="6858000"/>
+          </a:xfrm>
+          <a:prstGeom prst="rect">
+            <a:avLst/>
+          </a:prstGeom>
+          <a:gradFill>
+            <a:gsLst>
+              <a:gs pos="48000">
+                <a:schemeClr val="bg1"/>
+              </a:gs>
+              <a:gs pos="35000">
+                <a:schemeClr val="bg1">
+                  <a:alpha val="77000"/>
+                </a:schemeClr>
+              </a:gs>
+              <a:gs pos="19000">
+                <a:schemeClr val="bg1">
+                  <a:alpha val="38000"/>
+                </a:schemeClr>
+              </a:gs>
+              <a:gs pos="0">
+                <a:schemeClr val="bg1">
+                  <a:alpha val="0"/>
+                </a:schemeClr>
+              </a:gs>
+              <a:gs pos="100000">
+                <a:schemeClr val="bg1"/>
+              </a:gs>
+            </a:gsLst>
+            <a:lin ang="10800000" scaled="0"/>
+          </a:gradFill>
+          <a:ln>
+            <a:noFill/>
+          </a:ln>
+        </p:spPr>
+        <p:style>
+          <a:lnRef idx="2">
+            <a:schemeClr val="accent1">
+              <a:shade val="50000"/>
+            </a:schemeClr>
+          </a:lnRef>
+          <a:fillRef idx="1">
+            <a:schemeClr val="accent1"/>
+          </a:fillRef>
+          <a:effectRef idx="0">
+            <a:schemeClr val="accent1"/>
+          </a:effectRef>
+          <a:fontRef idx="minor">
+            <a:schemeClr val="lt1"/>
+          </a:fontRef>
+        </p:style>
+        <p:txBody>
+          <a:bodyPr rtlCol="0" anchor="ctr"/>
+          <a:lstStyle/>
+          <a:p>
+            <a:pPr algn="ctr"/>
+            <a:endParaRPr lang="en-US" dirty="0"/>
+          </a:p>
+        </p:txBody>
+      </p:sp>
       <p:sp>
         <p:nvSpPr>
           <p:cNvPr id="2" name="Cím 1">
@@ -3588,12 +8038,25 @@
             <p:ph type="title"/>
           </p:nvPr>
         </p:nvSpPr>
-        <p:spPr/>
+        <p:spPr>
+          <a:xfrm>
+            <a:off x="838200" y="365125"/>
+            <a:ext cx="5070231" cy="1899912"/>
+          </a:xfrm>
+        </p:spPr>
         <p:txBody>
-          <a:bodyPr/>
+          <a:bodyPr>
+            <a:normAutofit/>
+          </a:bodyPr>
           <a:lstStyle/>
           <a:p>
-            <a:endParaRPr lang="hu-HU"/>
+            <a:r>
+              <a:rPr lang="hu-HU" sz="5400" dirty="0">
+                <a:latin typeface="Arial" panose="020B0604020202020204" pitchFamily="34" charset="0"/>
+                <a:cs typeface="Arial" panose="020B0604020202020204" pitchFamily="34" charset="0"/>
+              </a:rPr>
+              <a:t>Adatbázis</a:t>
+            </a:r>
           </a:p>
         </p:txBody>
       </p:sp>
@@ -3613,12 +8076,46 @@
             <p:ph idx="1"/>
           </p:nvPr>
         </p:nvSpPr>
-        <p:spPr/>
+        <p:spPr>
+          <a:xfrm>
+            <a:off x="838200" y="2434201"/>
+            <a:ext cx="3822189" cy="3742762"/>
+          </a:xfrm>
+        </p:spPr>
         <p:txBody>
-          <a:bodyPr/>
+          <a:bodyPr>
+            <a:normAutofit/>
+          </a:bodyPr>
           <a:lstStyle/>
           <a:p>
-            <a:endParaRPr lang="hu-HU"/>
+            <a:r>
+              <a:rPr lang="hu-HU" sz="2000" dirty="0">
+                <a:latin typeface="Arial" panose="020B0604020202020204" pitchFamily="34" charset="0"/>
+                <a:cs typeface="Arial" panose="020B0604020202020204" pitchFamily="34" charset="0"/>
+              </a:rPr>
+              <a:t>MongoDB</a:t>
+            </a:r>
+          </a:p>
+          <a:p>
+            <a:r>
+              <a:rPr lang="hu-HU" sz="2000" dirty="0">
+                <a:latin typeface="Arial" panose="020B0604020202020204" pitchFamily="34" charset="0"/>
+                <a:cs typeface="Arial" panose="020B0604020202020204" pitchFamily="34" charset="0"/>
+              </a:rPr>
+              <a:t>Dokumentum alapú</a:t>
+            </a:r>
+          </a:p>
+          <a:p>
+            <a:r>
+              <a:rPr lang="hu-HU" sz="2000" dirty="0">
+                <a:latin typeface="Arial" panose="020B0604020202020204" pitchFamily="34" charset="0"/>
+                <a:cs typeface="Arial" panose="020B0604020202020204" pitchFamily="34" charset="0"/>
+              </a:rPr>
+              <a:t>6 Tábla </a:t>
+            </a:r>
+          </a:p>
+          <a:p>
+            <a:endParaRPr lang="hu-HU" sz="2000" dirty="0"/>
           </a:p>
         </p:txBody>
       </p:sp>
@@ -3638,6 +8135,14 @@
 <file path=ppt/slides/slide4.xml><?xml version="1.0" encoding="utf-8"?>
 <p:sld xmlns:a="http://schemas.openxmlformats.org/drawingml/2006/main" xmlns:r="http://schemas.openxmlformats.org/officeDocument/2006/relationships" xmlns:p="http://schemas.openxmlformats.org/presentationml/2006/main">
   <p:cSld>
+    <p:bg>
+      <p:bgPr>
+        <a:solidFill>
+          <a:schemeClr val="bg1"/>
+        </a:solidFill>
+        <a:effectLst/>
+      </p:bgPr>
+    </p:bg>
     <p:spTree>
       <p:nvGrpSpPr>
         <p:cNvPr id="1" name=""/>
@@ -3654,35 +8159,165 @@
       </p:grpSpPr>
       <p:sp>
         <p:nvSpPr>
-          <p:cNvPr id="2" name="Cím 1">
-            <a:extLst>
-              <a:ext uri="{FF2B5EF4-FFF2-40B4-BE49-F238E27FC236}">
-                <a16:creationId xmlns:a16="http://schemas.microsoft.com/office/drawing/2014/main" id="{35270BC3-6F70-9A75-04FB-8E1C3061243E}"/>
+          <p:cNvPr id="2055" name="Rectangle 2054">
+            <a:extLst>
+              <a:ext uri="{FF2B5EF4-FFF2-40B4-BE49-F238E27FC236}">
+                <a16:creationId xmlns:a16="http://schemas.microsoft.com/office/drawing/2014/main" id="{42A4FC2C-047E-45A5-965D-8E1E3BF09BC6}"/>
+              </a:ext>
+              <a:ext uri="{C183D7F6-B498-43B3-948B-1728B52AA6E4}">
+                <adec:decorative xmlns:adec="http://schemas.microsoft.com/office/drawing/2017/decorative" val="1"/>
               </a:ext>
             </a:extLst>
           </p:cNvPr>
           <p:cNvSpPr>
-            <a:spLocks noGrp="1"/>
+            <a:spLocks noGrp="1" noRot="1" noChangeAspect="1" noMove="1" noResize="1" noEditPoints="1" noAdjustHandles="1" noChangeArrowheads="1" noChangeShapeType="1" noTextEdit="1"/>
           </p:cNvSpPr>
           <p:nvPr>
-            <p:ph type="title"/>
+            <p:extLst>
+              <p:ext uri="{386F3935-93C4-4BCD-93E2-E3B085C9AB24}">
+                <p16:designElem xmlns:p16="http://schemas.microsoft.com/office/powerpoint/2015/main" val="1"/>
+              </p:ext>
+            </p:extLst>
           </p:nvPr>
         </p:nvSpPr>
-        <p:spPr/>
+        <p:spPr bwMode="white">
+          <a:xfrm>
+            <a:off x="1524" y="0"/>
+            <a:ext cx="12188952" cy="6858000"/>
+          </a:xfrm>
+          <a:prstGeom prst="rect">
+            <a:avLst/>
+          </a:prstGeom>
+          <a:noFill/>
+          <a:ln>
+            <a:noFill/>
+          </a:ln>
+        </p:spPr>
+        <p:style>
+          <a:lnRef idx="2">
+            <a:schemeClr val="accent1">
+              <a:shade val="50000"/>
+            </a:schemeClr>
+          </a:lnRef>
+          <a:fillRef idx="1">
+            <a:schemeClr val="accent1"/>
+          </a:fillRef>
+          <a:effectRef idx="0">
+            <a:schemeClr val="accent1"/>
+          </a:effectRef>
+          <a:fontRef idx="minor">
+            <a:schemeClr val="lt1"/>
+          </a:fontRef>
+        </p:style>
         <p:txBody>
-          <a:bodyPr/>
-          <a:lstStyle/>
-          <a:p>
-            <a:endParaRPr lang="hu-HU"/>
+          <a:bodyPr rtlCol="0" anchor="ctr"/>
+          <a:lstStyle>
+            <a:defPPr>
+              <a:defRPr lang="en-US"/>
+            </a:defPPr>
+            <a:lvl1pPr marL="0" algn="l" defTabSz="914400" rtl="0" eaLnBrk="1" latinLnBrk="0" hangingPunct="1">
+              <a:defRPr sz="1800" kern="1200">
+                <a:solidFill>
+                  <a:schemeClr val="lt1"/>
+                </a:solidFill>
+                <a:latin typeface="+mn-lt"/>
+                <a:ea typeface="+mn-ea"/>
+                <a:cs typeface="+mn-cs"/>
+              </a:defRPr>
+            </a:lvl1pPr>
+            <a:lvl2pPr marL="457200" algn="l" defTabSz="914400" rtl="0" eaLnBrk="1" latinLnBrk="0" hangingPunct="1">
+              <a:defRPr sz="1800" kern="1200">
+                <a:solidFill>
+                  <a:schemeClr val="lt1"/>
+                </a:solidFill>
+                <a:latin typeface="+mn-lt"/>
+                <a:ea typeface="+mn-ea"/>
+                <a:cs typeface="+mn-cs"/>
+              </a:defRPr>
+            </a:lvl2pPr>
+            <a:lvl3pPr marL="914400" algn="l" defTabSz="914400" rtl="0" eaLnBrk="1" latinLnBrk="0" hangingPunct="1">
+              <a:defRPr sz="1800" kern="1200">
+                <a:solidFill>
+                  <a:schemeClr val="lt1"/>
+                </a:solidFill>
+                <a:latin typeface="+mn-lt"/>
+                <a:ea typeface="+mn-ea"/>
+                <a:cs typeface="+mn-cs"/>
+              </a:defRPr>
+            </a:lvl3pPr>
+            <a:lvl4pPr marL="1371600" algn="l" defTabSz="914400" rtl="0" eaLnBrk="1" latinLnBrk="0" hangingPunct="1">
+              <a:defRPr sz="1800" kern="1200">
+                <a:solidFill>
+                  <a:schemeClr val="lt1"/>
+                </a:solidFill>
+                <a:latin typeface="+mn-lt"/>
+                <a:ea typeface="+mn-ea"/>
+                <a:cs typeface="+mn-cs"/>
+              </a:defRPr>
+            </a:lvl4pPr>
+            <a:lvl5pPr marL="1828800" algn="l" defTabSz="914400" rtl="0" eaLnBrk="1" latinLnBrk="0" hangingPunct="1">
+              <a:defRPr sz="1800" kern="1200">
+                <a:solidFill>
+                  <a:schemeClr val="lt1"/>
+                </a:solidFill>
+                <a:latin typeface="+mn-lt"/>
+                <a:ea typeface="+mn-ea"/>
+                <a:cs typeface="+mn-cs"/>
+              </a:defRPr>
+            </a:lvl5pPr>
+            <a:lvl6pPr marL="2286000" algn="l" defTabSz="914400" rtl="0" eaLnBrk="1" latinLnBrk="0" hangingPunct="1">
+              <a:defRPr sz="1800" kern="1200">
+                <a:solidFill>
+                  <a:schemeClr val="lt1"/>
+                </a:solidFill>
+                <a:latin typeface="+mn-lt"/>
+                <a:ea typeface="+mn-ea"/>
+                <a:cs typeface="+mn-cs"/>
+              </a:defRPr>
+            </a:lvl6pPr>
+            <a:lvl7pPr marL="2743200" algn="l" defTabSz="914400" rtl="0" eaLnBrk="1" latinLnBrk="0" hangingPunct="1">
+              <a:defRPr sz="1800" kern="1200">
+                <a:solidFill>
+                  <a:schemeClr val="lt1"/>
+                </a:solidFill>
+                <a:latin typeface="+mn-lt"/>
+                <a:ea typeface="+mn-ea"/>
+                <a:cs typeface="+mn-cs"/>
+              </a:defRPr>
+            </a:lvl7pPr>
+            <a:lvl8pPr marL="3200400" algn="l" defTabSz="914400" rtl="0" eaLnBrk="1" latinLnBrk="0" hangingPunct="1">
+              <a:defRPr sz="1800" kern="1200">
+                <a:solidFill>
+                  <a:schemeClr val="lt1"/>
+                </a:solidFill>
+                <a:latin typeface="+mn-lt"/>
+                <a:ea typeface="+mn-ea"/>
+                <a:cs typeface="+mn-cs"/>
+              </a:defRPr>
+            </a:lvl8pPr>
+            <a:lvl9pPr marL="3657600" algn="l" defTabSz="914400" rtl="0" eaLnBrk="1" latinLnBrk="0" hangingPunct="1">
+              <a:defRPr sz="1800" kern="1200">
+                <a:solidFill>
+                  <a:schemeClr val="lt1"/>
+                </a:solidFill>
+                <a:latin typeface="+mn-lt"/>
+                <a:ea typeface="+mn-ea"/>
+                <a:cs typeface="+mn-cs"/>
+              </a:defRPr>
+            </a:lvl9pPr>
+          </a:lstStyle>
+          <a:p>
+            <a:pPr algn="ctr"/>
+            <a:endParaRPr lang="en-US"/>
           </a:p>
         </p:txBody>
       </p:sp>
       <p:sp>
         <p:nvSpPr>
-          <p:cNvPr id="3" name="Tartalom helye 2">
-            <a:extLst>
-              <a:ext uri="{FF2B5EF4-FFF2-40B4-BE49-F238E27FC236}">
-                <a16:creationId xmlns:a16="http://schemas.microsoft.com/office/drawing/2014/main" id="{C6E5EC03-2AC4-397D-7DCB-7FDC60902859}"/>
+          <p:cNvPr id="4" name="Tartalom helye 3">
+            <a:extLst>
+              <a:ext uri="{FF2B5EF4-FFF2-40B4-BE49-F238E27FC236}">
+                <a16:creationId xmlns:a16="http://schemas.microsoft.com/office/drawing/2014/main" id="{9E62BB32-471F-96AB-FA0F-9D3BC5DA28D7}"/>
               </a:ext>
             </a:extLst>
           </p:cNvPr>
@@ -3702,6 +8337,53 @@
           </a:p>
         </p:txBody>
       </p:sp>
+      <p:pic>
+        <p:nvPicPr>
+          <p:cNvPr id="5" name="Picture 2">
+            <a:extLst>
+              <a:ext uri="{FF2B5EF4-FFF2-40B4-BE49-F238E27FC236}">
+                <a16:creationId xmlns:a16="http://schemas.microsoft.com/office/drawing/2014/main" id="{892F5997-2446-9590-F1A8-B16A477569F6}"/>
+              </a:ext>
+            </a:extLst>
+          </p:cNvPr>
+          <p:cNvPicPr>
+            <a:picLocks noChangeAspect="1" noChangeArrowheads="1"/>
+          </p:cNvPicPr>
+          <p:nvPr/>
+        </p:nvPicPr>
+        <p:blipFill>
+          <a:blip r:embed="rId2">
+            <a:extLst>
+              <a:ext uri="{28A0092B-C50C-407E-A947-70E740481C1C}">
+                <a14:useLocalDpi xmlns:a14="http://schemas.microsoft.com/office/drawing/2010/main" val="0"/>
+              </a:ext>
+            </a:extLst>
+          </a:blip>
+          <a:srcRect/>
+          <a:stretch>
+            <a:fillRect/>
+          </a:stretch>
+        </p:blipFill>
+        <p:spPr bwMode="auto">
+          <a:xfrm>
+            <a:off x="634180" y="324465"/>
+            <a:ext cx="11105535" cy="6386052"/>
+          </a:xfrm>
+          <a:prstGeom prst="rect">
+            <a:avLst/>
+          </a:prstGeom>
+          <a:noFill/>
+          <a:extLst>
+            <a:ext uri="{909E8E84-426E-40DD-AFC4-6F175D3DCCD1}">
+              <a14:hiddenFill xmlns:a14="http://schemas.microsoft.com/office/drawing/2010/main">
+                <a:solidFill>
+                  <a:srgbClr val="FFFFFF"/>
+                </a:solidFill>
+              </a14:hiddenFill>
+            </a:ext>
+          </a:extLst>
+        </p:spPr>
+      </p:pic>
     </p:spTree>
     <p:extLst>
       <p:ext uri="{BB962C8B-B14F-4D97-AF65-F5344CB8AC3E}">

--- a/Bemutato.pptx
+++ b/Bemutato.pptx
@@ -7,9 +7,9 @@
   <p:sldIdLst>
     <p:sldId id="256" r:id="rId2"/>
     <p:sldId id="257" r:id="rId3"/>
-    <p:sldId id="258" r:id="rId4"/>
-    <p:sldId id="259" r:id="rId5"/>
-    <p:sldId id="260" r:id="rId6"/>
+    <p:sldId id="260" r:id="rId4"/>
+    <p:sldId id="258" r:id="rId5"/>
+    <p:sldId id="259" r:id="rId6"/>
     <p:sldId id="261" r:id="rId7"/>
     <p:sldId id="262" r:id="rId8"/>
     <p:sldId id="263" r:id="rId9"/>
@@ -3821,7 +3821,7 @@
           <a:p>
             <a:fld id="{FA64CA88-A0F0-4D5B-BEA8-B57532FDFF33}" type="datetimeFigureOut">
               <a:rPr lang="hu-HU" smtClean="0"/>
-              <a:t>2024. 03. 13.</a:t>
+              <a:t>2024. 03. 14.</a:t>
             </a:fld>
             <a:endParaRPr lang="hu-HU"/>
           </a:p>
@@ -4019,7 +4019,7 @@
           <a:p>
             <a:fld id="{FA64CA88-A0F0-4D5B-BEA8-B57532FDFF33}" type="datetimeFigureOut">
               <a:rPr lang="hu-HU" smtClean="0"/>
-              <a:t>2024. 03. 13.</a:t>
+              <a:t>2024. 03. 14.</a:t>
             </a:fld>
             <a:endParaRPr lang="hu-HU"/>
           </a:p>
@@ -4227,7 +4227,7 @@
           <a:p>
             <a:fld id="{FA64CA88-A0F0-4D5B-BEA8-B57532FDFF33}" type="datetimeFigureOut">
               <a:rPr lang="hu-HU" smtClean="0"/>
-              <a:t>2024. 03. 13.</a:t>
+              <a:t>2024. 03. 14.</a:t>
             </a:fld>
             <a:endParaRPr lang="hu-HU"/>
           </a:p>
@@ -4425,7 +4425,7 @@
           <a:p>
             <a:fld id="{FA64CA88-A0F0-4D5B-BEA8-B57532FDFF33}" type="datetimeFigureOut">
               <a:rPr lang="hu-HU" smtClean="0"/>
-              <a:t>2024. 03. 13.</a:t>
+              <a:t>2024. 03. 14.</a:t>
             </a:fld>
             <a:endParaRPr lang="hu-HU"/>
           </a:p>
@@ -4700,7 +4700,7 @@
           <a:p>
             <a:fld id="{FA64CA88-A0F0-4D5B-BEA8-B57532FDFF33}" type="datetimeFigureOut">
               <a:rPr lang="hu-HU" smtClean="0"/>
-              <a:t>2024. 03. 13.</a:t>
+              <a:t>2024. 03. 14.</a:t>
             </a:fld>
             <a:endParaRPr lang="hu-HU"/>
           </a:p>
@@ -4965,7 +4965,7 @@
           <a:p>
             <a:fld id="{FA64CA88-A0F0-4D5B-BEA8-B57532FDFF33}" type="datetimeFigureOut">
               <a:rPr lang="hu-HU" smtClean="0"/>
-              <a:t>2024. 03. 13.</a:t>
+              <a:t>2024. 03. 14.</a:t>
             </a:fld>
             <a:endParaRPr lang="hu-HU"/>
           </a:p>
@@ -5377,7 +5377,7 @@
           <a:p>
             <a:fld id="{FA64CA88-A0F0-4D5B-BEA8-B57532FDFF33}" type="datetimeFigureOut">
               <a:rPr lang="hu-HU" smtClean="0"/>
-              <a:t>2024. 03. 13.</a:t>
+              <a:t>2024. 03. 14.</a:t>
             </a:fld>
             <a:endParaRPr lang="hu-HU"/>
           </a:p>
@@ -5518,7 +5518,7 @@
           <a:p>
             <a:fld id="{FA64CA88-A0F0-4D5B-BEA8-B57532FDFF33}" type="datetimeFigureOut">
               <a:rPr lang="hu-HU" smtClean="0"/>
-              <a:t>2024. 03. 13.</a:t>
+              <a:t>2024. 03. 14.</a:t>
             </a:fld>
             <a:endParaRPr lang="hu-HU"/>
           </a:p>
@@ -5631,7 +5631,7 @@
           <a:p>
             <a:fld id="{FA64CA88-A0F0-4D5B-BEA8-B57532FDFF33}" type="datetimeFigureOut">
               <a:rPr lang="hu-HU" smtClean="0"/>
-              <a:t>2024. 03. 13.</a:t>
+              <a:t>2024. 03. 14.</a:t>
             </a:fld>
             <a:endParaRPr lang="hu-HU"/>
           </a:p>
@@ -5942,7 +5942,7 @@
           <a:p>
             <a:fld id="{FA64CA88-A0F0-4D5B-BEA8-B57532FDFF33}" type="datetimeFigureOut">
               <a:rPr lang="hu-HU" smtClean="0"/>
-              <a:t>2024. 03. 13.</a:t>
+              <a:t>2024. 03. 14.</a:t>
             </a:fld>
             <a:endParaRPr lang="hu-HU"/>
           </a:p>
@@ -6230,7 +6230,7 @@
           <a:p>
             <a:fld id="{FA64CA88-A0F0-4D5B-BEA8-B57532FDFF33}" type="datetimeFigureOut">
               <a:rPr lang="hu-HU" smtClean="0"/>
-              <a:t>2024. 03. 13.</a:t>
+              <a:t>2024. 03. 14.</a:t>
             </a:fld>
             <a:endParaRPr lang="hu-HU"/>
           </a:p>
@@ -6471,7 +6471,7 @@
           <a:p>
             <a:fld id="{FA64CA88-A0F0-4D5B-BEA8-B57532FDFF33}" type="datetimeFigureOut">
               <a:rPr lang="hu-HU" smtClean="0"/>
-              <a:t>2024. 03. 13.</a:t>
+              <a:t>2024. 03. 14.</a:t>
             </a:fld>
             <a:endParaRPr lang="hu-HU"/>
           </a:p>
@@ -7809,6 +7809,182 @@
 <file path=ppt/slides/slide3.xml><?xml version="1.0" encoding="utf-8"?>
 <p:sld xmlns:a="http://schemas.openxmlformats.org/drawingml/2006/main" xmlns:r="http://schemas.openxmlformats.org/officeDocument/2006/relationships" xmlns:p="http://schemas.openxmlformats.org/presentationml/2006/main">
   <p:cSld>
+    <p:spTree>
+      <p:nvGrpSpPr>
+        <p:cNvPr id="1" name=""/>
+        <p:cNvGrpSpPr/>
+        <p:nvPr/>
+      </p:nvGrpSpPr>
+      <p:grpSpPr>
+        <a:xfrm>
+          <a:off x="0" y="0"/>
+          <a:ext cx="0" cy="0"/>
+          <a:chOff x="0" y="0"/>
+          <a:chExt cx="0" cy="0"/>
+        </a:xfrm>
+      </p:grpSpPr>
+      <p:sp>
+        <p:nvSpPr>
+          <p:cNvPr id="2" name="Cím 1">
+            <a:extLst>
+              <a:ext uri="{FF2B5EF4-FFF2-40B4-BE49-F238E27FC236}">
+                <a16:creationId xmlns:a16="http://schemas.microsoft.com/office/drawing/2014/main" id="{FD2D685A-5721-75A5-764F-FD7DD4DEF420}"/>
+              </a:ext>
+            </a:extLst>
+          </p:cNvPr>
+          <p:cNvSpPr>
+            <a:spLocks noGrp="1"/>
+          </p:cNvSpPr>
+          <p:nvPr>
+            <p:ph type="title"/>
+          </p:nvPr>
+        </p:nvSpPr>
+        <p:spPr/>
+        <p:txBody>
+          <a:bodyPr/>
+          <a:lstStyle/>
+          <a:p>
+            <a:r>
+              <a:rPr lang="hu-HU" dirty="0">
+                <a:latin typeface="Arial" panose="020B0604020202020204" pitchFamily="34" charset="0"/>
+                <a:cs typeface="Arial" panose="020B0604020202020204" pitchFamily="34" charset="0"/>
+              </a:rPr>
+              <a:t>Miért pont MongoDB? </a:t>
+            </a:r>
+          </a:p>
+        </p:txBody>
+      </p:sp>
+      <p:pic>
+        <p:nvPicPr>
+          <p:cNvPr id="1026" name="Picture 2" descr="What is MongoDB? NoSQL database explained in an easy way.">
+            <a:extLst>
+              <a:ext uri="{FF2B5EF4-FFF2-40B4-BE49-F238E27FC236}">
+                <a16:creationId xmlns:a16="http://schemas.microsoft.com/office/drawing/2014/main" id="{C5EDB69C-19AF-4970-B187-CE8888273996}"/>
+              </a:ext>
+            </a:extLst>
+          </p:cNvPr>
+          <p:cNvPicPr>
+            <a:picLocks noGrp="1" noChangeAspect="1" noChangeArrowheads="1"/>
+          </p:cNvPicPr>
+          <p:nvPr>
+            <p:ph idx="1"/>
+          </p:nvPr>
+        </p:nvPicPr>
+        <p:blipFill>
+          <a:blip r:embed="rId2">
+            <a:extLst>
+              <a:ext uri="{28A0092B-C50C-407E-A947-70E740481C1C}">
+                <a14:useLocalDpi xmlns:a14="http://schemas.microsoft.com/office/drawing/2010/main" val="0"/>
+              </a:ext>
+            </a:extLst>
+          </a:blip>
+          <a:srcRect/>
+          <a:stretch>
+            <a:fillRect/>
+          </a:stretch>
+        </p:blipFill>
+        <p:spPr bwMode="auto">
+          <a:xfrm>
+            <a:off x="8495036" y="3122274"/>
+            <a:ext cx="2264172" cy="3045262"/>
+          </a:xfrm>
+          <a:prstGeom prst="rect">
+            <a:avLst/>
+          </a:prstGeom>
+          <a:noFill/>
+          <a:extLst>
+            <a:ext uri="{909E8E84-426E-40DD-AFC4-6F175D3DCCD1}">
+              <a14:hiddenFill xmlns:a14="http://schemas.microsoft.com/office/drawing/2010/main">
+                <a:solidFill>
+                  <a:srgbClr val="FFFFFF"/>
+                </a:solidFill>
+              </a14:hiddenFill>
+            </a:ext>
+          </a:extLst>
+        </p:spPr>
+      </p:pic>
+      <p:sp>
+        <p:nvSpPr>
+          <p:cNvPr id="4" name="Szövegdoboz 3">
+            <a:extLst>
+              <a:ext uri="{FF2B5EF4-FFF2-40B4-BE49-F238E27FC236}">
+                <a16:creationId xmlns:a16="http://schemas.microsoft.com/office/drawing/2014/main" id="{8AE775F3-2D2C-4D9B-A4BF-6B18BFA06A6D}"/>
+              </a:ext>
+            </a:extLst>
+          </p:cNvPr>
+          <p:cNvSpPr txBox="1"/>
+          <p:nvPr/>
+        </p:nvSpPr>
+        <p:spPr>
+          <a:xfrm>
+            <a:off x="961053" y="1819469"/>
+            <a:ext cx="6746033" cy="646331"/>
+          </a:xfrm>
+          <a:prstGeom prst="rect">
+            <a:avLst/>
+          </a:prstGeom>
+          <a:noFill/>
+        </p:spPr>
+        <p:txBody>
+          <a:bodyPr wrap="square" rtlCol="0">
+            <a:spAutoFit/>
+          </a:bodyPr>
+          <a:lstStyle/>
+          <a:p>
+            <a:pPr marL="285750" indent="-285750">
+              <a:buFont typeface="Arial" panose="020B0604020202020204" pitchFamily="34" charset="0"/>
+              <a:buChar char="•"/>
+            </a:pPr>
+            <a:r>
+              <a:rPr lang="hu-HU" dirty="0">
+                <a:latin typeface="Arial" panose="020B0604020202020204" pitchFamily="34" charset="0"/>
+                <a:cs typeface="Arial" panose="020B0604020202020204" pitchFamily="34" charset="0"/>
+              </a:rPr>
+              <a:t>NoSQL -&gt; nincs szükség előre meghatározott sémákra</a:t>
+            </a:r>
+          </a:p>
+          <a:p>
+            <a:pPr marL="285750" indent="-285750">
+              <a:buFont typeface="Arial" panose="020B0604020202020204" pitchFamily="34" charset="0"/>
+              <a:buChar char="•"/>
+            </a:pPr>
+            <a:r>
+              <a:rPr lang="hu-HU" dirty="0">
+                <a:latin typeface="Arial" panose="020B0604020202020204" pitchFamily="34" charset="0"/>
+                <a:cs typeface="Arial" panose="020B0604020202020204" pitchFamily="34" charset="0"/>
+              </a:rPr>
+              <a:t>Rugalmasabb, tudja kezelni a </a:t>
+            </a:r>
+            <a:r>
+              <a:rPr lang="hu-HU">
+                <a:latin typeface="Arial" panose="020B0604020202020204" pitchFamily="34" charset="0"/>
+                <a:cs typeface="Arial" panose="020B0604020202020204" pitchFamily="34" charset="0"/>
+              </a:rPr>
+              <a:t>strukturálatlan adatokat  </a:t>
+            </a:r>
+            <a:endParaRPr lang="hu-HU" dirty="0">
+              <a:latin typeface="Arial" panose="020B0604020202020204" pitchFamily="34" charset="0"/>
+              <a:cs typeface="Arial" panose="020B0604020202020204" pitchFamily="34" charset="0"/>
+            </a:endParaRPr>
+          </a:p>
+        </p:txBody>
+      </p:sp>
+    </p:spTree>
+    <p:extLst>
+      <p:ext uri="{BB962C8B-B14F-4D97-AF65-F5344CB8AC3E}">
+        <p14:creationId xmlns:p14="http://schemas.microsoft.com/office/powerpoint/2010/main" val="3144682893"/>
+      </p:ext>
+    </p:extLst>
+  </p:cSld>
+  <p:clrMapOvr>
+    <a:masterClrMapping/>
+  </p:clrMapOvr>
+</p:sld>
+</file>
+
+<file path=ppt/slides/slide4.xml><?xml version="1.0" encoding="utf-8"?>
+<p:sld xmlns:a="http://schemas.openxmlformats.org/drawingml/2006/main" xmlns:r="http://schemas.openxmlformats.org/officeDocument/2006/relationships" xmlns:p="http://schemas.openxmlformats.org/presentationml/2006/main">
+  <p:cSld>
     <p:bg>
       <p:bgPr>
         <a:solidFill>
@@ -8132,7 +8308,7 @@
 </p:sld>
 </file>
 
-<file path=ppt/slides/slide4.xml><?xml version="1.0" encoding="utf-8"?>
+<file path=ppt/slides/slide5.xml><?xml version="1.0" encoding="utf-8"?>
 <p:sld xmlns:a="http://schemas.openxmlformats.org/drawingml/2006/main" xmlns:r="http://schemas.openxmlformats.org/officeDocument/2006/relationships" xmlns:p="http://schemas.openxmlformats.org/presentationml/2006/main">
   <p:cSld>
     <p:bg>
@@ -8388,86 +8564,6 @@
     <p:extLst>
       <p:ext uri="{BB962C8B-B14F-4D97-AF65-F5344CB8AC3E}">
         <p14:creationId xmlns:p14="http://schemas.microsoft.com/office/powerpoint/2010/main" val="3492682951"/>
-      </p:ext>
-    </p:extLst>
-  </p:cSld>
-  <p:clrMapOvr>
-    <a:masterClrMapping/>
-  </p:clrMapOvr>
-</p:sld>
-</file>
-
-<file path=ppt/slides/slide5.xml><?xml version="1.0" encoding="utf-8"?>
-<p:sld xmlns:a="http://schemas.openxmlformats.org/drawingml/2006/main" xmlns:r="http://schemas.openxmlformats.org/officeDocument/2006/relationships" xmlns:p="http://schemas.openxmlformats.org/presentationml/2006/main">
-  <p:cSld>
-    <p:spTree>
-      <p:nvGrpSpPr>
-        <p:cNvPr id="1" name=""/>
-        <p:cNvGrpSpPr/>
-        <p:nvPr/>
-      </p:nvGrpSpPr>
-      <p:grpSpPr>
-        <a:xfrm>
-          <a:off x="0" y="0"/>
-          <a:ext cx="0" cy="0"/>
-          <a:chOff x="0" y="0"/>
-          <a:chExt cx="0" cy="0"/>
-        </a:xfrm>
-      </p:grpSpPr>
-      <p:sp>
-        <p:nvSpPr>
-          <p:cNvPr id="2" name="Cím 1">
-            <a:extLst>
-              <a:ext uri="{FF2B5EF4-FFF2-40B4-BE49-F238E27FC236}">
-                <a16:creationId xmlns:a16="http://schemas.microsoft.com/office/drawing/2014/main" id="{FD2D685A-5721-75A5-764F-FD7DD4DEF420}"/>
-              </a:ext>
-            </a:extLst>
-          </p:cNvPr>
-          <p:cNvSpPr>
-            <a:spLocks noGrp="1"/>
-          </p:cNvSpPr>
-          <p:nvPr>
-            <p:ph type="title"/>
-          </p:nvPr>
-        </p:nvSpPr>
-        <p:spPr/>
-        <p:txBody>
-          <a:bodyPr/>
-          <a:lstStyle/>
-          <a:p>
-            <a:endParaRPr lang="hu-HU"/>
-          </a:p>
-        </p:txBody>
-      </p:sp>
-      <p:sp>
-        <p:nvSpPr>
-          <p:cNvPr id="3" name="Tartalom helye 2">
-            <a:extLst>
-              <a:ext uri="{FF2B5EF4-FFF2-40B4-BE49-F238E27FC236}">
-                <a16:creationId xmlns:a16="http://schemas.microsoft.com/office/drawing/2014/main" id="{CECCB3CF-096A-87D5-5E26-3F29C9B27EDB}"/>
-              </a:ext>
-            </a:extLst>
-          </p:cNvPr>
-          <p:cNvSpPr>
-            <a:spLocks noGrp="1"/>
-          </p:cNvSpPr>
-          <p:nvPr>
-            <p:ph idx="1"/>
-          </p:nvPr>
-        </p:nvSpPr>
-        <p:spPr/>
-        <p:txBody>
-          <a:bodyPr/>
-          <a:lstStyle/>
-          <a:p>
-            <a:endParaRPr lang="hu-HU"/>
-          </a:p>
-        </p:txBody>
-      </p:sp>
-    </p:spTree>
-    <p:extLst>
-      <p:ext uri="{BB962C8B-B14F-4D97-AF65-F5344CB8AC3E}">
-        <p14:creationId xmlns:p14="http://schemas.microsoft.com/office/powerpoint/2010/main" val="3144682893"/>
       </p:ext>
     </p:extLst>
   </p:cSld>

--- a/Bemutato.pptx
+++ b/Bemutato.pptx
@@ -4,17 +4,19 @@
   <p:sldMasterIdLst>
     <p:sldMasterId id="2147483648" r:id="rId1"/>
   </p:sldMasterIdLst>
+  <p:notesMasterIdLst>
+    <p:notesMasterId r:id="rId11"/>
+  </p:notesMasterIdLst>
   <p:sldIdLst>
     <p:sldId id="256" r:id="rId2"/>
     <p:sldId id="257" r:id="rId3"/>
     <p:sldId id="260" r:id="rId4"/>
     <p:sldId id="258" r:id="rId5"/>
-    <p:sldId id="259" r:id="rId6"/>
-    <p:sldId id="261" r:id="rId7"/>
-    <p:sldId id="262" r:id="rId8"/>
-    <p:sldId id="263" r:id="rId9"/>
-    <p:sldId id="264" r:id="rId10"/>
-    <p:sldId id="265" r:id="rId11"/>
+    <p:sldId id="261" r:id="rId6"/>
+    <p:sldId id="262" r:id="rId7"/>
+    <p:sldId id="263" r:id="rId8"/>
+    <p:sldId id="264" r:id="rId9"/>
+    <p:sldId id="265" r:id="rId10"/>
   </p:sldIdLst>
   <p:sldSz cx="12192000" cy="6858000"/>
   <p:notesSz cx="6858000" cy="9144000"/>
@@ -3674,6 +3676,439 @@
 </dgm:styleDef>
 </file>
 
+<file path=ppt/notesMasters/notesMaster1.xml><?xml version="1.0" encoding="utf-8"?>
+<p:notesMaster xmlns:a="http://schemas.openxmlformats.org/drawingml/2006/main" xmlns:r="http://schemas.openxmlformats.org/officeDocument/2006/relationships" xmlns:p="http://schemas.openxmlformats.org/presentationml/2006/main">
+  <p:cSld>
+    <p:bg>
+      <p:bgRef idx="1001">
+        <a:schemeClr val="bg1"/>
+      </p:bgRef>
+    </p:bg>
+    <p:spTree>
+      <p:nvGrpSpPr>
+        <p:cNvPr id="1" name=""/>
+        <p:cNvGrpSpPr/>
+        <p:nvPr/>
+      </p:nvGrpSpPr>
+      <p:grpSpPr>
+        <a:xfrm>
+          <a:off x="0" y="0"/>
+          <a:ext cx="0" cy="0"/>
+          <a:chOff x="0" y="0"/>
+          <a:chExt cx="0" cy="0"/>
+        </a:xfrm>
+      </p:grpSpPr>
+      <p:sp>
+        <p:nvSpPr>
+          <p:cNvPr id="2" name="Élőfej helye 1"/>
+          <p:cNvSpPr>
+            <a:spLocks noGrp="1"/>
+          </p:cNvSpPr>
+          <p:nvPr>
+            <p:ph type="hdr" sz="quarter"/>
+          </p:nvPr>
+        </p:nvSpPr>
+        <p:spPr>
+          <a:xfrm>
+            <a:off x="0" y="0"/>
+            <a:ext cx="2971800" cy="458788"/>
+          </a:xfrm>
+          <a:prstGeom prst="rect">
+            <a:avLst/>
+          </a:prstGeom>
+        </p:spPr>
+        <p:txBody>
+          <a:bodyPr vert="horz" lIns="91440" tIns="45720" rIns="91440" bIns="45720" rtlCol="0"/>
+          <a:lstStyle>
+            <a:lvl1pPr algn="l">
+              <a:defRPr sz="1200"/>
+            </a:lvl1pPr>
+          </a:lstStyle>
+          <a:p>
+            <a:endParaRPr lang="hu-HU"/>
+          </a:p>
+        </p:txBody>
+      </p:sp>
+      <p:sp>
+        <p:nvSpPr>
+          <p:cNvPr id="3" name="Dátum helye 2"/>
+          <p:cNvSpPr>
+            <a:spLocks noGrp="1"/>
+          </p:cNvSpPr>
+          <p:nvPr>
+            <p:ph type="dt" idx="1"/>
+          </p:nvPr>
+        </p:nvSpPr>
+        <p:spPr>
+          <a:xfrm>
+            <a:off x="3884613" y="0"/>
+            <a:ext cx="2971800" cy="458788"/>
+          </a:xfrm>
+          <a:prstGeom prst="rect">
+            <a:avLst/>
+          </a:prstGeom>
+        </p:spPr>
+        <p:txBody>
+          <a:bodyPr vert="horz" lIns="91440" tIns="45720" rIns="91440" bIns="45720" rtlCol="0"/>
+          <a:lstStyle>
+            <a:lvl1pPr algn="r">
+              <a:defRPr sz="1200"/>
+            </a:lvl1pPr>
+          </a:lstStyle>
+          <a:p>
+            <a:fld id="{F3967C4F-389E-4158-BF12-0F45FCA2644D}" type="datetimeFigureOut">
+              <a:rPr lang="hu-HU" smtClean="0"/>
+              <a:t>2024. 03. 16.</a:t>
+            </a:fld>
+            <a:endParaRPr lang="hu-HU"/>
+          </a:p>
+        </p:txBody>
+      </p:sp>
+      <p:sp>
+        <p:nvSpPr>
+          <p:cNvPr id="4" name="Diakép helye 3"/>
+          <p:cNvSpPr>
+            <a:spLocks noGrp="1" noRot="1" noChangeAspect="1"/>
+          </p:cNvSpPr>
+          <p:nvPr>
+            <p:ph type="sldImg" idx="2"/>
+          </p:nvPr>
+        </p:nvSpPr>
+        <p:spPr>
+          <a:xfrm>
+            <a:off x="685800" y="1143000"/>
+            <a:ext cx="5486400" cy="3086100"/>
+          </a:xfrm>
+          <a:prstGeom prst="rect">
+            <a:avLst/>
+          </a:prstGeom>
+          <a:noFill/>
+          <a:ln w="12700">
+            <a:solidFill>
+              <a:prstClr val="black"/>
+            </a:solidFill>
+          </a:ln>
+        </p:spPr>
+        <p:txBody>
+          <a:bodyPr vert="horz" lIns="91440" tIns="45720" rIns="91440" bIns="45720" rtlCol="0" anchor="ctr"/>
+          <a:lstStyle/>
+          <a:p>
+            <a:endParaRPr lang="hu-HU"/>
+          </a:p>
+        </p:txBody>
+      </p:sp>
+      <p:sp>
+        <p:nvSpPr>
+          <p:cNvPr id="5" name="Jegyzetek helye 4"/>
+          <p:cNvSpPr>
+            <a:spLocks noGrp="1"/>
+          </p:cNvSpPr>
+          <p:nvPr>
+            <p:ph type="body" sz="quarter" idx="3"/>
+          </p:nvPr>
+        </p:nvSpPr>
+        <p:spPr>
+          <a:xfrm>
+            <a:off x="685800" y="4400550"/>
+            <a:ext cx="5486400" cy="3600450"/>
+          </a:xfrm>
+          <a:prstGeom prst="rect">
+            <a:avLst/>
+          </a:prstGeom>
+        </p:spPr>
+        <p:txBody>
+          <a:bodyPr vert="horz" lIns="91440" tIns="45720" rIns="91440" bIns="45720" rtlCol="0"/>
+          <a:lstStyle/>
+          <a:p>
+            <a:pPr lvl="0"/>
+            <a:r>
+              <a:rPr lang="hu-HU"/>
+              <a:t>Mintaszöveg szerkesztése</a:t>
+            </a:r>
+          </a:p>
+          <a:p>
+            <a:pPr lvl="1"/>
+            <a:r>
+              <a:rPr lang="hu-HU"/>
+              <a:t>Második szint</a:t>
+            </a:r>
+          </a:p>
+          <a:p>
+            <a:pPr lvl="2"/>
+            <a:r>
+              <a:rPr lang="hu-HU"/>
+              <a:t>Harmadik szint</a:t>
+            </a:r>
+          </a:p>
+          <a:p>
+            <a:pPr lvl="3"/>
+            <a:r>
+              <a:rPr lang="hu-HU"/>
+              <a:t>Negyedik szint</a:t>
+            </a:r>
+          </a:p>
+          <a:p>
+            <a:pPr lvl="4"/>
+            <a:r>
+              <a:rPr lang="hu-HU"/>
+              <a:t>Ötödik szint</a:t>
+            </a:r>
+          </a:p>
+        </p:txBody>
+      </p:sp>
+      <p:sp>
+        <p:nvSpPr>
+          <p:cNvPr id="6" name="Élőláb helye 5"/>
+          <p:cNvSpPr>
+            <a:spLocks noGrp="1"/>
+          </p:cNvSpPr>
+          <p:nvPr>
+            <p:ph type="ftr" sz="quarter" idx="4"/>
+          </p:nvPr>
+        </p:nvSpPr>
+        <p:spPr>
+          <a:xfrm>
+            <a:off x="0" y="8685213"/>
+            <a:ext cx="2971800" cy="458787"/>
+          </a:xfrm>
+          <a:prstGeom prst="rect">
+            <a:avLst/>
+          </a:prstGeom>
+        </p:spPr>
+        <p:txBody>
+          <a:bodyPr vert="horz" lIns="91440" tIns="45720" rIns="91440" bIns="45720" rtlCol="0" anchor="b"/>
+          <a:lstStyle>
+            <a:lvl1pPr algn="l">
+              <a:defRPr sz="1200"/>
+            </a:lvl1pPr>
+          </a:lstStyle>
+          <a:p>
+            <a:endParaRPr lang="hu-HU"/>
+          </a:p>
+        </p:txBody>
+      </p:sp>
+      <p:sp>
+        <p:nvSpPr>
+          <p:cNvPr id="7" name="Dia számának helye 6"/>
+          <p:cNvSpPr>
+            <a:spLocks noGrp="1"/>
+          </p:cNvSpPr>
+          <p:nvPr>
+            <p:ph type="sldNum" sz="quarter" idx="5"/>
+          </p:nvPr>
+        </p:nvSpPr>
+        <p:spPr>
+          <a:xfrm>
+            <a:off x="3884613" y="8685213"/>
+            <a:ext cx="2971800" cy="458787"/>
+          </a:xfrm>
+          <a:prstGeom prst="rect">
+            <a:avLst/>
+          </a:prstGeom>
+        </p:spPr>
+        <p:txBody>
+          <a:bodyPr vert="horz" lIns="91440" tIns="45720" rIns="91440" bIns="45720" rtlCol="0" anchor="b"/>
+          <a:lstStyle>
+            <a:lvl1pPr algn="r">
+              <a:defRPr sz="1200"/>
+            </a:lvl1pPr>
+          </a:lstStyle>
+          <a:p>
+            <a:fld id="{D46B4C45-D120-402A-8F31-901412E55E48}" type="slidenum">
+              <a:rPr lang="hu-HU" smtClean="0"/>
+              <a:t>‹#›</a:t>
+            </a:fld>
+            <a:endParaRPr lang="hu-HU"/>
+          </a:p>
+        </p:txBody>
+      </p:sp>
+    </p:spTree>
+    <p:extLst>
+      <p:ext uri="{BB962C8B-B14F-4D97-AF65-F5344CB8AC3E}">
+        <p14:creationId xmlns:p14="http://schemas.microsoft.com/office/powerpoint/2010/main" val="3764466186"/>
+      </p:ext>
+    </p:extLst>
+  </p:cSld>
+  <p:clrMap bg1="lt1" tx1="dk1" bg2="lt2" tx2="dk2" accent1="accent1" accent2="accent2" accent3="accent3" accent4="accent4" accent5="accent5" accent6="accent6" hlink="hlink" folHlink="folHlink"/>
+  <p:notesStyle>
+    <a:lvl1pPr marL="0" algn="l" defTabSz="914400" rtl="0" eaLnBrk="1" latinLnBrk="0" hangingPunct="1">
+      <a:defRPr sz="1200" kern="1200">
+        <a:solidFill>
+          <a:schemeClr val="tx1"/>
+        </a:solidFill>
+        <a:latin typeface="+mn-lt"/>
+        <a:ea typeface="+mn-ea"/>
+        <a:cs typeface="+mn-cs"/>
+      </a:defRPr>
+    </a:lvl1pPr>
+    <a:lvl2pPr marL="457200" algn="l" defTabSz="914400" rtl="0" eaLnBrk="1" latinLnBrk="0" hangingPunct="1">
+      <a:defRPr sz="1200" kern="1200">
+        <a:solidFill>
+          <a:schemeClr val="tx1"/>
+        </a:solidFill>
+        <a:latin typeface="+mn-lt"/>
+        <a:ea typeface="+mn-ea"/>
+        <a:cs typeface="+mn-cs"/>
+      </a:defRPr>
+    </a:lvl2pPr>
+    <a:lvl3pPr marL="914400" algn="l" defTabSz="914400" rtl="0" eaLnBrk="1" latinLnBrk="0" hangingPunct="1">
+      <a:defRPr sz="1200" kern="1200">
+        <a:solidFill>
+          <a:schemeClr val="tx1"/>
+        </a:solidFill>
+        <a:latin typeface="+mn-lt"/>
+        <a:ea typeface="+mn-ea"/>
+        <a:cs typeface="+mn-cs"/>
+      </a:defRPr>
+    </a:lvl3pPr>
+    <a:lvl4pPr marL="1371600" algn="l" defTabSz="914400" rtl="0" eaLnBrk="1" latinLnBrk="0" hangingPunct="1">
+      <a:defRPr sz="1200" kern="1200">
+        <a:solidFill>
+          <a:schemeClr val="tx1"/>
+        </a:solidFill>
+        <a:latin typeface="+mn-lt"/>
+        <a:ea typeface="+mn-ea"/>
+        <a:cs typeface="+mn-cs"/>
+      </a:defRPr>
+    </a:lvl4pPr>
+    <a:lvl5pPr marL="1828800" algn="l" defTabSz="914400" rtl="0" eaLnBrk="1" latinLnBrk="0" hangingPunct="1">
+      <a:defRPr sz="1200" kern="1200">
+        <a:solidFill>
+          <a:schemeClr val="tx1"/>
+        </a:solidFill>
+        <a:latin typeface="+mn-lt"/>
+        <a:ea typeface="+mn-ea"/>
+        <a:cs typeface="+mn-cs"/>
+      </a:defRPr>
+    </a:lvl5pPr>
+    <a:lvl6pPr marL="2286000" algn="l" defTabSz="914400" rtl="0" eaLnBrk="1" latinLnBrk="0" hangingPunct="1">
+      <a:defRPr sz="1200" kern="1200">
+        <a:solidFill>
+          <a:schemeClr val="tx1"/>
+        </a:solidFill>
+        <a:latin typeface="+mn-lt"/>
+        <a:ea typeface="+mn-ea"/>
+        <a:cs typeface="+mn-cs"/>
+      </a:defRPr>
+    </a:lvl6pPr>
+    <a:lvl7pPr marL="2743200" algn="l" defTabSz="914400" rtl="0" eaLnBrk="1" latinLnBrk="0" hangingPunct="1">
+      <a:defRPr sz="1200" kern="1200">
+        <a:solidFill>
+          <a:schemeClr val="tx1"/>
+        </a:solidFill>
+        <a:latin typeface="+mn-lt"/>
+        <a:ea typeface="+mn-ea"/>
+        <a:cs typeface="+mn-cs"/>
+      </a:defRPr>
+    </a:lvl7pPr>
+    <a:lvl8pPr marL="3200400" algn="l" defTabSz="914400" rtl="0" eaLnBrk="1" latinLnBrk="0" hangingPunct="1">
+      <a:defRPr sz="1200" kern="1200">
+        <a:solidFill>
+          <a:schemeClr val="tx1"/>
+        </a:solidFill>
+        <a:latin typeface="+mn-lt"/>
+        <a:ea typeface="+mn-ea"/>
+        <a:cs typeface="+mn-cs"/>
+      </a:defRPr>
+    </a:lvl8pPr>
+    <a:lvl9pPr marL="3657600" algn="l" defTabSz="914400" rtl="0" eaLnBrk="1" latinLnBrk="0" hangingPunct="1">
+      <a:defRPr sz="1200" kern="1200">
+        <a:solidFill>
+          <a:schemeClr val="tx1"/>
+        </a:solidFill>
+        <a:latin typeface="+mn-lt"/>
+        <a:ea typeface="+mn-ea"/>
+        <a:cs typeface="+mn-cs"/>
+      </a:defRPr>
+    </a:lvl9pPr>
+  </p:notesStyle>
+</p:notesMaster>
+</file>
+
+<file path=ppt/notesSlides/notesSlide1.xml><?xml version="1.0" encoding="utf-8"?>
+<p:notes xmlns:a="http://schemas.openxmlformats.org/drawingml/2006/main" xmlns:r="http://schemas.openxmlformats.org/officeDocument/2006/relationships" xmlns:p="http://schemas.openxmlformats.org/presentationml/2006/main">
+  <p:cSld>
+    <p:spTree>
+      <p:nvGrpSpPr>
+        <p:cNvPr id="1" name=""/>
+        <p:cNvGrpSpPr/>
+        <p:nvPr/>
+      </p:nvGrpSpPr>
+      <p:grpSpPr>
+        <a:xfrm>
+          <a:off x="0" y="0"/>
+          <a:ext cx="0" cy="0"/>
+          <a:chOff x="0" y="0"/>
+          <a:chExt cx="0" cy="0"/>
+        </a:xfrm>
+      </p:grpSpPr>
+      <p:sp>
+        <p:nvSpPr>
+          <p:cNvPr id="2" name="Diakép helye 1"/>
+          <p:cNvSpPr>
+            <a:spLocks noGrp="1" noRot="1" noChangeAspect="1"/>
+          </p:cNvSpPr>
+          <p:nvPr>
+            <p:ph type="sldImg"/>
+          </p:nvPr>
+        </p:nvSpPr>
+        <p:spPr/>
+      </p:sp>
+      <p:sp>
+        <p:nvSpPr>
+          <p:cNvPr id="3" name="Jegyzetek helye 2"/>
+          <p:cNvSpPr>
+            <a:spLocks noGrp="1"/>
+          </p:cNvSpPr>
+          <p:nvPr>
+            <p:ph type="body" idx="1"/>
+          </p:nvPr>
+        </p:nvSpPr>
+        <p:spPr/>
+        <p:txBody>
+          <a:bodyPr/>
+          <a:lstStyle/>
+          <a:p>
+            <a:endParaRPr lang="hu-HU" dirty="0"/>
+          </a:p>
+        </p:txBody>
+      </p:sp>
+      <p:sp>
+        <p:nvSpPr>
+          <p:cNvPr id="4" name="Dia számának helye 3"/>
+          <p:cNvSpPr>
+            <a:spLocks noGrp="1"/>
+          </p:cNvSpPr>
+          <p:nvPr>
+            <p:ph type="sldNum" sz="quarter" idx="5"/>
+          </p:nvPr>
+        </p:nvSpPr>
+        <p:spPr/>
+        <p:txBody>
+          <a:bodyPr/>
+          <a:lstStyle/>
+          <a:p>
+            <a:fld id="{D46B4C45-D120-402A-8F31-901412E55E48}" type="slidenum">
+              <a:rPr lang="hu-HU" smtClean="0"/>
+              <a:t>3</a:t>
+            </a:fld>
+            <a:endParaRPr lang="hu-HU"/>
+          </a:p>
+        </p:txBody>
+      </p:sp>
+    </p:spTree>
+    <p:extLst>
+      <p:ext uri="{BB962C8B-B14F-4D97-AF65-F5344CB8AC3E}">
+        <p14:creationId xmlns:p14="http://schemas.microsoft.com/office/powerpoint/2010/main" val="1517366750"/>
+      </p:ext>
+    </p:extLst>
+  </p:cSld>
+  <p:clrMapOvr>
+    <a:masterClrMapping/>
+  </p:clrMapOvr>
+</p:notes>
+</file>
+
 <file path=ppt/slideLayouts/slideLayout1.xml><?xml version="1.0" encoding="utf-8"?>
 <p:sldLayout xmlns:a="http://schemas.openxmlformats.org/drawingml/2006/main" xmlns:r="http://schemas.openxmlformats.org/officeDocument/2006/relationships" xmlns:p="http://schemas.openxmlformats.org/presentationml/2006/main" type="title" preserve="1">
   <p:cSld name="Címdia">
@@ -3821,7 +4256,7 @@
           <a:p>
             <a:fld id="{FA64CA88-A0F0-4D5B-BEA8-B57532FDFF33}" type="datetimeFigureOut">
               <a:rPr lang="hu-HU" smtClean="0"/>
-              <a:t>2024. 03. 14.</a:t>
+              <a:t>2024. 03. 16.</a:t>
             </a:fld>
             <a:endParaRPr lang="hu-HU"/>
           </a:p>
@@ -4019,7 +4454,7 @@
           <a:p>
             <a:fld id="{FA64CA88-A0F0-4D5B-BEA8-B57532FDFF33}" type="datetimeFigureOut">
               <a:rPr lang="hu-HU" smtClean="0"/>
-              <a:t>2024. 03. 14.</a:t>
+              <a:t>2024. 03. 16.</a:t>
             </a:fld>
             <a:endParaRPr lang="hu-HU"/>
           </a:p>
@@ -4227,7 +4662,7 @@
           <a:p>
             <a:fld id="{FA64CA88-A0F0-4D5B-BEA8-B57532FDFF33}" type="datetimeFigureOut">
               <a:rPr lang="hu-HU" smtClean="0"/>
-              <a:t>2024. 03. 14.</a:t>
+              <a:t>2024. 03. 16.</a:t>
             </a:fld>
             <a:endParaRPr lang="hu-HU"/>
           </a:p>
@@ -4425,7 +4860,7 @@
           <a:p>
             <a:fld id="{FA64CA88-A0F0-4D5B-BEA8-B57532FDFF33}" type="datetimeFigureOut">
               <a:rPr lang="hu-HU" smtClean="0"/>
-              <a:t>2024. 03. 14.</a:t>
+              <a:t>2024. 03. 16.</a:t>
             </a:fld>
             <a:endParaRPr lang="hu-HU"/>
           </a:p>
@@ -4700,7 +5135,7 @@
           <a:p>
             <a:fld id="{FA64CA88-A0F0-4D5B-BEA8-B57532FDFF33}" type="datetimeFigureOut">
               <a:rPr lang="hu-HU" smtClean="0"/>
-              <a:t>2024. 03. 14.</a:t>
+              <a:t>2024. 03. 16.</a:t>
             </a:fld>
             <a:endParaRPr lang="hu-HU"/>
           </a:p>
@@ -4965,7 +5400,7 @@
           <a:p>
             <a:fld id="{FA64CA88-A0F0-4D5B-BEA8-B57532FDFF33}" type="datetimeFigureOut">
               <a:rPr lang="hu-HU" smtClean="0"/>
-              <a:t>2024. 03. 14.</a:t>
+              <a:t>2024. 03. 16.</a:t>
             </a:fld>
             <a:endParaRPr lang="hu-HU"/>
           </a:p>
@@ -5377,7 +5812,7 @@
           <a:p>
             <a:fld id="{FA64CA88-A0F0-4D5B-BEA8-B57532FDFF33}" type="datetimeFigureOut">
               <a:rPr lang="hu-HU" smtClean="0"/>
-              <a:t>2024. 03. 14.</a:t>
+              <a:t>2024. 03. 16.</a:t>
             </a:fld>
             <a:endParaRPr lang="hu-HU"/>
           </a:p>
@@ -5518,7 +5953,7 @@
           <a:p>
             <a:fld id="{FA64CA88-A0F0-4D5B-BEA8-B57532FDFF33}" type="datetimeFigureOut">
               <a:rPr lang="hu-HU" smtClean="0"/>
-              <a:t>2024. 03. 14.</a:t>
+              <a:t>2024. 03. 16.</a:t>
             </a:fld>
             <a:endParaRPr lang="hu-HU"/>
           </a:p>
@@ -5631,7 +6066,7 @@
           <a:p>
             <a:fld id="{FA64CA88-A0F0-4D5B-BEA8-B57532FDFF33}" type="datetimeFigureOut">
               <a:rPr lang="hu-HU" smtClean="0"/>
-              <a:t>2024. 03. 14.</a:t>
+              <a:t>2024. 03. 16.</a:t>
             </a:fld>
             <a:endParaRPr lang="hu-HU"/>
           </a:p>
@@ -5942,7 +6377,7 @@
           <a:p>
             <a:fld id="{FA64CA88-A0F0-4D5B-BEA8-B57532FDFF33}" type="datetimeFigureOut">
               <a:rPr lang="hu-HU" smtClean="0"/>
-              <a:t>2024. 03. 14.</a:t>
+              <a:t>2024. 03. 16.</a:t>
             </a:fld>
             <a:endParaRPr lang="hu-HU"/>
           </a:p>
@@ -6230,7 +6665,7 @@
           <a:p>
             <a:fld id="{FA64CA88-A0F0-4D5B-BEA8-B57532FDFF33}" type="datetimeFigureOut">
               <a:rPr lang="hu-HU" smtClean="0"/>
-              <a:t>2024. 03. 14.</a:t>
+              <a:t>2024. 03. 16.</a:t>
             </a:fld>
             <a:endParaRPr lang="hu-HU"/>
           </a:p>
@@ -6471,7 +6906,7 @@
           <a:p>
             <a:fld id="{FA64CA88-A0F0-4D5B-BEA8-B57532FDFF33}" type="datetimeFigureOut">
               <a:rPr lang="hu-HU" smtClean="0"/>
-              <a:t>2024. 03. 14.</a:t>
+              <a:t>2024. 03. 16.</a:t>
             </a:fld>
             <a:endParaRPr lang="hu-HU"/>
           </a:p>
@@ -7189,7 +7624,1501 @@
 </p:sld>
 </file>
 
-<file path=ppt/slides/slide10.xml><?xml version="1.0" encoding="utf-8"?>
+<file path=ppt/slides/slide2.xml><?xml version="1.0" encoding="utf-8"?>
+<p:sld xmlns:a="http://schemas.openxmlformats.org/drawingml/2006/main" xmlns:r="http://schemas.openxmlformats.org/officeDocument/2006/relationships" xmlns:p="http://schemas.openxmlformats.org/presentationml/2006/main">
+  <p:cSld>
+    <p:bg>
+      <p:bgPr>
+        <a:solidFill>
+          <a:schemeClr val="bg1"/>
+        </a:solidFill>
+        <a:effectLst/>
+      </p:bgPr>
+    </p:bg>
+    <p:spTree>
+      <p:nvGrpSpPr>
+        <p:cNvPr id="1" name=""/>
+        <p:cNvGrpSpPr/>
+        <p:nvPr/>
+      </p:nvGrpSpPr>
+      <p:grpSpPr>
+        <a:xfrm>
+          <a:off x="0" y="0"/>
+          <a:ext cx="0" cy="0"/>
+          <a:chOff x="0" y="0"/>
+          <a:chExt cx="0" cy="0"/>
+        </a:xfrm>
+      </p:grpSpPr>
+      <p:pic>
+        <p:nvPicPr>
+          <p:cNvPr id="6" name="Picture 5">
+            <a:extLst>
+              <a:ext uri="{FF2B5EF4-FFF2-40B4-BE49-F238E27FC236}">
+                <a16:creationId xmlns:a16="http://schemas.microsoft.com/office/drawing/2014/main" id="{BC5E3E58-B850-E653-2861-7F0E9DD50D58}"/>
+              </a:ext>
+            </a:extLst>
+          </p:cNvPr>
+          <p:cNvPicPr>
+            <a:picLocks noChangeAspect="1"/>
+          </p:cNvPicPr>
+          <p:nvPr/>
+        </p:nvPicPr>
+        <p:blipFill rotWithShape="1">
+          <a:blip r:embed="rId2"/>
+          <a:srcRect b="8537"/>
+          <a:stretch/>
+        </p:blipFill>
+        <p:spPr>
+          <a:xfrm>
+            <a:off x="20" y="10"/>
+            <a:ext cx="12191980" cy="6857990"/>
+          </a:xfrm>
+          <a:prstGeom prst="rect">
+            <a:avLst/>
+          </a:prstGeom>
+        </p:spPr>
+      </p:pic>
+      <p:sp>
+        <p:nvSpPr>
+          <p:cNvPr id="10" name="Rectangle 9">
+            <a:extLst>
+              <a:ext uri="{FF2B5EF4-FFF2-40B4-BE49-F238E27FC236}">
+                <a16:creationId xmlns:a16="http://schemas.microsoft.com/office/drawing/2014/main" id="{257363FD-7E77-4145-9483-331A807ADF0E}"/>
+              </a:ext>
+              <a:ext uri="{C183D7F6-B498-43B3-948B-1728B52AA6E4}">
+                <adec:decorative xmlns:adec="http://schemas.microsoft.com/office/drawing/2017/decorative" val="1"/>
+              </a:ext>
+            </a:extLst>
+          </p:cNvPr>
+          <p:cNvSpPr>
+            <a:spLocks noGrp="1" noRot="1" noChangeAspect="1" noMove="1" noResize="1" noEditPoints="1" noAdjustHandles="1" noChangeArrowheads="1" noChangeShapeType="1" noTextEdit="1"/>
+          </p:cNvSpPr>
+          <p:nvPr>
+            <p:extLst>
+              <p:ext uri="{386F3935-93C4-4BCD-93E2-E3B085C9AB24}">
+                <p16:designElem xmlns:p16="http://schemas.microsoft.com/office/powerpoint/2015/main" val="1"/>
+              </p:ext>
+            </p:extLst>
+          </p:nvPr>
+        </p:nvSpPr>
+        <p:spPr>
+          <a:xfrm>
+            <a:off x="0" y="0"/>
+            <a:ext cx="12196802" cy="6858000"/>
+          </a:xfrm>
+          <a:prstGeom prst="rect">
+            <a:avLst/>
+          </a:prstGeom>
+          <a:gradFill flip="none" rotWithShape="1">
+            <a:gsLst>
+              <a:gs pos="28000">
+                <a:schemeClr val="bg2">
+                  <a:alpha val="84000"/>
+                </a:schemeClr>
+              </a:gs>
+              <a:gs pos="74000">
+                <a:schemeClr val="bg1"/>
+              </a:gs>
+            </a:gsLst>
+            <a:path path="circle">
+              <a:fillToRect l="100000" t="100000"/>
+            </a:path>
+            <a:tileRect r="-100000" b="-100000"/>
+          </a:gradFill>
+          <a:ln>
+            <a:noFill/>
+          </a:ln>
+        </p:spPr>
+        <p:style>
+          <a:lnRef idx="2">
+            <a:schemeClr val="accent1">
+              <a:shade val="50000"/>
+            </a:schemeClr>
+          </a:lnRef>
+          <a:fillRef idx="1">
+            <a:schemeClr val="accent1"/>
+          </a:fillRef>
+          <a:effectRef idx="0">
+            <a:schemeClr val="accent1"/>
+          </a:effectRef>
+          <a:fontRef idx="minor">
+            <a:schemeClr val="lt1"/>
+          </a:fontRef>
+        </p:style>
+        <p:txBody>
+          <a:bodyPr rtlCol="0" anchor="ctr"/>
+          <a:lstStyle/>
+          <a:p>
+            <a:pPr marL="0" marR="0" lvl="0" indent="0" algn="ctr" defTabSz="914400" rtl="0" eaLnBrk="1" fontAlgn="auto" latinLnBrk="0" hangingPunct="1">
+              <a:lnSpc>
+                <a:spcPct val="100000"/>
+              </a:lnSpc>
+              <a:spcBef>
+                <a:spcPts val="0"/>
+              </a:spcBef>
+              <a:spcAft>
+                <a:spcPts val="0"/>
+              </a:spcAft>
+              <a:buClrTx/>
+              <a:buSzTx/>
+              <a:buFontTx/>
+              <a:buNone/>
+              <a:tabLst/>
+              <a:defRPr/>
+            </a:pPr>
+            <a:endParaRPr kumimoji="0" lang="en-US" sz="1800" b="0" i="0" u="none" strike="noStrike" kern="1200" cap="none" spc="0" normalizeH="0" baseline="0" noProof="0">
+              <a:ln>
+                <a:noFill/>
+              </a:ln>
+              <a:solidFill>
+                <a:prstClr val="white"/>
+              </a:solidFill>
+              <a:effectLst/>
+              <a:uLnTx/>
+              <a:uFillTx/>
+              <a:latin typeface="Calibri" panose="020F0502020204030204"/>
+              <a:ea typeface="+mn-ea"/>
+              <a:cs typeface="+mn-cs"/>
+            </a:endParaRPr>
+          </a:p>
+        </p:txBody>
+      </p:sp>
+      <p:sp>
+        <p:nvSpPr>
+          <p:cNvPr id="2" name="Cím 1">
+            <a:extLst>
+              <a:ext uri="{FF2B5EF4-FFF2-40B4-BE49-F238E27FC236}">
+                <a16:creationId xmlns:a16="http://schemas.microsoft.com/office/drawing/2014/main" id="{512975E2-07AE-6D8B-34B6-DD1C9C8C1292}"/>
+              </a:ext>
+            </a:extLst>
+          </p:cNvPr>
+          <p:cNvSpPr>
+            <a:spLocks noGrp="1"/>
+          </p:cNvSpPr>
+          <p:nvPr>
+            <p:ph type="title"/>
+          </p:nvPr>
+        </p:nvSpPr>
+        <p:spPr>
+          <a:xfrm>
+            <a:off x="838200" y="365125"/>
+            <a:ext cx="10515600" cy="1325563"/>
+          </a:xfrm>
+        </p:spPr>
+        <p:txBody>
+          <a:bodyPr>
+            <a:normAutofit/>
+          </a:bodyPr>
+          <a:lstStyle/>
+          <a:p>
+            <a:r>
+              <a:rPr lang="hu-HU" sz="5400" dirty="0">
+                <a:latin typeface="Arial" panose="020B0604020202020204" pitchFamily="34" charset="0"/>
+                <a:cs typeface="Arial" panose="020B0604020202020204" pitchFamily="34" charset="0"/>
+              </a:rPr>
+              <a:t>A projektünk célja</a:t>
+            </a:r>
+          </a:p>
+        </p:txBody>
+      </p:sp>
+      <p:graphicFrame>
+        <p:nvGraphicFramePr>
+          <p:cNvPr id="5" name="Tartalom helye 2">
+            <a:extLst>
+              <a:ext uri="{FF2B5EF4-FFF2-40B4-BE49-F238E27FC236}">
+                <a16:creationId xmlns:a16="http://schemas.microsoft.com/office/drawing/2014/main" id="{7004DF60-1E71-AC7C-E262-F5B4D1FA82AC}"/>
+              </a:ext>
+            </a:extLst>
+          </p:cNvPr>
+          <p:cNvGraphicFramePr>
+            <a:graphicFrameLocks noGrp="1"/>
+          </p:cNvGraphicFramePr>
+          <p:nvPr>
+            <p:ph idx="1"/>
+            <p:extLst>
+              <p:ext uri="{D42A27DB-BD31-4B8C-83A1-F6EECF244321}">
+                <p14:modId xmlns:p14="http://schemas.microsoft.com/office/powerpoint/2010/main" val="2388089171"/>
+              </p:ext>
+            </p:extLst>
+          </p:nvPr>
+        </p:nvGraphicFramePr>
+        <p:xfrm>
+          <a:off x="838200" y="1825625"/>
+          <a:ext cx="10515600" cy="4351338"/>
+        </p:xfrm>
+        <a:graphic>
+          <a:graphicData uri="http://schemas.openxmlformats.org/drawingml/2006/diagram">
+            <dgm:relIds xmlns:dgm="http://schemas.openxmlformats.org/drawingml/2006/diagram" xmlns:r="http://schemas.openxmlformats.org/officeDocument/2006/relationships" r:dm="rId3" r:lo="rId4" r:qs="rId5" r:cs="rId6"/>
+          </a:graphicData>
+        </a:graphic>
+      </p:graphicFrame>
+    </p:spTree>
+    <p:extLst>
+      <p:ext uri="{BB962C8B-B14F-4D97-AF65-F5344CB8AC3E}">
+        <p14:creationId xmlns:p14="http://schemas.microsoft.com/office/powerpoint/2010/main" val="309717442"/>
+      </p:ext>
+    </p:extLst>
+  </p:cSld>
+  <p:clrMapOvr>
+    <a:masterClrMapping/>
+  </p:clrMapOvr>
+</p:sld>
+</file>
+
+<file path=ppt/slides/slide3.xml><?xml version="1.0" encoding="utf-8"?>
+<p:sld xmlns:a="http://schemas.openxmlformats.org/drawingml/2006/main" xmlns:r="http://schemas.openxmlformats.org/officeDocument/2006/relationships" xmlns:p="http://schemas.openxmlformats.org/presentationml/2006/main">
+  <p:cSld>
+    <p:bg>
+      <p:bgPr>
+        <a:solidFill>
+          <a:schemeClr val="bg1"/>
+        </a:solidFill>
+        <a:effectLst/>
+      </p:bgPr>
+    </p:bg>
+    <p:spTree>
+      <p:nvGrpSpPr>
+        <p:cNvPr id="1" name=""/>
+        <p:cNvGrpSpPr/>
+        <p:nvPr/>
+      </p:nvGrpSpPr>
+      <p:grpSpPr>
+        <a:xfrm>
+          <a:off x="0" y="0"/>
+          <a:ext cx="0" cy="0"/>
+          <a:chOff x="0" y="0"/>
+          <a:chExt cx="0" cy="0"/>
+        </a:xfrm>
+      </p:grpSpPr>
+      <p:sp useBgFill="1">
+        <p:nvSpPr>
+          <p:cNvPr id="1033" name="Rectangle 1032">
+            <a:extLst>
+              <a:ext uri="{FF2B5EF4-FFF2-40B4-BE49-F238E27FC236}">
+                <a16:creationId xmlns:a16="http://schemas.microsoft.com/office/drawing/2014/main" id="{2C61293E-6EBE-43EF-A52C-9BEBFD7679D4}"/>
+              </a:ext>
+              <a:ext uri="{C183D7F6-B498-43B3-948B-1728B52AA6E4}">
+                <adec:decorative xmlns:adec="http://schemas.microsoft.com/office/drawing/2017/decorative" val="1"/>
+              </a:ext>
+            </a:extLst>
+          </p:cNvPr>
+          <p:cNvSpPr>
+            <a:spLocks noGrp="1" noRot="1" noChangeAspect="1" noMove="1" noResize="1" noEditPoints="1" noAdjustHandles="1" noChangeArrowheads="1" noChangeShapeType="1" noTextEdit="1"/>
+          </p:cNvSpPr>
+          <p:nvPr>
+            <p:extLst>
+              <p:ext uri="{386F3935-93C4-4BCD-93E2-E3B085C9AB24}">
+                <p16:designElem xmlns:p16="http://schemas.microsoft.com/office/powerpoint/2015/main" val="1"/>
+              </p:ext>
+            </p:extLst>
+          </p:nvPr>
+        </p:nvSpPr>
+        <p:spPr>
+          <a:xfrm>
+            <a:off x="0" y="0"/>
+            <a:ext cx="12188952" cy="6858000"/>
+          </a:xfrm>
+          <a:prstGeom prst="rect">
+            <a:avLst/>
+          </a:prstGeom>
+          <a:ln>
+            <a:noFill/>
+          </a:ln>
+        </p:spPr>
+        <p:style>
+          <a:lnRef idx="2">
+            <a:schemeClr val="accent1">
+              <a:shade val="50000"/>
+            </a:schemeClr>
+          </a:lnRef>
+          <a:fillRef idx="1">
+            <a:schemeClr val="accent1"/>
+          </a:fillRef>
+          <a:effectRef idx="0">
+            <a:schemeClr val="accent1"/>
+          </a:effectRef>
+          <a:fontRef idx="minor">
+            <a:schemeClr val="lt1"/>
+          </a:fontRef>
+        </p:style>
+        <p:txBody>
+          <a:bodyPr rtlCol="0" anchor="ctr"/>
+          <a:lstStyle/>
+          <a:p>
+            <a:pPr algn="ctr"/>
+            <a:endParaRPr lang="en-US"/>
+          </a:p>
+        </p:txBody>
+      </p:sp>
+      <p:sp>
+        <p:nvSpPr>
+          <p:cNvPr id="2" name="Cím 1">
+            <a:extLst>
+              <a:ext uri="{FF2B5EF4-FFF2-40B4-BE49-F238E27FC236}">
+                <a16:creationId xmlns:a16="http://schemas.microsoft.com/office/drawing/2014/main" id="{FD2D685A-5721-75A5-764F-FD7DD4DEF420}"/>
+              </a:ext>
+            </a:extLst>
+          </p:cNvPr>
+          <p:cNvSpPr>
+            <a:spLocks noGrp="1"/>
+          </p:cNvSpPr>
+          <p:nvPr>
+            <p:ph type="title"/>
+          </p:nvPr>
+        </p:nvSpPr>
+        <p:spPr>
+          <a:xfrm>
+            <a:off x="5297762" y="329184"/>
+            <a:ext cx="6251110" cy="1783080"/>
+          </a:xfrm>
+        </p:spPr>
+        <p:txBody>
+          <a:bodyPr vert="horz" lIns="91440" tIns="45720" rIns="91440" bIns="45720" rtlCol="0" anchor="b">
+            <a:normAutofit/>
+          </a:bodyPr>
+          <a:lstStyle/>
+          <a:p>
+            <a:r>
+              <a:rPr lang="en-US" sz="5400" dirty="0"/>
+              <a:t>Miért pont MongoDB? </a:t>
+            </a:r>
+          </a:p>
+        </p:txBody>
+      </p:sp>
+      <p:pic>
+        <p:nvPicPr>
+          <p:cNvPr id="1028" name="Picture 4" descr="Icon MongoDB by xkneo on DeviantArt">
+            <a:extLst>
+              <a:ext uri="{FF2B5EF4-FFF2-40B4-BE49-F238E27FC236}">
+                <a16:creationId xmlns:a16="http://schemas.microsoft.com/office/drawing/2014/main" id="{3DDB1FC5-D0C0-C5DD-32C1-288FBF60C42F}"/>
+              </a:ext>
+            </a:extLst>
+          </p:cNvPr>
+          <p:cNvPicPr>
+            <a:picLocks noChangeAspect="1" noChangeArrowheads="1"/>
+          </p:cNvPicPr>
+          <p:nvPr/>
+        </p:nvPicPr>
+        <p:blipFill rotWithShape="1">
+          <a:blip r:embed="rId3">
+            <a:extLst>
+              <a:ext uri="{28A0092B-C50C-407E-A947-70E740481C1C}">
+                <a14:useLocalDpi xmlns:a14="http://schemas.microsoft.com/office/drawing/2010/main" val="0"/>
+              </a:ext>
+            </a:extLst>
+          </a:blip>
+          <a:srcRect l="13606" r="18484" b="2"/>
+          <a:stretch/>
+        </p:blipFill>
+        <p:spPr bwMode="auto">
+          <a:xfrm>
+            <a:off x="0" y="10"/>
+            <a:ext cx="4657344" cy="6857990"/>
+          </a:xfrm>
+          <a:custGeom>
+            <a:avLst/>
+            <a:gdLst/>
+            <a:ahLst/>
+            <a:cxnLst/>
+            <a:rect l="l" t="t" r="r" b="b"/>
+            <a:pathLst>
+              <a:path w="4657344" h="6858000">
+                <a:moveTo>
+                  <a:pt x="0" y="0"/>
+                </a:moveTo>
+                <a:lnTo>
+                  <a:pt x="3429755" y="0"/>
+                </a:lnTo>
+                <a:lnTo>
+                  <a:pt x="3526016" y="148742"/>
+                </a:lnTo>
+                <a:cubicBezTo>
+                  <a:pt x="3657740" y="365513"/>
+                  <a:pt x="3777402" y="589569"/>
+                  <a:pt x="3886489" y="819975"/>
+                </a:cubicBezTo>
+                <a:cubicBezTo>
+                  <a:pt x="3891856" y="833492"/>
+                  <a:pt x="3900663" y="845393"/>
+                  <a:pt x="3912049" y="854514"/>
+                </a:cubicBezTo>
+                <a:cubicBezTo>
+                  <a:pt x="3897352" y="819849"/>
+                  <a:pt x="3883037" y="784928"/>
+                  <a:pt x="3868083" y="750263"/>
+                </a:cubicBezTo>
+                <a:cubicBezTo>
+                  <a:pt x="3806989" y="608712"/>
+                  <a:pt x="3742478" y="469145"/>
+                  <a:pt x="3674155" y="331786"/>
+                </a:cubicBezTo>
+                <a:lnTo>
+                  <a:pt x="3496656" y="0"/>
+                </a:lnTo>
+                <a:lnTo>
+                  <a:pt x="3554371" y="0"/>
+                </a:lnTo>
+                <a:lnTo>
+                  <a:pt x="3661621" y="196614"/>
+                </a:lnTo>
+                <a:cubicBezTo>
+                  <a:pt x="3856899" y="573253"/>
+                  <a:pt x="4021071" y="966066"/>
+                  <a:pt x="4161279" y="1371196"/>
+                </a:cubicBezTo>
+                <a:cubicBezTo>
+                  <a:pt x="4379525" y="2007265"/>
+                  <a:pt x="4530141" y="2664286"/>
+                  <a:pt x="4610660" y="3331516"/>
+                </a:cubicBezTo>
+                <a:cubicBezTo>
+                  <a:pt x="4652837" y="3672965"/>
+                  <a:pt x="4671625" y="4013908"/>
+                  <a:pt x="4645040" y="4357388"/>
+                </a:cubicBezTo>
+                <a:cubicBezTo>
+                  <a:pt x="4613599" y="4758899"/>
+                  <a:pt x="4566181" y="5157998"/>
+                  <a:pt x="4485789" y="5552906"/>
+                </a:cubicBezTo>
+                <a:cubicBezTo>
+                  <a:pt x="4397121" y="5988893"/>
+                  <a:pt x="4276748" y="6414594"/>
+                  <a:pt x="4117769" y="6828295"/>
+                </a:cubicBezTo>
+                <a:lnTo>
+                  <a:pt x="4105288" y="6858000"/>
+                </a:lnTo>
+                <a:lnTo>
+                  <a:pt x="4052520" y="6858000"/>
+                </a:lnTo>
+                <a:lnTo>
+                  <a:pt x="4059369" y="6841549"/>
+                </a:lnTo>
+                <a:cubicBezTo>
+                  <a:pt x="4147276" y="6614016"/>
+                  <a:pt x="4224193" y="6380817"/>
+                  <a:pt x="4291518" y="6142729"/>
+                </a:cubicBezTo>
+                <a:cubicBezTo>
+                  <a:pt x="4350055" y="5935370"/>
+                  <a:pt x="4393256" y="5723695"/>
+                  <a:pt x="4443357" y="5513923"/>
+                </a:cubicBezTo>
+                <a:cubicBezTo>
+                  <a:pt x="4444541" y="5502788"/>
+                  <a:pt x="4445137" y="5491601"/>
+                  <a:pt x="4445146" y="5480401"/>
+                </a:cubicBezTo>
+                <a:cubicBezTo>
+                  <a:pt x="4408465" y="5607635"/>
+                  <a:pt x="4379196" y="5719759"/>
+                  <a:pt x="4344559" y="5830359"/>
+                </a:cubicBezTo>
+                <a:cubicBezTo>
+                  <a:pt x="4254261" y="6118381"/>
+                  <a:pt x="4150112" y="6398531"/>
+                  <a:pt x="4031702" y="6670527"/>
+                </a:cubicBezTo>
+                <a:lnTo>
+                  <a:pt x="3943824" y="6858000"/>
+                </a:lnTo>
+                <a:lnTo>
+                  <a:pt x="0" y="6858000"/>
+                </a:lnTo>
+                <a:close/>
+              </a:path>
+            </a:pathLst>
+          </a:custGeom>
+          <a:noFill/>
+          <a:extLst>
+            <a:ext uri="{909E8E84-426E-40DD-AFC4-6F175D3DCCD1}">
+              <a14:hiddenFill xmlns:a14="http://schemas.microsoft.com/office/drawing/2010/main">
+                <a:solidFill>
+                  <a:srgbClr val="FFFFFF"/>
+                </a:solidFill>
+              </a14:hiddenFill>
+            </a:ext>
+          </a:extLst>
+        </p:spPr>
+      </p:pic>
+      <p:sp>
+        <p:nvSpPr>
+          <p:cNvPr id="1035" name="sketchy line">
+            <a:extLst>
+              <a:ext uri="{FF2B5EF4-FFF2-40B4-BE49-F238E27FC236}">
+                <a16:creationId xmlns:a16="http://schemas.microsoft.com/office/drawing/2014/main" id="{21540236-BFD5-4A9D-8840-4703E7F76825}"/>
+              </a:ext>
+              <a:ext uri="{C183D7F6-B498-43B3-948B-1728B52AA6E4}">
+                <adec:decorative xmlns:adec="http://schemas.microsoft.com/office/drawing/2017/decorative" val="1"/>
+              </a:ext>
+            </a:extLst>
+          </p:cNvPr>
+          <p:cNvSpPr>
+            <a:spLocks noGrp="1" noRot="1" noChangeAspect="1" noMove="1" noResize="1" noEditPoints="1" noAdjustHandles="1" noChangeArrowheads="1" noChangeShapeType="1" noTextEdit="1"/>
+          </p:cNvSpPr>
+          <p:nvPr>
+            <p:extLst>
+              <p:ext uri="{386F3935-93C4-4BCD-93E2-E3B085C9AB24}">
+                <p16:designElem xmlns:p16="http://schemas.microsoft.com/office/powerpoint/2015/main" val="1"/>
+              </p:ext>
+            </p:extLst>
+          </p:nvPr>
+        </p:nvSpPr>
+        <p:spPr>
+          <a:xfrm>
+            <a:off x="5297762" y="2374947"/>
+            <a:ext cx="4243589" cy="18288"/>
+          </a:xfrm>
+          <a:custGeom>
+            <a:avLst/>
+            <a:gdLst>
+              <a:gd name="connsiteX0" fmla="*/ 0 w 4243589"/>
+              <a:gd name="connsiteY0" fmla="*/ 0 h 18288"/>
+              <a:gd name="connsiteX1" fmla="*/ 478919 w 4243589"/>
+              <a:gd name="connsiteY1" fmla="*/ 0 h 18288"/>
+              <a:gd name="connsiteX2" fmla="*/ 957839 w 4243589"/>
+              <a:gd name="connsiteY2" fmla="*/ 0 h 18288"/>
+              <a:gd name="connsiteX3" fmla="*/ 1521630 w 4243589"/>
+              <a:gd name="connsiteY3" fmla="*/ 0 h 18288"/>
+              <a:gd name="connsiteX4" fmla="*/ 2212729 w 4243589"/>
+              <a:gd name="connsiteY4" fmla="*/ 0 h 18288"/>
+              <a:gd name="connsiteX5" fmla="*/ 2734084 w 4243589"/>
+              <a:gd name="connsiteY5" fmla="*/ 0 h 18288"/>
+              <a:gd name="connsiteX6" fmla="*/ 3255439 w 4243589"/>
+              <a:gd name="connsiteY6" fmla="*/ 0 h 18288"/>
+              <a:gd name="connsiteX7" fmla="*/ 4243589 w 4243589"/>
+              <a:gd name="connsiteY7" fmla="*/ 0 h 18288"/>
+              <a:gd name="connsiteX8" fmla="*/ 4243589 w 4243589"/>
+              <a:gd name="connsiteY8" fmla="*/ 18288 h 18288"/>
+              <a:gd name="connsiteX9" fmla="*/ 3594926 w 4243589"/>
+              <a:gd name="connsiteY9" fmla="*/ 18288 h 18288"/>
+              <a:gd name="connsiteX10" fmla="*/ 3073571 w 4243589"/>
+              <a:gd name="connsiteY10" fmla="*/ 18288 h 18288"/>
+              <a:gd name="connsiteX11" fmla="*/ 2552216 w 4243589"/>
+              <a:gd name="connsiteY11" fmla="*/ 18288 h 18288"/>
+              <a:gd name="connsiteX12" fmla="*/ 1903553 w 4243589"/>
+              <a:gd name="connsiteY12" fmla="*/ 18288 h 18288"/>
+              <a:gd name="connsiteX13" fmla="*/ 1212454 w 4243589"/>
+              <a:gd name="connsiteY13" fmla="*/ 18288 h 18288"/>
+              <a:gd name="connsiteX14" fmla="*/ 733535 w 4243589"/>
+              <a:gd name="connsiteY14" fmla="*/ 18288 h 18288"/>
+              <a:gd name="connsiteX15" fmla="*/ 0 w 4243589"/>
+              <a:gd name="connsiteY15" fmla="*/ 18288 h 18288"/>
+              <a:gd name="connsiteX16" fmla="*/ 0 w 4243589"/>
+              <a:gd name="connsiteY16" fmla="*/ 0 h 18288"/>
+            </a:gdLst>
+            <a:ahLst/>
+            <a:cxnLst>
+              <a:cxn ang="0">
+                <a:pos x="connsiteX0" y="connsiteY0"/>
+              </a:cxn>
+              <a:cxn ang="0">
+                <a:pos x="connsiteX1" y="connsiteY1"/>
+              </a:cxn>
+              <a:cxn ang="0">
+                <a:pos x="connsiteX2" y="connsiteY2"/>
+              </a:cxn>
+              <a:cxn ang="0">
+                <a:pos x="connsiteX3" y="connsiteY3"/>
+              </a:cxn>
+              <a:cxn ang="0">
+                <a:pos x="connsiteX4" y="connsiteY4"/>
+              </a:cxn>
+              <a:cxn ang="0">
+                <a:pos x="connsiteX5" y="connsiteY5"/>
+              </a:cxn>
+              <a:cxn ang="0">
+                <a:pos x="connsiteX6" y="connsiteY6"/>
+              </a:cxn>
+              <a:cxn ang="0">
+                <a:pos x="connsiteX7" y="connsiteY7"/>
+              </a:cxn>
+              <a:cxn ang="0">
+                <a:pos x="connsiteX8" y="connsiteY8"/>
+              </a:cxn>
+              <a:cxn ang="0">
+                <a:pos x="connsiteX9" y="connsiteY9"/>
+              </a:cxn>
+              <a:cxn ang="0">
+                <a:pos x="connsiteX10" y="connsiteY10"/>
+              </a:cxn>
+              <a:cxn ang="0">
+                <a:pos x="connsiteX11" y="connsiteY11"/>
+              </a:cxn>
+              <a:cxn ang="0">
+                <a:pos x="connsiteX12" y="connsiteY12"/>
+              </a:cxn>
+              <a:cxn ang="0">
+                <a:pos x="connsiteX13" y="connsiteY13"/>
+              </a:cxn>
+              <a:cxn ang="0">
+                <a:pos x="connsiteX14" y="connsiteY14"/>
+              </a:cxn>
+              <a:cxn ang="0">
+                <a:pos x="connsiteX15" y="connsiteY15"/>
+              </a:cxn>
+              <a:cxn ang="0">
+                <a:pos x="connsiteX16" y="connsiteY16"/>
+              </a:cxn>
+            </a:cxnLst>
+            <a:rect l="l" t="t" r="r" b="b"/>
+            <a:pathLst>
+              <a:path w="4243589" h="18288" fill="none" extrusionOk="0">
+                <a:moveTo>
+                  <a:pt x="0" y="0"/>
+                </a:moveTo>
+                <a:cubicBezTo>
+                  <a:pt x="213395" y="-21006"/>
+                  <a:pt x="307421" y="-18116"/>
+                  <a:pt x="478919" y="0"/>
+                </a:cubicBezTo>
+                <a:cubicBezTo>
+                  <a:pt x="650417" y="18116"/>
+                  <a:pt x="831092" y="-21237"/>
+                  <a:pt x="957839" y="0"/>
+                </a:cubicBezTo>
+                <a:cubicBezTo>
+                  <a:pt x="1084586" y="21237"/>
+                  <a:pt x="1301682" y="25124"/>
+                  <a:pt x="1521630" y="0"/>
+                </a:cubicBezTo>
+                <a:cubicBezTo>
+                  <a:pt x="1741578" y="-25124"/>
+                  <a:pt x="1970269" y="-29139"/>
+                  <a:pt x="2212729" y="0"/>
+                </a:cubicBezTo>
+                <a:cubicBezTo>
+                  <a:pt x="2455189" y="29139"/>
+                  <a:pt x="2558847" y="-4796"/>
+                  <a:pt x="2734084" y="0"/>
+                </a:cubicBezTo>
+                <a:cubicBezTo>
+                  <a:pt x="2909321" y="4796"/>
+                  <a:pt x="3097217" y="-13409"/>
+                  <a:pt x="3255439" y="0"/>
+                </a:cubicBezTo>
+                <a:cubicBezTo>
+                  <a:pt x="3413662" y="13409"/>
+                  <a:pt x="3979999" y="-10121"/>
+                  <a:pt x="4243589" y="0"/>
+                </a:cubicBezTo>
+                <a:cubicBezTo>
+                  <a:pt x="4244484" y="8974"/>
+                  <a:pt x="4243043" y="9359"/>
+                  <a:pt x="4243589" y="18288"/>
+                </a:cubicBezTo>
+                <a:cubicBezTo>
+                  <a:pt x="4058777" y="31246"/>
+                  <a:pt x="3910348" y="3158"/>
+                  <a:pt x="3594926" y="18288"/>
+                </a:cubicBezTo>
+                <a:cubicBezTo>
+                  <a:pt x="3279504" y="33418"/>
+                  <a:pt x="3319955" y="-3977"/>
+                  <a:pt x="3073571" y="18288"/>
+                </a:cubicBezTo>
+                <a:cubicBezTo>
+                  <a:pt x="2827187" y="40553"/>
+                  <a:pt x="2767387" y="1863"/>
+                  <a:pt x="2552216" y="18288"/>
+                </a:cubicBezTo>
+                <a:cubicBezTo>
+                  <a:pt x="2337046" y="34713"/>
+                  <a:pt x="2181871" y="19527"/>
+                  <a:pt x="1903553" y="18288"/>
+                </a:cubicBezTo>
+                <a:cubicBezTo>
+                  <a:pt x="1625235" y="17049"/>
+                  <a:pt x="1557672" y="24174"/>
+                  <a:pt x="1212454" y="18288"/>
+                </a:cubicBezTo>
+                <a:cubicBezTo>
+                  <a:pt x="867236" y="12402"/>
+                  <a:pt x="874382" y="15627"/>
+                  <a:pt x="733535" y="18288"/>
+                </a:cubicBezTo>
+                <a:cubicBezTo>
+                  <a:pt x="592688" y="20949"/>
+                  <a:pt x="183477" y="14753"/>
+                  <a:pt x="0" y="18288"/>
+                </a:cubicBezTo>
+                <a:cubicBezTo>
+                  <a:pt x="-229" y="14222"/>
+                  <a:pt x="509" y="5816"/>
+                  <a:pt x="0" y="0"/>
+                </a:cubicBezTo>
+                <a:close/>
+              </a:path>
+              <a:path w="4243589" h="18288" stroke="0" extrusionOk="0">
+                <a:moveTo>
+                  <a:pt x="0" y="0"/>
+                </a:moveTo>
+                <a:cubicBezTo>
+                  <a:pt x="143690" y="16630"/>
+                  <a:pt x="266667" y="14847"/>
+                  <a:pt x="521355" y="0"/>
+                </a:cubicBezTo>
+                <a:cubicBezTo>
+                  <a:pt x="776043" y="-14847"/>
+                  <a:pt x="814491" y="-17363"/>
+                  <a:pt x="1000275" y="0"/>
+                </a:cubicBezTo>
+                <a:cubicBezTo>
+                  <a:pt x="1186059" y="17363"/>
+                  <a:pt x="1352504" y="-23507"/>
+                  <a:pt x="1521630" y="0"/>
+                </a:cubicBezTo>
+                <a:cubicBezTo>
+                  <a:pt x="1690756" y="23507"/>
+                  <a:pt x="1889525" y="5871"/>
+                  <a:pt x="2127857" y="0"/>
+                </a:cubicBezTo>
+                <a:cubicBezTo>
+                  <a:pt x="2366189" y="-5871"/>
+                  <a:pt x="2620628" y="-27997"/>
+                  <a:pt x="2776520" y="0"/>
+                </a:cubicBezTo>
+                <a:cubicBezTo>
+                  <a:pt x="2932412" y="27997"/>
+                  <a:pt x="3131683" y="-25073"/>
+                  <a:pt x="3467618" y="0"/>
+                </a:cubicBezTo>
+                <a:cubicBezTo>
+                  <a:pt x="3803553" y="25073"/>
+                  <a:pt x="4017371" y="3071"/>
+                  <a:pt x="4243589" y="0"/>
+                </a:cubicBezTo>
+                <a:cubicBezTo>
+                  <a:pt x="4243134" y="6162"/>
+                  <a:pt x="4243492" y="11775"/>
+                  <a:pt x="4243589" y="18288"/>
+                </a:cubicBezTo>
+                <a:cubicBezTo>
+                  <a:pt x="4017834" y="-5779"/>
+                  <a:pt x="3834586" y="13376"/>
+                  <a:pt x="3594926" y="18288"/>
+                </a:cubicBezTo>
+                <a:cubicBezTo>
+                  <a:pt x="3355266" y="23200"/>
+                  <a:pt x="3204179" y="2869"/>
+                  <a:pt x="2903827" y="18288"/>
+                </a:cubicBezTo>
+                <a:cubicBezTo>
+                  <a:pt x="2603475" y="33707"/>
+                  <a:pt x="2526187" y="46187"/>
+                  <a:pt x="2212729" y="18288"/>
+                </a:cubicBezTo>
+                <a:cubicBezTo>
+                  <a:pt x="1899271" y="-9611"/>
+                  <a:pt x="1966289" y="29692"/>
+                  <a:pt x="1733809" y="18288"/>
+                </a:cubicBezTo>
+                <a:cubicBezTo>
+                  <a:pt x="1501329" y="6884"/>
+                  <a:pt x="1343612" y="12492"/>
+                  <a:pt x="1085146" y="18288"/>
+                </a:cubicBezTo>
+                <a:cubicBezTo>
+                  <a:pt x="826680" y="24084"/>
+                  <a:pt x="778184" y="35607"/>
+                  <a:pt x="521355" y="18288"/>
+                </a:cubicBezTo>
+                <a:cubicBezTo>
+                  <a:pt x="264526" y="969"/>
+                  <a:pt x="120277" y="4268"/>
+                  <a:pt x="0" y="18288"/>
+                </a:cubicBezTo>
+                <a:cubicBezTo>
+                  <a:pt x="766" y="10800"/>
+                  <a:pt x="-457" y="8180"/>
+                  <a:pt x="0" y="0"/>
+                </a:cubicBezTo>
+                <a:close/>
+              </a:path>
+            </a:pathLst>
+          </a:custGeom>
+          <a:solidFill>
+            <a:schemeClr val="accent2"/>
+          </a:solidFill>
+          <a:ln w="44450" cap="rnd">
+            <a:solidFill>
+              <a:schemeClr val="accent2"/>
+            </a:solidFill>
+            <a:round/>
+            <a:extLst>
+              <a:ext uri="{C807C97D-BFC1-408E-A445-0C87EB9F89A2}">
+                <ask:lineSketchStyleProps xmlns:ask="http://schemas.microsoft.com/office/drawing/2018/sketchyshapes" sd="2727557108">
+                  <a:prstGeom prst="rect">
+                    <a:avLst/>
+                  </a:prstGeom>
+                  <ask:type>
+                    <ask:lineSketchFreehand/>
+                  </ask:type>
+                </ask:lineSketchStyleProps>
+              </a:ext>
+            </a:extLst>
+          </a:ln>
+        </p:spPr>
+        <p:style>
+          <a:lnRef idx="2">
+            <a:schemeClr val="accent1">
+              <a:shade val="50000"/>
+            </a:schemeClr>
+          </a:lnRef>
+          <a:fillRef idx="1">
+            <a:schemeClr val="accent1"/>
+          </a:fillRef>
+          <a:effectRef idx="0">
+            <a:schemeClr val="accent1"/>
+          </a:effectRef>
+          <a:fontRef idx="minor">
+            <a:schemeClr val="lt1"/>
+          </a:fontRef>
+        </p:style>
+        <p:txBody>
+          <a:bodyPr rtlCol="0" anchor="ctr"/>
+          <a:lstStyle/>
+          <a:p>
+            <a:pPr algn="ctr"/>
+            <a:endParaRPr lang="en-US"/>
+          </a:p>
+        </p:txBody>
+      </p:sp>
+      <p:sp>
+        <p:nvSpPr>
+          <p:cNvPr id="5" name="Tartalom helye 4">
+            <a:extLst>
+              <a:ext uri="{FF2B5EF4-FFF2-40B4-BE49-F238E27FC236}">
+                <a16:creationId xmlns:a16="http://schemas.microsoft.com/office/drawing/2014/main" id="{DABE60A0-5133-B8DB-29F8-2D82A2C6C9B8}"/>
+              </a:ext>
+            </a:extLst>
+          </p:cNvPr>
+          <p:cNvSpPr>
+            <a:spLocks noGrp="1"/>
+          </p:cNvSpPr>
+          <p:nvPr>
+            <p:ph idx="1"/>
+          </p:nvPr>
+        </p:nvSpPr>
+        <p:spPr>
+          <a:xfrm>
+            <a:off x="5297762" y="2706624"/>
+            <a:ext cx="6251110" cy="3483864"/>
+          </a:xfrm>
+        </p:spPr>
+        <p:txBody>
+          <a:bodyPr vert="horz" lIns="91440" tIns="45720" rIns="91440" bIns="45720" rtlCol="0">
+            <a:normAutofit/>
+          </a:bodyPr>
+          <a:lstStyle/>
+          <a:p>
+            <a:pPr marL="285750"/>
+            <a:r>
+              <a:rPr lang="hu-HU" sz="2200" dirty="0"/>
+              <a:t>Kevesebb szigorú követelménynek kell megfelelni mint egy relációs adatbázisnál</a:t>
+            </a:r>
+          </a:p>
+          <a:p>
+            <a:pPr marL="285750"/>
+            <a:r>
+              <a:rPr lang="hu-HU" sz="2200" dirty="0"/>
+              <a:t>N</a:t>
+            </a:r>
+            <a:r>
+              <a:rPr lang="en-US" sz="2200" dirty="0"/>
+              <a:t>incs szükség előre meghatározott sémákra</a:t>
+            </a:r>
+            <a:endParaRPr lang="hu-HU" sz="2200" dirty="0"/>
+          </a:p>
+          <a:p>
+            <a:pPr marL="285750"/>
+            <a:r>
+              <a:rPr lang="hu-HU" sz="2200" dirty="0"/>
+              <a:t>Gyorsabb fejlesztési folyamat: (könnyebben integrálható JavaScript és JSON használatával Next.js web-alkalmazásokba)</a:t>
+            </a:r>
+          </a:p>
+          <a:p>
+            <a:pPr marL="285750"/>
+            <a:r>
+              <a:rPr lang="hu-HU" sz="2200" dirty="0"/>
+              <a:t>Skálázhatóbb (növekvő adatok kezelése könnyebb, kiváló teljesítmény sok felhasználó alatt is)</a:t>
+            </a:r>
+            <a:endParaRPr lang="en-US" sz="2200" dirty="0"/>
+          </a:p>
+        </p:txBody>
+      </p:sp>
+    </p:spTree>
+    <p:extLst>
+      <p:ext uri="{BB962C8B-B14F-4D97-AF65-F5344CB8AC3E}">
+        <p14:creationId xmlns:p14="http://schemas.microsoft.com/office/powerpoint/2010/main" val="3144682893"/>
+      </p:ext>
+    </p:extLst>
+  </p:cSld>
+  <p:clrMapOvr>
+    <a:masterClrMapping/>
+  </p:clrMapOvr>
+</p:sld>
+</file>
+
+<file path=ppt/slides/slide4.xml><?xml version="1.0" encoding="utf-8"?>
+<p:sld xmlns:a="http://schemas.openxmlformats.org/drawingml/2006/main" xmlns:r="http://schemas.openxmlformats.org/officeDocument/2006/relationships" xmlns:p="http://schemas.openxmlformats.org/presentationml/2006/main">
+  <p:cSld>
+    <p:bg>
+      <p:bgPr>
+        <a:solidFill>
+          <a:schemeClr val="bg1"/>
+        </a:solidFill>
+        <a:effectLst/>
+      </p:bgPr>
+    </p:bg>
+    <p:spTree>
+      <p:nvGrpSpPr>
+        <p:cNvPr id="1" name=""/>
+        <p:cNvGrpSpPr/>
+        <p:nvPr/>
+      </p:nvGrpSpPr>
+      <p:grpSpPr>
+        <a:xfrm>
+          <a:off x="0" y="0"/>
+          <a:ext cx="0" cy="0"/>
+          <a:chOff x="0" y="0"/>
+          <a:chExt cx="0" cy="0"/>
+        </a:xfrm>
+      </p:grpSpPr>
+      <p:sp>
+        <p:nvSpPr>
+          <p:cNvPr id="2" name="Cím 1">
+            <a:extLst>
+              <a:ext uri="{FF2B5EF4-FFF2-40B4-BE49-F238E27FC236}">
+                <a16:creationId xmlns:a16="http://schemas.microsoft.com/office/drawing/2014/main" id="{BFF7F569-B6CA-8204-B44F-93CC6836441B}"/>
+              </a:ext>
+            </a:extLst>
+          </p:cNvPr>
+          <p:cNvSpPr>
+            <a:spLocks noGrp="1"/>
+          </p:cNvSpPr>
+          <p:nvPr>
+            <p:ph type="title"/>
+          </p:nvPr>
+        </p:nvSpPr>
+        <p:spPr>
+          <a:xfrm>
+            <a:off x="6417733" y="490537"/>
+            <a:ext cx="5291663" cy="1628775"/>
+          </a:xfrm>
+        </p:spPr>
+        <p:txBody>
+          <a:bodyPr anchor="b">
+            <a:normAutofit/>
+          </a:bodyPr>
+          <a:lstStyle/>
+          <a:p>
+            <a:r>
+              <a:rPr lang="hu-HU" sz="4000">
+                <a:latin typeface="Arial" panose="020B0604020202020204" pitchFamily="34" charset="0"/>
+                <a:cs typeface="Arial" panose="020B0604020202020204" pitchFamily="34" charset="0"/>
+              </a:rPr>
+              <a:t>Adatbázis</a:t>
+            </a:r>
+          </a:p>
+        </p:txBody>
+      </p:sp>
+      <p:pic>
+        <p:nvPicPr>
+          <p:cNvPr id="2050" name="Picture 2" descr="Icon MongoDB by xkneo on DeviantArt">
+            <a:extLst>
+              <a:ext uri="{FF2B5EF4-FFF2-40B4-BE49-F238E27FC236}">
+                <a16:creationId xmlns:a16="http://schemas.microsoft.com/office/drawing/2014/main" id="{D437E101-AC60-B6E0-E12C-69EF95136D08}"/>
+              </a:ext>
+            </a:extLst>
+          </p:cNvPr>
+          <p:cNvPicPr>
+            <a:picLocks noChangeAspect="1" noChangeArrowheads="1"/>
+          </p:cNvPicPr>
+          <p:nvPr/>
+        </p:nvPicPr>
+        <p:blipFill rotWithShape="1">
+          <a:blip r:embed="rId2">
+            <a:extLst>
+              <a:ext uri="{28A0092B-C50C-407E-A947-70E740481C1C}">
+                <a14:useLocalDpi xmlns:a14="http://schemas.microsoft.com/office/drawing/2010/main" val="0"/>
+              </a:ext>
+            </a:extLst>
+          </a:blip>
+          <a:srcRect l="3108" r="7982" b="-2"/>
+          <a:stretch/>
+        </p:blipFill>
+        <p:spPr bwMode="auto">
+          <a:xfrm>
+            <a:off x="2" y="1587"/>
+            <a:ext cx="6095999" cy="6856413"/>
+          </a:xfrm>
+          <a:custGeom>
+            <a:avLst/>
+            <a:gdLst/>
+            <a:ahLst/>
+            <a:cxnLst/>
+            <a:rect l="l" t="t" r="r" b="b"/>
+            <a:pathLst>
+              <a:path w="6649908" h="6856413">
+                <a:moveTo>
+                  <a:pt x="0" y="0"/>
+                </a:moveTo>
+                <a:lnTo>
+                  <a:pt x="6559859" y="0"/>
+                </a:lnTo>
+                <a:lnTo>
+                  <a:pt x="6572145" y="79394"/>
+                </a:lnTo>
+                <a:cubicBezTo>
+                  <a:pt x="6857782" y="2230562"/>
+                  <a:pt x="6243159" y="4473353"/>
+                  <a:pt x="6528796" y="6624522"/>
+                </a:cubicBezTo>
+                <a:lnTo>
+                  <a:pt x="6564680" y="6856413"/>
+                </a:lnTo>
+                <a:lnTo>
+                  <a:pt x="0" y="6856413"/>
+                </a:lnTo>
+                <a:close/>
+              </a:path>
+            </a:pathLst>
+          </a:custGeom>
+          <a:noFill/>
+          <a:extLst>
+            <a:ext uri="{909E8E84-426E-40DD-AFC4-6F175D3DCCD1}">
+              <a14:hiddenFill xmlns:a14="http://schemas.microsoft.com/office/drawing/2010/main">
+                <a:solidFill>
+                  <a:srgbClr val="FFFFFF"/>
+                </a:solidFill>
+              </a14:hiddenFill>
+            </a:ext>
+          </a:extLst>
+        </p:spPr>
+      </p:pic>
+      <p:sp>
+        <p:nvSpPr>
+          <p:cNvPr id="3" name="Tartalom helye 2">
+            <a:extLst>
+              <a:ext uri="{FF2B5EF4-FFF2-40B4-BE49-F238E27FC236}">
+                <a16:creationId xmlns:a16="http://schemas.microsoft.com/office/drawing/2014/main" id="{6FD8650E-9836-32E8-B8CC-00971A7EF0B2}"/>
+              </a:ext>
+            </a:extLst>
+          </p:cNvPr>
+          <p:cNvSpPr>
+            <a:spLocks noGrp="1"/>
+          </p:cNvSpPr>
+          <p:nvPr>
+            <p:ph idx="1"/>
+          </p:nvPr>
+        </p:nvSpPr>
+        <p:spPr>
+          <a:xfrm>
+            <a:off x="6417734" y="2614612"/>
+            <a:ext cx="5291663" cy="3752849"/>
+          </a:xfrm>
+        </p:spPr>
+        <p:txBody>
+          <a:bodyPr>
+            <a:normAutofit/>
+          </a:bodyPr>
+          <a:lstStyle/>
+          <a:p>
+            <a:r>
+              <a:rPr lang="hu-HU" sz="1800" dirty="0">
+                <a:latin typeface="Arial" panose="020B0604020202020204" pitchFamily="34" charset="0"/>
+                <a:cs typeface="Arial" panose="020B0604020202020204" pitchFamily="34" charset="0"/>
+              </a:rPr>
+              <a:t>MongoDB</a:t>
+            </a:r>
+          </a:p>
+          <a:p>
+            <a:r>
+              <a:rPr lang="hu-HU" sz="1800" dirty="0">
+                <a:latin typeface="Arial" panose="020B0604020202020204" pitchFamily="34" charset="0"/>
+                <a:cs typeface="Arial" panose="020B0604020202020204" pitchFamily="34" charset="0"/>
+              </a:rPr>
+              <a:t>Dokumentum-alapú</a:t>
+            </a:r>
+          </a:p>
+          <a:p>
+            <a:r>
+              <a:rPr lang="hu-HU" sz="1800" dirty="0">
+                <a:latin typeface="Arial" panose="020B0604020202020204" pitchFamily="34" charset="0"/>
+                <a:cs typeface="Arial" panose="020B0604020202020204" pitchFamily="34" charset="0"/>
+              </a:rPr>
+              <a:t>Minta adatok</a:t>
+            </a:r>
+          </a:p>
+          <a:p>
+            <a:pPr lvl="1">
+              <a:buFont typeface="Courier New" panose="02070309020205020404" pitchFamily="49" charset="0"/>
+              <a:buChar char="o"/>
+            </a:pPr>
+            <a:r>
+              <a:rPr lang="hu-HU" sz="1600" dirty="0">
+                <a:latin typeface="Arial" panose="020B0604020202020204" pitchFamily="34" charset="0"/>
+                <a:cs typeface="Arial" panose="020B0604020202020204" pitchFamily="34" charset="0"/>
+              </a:rPr>
+              <a:t>Products</a:t>
+            </a:r>
+          </a:p>
+          <a:p>
+            <a:pPr lvl="1">
+              <a:buFont typeface="Courier New" panose="02070309020205020404" pitchFamily="49" charset="0"/>
+              <a:buChar char="o"/>
+            </a:pPr>
+            <a:r>
+              <a:rPr lang="hu-HU" sz="1600" dirty="0">
+                <a:latin typeface="Arial" panose="020B0604020202020204" pitchFamily="34" charset="0"/>
+                <a:cs typeface="Arial" panose="020B0604020202020204" pitchFamily="34" charset="0"/>
+              </a:rPr>
+              <a:t>Users</a:t>
+            </a:r>
+          </a:p>
+          <a:p>
+            <a:pPr lvl="1">
+              <a:buFont typeface="Courier New" panose="02070309020205020404" pitchFamily="49" charset="0"/>
+              <a:buChar char="o"/>
+            </a:pPr>
+            <a:r>
+              <a:rPr lang="hu-HU" sz="1600" dirty="0">
+                <a:latin typeface="Arial" panose="020B0604020202020204" pitchFamily="34" charset="0"/>
+                <a:cs typeface="Arial" panose="020B0604020202020204" pitchFamily="34" charset="0"/>
+              </a:rPr>
+              <a:t>Auctions</a:t>
+            </a:r>
+          </a:p>
+          <a:p>
+            <a:r>
+              <a:rPr lang="hu-HU" sz="1800" dirty="0">
+                <a:latin typeface="Arial" panose="020B0604020202020204" pitchFamily="34" charset="0"/>
+                <a:cs typeface="Arial" panose="020B0604020202020204" pitchFamily="34" charset="0"/>
+              </a:rPr>
+              <a:t>6 Dokumentum </a:t>
+            </a:r>
+          </a:p>
+          <a:p>
+            <a:endParaRPr lang="hu-HU" sz="1800" dirty="0"/>
+          </a:p>
+        </p:txBody>
+      </p:sp>
+    </p:spTree>
+    <p:extLst>
+      <p:ext uri="{BB962C8B-B14F-4D97-AF65-F5344CB8AC3E}">
+        <p14:creationId xmlns:p14="http://schemas.microsoft.com/office/powerpoint/2010/main" val="1175636529"/>
+      </p:ext>
+    </p:extLst>
+  </p:cSld>
+  <p:clrMapOvr>
+    <a:masterClrMapping/>
+  </p:clrMapOvr>
+</p:sld>
+</file>
+
+<file path=ppt/slides/slide5.xml><?xml version="1.0" encoding="utf-8"?>
+<p:sld xmlns:a="http://schemas.openxmlformats.org/drawingml/2006/main" xmlns:r="http://schemas.openxmlformats.org/officeDocument/2006/relationships" xmlns:p="http://schemas.openxmlformats.org/presentationml/2006/main">
+  <p:cSld>
+    <p:spTree>
+      <p:nvGrpSpPr>
+        <p:cNvPr id="1" name=""/>
+        <p:cNvGrpSpPr/>
+        <p:nvPr/>
+      </p:nvGrpSpPr>
+      <p:grpSpPr>
+        <a:xfrm>
+          <a:off x="0" y="0"/>
+          <a:ext cx="0" cy="0"/>
+          <a:chOff x="0" y="0"/>
+          <a:chExt cx="0" cy="0"/>
+        </a:xfrm>
+      </p:grpSpPr>
+      <p:pic>
+        <p:nvPicPr>
+          <p:cNvPr id="7" name="Kép 6">
+            <a:extLst>
+              <a:ext uri="{FF2B5EF4-FFF2-40B4-BE49-F238E27FC236}">
+                <a16:creationId xmlns:a16="http://schemas.microsoft.com/office/drawing/2014/main" id="{B55B5977-A6C8-B463-04B4-DEC27E86D1FE}"/>
+              </a:ext>
+            </a:extLst>
+          </p:cNvPr>
+          <p:cNvPicPr>
+            <a:picLocks noChangeAspect="1"/>
+          </p:cNvPicPr>
+          <p:nvPr/>
+        </p:nvPicPr>
+        <p:blipFill>
+          <a:blip r:embed="rId2"/>
+          <a:stretch>
+            <a:fillRect/>
+          </a:stretch>
+        </p:blipFill>
+        <p:spPr>
+          <a:xfrm>
+            <a:off x="1" y="0"/>
+            <a:ext cx="12192000" cy="6858000"/>
+          </a:xfrm>
+          <a:prstGeom prst="rect">
+            <a:avLst/>
+          </a:prstGeom>
+        </p:spPr>
+      </p:pic>
+    </p:spTree>
+    <p:extLst>
+      <p:ext uri="{BB962C8B-B14F-4D97-AF65-F5344CB8AC3E}">
+        <p14:creationId xmlns:p14="http://schemas.microsoft.com/office/powerpoint/2010/main" val="3390147204"/>
+      </p:ext>
+    </p:extLst>
+  </p:cSld>
+  <p:clrMapOvr>
+    <a:masterClrMapping/>
+  </p:clrMapOvr>
+</p:sld>
+</file>
+
+<file path=ppt/slides/slide6.xml><?xml version="1.0" encoding="utf-8"?>
+<p:sld xmlns:a="http://schemas.openxmlformats.org/drawingml/2006/main" xmlns:r="http://schemas.openxmlformats.org/officeDocument/2006/relationships" xmlns:p="http://schemas.openxmlformats.org/presentationml/2006/main">
+  <p:cSld>
+    <p:spTree>
+      <p:nvGrpSpPr>
+        <p:cNvPr id="1" name=""/>
+        <p:cNvGrpSpPr/>
+        <p:nvPr/>
+      </p:nvGrpSpPr>
+      <p:grpSpPr>
+        <a:xfrm>
+          <a:off x="0" y="0"/>
+          <a:ext cx="0" cy="0"/>
+          <a:chOff x="0" y="0"/>
+          <a:chExt cx="0" cy="0"/>
+        </a:xfrm>
+      </p:grpSpPr>
+      <p:sp>
+        <p:nvSpPr>
+          <p:cNvPr id="2" name="Cím 1">
+            <a:extLst>
+              <a:ext uri="{FF2B5EF4-FFF2-40B4-BE49-F238E27FC236}">
+                <a16:creationId xmlns:a16="http://schemas.microsoft.com/office/drawing/2014/main" id="{A30CBDBA-E5FA-F27B-5843-2A1811424866}"/>
+              </a:ext>
+            </a:extLst>
+          </p:cNvPr>
+          <p:cNvSpPr>
+            <a:spLocks noGrp="1"/>
+          </p:cNvSpPr>
+          <p:nvPr>
+            <p:ph type="title"/>
+          </p:nvPr>
+        </p:nvSpPr>
+        <p:spPr/>
+        <p:txBody>
+          <a:bodyPr/>
+          <a:lstStyle/>
+          <a:p>
+            <a:endParaRPr lang="hu-HU"/>
+          </a:p>
+        </p:txBody>
+      </p:sp>
+      <p:sp>
+        <p:nvSpPr>
+          <p:cNvPr id="3" name="Tartalom helye 2">
+            <a:extLst>
+              <a:ext uri="{FF2B5EF4-FFF2-40B4-BE49-F238E27FC236}">
+                <a16:creationId xmlns:a16="http://schemas.microsoft.com/office/drawing/2014/main" id="{EB8168B1-73BE-94F9-C005-28778B7194C6}"/>
+              </a:ext>
+            </a:extLst>
+          </p:cNvPr>
+          <p:cNvSpPr>
+            <a:spLocks noGrp="1"/>
+          </p:cNvSpPr>
+          <p:nvPr>
+            <p:ph idx="1"/>
+          </p:nvPr>
+        </p:nvSpPr>
+        <p:spPr/>
+        <p:txBody>
+          <a:bodyPr/>
+          <a:lstStyle/>
+          <a:p>
+            <a:endParaRPr lang="hu-HU"/>
+          </a:p>
+        </p:txBody>
+      </p:sp>
+    </p:spTree>
+    <p:extLst>
+      <p:ext uri="{BB962C8B-B14F-4D97-AF65-F5344CB8AC3E}">
+        <p14:creationId xmlns:p14="http://schemas.microsoft.com/office/powerpoint/2010/main" val="2895332821"/>
+      </p:ext>
+    </p:extLst>
+  </p:cSld>
+  <p:clrMapOvr>
+    <a:masterClrMapping/>
+  </p:clrMapOvr>
+</p:sld>
+</file>
+
+<file path=ppt/slides/slide7.xml><?xml version="1.0" encoding="utf-8"?>
+<p:sld xmlns:a="http://schemas.openxmlformats.org/drawingml/2006/main" xmlns:r="http://schemas.openxmlformats.org/officeDocument/2006/relationships" xmlns:p="http://schemas.openxmlformats.org/presentationml/2006/main">
+  <p:cSld>
+    <p:spTree>
+      <p:nvGrpSpPr>
+        <p:cNvPr id="1" name=""/>
+        <p:cNvGrpSpPr/>
+        <p:nvPr/>
+      </p:nvGrpSpPr>
+      <p:grpSpPr>
+        <a:xfrm>
+          <a:off x="0" y="0"/>
+          <a:ext cx="0" cy="0"/>
+          <a:chOff x="0" y="0"/>
+          <a:chExt cx="0" cy="0"/>
+        </a:xfrm>
+      </p:grpSpPr>
+      <p:sp>
+        <p:nvSpPr>
+          <p:cNvPr id="2" name="Cím 1">
+            <a:extLst>
+              <a:ext uri="{FF2B5EF4-FFF2-40B4-BE49-F238E27FC236}">
+                <a16:creationId xmlns:a16="http://schemas.microsoft.com/office/drawing/2014/main" id="{F7D06A86-A7E2-1E9D-377D-5312519AD1C4}"/>
+              </a:ext>
+            </a:extLst>
+          </p:cNvPr>
+          <p:cNvSpPr>
+            <a:spLocks noGrp="1"/>
+          </p:cNvSpPr>
+          <p:nvPr>
+            <p:ph type="title"/>
+          </p:nvPr>
+        </p:nvSpPr>
+        <p:spPr/>
+        <p:txBody>
+          <a:bodyPr/>
+          <a:lstStyle/>
+          <a:p>
+            <a:endParaRPr lang="hu-HU"/>
+          </a:p>
+        </p:txBody>
+      </p:sp>
+      <p:sp>
+        <p:nvSpPr>
+          <p:cNvPr id="3" name="Tartalom helye 2">
+            <a:extLst>
+              <a:ext uri="{FF2B5EF4-FFF2-40B4-BE49-F238E27FC236}">
+                <a16:creationId xmlns:a16="http://schemas.microsoft.com/office/drawing/2014/main" id="{3A2C8B33-6F2B-3EFB-53FE-174BFBFD9106}"/>
+              </a:ext>
+            </a:extLst>
+          </p:cNvPr>
+          <p:cNvSpPr>
+            <a:spLocks noGrp="1"/>
+          </p:cNvSpPr>
+          <p:nvPr>
+            <p:ph idx="1"/>
+          </p:nvPr>
+        </p:nvSpPr>
+        <p:spPr/>
+        <p:txBody>
+          <a:bodyPr/>
+          <a:lstStyle/>
+          <a:p>
+            <a:endParaRPr lang="hu-HU"/>
+          </a:p>
+        </p:txBody>
+      </p:sp>
+    </p:spTree>
+    <p:extLst>
+      <p:ext uri="{BB962C8B-B14F-4D97-AF65-F5344CB8AC3E}">
+        <p14:creationId xmlns:p14="http://schemas.microsoft.com/office/powerpoint/2010/main" val="3623431685"/>
+      </p:ext>
+    </p:extLst>
+  </p:cSld>
+  <p:clrMapOvr>
+    <a:masterClrMapping/>
+  </p:clrMapOvr>
+</p:sld>
+</file>
+
+<file path=ppt/slides/slide8.xml><?xml version="1.0" encoding="utf-8"?>
+<p:sld xmlns:a="http://schemas.openxmlformats.org/drawingml/2006/main" xmlns:r="http://schemas.openxmlformats.org/officeDocument/2006/relationships" xmlns:p="http://schemas.openxmlformats.org/presentationml/2006/main">
+  <p:cSld>
+    <p:spTree>
+      <p:nvGrpSpPr>
+        <p:cNvPr id="1" name=""/>
+        <p:cNvGrpSpPr/>
+        <p:nvPr/>
+      </p:nvGrpSpPr>
+      <p:grpSpPr>
+        <a:xfrm>
+          <a:off x="0" y="0"/>
+          <a:ext cx="0" cy="0"/>
+          <a:chOff x="0" y="0"/>
+          <a:chExt cx="0" cy="0"/>
+        </a:xfrm>
+      </p:grpSpPr>
+      <p:sp>
+        <p:nvSpPr>
+          <p:cNvPr id="2" name="Cím 1">
+            <a:extLst>
+              <a:ext uri="{FF2B5EF4-FFF2-40B4-BE49-F238E27FC236}">
+                <a16:creationId xmlns:a16="http://schemas.microsoft.com/office/drawing/2014/main" id="{E6E2629D-630C-9806-D973-49108316F59F}"/>
+              </a:ext>
+            </a:extLst>
+          </p:cNvPr>
+          <p:cNvSpPr>
+            <a:spLocks noGrp="1"/>
+          </p:cNvSpPr>
+          <p:nvPr>
+            <p:ph type="title"/>
+          </p:nvPr>
+        </p:nvSpPr>
+        <p:spPr/>
+        <p:txBody>
+          <a:bodyPr/>
+          <a:lstStyle/>
+          <a:p>
+            <a:endParaRPr lang="hu-HU"/>
+          </a:p>
+        </p:txBody>
+      </p:sp>
+      <p:sp>
+        <p:nvSpPr>
+          <p:cNvPr id="3" name="Tartalom helye 2">
+            <a:extLst>
+              <a:ext uri="{FF2B5EF4-FFF2-40B4-BE49-F238E27FC236}">
+                <a16:creationId xmlns:a16="http://schemas.microsoft.com/office/drawing/2014/main" id="{AAF57E81-A4B8-2B05-CD65-3F7F7CAD9AD5}"/>
+              </a:ext>
+            </a:extLst>
+          </p:cNvPr>
+          <p:cNvSpPr>
+            <a:spLocks noGrp="1"/>
+          </p:cNvSpPr>
+          <p:nvPr>
+            <p:ph idx="1"/>
+          </p:nvPr>
+        </p:nvSpPr>
+        <p:spPr/>
+        <p:txBody>
+          <a:bodyPr/>
+          <a:lstStyle/>
+          <a:p>
+            <a:endParaRPr lang="hu-HU"/>
+          </a:p>
+        </p:txBody>
+      </p:sp>
+    </p:spTree>
+    <p:extLst>
+      <p:ext uri="{BB962C8B-B14F-4D97-AF65-F5344CB8AC3E}">
+        <p14:creationId xmlns:p14="http://schemas.microsoft.com/office/powerpoint/2010/main" val="3047624980"/>
+      </p:ext>
+    </p:extLst>
+  </p:cSld>
+  <p:clrMapOvr>
+    <a:masterClrMapping/>
+  </p:clrMapOvr>
+</p:sld>
+</file>
+
+<file path=ppt/slides/slide9.xml><?xml version="1.0" encoding="utf-8"?>
 <p:sld xmlns:a="http://schemas.openxmlformats.org/drawingml/2006/main" xmlns:r="http://schemas.openxmlformats.org/officeDocument/2006/relationships" xmlns:p="http://schemas.openxmlformats.org/presentationml/2006/main">
   <p:cSld>
     <p:bg>
@@ -7562,1334 +9491,6 @@
       <p:bldP spid="2" grpId="0"/>
     </p:bldLst>
   </p:timing>
-</p:sld>
-</file>
-
-<file path=ppt/slides/slide2.xml><?xml version="1.0" encoding="utf-8"?>
-<p:sld xmlns:a="http://schemas.openxmlformats.org/drawingml/2006/main" xmlns:r="http://schemas.openxmlformats.org/officeDocument/2006/relationships" xmlns:p="http://schemas.openxmlformats.org/presentationml/2006/main">
-  <p:cSld>
-    <p:bg>
-      <p:bgPr>
-        <a:solidFill>
-          <a:schemeClr val="bg1"/>
-        </a:solidFill>
-        <a:effectLst/>
-      </p:bgPr>
-    </p:bg>
-    <p:spTree>
-      <p:nvGrpSpPr>
-        <p:cNvPr id="1" name=""/>
-        <p:cNvGrpSpPr/>
-        <p:nvPr/>
-      </p:nvGrpSpPr>
-      <p:grpSpPr>
-        <a:xfrm>
-          <a:off x="0" y="0"/>
-          <a:ext cx="0" cy="0"/>
-          <a:chOff x="0" y="0"/>
-          <a:chExt cx="0" cy="0"/>
-        </a:xfrm>
-      </p:grpSpPr>
-      <p:pic>
-        <p:nvPicPr>
-          <p:cNvPr id="6" name="Picture 5">
-            <a:extLst>
-              <a:ext uri="{FF2B5EF4-FFF2-40B4-BE49-F238E27FC236}">
-                <a16:creationId xmlns:a16="http://schemas.microsoft.com/office/drawing/2014/main" id="{BC5E3E58-B850-E653-2861-7F0E9DD50D58}"/>
-              </a:ext>
-            </a:extLst>
-          </p:cNvPr>
-          <p:cNvPicPr>
-            <a:picLocks noChangeAspect="1"/>
-          </p:cNvPicPr>
-          <p:nvPr/>
-        </p:nvPicPr>
-        <p:blipFill rotWithShape="1">
-          <a:blip r:embed="rId2"/>
-          <a:srcRect b="8537"/>
-          <a:stretch/>
-        </p:blipFill>
-        <p:spPr>
-          <a:xfrm>
-            <a:off x="20" y="10"/>
-            <a:ext cx="12191980" cy="6857990"/>
-          </a:xfrm>
-          <a:prstGeom prst="rect">
-            <a:avLst/>
-          </a:prstGeom>
-        </p:spPr>
-      </p:pic>
-      <p:sp>
-        <p:nvSpPr>
-          <p:cNvPr id="10" name="Rectangle 9">
-            <a:extLst>
-              <a:ext uri="{FF2B5EF4-FFF2-40B4-BE49-F238E27FC236}">
-                <a16:creationId xmlns:a16="http://schemas.microsoft.com/office/drawing/2014/main" id="{257363FD-7E77-4145-9483-331A807ADF0E}"/>
-              </a:ext>
-              <a:ext uri="{C183D7F6-B498-43B3-948B-1728B52AA6E4}">
-                <adec:decorative xmlns:adec="http://schemas.microsoft.com/office/drawing/2017/decorative" val="1"/>
-              </a:ext>
-            </a:extLst>
-          </p:cNvPr>
-          <p:cNvSpPr>
-            <a:spLocks noGrp="1" noRot="1" noChangeAspect="1" noMove="1" noResize="1" noEditPoints="1" noAdjustHandles="1" noChangeArrowheads="1" noChangeShapeType="1" noTextEdit="1"/>
-          </p:cNvSpPr>
-          <p:nvPr>
-            <p:extLst>
-              <p:ext uri="{386F3935-93C4-4BCD-93E2-E3B085C9AB24}">
-                <p16:designElem xmlns:p16="http://schemas.microsoft.com/office/powerpoint/2015/main" val="1"/>
-              </p:ext>
-            </p:extLst>
-          </p:nvPr>
-        </p:nvSpPr>
-        <p:spPr>
-          <a:xfrm>
-            <a:off x="0" y="0"/>
-            <a:ext cx="12196802" cy="6858000"/>
-          </a:xfrm>
-          <a:prstGeom prst="rect">
-            <a:avLst/>
-          </a:prstGeom>
-          <a:gradFill flip="none" rotWithShape="1">
-            <a:gsLst>
-              <a:gs pos="28000">
-                <a:schemeClr val="bg2">
-                  <a:alpha val="84000"/>
-                </a:schemeClr>
-              </a:gs>
-              <a:gs pos="74000">
-                <a:schemeClr val="bg1"/>
-              </a:gs>
-            </a:gsLst>
-            <a:path path="circle">
-              <a:fillToRect l="100000" t="100000"/>
-            </a:path>
-            <a:tileRect r="-100000" b="-100000"/>
-          </a:gradFill>
-          <a:ln>
-            <a:noFill/>
-          </a:ln>
-        </p:spPr>
-        <p:style>
-          <a:lnRef idx="2">
-            <a:schemeClr val="accent1">
-              <a:shade val="50000"/>
-            </a:schemeClr>
-          </a:lnRef>
-          <a:fillRef idx="1">
-            <a:schemeClr val="accent1"/>
-          </a:fillRef>
-          <a:effectRef idx="0">
-            <a:schemeClr val="accent1"/>
-          </a:effectRef>
-          <a:fontRef idx="minor">
-            <a:schemeClr val="lt1"/>
-          </a:fontRef>
-        </p:style>
-        <p:txBody>
-          <a:bodyPr rtlCol="0" anchor="ctr"/>
-          <a:lstStyle/>
-          <a:p>
-            <a:pPr marL="0" marR="0" lvl="0" indent="0" algn="ctr" defTabSz="914400" rtl="0" eaLnBrk="1" fontAlgn="auto" latinLnBrk="0" hangingPunct="1">
-              <a:lnSpc>
-                <a:spcPct val="100000"/>
-              </a:lnSpc>
-              <a:spcBef>
-                <a:spcPts val="0"/>
-              </a:spcBef>
-              <a:spcAft>
-                <a:spcPts val="0"/>
-              </a:spcAft>
-              <a:buClrTx/>
-              <a:buSzTx/>
-              <a:buFontTx/>
-              <a:buNone/>
-              <a:tabLst/>
-              <a:defRPr/>
-            </a:pPr>
-            <a:endParaRPr kumimoji="0" lang="en-US" sz="1800" b="0" i="0" u="none" strike="noStrike" kern="1200" cap="none" spc="0" normalizeH="0" baseline="0" noProof="0">
-              <a:ln>
-                <a:noFill/>
-              </a:ln>
-              <a:solidFill>
-                <a:prstClr val="white"/>
-              </a:solidFill>
-              <a:effectLst/>
-              <a:uLnTx/>
-              <a:uFillTx/>
-              <a:latin typeface="Calibri" panose="020F0502020204030204"/>
-              <a:ea typeface="+mn-ea"/>
-              <a:cs typeface="+mn-cs"/>
-            </a:endParaRPr>
-          </a:p>
-        </p:txBody>
-      </p:sp>
-      <p:sp>
-        <p:nvSpPr>
-          <p:cNvPr id="2" name="Cím 1">
-            <a:extLst>
-              <a:ext uri="{FF2B5EF4-FFF2-40B4-BE49-F238E27FC236}">
-                <a16:creationId xmlns:a16="http://schemas.microsoft.com/office/drawing/2014/main" id="{512975E2-07AE-6D8B-34B6-DD1C9C8C1292}"/>
-              </a:ext>
-            </a:extLst>
-          </p:cNvPr>
-          <p:cNvSpPr>
-            <a:spLocks noGrp="1"/>
-          </p:cNvSpPr>
-          <p:nvPr>
-            <p:ph type="title"/>
-          </p:nvPr>
-        </p:nvSpPr>
-        <p:spPr>
-          <a:xfrm>
-            <a:off x="838200" y="365125"/>
-            <a:ext cx="10515600" cy="1325563"/>
-          </a:xfrm>
-        </p:spPr>
-        <p:txBody>
-          <a:bodyPr>
-            <a:normAutofit/>
-          </a:bodyPr>
-          <a:lstStyle/>
-          <a:p>
-            <a:r>
-              <a:rPr lang="hu-HU" sz="5400" dirty="0">
-                <a:latin typeface="Arial" panose="020B0604020202020204" pitchFamily="34" charset="0"/>
-                <a:cs typeface="Arial" panose="020B0604020202020204" pitchFamily="34" charset="0"/>
-              </a:rPr>
-              <a:t>A projektünk célja</a:t>
-            </a:r>
-          </a:p>
-        </p:txBody>
-      </p:sp>
-      <p:graphicFrame>
-        <p:nvGraphicFramePr>
-          <p:cNvPr id="5" name="Tartalom helye 2">
-            <a:extLst>
-              <a:ext uri="{FF2B5EF4-FFF2-40B4-BE49-F238E27FC236}">
-                <a16:creationId xmlns:a16="http://schemas.microsoft.com/office/drawing/2014/main" id="{7004DF60-1E71-AC7C-E262-F5B4D1FA82AC}"/>
-              </a:ext>
-            </a:extLst>
-          </p:cNvPr>
-          <p:cNvGraphicFramePr>
-            <a:graphicFrameLocks noGrp="1"/>
-          </p:cNvGraphicFramePr>
-          <p:nvPr>
-            <p:ph idx="1"/>
-            <p:extLst>
-              <p:ext uri="{D42A27DB-BD31-4B8C-83A1-F6EECF244321}">
-                <p14:modId xmlns:p14="http://schemas.microsoft.com/office/powerpoint/2010/main" val="2388089171"/>
-              </p:ext>
-            </p:extLst>
-          </p:nvPr>
-        </p:nvGraphicFramePr>
-        <p:xfrm>
-          <a:off x="838200" y="1825625"/>
-          <a:ext cx="10515600" cy="4351338"/>
-        </p:xfrm>
-        <a:graphic>
-          <a:graphicData uri="http://schemas.openxmlformats.org/drawingml/2006/diagram">
-            <dgm:relIds xmlns:dgm="http://schemas.openxmlformats.org/drawingml/2006/diagram" xmlns:r="http://schemas.openxmlformats.org/officeDocument/2006/relationships" r:dm="rId3" r:lo="rId4" r:qs="rId5" r:cs="rId6"/>
-          </a:graphicData>
-        </a:graphic>
-      </p:graphicFrame>
-    </p:spTree>
-    <p:extLst>
-      <p:ext uri="{BB962C8B-B14F-4D97-AF65-F5344CB8AC3E}">
-        <p14:creationId xmlns:p14="http://schemas.microsoft.com/office/powerpoint/2010/main" val="309717442"/>
-      </p:ext>
-    </p:extLst>
-  </p:cSld>
-  <p:clrMapOvr>
-    <a:masterClrMapping/>
-  </p:clrMapOvr>
-</p:sld>
-</file>
-
-<file path=ppt/slides/slide3.xml><?xml version="1.0" encoding="utf-8"?>
-<p:sld xmlns:a="http://schemas.openxmlformats.org/drawingml/2006/main" xmlns:r="http://schemas.openxmlformats.org/officeDocument/2006/relationships" xmlns:p="http://schemas.openxmlformats.org/presentationml/2006/main">
-  <p:cSld>
-    <p:spTree>
-      <p:nvGrpSpPr>
-        <p:cNvPr id="1" name=""/>
-        <p:cNvGrpSpPr/>
-        <p:nvPr/>
-      </p:nvGrpSpPr>
-      <p:grpSpPr>
-        <a:xfrm>
-          <a:off x="0" y="0"/>
-          <a:ext cx="0" cy="0"/>
-          <a:chOff x="0" y="0"/>
-          <a:chExt cx="0" cy="0"/>
-        </a:xfrm>
-      </p:grpSpPr>
-      <p:sp>
-        <p:nvSpPr>
-          <p:cNvPr id="2" name="Cím 1">
-            <a:extLst>
-              <a:ext uri="{FF2B5EF4-FFF2-40B4-BE49-F238E27FC236}">
-                <a16:creationId xmlns:a16="http://schemas.microsoft.com/office/drawing/2014/main" id="{FD2D685A-5721-75A5-764F-FD7DD4DEF420}"/>
-              </a:ext>
-            </a:extLst>
-          </p:cNvPr>
-          <p:cNvSpPr>
-            <a:spLocks noGrp="1"/>
-          </p:cNvSpPr>
-          <p:nvPr>
-            <p:ph type="title"/>
-          </p:nvPr>
-        </p:nvSpPr>
-        <p:spPr/>
-        <p:txBody>
-          <a:bodyPr/>
-          <a:lstStyle/>
-          <a:p>
-            <a:r>
-              <a:rPr lang="hu-HU" dirty="0">
-                <a:latin typeface="Arial" panose="020B0604020202020204" pitchFamily="34" charset="0"/>
-                <a:cs typeface="Arial" panose="020B0604020202020204" pitchFamily="34" charset="0"/>
-              </a:rPr>
-              <a:t>Miért pont MongoDB? </a:t>
-            </a:r>
-          </a:p>
-        </p:txBody>
-      </p:sp>
-      <p:pic>
-        <p:nvPicPr>
-          <p:cNvPr id="1026" name="Picture 2" descr="What is MongoDB? NoSQL database explained in an easy way.">
-            <a:extLst>
-              <a:ext uri="{FF2B5EF4-FFF2-40B4-BE49-F238E27FC236}">
-                <a16:creationId xmlns:a16="http://schemas.microsoft.com/office/drawing/2014/main" id="{C5EDB69C-19AF-4970-B187-CE8888273996}"/>
-              </a:ext>
-            </a:extLst>
-          </p:cNvPr>
-          <p:cNvPicPr>
-            <a:picLocks noGrp="1" noChangeAspect="1" noChangeArrowheads="1"/>
-          </p:cNvPicPr>
-          <p:nvPr>
-            <p:ph idx="1"/>
-          </p:nvPr>
-        </p:nvPicPr>
-        <p:blipFill>
-          <a:blip r:embed="rId2">
-            <a:extLst>
-              <a:ext uri="{28A0092B-C50C-407E-A947-70E740481C1C}">
-                <a14:useLocalDpi xmlns:a14="http://schemas.microsoft.com/office/drawing/2010/main" val="0"/>
-              </a:ext>
-            </a:extLst>
-          </a:blip>
-          <a:srcRect/>
-          <a:stretch>
-            <a:fillRect/>
-          </a:stretch>
-        </p:blipFill>
-        <p:spPr bwMode="auto">
-          <a:xfrm>
-            <a:off x="8495036" y="3122274"/>
-            <a:ext cx="2264172" cy="3045262"/>
-          </a:xfrm>
-          <a:prstGeom prst="rect">
-            <a:avLst/>
-          </a:prstGeom>
-          <a:noFill/>
-          <a:extLst>
-            <a:ext uri="{909E8E84-426E-40DD-AFC4-6F175D3DCCD1}">
-              <a14:hiddenFill xmlns:a14="http://schemas.microsoft.com/office/drawing/2010/main">
-                <a:solidFill>
-                  <a:srgbClr val="FFFFFF"/>
-                </a:solidFill>
-              </a14:hiddenFill>
-            </a:ext>
-          </a:extLst>
-        </p:spPr>
-      </p:pic>
-      <p:sp>
-        <p:nvSpPr>
-          <p:cNvPr id="4" name="Szövegdoboz 3">
-            <a:extLst>
-              <a:ext uri="{FF2B5EF4-FFF2-40B4-BE49-F238E27FC236}">
-                <a16:creationId xmlns:a16="http://schemas.microsoft.com/office/drawing/2014/main" id="{8AE775F3-2D2C-4D9B-A4BF-6B18BFA06A6D}"/>
-              </a:ext>
-            </a:extLst>
-          </p:cNvPr>
-          <p:cNvSpPr txBox="1"/>
-          <p:nvPr/>
-        </p:nvSpPr>
-        <p:spPr>
-          <a:xfrm>
-            <a:off x="961053" y="1819469"/>
-            <a:ext cx="6746033" cy="646331"/>
-          </a:xfrm>
-          <a:prstGeom prst="rect">
-            <a:avLst/>
-          </a:prstGeom>
-          <a:noFill/>
-        </p:spPr>
-        <p:txBody>
-          <a:bodyPr wrap="square" rtlCol="0">
-            <a:spAutoFit/>
-          </a:bodyPr>
-          <a:lstStyle/>
-          <a:p>
-            <a:pPr marL="285750" indent="-285750">
-              <a:buFont typeface="Arial" panose="020B0604020202020204" pitchFamily="34" charset="0"/>
-              <a:buChar char="•"/>
-            </a:pPr>
-            <a:r>
-              <a:rPr lang="hu-HU" dirty="0">
-                <a:latin typeface="Arial" panose="020B0604020202020204" pitchFamily="34" charset="0"/>
-                <a:cs typeface="Arial" panose="020B0604020202020204" pitchFamily="34" charset="0"/>
-              </a:rPr>
-              <a:t>NoSQL -&gt; nincs szükség előre meghatározott sémákra</a:t>
-            </a:r>
-          </a:p>
-          <a:p>
-            <a:pPr marL="285750" indent="-285750">
-              <a:buFont typeface="Arial" panose="020B0604020202020204" pitchFamily="34" charset="0"/>
-              <a:buChar char="•"/>
-            </a:pPr>
-            <a:r>
-              <a:rPr lang="hu-HU" dirty="0">
-                <a:latin typeface="Arial" panose="020B0604020202020204" pitchFamily="34" charset="0"/>
-                <a:cs typeface="Arial" panose="020B0604020202020204" pitchFamily="34" charset="0"/>
-              </a:rPr>
-              <a:t>Rugalmasabb, tudja kezelni a </a:t>
-            </a:r>
-            <a:r>
-              <a:rPr lang="hu-HU">
-                <a:latin typeface="Arial" panose="020B0604020202020204" pitchFamily="34" charset="0"/>
-                <a:cs typeface="Arial" panose="020B0604020202020204" pitchFamily="34" charset="0"/>
-              </a:rPr>
-              <a:t>strukturálatlan adatokat  </a:t>
-            </a:r>
-            <a:endParaRPr lang="hu-HU" dirty="0">
-              <a:latin typeface="Arial" panose="020B0604020202020204" pitchFamily="34" charset="0"/>
-              <a:cs typeface="Arial" panose="020B0604020202020204" pitchFamily="34" charset="0"/>
-            </a:endParaRPr>
-          </a:p>
-        </p:txBody>
-      </p:sp>
-    </p:spTree>
-    <p:extLst>
-      <p:ext uri="{BB962C8B-B14F-4D97-AF65-F5344CB8AC3E}">
-        <p14:creationId xmlns:p14="http://schemas.microsoft.com/office/powerpoint/2010/main" val="3144682893"/>
-      </p:ext>
-    </p:extLst>
-  </p:cSld>
-  <p:clrMapOvr>
-    <a:masterClrMapping/>
-  </p:clrMapOvr>
-</p:sld>
-</file>
-
-<file path=ppt/slides/slide4.xml><?xml version="1.0" encoding="utf-8"?>
-<p:sld xmlns:a="http://schemas.openxmlformats.org/drawingml/2006/main" xmlns:r="http://schemas.openxmlformats.org/officeDocument/2006/relationships" xmlns:p="http://schemas.openxmlformats.org/presentationml/2006/main">
-  <p:cSld>
-    <p:bg>
-      <p:bgPr>
-        <a:solidFill>
-          <a:schemeClr val="bg1"/>
-        </a:solidFill>
-        <a:effectLst/>
-      </p:bgPr>
-    </p:bg>
-    <p:spTree>
-      <p:nvGrpSpPr>
-        <p:cNvPr id="1" name=""/>
-        <p:cNvGrpSpPr/>
-        <p:nvPr/>
-      </p:nvGrpSpPr>
-      <p:grpSpPr>
-        <a:xfrm>
-          <a:off x="0" y="0"/>
-          <a:ext cx="0" cy="0"/>
-          <a:chOff x="0" y="0"/>
-          <a:chExt cx="0" cy="0"/>
-        </a:xfrm>
-      </p:grpSpPr>
-      <p:sp useBgFill="1">
-        <p:nvSpPr>
-          <p:cNvPr id="1035" name="Rectangle 1030">
-            <a:extLst>
-              <a:ext uri="{FF2B5EF4-FFF2-40B4-BE49-F238E27FC236}">
-                <a16:creationId xmlns:a16="http://schemas.microsoft.com/office/drawing/2014/main" id="{04812C46-200A-4DEB-A05E-3ED6C68C2387}"/>
-              </a:ext>
-              <a:ext uri="{C183D7F6-B498-43B3-948B-1728B52AA6E4}">
-                <adec:decorative xmlns:adec="http://schemas.microsoft.com/office/drawing/2017/decorative" val="1"/>
-              </a:ext>
-            </a:extLst>
-          </p:cNvPr>
-          <p:cNvSpPr>
-            <a:spLocks noGrp="1" noRot="1" noChangeAspect="1" noMove="1" noResize="1" noEditPoints="1" noAdjustHandles="1" noChangeArrowheads="1" noChangeShapeType="1" noTextEdit="1"/>
-          </p:cNvSpPr>
-          <p:nvPr>
-            <p:extLst>
-              <p:ext uri="{386F3935-93C4-4BCD-93E2-E3B085C9AB24}">
-                <p16:designElem xmlns:p16="http://schemas.microsoft.com/office/powerpoint/2015/main" val="1"/>
-              </p:ext>
-            </p:extLst>
-          </p:nvPr>
-        </p:nvSpPr>
-        <p:spPr>
-          <a:xfrm>
-            <a:off x="3049" y="0"/>
-            <a:ext cx="12188952" cy="6858000"/>
-          </a:xfrm>
-          <a:prstGeom prst="rect">
-            <a:avLst/>
-          </a:prstGeom>
-          <a:ln>
-            <a:noFill/>
-          </a:ln>
-        </p:spPr>
-        <p:style>
-          <a:lnRef idx="2">
-            <a:schemeClr val="accent1">
-              <a:shade val="50000"/>
-            </a:schemeClr>
-          </a:lnRef>
-          <a:fillRef idx="1">
-            <a:schemeClr val="accent1"/>
-          </a:fillRef>
-          <a:effectRef idx="0">
-            <a:schemeClr val="accent1"/>
-          </a:effectRef>
-          <a:fontRef idx="minor">
-            <a:schemeClr val="lt1"/>
-          </a:fontRef>
-        </p:style>
-        <p:txBody>
-          <a:bodyPr rtlCol="0" anchor="ctr"/>
-          <a:lstStyle/>
-          <a:p>
-            <a:pPr algn="ctr"/>
-            <a:endParaRPr lang="en-US"/>
-          </a:p>
-        </p:txBody>
-      </p:sp>
-      <p:pic>
-        <p:nvPicPr>
-          <p:cNvPr id="1026" name="Picture 2" descr="MongoDB Archives - ITAdminGuide.com">
-            <a:extLst>
-              <a:ext uri="{FF2B5EF4-FFF2-40B4-BE49-F238E27FC236}">
-                <a16:creationId xmlns:a16="http://schemas.microsoft.com/office/drawing/2014/main" id="{DEAB7AAA-C978-8922-EED6-68719F59E9A6}"/>
-              </a:ext>
-            </a:extLst>
-          </p:cNvPr>
-          <p:cNvPicPr>
-            <a:picLocks noChangeAspect="1" noChangeArrowheads="1"/>
-          </p:cNvPicPr>
-          <p:nvPr/>
-        </p:nvPicPr>
-        <p:blipFill rotWithShape="1">
-          <a:blip r:embed="rId2">
-            <a:extLst>
-              <a:ext uri="{28A0092B-C50C-407E-A947-70E740481C1C}">
-                <a14:useLocalDpi xmlns:a14="http://schemas.microsoft.com/office/drawing/2010/main" val="0"/>
-              </a:ext>
-            </a:extLst>
-          </a:blip>
-          <a:srcRect l="8573" r="6475" b="-1"/>
-          <a:stretch/>
-        </p:blipFill>
-        <p:spPr bwMode="auto">
-          <a:xfrm>
-            <a:off x="2522356" y="10"/>
-            <a:ext cx="9669642" cy="6857990"/>
-          </a:xfrm>
-          <a:prstGeom prst="rect">
-            <a:avLst/>
-          </a:prstGeom>
-          <a:noFill/>
-          <a:extLst>
-            <a:ext uri="{909E8E84-426E-40DD-AFC4-6F175D3DCCD1}">
-              <a14:hiddenFill xmlns:a14="http://schemas.microsoft.com/office/drawing/2010/main">
-                <a:solidFill>
-                  <a:srgbClr val="FFFFFF"/>
-                </a:solidFill>
-              </a14:hiddenFill>
-            </a:ext>
-          </a:extLst>
-        </p:spPr>
-      </p:pic>
-      <p:sp>
-        <p:nvSpPr>
-          <p:cNvPr id="1036" name="Rectangle 1032">
-            <a:extLst>
-              <a:ext uri="{FF2B5EF4-FFF2-40B4-BE49-F238E27FC236}">
-                <a16:creationId xmlns:a16="http://schemas.microsoft.com/office/drawing/2014/main" id="{D1EA859B-E555-4109-94F3-6700E046E008}"/>
-              </a:ext>
-              <a:ext uri="{C183D7F6-B498-43B3-948B-1728B52AA6E4}">
-                <adec:decorative xmlns:adec="http://schemas.microsoft.com/office/drawing/2017/decorative" val="1"/>
-              </a:ext>
-            </a:extLst>
-          </p:cNvPr>
-          <p:cNvSpPr>
-            <a:spLocks noGrp="1" noRot="1" noChangeAspect="1" noMove="1" noResize="1" noEditPoints="1" noAdjustHandles="1" noChangeArrowheads="1" noChangeShapeType="1" noTextEdit="1"/>
-          </p:cNvSpPr>
-          <p:nvPr>
-            <p:extLst>
-              <p:ext uri="{386F3935-93C4-4BCD-93E2-E3B085C9AB24}">
-                <p16:designElem xmlns:p16="http://schemas.microsoft.com/office/powerpoint/2015/main" val="1"/>
-              </p:ext>
-            </p:extLst>
-          </p:nvPr>
-        </p:nvSpPr>
-        <p:spPr>
-          <a:xfrm>
-            <a:off x="-1" y="0"/>
-            <a:ext cx="7390263" cy="6858000"/>
-          </a:xfrm>
-          <a:prstGeom prst="rect">
-            <a:avLst/>
-          </a:prstGeom>
-          <a:gradFill>
-            <a:gsLst>
-              <a:gs pos="48000">
-                <a:schemeClr val="bg1"/>
-              </a:gs>
-              <a:gs pos="35000">
-                <a:schemeClr val="bg1">
-                  <a:alpha val="77000"/>
-                </a:schemeClr>
-              </a:gs>
-              <a:gs pos="19000">
-                <a:schemeClr val="bg1">
-                  <a:alpha val="38000"/>
-                </a:schemeClr>
-              </a:gs>
-              <a:gs pos="0">
-                <a:schemeClr val="bg1">
-                  <a:alpha val="0"/>
-                </a:schemeClr>
-              </a:gs>
-              <a:gs pos="100000">
-                <a:schemeClr val="bg1"/>
-              </a:gs>
-            </a:gsLst>
-            <a:lin ang="10800000" scaled="0"/>
-          </a:gradFill>
-          <a:ln>
-            <a:noFill/>
-          </a:ln>
-        </p:spPr>
-        <p:style>
-          <a:lnRef idx="2">
-            <a:schemeClr val="accent1">
-              <a:shade val="50000"/>
-            </a:schemeClr>
-          </a:lnRef>
-          <a:fillRef idx="1">
-            <a:schemeClr val="accent1"/>
-          </a:fillRef>
-          <a:effectRef idx="0">
-            <a:schemeClr val="accent1"/>
-          </a:effectRef>
-          <a:fontRef idx="minor">
-            <a:schemeClr val="lt1"/>
-          </a:fontRef>
-        </p:style>
-        <p:txBody>
-          <a:bodyPr rtlCol="0" anchor="ctr"/>
-          <a:lstStyle/>
-          <a:p>
-            <a:pPr algn="ctr"/>
-            <a:endParaRPr lang="en-US" dirty="0"/>
-          </a:p>
-        </p:txBody>
-      </p:sp>
-      <p:sp>
-        <p:nvSpPr>
-          <p:cNvPr id="2" name="Cím 1">
-            <a:extLst>
-              <a:ext uri="{FF2B5EF4-FFF2-40B4-BE49-F238E27FC236}">
-                <a16:creationId xmlns:a16="http://schemas.microsoft.com/office/drawing/2014/main" id="{BFF7F569-B6CA-8204-B44F-93CC6836441B}"/>
-              </a:ext>
-            </a:extLst>
-          </p:cNvPr>
-          <p:cNvSpPr>
-            <a:spLocks noGrp="1"/>
-          </p:cNvSpPr>
-          <p:nvPr>
-            <p:ph type="title"/>
-          </p:nvPr>
-        </p:nvSpPr>
-        <p:spPr>
-          <a:xfrm>
-            <a:off x="838200" y="365125"/>
-            <a:ext cx="5070231" cy="1899912"/>
-          </a:xfrm>
-        </p:spPr>
-        <p:txBody>
-          <a:bodyPr>
-            <a:normAutofit/>
-          </a:bodyPr>
-          <a:lstStyle/>
-          <a:p>
-            <a:r>
-              <a:rPr lang="hu-HU" sz="5400" dirty="0">
-                <a:latin typeface="Arial" panose="020B0604020202020204" pitchFamily="34" charset="0"/>
-                <a:cs typeface="Arial" panose="020B0604020202020204" pitchFamily="34" charset="0"/>
-              </a:rPr>
-              <a:t>Adatbázis</a:t>
-            </a:r>
-          </a:p>
-        </p:txBody>
-      </p:sp>
-      <p:sp>
-        <p:nvSpPr>
-          <p:cNvPr id="3" name="Tartalom helye 2">
-            <a:extLst>
-              <a:ext uri="{FF2B5EF4-FFF2-40B4-BE49-F238E27FC236}">
-                <a16:creationId xmlns:a16="http://schemas.microsoft.com/office/drawing/2014/main" id="{6FD8650E-9836-32E8-B8CC-00971A7EF0B2}"/>
-              </a:ext>
-            </a:extLst>
-          </p:cNvPr>
-          <p:cNvSpPr>
-            <a:spLocks noGrp="1"/>
-          </p:cNvSpPr>
-          <p:nvPr>
-            <p:ph idx="1"/>
-          </p:nvPr>
-        </p:nvSpPr>
-        <p:spPr>
-          <a:xfrm>
-            <a:off x="838200" y="2434201"/>
-            <a:ext cx="3822189" cy="3742762"/>
-          </a:xfrm>
-        </p:spPr>
-        <p:txBody>
-          <a:bodyPr>
-            <a:normAutofit/>
-          </a:bodyPr>
-          <a:lstStyle/>
-          <a:p>
-            <a:r>
-              <a:rPr lang="hu-HU" sz="2000" dirty="0">
-                <a:latin typeface="Arial" panose="020B0604020202020204" pitchFamily="34" charset="0"/>
-                <a:cs typeface="Arial" panose="020B0604020202020204" pitchFamily="34" charset="0"/>
-              </a:rPr>
-              <a:t>MongoDB</a:t>
-            </a:r>
-          </a:p>
-          <a:p>
-            <a:r>
-              <a:rPr lang="hu-HU" sz="2000" dirty="0">
-                <a:latin typeface="Arial" panose="020B0604020202020204" pitchFamily="34" charset="0"/>
-                <a:cs typeface="Arial" panose="020B0604020202020204" pitchFamily="34" charset="0"/>
-              </a:rPr>
-              <a:t>Dokumentum alapú</a:t>
-            </a:r>
-          </a:p>
-          <a:p>
-            <a:r>
-              <a:rPr lang="hu-HU" sz="2000" dirty="0">
-                <a:latin typeface="Arial" panose="020B0604020202020204" pitchFamily="34" charset="0"/>
-                <a:cs typeface="Arial" panose="020B0604020202020204" pitchFamily="34" charset="0"/>
-              </a:rPr>
-              <a:t>6 Tábla </a:t>
-            </a:r>
-          </a:p>
-          <a:p>
-            <a:endParaRPr lang="hu-HU" sz="2000" dirty="0"/>
-          </a:p>
-        </p:txBody>
-      </p:sp>
-    </p:spTree>
-    <p:extLst>
-      <p:ext uri="{BB962C8B-B14F-4D97-AF65-F5344CB8AC3E}">
-        <p14:creationId xmlns:p14="http://schemas.microsoft.com/office/powerpoint/2010/main" val="1175636529"/>
-      </p:ext>
-    </p:extLst>
-  </p:cSld>
-  <p:clrMapOvr>
-    <a:masterClrMapping/>
-  </p:clrMapOvr>
-</p:sld>
-</file>
-
-<file path=ppt/slides/slide5.xml><?xml version="1.0" encoding="utf-8"?>
-<p:sld xmlns:a="http://schemas.openxmlformats.org/drawingml/2006/main" xmlns:r="http://schemas.openxmlformats.org/officeDocument/2006/relationships" xmlns:p="http://schemas.openxmlformats.org/presentationml/2006/main">
-  <p:cSld>
-    <p:bg>
-      <p:bgPr>
-        <a:solidFill>
-          <a:schemeClr val="bg1"/>
-        </a:solidFill>
-        <a:effectLst/>
-      </p:bgPr>
-    </p:bg>
-    <p:spTree>
-      <p:nvGrpSpPr>
-        <p:cNvPr id="1" name=""/>
-        <p:cNvGrpSpPr/>
-        <p:nvPr/>
-      </p:nvGrpSpPr>
-      <p:grpSpPr>
-        <a:xfrm>
-          <a:off x="0" y="0"/>
-          <a:ext cx="0" cy="0"/>
-          <a:chOff x="0" y="0"/>
-          <a:chExt cx="0" cy="0"/>
-        </a:xfrm>
-      </p:grpSpPr>
-      <p:sp>
-        <p:nvSpPr>
-          <p:cNvPr id="2055" name="Rectangle 2054">
-            <a:extLst>
-              <a:ext uri="{FF2B5EF4-FFF2-40B4-BE49-F238E27FC236}">
-                <a16:creationId xmlns:a16="http://schemas.microsoft.com/office/drawing/2014/main" id="{42A4FC2C-047E-45A5-965D-8E1E3BF09BC6}"/>
-              </a:ext>
-              <a:ext uri="{C183D7F6-B498-43B3-948B-1728B52AA6E4}">
-                <adec:decorative xmlns:adec="http://schemas.microsoft.com/office/drawing/2017/decorative" val="1"/>
-              </a:ext>
-            </a:extLst>
-          </p:cNvPr>
-          <p:cNvSpPr>
-            <a:spLocks noGrp="1" noRot="1" noChangeAspect="1" noMove="1" noResize="1" noEditPoints="1" noAdjustHandles="1" noChangeArrowheads="1" noChangeShapeType="1" noTextEdit="1"/>
-          </p:cNvSpPr>
-          <p:nvPr>
-            <p:extLst>
-              <p:ext uri="{386F3935-93C4-4BCD-93E2-E3B085C9AB24}">
-                <p16:designElem xmlns:p16="http://schemas.microsoft.com/office/powerpoint/2015/main" val="1"/>
-              </p:ext>
-            </p:extLst>
-          </p:nvPr>
-        </p:nvSpPr>
-        <p:spPr bwMode="white">
-          <a:xfrm>
-            <a:off x="1524" y="0"/>
-            <a:ext cx="12188952" cy="6858000"/>
-          </a:xfrm>
-          <a:prstGeom prst="rect">
-            <a:avLst/>
-          </a:prstGeom>
-          <a:noFill/>
-          <a:ln>
-            <a:noFill/>
-          </a:ln>
-        </p:spPr>
-        <p:style>
-          <a:lnRef idx="2">
-            <a:schemeClr val="accent1">
-              <a:shade val="50000"/>
-            </a:schemeClr>
-          </a:lnRef>
-          <a:fillRef idx="1">
-            <a:schemeClr val="accent1"/>
-          </a:fillRef>
-          <a:effectRef idx="0">
-            <a:schemeClr val="accent1"/>
-          </a:effectRef>
-          <a:fontRef idx="minor">
-            <a:schemeClr val="lt1"/>
-          </a:fontRef>
-        </p:style>
-        <p:txBody>
-          <a:bodyPr rtlCol="0" anchor="ctr"/>
-          <a:lstStyle>
-            <a:defPPr>
-              <a:defRPr lang="en-US"/>
-            </a:defPPr>
-            <a:lvl1pPr marL="0" algn="l" defTabSz="914400" rtl="0" eaLnBrk="1" latinLnBrk="0" hangingPunct="1">
-              <a:defRPr sz="1800" kern="1200">
-                <a:solidFill>
-                  <a:schemeClr val="lt1"/>
-                </a:solidFill>
-                <a:latin typeface="+mn-lt"/>
-                <a:ea typeface="+mn-ea"/>
-                <a:cs typeface="+mn-cs"/>
-              </a:defRPr>
-            </a:lvl1pPr>
-            <a:lvl2pPr marL="457200" algn="l" defTabSz="914400" rtl="0" eaLnBrk="1" latinLnBrk="0" hangingPunct="1">
-              <a:defRPr sz="1800" kern="1200">
-                <a:solidFill>
-                  <a:schemeClr val="lt1"/>
-                </a:solidFill>
-                <a:latin typeface="+mn-lt"/>
-                <a:ea typeface="+mn-ea"/>
-                <a:cs typeface="+mn-cs"/>
-              </a:defRPr>
-            </a:lvl2pPr>
-            <a:lvl3pPr marL="914400" algn="l" defTabSz="914400" rtl="0" eaLnBrk="1" latinLnBrk="0" hangingPunct="1">
-              <a:defRPr sz="1800" kern="1200">
-                <a:solidFill>
-                  <a:schemeClr val="lt1"/>
-                </a:solidFill>
-                <a:latin typeface="+mn-lt"/>
-                <a:ea typeface="+mn-ea"/>
-                <a:cs typeface="+mn-cs"/>
-              </a:defRPr>
-            </a:lvl3pPr>
-            <a:lvl4pPr marL="1371600" algn="l" defTabSz="914400" rtl="0" eaLnBrk="1" latinLnBrk="0" hangingPunct="1">
-              <a:defRPr sz="1800" kern="1200">
-                <a:solidFill>
-                  <a:schemeClr val="lt1"/>
-                </a:solidFill>
-                <a:latin typeface="+mn-lt"/>
-                <a:ea typeface="+mn-ea"/>
-                <a:cs typeface="+mn-cs"/>
-              </a:defRPr>
-            </a:lvl4pPr>
-            <a:lvl5pPr marL="1828800" algn="l" defTabSz="914400" rtl="0" eaLnBrk="1" latinLnBrk="0" hangingPunct="1">
-              <a:defRPr sz="1800" kern="1200">
-                <a:solidFill>
-                  <a:schemeClr val="lt1"/>
-                </a:solidFill>
-                <a:latin typeface="+mn-lt"/>
-                <a:ea typeface="+mn-ea"/>
-                <a:cs typeface="+mn-cs"/>
-              </a:defRPr>
-            </a:lvl5pPr>
-            <a:lvl6pPr marL="2286000" algn="l" defTabSz="914400" rtl="0" eaLnBrk="1" latinLnBrk="0" hangingPunct="1">
-              <a:defRPr sz="1800" kern="1200">
-                <a:solidFill>
-                  <a:schemeClr val="lt1"/>
-                </a:solidFill>
-                <a:latin typeface="+mn-lt"/>
-                <a:ea typeface="+mn-ea"/>
-                <a:cs typeface="+mn-cs"/>
-              </a:defRPr>
-            </a:lvl6pPr>
-            <a:lvl7pPr marL="2743200" algn="l" defTabSz="914400" rtl="0" eaLnBrk="1" latinLnBrk="0" hangingPunct="1">
-              <a:defRPr sz="1800" kern="1200">
-                <a:solidFill>
-                  <a:schemeClr val="lt1"/>
-                </a:solidFill>
-                <a:latin typeface="+mn-lt"/>
-                <a:ea typeface="+mn-ea"/>
-                <a:cs typeface="+mn-cs"/>
-              </a:defRPr>
-            </a:lvl7pPr>
-            <a:lvl8pPr marL="3200400" algn="l" defTabSz="914400" rtl="0" eaLnBrk="1" latinLnBrk="0" hangingPunct="1">
-              <a:defRPr sz="1800" kern="1200">
-                <a:solidFill>
-                  <a:schemeClr val="lt1"/>
-                </a:solidFill>
-                <a:latin typeface="+mn-lt"/>
-                <a:ea typeface="+mn-ea"/>
-                <a:cs typeface="+mn-cs"/>
-              </a:defRPr>
-            </a:lvl8pPr>
-            <a:lvl9pPr marL="3657600" algn="l" defTabSz="914400" rtl="0" eaLnBrk="1" latinLnBrk="0" hangingPunct="1">
-              <a:defRPr sz="1800" kern="1200">
-                <a:solidFill>
-                  <a:schemeClr val="lt1"/>
-                </a:solidFill>
-                <a:latin typeface="+mn-lt"/>
-                <a:ea typeface="+mn-ea"/>
-                <a:cs typeface="+mn-cs"/>
-              </a:defRPr>
-            </a:lvl9pPr>
-          </a:lstStyle>
-          <a:p>
-            <a:pPr algn="ctr"/>
-            <a:endParaRPr lang="en-US"/>
-          </a:p>
-        </p:txBody>
-      </p:sp>
-      <p:sp>
-        <p:nvSpPr>
-          <p:cNvPr id="4" name="Tartalom helye 3">
-            <a:extLst>
-              <a:ext uri="{FF2B5EF4-FFF2-40B4-BE49-F238E27FC236}">
-                <a16:creationId xmlns:a16="http://schemas.microsoft.com/office/drawing/2014/main" id="{9E62BB32-471F-96AB-FA0F-9D3BC5DA28D7}"/>
-              </a:ext>
-            </a:extLst>
-          </p:cNvPr>
-          <p:cNvSpPr>
-            <a:spLocks noGrp="1"/>
-          </p:cNvSpPr>
-          <p:nvPr>
-            <p:ph idx="1"/>
-          </p:nvPr>
-        </p:nvSpPr>
-        <p:spPr/>
-        <p:txBody>
-          <a:bodyPr/>
-          <a:lstStyle/>
-          <a:p>
-            <a:endParaRPr lang="hu-HU"/>
-          </a:p>
-        </p:txBody>
-      </p:sp>
-      <p:pic>
-        <p:nvPicPr>
-          <p:cNvPr id="5" name="Picture 2">
-            <a:extLst>
-              <a:ext uri="{FF2B5EF4-FFF2-40B4-BE49-F238E27FC236}">
-                <a16:creationId xmlns:a16="http://schemas.microsoft.com/office/drawing/2014/main" id="{892F5997-2446-9590-F1A8-B16A477569F6}"/>
-              </a:ext>
-            </a:extLst>
-          </p:cNvPr>
-          <p:cNvPicPr>
-            <a:picLocks noChangeAspect="1" noChangeArrowheads="1"/>
-          </p:cNvPicPr>
-          <p:nvPr/>
-        </p:nvPicPr>
-        <p:blipFill>
-          <a:blip r:embed="rId2">
-            <a:extLst>
-              <a:ext uri="{28A0092B-C50C-407E-A947-70E740481C1C}">
-                <a14:useLocalDpi xmlns:a14="http://schemas.microsoft.com/office/drawing/2010/main" val="0"/>
-              </a:ext>
-            </a:extLst>
-          </a:blip>
-          <a:srcRect/>
-          <a:stretch>
-            <a:fillRect/>
-          </a:stretch>
-        </p:blipFill>
-        <p:spPr bwMode="auto">
-          <a:xfrm>
-            <a:off x="634180" y="324465"/>
-            <a:ext cx="11105535" cy="6386052"/>
-          </a:xfrm>
-          <a:prstGeom prst="rect">
-            <a:avLst/>
-          </a:prstGeom>
-          <a:noFill/>
-          <a:extLst>
-            <a:ext uri="{909E8E84-426E-40DD-AFC4-6F175D3DCCD1}">
-              <a14:hiddenFill xmlns:a14="http://schemas.microsoft.com/office/drawing/2010/main">
-                <a:solidFill>
-                  <a:srgbClr val="FFFFFF"/>
-                </a:solidFill>
-              </a14:hiddenFill>
-            </a:ext>
-          </a:extLst>
-        </p:spPr>
-      </p:pic>
-    </p:spTree>
-    <p:extLst>
-      <p:ext uri="{BB962C8B-B14F-4D97-AF65-F5344CB8AC3E}">
-        <p14:creationId xmlns:p14="http://schemas.microsoft.com/office/powerpoint/2010/main" val="3492682951"/>
-      </p:ext>
-    </p:extLst>
-  </p:cSld>
-  <p:clrMapOvr>
-    <a:masterClrMapping/>
-  </p:clrMapOvr>
-</p:sld>
-</file>
-
-<file path=ppt/slides/slide6.xml><?xml version="1.0" encoding="utf-8"?>
-<p:sld xmlns:a="http://schemas.openxmlformats.org/drawingml/2006/main" xmlns:r="http://schemas.openxmlformats.org/officeDocument/2006/relationships" xmlns:p="http://schemas.openxmlformats.org/presentationml/2006/main">
-  <p:cSld>
-    <p:spTree>
-      <p:nvGrpSpPr>
-        <p:cNvPr id="1" name=""/>
-        <p:cNvGrpSpPr/>
-        <p:nvPr/>
-      </p:nvGrpSpPr>
-      <p:grpSpPr>
-        <a:xfrm>
-          <a:off x="0" y="0"/>
-          <a:ext cx="0" cy="0"/>
-          <a:chOff x="0" y="0"/>
-          <a:chExt cx="0" cy="0"/>
-        </a:xfrm>
-      </p:grpSpPr>
-      <p:sp>
-        <p:nvSpPr>
-          <p:cNvPr id="2" name="Cím 1">
-            <a:extLst>
-              <a:ext uri="{FF2B5EF4-FFF2-40B4-BE49-F238E27FC236}">
-                <a16:creationId xmlns:a16="http://schemas.microsoft.com/office/drawing/2014/main" id="{C9300B7C-ABE5-7CF0-A90F-DE97177CFA5B}"/>
-              </a:ext>
-            </a:extLst>
-          </p:cNvPr>
-          <p:cNvSpPr>
-            <a:spLocks noGrp="1"/>
-          </p:cNvSpPr>
-          <p:nvPr>
-            <p:ph type="title"/>
-          </p:nvPr>
-        </p:nvSpPr>
-        <p:spPr/>
-        <p:txBody>
-          <a:bodyPr/>
-          <a:lstStyle/>
-          <a:p>
-            <a:endParaRPr lang="hu-HU"/>
-          </a:p>
-        </p:txBody>
-      </p:sp>
-      <p:sp>
-        <p:nvSpPr>
-          <p:cNvPr id="3" name="Tartalom helye 2">
-            <a:extLst>
-              <a:ext uri="{FF2B5EF4-FFF2-40B4-BE49-F238E27FC236}">
-                <a16:creationId xmlns:a16="http://schemas.microsoft.com/office/drawing/2014/main" id="{3A51A830-570E-29E1-A897-F0F88A6778AE}"/>
-              </a:ext>
-            </a:extLst>
-          </p:cNvPr>
-          <p:cNvSpPr>
-            <a:spLocks noGrp="1"/>
-          </p:cNvSpPr>
-          <p:nvPr>
-            <p:ph idx="1"/>
-          </p:nvPr>
-        </p:nvSpPr>
-        <p:spPr/>
-        <p:txBody>
-          <a:bodyPr/>
-          <a:lstStyle/>
-          <a:p>
-            <a:endParaRPr lang="hu-HU"/>
-          </a:p>
-        </p:txBody>
-      </p:sp>
-    </p:spTree>
-    <p:extLst>
-      <p:ext uri="{BB962C8B-B14F-4D97-AF65-F5344CB8AC3E}">
-        <p14:creationId xmlns:p14="http://schemas.microsoft.com/office/powerpoint/2010/main" val="3390147204"/>
-      </p:ext>
-    </p:extLst>
-  </p:cSld>
-  <p:clrMapOvr>
-    <a:masterClrMapping/>
-  </p:clrMapOvr>
-</p:sld>
-</file>
-
-<file path=ppt/slides/slide7.xml><?xml version="1.0" encoding="utf-8"?>
-<p:sld xmlns:a="http://schemas.openxmlformats.org/drawingml/2006/main" xmlns:r="http://schemas.openxmlformats.org/officeDocument/2006/relationships" xmlns:p="http://schemas.openxmlformats.org/presentationml/2006/main">
-  <p:cSld>
-    <p:spTree>
-      <p:nvGrpSpPr>
-        <p:cNvPr id="1" name=""/>
-        <p:cNvGrpSpPr/>
-        <p:nvPr/>
-      </p:nvGrpSpPr>
-      <p:grpSpPr>
-        <a:xfrm>
-          <a:off x="0" y="0"/>
-          <a:ext cx="0" cy="0"/>
-          <a:chOff x="0" y="0"/>
-          <a:chExt cx="0" cy="0"/>
-        </a:xfrm>
-      </p:grpSpPr>
-      <p:sp>
-        <p:nvSpPr>
-          <p:cNvPr id="2" name="Cím 1">
-            <a:extLst>
-              <a:ext uri="{FF2B5EF4-FFF2-40B4-BE49-F238E27FC236}">
-                <a16:creationId xmlns:a16="http://schemas.microsoft.com/office/drawing/2014/main" id="{A30CBDBA-E5FA-F27B-5843-2A1811424866}"/>
-              </a:ext>
-            </a:extLst>
-          </p:cNvPr>
-          <p:cNvSpPr>
-            <a:spLocks noGrp="1"/>
-          </p:cNvSpPr>
-          <p:nvPr>
-            <p:ph type="title"/>
-          </p:nvPr>
-        </p:nvSpPr>
-        <p:spPr/>
-        <p:txBody>
-          <a:bodyPr/>
-          <a:lstStyle/>
-          <a:p>
-            <a:endParaRPr lang="hu-HU"/>
-          </a:p>
-        </p:txBody>
-      </p:sp>
-      <p:sp>
-        <p:nvSpPr>
-          <p:cNvPr id="3" name="Tartalom helye 2">
-            <a:extLst>
-              <a:ext uri="{FF2B5EF4-FFF2-40B4-BE49-F238E27FC236}">
-                <a16:creationId xmlns:a16="http://schemas.microsoft.com/office/drawing/2014/main" id="{EB8168B1-73BE-94F9-C005-28778B7194C6}"/>
-              </a:ext>
-            </a:extLst>
-          </p:cNvPr>
-          <p:cNvSpPr>
-            <a:spLocks noGrp="1"/>
-          </p:cNvSpPr>
-          <p:nvPr>
-            <p:ph idx="1"/>
-          </p:nvPr>
-        </p:nvSpPr>
-        <p:spPr/>
-        <p:txBody>
-          <a:bodyPr/>
-          <a:lstStyle/>
-          <a:p>
-            <a:endParaRPr lang="hu-HU"/>
-          </a:p>
-        </p:txBody>
-      </p:sp>
-    </p:spTree>
-    <p:extLst>
-      <p:ext uri="{BB962C8B-B14F-4D97-AF65-F5344CB8AC3E}">
-        <p14:creationId xmlns:p14="http://schemas.microsoft.com/office/powerpoint/2010/main" val="2895332821"/>
-      </p:ext>
-    </p:extLst>
-  </p:cSld>
-  <p:clrMapOvr>
-    <a:masterClrMapping/>
-  </p:clrMapOvr>
-</p:sld>
-</file>
-
-<file path=ppt/slides/slide8.xml><?xml version="1.0" encoding="utf-8"?>
-<p:sld xmlns:a="http://schemas.openxmlformats.org/drawingml/2006/main" xmlns:r="http://schemas.openxmlformats.org/officeDocument/2006/relationships" xmlns:p="http://schemas.openxmlformats.org/presentationml/2006/main">
-  <p:cSld>
-    <p:spTree>
-      <p:nvGrpSpPr>
-        <p:cNvPr id="1" name=""/>
-        <p:cNvGrpSpPr/>
-        <p:nvPr/>
-      </p:nvGrpSpPr>
-      <p:grpSpPr>
-        <a:xfrm>
-          <a:off x="0" y="0"/>
-          <a:ext cx="0" cy="0"/>
-          <a:chOff x="0" y="0"/>
-          <a:chExt cx="0" cy="0"/>
-        </a:xfrm>
-      </p:grpSpPr>
-      <p:sp>
-        <p:nvSpPr>
-          <p:cNvPr id="2" name="Cím 1">
-            <a:extLst>
-              <a:ext uri="{FF2B5EF4-FFF2-40B4-BE49-F238E27FC236}">
-                <a16:creationId xmlns:a16="http://schemas.microsoft.com/office/drawing/2014/main" id="{F7D06A86-A7E2-1E9D-377D-5312519AD1C4}"/>
-              </a:ext>
-            </a:extLst>
-          </p:cNvPr>
-          <p:cNvSpPr>
-            <a:spLocks noGrp="1"/>
-          </p:cNvSpPr>
-          <p:nvPr>
-            <p:ph type="title"/>
-          </p:nvPr>
-        </p:nvSpPr>
-        <p:spPr/>
-        <p:txBody>
-          <a:bodyPr/>
-          <a:lstStyle/>
-          <a:p>
-            <a:endParaRPr lang="hu-HU"/>
-          </a:p>
-        </p:txBody>
-      </p:sp>
-      <p:sp>
-        <p:nvSpPr>
-          <p:cNvPr id="3" name="Tartalom helye 2">
-            <a:extLst>
-              <a:ext uri="{FF2B5EF4-FFF2-40B4-BE49-F238E27FC236}">
-                <a16:creationId xmlns:a16="http://schemas.microsoft.com/office/drawing/2014/main" id="{3A2C8B33-6F2B-3EFB-53FE-174BFBFD9106}"/>
-              </a:ext>
-            </a:extLst>
-          </p:cNvPr>
-          <p:cNvSpPr>
-            <a:spLocks noGrp="1"/>
-          </p:cNvSpPr>
-          <p:nvPr>
-            <p:ph idx="1"/>
-          </p:nvPr>
-        </p:nvSpPr>
-        <p:spPr/>
-        <p:txBody>
-          <a:bodyPr/>
-          <a:lstStyle/>
-          <a:p>
-            <a:endParaRPr lang="hu-HU"/>
-          </a:p>
-        </p:txBody>
-      </p:sp>
-    </p:spTree>
-    <p:extLst>
-      <p:ext uri="{BB962C8B-B14F-4D97-AF65-F5344CB8AC3E}">
-        <p14:creationId xmlns:p14="http://schemas.microsoft.com/office/powerpoint/2010/main" val="3623431685"/>
-      </p:ext>
-    </p:extLst>
-  </p:cSld>
-  <p:clrMapOvr>
-    <a:masterClrMapping/>
-  </p:clrMapOvr>
-</p:sld>
-</file>
-
-<file path=ppt/slides/slide9.xml><?xml version="1.0" encoding="utf-8"?>
-<p:sld xmlns:a="http://schemas.openxmlformats.org/drawingml/2006/main" xmlns:r="http://schemas.openxmlformats.org/officeDocument/2006/relationships" xmlns:p="http://schemas.openxmlformats.org/presentationml/2006/main">
-  <p:cSld>
-    <p:spTree>
-      <p:nvGrpSpPr>
-        <p:cNvPr id="1" name=""/>
-        <p:cNvGrpSpPr/>
-        <p:nvPr/>
-      </p:nvGrpSpPr>
-      <p:grpSpPr>
-        <a:xfrm>
-          <a:off x="0" y="0"/>
-          <a:ext cx="0" cy="0"/>
-          <a:chOff x="0" y="0"/>
-          <a:chExt cx="0" cy="0"/>
-        </a:xfrm>
-      </p:grpSpPr>
-      <p:sp>
-        <p:nvSpPr>
-          <p:cNvPr id="2" name="Cím 1">
-            <a:extLst>
-              <a:ext uri="{FF2B5EF4-FFF2-40B4-BE49-F238E27FC236}">
-                <a16:creationId xmlns:a16="http://schemas.microsoft.com/office/drawing/2014/main" id="{E6E2629D-630C-9806-D973-49108316F59F}"/>
-              </a:ext>
-            </a:extLst>
-          </p:cNvPr>
-          <p:cNvSpPr>
-            <a:spLocks noGrp="1"/>
-          </p:cNvSpPr>
-          <p:nvPr>
-            <p:ph type="title"/>
-          </p:nvPr>
-        </p:nvSpPr>
-        <p:spPr/>
-        <p:txBody>
-          <a:bodyPr/>
-          <a:lstStyle/>
-          <a:p>
-            <a:endParaRPr lang="hu-HU"/>
-          </a:p>
-        </p:txBody>
-      </p:sp>
-      <p:sp>
-        <p:nvSpPr>
-          <p:cNvPr id="3" name="Tartalom helye 2">
-            <a:extLst>
-              <a:ext uri="{FF2B5EF4-FFF2-40B4-BE49-F238E27FC236}">
-                <a16:creationId xmlns:a16="http://schemas.microsoft.com/office/drawing/2014/main" id="{AAF57E81-A4B8-2B05-CD65-3F7F7CAD9AD5}"/>
-              </a:ext>
-            </a:extLst>
-          </p:cNvPr>
-          <p:cNvSpPr>
-            <a:spLocks noGrp="1"/>
-          </p:cNvSpPr>
-          <p:nvPr>
-            <p:ph idx="1"/>
-          </p:nvPr>
-        </p:nvSpPr>
-        <p:spPr/>
-        <p:txBody>
-          <a:bodyPr/>
-          <a:lstStyle/>
-          <a:p>
-            <a:endParaRPr lang="hu-HU"/>
-          </a:p>
-        </p:txBody>
-      </p:sp>
-    </p:spTree>
-    <p:extLst>
-      <p:ext uri="{BB962C8B-B14F-4D97-AF65-F5344CB8AC3E}">
-        <p14:creationId xmlns:p14="http://schemas.microsoft.com/office/powerpoint/2010/main" val="3047624980"/>
-      </p:ext>
-    </p:extLst>
-  </p:cSld>
-  <p:clrMapOvr>
-    <a:masterClrMapping/>
-  </p:clrMapOvr>
 </p:sld>
 </file>
 
@@ -9186,4 +9787,319 @@
     </a:ext>
   </a:extLst>
 </a:theme>
+</file>
+
+<file path=ppt/theme/theme2.xml><?xml version="1.0" encoding="utf-8"?>
+<a:theme xmlns:a="http://schemas.openxmlformats.org/drawingml/2006/main" name="Office-téma">
+  <a:themeElements>
+    <a:clrScheme name="Office">
+      <a:dk1>
+        <a:sysClr val="windowText" lastClr="000000"/>
+      </a:dk1>
+      <a:lt1>
+        <a:sysClr val="window" lastClr="FFFFFF"/>
+      </a:lt1>
+      <a:dk2>
+        <a:srgbClr val="0E2841"/>
+      </a:dk2>
+      <a:lt2>
+        <a:srgbClr val="E8E8E8"/>
+      </a:lt2>
+      <a:accent1>
+        <a:srgbClr val="156082"/>
+      </a:accent1>
+      <a:accent2>
+        <a:srgbClr val="E97132"/>
+      </a:accent2>
+      <a:accent3>
+        <a:srgbClr val="196B24"/>
+      </a:accent3>
+      <a:accent4>
+        <a:srgbClr val="0F9ED5"/>
+      </a:accent4>
+      <a:accent5>
+        <a:srgbClr val="A02B93"/>
+      </a:accent5>
+      <a:accent6>
+        <a:srgbClr val="4EA72E"/>
+      </a:accent6>
+      <a:hlink>
+        <a:srgbClr val="467886"/>
+      </a:hlink>
+      <a:folHlink>
+        <a:srgbClr val="96607D"/>
+      </a:folHlink>
+    </a:clrScheme>
+    <a:fontScheme name="Office">
+      <a:majorFont>
+        <a:latin typeface="Aptos Display" panose="02110004020202020204"/>
+        <a:ea typeface=""/>
+        <a:cs typeface=""/>
+        <a:font script="Jpan" typeface="游ゴシック Light"/>
+        <a:font script="Hang" typeface="맑은 고딕"/>
+        <a:font script="Hans" typeface="等线 Light"/>
+        <a:font script="Hant" typeface="新細明體"/>
+        <a:font script="Arab" typeface="Times New Roman"/>
+        <a:font script="Hebr" typeface="Times New Roman"/>
+        <a:font script="Thai" typeface="Angsana New"/>
+        <a:font script="Ethi" typeface="Nyala"/>
+        <a:font script="Beng" typeface="Vrinda"/>
+        <a:font script="Gujr" typeface="Shruti"/>
+        <a:font script="Khmr" typeface="MoolBoran"/>
+        <a:font script="Knda" typeface="Tunga"/>
+        <a:font script="Guru" typeface="Raavi"/>
+        <a:font script="Cans" typeface="Euphemia"/>
+        <a:font script="Cher" typeface="Plantagenet Cherokee"/>
+        <a:font script="Yiii" typeface="Microsoft Yi Baiti"/>
+        <a:font script="Tibt" typeface="Microsoft Himalaya"/>
+        <a:font script="Thaa" typeface="MV Boli"/>
+        <a:font script="Deva" typeface="Mangal"/>
+        <a:font script="Telu" typeface="Gautami"/>
+        <a:font script="Taml" typeface="Latha"/>
+        <a:font script="Syrc" typeface="Estrangelo Edessa"/>
+        <a:font script="Orya" typeface="Kalinga"/>
+        <a:font script="Mlym" typeface="Kartika"/>
+        <a:font script="Laoo" typeface="DokChampa"/>
+        <a:font script="Sinh" typeface="Iskoola Pota"/>
+        <a:font script="Mong" typeface="Mongolian Baiti"/>
+        <a:font script="Viet" typeface="Times New Roman"/>
+        <a:font script="Uigh" typeface="Microsoft Uighur"/>
+        <a:font script="Geor" typeface="Sylfaen"/>
+        <a:font script="Armn" typeface="Arial"/>
+        <a:font script="Bugi" typeface="Leelawadee UI"/>
+        <a:font script="Bopo" typeface="Microsoft JhengHei"/>
+        <a:font script="Java" typeface="Javanese Text"/>
+        <a:font script="Lisu" typeface="Segoe UI"/>
+        <a:font script="Mymr" typeface="Myanmar Text"/>
+        <a:font script="Nkoo" typeface="Ebrima"/>
+        <a:font script="Olck" typeface="Nirmala UI"/>
+        <a:font script="Osma" typeface="Ebrima"/>
+        <a:font script="Phag" typeface="Phagspa"/>
+        <a:font script="Syrn" typeface="Estrangelo Edessa"/>
+        <a:font script="Syrj" typeface="Estrangelo Edessa"/>
+        <a:font script="Syre" typeface="Estrangelo Edessa"/>
+        <a:font script="Sora" typeface="Nirmala UI"/>
+        <a:font script="Tale" typeface="Microsoft Tai Le"/>
+        <a:font script="Talu" typeface="Microsoft New Tai Lue"/>
+        <a:font script="Tfng" typeface="Ebrima"/>
+      </a:majorFont>
+      <a:minorFont>
+        <a:latin typeface="Aptos" panose="02110004020202020204"/>
+        <a:ea typeface=""/>
+        <a:cs typeface=""/>
+        <a:font script="Jpan" typeface="游ゴシック"/>
+        <a:font script="Hang" typeface="맑은 고딕"/>
+        <a:font script="Hans" typeface="等线"/>
+        <a:font script="Hant" typeface="新細明體"/>
+        <a:font script="Arab" typeface="Arial"/>
+        <a:font script="Hebr" typeface="Arial"/>
+        <a:font script="Thai" typeface="Cordia New"/>
+        <a:font script="Ethi" typeface="Nyala"/>
+        <a:font script="Beng" typeface="Vrinda"/>
+        <a:font script="Gujr" typeface="Shruti"/>
+        <a:font script="Khmr" typeface="DaunPenh"/>
+        <a:font script="Knda" typeface="Tunga"/>
+        <a:font script="Guru" typeface="Raavi"/>
+        <a:font script="Cans" typeface="Euphemia"/>
+        <a:font script="Cher" typeface="Plantagenet Cherokee"/>
+        <a:font script="Yiii" typeface="Microsoft Yi Baiti"/>
+        <a:font script="Tibt" typeface="Microsoft Himalaya"/>
+        <a:font script="Thaa" typeface="MV Boli"/>
+        <a:font script="Deva" typeface="Mangal"/>
+        <a:font script="Telu" typeface="Gautami"/>
+        <a:font script="Taml" typeface="Latha"/>
+        <a:font script="Syrc" typeface="Estrangelo Edessa"/>
+        <a:font script="Orya" typeface="Kalinga"/>
+        <a:font script="Mlym" typeface="Kartika"/>
+        <a:font script="Laoo" typeface="DokChampa"/>
+        <a:font script="Sinh" typeface="Iskoola Pota"/>
+        <a:font script="Mong" typeface="Mongolian Baiti"/>
+        <a:font script="Viet" typeface="Arial"/>
+        <a:font script="Uigh" typeface="Microsoft Uighur"/>
+        <a:font script="Geor" typeface="Sylfaen"/>
+        <a:font script="Armn" typeface="Arial"/>
+        <a:font script="Bugi" typeface="Leelawadee UI"/>
+        <a:font script="Bopo" typeface="Microsoft JhengHei"/>
+        <a:font script="Java" typeface="Javanese Text"/>
+        <a:font script="Lisu" typeface="Segoe UI"/>
+        <a:font script="Mymr" typeface="Myanmar Text"/>
+        <a:font script="Nkoo" typeface="Ebrima"/>
+        <a:font script="Olck" typeface="Nirmala UI"/>
+        <a:font script="Osma" typeface="Ebrima"/>
+        <a:font script="Phag" typeface="Phagspa"/>
+        <a:font script="Syrn" typeface="Estrangelo Edessa"/>
+        <a:font script="Syrj" typeface="Estrangelo Edessa"/>
+        <a:font script="Syre" typeface="Estrangelo Edessa"/>
+        <a:font script="Sora" typeface="Nirmala UI"/>
+        <a:font script="Tale" typeface="Microsoft Tai Le"/>
+        <a:font script="Talu" typeface="Microsoft New Tai Lue"/>
+        <a:font script="Tfng" typeface="Ebrima"/>
+      </a:minorFont>
+    </a:fontScheme>
+    <a:fmtScheme name="Office">
+      <a:fillStyleLst>
+        <a:solidFill>
+          <a:schemeClr val="phClr"/>
+        </a:solidFill>
+        <a:gradFill rotWithShape="1">
+          <a:gsLst>
+            <a:gs pos="0">
+              <a:schemeClr val="phClr">
+                <a:lumMod val="110000"/>
+                <a:satMod val="105000"/>
+                <a:tint val="67000"/>
+              </a:schemeClr>
+            </a:gs>
+            <a:gs pos="50000">
+              <a:schemeClr val="phClr">
+                <a:lumMod val="105000"/>
+                <a:satMod val="103000"/>
+                <a:tint val="73000"/>
+              </a:schemeClr>
+            </a:gs>
+            <a:gs pos="100000">
+              <a:schemeClr val="phClr">
+                <a:lumMod val="105000"/>
+                <a:satMod val="109000"/>
+                <a:tint val="81000"/>
+              </a:schemeClr>
+            </a:gs>
+          </a:gsLst>
+          <a:lin ang="5400000" scaled="0"/>
+        </a:gradFill>
+        <a:gradFill rotWithShape="1">
+          <a:gsLst>
+            <a:gs pos="0">
+              <a:schemeClr val="phClr">
+                <a:satMod val="103000"/>
+                <a:lumMod val="102000"/>
+                <a:tint val="94000"/>
+              </a:schemeClr>
+            </a:gs>
+            <a:gs pos="50000">
+              <a:schemeClr val="phClr">
+                <a:satMod val="110000"/>
+                <a:lumMod val="100000"/>
+                <a:shade val="100000"/>
+              </a:schemeClr>
+            </a:gs>
+            <a:gs pos="100000">
+              <a:schemeClr val="phClr">
+                <a:lumMod val="99000"/>
+                <a:satMod val="120000"/>
+                <a:shade val="78000"/>
+              </a:schemeClr>
+            </a:gs>
+          </a:gsLst>
+          <a:lin ang="5400000" scaled="0"/>
+        </a:gradFill>
+      </a:fillStyleLst>
+      <a:lnStyleLst>
+        <a:ln w="12700" cap="flat" cmpd="sng" algn="ctr">
+          <a:solidFill>
+            <a:schemeClr val="phClr"/>
+          </a:solidFill>
+          <a:prstDash val="solid"/>
+          <a:miter lim="800000"/>
+        </a:ln>
+        <a:ln w="19050" cap="flat" cmpd="sng" algn="ctr">
+          <a:solidFill>
+            <a:schemeClr val="phClr"/>
+          </a:solidFill>
+          <a:prstDash val="solid"/>
+          <a:miter lim="800000"/>
+        </a:ln>
+        <a:ln w="25400" cap="flat" cmpd="sng" algn="ctr">
+          <a:solidFill>
+            <a:schemeClr val="phClr"/>
+          </a:solidFill>
+          <a:prstDash val="solid"/>
+          <a:miter lim="800000"/>
+        </a:ln>
+      </a:lnStyleLst>
+      <a:effectStyleLst>
+        <a:effectStyle>
+          <a:effectLst/>
+        </a:effectStyle>
+        <a:effectStyle>
+          <a:effectLst/>
+        </a:effectStyle>
+        <a:effectStyle>
+          <a:effectLst>
+            <a:outerShdw blurRad="57150" dist="19050" dir="5400000" algn="ctr" rotWithShape="0">
+              <a:srgbClr val="000000">
+                <a:alpha val="63000"/>
+              </a:srgbClr>
+            </a:outerShdw>
+          </a:effectLst>
+        </a:effectStyle>
+      </a:effectStyleLst>
+      <a:bgFillStyleLst>
+        <a:solidFill>
+          <a:schemeClr val="phClr"/>
+        </a:solidFill>
+        <a:solidFill>
+          <a:schemeClr val="phClr">
+            <a:tint val="95000"/>
+            <a:satMod val="170000"/>
+          </a:schemeClr>
+        </a:solidFill>
+        <a:gradFill rotWithShape="1">
+          <a:gsLst>
+            <a:gs pos="0">
+              <a:schemeClr val="phClr">
+                <a:tint val="93000"/>
+                <a:satMod val="150000"/>
+                <a:shade val="98000"/>
+                <a:lumMod val="102000"/>
+              </a:schemeClr>
+            </a:gs>
+            <a:gs pos="50000">
+              <a:schemeClr val="phClr">
+                <a:tint val="98000"/>
+                <a:satMod val="130000"/>
+                <a:shade val="90000"/>
+                <a:lumMod val="103000"/>
+              </a:schemeClr>
+            </a:gs>
+            <a:gs pos="100000">
+              <a:schemeClr val="phClr">
+                <a:shade val="63000"/>
+                <a:satMod val="120000"/>
+              </a:schemeClr>
+            </a:gs>
+          </a:gsLst>
+          <a:lin ang="5400000" scaled="0"/>
+        </a:gradFill>
+      </a:bgFillStyleLst>
+    </a:fmtScheme>
+  </a:themeElements>
+  <a:objectDefaults>
+    <a:lnDef>
+      <a:spPr/>
+      <a:bodyPr/>
+      <a:lstStyle/>
+      <a:style>
+        <a:lnRef idx="2">
+          <a:schemeClr val="accent1"/>
+        </a:lnRef>
+        <a:fillRef idx="0">
+          <a:schemeClr val="accent1"/>
+        </a:fillRef>
+        <a:effectRef idx="1">
+          <a:schemeClr val="accent1"/>
+        </a:effectRef>
+        <a:fontRef idx="minor">
+          <a:schemeClr val="tx1"/>
+        </a:fontRef>
+      </a:style>
+    </a:lnDef>
+  </a:objectDefaults>
+  <a:extraClrSchemeLst/>
+  <a:extLst>
+    <a:ext uri="{05A4C25C-085E-4340-85A3-A5531E510DB2}">
+      <thm15:themeFamily xmlns:thm15="http://schemas.microsoft.com/office/thememl/2012/main" name="Office Theme" id="{2E142A2C-CD16-42D6-873A-C26D2A0506FA}" vid="{1BDDFF52-6CD6-40A5-AB3C-68EB2F1E4D0A}"/>
+    </a:ext>
+  </a:extLst>
+</a:theme>
 </file>
--- a/Bemutato.pptx
+++ b/Bemutato.pptx
@@ -1046,7 +1046,7 @@
 <dgm:dataModel xmlns:dgm="http://schemas.openxmlformats.org/drawingml/2006/diagram" xmlns:a="http://schemas.openxmlformats.org/drawingml/2006/main">
   <dgm:ptLst>
     <dgm:pt modelId="{FDC28ED3-693D-4854-A654-FCC5EAA3058D}" type="doc">
-      <dgm:prSet loTypeId="urn:microsoft.com/office/officeart/2016/7/layout/RepeatingBendingProcessNew" loCatId="process" qsTypeId="urn:microsoft.com/office/officeart/2005/8/quickstyle/simple4" qsCatId="simple" csTypeId="urn:microsoft.com/office/officeart/2005/8/colors/colorful1" csCatId="colorful"/>
+      <dgm:prSet loTypeId="urn:microsoft.com/office/officeart/2016/7/layout/RepeatingBendingProcessNew" loCatId="process" qsTypeId="urn:microsoft.com/office/officeart/2005/8/quickstyle/simple4" qsCatId="simple" csTypeId="urn:microsoft.com/office/officeart/2005/8/colors/colorful1" csCatId="colorful" phldr="1"/>
       <dgm:spPr/>
       <dgm:t>
         <a:bodyPr/>
@@ -1064,10 +1064,10 @@
         <a:lstStyle/>
         <a:p>
           <a:r>
-            <a:rPr lang="hu-HU"/>
-            <a:t>Projektünk célja egy webshop létrehozása, melyen a felhasználók számítógép alkatrészeket, különböző hardware elemeket tudnak vásárolni.</a:t>
+            <a:rPr lang="hu-HU" dirty="0"/>
+            <a:t>Projektünk célja egy webshop létrehozása, melyen a felhasználók számítógép alkatrészeket, különböző hardver elemeket tudnak vásárolni.</a:t>
           </a:r>
-          <a:endParaRPr lang="en-US"/>
+          <a:endParaRPr lang="en-US" dirty="0"/>
         </a:p>
       </dgm:t>
     </dgm:pt>
@@ -1212,10 +1212,10 @@
         <a:lstStyle/>
         <a:p>
           <a:r>
-            <a:rPr lang="hu-HU"/>
-            <a:t>A funkció lehetőséget biztosít a felhasználók számára, hogy ezen a hardware elemeket akár kedvezőbb áron szerezzék be. </a:t>
+            <a:rPr lang="hu-HU" dirty="0"/>
+            <a:t>A funkció lehetőséget biztosít a felhasználók számára, hogy ezen a hardver elemeket akár kedvezőbb áron szerezzék be. </a:t>
           </a:r>
-          <a:endParaRPr lang="en-US"/>
+          <a:endParaRPr lang="en-US" dirty="0"/>
         </a:p>
       </dgm:t>
     </dgm:pt>
@@ -1605,10 +1605,10 @@
             <a:buNone/>
           </a:pPr>
           <a:r>
-            <a:rPr lang="hu-HU" sz="1800" kern="1200"/>
-            <a:t>Projektünk célja egy webshop létrehozása, melyen a felhasználók számítógép alkatrészeket, különböző hardware elemeket tudnak vásárolni.</a:t>
+            <a:rPr lang="hu-HU" sz="1800" kern="1200" dirty="0"/>
+            <a:t>Projektünk célja egy webshop létrehozása, melyen a felhasználók számítógép alkatrészeket, különböző hardver elemeket tudnak vásárolni.</a:t>
           </a:r>
-          <a:endParaRPr lang="en-US" sz="1800" kern="1200"/>
+          <a:endParaRPr lang="en-US" sz="1800" kern="1200" dirty="0"/>
         </a:p>
       </dsp:txBody>
       <dsp:txXfrm>
@@ -2335,10 +2335,10 @@
             <a:buNone/>
           </a:pPr>
           <a:r>
-            <a:rPr lang="hu-HU" sz="1800" kern="1200"/>
-            <a:t>A funkció lehetőséget biztosít a felhasználók számára, hogy ezen a hardware elemeket akár kedvezőbb áron szerezzék be. </a:t>
+            <a:rPr lang="hu-HU" sz="1800" kern="1200" dirty="0"/>
+            <a:t>A funkció lehetőséget biztosít a felhasználók számára, hogy ezen a hardver elemeket akár kedvezőbb áron szerezzék be. </a:t>
           </a:r>
-          <a:endParaRPr lang="en-US" sz="1800" kern="1200"/>
+          <a:endParaRPr lang="en-US" sz="1800" kern="1200" dirty="0"/>
         </a:p>
       </dsp:txBody>
       <dsp:txXfrm>
@@ -3758,7 +3758,7 @@
           <a:p>
             <a:fld id="{F3967C4F-389E-4158-BF12-0F45FCA2644D}" type="datetimeFigureOut">
               <a:rPr lang="hu-HU" smtClean="0"/>
-              <a:t>2024. 03. 16.</a:t>
+              <a:t>2024. 03. 17.</a:t>
             </a:fld>
             <a:endParaRPr lang="hu-HU"/>
           </a:p>
@@ -4256,7 +4256,7 @@
           <a:p>
             <a:fld id="{FA64CA88-A0F0-4D5B-BEA8-B57532FDFF33}" type="datetimeFigureOut">
               <a:rPr lang="hu-HU" smtClean="0"/>
-              <a:t>2024. 03. 16.</a:t>
+              <a:t>2024. 03. 17.</a:t>
             </a:fld>
             <a:endParaRPr lang="hu-HU"/>
           </a:p>
@@ -4454,7 +4454,7 @@
           <a:p>
             <a:fld id="{FA64CA88-A0F0-4D5B-BEA8-B57532FDFF33}" type="datetimeFigureOut">
               <a:rPr lang="hu-HU" smtClean="0"/>
-              <a:t>2024. 03. 16.</a:t>
+              <a:t>2024. 03. 17.</a:t>
             </a:fld>
             <a:endParaRPr lang="hu-HU"/>
           </a:p>
@@ -4662,7 +4662,7 @@
           <a:p>
             <a:fld id="{FA64CA88-A0F0-4D5B-BEA8-B57532FDFF33}" type="datetimeFigureOut">
               <a:rPr lang="hu-HU" smtClean="0"/>
-              <a:t>2024. 03. 16.</a:t>
+              <a:t>2024. 03. 17.</a:t>
             </a:fld>
             <a:endParaRPr lang="hu-HU"/>
           </a:p>
@@ -4860,7 +4860,7 @@
           <a:p>
             <a:fld id="{FA64CA88-A0F0-4D5B-BEA8-B57532FDFF33}" type="datetimeFigureOut">
               <a:rPr lang="hu-HU" smtClean="0"/>
-              <a:t>2024. 03. 16.</a:t>
+              <a:t>2024. 03. 17.</a:t>
             </a:fld>
             <a:endParaRPr lang="hu-HU"/>
           </a:p>
@@ -5135,7 +5135,7 @@
           <a:p>
             <a:fld id="{FA64CA88-A0F0-4D5B-BEA8-B57532FDFF33}" type="datetimeFigureOut">
               <a:rPr lang="hu-HU" smtClean="0"/>
-              <a:t>2024. 03. 16.</a:t>
+              <a:t>2024. 03. 17.</a:t>
             </a:fld>
             <a:endParaRPr lang="hu-HU"/>
           </a:p>
@@ -5400,7 +5400,7 @@
           <a:p>
             <a:fld id="{FA64CA88-A0F0-4D5B-BEA8-B57532FDFF33}" type="datetimeFigureOut">
               <a:rPr lang="hu-HU" smtClean="0"/>
-              <a:t>2024. 03. 16.</a:t>
+              <a:t>2024. 03. 17.</a:t>
             </a:fld>
             <a:endParaRPr lang="hu-HU"/>
           </a:p>
@@ -5812,7 +5812,7 @@
           <a:p>
             <a:fld id="{FA64CA88-A0F0-4D5B-BEA8-B57532FDFF33}" type="datetimeFigureOut">
               <a:rPr lang="hu-HU" smtClean="0"/>
-              <a:t>2024. 03. 16.</a:t>
+              <a:t>2024. 03. 17.</a:t>
             </a:fld>
             <a:endParaRPr lang="hu-HU"/>
           </a:p>
@@ -5953,7 +5953,7 @@
           <a:p>
             <a:fld id="{FA64CA88-A0F0-4D5B-BEA8-B57532FDFF33}" type="datetimeFigureOut">
               <a:rPr lang="hu-HU" smtClean="0"/>
-              <a:t>2024. 03. 16.</a:t>
+              <a:t>2024. 03. 17.</a:t>
             </a:fld>
             <a:endParaRPr lang="hu-HU"/>
           </a:p>
@@ -6066,7 +6066,7 @@
           <a:p>
             <a:fld id="{FA64CA88-A0F0-4D5B-BEA8-B57532FDFF33}" type="datetimeFigureOut">
               <a:rPr lang="hu-HU" smtClean="0"/>
-              <a:t>2024. 03. 16.</a:t>
+              <a:t>2024. 03. 17.</a:t>
             </a:fld>
             <a:endParaRPr lang="hu-HU"/>
           </a:p>
@@ -6377,7 +6377,7 @@
           <a:p>
             <a:fld id="{FA64CA88-A0F0-4D5B-BEA8-B57532FDFF33}" type="datetimeFigureOut">
               <a:rPr lang="hu-HU" smtClean="0"/>
-              <a:t>2024. 03. 16.</a:t>
+              <a:t>2024. 03. 17.</a:t>
             </a:fld>
             <a:endParaRPr lang="hu-HU"/>
           </a:p>
@@ -6665,7 +6665,7 @@
           <a:p>
             <a:fld id="{FA64CA88-A0F0-4D5B-BEA8-B57532FDFF33}" type="datetimeFigureOut">
               <a:rPr lang="hu-HU" smtClean="0"/>
-              <a:t>2024. 03. 16.</a:t>
+              <a:t>2024. 03. 17.</a:t>
             </a:fld>
             <a:endParaRPr lang="hu-HU"/>
           </a:p>
@@ -6906,7 +6906,7 @@
           <a:p>
             <a:fld id="{FA64CA88-A0F0-4D5B-BEA8-B57532FDFF33}" type="datetimeFigureOut">
               <a:rPr lang="hu-HU" smtClean="0"/>
-              <a:t>2024. 03. 16.</a:t>
+              <a:t>2024. 03. 17.</a:t>
             </a:fld>
             <a:endParaRPr lang="hu-HU"/>
           </a:p>
@@ -7621,6 +7621,18 @@
   <p:clrMapOvr>
     <a:masterClrMapping/>
   </p:clrMapOvr>
+  <mc:AlternateContent xmlns:mc="http://schemas.openxmlformats.org/markup-compatibility/2006">
+    <mc:Choice xmlns:p14="http://schemas.microsoft.com/office/powerpoint/2010/main" Requires="p14">
+      <p:transition spd="slow" p14:dur="3400">
+        <p14:reveal/>
+      </p:transition>
+    </mc:Choice>
+    <mc:Fallback>
+      <p:transition spd="slow">
+        <p:fade/>
+      </p:transition>
+    </mc:Fallback>
+  </mc:AlternateContent>
 </p:sld>
 </file>
 
@@ -7837,7 +7849,7 @@
             <p:ph idx="1"/>
             <p:extLst>
               <p:ext uri="{D42A27DB-BD31-4B8C-83A1-F6EECF244321}">
-                <p14:modId xmlns:p14="http://schemas.microsoft.com/office/powerpoint/2010/main" val="2388089171"/>
+                <p14:modId xmlns:p14="http://schemas.microsoft.com/office/powerpoint/2010/main" val="1340742855"/>
               </p:ext>
             </p:extLst>
           </p:nvPr>
@@ -7862,6 +7874,9 @@
   <p:clrMapOvr>
     <a:masterClrMapping/>
   </p:clrMapOvr>
+  <p:transition spd="med">
+    <p:pull/>
+  </p:transition>
 </p:sld>
 </file>
 
@@ -8516,7 +8531,7 @@
             <a:pPr marL="285750"/>
             <a:r>
               <a:rPr lang="hu-HU" sz="2200" dirty="0"/>
-              <a:t>Kevesebb szigorú követelménynek kell megfelelni mint egy relációs adatbázisnál</a:t>
+              <a:t>Kevesebb szigorú követelménynek kell megfelelni mint egy relációs adatbázisnál (Nem táblákra rendeződnek az adatok)</a:t>
             </a:r>
           </a:p>
           <a:p>
@@ -8558,6 +8573,9 @@
   <p:clrMapOvr>
     <a:masterClrMapping/>
   </p:clrMapOvr>
+  <p:transition spd="med">
+    <p:pull/>
+  </p:transition>
 </p:sld>
 </file>
 
@@ -8815,6 +8833,9 @@
   <p:clrMapOvr>
     <a:masterClrMapping/>
   </p:clrMapOvr>
+  <p:transition spd="med">
+    <p:pull/>
+  </p:transition>
 </p:sld>
 </file>
 
@@ -8857,8 +8878,8 @@
         </p:blipFill>
         <p:spPr>
           <a:xfrm>
-            <a:off x="1" y="0"/>
-            <a:ext cx="12192000" cy="6858000"/>
+            <a:off x="0" y="0"/>
+            <a:ext cx="12191999" cy="6858000"/>
           </a:xfrm>
           <a:prstGeom prst="rect">
             <a:avLst/>
@@ -8875,12 +8896,23 @@
   <p:clrMapOvr>
     <a:masterClrMapping/>
   </p:clrMapOvr>
+  <p:transition spd="med">
+    <p:pull/>
+  </p:transition>
 </p:sld>
 </file>
 
 <file path=ppt/slides/slide6.xml><?xml version="1.0" encoding="utf-8"?>
 <p:sld xmlns:a="http://schemas.openxmlformats.org/drawingml/2006/main" xmlns:r="http://schemas.openxmlformats.org/officeDocument/2006/relationships" xmlns:p="http://schemas.openxmlformats.org/presentationml/2006/main">
   <p:cSld>
+    <p:bg>
+      <p:bgPr>
+        <a:solidFill>
+          <a:schemeClr val="bg1"/>
+        </a:solidFill>
+        <a:effectLst/>
+      </p:bgPr>
+    </p:bg>
     <p:spTree>
       <p:nvGrpSpPr>
         <p:cNvPr id="1" name=""/>
@@ -8895,56 +8927,45 @@
           <a:chExt cx="0" cy="0"/>
         </a:xfrm>
       </p:grpSpPr>
-      <p:sp>
-        <p:nvSpPr>
-          <p:cNvPr id="2" name="Cím 1">
+      <p:pic>
+        <p:nvPicPr>
+          <p:cNvPr id="4" name="Tartalom helye 3" descr="A képen szöveg, diagram, sor, kör látható&#10;&#10;Automatikusan generált leírás">
             <a:extLst>
               <a:ext uri="{FF2B5EF4-FFF2-40B4-BE49-F238E27FC236}">
-                <a16:creationId xmlns:a16="http://schemas.microsoft.com/office/drawing/2014/main" id="{A30CBDBA-E5FA-F27B-5843-2A1811424866}"/>
+                <a16:creationId xmlns:a16="http://schemas.microsoft.com/office/drawing/2014/main" id="{3AA73C86-DD57-A6F5-6F9A-D643E4265ADA}"/>
               </a:ext>
             </a:extLst>
           </p:cNvPr>
-          <p:cNvSpPr>
-            <a:spLocks noGrp="1"/>
-          </p:cNvSpPr>
-          <p:nvPr>
-            <p:ph type="title"/>
-          </p:nvPr>
-        </p:nvSpPr>
-        <p:spPr/>
-        <p:txBody>
-          <a:bodyPr/>
-          <a:lstStyle/>
-          <a:p>
-            <a:endParaRPr lang="hu-HU"/>
-          </a:p>
-        </p:txBody>
-      </p:sp>
-      <p:sp>
-        <p:nvSpPr>
-          <p:cNvPr id="3" name="Tartalom helye 2">
-            <a:extLst>
-              <a:ext uri="{FF2B5EF4-FFF2-40B4-BE49-F238E27FC236}">
-                <a16:creationId xmlns:a16="http://schemas.microsoft.com/office/drawing/2014/main" id="{EB8168B1-73BE-94F9-C005-28778B7194C6}"/>
-              </a:ext>
-            </a:extLst>
-          </p:cNvPr>
-          <p:cNvSpPr>
-            <a:spLocks noGrp="1"/>
-          </p:cNvSpPr>
+          <p:cNvPicPr>
+            <a:picLocks noGrp="1" noChangeAspect="1"/>
+          </p:cNvPicPr>
           <p:nvPr>
             <p:ph idx="1"/>
           </p:nvPr>
-        </p:nvSpPr>
-        <p:spPr/>
-        <p:txBody>
-          <a:bodyPr/>
-          <a:lstStyle/>
-          <a:p>
-            <a:endParaRPr lang="hu-HU"/>
-          </a:p>
-        </p:txBody>
-      </p:sp>
+        </p:nvPicPr>
+        <p:blipFill>
+          <a:blip r:embed="rId2">
+            <a:extLst>
+              <a:ext uri="{28A0092B-C50C-407E-A947-70E740481C1C}">
+                <a14:useLocalDpi xmlns:a14="http://schemas.microsoft.com/office/drawing/2010/main" val="0"/>
+              </a:ext>
+            </a:extLst>
+          </a:blip>
+          <a:stretch>
+            <a:fillRect/>
+          </a:stretch>
+        </p:blipFill>
+        <p:spPr bwMode="auto">
+          <a:xfrm>
+            <a:off x="2735781" y="643466"/>
+            <a:ext cx="6720437" cy="5571067"/>
+          </a:xfrm>
+          <a:prstGeom prst="rect">
+            <a:avLst/>
+          </a:prstGeom>
+          <a:noFill/>
+        </p:spPr>
+      </p:pic>
     </p:spTree>
     <p:extLst>
       <p:ext uri="{BB962C8B-B14F-4D97-AF65-F5344CB8AC3E}">
@@ -8955,6 +8976,9 @@
   <p:clrMapOvr>
     <a:masterClrMapping/>
   </p:clrMapOvr>
+  <p:transition spd="med">
+    <p:pull/>
+  </p:transition>
 </p:sld>
 </file>
 

--- a/Bemutato.pptx
+++ b/Bemutato.pptx
@@ -5,7 +5,7 @@
     <p:sldMasterId id="2147483648" r:id="rId1"/>
   </p:sldMasterIdLst>
   <p:notesMasterIdLst>
-    <p:notesMasterId r:id="rId11"/>
+    <p:notesMasterId r:id="rId9"/>
   </p:notesMasterIdLst>
   <p:sldIdLst>
     <p:sldId id="256" r:id="rId2"/>
@@ -14,9 +14,7 @@
     <p:sldId id="258" r:id="rId5"/>
     <p:sldId id="261" r:id="rId6"/>
     <p:sldId id="262" r:id="rId7"/>
-    <p:sldId id="263" r:id="rId8"/>
-    <p:sldId id="264" r:id="rId9"/>
-    <p:sldId id="265" r:id="rId10"/>
+    <p:sldId id="265" r:id="rId8"/>
   </p:sldIdLst>
   <p:sldSz cx="12192000" cy="6858000"/>
   <p:notesSz cx="6858000" cy="9144000"/>
@@ -3758,7 +3756,7 @@
           <a:p>
             <a:fld id="{F3967C4F-389E-4158-BF12-0F45FCA2644D}" type="datetimeFigureOut">
               <a:rPr lang="hu-HU" smtClean="0"/>
-              <a:t>2024. 03. 17.</a:t>
+              <a:t>2024. 03. 18.</a:t>
             </a:fld>
             <a:endParaRPr lang="hu-HU"/>
           </a:p>
@@ -4069,6 +4067,80 @@
           <a:bodyPr/>
           <a:lstStyle/>
           <a:p>
+            <a:pPr marL="171450" marR="0" lvl="0" indent="-171450" algn="l" defTabSz="914400" rtl="0" eaLnBrk="1" fontAlgn="auto" latinLnBrk="0" hangingPunct="1">
+              <a:lnSpc>
+                <a:spcPct val="100000"/>
+              </a:lnSpc>
+              <a:spcBef>
+                <a:spcPts val="0"/>
+              </a:spcBef>
+              <a:spcAft>
+                <a:spcPts val="0"/>
+              </a:spcAft>
+              <a:buClrTx/>
+              <a:buSzTx/>
+              <a:buFont typeface="Arial" panose="020B0604020202020204" pitchFamily="34" charset="0"/>
+              <a:buChar char="•"/>
+              <a:tabLst/>
+              <a:defRPr/>
+            </a:pPr>
+            <a:r>
+              <a:rPr lang="hu-HU" sz="1200" dirty="0"/>
+              <a:t>Nem táblákra rendeződnek az adatok</a:t>
+            </a:r>
+          </a:p>
+          <a:p>
+            <a:pPr marL="171450" marR="0" lvl="0" indent="-171450" algn="l" defTabSz="914400" rtl="0" eaLnBrk="1" fontAlgn="auto" latinLnBrk="0" hangingPunct="1">
+              <a:lnSpc>
+                <a:spcPct val="100000"/>
+              </a:lnSpc>
+              <a:spcBef>
+                <a:spcPts val="0"/>
+              </a:spcBef>
+              <a:spcAft>
+                <a:spcPts val="0"/>
+              </a:spcAft>
+              <a:buClrTx/>
+              <a:buSzTx/>
+              <a:buFont typeface="Arial" panose="020B0604020202020204" pitchFamily="34" charset="0"/>
+              <a:buChar char="•"/>
+              <a:tabLst/>
+              <a:defRPr/>
+            </a:pPr>
+            <a:r>
+              <a:rPr lang="hu-HU" sz="1200" dirty="0"/>
+              <a:t>Könnyebben integrálható JavaScript és JSON használatával Next.js web-alkalmazásokba</a:t>
+            </a:r>
+          </a:p>
+          <a:p>
+            <a:pPr marL="171450" marR="0" lvl="0" indent="-171450" algn="l" defTabSz="914400" rtl="0" eaLnBrk="1" fontAlgn="auto" latinLnBrk="0" hangingPunct="1">
+              <a:lnSpc>
+                <a:spcPct val="100000"/>
+              </a:lnSpc>
+              <a:spcBef>
+                <a:spcPts val="0"/>
+              </a:spcBef>
+              <a:spcAft>
+                <a:spcPts val="0"/>
+              </a:spcAft>
+              <a:buClrTx/>
+              <a:buSzTx/>
+              <a:buFont typeface="Arial" panose="020B0604020202020204" pitchFamily="34" charset="0"/>
+              <a:buChar char="•"/>
+              <a:tabLst/>
+              <a:defRPr/>
+            </a:pPr>
+            <a:r>
+              <a:rPr lang="hu-HU" sz="1200" dirty="0"/>
+              <a:t>Növekvő adatok kezelése könnyebb, kiváló teljesítmény sok felhasználó </a:t>
+            </a:r>
+            <a:r>
+              <a:rPr lang="hu-HU" sz="1200"/>
+              <a:t>alatt is.</a:t>
+            </a:r>
+            <a:endParaRPr lang="hu-HU" sz="1200" dirty="0"/>
+          </a:p>
+          <a:p>
             <a:endParaRPr lang="hu-HU" dirty="0"/>
           </a:p>
         </p:txBody>
@@ -4100,6 +4172,90 @@
     <p:extLst>
       <p:ext uri="{BB962C8B-B14F-4D97-AF65-F5344CB8AC3E}">
         <p14:creationId xmlns:p14="http://schemas.microsoft.com/office/powerpoint/2010/main" val="1517366750"/>
+      </p:ext>
+    </p:extLst>
+  </p:cSld>
+  <p:clrMapOvr>
+    <a:masterClrMapping/>
+  </p:clrMapOvr>
+</p:notes>
+</file>
+
+<file path=ppt/notesSlides/notesSlide2.xml><?xml version="1.0" encoding="utf-8"?>
+<p:notes xmlns:a="http://schemas.openxmlformats.org/drawingml/2006/main" xmlns:r="http://schemas.openxmlformats.org/officeDocument/2006/relationships" xmlns:p="http://schemas.openxmlformats.org/presentationml/2006/main">
+  <p:cSld>
+    <p:spTree>
+      <p:nvGrpSpPr>
+        <p:cNvPr id="1" name=""/>
+        <p:cNvGrpSpPr/>
+        <p:nvPr/>
+      </p:nvGrpSpPr>
+      <p:grpSpPr>
+        <a:xfrm>
+          <a:off x="0" y="0"/>
+          <a:ext cx="0" cy="0"/>
+          <a:chOff x="0" y="0"/>
+          <a:chExt cx="0" cy="0"/>
+        </a:xfrm>
+      </p:grpSpPr>
+      <p:sp>
+        <p:nvSpPr>
+          <p:cNvPr id="2" name="Diakép helye 1"/>
+          <p:cNvSpPr>
+            <a:spLocks noGrp="1" noRot="1" noChangeAspect="1"/>
+          </p:cNvSpPr>
+          <p:nvPr>
+            <p:ph type="sldImg"/>
+          </p:nvPr>
+        </p:nvSpPr>
+        <p:spPr/>
+      </p:sp>
+      <p:sp>
+        <p:nvSpPr>
+          <p:cNvPr id="3" name="Jegyzetek helye 2"/>
+          <p:cNvSpPr>
+            <a:spLocks noGrp="1"/>
+          </p:cNvSpPr>
+          <p:nvPr>
+            <p:ph type="body" idx="1"/>
+          </p:nvPr>
+        </p:nvSpPr>
+        <p:spPr/>
+        <p:txBody>
+          <a:bodyPr/>
+          <a:lstStyle/>
+          <a:p>
+            <a:endParaRPr lang="hu-HU" dirty="0"/>
+          </a:p>
+        </p:txBody>
+      </p:sp>
+      <p:sp>
+        <p:nvSpPr>
+          <p:cNvPr id="4" name="Dia számának helye 3"/>
+          <p:cNvSpPr>
+            <a:spLocks noGrp="1"/>
+          </p:cNvSpPr>
+          <p:nvPr>
+            <p:ph type="sldNum" sz="quarter" idx="5"/>
+          </p:nvPr>
+        </p:nvSpPr>
+        <p:spPr/>
+        <p:txBody>
+          <a:bodyPr/>
+          <a:lstStyle/>
+          <a:p>
+            <a:fld id="{D46B4C45-D120-402A-8F31-901412E55E48}" type="slidenum">
+              <a:rPr lang="hu-HU" smtClean="0"/>
+              <a:t>7</a:t>
+            </a:fld>
+            <a:endParaRPr lang="hu-HU"/>
+          </a:p>
+        </p:txBody>
+      </p:sp>
+    </p:spTree>
+    <p:extLst>
+      <p:ext uri="{BB962C8B-B14F-4D97-AF65-F5344CB8AC3E}">
+        <p14:creationId xmlns:p14="http://schemas.microsoft.com/office/powerpoint/2010/main" val="299929977"/>
       </p:ext>
     </p:extLst>
   </p:cSld>
@@ -4256,7 +4412,7 @@
           <a:p>
             <a:fld id="{FA64CA88-A0F0-4D5B-BEA8-B57532FDFF33}" type="datetimeFigureOut">
               <a:rPr lang="hu-HU" smtClean="0"/>
-              <a:t>2024. 03. 17.</a:t>
+              <a:t>2024. 03. 18.</a:t>
             </a:fld>
             <a:endParaRPr lang="hu-HU"/>
           </a:p>
@@ -4454,7 +4610,7 @@
           <a:p>
             <a:fld id="{FA64CA88-A0F0-4D5B-BEA8-B57532FDFF33}" type="datetimeFigureOut">
               <a:rPr lang="hu-HU" smtClean="0"/>
-              <a:t>2024. 03. 17.</a:t>
+              <a:t>2024. 03. 18.</a:t>
             </a:fld>
             <a:endParaRPr lang="hu-HU"/>
           </a:p>
@@ -4662,7 +4818,7 @@
           <a:p>
             <a:fld id="{FA64CA88-A0F0-4D5B-BEA8-B57532FDFF33}" type="datetimeFigureOut">
               <a:rPr lang="hu-HU" smtClean="0"/>
-              <a:t>2024. 03. 17.</a:t>
+              <a:t>2024. 03. 18.</a:t>
             </a:fld>
             <a:endParaRPr lang="hu-HU"/>
           </a:p>
@@ -4860,7 +5016,7 @@
           <a:p>
             <a:fld id="{FA64CA88-A0F0-4D5B-BEA8-B57532FDFF33}" type="datetimeFigureOut">
               <a:rPr lang="hu-HU" smtClean="0"/>
-              <a:t>2024. 03. 17.</a:t>
+              <a:t>2024. 03. 18.</a:t>
             </a:fld>
             <a:endParaRPr lang="hu-HU"/>
           </a:p>
@@ -5135,7 +5291,7 @@
           <a:p>
             <a:fld id="{FA64CA88-A0F0-4D5B-BEA8-B57532FDFF33}" type="datetimeFigureOut">
               <a:rPr lang="hu-HU" smtClean="0"/>
-              <a:t>2024. 03. 17.</a:t>
+              <a:t>2024. 03. 18.</a:t>
             </a:fld>
             <a:endParaRPr lang="hu-HU"/>
           </a:p>
@@ -5400,7 +5556,7 @@
           <a:p>
             <a:fld id="{FA64CA88-A0F0-4D5B-BEA8-B57532FDFF33}" type="datetimeFigureOut">
               <a:rPr lang="hu-HU" smtClean="0"/>
-              <a:t>2024. 03. 17.</a:t>
+              <a:t>2024. 03. 18.</a:t>
             </a:fld>
             <a:endParaRPr lang="hu-HU"/>
           </a:p>
@@ -5812,7 +5968,7 @@
           <a:p>
             <a:fld id="{FA64CA88-A0F0-4D5B-BEA8-B57532FDFF33}" type="datetimeFigureOut">
               <a:rPr lang="hu-HU" smtClean="0"/>
-              <a:t>2024. 03. 17.</a:t>
+              <a:t>2024. 03. 18.</a:t>
             </a:fld>
             <a:endParaRPr lang="hu-HU"/>
           </a:p>
@@ -5953,7 +6109,7 @@
           <a:p>
             <a:fld id="{FA64CA88-A0F0-4D5B-BEA8-B57532FDFF33}" type="datetimeFigureOut">
               <a:rPr lang="hu-HU" smtClean="0"/>
-              <a:t>2024. 03. 17.</a:t>
+              <a:t>2024. 03. 18.</a:t>
             </a:fld>
             <a:endParaRPr lang="hu-HU"/>
           </a:p>
@@ -6066,7 +6222,7 @@
           <a:p>
             <a:fld id="{FA64CA88-A0F0-4D5B-BEA8-B57532FDFF33}" type="datetimeFigureOut">
               <a:rPr lang="hu-HU" smtClean="0"/>
-              <a:t>2024. 03. 17.</a:t>
+              <a:t>2024. 03. 18.</a:t>
             </a:fld>
             <a:endParaRPr lang="hu-HU"/>
           </a:p>
@@ -6377,7 +6533,7 @@
           <a:p>
             <a:fld id="{FA64CA88-A0F0-4D5B-BEA8-B57532FDFF33}" type="datetimeFigureOut">
               <a:rPr lang="hu-HU" smtClean="0"/>
-              <a:t>2024. 03. 17.</a:t>
+              <a:t>2024. 03. 18.</a:t>
             </a:fld>
             <a:endParaRPr lang="hu-HU"/>
           </a:p>
@@ -6665,7 +6821,7 @@
           <a:p>
             <a:fld id="{FA64CA88-A0F0-4D5B-BEA8-B57532FDFF33}" type="datetimeFigureOut">
               <a:rPr lang="hu-HU" smtClean="0"/>
-              <a:t>2024. 03. 17.</a:t>
+              <a:t>2024. 03. 18.</a:t>
             </a:fld>
             <a:endParaRPr lang="hu-HU"/>
           </a:p>
@@ -6906,7 +7062,7 @@
           <a:p>
             <a:fld id="{FA64CA88-A0F0-4D5B-BEA8-B57532FDFF33}" type="datetimeFigureOut">
               <a:rPr lang="hu-HU" smtClean="0"/>
-              <a:t>2024. 03. 17.</a:t>
+              <a:t>2024. 03. 18.</a:t>
             </a:fld>
             <a:endParaRPr lang="hu-HU"/>
           </a:p>
@@ -7621,13 +7777,13 @@
   <p:clrMapOvr>
     <a:masterClrMapping/>
   </p:clrMapOvr>
-  <mc:AlternateContent xmlns:mc="http://schemas.openxmlformats.org/markup-compatibility/2006">
-    <mc:Choice xmlns:p14="http://schemas.microsoft.com/office/powerpoint/2010/main" Requires="p14">
+  <mc:AlternateContent xmlns:mc="http://schemas.openxmlformats.org/markup-compatibility/2006" xmlns:p14="http://schemas.microsoft.com/office/powerpoint/2010/main">
+    <mc:Choice Requires="p14">
       <p:transition spd="slow" p14:dur="3400">
         <p14:reveal/>
       </p:transition>
     </mc:Choice>
-    <mc:Fallback>
+    <mc:Fallback xmlns="">
       <p:transition spd="slow">
         <p:fade/>
       </p:transition>
@@ -8463,7 +8619,7 @@
             <a:round/>
             <a:extLst>
               <a:ext uri="{C807C97D-BFC1-408E-A445-0C87EB9F89A2}">
-                <ask:lineSketchStyleProps xmlns:ask="http://schemas.microsoft.com/office/drawing/2018/sketchyshapes" sd="2727557108">
+                <ask:lineSketchStyleProps xmlns="" xmlns:ask="http://schemas.microsoft.com/office/drawing/2018/sketchyshapes" sd="2727557108">
                   <a:prstGeom prst="rect">
                     <a:avLst/>
                   </a:prstGeom>
@@ -8531,14 +8687,7 @@
             <a:pPr marL="285750"/>
             <a:r>
               <a:rPr lang="hu-HU" sz="2200" dirty="0"/>
-              <a:t>Kevesebb szigorú követelménynek kell megfelelni mint egy relációs adatbázisnál (Nem táblákra rendeződnek az adatok)</a:t>
-            </a:r>
-          </a:p>
-          <a:p>
-            <a:pPr marL="285750"/>
-            <a:r>
-              <a:rPr lang="hu-HU" sz="2200" dirty="0"/>
-              <a:t>N</a:t>
+              <a:t>Kevesebb szigorú követelménynek kell megfelelni mint egy relációs adatbázisnál N</a:t>
             </a:r>
             <a:r>
               <a:rPr lang="en-US" sz="2200" dirty="0"/>
@@ -8550,14 +8699,14 @@
             <a:pPr marL="285750"/>
             <a:r>
               <a:rPr lang="hu-HU" sz="2200" dirty="0"/>
-              <a:t>Gyorsabb fejlesztési folyamat: (könnyebben integrálható JavaScript és JSON használatával Next.js web-alkalmazásokba)</a:t>
+              <a:t>Gyorsabb fejlesztési folyamat</a:t>
             </a:r>
           </a:p>
           <a:p>
             <a:pPr marL="285750"/>
             <a:r>
               <a:rPr lang="hu-HU" sz="2200" dirty="0"/>
-              <a:t>Skálázhatóbb (növekvő adatok kezelése könnyebb, kiváló teljesítmény sok felhasználó alatt is)</a:t>
+              <a:t>Skálázhatóbb </a:t>
             </a:r>
             <a:endParaRPr lang="en-US" sz="2200" dirty="0"/>
           </a:p>
@@ -8983,166 +9132,6 @@
 </file>
 
 <file path=ppt/slides/slide7.xml><?xml version="1.0" encoding="utf-8"?>
-<p:sld xmlns:a="http://schemas.openxmlformats.org/drawingml/2006/main" xmlns:r="http://schemas.openxmlformats.org/officeDocument/2006/relationships" xmlns:p="http://schemas.openxmlformats.org/presentationml/2006/main">
-  <p:cSld>
-    <p:spTree>
-      <p:nvGrpSpPr>
-        <p:cNvPr id="1" name=""/>
-        <p:cNvGrpSpPr/>
-        <p:nvPr/>
-      </p:nvGrpSpPr>
-      <p:grpSpPr>
-        <a:xfrm>
-          <a:off x="0" y="0"/>
-          <a:ext cx="0" cy="0"/>
-          <a:chOff x="0" y="0"/>
-          <a:chExt cx="0" cy="0"/>
-        </a:xfrm>
-      </p:grpSpPr>
-      <p:sp>
-        <p:nvSpPr>
-          <p:cNvPr id="2" name="Cím 1">
-            <a:extLst>
-              <a:ext uri="{FF2B5EF4-FFF2-40B4-BE49-F238E27FC236}">
-                <a16:creationId xmlns:a16="http://schemas.microsoft.com/office/drawing/2014/main" id="{F7D06A86-A7E2-1E9D-377D-5312519AD1C4}"/>
-              </a:ext>
-            </a:extLst>
-          </p:cNvPr>
-          <p:cNvSpPr>
-            <a:spLocks noGrp="1"/>
-          </p:cNvSpPr>
-          <p:nvPr>
-            <p:ph type="title"/>
-          </p:nvPr>
-        </p:nvSpPr>
-        <p:spPr/>
-        <p:txBody>
-          <a:bodyPr/>
-          <a:lstStyle/>
-          <a:p>
-            <a:endParaRPr lang="hu-HU"/>
-          </a:p>
-        </p:txBody>
-      </p:sp>
-      <p:sp>
-        <p:nvSpPr>
-          <p:cNvPr id="3" name="Tartalom helye 2">
-            <a:extLst>
-              <a:ext uri="{FF2B5EF4-FFF2-40B4-BE49-F238E27FC236}">
-                <a16:creationId xmlns:a16="http://schemas.microsoft.com/office/drawing/2014/main" id="{3A2C8B33-6F2B-3EFB-53FE-174BFBFD9106}"/>
-              </a:ext>
-            </a:extLst>
-          </p:cNvPr>
-          <p:cNvSpPr>
-            <a:spLocks noGrp="1"/>
-          </p:cNvSpPr>
-          <p:nvPr>
-            <p:ph idx="1"/>
-          </p:nvPr>
-        </p:nvSpPr>
-        <p:spPr/>
-        <p:txBody>
-          <a:bodyPr/>
-          <a:lstStyle/>
-          <a:p>
-            <a:endParaRPr lang="hu-HU"/>
-          </a:p>
-        </p:txBody>
-      </p:sp>
-    </p:spTree>
-    <p:extLst>
-      <p:ext uri="{BB962C8B-B14F-4D97-AF65-F5344CB8AC3E}">
-        <p14:creationId xmlns:p14="http://schemas.microsoft.com/office/powerpoint/2010/main" val="3623431685"/>
-      </p:ext>
-    </p:extLst>
-  </p:cSld>
-  <p:clrMapOvr>
-    <a:masterClrMapping/>
-  </p:clrMapOvr>
-</p:sld>
-</file>
-
-<file path=ppt/slides/slide8.xml><?xml version="1.0" encoding="utf-8"?>
-<p:sld xmlns:a="http://schemas.openxmlformats.org/drawingml/2006/main" xmlns:r="http://schemas.openxmlformats.org/officeDocument/2006/relationships" xmlns:p="http://schemas.openxmlformats.org/presentationml/2006/main">
-  <p:cSld>
-    <p:spTree>
-      <p:nvGrpSpPr>
-        <p:cNvPr id="1" name=""/>
-        <p:cNvGrpSpPr/>
-        <p:nvPr/>
-      </p:nvGrpSpPr>
-      <p:grpSpPr>
-        <a:xfrm>
-          <a:off x="0" y="0"/>
-          <a:ext cx="0" cy="0"/>
-          <a:chOff x="0" y="0"/>
-          <a:chExt cx="0" cy="0"/>
-        </a:xfrm>
-      </p:grpSpPr>
-      <p:sp>
-        <p:nvSpPr>
-          <p:cNvPr id="2" name="Cím 1">
-            <a:extLst>
-              <a:ext uri="{FF2B5EF4-FFF2-40B4-BE49-F238E27FC236}">
-                <a16:creationId xmlns:a16="http://schemas.microsoft.com/office/drawing/2014/main" id="{E6E2629D-630C-9806-D973-49108316F59F}"/>
-              </a:ext>
-            </a:extLst>
-          </p:cNvPr>
-          <p:cNvSpPr>
-            <a:spLocks noGrp="1"/>
-          </p:cNvSpPr>
-          <p:nvPr>
-            <p:ph type="title"/>
-          </p:nvPr>
-        </p:nvSpPr>
-        <p:spPr/>
-        <p:txBody>
-          <a:bodyPr/>
-          <a:lstStyle/>
-          <a:p>
-            <a:endParaRPr lang="hu-HU"/>
-          </a:p>
-        </p:txBody>
-      </p:sp>
-      <p:sp>
-        <p:nvSpPr>
-          <p:cNvPr id="3" name="Tartalom helye 2">
-            <a:extLst>
-              <a:ext uri="{FF2B5EF4-FFF2-40B4-BE49-F238E27FC236}">
-                <a16:creationId xmlns:a16="http://schemas.microsoft.com/office/drawing/2014/main" id="{AAF57E81-A4B8-2B05-CD65-3F7F7CAD9AD5}"/>
-              </a:ext>
-            </a:extLst>
-          </p:cNvPr>
-          <p:cNvSpPr>
-            <a:spLocks noGrp="1"/>
-          </p:cNvSpPr>
-          <p:nvPr>
-            <p:ph idx="1"/>
-          </p:nvPr>
-        </p:nvSpPr>
-        <p:spPr/>
-        <p:txBody>
-          <a:bodyPr/>
-          <a:lstStyle/>
-          <a:p>
-            <a:endParaRPr lang="hu-HU"/>
-          </a:p>
-        </p:txBody>
-      </p:sp>
-    </p:spTree>
-    <p:extLst>
-      <p:ext uri="{BB962C8B-B14F-4D97-AF65-F5344CB8AC3E}">
-        <p14:creationId xmlns:p14="http://schemas.microsoft.com/office/powerpoint/2010/main" val="3047624980"/>
-      </p:ext>
-    </p:extLst>
-  </p:cSld>
-  <p:clrMapOvr>
-    <a:masterClrMapping/>
-  </p:clrMapOvr>
-</p:sld>
-</file>
-
-<file path=ppt/slides/slide9.xml><?xml version="1.0" encoding="utf-8"?>
 <p:sld xmlns:a="http://schemas.openxmlformats.org/drawingml/2006/main" xmlns:r="http://schemas.openxmlformats.org/officeDocument/2006/relationships" xmlns:p="http://schemas.openxmlformats.org/presentationml/2006/main">
   <p:cSld>
     <p:bg>

--- a/Bemutato.pptx
+++ b/Bemutato.pptx
@@ -4132,13 +4132,8 @@
             </a:pPr>
             <a:r>
               <a:rPr lang="hu-HU" sz="1200" dirty="0"/>
-              <a:t>Növekvő adatok kezelése könnyebb, kiváló teljesítmény sok felhasználó </a:t>
+              <a:t>Növekvő adatok kezelése könnyebb, kiváló teljesítmény sok felhasználó alatt is</a:t>
             </a:r>
-            <a:r>
-              <a:rPr lang="hu-HU" sz="1200"/>
-              <a:t>alatt is.</a:t>
-            </a:r>
-            <a:endParaRPr lang="hu-HU" sz="1200" dirty="0"/>
           </a:p>
           <a:p>
             <a:endParaRPr lang="hu-HU" dirty="0"/>
@@ -8619,7 +8614,7 @@
             <a:round/>
             <a:extLst>
               <a:ext uri="{C807C97D-BFC1-408E-A445-0C87EB9F89A2}">
-                <ask:lineSketchStyleProps xmlns="" xmlns:ask="http://schemas.microsoft.com/office/drawing/2018/sketchyshapes" sd="2727557108">
+                <ask:lineSketchStyleProps xmlns:ask="http://schemas.microsoft.com/office/drawing/2018/sketchyshapes" xmlns="" sd="2727557108">
                   <a:prstGeom prst="rect">
                     <a:avLst/>
                   </a:prstGeom>

--- a/Bemutato.pptx
+++ b/Bemutato.pptx
@@ -8614,7 +8614,7 @@
             <a:round/>
             <a:extLst>
               <a:ext uri="{C807C97D-BFC1-408E-A445-0C87EB9F89A2}">
-                <ask:lineSketchStyleProps xmlns:ask="http://schemas.microsoft.com/office/drawing/2018/sketchyshapes" xmlns="" sd="2727557108">
+                <ask:lineSketchStyleProps xmlns="" xmlns:ask="http://schemas.microsoft.com/office/drawing/2018/sketchyshapes" sd="2727557108">
                   <a:prstGeom prst="rect">
                     <a:avLst/>
                   </a:prstGeom>
@@ -8682,7 +8682,18 @@
             <a:pPr marL="285750"/>
             <a:r>
               <a:rPr lang="hu-HU" sz="2200" dirty="0"/>
-              <a:t>Kevesebb szigorú követelménynek kell megfelelni mint egy relációs adatbázisnál N</a:t>
+              <a:t>Kevesebb szigorú követelménynek kell megfelelni mint egy relációs </a:t>
+            </a:r>
+            <a:r>
+              <a:rPr lang="hu-HU" sz="2200"/>
+              <a:t>adatbázisnál </a:t>
+            </a:r>
+          </a:p>
+          <a:p>
+            <a:pPr marL="285750"/>
+            <a:r>
+              <a:rPr lang="hu-HU" sz="2200"/>
+              <a:t>N</a:t>
             </a:r>
             <a:r>
               <a:rPr lang="en-US" sz="2200" dirty="0"/>

--- a/Bemutato.pptx
+++ b/Bemutato.pptx
@@ -8614,7 +8614,7 @@
             <a:round/>
             <a:extLst>
               <a:ext uri="{C807C97D-BFC1-408E-A445-0C87EB9F89A2}">
-                <ask:lineSketchStyleProps xmlns="" xmlns:ask="http://schemas.microsoft.com/office/drawing/2018/sketchyshapes" sd="2727557108">
+                <ask:lineSketchStyleProps xmlns:ask="http://schemas.microsoft.com/office/drawing/2018/sketchyshapes" sd="2727557108">
                   <a:prstGeom prst="rect">
                     <a:avLst/>
                   </a:prstGeom>
@@ -9084,19 +9084,17 @@
       </p:grpSpPr>
       <p:pic>
         <p:nvPicPr>
-          <p:cNvPr id="4" name="Tartalom helye 3" descr="A képen szöveg, diagram, sor, kör látható&#10;&#10;Automatikusan generált leírás">
+          <p:cNvPr id="8" name="Kép 7" descr="A képen diagram, vázlat, rajz, sor látható&#10;&#10;Automatikusan generált leírás">
             <a:extLst>
               <a:ext uri="{FF2B5EF4-FFF2-40B4-BE49-F238E27FC236}">
-                <a16:creationId xmlns:a16="http://schemas.microsoft.com/office/drawing/2014/main" id="{3AA73C86-DD57-A6F5-6F9A-D643E4265ADA}"/>
+                <a16:creationId xmlns:a16="http://schemas.microsoft.com/office/drawing/2014/main" id="{07C0A4D1-D939-C490-7616-AD0883F9D6D5}"/>
               </a:ext>
             </a:extLst>
           </p:cNvPr>
           <p:cNvPicPr>
-            <a:picLocks noGrp="1" noChangeAspect="1"/>
+            <a:picLocks noChangeAspect="1"/>
           </p:cNvPicPr>
-          <p:nvPr>
-            <p:ph idx="1"/>
-          </p:nvPr>
+          <p:nvPr/>
         </p:nvPicPr>
         <p:blipFill>
           <a:blip r:embed="rId2">
@@ -9110,15 +9108,14 @@
             <a:fillRect/>
           </a:stretch>
         </p:blipFill>
-        <p:spPr bwMode="auto">
+        <p:spPr>
           <a:xfrm>
-            <a:off x="2735781" y="643466"/>
-            <a:ext cx="6720437" cy="5571067"/>
+            <a:off x="2593428" y="825366"/>
+            <a:ext cx="6811092" cy="5207268"/>
           </a:xfrm>
           <a:prstGeom prst="rect">
             <a:avLst/>
           </a:prstGeom>
-          <a:noFill/>
         </p:spPr>
       </p:pic>
     </p:spTree>

--- a/Bemutato.pptx
+++ b/Bemutato.pptx
@@ -5,16 +5,24 @@
     <p:sldMasterId id="2147483648" r:id="rId1"/>
   </p:sldMasterIdLst>
   <p:notesMasterIdLst>
-    <p:notesMasterId r:id="rId9"/>
+    <p:notesMasterId r:id="rId17"/>
   </p:notesMasterIdLst>
   <p:sldIdLst>
     <p:sldId id="256" r:id="rId2"/>
     <p:sldId id="257" r:id="rId3"/>
-    <p:sldId id="260" r:id="rId4"/>
-    <p:sldId id="258" r:id="rId5"/>
-    <p:sldId id="261" r:id="rId6"/>
-    <p:sldId id="262" r:id="rId7"/>
-    <p:sldId id="265" r:id="rId8"/>
+    <p:sldId id="267" r:id="rId4"/>
+    <p:sldId id="268" r:id="rId5"/>
+    <p:sldId id="266" r:id="rId6"/>
+    <p:sldId id="269" r:id="rId7"/>
+    <p:sldId id="270" r:id="rId8"/>
+    <p:sldId id="271" r:id="rId9"/>
+    <p:sldId id="272" r:id="rId10"/>
+    <p:sldId id="273" r:id="rId11"/>
+    <p:sldId id="258" r:id="rId12"/>
+    <p:sldId id="260" r:id="rId13"/>
+    <p:sldId id="261" r:id="rId14"/>
+    <p:sldId id="262" r:id="rId15"/>
+    <p:sldId id="265" r:id="rId16"/>
   </p:sldIdLst>
   <p:sldSz cx="12192000" cy="6858000"/>
   <p:notesSz cx="6858000" cy="9144000"/>
@@ -1062,10 +1070,16 @@
         <a:lstStyle/>
         <a:p>
           <a:r>
-            <a:rPr lang="hu-HU" dirty="0"/>
+            <a:rPr lang="hu-HU" dirty="0">
+              <a:latin typeface="Arial" panose="020B0604020202020204" pitchFamily="34" charset="0"/>
+              <a:cs typeface="Arial" panose="020B0604020202020204" pitchFamily="34" charset="0"/>
+            </a:rPr>
             <a:t>Projektünk célja egy webshop létrehozása, melyen a felhasználók számítógép alkatrészeket, különböző hardver elemeket tudnak vásárolni.</a:t>
           </a:r>
-          <a:endParaRPr lang="en-US" dirty="0"/>
+          <a:endParaRPr lang="en-US" dirty="0">
+            <a:latin typeface="Arial" panose="020B0604020202020204" pitchFamily="34" charset="0"/>
+            <a:cs typeface="Arial" panose="020B0604020202020204" pitchFamily="34" charset="0"/>
+          </a:endParaRPr>
         </a:p>
       </dgm:t>
     </dgm:pt>
@@ -1099,10 +1113,16 @@
         <a:lstStyle/>
         <a:p>
           <a:r>
-            <a:rPr lang="hu-HU"/>
+            <a:rPr lang="hu-HU" dirty="0">
+              <a:latin typeface="Arial" panose="020B0604020202020204" pitchFamily="34" charset="0"/>
+              <a:cs typeface="Arial" panose="020B0604020202020204" pitchFamily="34" charset="0"/>
+            </a:rPr>
             <a:t>Weboldalunk egyedi tulajdonsága, hogy licitálási funkcióval is rendelkezik. </a:t>
           </a:r>
-          <a:endParaRPr lang="en-US"/>
+          <a:endParaRPr lang="en-US" dirty="0">
+            <a:latin typeface="Arial" panose="020B0604020202020204" pitchFamily="34" charset="0"/>
+            <a:cs typeface="Arial" panose="020B0604020202020204" pitchFamily="34" charset="0"/>
+          </a:endParaRPr>
         </a:p>
       </dgm:t>
     </dgm:pt>
@@ -1136,10 +1156,16 @@
         <a:lstStyle/>
         <a:p>
           <a:r>
-            <a:rPr lang="hu-HU"/>
+            <a:rPr lang="hu-HU" dirty="0">
+              <a:latin typeface="Arial" panose="020B0604020202020204" pitchFamily="34" charset="0"/>
+              <a:cs typeface="Arial" panose="020B0604020202020204" pitchFamily="34" charset="0"/>
+            </a:rPr>
             <a:t>Ezen a felületen olyan termékek kapnak helyet, amelyek forgalmazását és vagy gyártását már beszüntették.</a:t>
           </a:r>
-          <a:endParaRPr lang="en-US"/>
+          <a:endParaRPr lang="en-US" dirty="0">
+            <a:latin typeface="Arial" panose="020B0604020202020204" pitchFamily="34" charset="0"/>
+            <a:cs typeface="Arial" panose="020B0604020202020204" pitchFamily="34" charset="0"/>
+          </a:endParaRPr>
         </a:p>
       </dgm:t>
     </dgm:pt>
@@ -1173,10 +1199,30 @@
         <a:lstStyle/>
         <a:p>
           <a:r>
-            <a:rPr lang="hu-HU"/>
-            <a:t>A termékek állapota ettől függetlenül lehet még gyári, eredeti bontatlan vagy használt, másod kézből való. </a:t>
+            <a:rPr lang="hu-HU" dirty="0">
+              <a:latin typeface="Arial" panose="020B0604020202020204" pitchFamily="34" charset="0"/>
+              <a:cs typeface="Arial" panose="020B0604020202020204" pitchFamily="34" charset="0"/>
+            </a:rPr>
+            <a:t>A termékek állapota ettől függetlenül lehet még gyári, eredeti </a:t>
           </a:r>
-          <a:endParaRPr lang="en-US"/>
+          <a:r>
+            <a:rPr lang="hu-HU" dirty="0" err="1">
+              <a:latin typeface="Arial" panose="020B0604020202020204" pitchFamily="34" charset="0"/>
+              <a:cs typeface="Arial" panose="020B0604020202020204" pitchFamily="34" charset="0"/>
+            </a:rPr>
+            <a:t>bontatlan</a:t>
+          </a:r>
+          <a:r>
+            <a:rPr lang="hu-HU" dirty="0">
+              <a:latin typeface="Arial" panose="020B0604020202020204" pitchFamily="34" charset="0"/>
+              <a:cs typeface="Arial" panose="020B0604020202020204" pitchFamily="34" charset="0"/>
+            </a:rPr>
+            <a:t> vagy használt, másod kézből való. </a:t>
+          </a:r>
+          <a:endParaRPr lang="en-US" dirty="0">
+            <a:latin typeface="Arial" panose="020B0604020202020204" pitchFamily="34" charset="0"/>
+            <a:cs typeface="Arial" panose="020B0604020202020204" pitchFamily="34" charset="0"/>
+          </a:endParaRPr>
         </a:p>
       </dgm:t>
     </dgm:pt>
@@ -1210,10 +1256,16 @@
         <a:lstStyle/>
         <a:p>
           <a:r>
-            <a:rPr lang="hu-HU" dirty="0"/>
+            <a:rPr lang="hu-HU" dirty="0">
+              <a:latin typeface="Arial" panose="020B0604020202020204" pitchFamily="34" charset="0"/>
+              <a:cs typeface="Arial" panose="020B0604020202020204" pitchFamily="34" charset="0"/>
+            </a:rPr>
             <a:t>A funkció lehetőséget biztosít a felhasználók számára, hogy ezen a hardver elemeket akár kedvezőbb áron szerezzék be. </a:t>
           </a:r>
-          <a:endParaRPr lang="en-US" dirty="0"/>
+          <a:endParaRPr lang="en-US" dirty="0">
+            <a:latin typeface="Arial" panose="020B0604020202020204" pitchFamily="34" charset="0"/>
+            <a:cs typeface="Arial" panose="020B0604020202020204" pitchFamily="34" charset="0"/>
+          </a:endParaRPr>
         </a:p>
       </dgm:t>
     </dgm:pt>
@@ -1247,10 +1299,16 @@
         <a:lstStyle/>
         <a:p>
           <a:r>
-            <a:rPr lang="hu-HU"/>
+            <a:rPr lang="hu-HU" dirty="0">
+              <a:latin typeface="Arial" panose="020B0604020202020204" pitchFamily="34" charset="0"/>
+              <a:cs typeface="Arial" panose="020B0604020202020204" pitchFamily="34" charset="0"/>
+            </a:rPr>
             <a:t>Továbbá a ritka, gyűjtők számára értékes alkatrészeket is ennek a funkciónak az alkalmazásával szeretnénk értékesíteni.</a:t>
           </a:r>
-          <a:endParaRPr lang="en-US"/>
+          <a:endParaRPr lang="en-US" dirty="0">
+            <a:latin typeface="Arial" panose="020B0604020202020204" pitchFamily="34" charset="0"/>
+            <a:cs typeface="Arial" panose="020B0604020202020204" pitchFamily="34" charset="0"/>
+          </a:endParaRPr>
         </a:p>
       </dgm:t>
     </dgm:pt>
@@ -1603,10 +1661,16 @@
             <a:buNone/>
           </a:pPr>
           <a:r>
-            <a:rPr lang="hu-HU" sz="1800" kern="1200" dirty="0"/>
+            <a:rPr lang="hu-HU" sz="1800" kern="1200" dirty="0">
+              <a:latin typeface="Arial" panose="020B0604020202020204" pitchFamily="34" charset="0"/>
+              <a:cs typeface="Arial" panose="020B0604020202020204" pitchFamily="34" charset="0"/>
+            </a:rPr>
             <a:t>Projektünk célja egy webshop létrehozása, melyen a felhasználók számítógép alkatrészeket, különböző hardver elemeket tudnak vásárolni.</a:t>
           </a:r>
-          <a:endParaRPr lang="en-US" sz="1800" kern="1200" dirty="0"/>
+          <a:endParaRPr lang="en-US" sz="1800" kern="1200" dirty="0">
+            <a:latin typeface="Arial" panose="020B0604020202020204" pitchFamily="34" charset="0"/>
+            <a:cs typeface="Arial" panose="020B0604020202020204" pitchFamily="34" charset="0"/>
+          </a:endParaRPr>
         </a:p>
       </dsp:txBody>
       <dsp:txXfrm>
@@ -1784,10 +1848,16 @@
             <a:buNone/>
           </a:pPr>
           <a:r>
-            <a:rPr lang="hu-HU" sz="1800" kern="1200"/>
+            <a:rPr lang="hu-HU" sz="1800" kern="1200" dirty="0">
+              <a:latin typeface="Arial" panose="020B0604020202020204" pitchFamily="34" charset="0"/>
+              <a:cs typeface="Arial" panose="020B0604020202020204" pitchFamily="34" charset="0"/>
+            </a:rPr>
             <a:t>Weboldalunk egyedi tulajdonsága, hogy licitálási funkcióval is rendelkezik. </a:t>
           </a:r>
-          <a:endParaRPr lang="en-US" sz="1800" kern="1200"/>
+          <a:endParaRPr lang="en-US" sz="1800" kern="1200" dirty="0">
+            <a:latin typeface="Arial" panose="020B0604020202020204" pitchFamily="34" charset="0"/>
+            <a:cs typeface="Arial" panose="020B0604020202020204" pitchFamily="34" charset="0"/>
+          </a:endParaRPr>
         </a:p>
       </dsp:txBody>
       <dsp:txXfrm>
@@ -1971,10 +2041,16 @@
             <a:buNone/>
           </a:pPr>
           <a:r>
-            <a:rPr lang="hu-HU" sz="1800" kern="1200"/>
+            <a:rPr lang="hu-HU" sz="1800" kern="1200" dirty="0">
+              <a:latin typeface="Arial" panose="020B0604020202020204" pitchFamily="34" charset="0"/>
+              <a:cs typeface="Arial" panose="020B0604020202020204" pitchFamily="34" charset="0"/>
+            </a:rPr>
             <a:t>Ezen a felületen olyan termékek kapnak helyet, amelyek forgalmazását és vagy gyártását már beszüntették.</a:t>
           </a:r>
-          <a:endParaRPr lang="en-US" sz="1800" kern="1200"/>
+          <a:endParaRPr lang="en-US" sz="1800" kern="1200" dirty="0">
+            <a:latin typeface="Arial" panose="020B0604020202020204" pitchFamily="34" charset="0"/>
+            <a:cs typeface="Arial" panose="020B0604020202020204" pitchFamily="34" charset="0"/>
+          </a:endParaRPr>
         </a:p>
       </dsp:txBody>
       <dsp:txXfrm>
@@ -2152,10 +2228,30 @@
             <a:buNone/>
           </a:pPr>
           <a:r>
-            <a:rPr lang="hu-HU" sz="1800" kern="1200"/>
-            <a:t>A termékek állapota ettől függetlenül lehet még gyári, eredeti bontatlan vagy használt, másod kézből való. </a:t>
+            <a:rPr lang="hu-HU" sz="1800" kern="1200" dirty="0">
+              <a:latin typeface="Arial" panose="020B0604020202020204" pitchFamily="34" charset="0"/>
+              <a:cs typeface="Arial" panose="020B0604020202020204" pitchFamily="34" charset="0"/>
+            </a:rPr>
+            <a:t>A termékek állapota ettől függetlenül lehet még gyári, eredeti </a:t>
           </a:r>
-          <a:endParaRPr lang="en-US" sz="1800" kern="1200"/>
+          <a:r>
+            <a:rPr lang="hu-HU" sz="1800" kern="1200" dirty="0" err="1">
+              <a:latin typeface="Arial" panose="020B0604020202020204" pitchFamily="34" charset="0"/>
+              <a:cs typeface="Arial" panose="020B0604020202020204" pitchFamily="34" charset="0"/>
+            </a:rPr>
+            <a:t>bontatlan</a:t>
+          </a:r>
+          <a:r>
+            <a:rPr lang="hu-HU" sz="1800" kern="1200" dirty="0">
+              <a:latin typeface="Arial" panose="020B0604020202020204" pitchFamily="34" charset="0"/>
+              <a:cs typeface="Arial" panose="020B0604020202020204" pitchFamily="34" charset="0"/>
+            </a:rPr>
+            <a:t> vagy használt, másod kézből való. </a:t>
+          </a:r>
+          <a:endParaRPr lang="en-US" sz="1800" kern="1200" dirty="0">
+            <a:latin typeface="Arial" panose="020B0604020202020204" pitchFamily="34" charset="0"/>
+            <a:cs typeface="Arial" panose="020B0604020202020204" pitchFamily="34" charset="0"/>
+          </a:endParaRPr>
         </a:p>
       </dsp:txBody>
       <dsp:txXfrm>
@@ -2333,10 +2429,16 @@
             <a:buNone/>
           </a:pPr>
           <a:r>
-            <a:rPr lang="hu-HU" sz="1800" kern="1200" dirty="0"/>
+            <a:rPr lang="hu-HU" sz="1800" kern="1200" dirty="0">
+              <a:latin typeface="Arial" panose="020B0604020202020204" pitchFamily="34" charset="0"/>
+              <a:cs typeface="Arial" panose="020B0604020202020204" pitchFamily="34" charset="0"/>
+            </a:rPr>
             <a:t>A funkció lehetőséget biztosít a felhasználók számára, hogy ezen a hardver elemeket akár kedvezőbb áron szerezzék be. </a:t>
           </a:r>
-          <a:endParaRPr lang="en-US" sz="1800" kern="1200" dirty="0"/>
+          <a:endParaRPr lang="en-US" sz="1800" kern="1200" dirty="0">
+            <a:latin typeface="Arial" panose="020B0604020202020204" pitchFamily="34" charset="0"/>
+            <a:cs typeface="Arial" panose="020B0604020202020204" pitchFamily="34" charset="0"/>
+          </a:endParaRPr>
         </a:p>
       </dsp:txBody>
       <dsp:txXfrm>
@@ -2433,10 +2535,16 @@
             <a:buNone/>
           </a:pPr>
           <a:r>
-            <a:rPr lang="hu-HU" sz="1800" kern="1200"/>
+            <a:rPr lang="hu-HU" sz="1800" kern="1200" dirty="0">
+              <a:latin typeface="Arial" panose="020B0604020202020204" pitchFamily="34" charset="0"/>
+              <a:cs typeface="Arial" panose="020B0604020202020204" pitchFamily="34" charset="0"/>
+            </a:rPr>
             <a:t>Továbbá a ritka, gyűjtők számára értékes alkatrészeket is ennek a funkciónak az alkalmazásával szeretnénk értékesíteni.</a:t>
           </a:r>
-          <a:endParaRPr lang="en-US" sz="1800" kern="1200"/>
+          <a:endParaRPr lang="en-US" sz="1800" kern="1200" dirty="0">
+            <a:latin typeface="Arial" panose="020B0604020202020204" pitchFamily="34" charset="0"/>
+            <a:cs typeface="Arial" panose="020B0604020202020204" pitchFamily="34" charset="0"/>
+          </a:endParaRPr>
         </a:p>
       </dsp:txBody>
       <dsp:txXfrm>
@@ -3756,7 +3864,7 @@
           <a:p>
             <a:fld id="{F3967C4F-389E-4158-BF12-0F45FCA2644D}" type="datetimeFigureOut">
               <a:rPr lang="hu-HU" smtClean="0"/>
-              <a:t>2024. 03. 18.</a:t>
+              <a:t>2024. 03. 19.</a:t>
             </a:fld>
             <a:endParaRPr lang="hu-HU"/>
           </a:p>
@@ -4157,7 +4265,7 @@
           <a:p>
             <a:fld id="{D46B4C45-D120-402A-8F31-901412E55E48}" type="slidenum">
               <a:rPr lang="hu-HU" smtClean="0"/>
-              <a:t>3</a:t>
+              <a:t>12</a:t>
             </a:fld>
             <a:endParaRPr lang="hu-HU"/>
           </a:p>
@@ -4241,7 +4349,7 @@
           <a:p>
             <a:fld id="{D46B4C45-D120-402A-8F31-901412E55E48}" type="slidenum">
               <a:rPr lang="hu-HU" smtClean="0"/>
-              <a:t>7</a:t>
+              <a:t>15</a:t>
             </a:fld>
             <a:endParaRPr lang="hu-HU"/>
           </a:p>
@@ -4407,7 +4515,7 @@
           <a:p>
             <a:fld id="{FA64CA88-A0F0-4D5B-BEA8-B57532FDFF33}" type="datetimeFigureOut">
               <a:rPr lang="hu-HU" smtClean="0"/>
-              <a:t>2024. 03. 18.</a:t>
+              <a:t>2024. 03. 19.</a:t>
             </a:fld>
             <a:endParaRPr lang="hu-HU"/>
           </a:p>
@@ -4605,7 +4713,7 @@
           <a:p>
             <a:fld id="{FA64CA88-A0F0-4D5B-BEA8-B57532FDFF33}" type="datetimeFigureOut">
               <a:rPr lang="hu-HU" smtClean="0"/>
-              <a:t>2024. 03. 18.</a:t>
+              <a:t>2024. 03. 19.</a:t>
             </a:fld>
             <a:endParaRPr lang="hu-HU"/>
           </a:p>
@@ -4813,7 +4921,7 @@
           <a:p>
             <a:fld id="{FA64CA88-A0F0-4D5B-BEA8-B57532FDFF33}" type="datetimeFigureOut">
               <a:rPr lang="hu-HU" smtClean="0"/>
-              <a:t>2024. 03. 18.</a:t>
+              <a:t>2024. 03. 19.</a:t>
             </a:fld>
             <a:endParaRPr lang="hu-HU"/>
           </a:p>
@@ -5011,7 +5119,7 @@
           <a:p>
             <a:fld id="{FA64CA88-A0F0-4D5B-BEA8-B57532FDFF33}" type="datetimeFigureOut">
               <a:rPr lang="hu-HU" smtClean="0"/>
-              <a:t>2024. 03. 18.</a:t>
+              <a:t>2024. 03. 19.</a:t>
             </a:fld>
             <a:endParaRPr lang="hu-HU"/>
           </a:p>
@@ -5286,7 +5394,7 @@
           <a:p>
             <a:fld id="{FA64CA88-A0F0-4D5B-BEA8-B57532FDFF33}" type="datetimeFigureOut">
               <a:rPr lang="hu-HU" smtClean="0"/>
-              <a:t>2024. 03. 18.</a:t>
+              <a:t>2024. 03. 19.</a:t>
             </a:fld>
             <a:endParaRPr lang="hu-HU"/>
           </a:p>
@@ -5551,7 +5659,7 @@
           <a:p>
             <a:fld id="{FA64CA88-A0F0-4D5B-BEA8-B57532FDFF33}" type="datetimeFigureOut">
               <a:rPr lang="hu-HU" smtClean="0"/>
-              <a:t>2024. 03. 18.</a:t>
+              <a:t>2024. 03. 19.</a:t>
             </a:fld>
             <a:endParaRPr lang="hu-HU"/>
           </a:p>
@@ -5963,7 +6071,7 @@
           <a:p>
             <a:fld id="{FA64CA88-A0F0-4D5B-BEA8-B57532FDFF33}" type="datetimeFigureOut">
               <a:rPr lang="hu-HU" smtClean="0"/>
-              <a:t>2024. 03. 18.</a:t>
+              <a:t>2024. 03. 19.</a:t>
             </a:fld>
             <a:endParaRPr lang="hu-HU"/>
           </a:p>
@@ -6104,7 +6212,7 @@
           <a:p>
             <a:fld id="{FA64CA88-A0F0-4D5B-BEA8-B57532FDFF33}" type="datetimeFigureOut">
               <a:rPr lang="hu-HU" smtClean="0"/>
-              <a:t>2024. 03. 18.</a:t>
+              <a:t>2024. 03. 19.</a:t>
             </a:fld>
             <a:endParaRPr lang="hu-HU"/>
           </a:p>
@@ -6217,7 +6325,7 @@
           <a:p>
             <a:fld id="{FA64CA88-A0F0-4D5B-BEA8-B57532FDFF33}" type="datetimeFigureOut">
               <a:rPr lang="hu-HU" smtClean="0"/>
-              <a:t>2024. 03. 18.</a:t>
+              <a:t>2024. 03. 19.</a:t>
             </a:fld>
             <a:endParaRPr lang="hu-HU"/>
           </a:p>
@@ -6528,7 +6636,7 @@
           <a:p>
             <a:fld id="{FA64CA88-A0F0-4D5B-BEA8-B57532FDFF33}" type="datetimeFigureOut">
               <a:rPr lang="hu-HU" smtClean="0"/>
-              <a:t>2024. 03. 18.</a:t>
+              <a:t>2024. 03. 19.</a:t>
             </a:fld>
             <a:endParaRPr lang="hu-HU"/>
           </a:p>
@@ -6816,7 +6924,7 @@
           <a:p>
             <a:fld id="{FA64CA88-A0F0-4D5B-BEA8-B57532FDFF33}" type="datetimeFigureOut">
               <a:rPr lang="hu-HU" smtClean="0"/>
-              <a:t>2024. 03. 18.</a:t>
+              <a:t>2024. 03. 19.</a:t>
             </a:fld>
             <a:endParaRPr lang="hu-HU"/>
           </a:p>
@@ -7057,7 +7165,7 @@
           <a:p>
             <a:fld id="{FA64CA88-A0F0-4D5B-BEA8-B57532FDFF33}" type="datetimeFigureOut">
               <a:rPr lang="hu-HU" smtClean="0"/>
-              <a:t>2024. 03. 18.</a:t>
+              <a:t>2024. 03. 19.</a:t>
             </a:fld>
             <a:endParaRPr lang="hu-HU"/>
           </a:p>
@@ -7747,15 +7855,17 @@
         </p:spPr>
         <p:txBody>
           <a:bodyPr anchor="ctr">
-            <a:normAutofit/>
+            <a:normAutofit fontScale="92500"/>
           </a:bodyPr>
           <a:lstStyle/>
           <a:p>
             <a:r>
-              <a:rPr lang="hu-HU">
+              <a:rPr lang="hu-HU" dirty="0">
                 <a:solidFill>
                   <a:srgbClr val="FFFFFF"/>
                 </a:solidFill>
+                <a:latin typeface="Arial" panose="020B0604020202020204" pitchFamily="34" charset="0"/>
+                <a:cs typeface="Arial" panose="020B0604020202020204" pitchFamily="34" charset="0"/>
               </a:rPr>
               <a:t>Készítette: Szigetvári Márk Nagy Bence Brösztl Máté</a:t>
             </a:r>
@@ -7787,7 +7897,87 @@
 </p:sld>
 </file>
 
-<file path=ppt/slides/slide2.xml><?xml version="1.0" encoding="utf-8"?>
+<file path=ppt/slides/slide10.xml><?xml version="1.0" encoding="utf-8"?>
+<p:sld xmlns:a="http://schemas.openxmlformats.org/drawingml/2006/main" xmlns:r="http://schemas.openxmlformats.org/officeDocument/2006/relationships" xmlns:p="http://schemas.openxmlformats.org/presentationml/2006/main">
+  <p:cSld>
+    <p:spTree>
+      <p:nvGrpSpPr>
+        <p:cNvPr id="1" name=""/>
+        <p:cNvGrpSpPr/>
+        <p:nvPr/>
+      </p:nvGrpSpPr>
+      <p:grpSpPr>
+        <a:xfrm>
+          <a:off x="0" y="0"/>
+          <a:ext cx="0" cy="0"/>
+          <a:chOff x="0" y="0"/>
+          <a:chExt cx="0" cy="0"/>
+        </a:xfrm>
+      </p:grpSpPr>
+      <p:sp>
+        <p:nvSpPr>
+          <p:cNvPr id="2" name="Cím 1">
+            <a:extLst>
+              <a:ext uri="{FF2B5EF4-FFF2-40B4-BE49-F238E27FC236}">
+                <a16:creationId xmlns:a16="http://schemas.microsoft.com/office/drawing/2014/main" id="{250C1217-DC4D-485B-A97E-E3C17BBD3D93}"/>
+              </a:ext>
+            </a:extLst>
+          </p:cNvPr>
+          <p:cNvSpPr>
+            <a:spLocks noGrp="1"/>
+          </p:cNvSpPr>
+          <p:nvPr>
+            <p:ph type="title"/>
+          </p:nvPr>
+        </p:nvSpPr>
+        <p:spPr/>
+        <p:txBody>
+          <a:bodyPr/>
+          <a:lstStyle/>
+          <a:p>
+            <a:endParaRPr lang="hu-HU"/>
+          </a:p>
+        </p:txBody>
+      </p:sp>
+      <p:sp>
+        <p:nvSpPr>
+          <p:cNvPr id="3" name="Tartalom helye 2">
+            <a:extLst>
+              <a:ext uri="{FF2B5EF4-FFF2-40B4-BE49-F238E27FC236}">
+                <a16:creationId xmlns:a16="http://schemas.microsoft.com/office/drawing/2014/main" id="{8442C11A-4D50-4BC2-9F03-B4E9F37114C4}"/>
+              </a:ext>
+            </a:extLst>
+          </p:cNvPr>
+          <p:cNvSpPr>
+            <a:spLocks noGrp="1"/>
+          </p:cNvSpPr>
+          <p:nvPr>
+            <p:ph idx="1"/>
+          </p:nvPr>
+        </p:nvSpPr>
+        <p:spPr/>
+        <p:txBody>
+          <a:bodyPr/>
+          <a:lstStyle/>
+          <a:p>
+            <a:endParaRPr lang="hu-HU"/>
+          </a:p>
+        </p:txBody>
+      </p:sp>
+    </p:spTree>
+    <p:extLst>
+      <p:ext uri="{BB962C8B-B14F-4D97-AF65-F5344CB8AC3E}">
+        <p14:creationId xmlns:p14="http://schemas.microsoft.com/office/powerpoint/2010/main" val="179415980"/>
+      </p:ext>
+    </p:extLst>
+  </p:cSld>
+  <p:clrMapOvr>
+    <a:masterClrMapping/>
+  </p:clrMapOvr>
+</p:sld>
+</file>
+
+<file path=ppt/slides/slide11.xml><?xml version="1.0" encoding="utf-8"?>
 <p:sld xmlns:a="http://schemas.openxmlformats.org/drawingml/2006/main" xmlns:r="http://schemas.openxmlformats.org/officeDocument/2006/relationships" xmlns:p="http://schemas.openxmlformats.org/presentationml/2006/main">
   <p:cSld>
     <p:bg>
@@ -7812,146 +8002,12 @@
           <a:chExt cx="0" cy="0"/>
         </a:xfrm>
       </p:grpSpPr>
-      <p:pic>
-        <p:nvPicPr>
-          <p:cNvPr id="6" name="Picture 5">
-            <a:extLst>
-              <a:ext uri="{FF2B5EF4-FFF2-40B4-BE49-F238E27FC236}">
-                <a16:creationId xmlns:a16="http://schemas.microsoft.com/office/drawing/2014/main" id="{BC5E3E58-B850-E653-2861-7F0E9DD50D58}"/>
-              </a:ext>
-            </a:extLst>
-          </p:cNvPr>
-          <p:cNvPicPr>
-            <a:picLocks noChangeAspect="1"/>
-          </p:cNvPicPr>
-          <p:nvPr/>
-        </p:nvPicPr>
-        <p:blipFill rotWithShape="1">
-          <a:blip r:embed="rId2"/>
-          <a:srcRect b="8537"/>
-          <a:stretch/>
-        </p:blipFill>
-        <p:spPr>
-          <a:xfrm>
-            <a:off x="20" y="10"/>
-            <a:ext cx="12191980" cy="6857990"/>
-          </a:xfrm>
-          <a:prstGeom prst="rect">
-            <a:avLst/>
-          </a:prstGeom>
-        </p:spPr>
-      </p:pic>
-      <p:sp>
-        <p:nvSpPr>
-          <p:cNvPr id="10" name="Rectangle 9">
-            <a:extLst>
-              <a:ext uri="{FF2B5EF4-FFF2-40B4-BE49-F238E27FC236}">
-                <a16:creationId xmlns:a16="http://schemas.microsoft.com/office/drawing/2014/main" id="{257363FD-7E77-4145-9483-331A807ADF0E}"/>
-              </a:ext>
-              <a:ext uri="{C183D7F6-B498-43B3-948B-1728B52AA6E4}">
-                <adec:decorative xmlns:adec="http://schemas.microsoft.com/office/drawing/2017/decorative" val="1"/>
-              </a:ext>
-            </a:extLst>
-          </p:cNvPr>
-          <p:cNvSpPr>
-            <a:spLocks noGrp="1" noRot="1" noChangeAspect="1" noMove="1" noResize="1" noEditPoints="1" noAdjustHandles="1" noChangeArrowheads="1" noChangeShapeType="1" noTextEdit="1"/>
-          </p:cNvSpPr>
-          <p:nvPr>
-            <p:extLst>
-              <p:ext uri="{386F3935-93C4-4BCD-93E2-E3B085C9AB24}">
-                <p16:designElem xmlns:p16="http://schemas.microsoft.com/office/powerpoint/2015/main" val="1"/>
-              </p:ext>
-            </p:extLst>
-          </p:nvPr>
-        </p:nvSpPr>
-        <p:spPr>
-          <a:xfrm>
-            <a:off x="0" y="0"/>
-            <a:ext cx="12196802" cy="6858000"/>
-          </a:xfrm>
-          <a:prstGeom prst="rect">
-            <a:avLst/>
-          </a:prstGeom>
-          <a:gradFill flip="none" rotWithShape="1">
-            <a:gsLst>
-              <a:gs pos="28000">
-                <a:schemeClr val="bg2">
-                  <a:alpha val="84000"/>
-                </a:schemeClr>
-              </a:gs>
-              <a:gs pos="74000">
-                <a:schemeClr val="bg1"/>
-              </a:gs>
-            </a:gsLst>
-            <a:path path="circle">
-              <a:fillToRect l="100000" t="100000"/>
-            </a:path>
-            <a:tileRect r="-100000" b="-100000"/>
-          </a:gradFill>
-          <a:ln>
-            <a:noFill/>
-          </a:ln>
-        </p:spPr>
-        <p:style>
-          <a:lnRef idx="2">
-            <a:schemeClr val="accent1">
-              <a:shade val="50000"/>
-            </a:schemeClr>
-          </a:lnRef>
-          <a:fillRef idx="1">
-            <a:schemeClr val="accent1"/>
-          </a:fillRef>
-          <a:effectRef idx="0">
-            <a:schemeClr val="accent1"/>
-          </a:effectRef>
-          <a:fontRef idx="minor">
-            <a:schemeClr val="lt1"/>
-          </a:fontRef>
-        </p:style>
-        <p:txBody>
-          <a:bodyPr rtlCol="0" anchor="ctr"/>
-          <a:lstStyle/>
-          <a:p>
-            <a:pPr marL="0" marR="0" lvl="0" indent="0" algn="ctr" defTabSz="914400" rtl="0" eaLnBrk="1" fontAlgn="auto" latinLnBrk="0" hangingPunct="1">
-              <a:lnSpc>
-                <a:spcPct val="100000"/>
-              </a:lnSpc>
-              <a:spcBef>
-                <a:spcPts val="0"/>
-              </a:spcBef>
-              <a:spcAft>
-                <a:spcPts val="0"/>
-              </a:spcAft>
-              <a:buClrTx/>
-              <a:buSzTx/>
-              <a:buFontTx/>
-              <a:buNone/>
-              <a:tabLst/>
-              <a:defRPr/>
-            </a:pPr>
-            <a:endParaRPr kumimoji="0" lang="en-US" sz="1800" b="0" i="0" u="none" strike="noStrike" kern="1200" cap="none" spc="0" normalizeH="0" baseline="0" noProof="0">
-              <a:ln>
-                <a:noFill/>
-              </a:ln>
-              <a:solidFill>
-                <a:prstClr val="white"/>
-              </a:solidFill>
-              <a:effectLst/>
-              <a:uLnTx/>
-              <a:uFillTx/>
-              <a:latin typeface="Calibri" panose="020F0502020204030204"/>
-              <a:ea typeface="+mn-ea"/>
-              <a:cs typeface="+mn-cs"/>
-            </a:endParaRPr>
-          </a:p>
-        </p:txBody>
-      </p:sp>
       <p:sp>
         <p:nvSpPr>
           <p:cNvPr id="2" name="Cím 1">
             <a:extLst>
               <a:ext uri="{FF2B5EF4-FFF2-40B4-BE49-F238E27FC236}">
-                <a16:creationId xmlns:a16="http://schemas.microsoft.com/office/drawing/2014/main" id="{512975E2-07AE-6D8B-34B6-DD1C9C8C1292}"/>
+                <a16:creationId xmlns:a16="http://schemas.microsoft.com/office/drawing/2014/main" id="{BFF7F569-B6CA-8204-B44F-93CC6836441B}"/>
               </a:ext>
             </a:extLst>
           </p:cNvPr>
@@ -7964,8 +8020,121 @@
         </p:nvSpPr>
         <p:spPr>
           <a:xfrm>
-            <a:off x="838200" y="365125"/>
-            <a:ext cx="10515600" cy="1325563"/>
+            <a:off x="6417733" y="490537"/>
+            <a:ext cx="5291663" cy="1628775"/>
+          </a:xfrm>
+        </p:spPr>
+        <p:txBody>
+          <a:bodyPr anchor="b">
+            <a:normAutofit/>
+          </a:bodyPr>
+          <a:lstStyle/>
+          <a:p>
+            <a:pPr algn="ctr"/>
+            <a:r>
+              <a:rPr lang="hu-HU" dirty="0">
+                <a:latin typeface="Arial" panose="020B0604020202020204" pitchFamily="34" charset="0"/>
+                <a:cs typeface="Arial" panose="020B0604020202020204" pitchFamily="34" charset="0"/>
+              </a:rPr>
+              <a:t>Adatbázis</a:t>
+            </a:r>
+          </a:p>
+        </p:txBody>
+      </p:sp>
+      <p:pic>
+        <p:nvPicPr>
+          <p:cNvPr id="2050" name="Picture 2" descr="Icon MongoDB by xkneo on DeviantArt">
+            <a:extLst>
+              <a:ext uri="{FF2B5EF4-FFF2-40B4-BE49-F238E27FC236}">
+                <a16:creationId xmlns:a16="http://schemas.microsoft.com/office/drawing/2014/main" id="{D437E101-AC60-B6E0-E12C-69EF95136D08}"/>
+              </a:ext>
+            </a:extLst>
+          </p:cNvPr>
+          <p:cNvPicPr>
+            <a:picLocks noChangeAspect="1" noChangeArrowheads="1"/>
+          </p:cNvPicPr>
+          <p:nvPr/>
+        </p:nvPicPr>
+        <p:blipFill rotWithShape="1">
+          <a:blip r:embed="rId2">
+            <a:extLst>
+              <a:ext uri="{28A0092B-C50C-407E-A947-70E740481C1C}">
+                <a14:useLocalDpi xmlns:a14="http://schemas.microsoft.com/office/drawing/2010/main" val="0"/>
+              </a:ext>
+            </a:extLst>
+          </a:blip>
+          <a:srcRect l="3108" r="7982" b="-2"/>
+          <a:stretch/>
+        </p:blipFill>
+        <p:spPr bwMode="auto">
+          <a:xfrm>
+            <a:off x="2" y="1587"/>
+            <a:ext cx="6095999" cy="6856413"/>
+          </a:xfrm>
+          <a:custGeom>
+            <a:avLst/>
+            <a:gdLst/>
+            <a:ahLst/>
+            <a:cxnLst/>
+            <a:rect l="l" t="t" r="r" b="b"/>
+            <a:pathLst>
+              <a:path w="6649908" h="6856413">
+                <a:moveTo>
+                  <a:pt x="0" y="0"/>
+                </a:moveTo>
+                <a:lnTo>
+                  <a:pt x="6559859" y="0"/>
+                </a:lnTo>
+                <a:lnTo>
+                  <a:pt x="6572145" y="79394"/>
+                </a:lnTo>
+                <a:cubicBezTo>
+                  <a:pt x="6857782" y="2230562"/>
+                  <a:pt x="6243159" y="4473353"/>
+                  <a:pt x="6528796" y="6624522"/>
+                </a:cubicBezTo>
+                <a:lnTo>
+                  <a:pt x="6564680" y="6856413"/>
+                </a:lnTo>
+                <a:lnTo>
+                  <a:pt x="0" y="6856413"/>
+                </a:lnTo>
+                <a:close/>
+              </a:path>
+            </a:pathLst>
+          </a:custGeom>
+          <a:noFill/>
+          <a:extLst>
+            <a:ext uri="{909E8E84-426E-40DD-AFC4-6F175D3DCCD1}">
+              <a14:hiddenFill xmlns:a14="http://schemas.microsoft.com/office/drawing/2010/main">
+                <a:solidFill>
+                  <a:srgbClr val="FFFFFF"/>
+                </a:solidFill>
+              </a14:hiddenFill>
+            </a:ext>
+          </a:extLst>
+        </p:spPr>
+      </p:pic>
+      <p:sp>
+        <p:nvSpPr>
+          <p:cNvPr id="3" name="Tartalom helye 2">
+            <a:extLst>
+              <a:ext uri="{FF2B5EF4-FFF2-40B4-BE49-F238E27FC236}">
+                <a16:creationId xmlns:a16="http://schemas.microsoft.com/office/drawing/2014/main" id="{6FD8650E-9836-32E8-B8CC-00971A7EF0B2}"/>
+              </a:ext>
+            </a:extLst>
+          </p:cNvPr>
+          <p:cNvSpPr>
+            <a:spLocks noGrp="1"/>
+          </p:cNvSpPr>
+          <p:nvPr>
+            <p:ph idx="1"/>
+          </p:nvPr>
+        </p:nvSpPr>
+        <p:spPr>
+          <a:xfrm>
+            <a:off x="6417733" y="2614614"/>
+            <a:ext cx="5291663" cy="3752849"/>
           </a:xfrm>
         </p:spPr>
         <p:txBody>
@@ -7975,50 +8144,88 @@
           <a:lstStyle/>
           <a:p>
             <a:r>
-              <a:rPr lang="hu-HU" sz="5400" dirty="0">
+              <a:rPr lang="hu-HU" sz="3200" dirty="0">
                 <a:latin typeface="Arial" panose="020B0604020202020204" pitchFamily="34" charset="0"/>
                 <a:cs typeface="Arial" panose="020B0604020202020204" pitchFamily="34" charset="0"/>
               </a:rPr>
-              <a:t>A projektünk célja</a:t>
-            </a:r>
+              <a:t>MongoDB</a:t>
+            </a:r>
+          </a:p>
+          <a:p>
+            <a:r>
+              <a:rPr lang="hu-HU" sz="3200" dirty="0">
+                <a:latin typeface="Arial" panose="020B0604020202020204" pitchFamily="34" charset="0"/>
+                <a:cs typeface="Arial" panose="020B0604020202020204" pitchFamily="34" charset="0"/>
+              </a:rPr>
+              <a:t>Dokumentum-alapú</a:t>
+            </a:r>
+          </a:p>
+          <a:p>
+            <a:r>
+              <a:rPr lang="hu-HU" sz="3200" dirty="0">
+                <a:latin typeface="Arial" panose="020B0604020202020204" pitchFamily="34" charset="0"/>
+                <a:cs typeface="Arial" panose="020B0604020202020204" pitchFamily="34" charset="0"/>
+              </a:rPr>
+              <a:t>Minta adatok</a:t>
+            </a:r>
+          </a:p>
+          <a:p>
+            <a:pPr lvl="1">
+              <a:buFont typeface="Courier New" panose="02070309020205020404" pitchFamily="49" charset="0"/>
+              <a:buChar char="o"/>
+            </a:pPr>
+            <a:r>
+              <a:rPr lang="hu-HU" sz="2800" dirty="0">
+                <a:latin typeface="Arial" panose="020B0604020202020204" pitchFamily="34" charset="0"/>
+                <a:cs typeface="Arial" panose="020B0604020202020204" pitchFamily="34" charset="0"/>
+              </a:rPr>
+              <a:t>Products</a:t>
+            </a:r>
+          </a:p>
+          <a:p>
+            <a:pPr lvl="1">
+              <a:buFont typeface="Courier New" panose="02070309020205020404" pitchFamily="49" charset="0"/>
+              <a:buChar char="o"/>
+            </a:pPr>
+            <a:r>
+              <a:rPr lang="hu-HU" sz="2800" dirty="0">
+                <a:latin typeface="Arial" panose="020B0604020202020204" pitchFamily="34" charset="0"/>
+                <a:cs typeface="Arial" panose="020B0604020202020204" pitchFamily="34" charset="0"/>
+              </a:rPr>
+              <a:t>Users</a:t>
+            </a:r>
+          </a:p>
+          <a:p>
+            <a:pPr lvl="1">
+              <a:buFont typeface="Courier New" panose="02070309020205020404" pitchFamily="49" charset="0"/>
+              <a:buChar char="o"/>
+            </a:pPr>
+            <a:r>
+              <a:rPr lang="hu-HU" sz="2800" dirty="0">
+                <a:latin typeface="Arial" panose="020B0604020202020204" pitchFamily="34" charset="0"/>
+                <a:cs typeface="Arial" panose="020B0604020202020204" pitchFamily="34" charset="0"/>
+              </a:rPr>
+              <a:t>Auctions</a:t>
+            </a:r>
+          </a:p>
+          <a:p>
+            <a:r>
+              <a:rPr lang="hu-HU" sz="3200" dirty="0">
+                <a:latin typeface="Arial" panose="020B0604020202020204" pitchFamily="34" charset="0"/>
+                <a:cs typeface="Arial" panose="020B0604020202020204" pitchFamily="34" charset="0"/>
+              </a:rPr>
+              <a:t>6 Dokumentum </a:t>
+            </a:r>
+          </a:p>
+          <a:p>
+            <a:endParaRPr lang="hu-HU" sz="1800" dirty="0"/>
           </a:p>
         </p:txBody>
       </p:sp>
-      <p:graphicFrame>
-        <p:nvGraphicFramePr>
-          <p:cNvPr id="5" name="Tartalom helye 2">
-            <a:extLst>
-              <a:ext uri="{FF2B5EF4-FFF2-40B4-BE49-F238E27FC236}">
-                <a16:creationId xmlns:a16="http://schemas.microsoft.com/office/drawing/2014/main" id="{7004DF60-1E71-AC7C-E262-F5B4D1FA82AC}"/>
-              </a:ext>
-            </a:extLst>
-          </p:cNvPr>
-          <p:cNvGraphicFramePr>
-            <a:graphicFrameLocks noGrp="1"/>
-          </p:cNvGraphicFramePr>
-          <p:nvPr>
-            <p:ph idx="1"/>
-            <p:extLst>
-              <p:ext uri="{D42A27DB-BD31-4B8C-83A1-F6EECF244321}">
-                <p14:modId xmlns:p14="http://schemas.microsoft.com/office/powerpoint/2010/main" val="1340742855"/>
-              </p:ext>
-            </p:extLst>
-          </p:nvPr>
-        </p:nvGraphicFramePr>
-        <p:xfrm>
-          <a:off x="838200" y="1825625"/>
-          <a:ext cx="10515600" cy="4351338"/>
-        </p:xfrm>
-        <a:graphic>
-          <a:graphicData uri="http://schemas.openxmlformats.org/drawingml/2006/diagram">
-            <dgm:relIds xmlns:dgm="http://schemas.openxmlformats.org/drawingml/2006/diagram" xmlns:r="http://schemas.openxmlformats.org/officeDocument/2006/relationships" r:dm="rId3" r:lo="rId4" r:qs="rId5" r:cs="rId6"/>
-          </a:graphicData>
-        </a:graphic>
-      </p:graphicFrame>
     </p:spTree>
     <p:extLst>
       <p:ext uri="{BB962C8B-B14F-4D97-AF65-F5344CB8AC3E}">
-        <p14:creationId xmlns:p14="http://schemas.microsoft.com/office/powerpoint/2010/main" val="309717442"/>
+        <p14:creationId xmlns:p14="http://schemas.microsoft.com/office/powerpoint/2010/main" val="1175636529"/>
       </p:ext>
     </p:extLst>
   </p:cSld>
@@ -8031,7 +8238,7 @@
 </p:sld>
 </file>
 
-<file path=ppt/slides/slide3.xml><?xml version="1.0" encoding="utf-8"?>
+<file path=ppt/slides/slide12.xml><?xml version="1.0" encoding="utf-8"?>
 <p:sld xmlns:a="http://schemas.openxmlformats.org/drawingml/2006/main" xmlns:r="http://schemas.openxmlformats.org/officeDocument/2006/relationships" xmlns:p="http://schemas.openxmlformats.org/presentationml/2006/main">
   <p:cSld>
     <p:bg>
@@ -8145,7 +8352,10 @@
           <a:lstStyle/>
           <a:p>
             <a:r>
-              <a:rPr lang="en-US" sz="5400" dirty="0"/>
+              <a:rPr lang="en-US" sz="5400" dirty="0">
+                <a:latin typeface="Arial" panose="020B0604020202020204" pitchFamily="34" charset="0"/>
+                <a:cs typeface="Arial" panose="020B0604020202020204" pitchFamily="34" charset="0"/>
+              </a:rPr>
               <a:t>Miért pont MongoDB? </a:t>
             </a:r>
           </a:p>
@@ -8614,7 +8824,7 @@
             <a:round/>
             <a:extLst>
               <a:ext uri="{C807C97D-BFC1-408E-A445-0C87EB9F89A2}">
-                <ask:lineSketchStyleProps xmlns:ask="http://schemas.microsoft.com/office/drawing/2018/sketchyshapes" sd="2727557108">
+                <ask:lineSketchStyleProps xmlns:ask="http://schemas.microsoft.com/office/drawing/2018/sketchyshapes" xmlns="" sd="2727557108">
                   <a:prstGeom prst="rect">
                     <a:avLst/>
                   </a:prstGeom>
@@ -8681,40 +8891,57 @@
           <a:p>
             <a:pPr marL="285750"/>
             <a:r>
-              <a:rPr lang="hu-HU" sz="2200" dirty="0"/>
-              <a:t>Kevesebb szigorú követelménynek kell megfelelni mint egy relációs </a:t>
-            </a:r>
-            <a:r>
-              <a:rPr lang="hu-HU" sz="2200"/>
-              <a:t>adatbázisnál </a:t>
+              <a:rPr lang="hu-HU" dirty="0">
+                <a:latin typeface="Arial" panose="020B0604020202020204" pitchFamily="34" charset="0"/>
+                <a:cs typeface="Arial" panose="020B0604020202020204" pitchFamily="34" charset="0"/>
+              </a:rPr>
+              <a:t>Kevesebb szigorú követelménynek kell megfelelni mint egy relációs adatbázisnál </a:t>
             </a:r>
           </a:p>
           <a:p>
             <a:pPr marL="285750"/>
             <a:r>
-              <a:rPr lang="hu-HU" sz="2200"/>
+              <a:rPr lang="hu-HU" dirty="0">
+                <a:latin typeface="Arial" panose="020B0604020202020204" pitchFamily="34" charset="0"/>
+                <a:cs typeface="Arial" panose="020B0604020202020204" pitchFamily="34" charset="0"/>
+              </a:rPr>
               <a:t>N</a:t>
             </a:r>
             <a:r>
-              <a:rPr lang="en-US" sz="2200" dirty="0"/>
+              <a:rPr lang="en-US" dirty="0">
+                <a:latin typeface="Arial" panose="020B0604020202020204" pitchFamily="34" charset="0"/>
+                <a:cs typeface="Arial" panose="020B0604020202020204" pitchFamily="34" charset="0"/>
+              </a:rPr>
               <a:t>incs szükség előre meghatározott sémákra</a:t>
             </a:r>
-            <a:endParaRPr lang="hu-HU" sz="2200" dirty="0"/>
+            <a:endParaRPr lang="hu-HU" dirty="0">
+              <a:latin typeface="Arial" panose="020B0604020202020204" pitchFamily="34" charset="0"/>
+              <a:cs typeface="Arial" panose="020B0604020202020204" pitchFamily="34" charset="0"/>
+            </a:endParaRPr>
           </a:p>
           <a:p>
             <a:pPr marL="285750"/>
             <a:r>
-              <a:rPr lang="hu-HU" sz="2200" dirty="0"/>
+              <a:rPr lang="hu-HU" dirty="0">
+                <a:latin typeface="Arial" panose="020B0604020202020204" pitchFamily="34" charset="0"/>
+                <a:cs typeface="Arial" panose="020B0604020202020204" pitchFamily="34" charset="0"/>
+              </a:rPr>
               <a:t>Gyorsabb fejlesztési folyamat</a:t>
             </a:r>
           </a:p>
           <a:p>
             <a:pPr marL="285750"/>
             <a:r>
-              <a:rPr lang="hu-HU" sz="2200" dirty="0"/>
+              <a:rPr lang="hu-HU" dirty="0">
+                <a:latin typeface="Arial" panose="020B0604020202020204" pitchFamily="34" charset="0"/>
+                <a:cs typeface="Arial" panose="020B0604020202020204" pitchFamily="34" charset="0"/>
+              </a:rPr>
               <a:t>Skálázhatóbb </a:t>
             </a:r>
-            <a:endParaRPr lang="en-US" sz="2200" dirty="0"/>
+            <a:endParaRPr lang="en-US" dirty="0">
+              <a:latin typeface="Arial" panose="020B0604020202020204" pitchFamily="34" charset="0"/>
+              <a:cs typeface="Arial" panose="020B0604020202020204" pitchFamily="34" charset="0"/>
+            </a:endParaRPr>
           </a:p>
         </p:txBody>
       </p:sp>
@@ -8734,267 +8961,7 @@
 </p:sld>
 </file>
 
-<file path=ppt/slides/slide4.xml><?xml version="1.0" encoding="utf-8"?>
-<p:sld xmlns:a="http://schemas.openxmlformats.org/drawingml/2006/main" xmlns:r="http://schemas.openxmlformats.org/officeDocument/2006/relationships" xmlns:p="http://schemas.openxmlformats.org/presentationml/2006/main">
-  <p:cSld>
-    <p:bg>
-      <p:bgPr>
-        <a:solidFill>
-          <a:schemeClr val="bg1"/>
-        </a:solidFill>
-        <a:effectLst/>
-      </p:bgPr>
-    </p:bg>
-    <p:spTree>
-      <p:nvGrpSpPr>
-        <p:cNvPr id="1" name=""/>
-        <p:cNvGrpSpPr/>
-        <p:nvPr/>
-      </p:nvGrpSpPr>
-      <p:grpSpPr>
-        <a:xfrm>
-          <a:off x="0" y="0"/>
-          <a:ext cx="0" cy="0"/>
-          <a:chOff x="0" y="0"/>
-          <a:chExt cx="0" cy="0"/>
-        </a:xfrm>
-      </p:grpSpPr>
-      <p:sp>
-        <p:nvSpPr>
-          <p:cNvPr id="2" name="Cím 1">
-            <a:extLst>
-              <a:ext uri="{FF2B5EF4-FFF2-40B4-BE49-F238E27FC236}">
-                <a16:creationId xmlns:a16="http://schemas.microsoft.com/office/drawing/2014/main" id="{BFF7F569-B6CA-8204-B44F-93CC6836441B}"/>
-              </a:ext>
-            </a:extLst>
-          </p:cNvPr>
-          <p:cNvSpPr>
-            <a:spLocks noGrp="1"/>
-          </p:cNvSpPr>
-          <p:nvPr>
-            <p:ph type="title"/>
-          </p:nvPr>
-        </p:nvSpPr>
-        <p:spPr>
-          <a:xfrm>
-            <a:off x="6417733" y="490537"/>
-            <a:ext cx="5291663" cy="1628775"/>
-          </a:xfrm>
-        </p:spPr>
-        <p:txBody>
-          <a:bodyPr anchor="b">
-            <a:normAutofit/>
-          </a:bodyPr>
-          <a:lstStyle/>
-          <a:p>
-            <a:r>
-              <a:rPr lang="hu-HU" sz="4000">
-                <a:latin typeface="Arial" panose="020B0604020202020204" pitchFamily="34" charset="0"/>
-                <a:cs typeface="Arial" panose="020B0604020202020204" pitchFamily="34" charset="0"/>
-              </a:rPr>
-              <a:t>Adatbázis</a:t>
-            </a:r>
-          </a:p>
-        </p:txBody>
-      </p:sp>
-      <p:pic>
-        <p:nvPicPr>
-          <p:cNvPr id="2050" name="Picture 2" descr="Icon MongoDB by xkneo on DeviantArt">
-            <a:extLst>
-              <a:ext uri="{FF2B5EF4-FFF2-40B4-BE49-F238E27FC236}">
-                <a16:creationId xmlns:a16="http://schemas.microsoft.com/office/drawing/2014/main" id="{D437E101-AC60-B6E0-E12C-69EF95136D08}"/>
-              </a:ext>
-            </a:extLst>
-          </p:cNvPr>
-          <p:cNvPicPr>
-            <a:picLocks noChangeAspect="1" noChangeArrowheads="1"/>
-          </p:cNvPicPr>
-          <p:nvPr/>
-        </p:nvPicPr>
-        <p:blipFill rotWithShape="1">
-          <a:blip r:embed="rId2">
-            <a:extLst>
-              <a:ext uri="{28A0092B-C50C-407E-A947-70E740481C1C}">
-                <a14:useLocalDpi xmlns:a14="http://schemas.microsoft.com/office/drawing/2010/main" val="0"/>
-              </a:ext>
-            </a:extLst>
-          </a:blip>
-          <a:srcRect l="3108" r="7982" b="-2"/>
-          <a:stretch/>
-        </p:blipFill>
-        <p:spPr bwMode="auto">
-          <a:xfrm>
-            <a:off x="2" y="1587"/>
-            <a:ext cx="6095999" cy="6856413"/>
-          </a:xfrm>
-          <a:custGeom>
-            <a:avLst/>
-            <a:gdLst/>
-            <a:ahLst/>
-            <a:cxnLst/>
-            <a:rect l="l" t="t" r="r" b="b"/>
-            <a:pathLst>
-              <a:path w="6649908" h="6856413">
-                <a:moveTo>
-                  <a:pt x="0" y="0"/>
-                </a:moveTo>
-                <a:lnTo>
-                  <a:pt x="6559859" y="0"/>
-                </a:lnTo>
-                <a:lnTo>
-                  <a:pt x="6572145" y="79394"/>
-                </a:lnTo>
-                <a:cubicBezTo>
-                  <a:pt x="6857782" y="2230562"/>
-                  <a:pt x="6243159" y="4473353"/>
-                  <a:pt x="6528796" y="6624522"/>
-                </a:cubicBezTo>
-                <a:lnTo>
-                  <a:pt x="6564680" y="6856413"/>
-                </a:lnTo>
-                <a:lnTo>
-                  <a:pt x="0" y="6856413"/>
-                </a:lnTo>
-                <a:close/>
-              </a:path>
-            </a:pathLst>
-          </a:custGeom>
-          <a:noFill/>
-          <a:extLst>
-            <a:ext uri="{909E8E84-426E-40DD-AFC4-6F175D3DCCD1}">
-              <a14:hiddenFill xmlns:a14="http://schemas.microsoft.com/office/drawing/2010/main">
-                <a:solidFill>
-                  <a:srgbClr val="FFFFFF"/>
-                </a:solidFill>
-              </a14:hiddenFill>
-            </a:ext>
-          </a:extLst>
-        </p:spPr>
-      </p:pic>
-      <p:sp>
-        <p:nvSpPr>
-          <p:cNvPr id="3" name="Tartalom helye 2">
-            <a:extLst>
-              <a:ext uri="{FF2B5EF4-FFF2-40B4-BE49-F238E27FC236}">
-                <a16:creationId xmlns:a16="http://schemas.microsoft.com/office/drawing/2014/main" id="{6FD8650E-9836-32E8-B8CC-00971A7EF0B2}"/>
-              </a:ext>
-            </a:extLst>
-          </p:cNvPr>
-          <p:cNvSpPr>
-            <a:spLocks noGrp="1"/>
-          </p:cNvSpPr>
-          <p:nvPr>
-            <p:ph idx="1"/>
-          </p:nvPr>
-        </p:nvSpPr>
-        <p:spPr>
-          <a:xfrm>
-            <a:off x="6417734" y="2614612"/>
-            <a:ext cx="5291663" cy="3752849"/>
-          </a:xfrm>
-        </p:spPr>
-        <p:txBody>
-          <a:bodyPr>
-            <a:normAutofit/>
-          </a:bodyPr>
-          <a:lstStyle/>
-          <a:p>
-            <a:r>
-              <a:rPr lang="hu-HU" sz="1800" dirty="0">
-                <a:latin typeface="Arial" panose="020B0604020202020204" pitchFamily="34" charset="0"/>
-                <a:cs typeface="Arial" panose="020B0604020202020204" pitchFamily="34" charset="0"/>
-              </a:rPr>
-              <a:t>MongoDB</a:t>
-            </a:r>
-          </a:p>
-          <a:p>
-            <a:r>
-              <a:rPr lang="hu-HU" sz="1800" dirty="0">
-                <a:latin typeface="Arial" panose="020B0604020202020204" pitchFamily="34" charset="0"/>
-                <a:cs typeface="Arial" panose="020B0604020202020204" pitchFamily="34" charset="0"/>
-              </a:rPr>
-              <a:t>Dokumentum-alapú</a:t>
-            </a:r>
-          </a:p>
-          <a:p>
-            <a:r>
-              <a:rPr lang="hu-HU" sz="1800" dirty="0">
-                <a:latin typeface="Arial" panose="020B0604020202020204" pitchFamily="34" charset="0"/>
-                <a:cs typeface="Arial" panose="020B0604020202020204" pitchFamily="34" charset="0"/>
-              </a:rPr>
-              <a:t>Minta adatok</a:t>
-            </a:r>
-          </a:p>
-          <a:p>
-            <a:pPr lvl="1">
-              <a:buFont typeface="Courier New" panose="02070309020205020404" pitchFamily="49" charset="0"/>
-              <a:buChar char="o"/>
-            </a:pPr>
-            <a:r>
-              <a:rPr lang="hu-HU" sz="1600" dirty="0">
-                <a:latin typeface="Arial" panose="020B0604020202020204" pitchFamily="34" charset="0"/>
-                <a:cs typeface="Arial" panose="020B0604020202020204" pitchFamily="34" charset="0"/>
-              </a:rPr>
-              <a:t>Products</a:t>
-            </a:r>
-          </a:p>
-          <a:p>
-            <a:pPr lvl="1">
-              <a:buFont typeface="Courier New" panose="02070309020205020404" pitchFamily="49" charset="0"/>
-              <a:buChar char="o"/>
-            </a:pPr>
-            <a:r>
-              <a:rPr lang="hu-HU" sz="1600" dirty="0">
-                <a:latin typeface="Arial" panose="020B0604020202020204" pitchFamily="34" charset="0"/>
-                <a:cs typeface="Arial" panose="020B0604020202020204" pitchFamily="34" charset="0"/>
-              </a:rPr>
-              <a:t>Users</a:t>
-            </a:r>
-          </a:p>
-          <a:p>
-            <a:pPr lvl="1">
-              <a:buFont typeface="Courier New" panose="02070309020205020404" pitchFamily="49" charset="0"/>
-              <a:buChar char="o"/>
-            </a:pPr>
-            <a:r>
-              <a:rPr lang="hu-HU" sz="1600" dirty="0">
-                <a:latin typeface="Arial" panose="020B0604020202020204" pitchFamily="34" charset="0"/>
-                <a:cs typeface="Arial" panose="020B0604020202020204" pitchFamily="34" charset="0"/>
-              </a:rPr>
-              <a:t>Auctions</a:t>
-            </a:r>
-          </a:p>
-          <a:p>
-            <a:r>
-              <a:rPr lang="hu-HU" sz="1800" dirty="0">
-                <a:latin typeface="Arial" panose="020B0604020202020204" pitchFamily="34" charset="0"/>
-                <a:cs typeface="Arial" panose="020B0604020202020204" pitchFamily="34" charset="0"/>
-              </a:rPr>
-              <a:t>6 Dokumentum </a:t>
-            </a:r>
-          </a:p>
-          <a:p>
-            <a:endParaRPr lang="hu-HU" sz="1800" dirty="0"/>
-          </a:p>
-        </p:txBody>
-      </p:sp>
-    </p:spTree>
-    <p:extLst>
-      <p:ext uri="{BB962C8B-B14F-4D97-AF65-F5344CB8AC3E}">
-        <p14:creationId xmlns:p14="http://schemas.microsoft.com/office/powerpoint/2010/main" val="1175636529"/>
-      </p:ext>
-    </p:extLst>
-  </p:cSld>
-  <p:clrMapOvr>
-    <a:masterClrMapping/>
-  </p:clrMapOvr>
-  <p:transition spd="med">
-    <p:pull/>
-  </p:transition>
-</p:sld>
-</file>
-
-<file path=ppt/slides/slide5.xml><?xml version="1.0" encoding="utf-8"?>
+<file path=ppt/slides/slide13.xml><?xml version="1.0" encoding="utf-8"?>
 <p:sld xmlns:a="http://schemas.openxmlformats.org/drawingml/2006/main" xmlns:r="http://schemas.openxmlformats.org/officeDocument/2006/relationships" xmlns:p="http://schemas.openxmlformats.org/presentationml/2006/main">
   <p:cSld>
     <p:spTree>
@@ -9057,7 +9024,7 @@
 </p:sld>
 </file>
 
-<file path=ppt/slides/slide6.xml><?xml version="1.0" encoding="utf-8"?>
+<file path=ppt/slides/slide14.xml><?xml version="1.0" encoding="utf-8"?>
 <p:sld xmlns:a="http://schemas.openxmlformats.org/drawingml/2006/main" xmlns:r="http://schemas.openxmlformats.org/officeDocument/2006/relationships" xmlns:p="http://schemas.openxmlformats.org/presentationml/2006/main">
   <p:cSld>
     <p:bg>
@@ -9134,7 +9101,7 @@
 </p:sld>
 </file>
 
-<file path=ppt/slides/slide7.xml><?xml version="1.0" encoding="utf-8"?>
+<file path=ppt/slides/slide15.xml><?xml version="1.0" encoding="utf-8"?>
 <p:sld xmlns:a="http://schemas.openxmlformats.org/drawingml/2006/main" xmlns:r="http://schemas.openxmlformats.org/officeDocument/2006/relationships" xmlns:p="http://schemas.openxmlformats.org/presentationml/2006/main">
   <p:cSld>
     <p:bg>
@@ -9327,15 +9294,44 @@
           <a:p>
             <a:pPr algn="ctr"/>
             <a:r>
-              <a:rPr lang="en-US" sz="6600" kern="1200">
+              <a:rPr lang="en-US" sz="6000" kern="1200" dirty="0" err="1">
                 <a:solidFill>
                   <a:schemeClr val="tx1"/>
                 </a:solidFill>
-                <a:latin typeface="+mj-lt"/>
-                <a:ea typeface="+mj-ea"/>
-                <a:cs typeface="+mj-cs"/>
+                <a:latin typeface="Arial" panose="020B0604020202020204" pitchFamily="34" charset="0"/>
+                <a:cs typeface="Arial" panose="020B0604020202020204" pitchFamily="34" charset="0"/>
               </a:rPr>
-              <a:t>Köszönjük a figyelmet !</a:t>
+              <a:t>Köszönjük</a:t>
+            </a:r>
+            <a:r>
+              <a:rPr lang="en-US" sz="6000" kern="1200" dirty="0">
+                <a:solidFill>
+                  <a:schemeClr val="tx1"/>
+                </a:solidFill>
+                <a:latin typeface="Arial" panose="020B0604020202020204" pitchFamily="34" charset="0"/>
+                <a:cs typeface="Arial" panose="020B0604020202020204" pitchFamily="34" charset="0"/>
+              </a:rPr>
+              <a:t> a </a:t>
+            </a:r>
+            <a:r>
+              <a:rPr lang="en-US" sz="6000" kern="1200" dirty="0" err="1">
+                <a:solidFill>
+                  <a:schemeClr val="tx1"/>
+                </a:solidFill>
+                <a:latin typeface="Arial" panose="020B0604020202020204" pitchFamily="34" charset="0"/>
+                <a:cs typeface="Arial" panose="020B0604020202020204" pitchFamily="34" charset="0"/>
+              </a:rPr>
+              <a:t>figyelmet</a:t>
+            </a:r>
+            <a:r>
+              <a:rPr lang="en-US" sz="6000" kern="1200" dirty="0">
+                <a:solidFill>
+                  <a:schemeClr val="tx1"/>
+                </a:solidFill>
+                <a:latin typeface="Arial" panose="020B0604020202020204" pitchFamily="34" charset="0"/>
+                <a:cs typeface="Arial" panose="020B0604020202020204" pitchFamily="34" charset="0"/>
+              </a:rPr>
+              <a:t> !</a:t>
             </a:r>
           </a:p>
         </p:txBody>
@@ -9507,6 +9503,1139 @@
       <p:bldP spid="2" grpId="0"/>
     </p:bldLst>
   </p:timing>
+</p:sld>
+</file>
+
+<file path=ppt/slides/slide2.xml><?xml version="1.0" encoding="utf-8"?>
+<p:sld xmlns:a="http://schemas.openxmlformats.org/drawingml/2006/main" xmlns:r="http://schemas.openxmlformats.org/officeDocument/2006/relationships" xmlns:p="http://schemas.openxmlformats.org/presentationml/2006/main">
+  <p:cSld>
+    <p:bg>
+      <p:bgPr>
+        <a:solidFill>
+          <a:schemeClr val="bg1"/>
+        </a:solidFill>
+        <a:effectLst/>
+      </p:bgPr>
+    </p:bg>
+    <p:spTree>
+      <p:nvGrpSpPr>
+        <p:cNvPr id="1" name=""/>
+        <p:cNvGrpSpPr/>
+        <p:nvPr/>
+      </p:nvGrpSpPr>
+      <p:grpSpPr>
+        <a:xfrm>
+          <a:off x="0" y="0"/>
+          <a:ext cx="0" cy="0"/>
+          <a:chOff x="0" y="0"/>
+          <a:chExt cx="0" cy="0"/>
+        </a:xfrm>
+      </p:grpSpPr>
+      <p:pic>
+        <p:nvPicPr>
+          <p:cNvPr id="6" name="Picture 5">
+            <a:extLst>
+              <a:ext uri="{FF2B5EF4-FFF2-40B4-BE49-F238E27FC236}">
+                <a16:creationId xmlns:a16="http://schemas.microsoft.com/office/drawing/2014/main" id="{BC5E3E58-B850-E653-2861-7F0E9DD50D58}"/>
+              </a:ext>
+            </a:extLst>
+          </p:cNvPr>
+          <p:cNvPicPr>
+            <a:picLocks noChangeAspect="1"/>
+          </p:cNvPicPr>
+          <p:nvPr/>
+        </p:nvPicPr>
+        <p:blipFill rotWithShape="1">
+          <a:blip r:embed="rId2"/>
+          <a:srcRect b="8537"/>
+          <a:stretch/>
+        </p:blipFill>
+        <p:spPr>
+          <a:xfrm>
+            <a:off x="20" y="10"/>
+            <a:ext cx="12191980" cy="6857990"/>
+          </a:xfrm>
+          <a:prstGeom prst="rect">
+            <a:avLst/>
+          </a:prstGeom>
+        </p:spPr>
+      </p:pic>
+      <p:sp>
+        <p:nvSpPr>
+          <p:cNvPr id="10" name="Rectangle 9">
+            <a:extLst>
+              <a:ext uri="{FF2B5EF4-FFF2-40B4-BE49-F238E27FC236}">
+                <a16:creationId xmlns:a16="http://schemas.microsoft.com/office/drawing/2014/main" id="{257363FD-7E77-4145-9483-331A807ADF0E}"/>
+              </a:ext>
+              <a:ext uri="{C183D7F6-B498-43B3-948B-1728B52AA6E4}">
+                <adec:decorative xmlns:adec="http://schemas.microsoft.com/office/drawing/2017/decorative" val="1"/>
+              </a:ext>
+            </a:extLst>
+          </p:cNvPr>
+          <p:cNvSpPr>
+            <a:spLocks noGrp="1" noRot="1" noChangeAspect="1" noMove="1" noResize="1" noEditPoints="1" noAdjustHandles="1" noChangeArrowheads="1" noChangeShapeType="1" noTextEdit="1"/>
+          </p:cNvSpPr>
+          <p:nvPr>
+            <p:extLst>
+              <p:ext uri="{386F3935-93C4-4BCD-93E2-E3B085C9AB24}">
+                <p16:designElem xmlns:p16="http://schemas.microsoft.com/office/powerpoint/2015/main" val="1"/>
+              </p:ext>
+            </p:extLst>
+          </p:nvPr>
+        </p:nvSpPr>
+        <p:spPr>
+          <a:xfrm>
+            <a:off x="0" y="0"/>
+            <a:ext cx="12196802" cy="6858000"/>
+          </a:xfrm>
+          <a:prstGeom prst="rect">
+            <a:avLst/>
+          </a:prstGeom>
+          <a:gradFill flip="none" rotWithShape="1">
+            <a:gsLst>
+              <a:gs pos="28000">
+                <a:schemeClr val="bg2">
+                  <a:alpha val="84000"/>
+                </a:schemeClr>
+              </a:gs>
+              <a:gs pos="74000">
+                <a:schemeClr val="bg1"/>
+              </a:gs>
+            </a:gsLst>
+            <a:path path="circle">
+              <a:fillToRect l="100000" t="100000"/>
+            </a:path>
+            <a:tileRect r="-100000" b="-100000"/>
+          </a:gradFill>
+          <a:ln>
+            <a:noFill/>
+          </a:ln>
+        </p:spPr>
+        <p:style>
+          <a:lnRef idx="2">
+            <a:schemeClr val="accent1">
+              <a:shade val="50000"/>
+            </a:schemeClr>
+          </a:lnRef>
+          <a:fillRef idx="1">
+            <a:schemeClr val="accent1"/>
+          </a:fillRef>
+          <a:effectRef idx="0">
+            <a:schemeClr val="accent1"/>
+          </a:effectRef>
+          <a:fontRef idx="minor">
+            <a:schemeClr val="lt1"/>
+          </a:fontRef>
+        </p:style>
+        <p:txBody>
+          <a:bodyPr rtlCol="0" anchor="ctr"/>
+          <a:lstStyle/>
+          <a:p>
+            <a:pPr marL="0" marR="0" lvl="0" indent="0" algn="ctr" defTabSz="914400" rtl="0" eaLnBrk="1" fontAlgn="auto" latinLnBrk="0" hangingPunct="1">
+              <a:lnSpc>
+                <a:spcPct val="100000"/>
+              </a:lnSpc>
+              <a:spcBef>
+                <a:spcPts val="0"/>
+              </a:spcBef>
+              <a:spcAft>
+                <a:spcPts val="0"/>
+              </a:spcAft>
+              <a:buClrTx/>
+              <a:buSzTx/>
+              <a:buFontTx/>
+              <a:buNone/>
+              <a:tabLst/>
+              <a:defRPr/>
+            </a:pPr>
+            <a:endParaRPr kumimoji="0" lang="en-US" sz="1800" b="0" i="0" u="none" strike="noStrike" kern="1200" cap="none" spc="0" normalizeH="0" baseline="0" noProof="0">
+              <a:ln>
+                <a:noFill/>
+              </a:ln>
+              <a:solidFill>
+                <a:prstClr val="white"/>
+              </a:solidFill>
+              <a:effectLst/>
+              <a:uLnTx/>
+              <a:uFillTx/>
+              <a:latin typeface="Calibri" panose="020F0502020204030204"/>
+              <a:ea typeface="+mn-ea"/>
+              <a:cs typeface="+mn-cs"/>
+            </a:endParaRPr>
+          </a:p>
+        </p:txBody>
+      </p:sp>
+      <p:sp>
+        <p:nvSpPr>
+          <p:cNvPr id="2" name="Cím 1">
+            <a:extLst>
+              <a:ext uri="{FF2B5EF4-FFF2-40B4-BE49-F238E27FC236}">
+                <a16:creationId xmlns:a16="http://schemas.microsoft.com/office/drawing/2014/main" id="{512975E2-07AE-6D8B-34B6-DD1C9C8C1292}"/>
+              </a:ext>
+            </a:extLst>
+          </p:cNvPr>
+          <p:cNvSpPr>
+            <a:spLocks noGrp="1"/>
+          </p:cNvSpPr>
+          <p:nvPr>
+            <p:ph type="title"/>
+          </p:nvPr>
+        </p:nvSpPr>
+        <p:spPr>
+          <a:xfrm>
+            <a:off x="838200" y="365125"/>
+            <a:ext cx="10515600" cy="1325563"/>
+          </a:xfrm>
+        </p:spPr>
+        <p:txBody>
+          <a:bodyPr>
+            <a:normAutofit/>
+          </a:bodyPr>
+          <a:lstStyle/>
+          <a:p>
+            <a:r>
+              <a:rPr lang="hu-HU" sz="5400" dirty="0">
+                <a:latin typeface="Arial" panose="020B0604020202020204" pitchFamily="34" charset="0"/>
+                <a:cs typeface="Arial" panose="020B0604020202020204" pitchFamily="34" charset="0"/>
+              </a:rPr>
+              <a:t>A projektünk célja</a:t>
+            </a:r>
+          </a:p>
+        </p:txBody>
+      </p:sp>
+      <p:graphicFrame>
+        <p:nvGraphicFramePr>
+          <p:cNvPr id="5" name="Tartalom helye 2">
+            <a:extLst>
+              <a:ext uri="{FF2B5EF4-FFF2-40B4-BE49-F238E27FC236}">
+                <a16:creationId xmlns:a16="http://schemas.microsoft.com/office/drawing/2014/main" id="{7004DF60-1E71-AC7C-E262-F5B4D1FA82AC}"/>
+              </a:ext>
+            </a:extLst>
+          </p:cNvPr>
+          <p:cNvGraphicFramePr>
+            <a:graphicFrameLocks noGrp="1"/>
+          </p:cNvGraphicFramePr>
+          <p:nvPr>
+            <p:ph idx="1"/>
+            <p:extLst>
+              <p:ext uri="{D42A27DB-BD31-4B8C-83A1-F6EECF244321}">
+                <p14:modId xmlns:p14="http://schemas.microsoft.com/office/powerpoint/2010/main" val="2745286070"/>
+              </p:ext>
+            </p:extLst>
+          </p:nvPr>
+        </p:nvGraphicFramePr>
+        <p:xfrm>
+          <a:off x="838200" y="1825625"/>
+          <a:ext cx="10515600" cy="4351338"/>
+        </p:xfrm>
+        <a:graphic>
+          <a:graphicData uri="http://schemas.openxmlformats.org/drawingml/2006/diagram">
+            <dgm:relIds xmlns:dgm="http://schemas.openxmlformats.org/drawingml/2006/diagram" xmlns:r="http://schemas.openxmlformats.org/officeDocument/2006/relationships" r:dm="rId3" r:lo="rId4" r:qs="rId5" r:cs="rId6"/>
+          </a:graphicData>
+        </a:graphic>
+      </p:graphicFrame>
+    </p:spTree>
+    <p:extLst>
+      <p:ext uri="{BB962C8B-B14F-4D97-AF65-F5344CB8AC3E}">
+        <p14:creationId xmlns:p14="http://schemas.microsoft.com/office/powerpoint/2010/main" val="309717442"/>
+      </p:ext>
+    </p:extLst>
+  </p:cSld>
+  <p:clrMapOvr>
+    <a:masterClrMapping/>
+  </p:clrMapOvr>
+  <p:transition spd="med">
+    <p:pull/>
+  </p:transition>
+</p:sld>
+</file>
+
+<file path=ppt/slides/slide3.xml><?xml version="1.0" encoding="utf-8"?>
+<p:sld xmlns:a="http://schemas.openxmlformats.org/drawingml/2006/main" xmlns:r="http://schemas.openxmlformats.org/officeDocument/2006/relationships" xmlns:p="http://schemas.openxmlformats.org/presentationml/2006/main">
+  <p:cSld>
+    <p:spTree>
+      <p:nvGrpSpPr>
+        <p:cNvPr id="1" name=""/>
+        <p:cNvGrpSpPr/>
+        <p:nvPr/>
+      </p:nvGrpSpPr>
+      <p:grpSpPr>
+        <a:xfrm>
+          <a:off x="0" y="0"/>
+          <a:ext cx="0" cy="0"/>
+          <a:chOff x="0" y="0"/>
+          <a:chExt cx="0" cy="0"/>
+        </a:xfrm>
+      </p:grpSpPr>
+      <p:sp>
+        <p:nvSpPr>
+          <p:cNvPr id="2" name="Cím 1">
+            <a:extLst>
+              <a:ext uri="{FF2B5EF4-FFF2-40B4-BE49-F238E27FC236}">
+                <a16:creationId xmlns:a16="http://schemas.microsoft.com/office/drawing/2014/main" id="{1254D7D8-9757-4320-85D1-0471F33F59F2}"/>
+              </a:ext>
+            </a:extLst>
+          </p:cNvPr>
+          <p:cNvSpPr>
+            <a:spLocks noGrp="1"/>
+          </p:cNvSpPr>
+          <p:nvPr>
+            <p:ph type="title"/>
+          </p:nvPr>
+        </p:nvSpPr>
+        <p:spPr/>
+        <p:txBody>
+          <a:bodyPr/>
+          <a:lstStyle/>
+          <a:p>
+            <a:r>
+              <a:rPr lang="hu-HU" dirty="0">
+                <a:latin typeface="Arial" panose="020B0604020202020204" pitchFamily="34" charset="0"/>
+                <a:cs typeface="Arial" panose="020B0604020202020204" pitchFamily="34" charset="0"/>
+              </a:rPr>
+              <a:t>Programunk funkciói</a:t>
+            </a:r>
+          </a:p>
+        </p:txBody>
+      </p:sp>
+      <p:sp>
+        <p:nvSpPr>
+          <p:cNvPr id="3" name="Tartalom helye 2">
+            <a:extLst>
+              <a:ext uri="{FF2B5EF4-FFF2-40B4-BE49-F238E27FC236}">
+                <a16:creationId xmlns:a16="http://schemas.microsoft.com/office/drawing/2014/main" id="{F9A6FD74-7C51-424A-91C9-8E0FA8A52A4A}"/>
+              </a:ext>
+            </a:extLst>
+          </p:cNvPr>
+          <p:cNvSpPr>
+            <a:spLocks noGrp="1"/>
+          </p:cNvSpPr>
+          <p:nvPr>
+            <p:ph idx="1"/>
+          </p:nvPr>
+        </p:nvSpPr>
+        <p:spPr>
+          <a:xfrm>
+            <a:off x="838200" y="1825625"/>
+            <a:ext cx="10515600" cy="4351338"/>
+          </a:xfrm>
+        </p:spPr>
+        <p:txBody>
+          <a:bodyPr/>
+          <a:lstStyle/>
+          <a:p>
+            <a:r>
+              <a:rPr lang="hu-HU" dirty="0">
+                <a:latin typeface="Arial" panose="020B0604020202020204" pitchFamily="34" charset="0"/>
+                <a:cs typeface="Arial" panose="020B0604020202020204" pitchFamily="34" charset="0"/>
+              </a:rPr>
+              <a:t>Felhasználók számára:</a:t>
+            </a:r>
+          </a:p>
+          <a:p>
+            <a:pPr lvl="1">
+              <a:buFont typeface="Courier New" panose="02070309020205020404" pitchFamily="49" charset="0"/>
+              <a:buChar char="o"/>
+            </a:pPr>
+            <a:r>
+              <a:rPr lang="hu-HU" sz="2800" dirty="0">
+                <a:latin typeface="Arial" panose="020B0604020202020204" pitchFamily="34" charset="0"/>
+                <a:cs typeface="Arial" panose="020B0604020202020204" pitchFamily="34" charset="0"/>
+              </a:rPr>
+              <a:t>Regisztráció</a:t>
+            </a:r>
+          </a:p>
+          <a:p>
+            <a:pPr lvl="1">
+              <a:buFont typeface="Courier New" panose="02070309020205020404" pitchFamily="49" charset="0"/>
+              <a:buChar char="o"/>
+            </a:pPr>
+            <a:r>
+              <a:rPr lang="hu-HU" sz="2800" dirty="0">
+                <a:latin typeface="Arial" panose="020B0604020202020204" pitchFamily="34" charset="0"/>
+                <a:cs typeface="Arial" panose="020B0604020202020204" pitchFamily="34" charset="0"/>
+              </a:rPr>
+              <a:t>Bejelentkezés</a:t>
+            </a:r>
+          </a:p>
+          <a:p>
+            <a:pPr lvl="1">
+              <a:buFont typeface="Courier New" panose="02070309020205020404" pitchFamily="49" charset="0"/>
+              <a:buChar char="o"/>
+            </a:pPr>
+            <a:r>
+              <a:rPr lang="hu-HU" sz="2800" dirty="0">
+                <a:latin typeface="Arial" panose="020B0604020202020204" pitchFamily="34" charset="0"/>
+                <a:cs typeface="Arial" panose="020B0604020202020204" pitchFamily="34" charset="0"/>
+              </a:rPr>
+              <a:t>Keresni a termékeink között</a:t>
+            </a:r>
+          </a:p>
+          <a:p>
+            <a:pPr lvl="1">
+              <a:buFont typeface="Courier New" panose="02070309020205020404" pitchFamily="49" charset="0"/>
+              <a:buChar char="o"/>
+            </a:pPr>
+            <a:r>
+              <a:rPr lang="hu-HU" sz="2800" dirty="0">
+                <a:latin typeface="Arial" panose="020B0604020202020204" pitchFamily="34" charset="0"/>
+                <a:cs typeface="Arial" panose="020B0604020202020204" pitchFamily="34" charset="0"/>
+              </a:rPr>
+              <a:t>Vásárolni</a:t>
+            </a:r>
+          </a:p>
+          <a:p>
+            <a:r>
+              <a:rPr lang="hu-HU" dirty="0">
+                <a:latin typeface="Arial" panose="020B0604020202020204" pitchFamily="34" charset="0"/>
+                <a:cs typeface="Arial" panose="020B0604020202020204" pitchFamily="34" charset="0"/>
+              </a:rPr>
+              <a:t>Adminok számára:</a:t>
+            </a:r>
+          </a:p>
+          <a:p>
+            <a:pPr lvl="1">
+              <a:buFont typeface="Courier New" panose="02070309020205020404" pitchFamily="49" charset="0"/>
+              <a:buChar char="o"/>
+            </a:pPr>
+            <a:r>
+              <a:rPr lang="hu-HU" dirty="0">
+                <a:latin typeface="Arial" panose="020B0604020202020204" pitchFamily="34" charset="0"/>
+                <a:cs typeface="Arial" panose="020B0604020202020204" pitchFamily="34" charset="0"/>
+              </a:rPr>
+              <a:t>Létrehozni, módosítani a termékeket</a:t>
+            </a:r>
+          </a:p>
+          <a:p>
+            <a:pPr lvl="1">
+              <a:buFont typeface="Courier New" panose="02070309020205020404" pitchFamily="49" charset="0"/>
+              <a:buChar char="o"/>
+            </a:pPr>
+            <a:r>
+              <a:rPr lang="hu-HU" dirty="0">
+                <a:latin typeface="Arial" panose="020B0604020202020204" pitchFamily="34" charset="0"/>
+                <a:cs typeface="Arial" panose="020B0604020202020204" pitchFamily="34" charset="0"/>
+              </a:rPr>
+              <a:t>Létrehozni, módosítani az aukciókat</a:t>
+            </a:r>
+          </a:p>
+          <a:p>
+            <a:pPr lvl="1">
+              <a:buFont typeface="Courier New" panose="02070309020205020404" pitchFamily="49" charset="0"/>
+              <a:buChar char="o"/>
+            </a:pPr>
+            <a:r>
+              <a:rPr lang="hu-HU" dirty="0">
+                <a:latin typeface="Arial" panose="020B0604020202020204" pitchFamily="34" charset="0"/>
+                <a:cs typeface="Arial" panose="020B0604020202020204" pitchFamily="34" charset="0"/>
+              </a:rPr>
+              <a:t>Rendelések megtekintése</a:t>
+            </a:r>
+          </a:p>
+          <a:p>
+            <a:pPr lvl="1">
+              <a:buFont typeface="Courier New" panose="02070309020205020404" pitchFamily="49" charset="0"/>
+              <a:buChar char="o"/>
+            </a:pPr>
+            <a:endParaRPr lang="hu-HU" dirty="0"/>
+          </a:p>
+        </p:txBody>
+      </p:sp>
+    </p:spTree>
+    <p:extLst>
+      <p:ext uri="{BB962C8B-B14F-4D97-AF65-F5344CB8AC3E}">
+        <p14:creationId xmlns:p14="http://schemas.microsoft.com/office/powerpoint/2010/main" val="761660236"/>
+      </p:ext>
+    </p:extLst>
+  </p:cSld>
+  <p:clrMapOvr>
+    <a:masterClrMapping/>
+  </p:clrMapOvr>
+</p:sld>
+</file>
+
+<file path=ppt/slides/slide4.xml><?xml version="1.0" encoding="utf-8"?>
+<p:sld xmlns:a="http://schemas.openxmlformats.org/drawingml/2006/main" xmlns:r="http://schemas.openxmlformats.org/officeDocument/2006/relationships" xmlns:p="http://schemas.openxmlformats.org/presentationml/2006/main">
+  <p:cSld>
+    <p:spTree>
+      <p:nvGrpSpPr>
+        <p:cNvPr id="1" name=""/>
+        <p:cNvGrpSpPr/>
+        <p:nvPr/>
+      </p:nvGrpSpPr>
+      <p:grpSpPr>
+        <a:xfrm>
+          <a:off x="0" y="0"/>
+          <a:ext cx="0" cy="0"/>
+          <a:chOff x="0" y="0"/>
+          <a:chExt cx="0" cy="0"/>
+        </a:xfrm>
+      </p:grpSpPr>
+      <p:sp>
+        <p:nvSpPr>
+          <p:cNvPr id="2" name="Cím 1">
+            <a:extLst>
+              <a:ext uri="{FF2B5EF4-FFF2-40B4-BE49-F238E27FC236}">
+                <a16:creationId xmlns:a16="http://schemas.microsoft.com/office/drawing/2014/main" id="{75ADBF76-C4AA-4531-8178-76FAFD354B9F}"/>
+              </a:ext>
+            </a:extLst>
+          </p:cNvPr>
+          <p:cNvSpPr>
+            <a:spLocks noGrp="1"/>
+          </p:cNvSpPr>
+          <p:nvPr>
+            <p:ph type="title"/>
+          </p:nvPr>
+        </p:nvSpPr>
+        <p:spPr>
+          <a:xfrm>
+            <a:off x="838200" y="365125"/>
+            <a:ext cx="10515600" cy="728889"/>
+          </a:xfrm>
+        </p:spPr>
+        <p:txBody>
+          <a:bodyPr/>
+          <a:lstStyle/>
+          <a:p>
+            <a:pPr algn="ctr"/>
+            <a:r>
+              <a:rPr lang="hu-HU" dirty="0">
+                <a:latin typeface="Arial" panose="020B0604020202020204" pitchFamily="34" charset="0"/>
+                <a:cs typeface="Arial" panose="020B0604020202020204" pitchFamily="34" charset="0"/>
+              </a:rPr>
+              <a:t>A program</a:t>
+            </a:r>
+          </a:p>
+        </p:txBody>
+      </p:sp>
+      <p:sp>
+        <p:nvSpPr>
+          <p:cNvPr id="3" name="Tartalom helye 2">
+            <a:extLst>
+              <a:ext uri="{FF2B5EF4-FFF2-40B4-BE49-F238E27FC236}">
+                <a16:creationId xmlns:a16="http://schemas.microsoft.com/office/drawing/2014/main" id="{06A6433F-33DF-4B4D-ABF4-C77BB4479B71}"/>
+              </a:ext>
+            </a:extLst>
+          </p:cNvPr>
+          <p:cNvSpPr>
+            <a:spLocks noGrp="1"/>
+          </p:cNvSpPr>
+          <p:nvPr>
+            <p:ph idx="1"/>
+          </p:nvPr>
+        </p:nvSpPr>
+        <p:spPr>
+          <a:xfrm>
+            <a:off x="838200" y="1485900"/>
+            <a:ext cx="10515600" cy="5159829"/>
+          </a:xfrm>
+        </p:spPr>
+        <p:txBody>
+          <a:bodyPr>
+            <a:normAutofit/>
+          </a:bodyPr>
+          <a:lstStyle/>
+          <a:p>
+            <a:pPr marL="0" indent="0">
+              <a:buNone/>
+            </a:pPr>
+            <a:r>
+              <a:rPr lang="hu-HU" b="1" dirty="0">
+                <a:latin typeface="Arial" panose="020B0604020202020204" pitchFamily="34" charset="0"/>
+                <a:cs typeface="Arial" panose="020B0604020202020204" pitchFamily="34" charset="0"/>
+              </a:rPr>
+              <a:t>Backend – Next.js</a:t>
+            </a:r>
+          </a:p>
+          <a:p>
+            <a:pPr lvl="1"/>
+            <a:r>
+              <a:rPr lang="hu-HU" sz="2800" dirty="0">
+                <a:latin typeface="Arial" panose="020B0604020202020204" pitchFamily="34" charset="0"/>
+                <a:cs typeface="Arial" panose="020B0604020202020204" pitchFamily="34" charset="0"/>
+              </a:rPr>
+              <a:t>Axios 1.6.7</a:t>
+            </a:r>
+          </a:p>
+          <a:p>
+            <a:pPr lvl="1"/>
+            <a:r>
+              <a:rPr lang="hu-HU" sz="2800" dirty="0" err="1">
+                <a:latin typeface="Arial" panose="020B0604020202020204" pitchFamily="34" charset="0"/>
+                <a:cs typeface="Arial" panose="020B0604020202020204" pitchFamily="34" charset="0"/>
+              </a:rPr>
+              <a:t>Next-auth</a:t>
+            </a:r>
+            <a:r>
+              <a:rPr lang="hu-HU" sz="2800" dirty="0">
+                <a:latin typeface="Arial" panose="020B0604020202020204" pitchFamily="34" charset="0"/>
+                <a:cs typeface="Arial" panose="020B0604020202020204" pitchFamily="34" charset="0"/>
+              </a:rPr>
+              <a:t> 4.24.5</a:t>
+            </a:r>
+          </a:p>
+          <a:p>
+            <a:pPr lvl="1"/>
+            <a:r>
+              <a:rPr lang="hu-HU" sz="2800" dirty="0" err="1">
+                <a:latin typeface="Arial" panose="020B0604020202020204" pitchFamily="34" charset="0"/>
+                <a:cs typeface="Arial" panose="020B0604020202020204" pitchFamily="34" charset="0"/>
+              </a:rPr>
+              <a:t>Mongoose</a:t>
+            </a:r>
+            <a:r>
+              <a:rPr lang="hu-HU" sz="2800" dirty="0">
+                <a:latin typeface="Arial" panose="020B0604020202020204" pitchFamily="34" charset="0"/>
+                <a:cs typeface="Arial" panose="020B0604020202020204" pitchFamily="34" charset="0"/>
+              </a:rPr>
+              <a:t> 8.1.1</a:t>
+            </a:r>
+          </a:p>
+          <a:p>
+            <a:pPr marL="0" indent="0">
+              <a:buNone/>
+            </a:pPr>
+            <a:r>
+              <a:rPr lang="hu-HU" b="1" dirty="0">
+                <a:latin typeface="Arial" panose="020B0604020202020204" pitchFamily="34" charset="0"/>
+                <a:cs typeface="Arial" panose="020B0604020202020204" pitchFamily="34" charset="0"/>
+              </a:rPr>
+              <a:t>Frontend - Next.js</a:t>
+            </a:r>
+          </a:p>
+          <a:p>
+            <a:pPr lvl="1"/>
+            <a:r>
+              <a:rPr lang="hu-HU" sz="2800" dirty="0">
+                <a:latin typeface="Arial" panose="020B0604020202020204" pitchFamily="34" charset="0"/>
+                <a:cs typeface="Arial" panose="020B0604020202020204" pitchFamily="34" charset="0"/>
+              </a:rPr>
+              <a:t>Tailwindcss 3.3.0</a:t>
+            </a:r>
+          </a:p>
+          <a:p>
+            <a:pPr lvl="1"/>
+            <a:r>
+              <a:rPr lang="hu-HU" sz="2800" dirty="0" err="1">
+                <a:latin typeface="Arial" panose="020B0604020202020204" pitchFamily="34" charset="0"/>
+                <a:cs typeface="Arial" panose="020B0604020202020204" pitchFamily="34" charset="0"/>
+              </a:rPr>
+              <a:t>React-icons</a:t>
+            </a:r>
+            <a:r>
+              <a:rPr lang="hu-HU" sz="2800" dirty="0">
+                <a:latin typeface="Arial" panose="020B0604020202020204" pitchFamily="34" charset="0"/>
+                <a:cs typeface="Arial" panose="020B0604020202020204" pitchFamily="34" charset="0"/>
+              </a:rPr>
+              <a:t> 5.0.1</a:t>
+            </a:r>
+          </a:p>
+          <a:p>
+            <a:pPr lvl="1"/>
+            <a:r>
+              <a:rPr lang="hu-HU" sz="2800" dirty="0" err="1">
+                <a:latin typeface="Arial" panose="020B0604020202020204" pitchFamily="34" charset="0"/>
+                <a:cs typeface="Arial" panose="020B0604020202020204" pitchFamily="34" charset="0"/>
+              </a:rPr>
+              <a:t>Shadcn</a:t>
+            </a:r>
+            <a:r>
+              <a:rPr lang="hu-HU" sz="2800" dirty="0">
+                <a:latin typeface="Arial" panose="020B0604020202020204" pitchFamily="34" charset="0"/>
+                <a:cs typeface="Arial" panose="020B0604020202020204" pitchFamily="34" charset="0"/>
+              </a:rPr>
+              <a:t>/</a:t>
+            </a:r>
+            <a:r>
+              <a:rPr lang="hu-HU" sz="2800" dirty="0" err="1">
+                <a:latin typeface="Arial" panose="020B0604020202020204" pitchFamily="34" charset="0"/>
+                <a:cs typeface="Arial" panose="020B0604020202020204" pitchFamily="34" charset="0"/>
+              </a:rPr>
+              <a:t>ui</a:t>
+            </a:r>
+            <a:r>
+              <a:rPr lang="hu-HU" sz="2800" dirty="0">
+                <a:latin typeface="Arial" panose="020B0604020202020204" pitchFamily="34" charset="0"/>
+                <a:cs typeface="Arial" panose="020B0604020202020204" pitchFamily="34" charset="0"/>
+              </a:rPr>
+              <a:t> 0.8.0</a:t>
+            </a:r>
+          </a:p>
+          <a:p>
+            <a:pPr marL="0" indent="0">
+              <a:buNone/>
+            </a:pPr>
+            <a:r>
+              <a:rPr lang="hu-HU" b="1" dirty="0">
+                <a:latin typeface="Arial" panose="020B0604020202020204" pitchFamily="34" charset="0"/>
+                <a:cs typeface="Arial" panose="020B0604020202020204" pitchFamily="34" charset="0"/>
+              </a:rPr>
+              <a:t>Adatbázis - MongoDB</a:t>
+            </a:r>
+          </a:p>
+          <a:p>
+            <a:pPr lvl="1"/>
+            <a:r>
+              <a:rPr lang="hu-HU" sz="2800" dirty="0" err="1">
+                <a:latin typeface="Arial" panose="020B0604020202020204" pitchFamily="34" charset="0"/>
+                <a:cs typeface="Arial" panose="020B0604020202020204" pitchFamily="34" charset="0"/>
+              </a:rPr>
+              <a:t>Mongoose</a:t>
+            </a:r>
+            <a:r>
+              <a:rPr lang="hu-HU" sz="2800" dirty="0">
+                <a:latin typeface="Arial" panose="020B0604020202020204" pitchFamily="34" charset="0"/>
+                <a:cs typeface="Arial" panose="020B0604020202020204" pitchFamily="34" charset="0"/>
+              </a:rPr>
+              <a:t> 8.1.1</a:t>
+            </a:r>
+          </a:p>
+          <a:p>
+            <a:pPr lvl="1"/>
+            <a:r>
+              <a:rPr lang="hu-HU" sz="2800" dirty="0">
+                <a:latin typeface="Arial" panose="020B0604020202020204" pitchFamily="34" charset="0"/>
+                <a:cs typeface="Arial" panose="020B0604020202020204" pitchFamily="34" charset="0"/>
+              </a:rPr>
+              <a:t>MongoDB 6.3.0</a:t>
+            </a:r>
+          </a:p>
+          <a:p>
+            <a:endParaRPr lang="hu-HU" dirty="0">
+              <a:latin typeface="Arial" panose="020B0604020202020204" pitchFamily="34" charset="0"/>
+              <a:cs typeface="Arial" panose="020B0604020202020204" pitchFamily="34" charset="0"/>
+            </a:endParaRPr>
+          </a:p>
+          <a:p>
+            <a:endParaRPr lang="hu-HU" dirty="0">
+              <a:latin typeface="Arial" panose="020B0604020202020204" pitchFamily="34" charset="0"/>
+              <a:cs typeface="Arial" panose="020B0604020202020204" pitchFamily="34" charset="0"/>
+            </a:endParaRPr>
+          </a:p>
+        </p:txBody>
+      </p:sp>
+    </p:spTree>
+    <p:extLst>
+      <p:ext uri="{BB962C8B-B14F-4D97-AF65-F5344CB8AC3E}">
+        <p14:creationId xmlns:p14="http://schemas.microsoft.com/office/powerpoint/2010/main" val="2154689749"/>
+      </p:ext>
+    </p:extLst>
+  </p:cSld>
+  <p:clrMapOvr>
+    <a:masterClrMapping/>
+  </p:clrMapOvr>
+</p:sld>
+</file>
+
+<file path=ppt/slides/slide5.xml><?xml version="1.0" encoding="utf-8"?>
+<p:sld xmlns:a="http://schemas.openxmlformats.org/drawingml/2006/main" xmlns:r="http://schemas.openxmlformats.org/officeDocument/2006/relationships" xmlns:p="http://schemas.openxmlformats.org/presentationml/2006/main">
+  <p:cSld>
+    <p:spTree>
+      <p:nvGrpSpPr>
+        <p:cNvPr id="1" name=""/>
+        <p:cNvGrpSpPr/>
+        <p:nvPr/>
+      </p:nvGrpSpPr>
+      <p:grpSpPr>
+        <a:xfrm>
+          <a:off x="0" y="0"/>
+          <a:ext cx="0" cy="0"/>
+          <a:chOff x="0" y="0"/>
+          <a:chExt cx="0" cy="0"/>
+        </a:xfrm>
+      </p:grpSpPr>
+      <p:sp>
+        <p:nvSpPr>
+          <p:cNvPr id="2" name="Cím 1">
+            <a:extLst>
+              <a:ext uri="{FF2B5EF4-FFF2-40B4-BE49-F238E27FC236}">
+                <a16:creationId xmlns:a16="http://schemas.microsoft.com/office/drawing/2014/main" id="{2137001F-BA74-4CCA-AF00-2421F34534C9}"/>
+              </a:ext>
+            </a:extLst>
+          </p:cNvPr>
+          <p:cNvSpPr>
+            <a:spLocks noGrp="1"/>
+          </p:cNvSpPr>
+          <p:nvPr>
+            <p:ph type="title"/>
+          </p:nvPr>
+        </p:nvSpPr>
+        <p:spPr/>
+        <p:txBody>
+          <a:bodyPr/>
+          <a:lstStyle/>
+          <a:p>
+            <a:r>
+              <a:rPr lang="hu-HU" dirty="0">
+                <a:latin typeface="Arial" panose="020B0604020202020204" pitchFamily="34" charset="0"/>
+                <a:cs typeface="Arial" panose="020B0604020202020204" pitchFamily="34" charset="0"/>
+              </a:rPr>
+              <a:t>Backend</a:t>
+            </a:r>
+          </a:p>
+        </p:txBody>
+      </p:sp>
+      <p:sp>
+        <p:nvSpPr>
+          <p:cNvPr id="3" name="Tartalom helye 2">
+            <a:extLst>
+              <a:ext uri="{FF2B5EF4-FFF2-40B4-BE49-F238E27FC236}">
+                <a16:creationId xmlns:a16="http://schemas.microsoft.com/office/drawing/2014/main" id="{D5790751-4058-40C2-826C-25949F53F6C1}"/>
+              </a:ext>
+            </a:extLst>
+          </p:cNvPr>
+          <p:cNvSpPr>
+            <a:spLocks noGrp="1"/>
+          </p:cNvSpPr>
+          <p:nvPr>
+            <p:ph idx="1"/>
+          </p:nvPr>
+        </p:nvSpPr>
+        <p:spPr/>
+        <p:txBody>
+          <a:bodyPr/>
+          <a:lstStyle/>
+          <a:p>
+            <a:endParaRPr lang="hu-HU"/>
+          </a:p>
+        </p:txBody>
+      </p:sp>
+    </p:spTree>
+    <p:extLst>
+      <p:ext uri="{BB962C8B-B14F-4D97-AF65-F5344CB8AC3E}">
+        <p14:creationId xmlns:p14="http://schemas.microsoft.com/office/powerpoint/2010/main" val="1091840476"/>
+      </p:ext>
+    </p:extLst>
+  </p:cSld>
+  <p:clrMapOvr>
+    <a:masterClrMapping/>
+  </p:clrMapOvr>
+</p:sld>
+</file>
+
+<file path=ppt/slides/slide6.xml><?xml version="1.0" encoding="utf-8"?>
+<p:sld xmlns:a="http://schemas.openxmlformats.org/drawingml/2006/main" xmlns:r="http://schemas.openxmlformats.org/officeDocument/2006/relationships" xmlns:p="http://schemas.openxmlformats.org/presentationml/2006/main">
+  <p:cSld>
+    <p:spTree>
+      <p:nvGrpSpPr>
+        <p:cNvPr id="1" name=""/>
+        <p:cNvGrpSpPr/>
+        <p:nvPr/>
+      </p:nvGrpSpPr>
+      <p:grpSpPr>
+        <a:xfrm>
+          <a:off x="0" y="0"/>
+          <a:ext cx="0" cy="0"/>
+          <a:chOff x="0" y="0"/>
+          <a:chExt cx="0" cy="0"/>
+        </a:xfrm>
+      </p:grpSpPr>
+      <p:sp>
+        <p:nvSpPr>
+          <p:cNvPr id="2" name="Cím 1">
+            <a:extLst>
+              <a:ext uri="{FF2B5EF4-FFF2-40B4-BE49-F238E27FC236}">
+                <a16:creationId xmlns:a16="http://schemas.microsoft.com/office/drawing/2014/main" id="{6B475601-2111-4271-AEC9-072C7E022B00}"/>
+              </a:ext>
+            </a:extLst>
+          </p:cNvPr>
+          <p:cNvSpPr>
+            <a:spLocks noGrp="1"/>
+          </p:cNvSpPr>
+          <p:nvPr>
+            <p:ph type="title"/>
+          </p:nvPr>
+        </p:nvSpPr>
+        <p:spPr/>
+        <p:txBody>
+          <a:bodyPr/>
+          <a:lstStyle/>
+          <a:p>
+            <a:endParaRPr lang="hu-HU"/>
+          </a:p>
+        </p:txBody>
+      </p:sp>
+      <p:sp>
+        <p:nvSpPr>
+          <p:cNvPr id="3" name="Tartalom helye 2">
+            <a:extLst>
+              <a:ext uri="{FF2B5EF4-FFF2-40B4-BE49-F238E27FC236}">
+                <a16:creationId xmlns:a16="http://schemas.microsoft.com/office/drawing/2014/main" id="{39FC229C-D630-4D8A-9388-3732F1A2A80F}"/>
+              </a:ext>
+            </a:extLst>
+          </p:cNvPr>
+          <p:cNvSpPr>
+            <a:spLocks noGrp="1"/>
+          </p:cNvSpPr>
+          <p:nvPr>
+            <p:ph idx="1"/>
+          </p:nvPr>
+        </p:nvSpPr>
+        <p:spPr/>
+        <p:txBody>
+          <a:bodyPr/>
+          <a:lstStyle/>
+          <a:p>
+            <a:endParaRPr lang="hu-HU"/>
+          </a:p>
+        </p:txBody>
+      </p:sp>
+    </p:spTree>
+    <p:extLst>
+      <p:ext uri="{BB962C8B-B14F-4D97-AF65-F5344CB8AC3E}">
+        <p14:creationId xmlns:p14="http://schemas.microsoft.com/office/powerpoint/2010/main" val="1249173385"/>
+      </p:ext>
+    </p:extLst>
+  </p:cSld>
+  <p:clrMapOvr>
+    <a:masterClrMapping/>
+  </p:clrMapOvr>
+</p:sld>
+</file>
+
+<file path=ppt/slides/slide7.xml><?xml version="1.0" encoding="utf-8"?>
+<p:sld xmlns:a="http://schemas.openxmlformats.org/drawingml/2006/main" xmlns:r="http://schemas.openxmlformats.org/officeDocument/2006/relationships" xmlns:p="http://schemas.openxmlformats.org/presentationml/2006/main">
+  <p:cSld>
+    <p:spTree>
+      <p:nvGrpSpPr>
+        <p:cNvPr id="1" name=""/>
+        <p:cNvGrpSpPr/>
+        <p:nvPr/>
+      </p:nvGrpSpPr>
+      <p:grpSpPr>
+        <a:xfrm>
+          <a:off x="0" y="0"/>
+          <a:ext cx="0" cy="0"/>
+          <a:chOff x="0" y="0"/>
+          <a:chExt cx="0" cy="0"/>
+        </a:xfrm>
+      </p:grpSpPr>
+      <p:sp>
+        <p:nvSpPr>
+          <p:cNvPr id="2" name="Cím 1">
+            <a:extLst>
+              <a:ext uri="{FF2B5EF4-FFF2-40B4-BE49-F238E27FC236}">
+                <a16:creationId xmlns:a16="http://schemas.microsoft.com/office/drawing/2014/main" id="{6227E417-DCCA-45C9-BFDF-A03307249045}"/>
+              </a:ext>
+            </a:extLst>
+          </p:cNvPr>
+          <p:cNvSpPr>
+            <a:spLocks noGrp="1"/>
+          </p:cNvSpPr>
+          <p:nvPr>
+            <p:ph type="title"/>
+          </p:nvPr>
+        </p:nvSpPr>
+        <p:spPr/>
+        <p:txBody>
+          <a:bodyPr/>
+          <a:lstStyle/>
+          <a:p>
+            <a:endParaRPr lang="hu-HU"/>
+          </a:p>
+        </p:txBody>
+      </p:sp>
+      <p:sp>
+        <p:nvSpPr>
+          <p:cNvPr id="3" name="Tartalom helye 2">
+            <a:extLst>
+              <a:ext uri="{FF2B5EF4-FFF2-40B4-BE49-F238E27FC236}">
+                <a16:creationId xmlns:a16="http://schemas.microsoft.com/office/drawing/2014/main" id="{AF7FBC07-4420-4ABB-890E-A89CAE506404}"/>
+              </a:ext>
+            </a:extLst>
+          </p:cNvPr>
+          <p:cNvSpPr>
+            <a:spLocks noGrp="1"/>
+          </p:cNvSpPr>
+          <p:nvPr>
+            <p:ph idx="1"/>
+          </p:nvPr>
+        </p:nvSpPr>
+        <p:spPr/>
+        <p:txBody>
+          <a:bodyPr/>
+          <a:lstStyle/>
+          <a:p>
+            <a:endParaRPr lang="hu-HU"/>
+          </a:p>
+        </p:txBody>
+      </p:sp>
+    </p:spTree>
+    <p:extLst>
+      <p:ext uri="{BB962C8B-B14F-4D97-AF65-F5344CB8AC3E}">
+        <p14:creationId xmlns:p14="http://schemas.microsoft.com/office/powerpoint/2010/main" val="3045209348"/>
+      </p:ext>
+    </p:extLst>
+  </p:cSld>
+  <p:clrMapOvr>
+    <a:masterClrMapping/>
+  </p:clrMapOvr>
+</p:sld>
+</file>
+
+<file path=ppt/slides/slide8.xml><?xml version="1.0" encoding="utf-8"?>
+<p:sld xmlns:a="http://schemas.openxmlformats.org/drawingml/2006/main" xmlns:r="http://schemas.openxmlformats.org/officeDocument/2006/relationships" xmlns:p="http://schemas.openxmlformats.org/presentationml/2006/main">
+  <p:cSld>
+    <p:spTree>
+      <p:nvGrpSpPr>
+        <p:cNvPr id="1" name=""/>
+        <p:cNvGrpSpPr/>
+        <p:nvPr/>
+      </p:nvGrpSpPr>
+      <p:grpSpPr>
+        <a:xfrm>
+          <a:off x="0" y="0"/>
+          <a:ext cx="0" cy="0"/>
+          <a:chOff x="0" y="0"/>
+          <a:chExt cx="0" cy="0"/>
+        </a:xfrm>
+      </p:grpSpPr>
+      <p:sp>
+        <p:nvSpPr>
+          <p:cNvPr id="2" name="Cím 1">
+            <a:extLst>
+              <a:ext uri="{FF2B5EF4-FFF2-40B4-BE49-F238E27FC236}">
+                <a16:creationId xmlns:a16="http://schemas.microsoft.com/office/drawing/2014/main" id="{E059305F-C2C9-4BB1-A020-CA567C04CDE7}"/>
+              </a:ext>
+            </a:extLst>
+          </p:cNvPr>
+          <p:cNvSpPr>
+            <a:spLocks noGrp="1"/>
+          </p:cNvSpPr>
+          <p:nvPr>
+            <p:ph type="title"/>
+          </p:nvPr>
+        </p:nvSpPr>
+        <p:spPr/>
+        <p:txBody>
+          <a:bodyPr/>
+          <a:lstStyle/>
+          <a:p>
+            <a:r>
+              <a:rPr lang="hu-HU" dirty="0">
+                <a:latin typeface="Arial" panose="020B0604020202020204" pitchFamily="34" charset="0"/>
+                <a:cs typeface="Arial" panose="020B0604020202020204" pitchFamily="34" charset="0"/>
+              </a:rPr>
+              <a:t>Frontend</a:t>
+            </a:r>
+          </a:p>
+        </p:txBody>
+      </p:sp>
+      <p:sp>
+        <p:nvSpPr>
+          <p:cNvPr id="3" name="Tartalom helye 2">
+            <a:extLst>
+              <a:ext uri="{FF2B5EF4-FFF2-40B4-BE49-F238E27FC236}">
+                <a16:creationId xmlns:a16="http://schemas.microsoft.com/office/drawing/2014/main" id="{87C3037F-A472-47D8-8284-3C0249006B10}"/>
+              </a:ext>
+            </a:extLst>
+          </p:cNvPr>
+          <p:cNvSpPr>
+            <a:spLocks noGrp="1"/>
+          </p:cNvSpPr>
+          <p:nvPr>
+            <p:ph idx="1"/>
+          </p:nvPr>
+        </p:nvSpPr>
+        <p:spPr/>
+        <p:txBody>
+          <a:bodyPr/>
+          <a:lstStyle/>
+          <a:p>
+            <a:endParaRPr lang="hu-HU"/>
+          </a:p>
+        </p:txBody>
+      </p:sp>
+    </p:spTree>
+    <p:extLst>
+      <p:ext uri="{BB962C8B-B14F-4D97-AF65-F5344CB8AC3E}">
+        <p14:creationId xmlns:p14="http://schemas.microsoft.com/office/powerpoint/2010/main" val="1676414927"/>
+      </p:ext>
+    </p:extLst>
+  </p:cSld>
+  <p:clrMapOvr>
+    <a:masterClrMapping/>
+  </p:clrMapOvr>
+</p:sld>
+</file>
+
+<file path=ppt/slides/slide9.xml><?xml version="1.0" encoding="utf-8"?>
+<p:sld xmlns:a="http://schemas.openxmlformats.org/drawingml/2006/main" xmlns:r="http://schemas.openxmlformats.org/officeDocument/2006/relationships" xmlns:p="http://schemas.openxmlformats.org/presentationml/2006/main">
+  <p:cSld>
+    <p:spTree>
+      <p:nvGrpSpPr>
+        <p:cNvPr id="1" name=""/>
+        <p:cNvGrpSpPr/>
+        <p:nvPr/>
+      </p:nvGrpSpPr>
+      <p:grpSpPr>
+        <a:xfrm>
+          <a:off x="0" y="0"/>
+          <a:ext cx="0" cy="0"/>
+          <a:chOff x="0" y="0"/>
+          <a:chExt cx="0" cy="0"/>
+        </a:xfrm>
+      </p:grpSpPr>
+      <p:sp>
+        <p:nvSpPr>
+          <p:cNvPr id="2" name="Cím 1">
+            <a:extLst>
+              <a:ext uri="{FF2B5EF4-FFF2-40B4-BE49-F238E27FC236}">
+                <a16:creationId xmlns:a16="http://schemas.microsoft.com/office/drawing/2014/main" id="{40386D58-D367-4854-A309-87343B1E4828}"/>
+              </a:ext>
+            </a:extLst>
+          </p:cNvPr>
+          <p:cNvSpPr>
+            <a:spLocks noGrp="1"/>
+          </p:cNvSpPr>
+          <p:nvPr>
+            <p:ph type="title"/>
+          </p:nvPr>
+        </p:nvSpPr>
+        <p:spPr/>
+        <p:txBody>
+          <a:bodyPr/>
+          <a:lstStyle/>
+          <a:p>
+            <a:endParaRPr lang="hu-HU"/>
+          </a:p>
+        </p:txBody>
+      </p:sp>
+      <p:sp>
+        <p:nvSpPr>
+          <p:cNvPr id="3" name="Tartalom helye 2">
+            <a:extLst>
+              <a:ext uri="{FF2B5EF4-FFF2-40B4-BE49-F238E27FC236}">
+                <a16:creationId xmlns:a16="http://schemas.microsoft.com/office/drawing/2014/main" id="{8EFCE4BF-E090-477B-846F-35745EF32DFA}"/>
+              </a:ext>
+            </a:extLst>
+          </p:cNvPr>
+          <p:cNvSpPr>
+            <a:spLocks noGrp="1"/>
+          </p:cNvSpPr>
+          <p:nvPr>
+            <p:ph idx="1"/>
+          </p:nvPr>
+        </p:nvSpPr>
+        <p:spPr/>
+        <p:txBody>
+          <a:bodyPr/>
+          <a:lstStyle/>
+          <a:p>
+            <a:endParaRPr lang="hu-HU"/>
+          </a:p>
+        </p:txBody>
+      </p:sp>
+    </p:spTree>
+    <p:extLst>
+      <p:ext uri="{BB962C8B-B14F-4D97-AF65-F5344CB8AC3E}">
+        <p14:creationId xmlns:p14="http://schemas.microsoft.com/office/powerpoint/2010/main" val="3983157330"/>
+      </p:ext>
+    </p:extLst>
+  </p:cSld>
+  <p:clrMapOvr>
+    <a:masterClrMapping/>
+  </p:clrMapOvr>
 </p:sld>
 </file>
 

--- a/Bemutato.pptx
+++ b/Bemutato.pptx
@@ -5,24 +5,25 @@
     <p:sldMasterId id="2147483648" r:id="rId1"/>
   </p:sldMasterIdLst>
   <p:notesMasterIdLst>
-    <p:notesMasterId r:id="rId17"/>
+    <p:notesMasterId r:id="rId18"/>
   </p:notesMasterIdLst>
   <p:sldIdLst>
     <p:sldId id="256" r:id="rId2"/>
     <p:sldId id="257" r:id="rId3"/>
-    <p:sldId id="267" r:id="rId4"/>
-    <p:sldId id="268" r:id="rId5"/>
-    <p:sldId id="266" r:id="rId6"/>
-    <p:sldId id="269" r:id="rId7"/>
-    <p:sldId id="270" r:id="rId8"/>
-    <p:sldId id="271" r:id="rId9"/>
-    <p:sldId id="272" r:id="rId10"/>
+    <p:sldId id="272" r:id="rId4"/>
+    <p:sldId id="267" r:id="rId5"/>
+    <p:sldId id="268" r:id="rId6"/>
+    <p:sldId id="266" r:id="rId7"/>
+    <p:sldId id="269" r:id="rId8"/>
+    <p:sldId id="270" r:id="rId9"/>
+    <p:sldId id="271" r:id="rId10"/>
     <p:sldId id="273" r:id="rId11"/>
     <p:sldId id="258" r:id="rId12"/>
     <p:sldId id="260" r:id="rId13"/>
     <p:sldId id="261" r:id="rId14"/>
     <p:sldId id="262" r:id="rId15"/>
-    <p:sldId id="265" r:id="rId16"/>
+    <p:sldId id="274" r:id="rId16"/>
+    <p:sldId id="265" r:id="rId17"/>
   </p:sldIdLst>
   <p:sldSz cx="12192000" cy="6858000"/>
   <p:notesSz cx="6858000" cy="9144000"/>
@@ -3864,7 +3865,7 @@
           <a:p>
             <a:fld id="{F3967C4F-389E-4158-BF12-0F45FCA2644D}" type="datetimeFigureOut">
               <a:rPr lang="hu-HU" smtClean="0"/>
-              <a:t>2024. 03. 19.</a:t>
+              <a:t>2024. 03. 20.</a:t>
             </a:fld>
             <a:endParaRPr lang="hu-HU"/>
           </a:p>
@@ -4349,7 +4350,7 @@
           <a:p>
             <a:fld id="{D46B4C45-D120-402A-8F31-901412E55E48}" type="slidenum">
               <a:rPr lang="hu-HU" smtClean="0"/>
-              <a:t>15</a:t>
+              <a:t>16</a:t>
             </a:fld>
             <a:endParaRPr lang="hu-HU"/>
           </a:p>
@@ -4515,7 +4516,7 @@
           <a:p>
             <a:fld id="{FA64CA88-A0F0-4D5B-BEA8-B57532FDFF33}" type="datetimeFigureOut">
               <a:rPr lang="hu-HU" smtClean="0"/>
-              <a:t>2024. 03. 19.</a:t>
+              <a:t>2024. 03. 20.</a:t>
             </a:fld>
             <a:endParaRPr lang="hu-HU"/>
           </a:p>
@@ -4713,7 +4714,7 @@
           <a:p>
             <a:fld id="{FA64CA88-A0F0-4D5B-BEA8-B57532FDFF33}" type="datetimeFigureOut">
               <a:rPr lang="hu-HU" smtClean="0"/>
-              <a:t>2024. 03. 19.</a:t>
+              <a:t>2024. 03. 20.</a:t>
             </a:fld>
             <a:endParaRPr lang="hu-HU"/>
           </a:p>
@@ -4921,7 +4922,7 @@
           <a:p>
             <a:fld id="{FA64CA88-A0F0-4D5B-BEA8-B57532FDFF33}" type="datetimeFigureOut">
               <a:rPr lang="hu-HU" smtClean="0"/>
-              <a:t>2024. 03. 19.</a:t>
+              <a:t>2024. 03. 20.</a:t>
             </a:fld>
             <a:endParaRPr lang="hu-HU"/>
           </a:p>
@@ -5119,7 +5120,7 @@
           <a:p>
             <a:fld id="{FA64CA88-A0F0-4D5B-BEA8-B57532FDFF33}" type="datetimeFigureOut">
               <a:rPr lang="hu-HU" smtClean="0"/>
-              <a:t>2024. 03. 19.</a:t>
+              <a:t>2024. 03. 20.</a:t>
             </a:fld>
             <a:endParaRPr lang="hu-HU"/>
           </a:p>
@@ -5394,7 +5395,7 @@
           <a:p>
             <a:fld id="{FA64CA88-A0F0-4D5B-BEA8-B57532FDFF33}" type="datetimeFigureOut">
               <a:rPr lang="hu-HU" smtClean="0"/>
-              <a:t>2024. 03. 19.</a:t>
+              <a:t>2024. 03. 20.</a:t>
             </a:fld>
             <a:endParaRPr lang="hu-HU"/>
           </a:p>
@@ -5659,7 +5660,7 @@
           <a:p>
             <a:fld id="{FA64CA88-A0F0-4D5B-BEA8-B57532FDFF33}" type="datetimeFigureOut">
               <a:rPr lang="hu-HU" smtClean="0"/>
-              <a:t>2024. 03. 19.</a:t>
+              <a:t>2024. 03. 20.</a:t>
             </a:fld>
             <a:endParaRPr lang="hu-HU"/>
           </a:p>
@@ -6071,7 +6072,7 @@
           <a:p>
             <a:fld id="{FA64CA88-A0F0-4D5B-BEA8-B57532FDFF33}" type="datetimeFigureOut">
               <a:rPr lang="hu-HU" smtClean="0"/>
-              <a:t>2024. 03. 19.</a:t>
+              <a:t>2024. 03. 20.</a:t>
             </a:fld>
             <a:endParaRPr lang="hu-HU"/>
           </a:p>
@@ -6212,7 +6213,7 @@
           <a:p>
             <a:fld id="{FA64CA88-A0F0-4D5B-BEA8-B57532FDFF33}" type="datetimeFigureOut">
               <a:rPr lang="hu-HU" smtClean="0"/>
-              <a:t>2024. 03. 19.</a:t>
+              <a:t>2024. 03. 20.</a:t>
             </a:fld>
             <a:endParaRPr lang="hu-HU"/>
           </a:p>
@@ -6325,7 +6326,7 @@
           <a:p>
             <a:fld id="{FA64CA88-A0F0-4D5B-BEA8-B57532FDFF33}" type="datetimeFigureOut">
               <a:rPr lang="hu-HU" smtClean="0"/>
-              <a:t>2024. 03. 19.</a:t>
+              <a:t>2024. 03. 20.</a:t>
             </a:fld>
             <a:endParaRPr lang="hu-HU"/>
           </a:p>
@@ -6636,7 +6637,7 @@
           <a:p>
             <a:fld id="{FA64CA88-A0F0-4D5B-BEA8-B57532FDFF33}" type="datetimeFigureOut">
               <a:rPr lang="hu-HU" smtClean="0"/>
-              <a:t>2024. 03. 19.</a:t>
+              <a:t>2024. 03. 20.</a:t>
             </a:fld>
             <a:endParaRPr lang="hu-HU"/>
           </a:p>
@@ -6924,7 +6925,7 @@
           <a:p>
             <a:fld id="{FA64CA88-A0F0-4D5B-BEA8-B57532FDFF33}" type="datetimeFigureOut">
               <a:rPr lang="hu-HU" smtClean="0"/>
-              <a:t>2024. 03. 19.</a:t>
+              <a:t>2024. 03. 20.</a:t>
             </a:fld>
             <a:endParaRPr lang="hu-HU"/>
           </a:p>
@@ -7165,7 +7166,7 @@
           <a:p>
             <a:fld id="{FA64CA88-A0F0-4D5B-BEA8-B57532FDFF33}" type="datetimeFigureOut">
               <a:rPr lang="hu-HU" smtClean="0"/>
-              <a:t>2024. 03. 19.</a:t>
+              <a:t>2024. 03. 20.</a:t>
             </a:fld>
             <a:endParaRPr lang="hu-HU"/>
           </a:p>
@@ -7757,7 +7758,7 @@
           <a:lstStyle/>
           <a:p>
             <a:r>
-              <a:rPr lang="hu-HU" sz="6600" dirty="0">
+              <a:rPr lang="hu-HU" sz="6600" b="1" dirty="0">
                 <a:latin typeface="Arial" panose="020B0604020202020204" pitchFamily="34" charset="0"/>
                 <a:cs typeface="Arial" panose="020B0604020202020204" pitchFamily="34" charset="0"/>
               </a:rPr>
@@ -7935,7 +7936,13 @@
           <a:bodyPr/>
           <a:lstStyle/>
           <a:p>
-            <a:endParaRPr lang="hu-HU"/>
+            <a:r>
+              <a:rPr lang="hu-HU" b="1" dirty="0">
+                <a:latin typeface="Arial" panose="020B0604020202020204" pitchFamily="34" charset="0"/>
+                <a:cs typeface="Arial" panose="020B0604020202020204" pitchFamily="34" charset="0"/>
+              </a:rPr>
+              <a:t>Reszponzívitás</a:t>
+            </a:r>
           </a:p>
         </p:txBody>
       </p:sp>
@@ -7960,7 +7967,7 @@
           <a:bodyPr/>
           <a:lstStyle/>
           <a:p>
-            <a:endParaRPr lang="hu-HU"/>
+            <a:endParaRPr lang="hu-HU" dirty="0"/>
           </a:p>
         </p:txBody>
       </p:sp>
@@ -8032,7 +8039,7 @@
           <a:p>
             <a:pPr algn="ctr"/>
             <a:r>
-              <a:rPr lang="hu-HU" dirty="0">
+              <a:rPr lang="hu-HU" b="1" dirty="0">
                 <a:latin typeface="Arial" panose="020B0604020202020204" pitchFamily="34" charset="0"/>
                 <a:cs typeface="Arial" panose="020B0604020202020204" pitchFamily="34" charset="0"/>
               </a:rPr>
@@ -8352,7 +8359,7 @@
           <a:lstStyle/>
           <a:p>
             <a:r>
-              <a:rPr lang="en-US" sz="5400" dirty="0">
+              <a:rPr lang="en-US" sz="5400" b="1" dirty="0">
                 <a:latin typeface="Arial" panose="020B0604020202020204" pitchFamily="34" charset="0"/>
                 <a:cs typeface="Arial" panose="020B0604020202020204" pitchFamily="34" charset="0"/>
               </a:rPr>
@@ -8824,7 +8831,7 @@
             <a:round/>
             <a:extLst>
               <a:ext uri="{C807C97D-BFC1-408E-A445-0C87EB9F89A2}">
-                <ask:lineSketchStyleProps xmlns:ask="http://schemas.microsoft.com/office/drawing/2018/sketchyshapes" xmlns="" sd="2727557108">
+                <ask:lineSketchStyleProps xmlns="" xmlns:ask="http://schemas.microsoft.com/office/drawing/2018/sketchyshapes" sd="2727557108">
                   <a:prstGeom prst="rect">
                     <a:avLst/>
                   </a:prstGeom>
@@ -9104,6 +9111,120 @@
 <file path=ppt/slides/slide15.xml><?xml version="1.0" encoding="utf-8"?>
 <p:sld xmlns:a="http://schemas.openxmlformats.org/drawingml/2006/main" xmlns:r="http://schemas.openxmlformats.org/officeDocument/2006/relationships" xmlns:p="http://schemas.openxmlformats.org/presentationml/2006/main">
   <p:cSld>
+    <p:spTree>
+      <p:nvGrpSpPr>
+        <p:cNvPr id="1" name=""/>
+        <p:cNvGrpSpPr/>
+        <p:nvPr/>
+      </p:nvGrpSpPr>
+      <p:grpSpPr>
+        <a:xfrm>
+          <a:off x="0" y="0"/>
+          <a:ext cx="0" cy="0"/>
+          <a:chOff x="0" y="0"/>
+          <a:chExt cx="0" cy="0"/>
+        </a:xfrm>
+      </p:grpSpPr>
+      <p:sp>
+        <p:nvSpPr>
+          <p:cNvPr id="2" name="Cím 1">
+            <a:extLst>
+              <a:ext uri="{FF2B5EF4-FFF2-40B4-BE49-F238E27FC236}">
+                <a16:creationId xmlns:a16="http://schemas.microsoft.com/office/drawing/2014/main" id="{08E348C4-FC89-4975-ADF5-439F5BDA6A96}"/>
+              </a:ext>
+            </a:extLst>
+          </p:cNvPr>
+          <p:cNvSpPr>
+            <a:spLocks noGrp="1"/>
+          </p:cNvSpPr>
+          <p:nvPr>
+            <p:ph type="title"/>
+          </p:nvPr>
+        </p:nvSpPr>
+        <p:spPr/>
+        <p:txBody>
+          <a:bodyPr/>
+          <a:lstStyle/>
+          <a:p>
+            <a:r>
+              <a:rPr lang="hu-HU" b="1" dirty="0">
+                <a:latin typeface="Arial" panose="020B0604020202020204" pitchFamily="34" charset="0"/>
+                <a:cs typeface="Arial" panose="020B0604020202020204" pitchFamily="34" charset="0"/>
+              </a:rPr>
+              <a:t>Jövőbeli terveink</a:t>
+            </a:r>
+          </a:p>
+        </p:txBody>
+      </p:sp>
+      <p:sp>
+        <p:nvSpPr>
+          <p:cNvPr id="3" name="Tartalom helye 2">
+            <a:extLst>
+              <a:ext uri="{FF2B5EF4-FFF2-40B4-BE49-F238E27FC236}">
+                <a16:creationId xmlns:a16="http://schemas.microsoft.com/office/drawing/2014/main" id="{6B805220-6934-40E1-803D-6B978092CF4B}"/>
+              </a:ext>
+            </a:extLst>
+          </p:cNvPr>
+          <p:cNvSpPr>
+            <a:spLocks noGrp="1"/>
+          </p:cNvSpPr>
+          <p:nvPr>
+            <p:ph idx="1"/>
+          </p:nvPr>
+        </p:nvSpPr>
+        <p:spPr>
+          <a:xfrm>
+            <a:off x="838200" y="1825625"/>
+            <a:ext cx="6460671" cy="4351338"/>
+          </a:xfrm>
+        </p:spPr>
+        <p:txBody>
+          <a:bodyPr>
+            <a:normAutofit/>
+          </a:bodyPr>
+          <a:lstStyle/>
+          <a:p>
+            <a:r>
+              <a:rPr lang="hu-HU" sz="3200" dirty="0">
+                <a:latin typeface="Arial" panose="020B0604020202020204" pitchFamily="34" charset="0"/>
+                <a:cs typeface="Arial" panose="020B0604020202020204" pitchFamily="34" charset="0"/>
+              </a:rPr>
+              <a:t>Weboldalunk angol idegennyelvű variáció</a:t>
+            </a:r>
+          </a:p>
+          <a:p>
+            <a:r>
+              <a:rPr lang="hu-HU" sz="3200" dirty="0">
+                <a:latin typeface="Arial" panose="020B0604020202020204" pitchFamily="34" charset="0"/>
+                <a:cs typeface="Arial" panose="020B0604020202020204" pitchFamily="34" charset="0"/>
+              </a:rPr>
+              <a:t>Mobil alkalmazás fejlesztése</a:t>
+            </a:r>
+          </a:p>
+          <a:p>
+            <a:endParaRPr lang="hu-HU" sz="3200" dirty="0">
+              <a:latin typeface="Arial" panose="020B0604020202020204" pitchFamily="34" charset="0"/>
+              <a:cs typeface="Arial" panose="020B0604020202020204" pitchFamily="34" charset="0"/>
+            </a:endParaRPr>
+          </a:p>
+        </p:txBody>
+      </p:sp>
+    </p:spTree>
+    <p:extLst>
+      <p:ext uri="{BB962C8B-B14F-4D97-AF65-F5344CB8AC3E}">
+        <p14:creationId xmlns:p14="http://schemas.microsoft.com/office/powerpoint/2010/main" val="1824570513"/>
+      </p:ext>
+    </p:extLst>
+  </p:cSld>
+  <p:clrMapOvr>
+    <a:masterClrMapping/>
+  </p:clrMapOvr>
+</p:sld>
+</file>
+
+<file path=ppt/slides/slide16.xml><?xml version="1.0" encoding="utf-8"?>
+<p:sld xmlns:a="http://schemas.openxmlformats.org/drawingml/2006/main" xmlns:r="http://schemas.openxmlformats.org/officeDocument/2006/relationships" xmlns:p="http://schemas.openxmlformats.org/presentationml/2006/main">
+  <p:cSld>
     <p:bg>
       <p:bgPr>
         <a:solidFill>
@@ -9282,8 +9403,8 @@
         </p:nvSpPr>
         <p:spPr>
           <a:xfrm>
-            <a:off x="1804988" y="1442172"/>
-            <a:ext cx="8582025" cy="2177328"/>
+            <a:off x="1763486" y="1442172"/>
+            <a:ext cx="8719457" cy="2177328"/>
           </a:xfrm>
         </p:spPr>
         <p:txBody>
@@ -9294,7 +9415,7 @@
           <a:p>
             <a:pPr algn="ctr"/>
             <a:r>
-              <a:rPr lang="en-US" sz="6000" kern="1200" dirty="0" err="1">
+              <a:rPr lang="en-US" sz="6000" b="1" kern="1200" dirty="0" err="1">
                 <a:solidFill>
                   <a:schemeClr val="tx1"/>
                 </a:solidFill>
@@ -9304,7 +9425,7 @@
               <a:t>Köszönjük</a:t>
             </a:r>
             <a:r>
-              <a:rPr lang="en-US" sz="6000" kern="1200" dirty="0">
+              <a:rPr lang="en-US" sz="6000" b="1" kern="1200" dirty="0">
                 <a:solidFill>
                   <a:schemeClr val="tx1"/>
                 </a:solidFill>
@@ -9314,7 +9435,7 @@
               <a:t> a </a:t>
             </a:r>
             <a:r>
-              <a:rPr lang="en-US" sz="6000" kern="1200" dirty="0" err="1">
+              <a:rPr lang="en-US" sz="6000" b="1" kern="1200" dirty="0" err="1">
                 <a:solidFill>
                   <a:schemeClr val="tx1"/>
                 </a:solidFill>
@@ -9324,7 +9445,7 @@
               <a:t>figyelmet</a:t>
             </a:r>
             <a:r>
-              <a:rPr lang="en-US" sz="6000" kern="1200" dirty="0">
+              <a:rPr lang="en-US" sz="6000" b="1" kern="1200" dirty="0">
                 <a:solidFill>
                   <a:schemeClr val="tx1"/>
                 </a:solidFill>
@@ -9694,7 +9815,7 @@
           <a:lstStyle/>
           <a:p>
             <a:r>
-              <a:rPr lang="hu-HU" sz="5400" dirty="0">
+              <a:rPr lang="hu-HU" sz="5400" b="1" dirty="0">
                 <a:latin typeface="Arial" panose="020B0604020202020204" pitchFamily="34" charset="0"/>
                 <a:cs typeface="Arial" panose="020B0604020202020204" pitchFamily="34" charset="0"/>
               </a:rPr>
@@ -9772,7 +9893,7 @@
           <p:cNvPr id="2" name="Cím 1">
             <a:extLst>
               <a:ext uri="{FF2B5EF4-FFF2-40B4-BE49-F238E27FC236}">
-                <a16:creationId xmlns:a16="http://schemas.microsoft.com/office/drawing/2014/main" id="{1254D7D8-9757-4320-85D1-0471F33F59F2}"/>
+                <a16:creationId xmlns:a16="http://schemas.microsoft.com/office/drawing/2014/main" id="{40386D58-D367-4854-A309-87343B1E4828}"/>
               </a:ext>
             </a:extLst>
           </p:cNvPr>
@@ -9789,11 +9910,11 @@
           <a:lstStyle/>
           <a:p>
             <a:r>
-              <a:rPr lang="hu-HU" dirty="0">
+              <a:rPr lang="hu-HU" b="1" dirty="0">
                 <a:latin typeface="Arial" panose="020B0604020202020204" pitchFamily="34" charset="0"/>
                 <a:cs typeface="Arial" panose="020B0604020202020204" pitchFamily="34" charset="0"/>
               </a:rPr>
-              <a:t>Programunk funkciói</a:t>
+              <a:t>Csapatmunka</a:t>
             </a:r>
           </a:p>
         </p:txBody>
@@ -9803,7 +9924,7 @@
           <p:cNvPr id="3" name="Tartalom helye 2">
             <a:extLst>
               <a:ext uri="{FF2B5EF4-FFF2-40B4-BE49-F238E27FC236}">
-                <a16:creationId xmlns:a16="http://schemas.microsoft.com/office/drawing/2014/main" id="{F9A6FD74-7C51-424A-91C9-8E0FA8A52A4A}"/>
+                <a16:creationId xmlns:a16="http://schemas.microsoft.com/office/drawing/2014/main" id="{8EFCE4BF-E090-477B-846F-35745EF32DFA}"/>
               </a:ext>
             </a:extLst>
           </p:cNvPr>
@@ -9816,8 +9937,8 @@
         </p:nvSpPr>
         <p:spPr>
           <a:xfrm>
-            <a:off x="838200" y="1825625"/>
-            <a:ext cx="10515600" cy="4351338"/>
+            <a:off x="838200" y="1825624"/>
+            <a:ext cx="10515600" cy="4477205"/>
           </a:xfrm>
         </p:spPr>
         <p:txBody>
@@ -9825,11 +9946,26 @@
           <a:lstStyle/>
           <a:p>
             <a:r>
-              <a:rPr lang="hu-HU" dirty="0">
-                <a:latin typeface="Arial" panose="020B0604020202020204" pitchFamily="34" charset="0"/>
-                <a:cs typeface="Arial" panose="020B0604020202020204" pitchFamily="34" charset="0"/>
-              </a:rPr>
-              <a:t>Felhasználók számára:</a:t>
+              <a:rPr lang="hu-HU" sz="3600" dirty="0"/>
+              <a:t>GitHub</a:t>
+            </a:r>
+          </a:p>
+          <a:p>
+            <a:r>
+              <a:rPr lang="hu-HU" sz="3600" dirty="0"/>
+              <a:t>Discord</a:t>
+            </a:r>
+          </a:p>
+          <a:p>
+            <a:r>
+              <a:rPr lang="hu-HU" sz="3600" dirty="0"/>
+              <a:t>Microsoft Teams</a:t>
+            </a:r>
+          </a:p>
+          <a:p>
+            <a:r>
+              <a:rPr lang="hu-HU" sz="3600" dirty="0"/>
+              <a:t>3 részre osztottuk:</a:t>
             </a:r>
           </a:p>
           <a:p>
@@ -9838,11 +9974,8 @@
               <a:buChar char="o"/>
             </a:pPr>
             <a:r>
-              <a:rPr lang="hu-HU" sz="2800" dirty="0">
-                <a:latin typeface="Arial" panose="020B0604020202020204" pitchFamily="34" charset="0"/>
-                <a:cs typeface="Arial" panose="020B0604020202020204" pitchFamily="34" charset="0"/>
-              </a:rPr>
-              <a:t>Regisztráció</a:t>
+              <a:rPr lang="hu-HU" sz="2800" dirty="0"/>
+              <a:t>Backend</a:t>
             </a:r>
           </a:p>
           <a:p>
@@ -9851,11 +9984,8 @@
               <a:buChar char="o"/>
             </a:pPr>
             <a:r>
-              <a:rPr lang="hu-HU" sz="2800" dirty="0">
-                <a:latin typeface="Arial" panose="020B0604020202020204" pitchFamily="34" charset="0"/>
-                <a:cs typeface="Arial" panose="020B0604020202020204" pitchFamily="34" charset="0"/>
-              </a:rPr>
-              <a:t>Bejelentkezés</a:t>
+              <a:rPr lang="hu-HU" sz="2800" dirty="0"/>
+              <a:t>Frontend</a:t>
             </a:r>
           </a:p>
           <a:p>
@@ -9864,87 +9994,116 @@
               <a:buChar char="o"/>
             </a:pPr>
             <a:r>
-              <a:rPr lang="hu-HU" sz="2800" dirty="0">
-                <a:latin typeface="Arial" panose="020B0604020202020204" pitchFamily="34" charset="0"/>
-                <a:cs typeface="Arial" panose="020B0604020202020204" pitchFamily="34" charset="0"/>
-              </a:rPr>
-              <a:t>Keresni a termékeink között</a:t>
-            </a:r>
-          </a:p>
-          <a:p>
-            <a:pPr lvl="1">
-              <a:buFont typeface="Courier New" panose="02070309020205020404" pitchFamily="49" charset="0"/>
-              <a:buChar char="o"/>
-            </a:pPr>
-            <a:r>
-              <a:rPr lang="hu-HU" sz="2800" dirty="0">
-                <a:latin typeface="Arial" panose="020B0604020202020204" pitchFamily="34" charset="0"/>
-                <a:cs typeface="Arial" panose="020B0604020202020204" pitchFamily="34" charset="0"/>
-              </a:rPr>
-              <a:t>Vásárolni</a:t>
-            </a:r>
-          </a:p>
-          <a:p>
-            <a:r>
-              <a:rPr lang="hu-HU" dirty="0">
-                <a:latin typeface="Arial" panose="020B0604020202020204" pitchFamily="34" charset="0"/>
-                <a:cs typeface="Arial" panose="020B0604020202020204" pitchFamily="34" charset="0"/>
-              </a:rPr>
-              <a:t>Adminok számára:</a:t>
-            </a:r>
-          </a:p>
-          <a:p>
-            <a:pPr lvl="1">
-              <a:buFont typeface="Courier New" panose="02070309020205020404" pitchFamily="49" charset="0"/>
-              <a:buChar char="o"/>
-            </a:pPr>
-            <a:r>
-              <a:rPr lang="hu-HU" dirty="0">
-                <a:latin typeface="Arial" panose="020B0604020202020204" pitchFamily="34" charset="0"/>
-                <a:cs typeface="Arial" panose="020B0604020202020204" pitchFamily="34" charset="0"/>
-              </a:rPr>
-              <a:t>Létrehozni, módosítani a termékeket</a:t>
-            </a:r>
-          </a:p>
-          <a:p>
-            <a:pPr lvl="1">
-              <a:buFont typeface="Courier New" panose="02070309020205020404" pitchFamily="49" charset="0"/>
-              <a:buChar char="o"/>
-            </a:pPr>
-            <a:r>
-              <a:rPr lang="hu-HU" dirty="0">
-                <a:latin typeface="Arial" panose="020B0604020202020204" pitchFamily="34" charset="0"/>
-                <a:cs typeface="Arial" panose="020B0604020202020204" pitchFamily="34" charset="0"/>
-              </a:rPr>
-              <a:t>Létrehozni, módosítani az aukciókat</a:t>
-            </a:r>
-          </a:p>
-          <a:p>
-            <a:pPr lvl="1">
-              <a:buFont typeface="Courier New" panose="02070309020205020404" pitchFamily="49" charset="0"/>
-              <a:buChar char="o"/>
-            </a:pPr>
-            <a:r>
-              <a:rPr lang="hu-HU" dirty="0">
-                <a:latin typeface="Arial" panose="020B0604020202020204" pitchFamily="34" charset="0"/>
-                <a:cs typeface="Arial" panose="020B0604020202020204" pitchFamily="34" charset="0"/>
-              </a:rPr>
-              <a:t>Rendelések megtekintése</a:t>
-            </a:r>
-          </a:p>
-          <a:p>
-            <a:pPr lvl="1">
-              <a:buFont typeface="Courier New" panose="02070309020205020404" pitchFamily="49" charset="0"/>
-              <a:buChar char="o"/>
-            </a:pPr>
-            <a:endParaRPr lang="hu-HU" dirty="0"/>
+              <a:rPr lang="hu-HU" sz="2800" dirty="0"/>
+              <a:t>Adatbázis</a:t>
+            </a:r>
+          </a:p>
+          <a:p>
+            <a:endParaRPr lang="hu-HU" sz="3600" dirty="0"/>
+          </a:p>
+          <a:p>
+            <a:endParaRPr lang="hu-HU" sz="3600" dirty="0"/>
           </a:p>
         </p:txBody>
       </p:sp>
+      <p:pic>
+        <p:nvPicPr>
+          <p:cNvPr id="1026" name="Picture 2" descr="Git &amp; Github">
+            <a:extLst>
+              <a:ext uri="{FF2B5EF4-FFF2-40B4-BE49-F238E27FC236}">
+                <a16:creationId xmlns:a16="http://schemas.microsoft.com/office/drawing/2014/main" id="{BA5B8C17-9650-4696-A2A3-49E185639E21}"/>
+              </a:ext>
+            </a:extLst>
+          </p:cNvPr>
+          <p:cNvPicPr>
+            <a:picLocks noChangeAspect="1" noChangeArrowheads="1"/>
+          </p:cNvPicPr>
+          <p:nvPr/>
+        </p:nvPicPr>
+        <p:blipFill>
+          <a:blip r:embed="rId2">
+            <a:extLst>
+              <a:ext uri="{28A0092B-C50C-407E-A947-70E740481C1C}">
+                <a14:useLocalDpi xmlns:a14="http://schemas.microsoft.com/office/drawing/2010/main" val="0"/>
+              </a:ext>
+            </a:extLst>
+          </a:blip>
+          <a:srcRect/>
+          <a:stretch>
+            <a:fillRect/>
+          </a:stretch>
+        </p:blipFill>
+        <p:spPr bwMode="auto">
+          <a:xfrm>
+            <a:off x="6268932" y="125413"/>
+            <a:ext cx="5084868" cy="2601457"/>
+          </a:xfrm>
+          <a:prstGeom prst="rect">
+            <a:avLst/>
+          </a:prstGeom>
+          <a:noFill/>
+          <a:extLst>
+            <a:ext uri="{909E8E84-426E-40DD-AFC4-6F175D3DCCD1}">
+              <a14:hiddenFill xmlns:a14="http://schemas.microsoft.com/office/drawing/2010/main">
+                <a:solidFill>
+                  <a:srgbClr val="FFFFFF"/>
+                </a:solidFill>
+              </a14:hiddenFill>
+            </a:ext>
+          </a:extLst>
+        </p:spPr>
+      </p:pic>
+      <p:pic>
+        <p:nvPicPr>
+          <p:cNvPr id="1028" name="Picture 4" descr="Microsoft Teams app for friends and families | Internet Matters">
+            <a:extLst>
+              <a:ext uri="{FF2B5EF4-FFF2-40B4-BE49-F238E27FC236}">
+                <a16:creationId xmlns:a16="http://schemas.microsoft.com/office/drawing/2014/main" id="{15F09B4E-DD7A-45EE-8C86-97D51C44F31D}"/>
+              </a:ext>
+            </a:extLst>
+          </p:cNvPr>
+          <p:cNvPicPr>
+            <a:picLocks noChangeAspect="1" noChangeArrowheads="1"/>
+          </p:cNvPicPr>
+          <p:nvPr/>
+        </p:nvPicPr>
+        <p:blipFill>
+          <a:blip r:embed="rId3">
+            <a:extLst>
+              <a:ext uri="{28A0092B-C50C-407E-A947-70E740481C1C}">
+                <a14:useLocalDpi xmlns:a14="http://schemas.microsoft.com/office/drawing/2010/main" val="0"/>
+              </a:ext>
+            </a:extLst>
+          </a:blip>
+          <a:srcRect/>
+          <a:stretch>
+            <a:fillRect/>
+          </a:stretch>
+        </p:blipFill>
+        <p:spPr bwMode="auto">
+          <a:xfrm>
+            <a:off x="6268932" y="2726870"/>
+            <a:ext cx="5084868" cy="2909586"/>
+          </a:xfrm>
+          <a:prstGeom prst="rect">
+            <a:avLst/>
+          </a:prstGeom>
+          <a:noFill/>
+          <a:extLst>
+            <a:ext uri="{909E8E84-426E-40DD-AFC4-6F175D3DCCD1}">
+              <a14:hiddenFill xmlns:a14="http://schemas.microsoft.com/office/drawing/2010/main">
+                <a:solidFill>
+                  <a:srgbClr val="FFFFFF"/>
+                </a:solidFill>
+              </a14:hiddenFill>
+            </a:ext>
+          </a:extLst>
+        </p:spPr>
+      </p:pic>
     </p:spTree>
     <p:extLst>
       <p:ext uri="{BB962C8B-B14F-4D97-AF65-F5344CB8AC3E}">
-        <p14:creationId xmlns:p14="http://schemas.microsoft.com/office/powerpoint/2010/main" val="761660236"/>
+        <p14:creationId xmlns:p14="http://schemas.microsoft.com/office/powerpoint/2010/main" val="3983157330"/>
       </p:ext>
     </p:extLst>
   </p:cSld>
@@ -9976,7 +10135,7 @@
           <p:cNvPr id="2" name="Cím 1">
             <a:extLst>
               <a:ext uri="{FF2B5EF4-FFF2-40B4-BE49-F238E27FC236}">
-                <a16:creationId xmlns:a16="http://schemas.microsoft.com/office/drawing/2014/main" id="{75ADBF76-C4AA-4531-8178-76FAFD354B9F}"/>
+                <a16:creationId xmlns:a16="http://schemas.microsoft.com/office/drawing/2014/main" id="{1254D7D8-9757-4320-85D1-0471F33F59F2}"/>
               </a:ext>
             </a:extLst>
           </p:cNvPr>
@@ -9987,23 +10146,17 @@
             <p:ph type="title"/>
           </p:nvPr>
         </p:nvSpPr>
-        <p:spPr>
-          <a:xfrm>
-            <a:off x="838200" y="365125"/>
-            <a:ext cx="10515600" cy="728889"/>
-          </a:xfrm>
-        </p:spPr>
+        <p:spPr/>
         <p:txBody>
           <a:bodyPr/>
           <a:lstStyle/>
           <a:p>
-            <a:pPr algn="ctr"/>
-            <a:r>
-              <a:rPr lang="hu-HU" dirty="0">
+            <a:r>
+              <a:rPr lang="hu-HU" b="1" dirty="0">
                 <a:latin typeface="Arial" panose="020B0604020202020204" pitchFamily="34" charset="0"/>
                 <a:cs typeface="Arial" panose="020B0604020202020204" pitchFamily="34" charset="0"/>
               </a:rPr>
-              <a:t>A program</a:t>
+              <a:t>Programunk funkciói</a:t>
             </a:r>
           </a:p>
         </p:txBody>
@@ -10013,7 +10166,7 @@
           <p:cNvPr id="3" name="Tartalom helye 2">
             <a:extLst>
               <a:ext uri="{FF2B5EF4-FFF2-40B4-BE49-F238E27FC236}">
-                <a16:creationId xmlns:a16="http://schemas.microsoft.com/office/drawing/2014/main" id="{06A6433F-33DF-4B4D-ABF4-C77BB4479B71}"/>
+                <a16:creationId xmlns:a16="http://schemas.microsoft.com/office/drawing/2014/main" id="{F9A6FD74-7C51-424A-91C9-8E0FA8A52A4A}"/>
               </a:ext>
             </a:extLst>
           </p:cNvPr>
@@ -10026,198 +10179,135 @@
         </p:nvSpPr>
         <p:spPr>
           <a:xfrm>
-            <a:off x="838200" y="1485900"/>
-            <a:ext cx="10515600" cy="5159829"/>
+            <a:off x="838200" y="1825625"/>
+            <a:ext cx="10515600" cy="4351338"/>
           </a:xfrm>
         </p:spPr>
         <p:txBody>
-          <a:bodyPr>
-            <a:normAutofit/>
-          </a:bodyPr>
+          <a:bodyPr/>
           <a:lstStyle/>
           <a:p>
-            <a:pPr marL="0" indent="0">
-              <a:buNone/>
-            </a:pPr>
-            <a:r>
-              <a:rPr lang="hu-HU" b="1" dirty="0">
+            <a:r>
+              <a:rPr lang="hu-HU" dirty="0">
                 <a:latin typeface="Arial" panose="020B0604020202020204" pitchFamily="34" charset="0"/>
                 <a:cs typeface="Arial" panose="020B0604020202020204" pitchFamily="34" charset="0"/>
               </a:rPr>
-              <a:t>Backend – Next.js</a:t>
-            </a:r>
-          </a:p>
-          <a:p>
-            <a:pPr lvl="1"/>
+              <a:t>Felhasználók számára:</a:t>
+            </a:r>
+          </a:p>
+          <a:p>
+            <a:pPr lvl="1">
+              <a:buFont typeface="Courier New" panose="02070309020205020404" pitchFamily="49" charset="0"/>
+              <a:buChar char="o"/>
+            </a:pPr>
             <a:r>
               <a:rPr lang="hu-HU" sz="2800" dirty="0">
                 <a:latin typeface="Arial" panose="020B0604020202020204" pitchFamily="34" charset="0"/>
                 <a:cs typeface="Arial" panose="020B0604020202020204" pitchFamily="34" charset="0"/>
               </a:rPr>
-              <a:t>Axios 1.6.7</a:t>
-            </a:r>
-          </a:p>
-          <a:p>
-            <a:pPr lvl="1"/>
-            <a:r>
-              <a:rPr lang="hu-HU" sz="2800" dirty="0" err="1">
-                <a:latin typeface="Arial" panose="020B0604020202020204" pitchFamily="34" charset="0"/>
-                <a:cs typeface="Arial" panose="020B0604020202020204" pitchFamily="34" charset="0"/>
-              </a:rPr>
-              <a:t>Next-auth</a:t>
-            </a:r>
+              <a:t>Regisztráció</a:t>
+            </a:r>
+          </a:p>
+          <a:p>
+            <a:pPr lvl="1">
+              <a:buFont typeface="Courier New" panose="02070309020205020404" pitchFamily="49" charset="0"/>
+              <a:buChar char="o"/>
+            </a:pPr>
             <a:r>
               <a:rPr lang="hu-HU" sz="2800" dirty="0">
                 <a:latin typeface="Arial" panose="020B0604020202020204" pitchFamily="34" charset="0"/>
                 <a:cs typeface="Arial" panose="020B0604020202020204" pitchFamily="34" charset="0"/>
               </a:rPr>
-              <a:t> 4.24.5</a:t>
-            </a:r>
-          </a:p>
-          <a:p>
-            <a:pPr lvl="1"/>
-            <a:r>
-              <a:rPr lang="hu-HU" sz="2800" dirty="0" err="1">
-                <a:latin typeface="Arial" panose="020B0604020202020204" pitchFamily="34" charset="0"/>
-                <a:cs typeface="Arial" panose="020B0604020202020204" pitchFamily="34" charset="0"/>
-              </a:rPr>
-              <a:t>Mongoose</a:t>
-            </a:r>
+              <a:t>Bejelentkezés</a:t>
+            </a:r>
+          </a:p>
+          <a:p>
+            <a:pPr lvl="1">
+              <a:buFont typeface="Courier New" panose="02070309020205020404" pitchFamily="49" charset="0"/>
+              <a:buChar char="o"/>
+            </a:pPr>
             <a:r>
               <a:rPr lang="hu-HU" sz="2800" dirty="0">
                 <a:latin typeface="Arial" panose="020B0604020202020204" pitchFamily="34" charset="0"/>
                 <a:cs typeface="Arial" panose="020B0604020202020204" pitchFamily="34" charset="0"/>
               </a:rPr>
-              <a:t> 8.1.1</a:t>
-            </a:r>
-          </a:p>
-          <a:p>
-            <a:pPr marL="0" indent="0">
-              <a:buNone/>
+              <a:t>Keresni a termékeink között</a:t>
+            </a:r>
+          </a:p>
+          <a:p>
+            <a:pPr lvl="1">
+              <a:buFont typeface="Courier New" panose="02070309020205020404" pitchFamily="49" charset="0"/>
+              <a:buChar char="o"/>
             </a:pPr>
-            <a:r>
-              <a:rPr lang="hu-HU" b="1" dirty="0">
-                <a:latin typeface="Arial" panose="020B0604020202020204" pitchFamily="34" charset="0"/>
-                <a:cs typeface="Arial" panose="020B0604020202020204" pitchFamily="34" charset="0"/>
-              </a:rPr>
-              <a:t>Frontend - Next.js</a:t>
-            </a:r>
-          </a:p>
-          <a:p>
-            <a:pPr lvl="1"/>
             <a:r>
               <a:rPr lang="hu-HU" sz="2800" dirty="0">
                 <a:latin typeface="Arial" panose="020B0604020202020204" pitchFamily="34" charset="0"/>
                 <a:cs typeface="Arial" panose="020B0604020202020204" pitchFamily="34" charset="0"/>
               </a:rPr>
-              <a:t>Tailwindcss 3.3.0</a:t>
-            </a:r>
-          </a:p>
-          <a:p>
-            <a:pPr lvl="1"/>
-            <a:r>
-              <a:rPr lang="hu-HU" sz="2800" dirty="0" err="1">
+              <a:t>Vásárolni</a:t>
+            </a:r>
+          </a:p>
+          <a:p>
+            <a:r>
+              <a:rPr lang="hu-HU" dirty="0">
                 <a:latin typeface="Arial" panose="020B0604020202020204" pitchFamily="34" charset="0"/>
                 <a:cs typeface="Arial" panose="020B0604020202020204" pitchFamily="34" charset="0"/>
               </a:rPr>
-              <a:t>React-icons</a:t>
-            </a:r>
-            <a:r>
-              <a:rPr lang="hu-HU" sz="2800" dirty="0">
+              <a:t>Adminok számára:</a:t>
+            </a:r>
+          </a:p>
+          <a:p>
+            <a:pPr lvl="1">
+              <a:buFont typeface="Courier New" panose="02070309020205020404" pitchFamily="49" charset="0"/>
+              <a:buChar char="o"/>
+            </a:pPr>
+            <a:r>
+              <a:rPr lang="hu-HU" dirty="0">
                 <a:latin typeface="Arial" panose="020B0604020202020204" pitchFamily="34" charset="0"/>
                 <a:cs typeface="Arial" panose="020B0604020202020204" pitchFamily="34" charset="0"/>
               </a:rPr>
-              <a:t> 5.0.1</a:t>
-            </a:r>
-          </a:p>
-          <a:p>
-            <a:pPr lvl="1"/>
-            <a:r>
-              <a:rPr lang="hu-HU" sz="2800" dirty="0" err="1">
+              <a:t>Létrehozni, módosítani a termékeket</a:t>
+            </a:r>
+          </a:p>
+          <a:p>
+            <a:pPr lvl="1">
+              <a:buFont typeface="Courier New" panose="02070309020205020404" pitchFamily="49" charset="0"/>
+              <a:buChar char="o"/>
+            </a:pPr>
+            <a:r>
+              <a:rPr lang="hu-HU" dirty="0">
                 <a:latin typeface="Arial" panose="020B0604020202020204" pitchFamily="34" charset="0"/>
                 <a:cs typeface="Arial" panose="020B0604020202020204" pitchFamily="34" charset="0"/>
               </a:rPr>
-              <a:t>Shadcn</a:t>
-            </a:r>
-            <a:r>
-              <a:rPr lang="hu-HU" sz="2800" dirty="0">
+              <a:t>Létrehozni, módosítani az aukciókat</a:t>
+            </a:r>
+          </a:p>
+          <a:p>
+            <a:pPr lvl="1">
+              <a:buFont typeface="Courier New" panose="02070309020205020404" pitchFamily="49" charset="0"/>
+              <a:buChar char="o"/>
+            </a:pPr>
+            <a:r>
+              <a:rPr lang="hu-HU" dirty="0">
                 <a:latin typeface="Arial" panose="020B0604020202020204" pitchFamily="34" charset="0"/>
                 <a:cs typeface="Arial" panose="020B0604020202020204" pitchFamily="34" charset="0"/>
               </a:rPr>
-              <a:t>/</a:t>
-            </a:r>
-            <a:r>
-              <a:rPr lang="hu-HU" sz="2800" dirty="0" err="1">
-                <a:latin typeface="Arial" panose="020B0604020202020204" pitchFamily="34" charset="0"/>
-                <a:cs typeface="Arial" panose="020B0604020202020204" pitchFamily="34" charset="0"/>
-              </a:rPr>
-              <a:t>ui</a:t>
-            </a:r>
-            <a:r>
-              <a:rPr lang="hu-HU" sz="2800" dirty="0">
-                <a:latin typeface="Arial" panose="020B0604020202020204" pitchFamily="34" charset="0"/>
-                <a:cs typeface="Arial" panose="020B0604020202020204" pitchFamily="34" charset="0"/>
-              </a:rPr>
-              <a:t> 0.8.0</a:t>
-            </a:r>
-          </a:p>
-          <a:p>
-            <a:pPr marL="0" indent="0">
-              <a:buNone/>
+              <a:t>Rendelések megtekintése</a:t>
+            </a:r>
+          </a:p>
+          <a:p>
+            <a:pPr lvl="1">
+              <a:buFont typeface="Courier New" panose="02070309020205020404" pitchFamily="49" charset="0"/>
+              <a:buChar char="o"/>
             </a:pPr>
-            <a:r>
-              <a:rPr lang="hu-HU" b="1" dirty="0">
-                <a:latin typeface="Arial" panose="020B0604020202020204" pitchFamily="34" charset="0"/>
-                <a:cs typeface="Arial" panose="020B0604020202020204" pitchFamily="34" charset="0"/>
-              </a:rPr>
-              <a:t>Adatbázis - MongoDB</a:t>
-            </a:r>
-          </a:p>
-          <a:p>
-            <a:pPr lvl="1"/>
-            <a:r>
-              <a:rPr lang="hu-HU" sz="2800" dirty="0" err="1">
-                <a:latin typeface="Arial" panose="020B0604020202020204" pitchFamily="34" charset="0"/>
-                <a:cs typeface="Arial" panose="020B0604020202020204" pitchFamily="34" charset="0"/>
-              </a:rPr>
-              <a:t>Mongoose</a:t>
-            </a:r>
-            <a:r>
-              <a:rPr lang="hu-HU" sz="2800" dirty="0">
-                <a:latin typeface="Arial" panose="020B0604020202020204" pitchFamily="34" charset="0"/>
-                <a:cs typeface="Arial" panose="020B0604020202020204" pitchFamily="34" charset="0"/>
-              </a:rPr>
-              <a:t> 8.1.1</a:t>
-            </a:r>
-          </a:p>
-          <a:p>
-            <a:pPr lvl="1"/>
-            <a:r>
-              <a:rPr lang="hu-HU" sz="2800" dirty="0">
-                <a:latin typeface="Arial" panose="020B0604020202020204" pitchFamily="34" charset="0"/>
-                <a:cs typeface="Arial" panose="020B0604020202020204" pitchFamily="34" charset="0"/>
-              </a:rPr>
-              <a:t>MongoDB 6.3.0</a:t>
-            </a:r>
-          </a:p>
-          <a:p>
-            <a:endParaRPr lang="hu-HU" dirty="0">
-              <a:latin typeface="Arial" panose="020B0604020202020204" pitchFamily="34" charset="0"/>
-              <a:cs typeface="Arial" panose="020B0604020202020204" pitchFamily="34" charset="0"/>
-            </a:endParaRPr>
-          </a:p>
-          <a:p>
-            <a:endParaRPr lang="hu-HU" dirty="0">
-              <a:latin typeface="Arial" panose="020B0604020202020204" pitchFamily="34" charset="0"/>
-              <a:cs typeface="Arial" panose="020B0604020202020204" pitchFamily="34" charset="0"/>
-            </a:endParaRPr>
+            <a:endParaRPr lang="hu-HU" dirty="0"/>
           </a:p>
         </p:txBody>
       </p:sp>
     </p:spTree>
     <p:extLst>
       <p:ext uri="{BB962C8B-B14F-4D97-AF65-F5344CB8AC3E}">
-        <p14:creationId xmlns:p14="http://schemas.microsoft.com/office/powerpoint/2010/main" val="2154689749"/>
+        <p14:creationId xmlns:p14="http://schemas.microsoft.com/office/powerpoint/2010/main" val="761660236"/>
       </p:ext>
     </p:extLst>
   </p:cSld>
@@ -10249,7 +10339,7 @@
           <p:cNvPr id="2" name="Cím 1">
             <a:extLst>
               <a:ext uri="{FF2B5EF4-FFF2-40B4-BE49-F238E27FC236}">
-                <a16:creationId xmlns:a16="http://schemas.microsoft.com/office/drawing/2014/main" id="{2137001F-BA74-4CCA-AF00-2421F34534C9}"/>
+                <a16:creationId xmlns:a16="http://schemas.microsoft.com/office/drawing/2014/main" id="{75ADBF76-C4AA-4531-8178-76FAFD354B9F}"/>
               </a:ext>
             </a:extLst>
           </p:cNvPr>
@@ -10260,17 +10350,23 @@
             <p:ph type="title"/>
           </p:nvPr>
         </p:nvSpPr>
-        <p:spPr/>
+        <p:spPr>
+          <a:xfrm>
+            <a:off x="838200" y="365125"/>
+            <a:ext cx="10515600" cy="728889"/>
+          </a:xfrm>
+        </p:spPr>
         <p:txBody>
           <a:bodyPr/>
           <a:lstStyle/>
           <a:p>
-            <a:r>
-              <a:rPr lang="hu-HU" dirty="0">
+            <a:pPr algn="ctr"/>
+            <a:r>
+              <a:rPr lang="hu-HU" b="1" dirty="0">
                 <a:latin typeface="Arial" panose="020B0604020202020204" pitchFamily="34" charset="0"/>
                 <a:cs typeface="Arial" panose="020B0604020202020204" pitchFamily="34" charset="0"/>
               </a:rPr>
-              <a:t>Backend</a:t>
+              <a:t>A program</a:t>
             </a:r>
           </a:p>
         </p:txBody>
@@ -10280,7 +10376,7 @@
           <p:cNvPr id="3" name="Tartalom helye 2">
             <a:extLst>
               <a:ext uri="{FF2B5EF4-FFF2-40B4-BE49-F238E27FC236}">
-                <a16:creationId xmlns:a16="http://schemas.microsoft.com/office/drawing/2014/main" id="{D5790751-4058-40C2-826C-25949F53F6C1}"/>
+                <a16:creationId xmlns:a16="http://schemas.microsoft.com/office/drawing/2014/main" id="{06A6433F-33DF-4B4D-ABF4-C77BB4479B71}"/>
               </a:ext>
             </a:extLst>
           </p:cNvPr>
@@ -10291,19 +10387,179 @@
             <p:ph idx="1"/>
           </p:nvPr>
         </p:nvSpPr>
-        <p:spPr/>
+        <p:spPr>
+          <a:xfrm>
+            <a:off x="838200" y="1485900"/>
+            <a:ext cx="10515600" cy="5159829"/>
+          </a:xfrm>
+        </p:spPr>
         <p:txBody>
-          <a:bodyPr/>
+          <a:bodyPr>
+            <a:normAutofit/>
+          </a:bodyPr>
           <a:lstStyle/>
           <a:p>
-            <a:endParaRPr lang="hu-HU"/>
+            <a:pPr marL="0" indent="0">
+              <a:buNone/>
+            </a:pPr>
+            <a:r>
+              <a:rPr lang="hu-HU" b="1" dirty="0">
+                <a:latin typeface="Arial" panose="020B0604020202020204" pitchFamily="34" charset="0"/>
+                <a:cs typeface="Arial" panose="020B0604020202020204" pitchFamily="34" charset="0"/>
+              </a:rPr>
+              <a:t>Backend – Next.js</a:t>
+            </a:r>
+          </a:p>
+          <a:p>
+            <a:pPr lvl="1"/>
+            <a:r>
+              <a:rPr lang="hu-HU" sz="2800" dirty="0">
+                <a:latin typeface="Arial" panose="020B0604020202020204" pitchFamily="34" charset="0"/>
+                <a:cs typeface="Arial" panose="020B0604020202020204" pitchFamily="34" charset="0"/>
+              </a:rPr>
+              <a:t>Axios 1.6.7</a:t>
+            </a:r>
+          </a:p>
+          <a:p>
+            <a:pPr lvl="1"/>
+            <a:r>
+              <a:rPr lang="hu-HU" sz="2800" dirty="0" err="1">
+                <a:latin typeface="Arial" panose="020B0604020202020204" pitchFamily="34" charset="0"/>
+                <a:cs typeface="Arial" panose="020B0604020202020204" pitchFamily="34" charset="0"/>
+              </a:rPr>
+              <a:t>Next-auth</a:t>
+            </a:r>
+            <a:r>
+              <a:rPr lang="hu-HU" sz="2800" dirty="0">
+                <a:latin typeface="Arial" panose="020B0604020202020204" pitchFamily="34" charset="0"/>
+                <a:cs typeface="Arial" panose="020B0604020202020204" pitchFamily="34" charset="0"/>
+              </a:rPr>
+              <a:t> 4.24.5</a:t>
+            </a:r>
+          </a:p>
+          <a:p>
+            <a:pPr lvl="1"/>
+            <a:r>
+              <a:rPr lang="hu-HU" sz="2800" dirty="0" err="1">
+                <a:latin typeface="Arial" panose="020B0604020202020204" pitchFamily="34" charset="0"/>
+                <a:cs typeface="Arial" panose="020B0604020202020204" pitchFamily="34" charset="0"/>
+              </a:rPr>
+              <a:t>Mongoose</a:t>
+            </a:r>
+            <a:r>
+              <a:rPr lang="hu-HU" sz="2800" dirty="0">
+                <a:latin typeface="Arial" panose="020B0604020202020204" pitchFamily="34" charset="0"/>
+                <a:cs typeface="Arial" panose="020B0604020202020204" pitchFamily="34" charset="0"/>
+              </a:rPr>
+              <a:t> 8.1.1</a:t>
+            </a:r>
+          </a:p>
+          <a:p>
+            <a:pPr marL="0" indent="0">
+              <a:buNone/>
+            </a:pPr>
+            <a:r>
+              <a:rPr lang="hu-HU" b="1" dirty="0">
+                <a:latin typeface="Arial" panose="020B0604020202020204" pitchFamily="34" charset="0"/>
+                <a:cs typeface="Arial" panose="020B0604020202020204" pitchFamily="34" charset="0"/>
+              </a:rPr>
+              <a:t>Frontend - Next.js</a:t>
+            </a:r>
+          </a:p>
+          <a:p>
+            <a:pPr lvl="1"/>
+            <a:r>
+              <a:rPr lang="hu-HU" sz="2800" dirty="0">
+                <a:latin typeface="Arial" panose="020B0604020202020204" pitchFamily="34" charset="0"/>
+                <a:cs typeface="Arial" panose="020B0604020202020204" pitchFamily="34" charset="0"/>
+              </a:rPr>
+              <a:t>Tailwindcss 3.3.0</a:t>
+            </a:r>
+          </a:p>
+          <a:p>
+            <a:pPr lvl="1"/>
+            <a:r>
+              <a:rPr lang="hu-HU" sz="2800" dirty="0" err="1">
+                <a:latin typeface="Arial" panose="020B0604020202020204" pitchFamily="34" charset="0"/>
+                <a:cs typeface="Arial" panose="020B0604020202020204" pitchFamily="34" charset="0"/>
+              </a:rPr>
+              <a:t>React-icons</a:t>
+            </a:r>
+            <a:r>
+              <a:rPr lang="hu-HU" sz="2800" dirty="0">
+                <a:latin typeface="Arial" panose="020B0604020202020204" pitchFamily="34" charset="0"/>
+                <a:cs typeface="Arial" panose="020B0604020202020204" pitchFamily="34" charset="0"/>
+              </a:rPr>
+              <a:t> 5.0.1</a:t>
+            </a:r>
+          </a:p>
+          <a:p>
+            <a:pPr lvl="1"/>
+            <a:r>
+              <a:rPr lang="hu-HU" sz="2800" dirty="0">
+                <a:latin typeface="Arial" panose="020B0604020202020204" pitchFamily="34" charset="0"/>
+                <a:cs typeface="Arial" panose="020B0604020202020204" pitchFamily="34" charset="0"/>
+              </a:rPr>
+              <a:t>Shadcn/ui 0.8.0</a:t>
+            </a:r>
+          </a:p>
+          <a:p>
+            <a:pPr marL="0" indent="0">
+              <a:buNone/>
+            </a:pPr>
+            <a:r>
+              <a:rPr lang="hu-HU" b="1" dirty="0">
+                <a:latin typeface="Arial" panose="020B0604020202020204" pitchFamily="34" charset="0"/>
+                <a:cs typeface="Arial" panose="020B0604020202020204" pitchFamily="34" charset="0"/>
+              </a:rPr>
+              <a:t>Adatbázis - MongoDB</a:t>
+            </a:r>
+          </a:p>
+          <a:p>
+            <a:pPr lvl="1"/>
+            <a:r>
+              <a:rPr lang="hu-HU" sz="2800" dirty="0" err="1">
+                <a:latin typeface="Arial" panose="020B0604020202020204" pitchFamily="34" charset="0"/>
+                <a:cs typeface="Arial" panose="020B0604020202020204" pitchFamily="34" charset="0"/>
+              </a:rPr>
+              <a:t>Mongoose</a:t>
+            </a:r>
+            <a:r>
+              <a:rPr lang="hu-HU" sz="2800" dirty="0">
+                <a:latin typeface="Arial" panose="020B0604020202020204" pitchFamily="34" charset="0"/>
+                <a:cs typeface="Arial" panose="020B0604020202020204" pitchFamily="34" charset="0"/>
+              </a:rPr>
+              <a:t> 8.1.1</a:t>
+            </a:r>
+          </a:p>
+          <a:p>
+            <a:pPr lvl="1"/>
+            <a:r>
+              <a:rPr lang="hu-HU" sz="2800" dirty="0">
+                <a:latin typeface="Arial" panose="020B0604020202020204" pitchFamily="34" charset="0"/>
+                <a:cs typeface="Arial" panose="020B0604020202020204" pitchFamily="34" charset="0"/>
+              </a:rPr>
+              <a:t>MongoDB 6.3.0</a:t>
+            </a:r>
+          </a:p>
+          <a:p>
+            <a:endParaRPr lang="hu-HU" dirty="0">
+              <a:latin typeface="Arial" panose="020B0604020202020204" pitchFamily="34" charset="0"/>
+              <a:cs typeface="Arial" panose="020B0604020202020204" pitchFamily="34" charset="0"/>
+            </a:endParaRPr>
+          </a:p>
+          <a:p>
+            <a:endParaRPr lang="hu-HU" dirty="0">
+              <a:latin typeface="Arial" panose="020B0604020202020204" pitchFamily="34" charset="0"/>
+              <a:cs typeface="Arial" panose="020B0604020202020204" pitchFamily="34" charset="0"/>
+            </a:endParaRPr>
           </a:p>
         </p:txBody>
       </p:sp>
     </p:spTree>
     <p:extLst>
       <p:ext uri="{BB962C8B-B14F-4D97-AF65-F5344CB8AC3E}">
-        <p14:creationId xmlns:p14="http://schemas.microsoft.com/office/powerpoint/2010/main" val="1091840476"/>
+        <p14:creationId xmlns:p14="http://schemas.microsoft.com/office/powerpoint/2010/main" val="2154689749"/>
       </p:ext>
     </p:extLst>
   </p:cSld>
@@ -10335,7 +10591,7 @@
           <p:cNvPr id="2" name="Cím 1">
             <a:extLst>
               <a:ext uri="{FF2B5EF4-FFF2-40B4-BE49-F238E27FC236}">
-                <a16:creationId xmlns:a16="http://schemas.microsoft.com/office/drawing/2014/main" id="{6B475601-2111-4271-AEC9-072C7E022B00}"/>
+                <a16:creationId xmlns:a16="http://schemas.microsoft.com/office/drawing/2014/main" id="{2137001F-BA74-4CCA-AF00-2421F34534C9}"/>
               </a:ext>
             </a:extLst>
           </p:cNvPr>
@@ -10351,7 +10607,13 @@
           <a:bodyPr/>
           <a:lstStyle/>
           <a:p>
-            <a:endParaRPr lang="hu-HU"/>
+            <a:r>
+              <a:rPr lang="hu-HU" b="1" dirty="0">
+                <a:latin typeface="Arial" panose="020B0604020202020204" pitchFamily="34" charset="0"/>
+                <a:cs typeface="Arial" panose="020B0604020202020204" pitchFamily="34" charset="0"/>
+              </a:rPr>
+              <a:t>Backend</a:t>
+            </a:r>
           </a:p>
         </p:txBody>
       </p:sp>
@@ -10360,7 +10622,7 @@
           <p:cNvPr id="3" name="Tartalom helye 2">
             <a:extLst>
               <a:ext uri="{FF2B5EF4-FFF2-40B4-BE49-F238E27FC236}">
-                <a16:creationId xmlns:a16="http://schemas.microsoft.com/office/drawing/2014/main" id="{39FC229C-D630-4D8A-9388-3732F1A2A80F}"/>
+                <a16:creationId xmlns:a16="http://schemas.microsoft.com/office/drawing/2014/main" id="{D5790751-4058-40C2-826C-25949F53F6C1}"/>
               </a:ext>
             </a:extLst>
           </p:cNvPr>
@@ -10383,7 +10645,7 @@
     </p:spTree>
     <p:extLst>
       <p:ext uri="{BB962C8B-B14F-4D97-AF65-F5344CB8AC3E}">
-        <p14:creationId xmlns:p14="http://schemas.microsoft.com/office/powerpoint/2010/main" val="1249173385"/>
+        <p14:creationId xmlns:p14="http://schemas.microsoft.com/office/powerpoint/2010/main" val="1091840476"/>
       </p:ext>
     </p:extLst>
   </p:cSld>
@@ -10415,7 +10677,7 @@
           <p:cNvPr id="2" name="Cím 1">
             <a:extLst>
               <a:ext uri="{FF2B5EF4-FFF2-40B4-BE49-F238E27FC236}">
-                <a16:creationId xmlns:a16="http://schemas.microsoft.com/office/drawing/2014/main" id="{6227E417-DCCA-45C9-BFDF-A03307249045}"/>
+                <a16:creationId xmlns:a16="http://schemas.microsoft.com/office/drawing/2014/main" id="{6B475601-2111-4271-AEC9-072C7E022B00}"/>
               </a:ext>
             </a:extLst>
           </p:cNvPr>
@@ -10440,7 +10702,7 @@
           <p:cNvPr id="3" name="Tartalom helye 2">
             <a:extLst>
               <a:ext uri="{FF2B5EF4-FFF2-40B4-BE49-F238E27FC236}">
-                <a16:creationId xmlns:a16="http://schemas.microsoft.com/office/drawing/2014/main" id="{AF7FBC07-4420-4ABB-890E-A89CAE506404}"/>
+                <a16:creationId xmlns:a16="http://schemas.microsoft.com/office/drawing/2014/main" id="{39FC229C-D630-4D8A-9388-3732F1A2A80F}"/>
               </a:ext>
             </a:extLst>
           </p:cNvPr>
@@ -10463,7 +10725,7 @@
     </p:spTree>
     <p:extLst>
       <p:ext uri="{BB962C8B-B14F-4D97-AF65-F5344CB8AC3E}">
-        <p14:creationId xmlns:p14="http://schemas.microsoft.com/office/powerpoint/2010/main" val="3045209348"/>
+        <p14:creationId xmlns:p14="http://schemas.microsoft.com/office/powerpoint/2010/main" val="1249173385"/>
       </p:ext>
     </p:extLst>
   </p:cSld>
@@ -10495,7 +10757,7 @@
           <p:cNvPr id="2" name="Cím 1">
             <a:extLst>
               <a:ext uri="{FF2B5EF4-FFF2-40B4-BE49-F238E27FC236}">
-                <a16:creationId xmlns:a16="http://schemas.microsoft.com/office/drawing/2014/main" id="{E059305F-C2C9-4BB1-A020-CA567C04CDE7}"/>
+                <a16:creationId xmlns:a16="http://schemas.microsoft.com/office/drawing/2014/main" id="{6227E417-DCCA-45C9-BFDF-A03307249045}"/>
               </a:ext>
             </a:extLst>
           </p:cNvPr>
@@ -10511,13 +10773,7 @@
           <a:bodyPr/>
           <a:lstStyle/>
           <a:p>
-            <a:r>
-              <a:rPr lang="hu-HU" dirty="0">
-                <a:latin typeface="Arial" panose="020B0604020202020204" pitchFamily="34" charset="0"/>
-                <a:cs typeface="Arial" panose="020B0604020202020204" pitchFamily="34" charset="0"/>
-              </a:rPr>
-              <a:t>Frontend</a:t>
-            </a:r>
+            <a:endParaRPr lang="hu-HU"/>
           </a:p>
         </p:txBody>
       </p:sp>
@@ -10526,7 +10782,7 @@
           <p:cNvPr id="3" name="Tartalom helye 2">
             <a:extLst>
               <a:ext uri="{FF2B5EF4-FFF2-40B4-BE49-F238E27FC236}">
-                <a16:creationId xmlns:a16="http://schemas.microsoft.com/office/drawing/2014/main" id="{87C3037F-A472-47D8-8284-3C0249006B10}"/>
+                <a16:creationId xmlns:a16="http://schemas.microsoft.com/office/drawing/2014/main" id="{AF7FBC07-4420-4ABB-890E-A89CAE506404}"/>
               </a:ext>
             </a:extLst>
           </p:cNvPr>
@@ -10549,7 +10805,7 @@
     </p:spTree>
     <p:extLst>
       <p:ext uri="{BB962C8B-B14F-4D97-AF65-F5344CB8AC3E}">
-        <p14:creationId xmlns:p14="http://schemas.microsoft.com/office/powerpoint/2010/main" val="1676414927"/>
+        <p14:creationId xmlns:p14="http://schemas.microsoft.com/office/powerpoint/2010/main" val="3045209348"/>
       </p:ext>
     </p:extLst>
   </p:cSld>
@@ -10581,7 +10837,7 @@
           <p:cNvPr id="2" name="Cím 1">
             <a:extLst>
               <a:ext uri="{FF2B5EF4-FFF2-40B4-BE49-F238E27FC236}">
-                <a16:creationId xmlns:a16="http://schemas.microsoft.com/office/drawing/2014/main" id="{40386D58-D367-4854-A309-87343B1E4828}"/>
+                <a16:creationId xmlns:a16="http://schemas.microsoft.com/office/drawing/2014/main" id="{E059305F-C2C9-4BB1-A020-CA567C04CDE7}"/>
               </a:ext>
             </a:extLst>
           </p:cNvPr>
@@ -10597,7 +10853,13 @@
           <a:bodyPr/>
           <a:lstStyle/>
           <a:p>
-            <a:endParaRPr lang="hu-HU"/>
+            <a:r>
+              <a:rPr lang="hu-HU" b="1" dirty="0">
+                <a:latin typeface="Arial" panose="020B0604020202020204" pitchFamily="34" charset="0"/>
+                <a:cs typeface="Arial" panose="020B0604020202020204" pitchFamily="34" charset="0"/>
+              </a:rPr>
+              <a:t>Frontend</a:t>
+            </a:r>
           </a:p>
         </p:txBody>
       </p:sp>
@@ -10606,7 +10868,7 @@
           <p:cNvPr id="3" name="Tartalom helye 2">
             <a:extLst>
               <a:ext uri="{FF2B5EF4-FFF2-40B4-BE49-F238E27FC236}">
-                <a16:creationId xmlns:a16="http://schemas.microsoft.com/office/drawing/2014/main" id="{8EFCE4BF-E090-477B-846F-35745EF32DFA}"/>
+                <a16:creationId xmlns:a16="http://schemas.microsoft.com/office/drawing/2014/main" id="{87C3037F-A472-47D8-8284-3C0249006B10}"/>
               </a:ext>
             </a:extLst>
           </p:cNvPr>
@@ -10617,19 +10879,186 @@
             <p:ph idx="1"/>
           </p:nvPr>
         </p:nvSpPr>
-        <p:spPr/>
+        <p:spPr>
+          <a:xfrm>
+            <a:off x="838200" y="1825624"/>
+            <a:ext cx="10515600" cy="4511007"/>
+          </a:xfrm>
+        </p:spPr>
         <p:txBody>
           <a:bodyPr/>
           <a:lstStyle/>
           <a:p>
-            <a:endParaRPr lang="hu-HU"/>
+            <a:pPr lvl="1"/>
+            <a:r>
+              <a:rPr lang="hu-HU" sz="2800" dirty="0">
+                <a:latin typeface="Arial" panose="020B0604020202020204" pitchFamily="34" charset="0"/>
+                <a:cs typeface="Arial" panose="020B0604020202020204" pitchFamily="34" charset="0"/>
+              </a:rPr>
+              <a:t>Next.js</a:t>
+            </a:r>
+          </a:p>
+          <a:p>
+            <a:pPr lvl="1"/>
+            <a:r>
+              <a:rPr lang="hu-HU" sz="2800" dirty="0">
+                <a:latin typeface="Arial" panose="020B0604020202020204" pitchFamily="34" charset="0"/>
+                <a:cs typeface="Arial" panose="020B0604020202020204" pitchFamily="34" charset="0"/>
+              </a:rPr>
+              <a:t>Tailwind CSS</a:t>
+            </a:r>
+          </a:p>
+          <a:p>
+            <a:pPr lvl="1"/>
+            <a:r>
+              <a:rPr lang="hu-HU" sz="2800" dirty="0">
+                <a:latin typeface="Arial" panose="020B0604020202020204" pitchFamily="34" charset="0"/>
+                <a:cs typeface="Arial" panose="020B0604020202020204" pitchFamily="34" charset="0"/>
+              </a:rPr>
+              <a:t>Shadcn/ui</a:t>
+            </a:r>
+          </a:p>
+          <a:p>
+            <a:pPr lvl="1"/>
+            <a:r>
+              <a:rPr lang="hu-HU" sz="2800" dirty="0">
+                <a:latin typeface="Arial" panose="020B0604020202020204" pitchFamily="34" charset="0"/>
+                <a:cs typeface="Arial" panose="020B0604020202020204" pitchFamily="34" charset="0"/>
+              </a:rPr>
+              <a:t>NextAuth.js</a:t>
+            </a:r>
+            <a:endParaRPr lang="hu-HU" dirty="0"/>
           </a:p>
         </p:txBody>
       </p:sp>
+      <p:pic>
+        <p:nvPicPr>
+          <p:cNvPr id="1028" name="Picture 4" descr="Tailwind CSS Starter Kit | Drupal.org">
+            <a:extLst>
+              <a:ext uri="{FF2B5EF4-FFF2-40B4-BE49-F238E27FC236}">
+                <a16:creationId xmlns:a16="http://schemas.microsoft.com/office/drawing/2014/main" id="{57523B05-AA0F-425E-80D0-3C0BEAA7B48D}"/>
+              </a:ext>
+            </a:extLst>
+          </p:cNvPr>
+          <p:cNvPicPr>
+            <a:picLocks noChangeAspect="1" noChangeArrowheads="1"/>
+          </p:cNvPicPr>
+          <p:nvPr/>
+        </p:nvPicPr>
+        <p:blipFill>
+          <a:blip r:embed="rId2">
+            <a:extLst>
+              <a:ext uri="{28A0092B-C50C-407E-A947-70E740481C1C}">
+                <a14:useLocalDpi xmlns:a14="http://schemas.microsoft.com/office/drawing/2010/main" val="0"/>
+              </a:ext>
+            </a:extLst>
+          </a:blip>
+          <a:srcRect/>
+          <a:stretch>
+            <a:fillRect/>
+          </a:stretch>
+        </p:blipFill>
+        <p:spPr bwMode="auto">
+          <a:xfrm>
+            <a:off x="549729" y="4122821"/>
+            <a:ext cx="2370053" cy="2370053"/>
+          </a:xfrm>
+          <a:prstGeom prst="rect">
+            <a:avLst/>
+          </a:prstGeom>
+          <a:noFill/>
+          <a:extLst>
+            <a:ext uri="{909E8E84-426E-40DD-AFC4-6F175D3DCCD1}">
+              <a14:hiddenFill xmlns:a14="http://schemas.microsoft.com/office/drawing/2010/main">
+                <a:solidFill>
+                  <a:srgbClr val="FFFFFF"/>
+                </a:solidFill>
+              </a14:hiddenFill>
+            </a:ext>
+          </a:extLst>
+        </p:spPr>
+      </p:pic>
+      <p:pic>
+        <p:nvPicPr>
+          <p:cNvPr id="1032" name="Picture 8" descr="The React Secret Weapon: A Next.js 13 beginners Simple Explanation">
+            <a:extLst>
+              <a:ext uri="{FF2B5EF4-FFF2-40B4-BE49-F238E27FC236}">
+                <a16:creationId xmlns:a16="http://schemas.microsoft.com/office/drawing/2014/main" id="{5CF4AE7E-EC95-4D70-9472-B37A938FDF77}"/>
+              </a:ext>
+            </a:extLst>
+          </p:cNvPr>
+          <p:cNvPicPr>
+            <a:picLocks noChangeAspect="1" noChangeArrowheads="1"/>
+          </p:cNvPicPr>
+          <p:nvPr/>
+        </p:nvPicPr>
+        <p:blipFill>
+          <a:blip r:embed="rId3">
+            <a:extLst>
+              <a:ext uri="{28A0092B-C50C-407E-A947-70E740481C1C}">
+                <a14:useLocalDpi xmlns:a14="http://schemas.microsoft.com/office/drawing/2010/main" val="0"/>
+              </a:ext>
+            </a:extLst>
+          </a:blip>
+          <a:srcRect/>
+          <a:stretch>
+            <a:fillRect/>
+          </a:stretch>
+        </p:blipFill>
+        <p:spPr bwMode="auto">
+          <a:xfrm>
+            <a:off x="2618313" y="4122821"/>
+            <a:ext cx="4518477" cy="2370053"/>
+          </a:xfrm>
+          <a:prstGeom prst="rect">
+            <a:avLst/>
+          </a:prstGeom>
+          <a:noFill/>
+          <a:extLst>
+            <a:ext uri="{909E8E84-426E-40DD-AFC4-6F175D3DCCD1}">
+              <a14:hiddenFill xmlns:a14="http://schemas.microsoft.com/office/drawing/2010/main">
+                <a:solidFill>
+                  <a:srgbClr val="FFFFFF"/>
+                </a:solidFill>
+              </a14:hiddenFill>
+            </a:ext>
+          </a:extLst>
+        </p:spPr>
+      </p:pic>
+      <p:pic>
+        <p:nvPicPr>
+          <p:cNvPr id="4" name="Kép 3">
+            <a:extLst>
+              <a:ext uri="{FF2B5EF4-FFF2-40B4-BE49-F238E27FC236}">
+                <a16:creationId xmlns:a16="http://schemas.microsoft.com/office/drawing/2014/main" id="{77F4E270-DB78-478A-9356-6A6705134843}"/>
+              </a:ext>
+            </a:extLst>
+          </p:cNvPr>
+          <p:cNvPicPr>
+            <a:picLocks noChangeAspect="1"/>
+          </p:cNvPicPr>
+          <p:nvPr/>
+        </p:nvPicPr>
+        <p:blipFill>
+          <a:blip r:embed="rId4"/>
+          <a:stretch>
+            <a:fillRect/>
+          </a:stretch>
+        </p:blipFill>
+        <p:spPr>
+          <a:xfrm>
+            <a:off x="7761326" y="365125"/>
+            <a:ext cx="3342101" cy="6236099"/>
+          </a:xfrm>
+          <a:prstGeom prst="rect">
+            <a:avLst/>
+          </a:prstGeom>
+        </p:spPr>
+      </p:pic>
     </p:spTree>
     <p:extLst>
       <p:ext uri="{BB962C8B-B14F-4D97-AF65-F5344CB8AC3E}">
-        <p14:creationId xmlns:p14="http://schemas.microsoft.com/office/powerpoint/2010/main" val="3983157330"/>
+        <p14:creationId xmlns:p14="http://schemas.microsoft.com/office/powerpoint/2010/main" val="1676414927"/>
       </p:ext>
     </p:extLst>
   </p:cSld>

--- a/Bemutato.pptx
+++ b/Bemutato.pptx
@@ -7964,10 +7964,21 @@
         </p:nvSpPr>
         <p:spPr/>
         <p:txBody>
-          <a:bodyPr/>
+          <a:bodyPr>
+            <a:normAutofit/>
+          </a:bodyPr>
           <a:lstStyle/>
           <a:p>
-            <a:endParaRPr lang="hu-HU" dirty="0"/>
+            <a:r>
+              <a:rPr lang="hu-HU" sz="3200" dirty="0"/>
+              <a:t>Mobileszközökre optimalizálva</a:t>
+            </a:r>
+          </a:p>
+          <a:p>
+            <a:r>
+              <a:rPr lang="hu-HU" sz="3200" dirty="0"/>
+              <a:t>Könnyen hozzáférhet bárhonnan</a:t>
+            </a:r>
           </a:p>
         </p:txBody>
       </p:sp>

--- a/Bemutato.pptx
+++ b/Bemutato.pptx
@@ -7962,7 +7962,12 @@
             <p:ph idx="1"/>
           </p:nvPr>
         </p:nvSpPr>
-        <p:spPr/>
+        <p:spPr>
+          <a:xfrm>
+            <a:off x="838200" y="1458328"/>
+            <a:ext cx="6558495" cy="1325563"/>
+          </a:xfrm>
+        </p:spPr>
         <p:txBody>
           <a:bodyPr>
             <a:normAutofit/>
@@ -7982,6 +7987,36 @@
           </a:p>
         </p:txBody>
       </p:sp>
+      <p:pic>
+        <p:nvPicPr>
+          <p:cNvPr id="4" name="Kép 3">
+            <a:extLst>
+              <a:ext uri="{FF2B5EF4-FFF2-40B4-BE49-F238E27FC236}">
+                <a16:creationId xmlns:a16="http://schemas.microsoft.com/office/drawing/2014/main" id="{3A6698C4-1F18-4EC2-96E4-CCA98A63B2DB}"/>
+              </a:ext>
+            </a:extLst>
+          </p:cNvPr>
+          <p:cNvPicPr>
+            <a:picLocks noChangeAspect="1"/>
+          </p:cNvPicPr>
+          <p:nvPr/>
+        </p:nvPicPr>
+        <p:blipFill>
+          <a:blip r:embed="rId2"/>
+          <a:stretch>
+            <a:fillRect/>
+          </a:stretch>
+        </p:blipFill>
+        <p:spPr>
+          <a:xfrm>
+            <a:off x="7396695" y="0"/>
+            <a:ext cx="4795305" cy="5577305"/>
+          </a:xfrm>
+          <a:prstGeom prst="rect">
+            <a:avLst/>
+          </a:prstGeom>
+        </p:spPr>
+      </p:pic>
     </p:spTree>
     <p:extLst>
       <p:ext uri="{BB962C8B-B14F-4D97-AF65-F5344CB8AC3E}">
@@ -8842,7 +8877,7 @@
             <a:round/>
             <a:extLst>
               <a:ext uri="{C807C97D-BFC1-408E-A445-0C87EB9F89A2}">
-                <ask:lineSketchStyleProps xmlns="" xmlns:ask="http://schemas.microsoft.com/office/drawing/2018/sketchyshapes" sd="2727557108">
+                <ask:lineSketchStyleProps xmlns:ask="http://schemas.microsoft.com/office/drawing/2018/sketchyshapes" xmlns="" sd="2727557108">
                   <a:prstGeom prst="rect">
                     <a:avLst/>
                   </a:prstGeom>
@@ -9426,16 +9461,6 @@
           <a:p>
             <a:pPr algn="ctr"/>
             <a:r>
-              <a:rPr lang="en-US" sz="6000" b="1" kern="1200" dirty="0" err="1">
-                <a:solidFill>
-                  <a:schemeClr val="tx1"/>
-                </a:solidFill>
-                <a:latin typeface="Arial" panose="020B0604020202020204" pitchFamily="34" charset="0"/>
-                <a:cs typeface="Arial" panose="020B0604020202020204" pitchFamily="34" charset="0"/>
-              </a:rPr>
-              <a:t>Köszönjük</a:t>
-            </a:r>
-            <a:r>
               <a:rPr lang="en-US" sz="6000" b="1" kern="1200" dirty="0">
                 <a:solidFill>
                   <a:schemeClr val="tx1"/>
@@ -9443,27 +9468,7 @@
                 <a:latin typeface="Arial" panose="020B0604020202020204" pitchFamily="34" charset="0"/>
                 <a:cs typeface="Arial" panose="020B0604020202020204" pitchFamily="34" charset="0"/>
               </a:rPr>
-              <a:t> a </a:t>
-            </a:r>
-            <a:r>
-              <a:rPr lang="en-US" sz="6000" b="1" kern="1200" dirty="0" err="1">
-                <a:solidFill>
-                  <a:schemeClr val="tx1"/>
-                </a:solidFill>
-                <a:latin typeface="Arial" panose="020B0604020202020204" pitchFamily="34" charset="0"/>
-                <a:cs typeface="Arial" panose="020B0604020202020204" pitchFamily="34" charset="0"/>
-              </a:rPr>
-              <a:t>figyelmet</a:t>
-            </a:r>
-            <a:r>
-              <a:rPr lang="en-US" sz="6000" b="1" kern="1200" dirty="0">
-                <a:solidFill>
-                  <a:schemeClr val="tx1"/>
-                </a:solidFill>
-                <a:latin typeface="Arial" panose="020B0604020202020204" pitchFamily="34" charset="0"/>
-                <a:cs typeface="Arial" panose="020B0604020202020204" pitchFamily="34" charset="0"/>
-              </a:rPr>
-              <a:t> !</a:t>
+              <a:t>Köszönjük a figyelmet !</a:t>
             </a:r>
           </a:p>
         </p:txBody>
@@ -10434,35 +10439,21 @@
           <a:p>
             <a:pPr lvl="1"/>
             <a:r>
-              <a:rPr lang="hu-HU" sz="2800" dirty="0" err="1">
-                <a:latin typeface="Arial" panose="020B0604020202020204" pitchFamily="34" charset="0"/>
-                <a:cs typeface="Arial" panose="020B0604020202020204" pitchFamily="34" charset="0"/>
-              </a:rPr>
-              <a:t>Next-auth</a:t>
-            </a:r>
-            <a:r>
               <a:rPr lang="hu-HU" sz="2800" dirty="0">
                 <a:latin typeface="Arial" panose="020B0604020202020204" pitchFamily="34" charset="0"/>
                 <a:cs typeface="Arial" panose="020B0604020202020204" pitchFamily="34" charset="0"/>
               </a:rPr>
-              <a:t> 4.24.5</a:t>
+              <a:t>Next-auth 4.24.5</a:t>
             </a:r>
           </a:p>
           <a:p>
             <a:pPr lvl="1"/>
-            <a:r>
-              <a:rPr lang="hu-HU" sz="2800" dirty="0" err="1">
-                <a:latin typeface="Arial" panose="020B0604020202020204" pitchFamily="34" charset="0"/>
-                <a:cs typeface="Arial" panose="020B0604020202020204" pitchFamily="34" charset="0"/>
-              </a:rPr>
-              <a:t>Mongoose</a:t>
-            </a:r>
             <a:r>
               <a:rPr lang="hu-HU" sz="2800" dirty="0">
                 <a:latin typeface="Arial" panose="020B0604020202020204" pitchFamily="34" charset="0"/>
                 <a:cs typeface="Arial" panose="020B0604020202020204" pitchFamily="34" charset="0"/>
               </a:rPr>
-              <a:t> 8.1.1</a:t>
+              <a:t>Mongoose 8.1.1</a:t>
             </a:r>
           </a:p>
           <a:p>
@@ -10490,18 +10481,11 @@
           <a:p>
             <a:pPr lvl="1"/>
             <a:r>
-              <a:rPr lang="hu-HU" sz="2800" dirty="0" err="1">
-                <a:latin typeface="Arial" panose="020B0604020202020204" pitchFamily="34" charset="0"/>
-                <a:cs typeface="Arial" panose="020B0604020202020204" pitchFamily="34" charset="0"/>
-              </a:rPr>
-              <a:t>React-icons</a:t>
-            </a:r>
-            <a:r>
               <a:rPr lang="hu-HU" sz="2800" dirty="0">
                 <a:latin typeface="Arial" panose="020B0604020202020204" pitchFamily="34" charset="0"/>
                 <a:cs typeface="Arial" panose="020B0604020202020204" pitchFamily="34" charset="0"/>
               </a:rPr>
-              <a:t> 5.0.1</a:t>
+              <a:t>React-icons 5.0.1</a:t>
             </a:r>
           </a:p>
           <a:p>
@@ -10529,18 +10513,11 @@
           <a:p>
             <a:pPr lvl="1"/>
             <a:r>
-              <a:rPr lang="hu-HU" sz="2800" dirty="0" err="1">
-                <a:latin typeface="Arial" panose="020B0604020202020204" pitchFamily="34" charset="0"/>
-                <a:cs typeface="Arial" panose="020B0604020202020204" pitchFamily="34" charset="0"/>
-              </a:rPr>
-              <a:t>Mongoose</a:t>
-            </a:r>
-            <a:r>
               <a:rPr lang="hu-HU" sz="2800" dirty="0">
                 <a:latin typeface="Arial" panose="020B0604020202020204" pitchFamily="34" charset="0"/>
                 <a:cs typeface="Arial" panose="020B0604020202020204" pitchFamily="34" charset="0"/>
               </a:rPr>
-              <a:t> 8.1.1</a:t>
+              <a:t>Mongoose 8.1.1</a:t>
             </a:r>
           </a:p>
           <a:p>
@@ -10644,12 +10621,43 @@
             <p:ph idx="1"/>
           </p:nvPr>
         </p:nvSpPr>
-        <p:spPr/>
+        <p:spPr>
+          <a:xfrm>
+            <a:off x="838200" y="1825625"/>
+            <a:ext cx="3557337" cy="4351338"/>
+          </a:xfrm>
+        </p:spPr>
         <p:txBody>
-          <a:bodyPr/>
+          <a:bodyPr>
+            <a:normAutofit/>
+          </a:bodyPr>
           <a:lstStyle/>
           <a:p>
-            <a:endParaRPr lang="hu-HU"/>
+            <a:r>
+              <a:rPr lang="hu-HU" sz="3200" dirty="0">
+                <a:latin typeface="Arial" panose="020B0604020202020204" pitchFamily="34" charset="0"/>
+                <a:cs typeface="Arial" panose="020B0604020202020204" pitchFamily="34" charset="0"/>
+              </a:rPr>
+              <a:t>Axios</a:t>
+            </a:r>
+          </a:p>
+          <a:p>
+            <a:r>
+              <a:rPr lang="hu-HU" sz="3200" dirty="0">
+                <a:latin typeface="Arial" panose="020B0604020202020204" pitchFamily="34" charset="0"/>
+                <a:cs typeface="Arial" panose="020B0604020202020204" pitchFamily="34" charset="0"/>
+              </a:rPr>
+              <a:t>WebAPI</a:t>
+            </a:r>
+          </a:p>
+          <a:p>
+            <a:r>
+              <a:rPr lang="hu-HU" sz="3200" dirty="0">
+                <a:latin typeface="Arial" panose="020B0604020202020204" pitchFamily="34" charset="0"/>
+                <a:cs typeface="Arial" panose="020B0604020202020204" pitchFamily="34" charset="0"/>
+              </a:rPr>
+              <a:t>Next-auth</a:t>
+            </a:r>
           </a:p>
         </p:txBody>
       </p:sp>
@@ -10704,7 +10712,13 @@
           <a:bodyPr/>
           <a:lstStyle/>
           <a:p>
-            <a:endParaRPr lang="hu-HU"/>
+            <a:r>
+              <a:rPr lang="hu-HU" b="1" dirty="0">
+                <a:latin typeface="Arial" panose="020B0604020202020204" pitchFamily="34" charset="0"/>
+                <a:cs typeface="Arial" panose="020B0604020202020204" pitchFamily="34" charset="0"/>
+              </a:rPr>
+              <a:t>Modellek</a:t>
+            </a:r>
           </a:p>
         </p:txBody>
       </p:sp>
@@ -10729,10 +10743,61 @@
           <a:bodyPr/>
           <a:lstStyle/>
           <a:p>
-            <a:endParaRPr lang="hu-HU"/>
+            <a:r>
+              <a:rPr lang="hu-HU" sz="3200" dirty="0">
+                <a:latin typeface="Arial" panose="020B0604020202020204" pitchFamily="34" charset="0"/>
+                <a:cs typeface="Arial" panose="020B0604020202020204" pitchFamily="34" charset="0"/>
+              </a:rPr>
+              <a:t>Exportálás</a:t>
+            </a:r>
+          </a:p>
+          <a:p>
+            <a:r>
+              <a:rPr lang="hu-HU" sz="3200" dirty="0">
+                <a:latin typeface="Arial" panose="020B0604020202020204" pitchFamily="34" charset="0"/>
+                <a:cs typeface="Arial" panose="020B0604020202020204" pitchFamily="34" charset="0"/>
+              </a:rPr>
+              <a:t>Dokumentumok</a:t>
+            </a:r>
+          </a:p>
+          <a:p>
+            <a:endParaRPr lang="hu-HU" sz="3200" dirty="0">
+              <a:latin typeface="Arial" panose="020B0604020202020204" pitchFamily="34" charset="0"/>
+              <a:cs typeface="Arial" panose="020B0604020202020204" pitchFamily="34" charset="0"/>
+            </a:endParaRPr>
           </a:p>
         </p:txBody>
       </p:sp>
+      <p:pic>
+        <p:nvPicPr>
+          <p:cNvPr id="4" name="Kép 3">
+            <a:extLst>
+              <a:ext uri="{FF2B5EF4-FFF2-40B4-BE49-F238E27FC236}">
+                <a16:creationId xmlns:a16="http://schemas.microsoft.com/office/drawing/2014/main" id="{C39DE8B2-9DC9-4C4B-B23F-6EABBD4E76A9}"/>
+              </a:ext>
+            </a:extLst>
+          </p:cNvPr>
+          <p:cNvPicPr>
+            <a:picLocks noChangeAspect="1"/>
+          </p:cNvPicPr>
+          <p:nvPr/>
+        </p:nvPicPr>
+        <p:blipFill>
+          <a:blip r:embed="rId2"/>
+          <a:stretch>
+            <a:fillRect/>
+          </a:stretch>
+        </p:blipFill>
+        <p:spPr>
+          <a:xfrm>
+            <a:off x="6332292" y="456898"/>
+            <a:ext cx="5021508" cy="5720065"/>
+          </a:xfrm>
+          <a:prstGeom prst="rect">
+            <a:avLst/>
+          </a:prstGeom>
+        </p:spPr>
+      </p:pic>
     </p:spTree>
     <p:extLst>
       <p:ext uri="{BB962C8B-B14F-4D97-AF65-F5344CB8AC3E}">
@@ -10779,37 +10844,136 @@
             <p:ph type="title"/>
           </p:nvPr>
         </p:nvSpPr>
-        <p:spPr/>
+        <p:spPr>
+          <a:xfrm>
+            <a:off x="148390" y="365124"/>
+            <a:ext cx="3749842" cy="1325563"/>
+          </a:xfrm>
+        </p:spPr>
         <p:txBody>
           <a:bodyPr/>
           <a:lstStyle/>
           <a:p>
-            <a:endParaRPr lang="hu-HU"/>
+            <a:r>
+              <a:rPr lang="hu-HU" b="1" dirty="0">
+                <a:latin typeface="Arial" panose="020B0604020202020204" pitchFamily="34" charset="0"/>
+                <a:cs typeface="Arial" panose="020B0604020202020204" pitchFamily="34" charset="0"/>
+              </a:rPr>
+              <a:t>Kontrollerek</a:t>
+            </a:r>
           </a:p>
         </p:txBody>
       </p:sp>
-      <p:sp>
-        <p:nvSpPr>
-          <p:cNvPr id="3" name="Tartalom helye 2">
+      <p:pic>
+        <p:nvPicPr>
+          <p:cNvPr id="4" name="Tartalom helye 3">
             <a:extLst>
               <a:ext uri="{FF2B5EF4-FFF2-40B4-BE49-F238E27FC236}">
-                <a16:creationId xmlns:a16="http://schemas.microsoft.com/office/drawing/2014/main" id="{AF7FBC07-4420-4ABB-890E-A89CAE506404}"/>
+                <a16:creationId xmlns:a16="http://schemas.microsoft.com/office/drawing/2014/main" id="{2B0C4015-E6CD-49B1-B68B-DABF7E80C291}"/>
               </a:ext>
             </a:extLst>
           </p:cNvPr>
-          <p:cNvSpPr>
-            <a:spLocks noGrp="1"/>
-          </p:cNvSpPr>
+          <p:cNvPicPr>
+            <a:picLocks noGrp="1" noChangeAspect="1"/>
+          </p:cNvPicPr>
           <p:nvPr>
             <p:ph idx="1"/>
           </p:nvPr>
+        </p:nvPicPr>
+        <p:blipFill>
+          <a:blip r:embed="rId2"/>
+          <a:stretch>
+            <a:fillRect/>
+          </a:stretch>
+        </p:blipFill>
+        <p:spPr>
+          <a:xfrm>
+            <a:off x="4379416" y="365124"/>
+            <a:ext cx="7812584" cy="5779002"/>
+          </a:xfrm>
+          <a:prstGeom prst="rect">
+            <a:avLst/>
+          </a:prstGeom>
+        </p:spPr>
+      </p:pic>
+      <p:sp>
+        <p:nvSpPr>
+          <p:cNvPr id="6" name="Szövegdoboz 5">
+            <a:extLst>
+              <a:ext uri="{FF2B5EF4-FFF2-40B4-BE49-F238E27FC236}">
+                <a16:creationId xmlns:a16="http://schemas.microsoft.com/office/drawing/2014/main" id="{8E775805-1048-4B8D-9ADD-B886EAF01218}"/>
+              </a:ext>
+            </a:extLst>
+          </p:cNvPr>
+          <p:cNvSpPr txBox="1"/>
+          <p:nvPr/>
         </p:nvSpPr>
-        <p:spPr/>
+        <p:spPr>
+          <a:xfrm>
+            <a:off x="148390" y="1684965"/>
+            <a:ext cx="3898231" cy="2062103"/>
+          </a:xfrm>
+          <a:prstGeom prst="rect">
+            <a:avLst/>
+          </a:prstGeom>
+          <a:noFill/>
+        </p:spPr>
         <p:txBody>
-          <a:bodyPr/>
+          <a:bodyPr wrap="square" rtlCol="0">
+            <a:spAutoFit/>
+          </a:bodyPr>
           <a:lstStyle/>
           <a:p>
-            <a:endParaRPr lang="hu-HU"/>
+            <a:pPr marL="457200" indent="-457200">
+              <a:buFont typeface="Arial" panose="020B0604020202020204" pitchFamily="34" charset="0"/>
+              <a:buChar char="•"/>
+            </a:pPr>
+            <a:r>
+              <a:rPr lang="hu-HU" sz="3200" dirty="0">
+                <a:latin typeface="Arial" panose="020B0604020202020204" pitchFamily="34" charset="0"/>
+                <a:cs typeface="Arial" panose="020B0604020202020204" pitchFamily="34" charset="0"/>
+              </a:rPr>
+              <a:t>Http kérés típusa</a:t>
+            </a:r>
+          </a:p>
+          <a:p>
+            <a:pPr marL="457200" indent="-457200">
+              <a:buFont typeface="Arial" panose="020B0604020202020204" pitchFamily="34" charset="0"/>
+              <a:buChar char="•"/>
+            </a:pPr>
+            <a:r>
+              <a:rPr lang="hu-HU" sz="3200" dirty="0">
+                <a:latin typeface="Arial" panose="020B0604020202020204" pitchFamily="34" charset="0"/>
+                <a:cs typeface="Arial" panose="020B0604020202020204" pitchFamily="34" charset="0"/>
+              </a:rPr>
+              <a:t>Függvény neve</a:t>
+            </a:r>
+          </a:p>
+          <a:p>
+            <a:pPr marL="457200" indent="-457200">
+              <a:buFont typeface="Arial" panose="020B0604020202020204" pitchFamily="34" charset="0"/>
+              <a:buChar char="•"/>
+            </a:pPr>
+            <a:r>
+              <a:rPr lang="hu-HU" sz="3200" dirty="0">
+                <a:latin typeface="Arial" panose="020B0604020202020204" pitchFamily="34" charset="0"/>
+                <a:cs typeface="Arial" panose="020B0604020202020204" pitchFamily="34" charset="0"/>
+              </a:rPr>
+              <a:t>Feltételek</a:t>
+            </a:r>
+          </a:p>
+          <a:p>
+            <a:pPr marL="457200" indent="-457200">
+              <a:buFont typeface="Arial" panose="020B0604020202020204" pitchFamily="34" charset="0"/>
+              <a:buChar char="•"/>
+            </a:pPr>
+            <a:r>
+              <a:rPr lang="hu-HU" sz="3200" dirty="0">
+                <a:latin typeface="Arial" panose="020B0604020202020204" pitchFamily="34" charset="0"/>
+                <a:cs typeface="Arial" panose="020B0604020202020204" pitchFamily="34" charset="0"/>
+              </a:rPr>
+              <a:t>Axios</a:t>
+            </a:r>
           </a:p>
         </p:txBody>
       </p:sp>
@@ -10936,7 +11100,7 @@
                 <a:latin typeface="Arial" panose="020B0604020202020204" pitchFamily="34" charset="0"/>
                 <a:cs typeface="Arial" panose="020B0604020202020204" pitchFamily="34" charset="0"/>
               </a:rPr>
-              <a:t>NextAuth.js</a:t>
+              <a:t>NextAuth</a:t>
             </a:r>
             <a:endParaRPr lang="hu-HU" dirty="0"/>
           </a:p>

--- a/Bemutato.pptx
+++ b/Bemutato.pptx
@@ -1015,6 +1015,1570 @@
   <dgm:styleLbl name="fgShp">
     <dgm:fillClrLst meth="repeat">
       <a:schemeClr val="accent2">
+        <a:tint val="40000"/>
+      </a:schemeClr>
+    </dgm:fillClrLst>
+    <dgm:linClrLst meth="repeat">
+      <a:schemeClr val="lt1"/>
+    </dgm:linClrLst>
+    <dgm:effectClrLst/>
+    <dgm:txLinClrLst/>
+    <dgm:txFillClrLst meth="repeat">
+      <a:schemeClr val="dk1"/>
+    </dgm:txFillClrLst>
+    <dgm:txEffectClrLst/>
+  </dgm:styleLbl>
+  <dgm:styleLbl name="revTx">
+    <dgm:fillClrLst meth="repeat">
+      <a:schemeClr val="lt1">
+        <a:alpha val="0"/>
+      </a:schemeClr>
+    </dgm:fillClrLst>
+    <dgm:linClrLst meth="repeat">
+      <a:schemeClr val="dk1">
+        <a:alpha val="0"/>
+      </a:schemeClr>
+    </dgm:linClrLst>
+    <dgm:effectClrLst/>
+    <dgm:txLinClrLst/>
+    <dgm:txFillClrLst meth="repeat">
+      <a:schemeClr val="tx1"/>
+    </dgm:txFillClrLst>
+    <dgm:txEffectClrLst/>
+  </dgm:styleLbl>
+</dgm:colorsDef>
+</file>
+
+<file path=ppt/diagrams/colors2.xml><?xml version="1.0" encoding="utf-8"?>
+<dgm:colorsDef xmlns:dgm="http://schemas.openxmlformats.org/drawingml/2006/diagram" xmlns:a="http://schemas.openxmlformats.org/drawingml/2006/main" uniqueId="urn:microsoft.com/office/officeart/2005/8/colors/colorful2">
+  <dgm:title val=""/>
+  <dgm:desc val=""/>
+  <dgm:catLst>
+    <dgm:cat type="colorful" pri="10200"/>
+  </dgm:catLst>
+  <dgm:styleLbl name="node0">
+    <dgm:fillClrLst meth="repeat">
+      <a:schemeClr val="accent1"/>
+    </dgm:fillClrLst>
+    <dgm:linClrLst meth="repeat">
+      <a:schemeClr val="lt1"/>
+    </dgm:linClrLst>
+    <dgm:effectClrLst/>
+    <dgm:txLinClrLst/>
+    <dgm:txFillClrLst/>
+    <dgm:txEffectClrLst/>
+  </dgm:styleLbl>
+  <dgm:styleLbl name="node1">
+    <dgm:fillClrLst>
+      <a:schemeClr val="accent2"/>
+      <a:schemeClr val="accent3"/>
+    </dgm:fillClrLst>
+    <dgm:linClrLst meth="repeat">
+      <a:schemeClr val="lt1"/>
+    </dgm:linClrLst>
+    <dgm:effectClrLst/>
+    <dgm:txLinClrLst/>
+    <dgm:txFillClrLst/>
+    <dgm:txEffectClrLst/>
+  </dgm:styleLbl>
+  <dgm:styleLbl name="alignNode1">
+    <dgm:fillClrLst>
+      <a:schemeClr val="accent2"/>
+      <a:schemeClr val="accent3"/>
+    </dgm:fillClrLst>
+    <dgm:linClrLst>
+      <a:schemeClr val="accent2"/>
+      <a:schemeClr val="accent3"/>
+    </dgm:linClrLst>
+    <dgm:effectClrLst/>
+    <dgm:txLinClrLst/>
+    <dgm:txFillClrLst/>
+    <dgm:txEffectClrLst/>
+  </dgm:styleLbl>
+  <dgm:styleLbl name="lnNode1">
+    <dgm:fillClrLst>
+      <a:schemeClr val="accent2"/>
+      <a:schemeClr val="accent3"/>
+    </dgm:fillClrLst>
+    <dgm:linClrLst meth="repeat">
+      <a:schemeClr val="lt1"/>
+    </dgm:linClrLst>
+    <dgm:effectClrLst/>
+    <dgm:txLinClrLst/>
+    <dgm:txFillClrLst/>
+    <dgm:txEffectClrLst/>
+  </dgm:styleLbl>
+  <dgm:styleLbl name="vennNode1">
+    <dgm:fillClrLst>
+      <a:schemeClr val="accent2">
+        <a:alpha val="50000"/>
+      </a:schemeClr>
+      <a:schemeClr val="accent3">
+        <a:alpha val="50000"/>
+      </a:schemeClr>
+    </dgm:fillClrLst>
+    <dgm:linClrLst meth="repeat">
+      <a:schemeClr val="lt1"/>
+    </dgm:linClrLst>
+    <dgm:effectClrLst/>
+    <dgm:txLinClrLst/>
+    <dgm:txFillClrLst/>
+    <dgm:txEffectClrLst/>
+  </dgm:styleLbl>
+  <dgm:styleLbl name="node2">
+    <dgm:fillClrLst>
+      <a:schemeClr val="accent3"/>
+    </dgm:fillClrLst>
+    <dgm:linClrLst meth="repeat">
+      <a:schemeClr val="lt1"/>
+    </dgm:linClrLst>
+    <dgm:effectClrLst/>
+    <dgm:txLinClrLst/>
+    <dgm:txFillClrLst/>
+    <dgm:txEffectClrLst/>
+  </dgm:styleLbl>
+  <dgm:styleLbl name="node3">
+    <dgm:fillClrLst>
+      <a:schemeClr val="accent4"/>
+    </dgm:fillClrLst>
+    <dgm:linClrLst meth="repeat">
+      <a:schemeClr val="lt1"/>
+    </dgm:linClrLst>
+    <dgm:effectClrLst/>
+    <dgm:txLinClrLst/>
+    <dgm:txFillClrLst/>
+    <dgm:txEffectClrLst/>
+  </dgm:styleLbl>
+  <dgm:styleLbl name="node4">
+    <dgm:fillClrLst>
+      <a:schemeClr val="accent5"/>
+    </dgm:fillClrLst>
+    <dgm:linClrLst meth="repeat">
+      <a:schemeClr val="lt1"/>
+    </dgm:linClrLst>
+    <dgm:effectClrLst/>
+    <dgm:txLinClrLst/>
+    <dgm:txFillClrLst/>
+    <dgm:txEffectClrLst/>
+  </dgm:styleLbl>
+  <dgm:styleLbl name="fgImgPlace1">
+    <dgm:fillClrLst>
+      <a:schemeClr val="accent2">
+        <a:tint val="50000"/>
+      </a:schemeClr>
+      <a:schemeClr val="accent3">
+        <a:tint val="50000"/>
+      </a:schemeClr>
+    </dgm:fillClrLst>
+    <dgm:linClrLst meth="repeat">
+      <a:schemeClr val="lt1"/>
+    </dgm:linClrLst>
+    <dgm:effectClrLst/>
+    <dgm:txLinClrLst/>
+    <dgm:txFillClrLst meth="repeat">
+      <a:schemeClr val="lt1"/>
+    </dgm:txFillClrLst>
+    <dgm:txEffectClrLst/>
+  </dgm:styleLbl>
+  <dgm:styleLbl name="alignImgPlace1">
+    <dgm:fillClrLst>
+      <a:schemeClr val="accent2">
+        <a:tint val="50000"/>
+      </a:schemeClr>
+      <a:schemeClr val="accent3">
+        <a:tint val="20000"/>
+      </a:schemeClr>
+    </dgm:fillClrLst>
+    <dgm:linClrLst meth="repeat">
+      <a:schemeClr val="lt1"/>
+    </dgm:linClrLst>
+    <dgm:effectClrLst/>
+    <dgm:txLinClrLst/>
+    <dgm:txFillClrLst meth="repeat">
+      <a:schemeClr val="lt1"/>
+    </dgm:txFillClrLst>
+    <dgm:txEffectClrLst/>
+  </dgm:styleLbl>
+  <dgm:styleLbl name="bgImgPlace1">
+    <dgm:fillClrLst>
+      <a:schemeClr val="accent2">
+        <a:tint val="50000"/>
+      </a:schemeClr>
+      <a:schemeClr val="accent3">
+        <a:tint val="20000"/>
+      </a:schemeClr>
+    </dgm:fillClrLst>
+    <dgm:linClrLst meth="repeat">
+      <a:schemeClr val="lt1"/>
+    </dgm:linClrLst>
+    <dgm:effectClrLst/>
+    <dgm:txLinClrLst/>
+    <dgm:txFillClrLst meth="repeat">
+      <a:schemeClr val="lt1"/>
+    </dgm:txFillClrLst>
+    <dgm:txEffectClrLst/>
+  </dgm:styleLbl>
+  <dgm:styleLbl name="sibTrans2D1">
+    <dgm:fillClrLst>
+      <a:schemeClr val="accent2"/>
+      <a:schemeClr val="accent3"/>
+    </dgm:fillClrLst>
+    <dgm:linClrLst meth="repeat">
+      <a:schemeClr val="lt1"/>
+    </dgm:linClrLst>
+    <dgm:effectClrLst/>
+    <dgm:txLinClrLst/>
+    <dgm:txFillClrLst/>
+    <dgm:txEffectClrLst/>
+  </dgm:styleLbl>
+  <dgm:styleLbl name="fgSibTrans2D1">
+    <dgm:fillClrLst>
+      <a:schemeClr val="accent2"/>
+      <a:schemeClr val="accent3"/>
+    </dgm:fillClrLst>
+    <dgm:linClrLst meth="repeat">
+      <a:schemeClr val="lt1"/>
+    </dgm:linClrLst>
+    <dgm:effectClrLst/>
+    <dgm:txLinClrLst/>
+    <dgm:txFillClrLst meth="repeat">
+      <a:schemeClr val="lt1"/>
+    </dgm:txFillClrLst>
+    <dgm:txEffectClrLst/>
+  </dgm:styleLbl>
+  <dgm:styleLbl name="bgSibTrans2D1">
+    <dgm:fillClrLst>
+      <a:schemeClr val="accent2"/>
+      <a:schemeClr val="accent3"/>
+    </dgm:fillClrLst>
+    <dgm:linClrLst meth="repeat">
+      <a:schemeClr val="lt1"/>
+    </dgm:linClrLst>
+    <dgm:effectClrLst/>
+    <dgm:txLinClrLst/>
+    <dgm:txFillClrLst meth="repeat">
+      <a:schemeClr val="lt1"/>
+    </dgm:txFillClrLst>
+    <dgm:txEffectClrLst/>
+  </dgm:styleLbl>
+  <dgm:styleLbl name="sibTrans1D1">
+    <dgm:fillClrLst/>
+    <dgm:linClrLst>
+      <a:schemeClr val="accent2"/>
+      <a:schemeClr val="accent3"/>
+    </dgm:linClrLst>
+    <dgm:effectClrLst/>
+    <dgm:txLinClrLst/>
+    <dgm:txFillClrLst meth="repeat">
+      <a:schemeClr val="tx1"/>
+    </dgm:txFillClrLst>
+    <dgm:txEffectClrLst/>
+  </dgm:styleLbl>
+  <dgm:styleLbl name="callout">
+    <dgm:fillClrLst meth="repeat">
+      <a:schemeClr val="accent2"/>
+    </dgm:fillClrLst>
+    <dgm:linClrLst meth="repeat">
+      <a:schemeClr val="accent2">
+        <a:tint val="50000"/>
+      </a:schemeClr>
+    </dgm:linClrLst>
+    <dgm:effectClrLst/>
+    <dgm:txLinClrLst/>
+    <dgm:txFillClrLst meth="repeat">
+      <a:schemeClr val="tx1"/>
+    </dgm:txFillClrLst>
+    <dgm:txEffectClrLst/>
+  </dgm:styleLbl>
+  <dgm:styleLbl name="asst0">
+    <dgm:fillClrLst meth="repeat">
+      <a:schemeClr val="accent2"/>
+    </dgm:fillClrLst>
+    <dgm:linClrLst meth="repeat">
+      <a:schemeClr val="lt1">
+        <a:shade val="80000"/>
+      </a:schemeClr>
+    </dgm:linClrLst>
+    <dgm:effectClrLst/>
+    <dgm:txLinClrLst/>
+    <dgm:txFillClrLst/>
+    <dgm:txEffectClrLst/>
+  </dgm:styleLbl>
+  <dgm:styleLbl name="asst1">
+    <dgm:fillClrLst meth="repeat">
+      <a:schemeClr val="accent3"/>
+    </dgm:fillClrLst>
+    <dgm:linClrLst meth="repeat">
+      <a:schemeClr val="lt1">
+        <a:shade val="80000"/>
+      </a:schemeClr>
+    </dgm:linClrLst>
+    <dgm:effectClrLst/>
+    <dgm:txLinClrLst/>
+    <dgm:txFillClrLst/>
+    <dgm:txEffectClrLst/>
+  </dgm:styleLbl>
+  <dgm:styleLbl name="asst2">
+    <dgm:fillClrLst>
+      <a:schemeClr val="accent4"/>
+    </dgm:fillClrLst>
+    <dgm:linClrLst meth="repeat">
+      <a:schemeClr val="lt1"/>
+    </dgm:linClrLst>
+    <dgm:effectClrLst/>
+    <dgm:txLinClrLst/>
+    <dgm:txFillClrLst/>
+    <dgm:txEffectClrLst/>
+  </dgm:styleLbl>
+  <dgm:styleLbl name="asst3">
+    <dgm:fillClrLst>
+      <a:schemeClr val="accent5"/>
+    </dgm:fillClrLst>
+    <dgm:linClrLst meth="repeat">
+      <a:schemeClr val="lt1"/>
+    </dgm:linClrLst>
+    <dgm:effectClrLst/>
+    <dgm:txLinClrLst/>
+    <dgm:txFillClrLst/>
+    <dgm:txEffectClrLst/>
+  </dgm:styleLbl>
+  <dgm:styleLbl name="asst4">
+    <dgm:fillClrLst>
+      <a:schemeClr val="accent6"/>
+    </dgm:fillClrLst>
+    <dgm:linClrLst meth="repeat">
+      <a:schemeClr val="lt1"/>
+    </dgm:linClrLst>
+    <dgm:effectClrLst/>
+    <dgm:txLinClrLst/>
+    <dgm:txFillClrLst/>
+    <dgm:txEffectClrLst/>
+  </dgm:styleLbl>
+  <dgm:styleLbl name="parChTrans2D1">
+    <dgm:fillClrLst meth="repeat">
+      <a:schemeClr val="accent2"/>
+    </dgm:fillClrLst>
+    <dgm:linClrLst meth="repeat">
+      <a:schemeClr val="lt1"/>
+    </dgm:linClrLst>
+    <dgm:effectClrLst/>
+    <dgm:txLinClrLst/>
+    <dgm:txFillClrLst meth="repeat">
+      <a:schemeClr val="lt1"/>
+    </dgm:txFillClrLst>
+    <dgm:txEffectClrLst/>
+  </dgm:styleLbl>
+  <dgm:styleLbl name="parChTrans2D2">
+    <dgm:fillClrLst meth="repeat">
+      <a:schemeClr val="accent3"/>
+    </dgm:fillClrLst>
+    <dgm:linClrLst meth="repeat">
+      <a:schemeClr val="lt1"/>
+    </dgm:linClrLst>
+    <dgm:effectClrLst/>
+    <dgm:txLinClrLst/>
+    <dgm:txFillClrLst/>
+    <dgm:txEffectClrLst/>
+  </dgm:styleLbl>
+  <dgm:styleLbl name="parChTrans2D3">
+    <dgm:fillClrLst meth="repeat">
+      <a:schemeClr val="accent4"/>
+    </dgm:fillClrLst>
+    <dgm:linClrLst meth="repeat">
+      <a:schemeClr val="lt1"/>
+    </dgm:linClrLst>
+    <dgm:effectClrLst/>
+    <dgm:txLinClrLst/>
+    <dgm:txFillClrLst/>
+    <dgm:txEffectClrLst/>
+  </dgm:styleLbl>
+  <dgm:styleLbl name="parChTrans2D4">
+    <dgm:fillClrLst meth="repeat">
+      <a:schemeClr val="accent5"/>
+    </dgm:fillClrLst>
+    <dgm:linClrLst meth="repeat">
+      <a:schemeClr val="lt1"/>
+    </dgm:linClrLst>
+    <dgm:effectClrLst/>
+    <dgm:txLinClrLst/>
+    <dgm:txFillClrLst meth="repeat">
+      <a:schemeClr val="lt1"/>
+    </dgm:txFillClrLst>
+    <dgm:txEffectClrLst/>
+  </dgm:styleLbl>
+  <dgm:styleLbl name="parChTrans1D1">
+    <dgm:fillClrLst meth="repeat">
+      <a:schemeClr val="accent2"/>
+    </dgm:fillClrLst>
+    <dgm:linClrLst meth="repeat">
+      <a:schemeClr val="accent2"/>
+    </dgm:linClrLst>
+    <dgm:effectClrLst/>
+    <dgm:txLinClrLst/>
+    <dgm:txFillClrLst meth="repeat">
+      <a:schemeClr val="tx1"/>
+    </dgm:txFillClrLst>
+    <dgm:txEffectClrLst/>
+  </dgm:styleLbl>
+  <dgm:styleLbl name="parChTrans1D2">
+    <dgm:fillClrLst meth="repeat">
+      <a:schemeClr val="accent2">
+        <a:tint val="90000"/>
+      </a:schemeClr>
+    </dgm:fillClrLst>
+    <dgm:linClrLst meth="repeat">
+      <a:schemeClr val="accent3"/>
+    </dgm:linClrLst>
+    <dgm:effectClrLst/>
+    <dgm:txLinClrLst/>
+    <dgm:txFillClrLst meth="repeat">
+      <a:schemeClr val="tx1"/>
+    </dgm:txFillClrLst>
+    <dgm:txEffectClrLst/>
+  </dgm:styleLbl>
+  <dgm:styleLbl name="parChTrans1D3">
+    <dgm:fillClrLst meth="repeat">
+      <a:schemeClr val="accent2">
+        <a:tint val="70000"/>
+      </a:schemeClr>
+    </dgm:fillClrLst>
+    <dgm:linClrLst meth="repeat">
+      <a:schemeClr val="accent4"/>
+    </dgm:linClrLst>
+    <dgm:effectClrLst/>
+    <dgm:txLinClrLst/>
+    <dgm:txFillClrLst meth="repeat">
+      <a:schemeClr val="tx1"/>
+    </dgm:txFillClrLst>
+    <dgm:txEffectClrLst/>
+  </dgm:styleLbl>
+  <dgm:styleLbl name="parChTrans1D4">
+    <dgm:fillClrLst meth="repeat">
+      <a:schemeClr val="accent2">
+        <a:tint val="50000"/>
+      </a:schemeClr>
+    </dgm:fillClrLst>
+    <dgm:linClrLst meth="repeat">
+      <a:schemeClr val="accent5"/>
+    </dgm:linClrLst>
+    <dgm:effectClrLst/>
+    <dgm:txLinClrLst/>
+    <dgm:txFillClrLst meth="repeat">
+      <a:schemeClr val="tx1"/>
+    </dgm:txFillClrLst>
+    <dgm:txEffectClrLst/>
+  </dgm:styleLbl>
+  <dgm:styleLbl name="fgAcc1">
+    <dgm:fillClrLst meth="repeat">
+      <a:schemeClr val="lt1">
+        <a:alpha val="90000"/>
+      </a:schemeClr>
+    </dgm:fillClrLst>
+    <dgm:linClrLst>
+      <a:schemeClr val="accent2"/>
+      <a:schemeClr val="accent3"/>
+    </dgm:linClrLst>
+    <dgm:effectClrLst/>
+    <dgm:txLinClrLst/>
+    <dgm:txFillClrLst meth="repeat">
+      <a:schemeClr val="dk1"/>
+    </dgm:txFillClrLst>
+    <dgm:txEffectClrLst/>
+  </dgm:styleLbl>
+  <dgm:styleLbl name="conFgAcc1">
+    <dgm:fillClrLst meth="repeat">
+      <a:schemeClr val="lt1">
+        <a:alpha val="90000"/>
+      </a:schemeClr>
+    </dgm:fillClrLst>
+    <dgm:linClrLst>
+      <a:schemeClr val="accent2"/>
+      <a:schemeClr val="accent3"/>
+    </dgm:linClrLst>
+    <dgm:effectClrLst/>
+    <dgm:txLinClrLst/>
+    <dgm:txFillClrLst meth="repeat">
+      <a:schemeClr val="dk1"/>
+    </dgm:txFillClrLst>
+    <dgm:txEffectClrLst/>
+  </dgm:styleLbl>
+  <dgm:styleLbl name="alignAcc1">
+    <dgm:fillClrLst meth="repeat">
+      <a:schemeClr val="lt1">
+        <a:alpha val="90000"/>
+      </a:schemeClr>
+    </dgm:fillClrLst>
+    <dgm:linClrLst>
+      <a:schemeClr val="accent2"/>
+      <a:schemeClr val="accent3"/>
+    </dgm:linClrLst>
+    <dgm:effectClrLst/>
+    <dgm:txLinClrLst/>
+    <dgm:txFillClrLst meth="repeat">
+      <a:schemeClr val="dk1"/>
+    </dgm:txFillClrLst>
+    <dgm:txEffectClrLst/>
+  </dgm:styleLbl>
+  <dgm:styleLbl name="trAlignAcc1">
+    <dgm:fillClrLst meth="repeat">
+      <a:schemeClr val="lt1">
+        <a:alpha val="40000"/>
+      </a:schemeClr>
+    </dgm:fillClrLst>
+    <dgm:linClrLst meth="repeat">
+      <a:schemeClr val="accent2"/>
+    </dgm:linClrLst>
+    <dgm:effectClrLst/>
+    <dgm:txLinClrLst/>
+    <dgm:txFillClrLst meth="repeat">
+      <a:schemeClr val="dk1"/>
+    </dgm:txFillClrLst>
+    <dgm:txEffectClrLst/>
+  </dgm:styleLbl>
+  <dgm:styleLbl name="bgAcc1">
+    <dgm:fillClrLst meth="repeat">
+      <a:schemeClr val="lt1">
+        <a:alpha val="90000"/>
+      </a:schemeClr>
+    </dgm:fillClrLst>
+    <dgm:linClrLst>
+      <a:schemeClr val="accent2"/>
+      <a:schemeClr val="accent3"/>
+    </dgm:linClrLst>
+    <dgm:effectClrLst/>
+    <dgm:txLinClrLst/>
+    <dgm:txFillClrLst meth="repeat">
+      <a:schemeClr val="dk1"/>
+    </dgm:txFillClrLst>
+    <dgm:txEffectClrLst/>
+  </dgm:styleLbl>
+  <dgm:styleLbl name="solidFgAcc1">
+    <dgm:fillClrLst meth="repeat">
+      <a:schemeClr val="lt1"/>
+    </dgm:fillClrLst>
+    <dgm:linClrLst>
+      <a:schemeClr val="accent2"/>
+      <a:schemeClr val="accent3"/>
+    </dgm:linClrLst>
+    <dgm:effectClrLst/>
+    <dgm:txLinClrLst/>
+    <dgm:txFillClrLst meth="repeat">
+      <a:schemeClr val="dk1"/>
+    </dgm:txFillClrLst>
+    <dgm:txEffectClrLst/>
+  </dgm:styleLbl>
+  <dgm:styleLbl name="solidAlignAcc1">
+    <dgm:fillClrLst meth="repeat">
+      <a:schemeClr val="lt1"/>
+    </dgm:fillClrLst>
+    <dgm:linClrLst>
+      <a:schemeClr val="accent2"/>
+      <a:schemeClr val="accent3"/>
+    </dgm:linClrLst>
+    <dgm:effectClrLst/>
+    <dgm:txLinClrLst/>
+    <dgm:txFillClrLst meth="repeat">
+      <a:schemeClr val="dk1"/>
+    </dgm:txFillClrLst>
+    <dgm:txEffectClrLst/>
+  </dgm:styleLbl>
+  <dgm:styleLbl name="solidBgAcc1">
+    <dgm:fillClrLst meth="repeat">
+      <a:schemeClr val="lt1"/>
+    </dgm:fillClrLst>
+    <dgm:linClrLst>
+      <a:schemeClr val="accent2"/>
+      <a:schemeClr val="accent3"/>
+    </dgm:linClrLst>
+    <dgm:effectClrLst/>
+    <dgm:txLinClrLst/>
+    <dgm:txFillClrLst meth="repeat">
+      <a:schemeClr val="dk1"/>
+    </dgm:txFillClrLst>
+    <dgm:txEffectClrLst/>
+  </dgm:styleLbl>
+  <dgm:styleLbl name="fgAccFollowNode1">
+    <dgm:fillClrLst>
+      <a:schemeClr val="accent2">
+        <a:tint val="40000"/>
+        <a:alpha val="90000"/>
+      </a:schemeClr>
+      <a:schemeClr val="accent3">
+        <a:tint val="40000"/>
+        <a:alpha val="90000"/>
+      </a:schemeClr>
+    </dgm:fillClrLst>
+    <dgm:linClrLst>
+      <a:schemeClr val="accent2">
+        <a:tint val="40000"/>
+        <a:alpha val="90000"/>
+      </a:schemeClr>
+      <a:schemeClr val="accent3">
+        <a:tint val="40000"/>
+        <a:alpha val="90000"/>
+      </a:schemeClr>
+    </dgm:linClrLst>
+    <dgm:effectClrLst/>
+    <dgm:txLinClrLst/>
+    <dgm:txFillClrLst meth="repeat">
+      <a:schemeClr val="dk1"/>
+    </dgm:txFillClrLst>
+    <dgm:txEffectClrLst/>
+  </dgm:styleLbl>
+  <dgm:styleLbl name="alignAccFollowNode1">
+    <dgm:fillClrLst>
+      <a:schemeClr val="accent2">
+        <a:tint val="40000"/>
+        <a:alpha val="90000"/>
+      </a:schemeClr>
+      <a:schemeClr val="accent3">
+        <a:tint val="40000"/>
+        <a:alpha val="90000"/>
+      </a:schemeClr>
+    </dgm:fillClrLst>
+    <dgm:linClrLst>
+      <a:schemeClr val="accent2">
+        <a:tint val="40000"/>
+        <a:alpha val="90000"/>
+      </a:schemeClr>
+      <a:schemeClr val="accent3">
+        <a:tint val="40000"/>
+        <a:alpha val="90000"/>
+      </a:schemeClr>
+    </dgm:linClrLst>
+    <dgm:effectClrLst/>
+    <dgm:txLinClrLst/>
+    <dgm:txFillClrLst meth="repeat">
+      <a:schemeClr val="dk1"/>
+    </dgm:txFillClrLst>
+    <dgm:txEffectClrLst/>
+  </dgm:styleLbl>
+  <dgm:styleLbl name="bgAccFollowNode1">
+    <dgm:fillClrLst>
+      <a:schemeClr val="accent2">
+        <a:tint val="40000"/>
+        <a:alpha val="90000"/>
+      </a:schemeClr>
+      <a:schemeClr val="accent3">
+        <a:tint val="40000"/>
+        <a:alpha val="90000"/>
+      </a:schemeClr>
+    </dgm:fillClrLst>
+    <dgm:linClrLst>
+      <a:schemeClr val="accent2">
+        <a:tint val="40000"/>
+        <a:alpha val="90000"/>
+      </a:schemeClr>
+      <a:schemeClr val="accent3">
+        <a:tint val="40000"/>
+        <a:alpha val="90000"/>
+      </a:schemeClr>
+    </dgm:linClrLst>
+    <dgm:effectClrLst/>
+    <dgm:txLinClrLst/>
+    <dgm:txFillClrLst meth="repeat">
+      <a:schemeClr val="dk1"/>
+    </dgm:txFillClrLst>
+    <dgm:txEffectClrLst/>
+  </dgm:styleLbl>
+  <dgm:styleLbl name="fgAcc0">
+    <dgm:fillClrLst meth="repeat">
+      <a:schemeClr val="lt1">
+        <a:alpha val="90000"/>
+      </a:schemeClr>
+    </dgm:fillClrLst>
+    <dgm:linClrLst>
+      <a:schemeClr val="accent1"/>
+    </dgm:linClrLst>
+    <dgm:effectClrLst/>
+    <dgm:txLinClrLst/>
+    <dgm:txFillClrLst meth="repeat">
+      <a:schemeClr val="dk1"/>
+    </dgm:txFillClrLst>
+    <dgm:txEffectClrLst/>
+  </dgm:styleLbl>
+  <dgm:styleLbl name="fgAcc2">
+    <dgm:fillClrLst meth="repeat">
+      <a:schemeClr val="lt1">
+        <a:alpha val="90000"/>
+      </a:schemeClr>
+    </dgm:fillClrLst>
+    <dgm:linClrLst>
+      <a:schemeClr val="accent3"/>
+    </dgm:linClrLst>
+    <dgm:effectClrLst/>
+    <dgm:txLinClrLst/>
+    <dgm:txFillClrLst meth="repeat">
+      <a:schemeClr val="dk1"/>
+    </dgm:txFillClrLst>
+    <dgm:txEffectClrLst/>
+  </dgm:styleLbl>
+  <dgm:styleLbl name="fgAcc3">
+    <dgm:fillClrLst meth="repeat">
+      <a:schemeClr val="lt1">
+        <a:alpha val="90000"/>
+      </a:schemeClr>
+    </dgm:fillClrLst>
+    <dgm:linClrLst>
+      <a:schemeClr val="accent4"/>
+    </dgm:linClrLst>
+    <dgm:effectClrLst/>
+    <dgm:txLinClrLst/>
+    <dgm:txFillClrLst meth="repeat">
+      <a:schemeClr val="dk1"/>
+    </dgm:txFillClrLst>
+    <dgm:txEffectClrLst/>
+  </dgm:styleLbl>
+  <dgm:styleLbl name="fgAcc4">
+    <dgm:fillClrLst meth="repeat">
+      <a:schemeClr val="lt1">
+        <a:alpha val="90000"/>
+      </a:schemeClr>
+    </dgm:fillClrLst>
+    <dgm:linClrLst>
+      <a:schemeClr val="accent5"/>
+    </dgm:linClrLst>
+    <dgm:effectClrLst/>
+    <dgm:txLinClrLst/>
+    <dgm:txFillClrLst meth="repeat">
+      <a:schemeClr val="dk1"/>
+    </dgm:txFillClrLst>
+    <dgm:txEffectClrLst/>
+  </dgm:styleLbl>
+  <dgm:styleLbl name="bgShp">
+    <dgm:fillClrLst meth="repeat">
+      <a:schemeClr val="accent2">
+        <a:tint val="40000"/>
+      </a:schemeClr>
+    </dgm:fillClrLst>
+    <dgm:linClrLst meth="repeat">
+      <a:schemeClr val="dk1"/>
+    </dgm:linClrLst>
+    <dgm:effectClrLst/>
+    <dgm:txLinClrLst/>
+    <dgm:txFillClrLst meth="repeat">
+      <a:schemeClr val="dk1"/>
+    </dgm:txFillClrLst>
+    <dgm:txEffectClrLst/>
+  </dgm:styleLbl>
+  <dgm:styleLbl name="dkBgShp">
+    <dgm:fillClrLst meth="repeat">
+      <a:schemeClr val="accent2">
+        <a:shade val="90000"/>
+      </a:schemeClr>
+    </dgm:fillClrLst>
+    <dgm:linClrLst meth="repeat">
+      <a:schemeClr val="dk1"/>
+    </dgm:linClrLst>
+    <dgm:effectClrLst/>
+    <dgm:txLinClrLst/>
+    <dgm:txFillClrLst meth="repeat">
+      <a:schemeClr val="lt1"/>
+    </dgm:txFillClrLst>
+    <dgm:txEffectClrLst/>
+  </dgm:styleLbl>
+  <dgm:styleLbl name="trBgShp">
+    <dgm:fillClrLst meth="repeat">
+      <a:schemeClr val="accent2">
+        <a:tint val="50000"/>
+        <a:alpha val="40000"/>
+      </a:schemeClr>
+    </dgm:fillClrLst>
+    <dgm:linClrLst meth="repeat">
+      <a:schemeClr val="accent2"/>
+    </dgm:linClrLst>
+    <dgm:effectClrLst/>
+    <dgm:txLinClrLst/>
+    <dgm:txFillClrLst meth="repeat">
+      <a:schemeClr val="lt1"/>
+    </dgm:txFillClrLst>
+    <dgm:txEffectClrLst/>
+  </dgm:styleLbl>
+  <dgm:styleLbl name="fgShp">
+    <dgm:fillClrLst meth="repeat">
+      <a:schemeClr val="accent2">
+        <a:tint val="40000"/>
+      </a:schemeClr>
+    </dgm:fillClrLst>
+    <dgm:linClrLst meth="repeat">
+      <a:schemeClr val="lt1"/>
+    </dgm:linClrLst>
+    <dgm:effectClrLst/>
+    <dgm:txLinClrLst/>
+    <dgm:txFillClrLst meth="repeat">
+      <a:schemeClr val="dk1"/>
+    </dgm:txFillClrLst>
+    <dgm:txEffectClrLst/>
+  </dgm:styleLbl>
+  <dgm:styleLbl name="revTx">
+    <dgm:fillClrLst meth="repeat">
+      <a:schemeClr val="lt1">
+        <a:alpha val="0"/>
+      </a:schemeClr>
+    </dgm:fillClrLst>
+    <dgm:linClrLst meth="repeat">
+      <a:schemeClr val="dk1">
+        <a:alpha val="0"/>
+      </a:schemeClr>
+    </dgm:linClrLst>
+    <dgm:effectClrLst/>
+    <dgm:txLinClrLst/>
+    <dgm:txFillClrLst meth="repeat">
+      <a:schemeClr val="tx1"/>
+    </dgm:txFillClrLst>
+    <dgm:txEffectClrLst/>
+  </dgm:styleLbl>
+</dgm:colorsDef>
+</file>
+
+<file path=ppt/diagrams/colors3.xml><?xml version="1.0" encoding="utf-8"?>
+<dgm:colorsDef xmlns:dgm="http://schemas.openxmlformats.org/drawingml/2006/diagram" xmlns:a="http://schemas.openxmlformats.org/drawingml/2006/main" uniqueId="urn:microsoft.com/office/officeart/2005/8/colors/colorful5">
+  <dgm:title val=""/>
+  <dgm:desc val=""/>
+  <dgm:catLst>
+    <dgm:cat type="colorful" pri="10500"/>
+  </dgm:catLst>
+  <dgm:styleLbl name="node0">
+    <dgm:fillClrLst meth="repeat">
+      <a:schemeClr val="accent4"/>
+    </dgm:fillClrLst>
+    <dgm:linClrLst meth="repeat">
+      <a:schemeClr val="lt1"/>
+    </dgm:linClrLst>
+    <dgm:effectClrLst/>
+    <dgm:txLinClrLst/>
+    <dgm:txFillClrLst/>
+    <dgm:txEffectClrLst/>
+  </dgm:styleLbl>
+  <dgm:styleLbl name="node1">
+    <dgm:fillClrLst>
+      <a:schemeClr val="accent5"/>
+      <a:schemeClr val="accent6"/>
+    </dgm:fillClrLst>
+    <dgm:linClrLst meth="repeat">
+      <a:schemeClr val="lt1"/>
+    </dgm:linClrLst>
+    <dgm:effectClrLst/>
+    <dgm:txLinClrLst/>
+    <dgm:txFillClrLst/>
+    <dgm:txEffectClrLst/>
+  </dgm:styleLbl>
+  <dgm:styleLbl name="alignNode1">
+    <dgm:fillClrLst>
+      <a:schemeClr val="accent5"/>
+      <a:schemeClr val="accent6"/>
+    </dgm:fillClrLst>
+    <dgm:linClrLst>
+      <a:schemeClr val="accent5"/>
+      <a:schemeClr val="accent6"/>
+    </dgm:linClrLst>
+    <dgm:effectClrLst/>
+    <dgm:txLinClrLst/>
+    <dgm:txFillClrLst/>
+    <dgm:txEffectClrLst/>
+  </dgm:styleLbl>
+  <dgm:styleLbl name="lnNode1">
+    <dgm:fillClrLst>
+      <a:schemeClr val="accent5"/>
+      <a:schemeClr val="accent6"/>
+    </dgm:fillClrLst>
+    <dgm:linClrLst meth="repeat">
+      <a:schemeClr val="lt1"/>
+    </dgm:linClrLst>
+    <dgm:effectClrLst/>
+    <dgm:txLinClrLst/>
+    <dgm:txFillClrLst/>
+    <dgm:txEffectClrLst/>
+  </dgm:styleLbl>
+  <dgm:styleLbl name="vennNode1">
+    <dgm:fillClrLst>
+      <a:schemeClr val="accent5">
+        <a:alpha val="50000"/>
+      </a:schemeClr>
+      <a:schemeClr val="accent6">
+        <a:alpha val="50000"/>
+      </a:schemeClr>
+    </dgm:fillClrLst>
+    <dgm:linClrLst meth="repeat">
+      <a:schemeClr val="lt1"/>
+    </dgm:linClrLst>
+    <dgm:effectClrLst/>
+    <dgm:txLinClrLst/>
+    <dgm:txFillClrLst/>
+    <dgm:txEffectClrLst/>
+  </dgm:styleLbl>
+  <dgm:styleLbl name="node2">
+    <dgm:fillClrLst>
+      <a:schemeClr val="accent6"/>
+    </dgm:fillClrLst>
+    <dgm:linClrLst meth="repeat">
+      <a:schemeClr val="lt1"/>
+    </dgm:linClrLst>
+    <dgm:effectClrLst/>
+    <dgm:txLinClrLst/>
+    <dgm:txFillClrLst/>
+    <dgm:txEffectClrLst/>
+  </dgm:styleLbl>
+  <dgm:styleLbl name="node3">
+    <dgm:fillClrLst>
+      <a:schemeClr val="accent1"/>
+    </dgm:fillClrLst>
+    <dgm:linClrLst meth="repeat">
+      <a:schemeClr val="lt1"/>
+    </dgm:linClrLst>
+    <dgm:effectClrLst/>
+    <dgm:txLinClrLst/>
+    <dgm:txFillClrLst/>
+    <dgm:txEffectClrLst/>
+  </dgm:styleLbl>
+  <dgm:styleLbl name="node4">
+    <dgm:fillClrLst>
+      <a:schemeClr val="accent2"/>
+    </dgm:fillClrLst>
+    <dgm:linClrLst meth="repeat">
+      <a:schemeClr val="lt1"/>
+    </dgm:linClrLst>
+    <dgm:effectClrLst/>
+    <dgm:txLinClrLst/>
+    <dgm:txFillClrLst/>
+    <dgm:txEffectClrLst/>
+  </dgm:styleLbl>
+  <dgm:styleLbl name="fgImgPlace1">
+    <dgm:fillClrLst>
+      <a:schemeClr val="accent5">
+        <a:tint val="50000"/>
+      </a:schemeClr>
+      <a:schemeClr val="accent6">
+        <a:tint val="50000"/>
+      </a:schemeClr>
+    </dgm:fillClrLst>
+    <dgm:linClrLst meth="repeat">
+      <a:schemeClr val="lt1"/>
+    </dgm:linClrLst>
+    <dgm:effectClrLst/>
+    <dgm:txLinClrLst/>
+    <dgm:txFillClrLst meth="repeat">
+      <a:schemeClr val="lt1"/>
+    </dgm:txFillClrLst>
+    <dgm:txEffectClrLst/>
+  </dgm:styleLbl>
+  <dgm:styleLbl name="alignImgPlace1">
+    <dgm:fillClrLst>
+      <a:schemeClr val="accent5">
+        <a:tint val="50000"/>
+      </a:schemeClr>
+      <a:schemeClr val="accent6">
+        <a:tint val="20000"/>
+      </a:schemeClr>
+    </dgm:fillClrLst>
+    <dgm:linClrLst meth="repeat">
+      <a:schemeClr val="lt1"/>
+    </dgm:linClrLst>
+    <dgm:effectClrLst/>
+    <dgm:txLinClrLst/>
+    <dgm:txFillClrLst meth="repeat">
+      <a:schemeClr val="lt1"/>
+    </dgm:txFillClrLst>
+    <dgm:txEffectClrLst/>
+  </dgm:styleLbl>
+  <dgm:styleLbl name="bgImgPlace1">
+    <dgm:fillClrLst>
+      <a:schemeClr val="accent5">
+        <a:tint val="50000"/>
+      </a:schemeClr>
+      <a:schemeClr val="accent6">
+        <a:tint val="20000"/>
+      </a:schemeClr>
+    </dgm:fillClrLst>
+    <dgm:linClrLst meth="repeat">
+      <a:schemeClr val="lt1"/>
+    </dgm:linClrLst>
+    <dgm:effectClrLst/>
+    <dgm:txLinClrLst/>
+    <dgm:txFillClrLst meth="repeat">
+      <a:schemeClr val="lt1"/>
+    </dgm:txFillClrLst>
+    <dgm:txEffectClrLst/>
+  </dgm:styleLbl>
+  <dgm:styleLbl name="sibTrans2D1">
+    <dgm:fillClrLst>
+      <a:schemeClr val="accent5"/>
+      <a:schemeClr val="accent6"/>
+    </dgm:fillClrLst>
+    <dgm:linClrLst meth="repeat">
+      <a:schemeClr val="lt1"/>
+    </dgm:linClrLst>
+    <dgm:effectClrLst/>
+    <dgm:txLinClrLst/>
+    <dgm:txFillClrLst/>
+    <dgm:txEffectClrLst/>
+  </dgm:styleLbl>
+  <dgm:styleLbl name="fgSibTrans2D1">
+    <dgm:fillClrLst>
+      <a:schemeClr val="accent5"/>
+      <a:schemeClr val="accent6"/>
+    </dgm:fillClrLst>
+    <dgm:linClrLst meth="repeat">
+      <a:schemeClr val="lt1"/>
+    </dgm:linClrLst>
+    <dgm:effectClrLst/>
+    <dgm:txLinClrLst/>
+    <dgm:txFillClrLst meth="repeat">
+      <a:schemeClr val="lt1"/>
+    </dgm:txFillClrLst>
+    <dgm:txEffectClrLst/>
+  </dgm:styleLbl>
+  <dgm:styleLbl name="bgSibTrans2D1">
+    <dgm:fillClrLst>
+      <a:schemeClr val="accent5"/>
+      <a:schemeClr val="accent6"/>
+    </dgm:fillClrLst>
+    <dgm:linClrLst meth="repeat">
+      <a:schemeClr val="lt1"/>
+    </dgm:linClrLst>
+    <dgm:effectClrLst/>
+    <dgm:txLinClrLst/>
+    <dgm:txFillClrLst meth="repeat">
+      <a:schemeClr val="lt1"/>
+    </dgm:txFillClrLst>
+    <dgm:txEffectClrLst/>
+  </dgm:styleLbl>
+  <dgm:styleLbl name="sibTrans1D1">
+    <dgm:fillClrLst/>
+    <dgm:linClrLst>
+      <a:schemeClr val="accent5"/>
+      <a:schemeClr val="accent6"/>
+    </dgm:linClrLst>
+    <dgm:effectClrLst/>
+    <dgm:txLinClrLst/>
+    <dgm:txFillClrLst meth="repeat">
+      <a:schemeClr val="tx1"/>
+    </dgm:txFillClrLst>
+    <dgm:txEffectClrLst/>
+  </dgm:styleLbl>
+  <dgm:styleLbl name="callout">
+    <dgm:fillClrLst meth="repeat">
+      <a:schemeClr val="accent5"/>
+    </dgm:fillClrLst>
+    <dgm:linClrLst meth="repeat">
+      <a:schemeClr val="accent5">
+        <a:tint val="50000"/>
+      </a:schemeClr>
+    </dgm:linClrLst>
+    <dgm:effectClrLst/>
+    <dgm:txLinClrLst/>
+    <dgm:txFillClrLst meth="repeat">
+      <a:schemeClr val="tx1"/>
+    </dgm:txFillClrLst>
+    <dgm:txEffectClrLst/>
+  </dgm:styleLbl>
+  <dgm:styleLbl name="asst0">
+    <dgm:fillClrLst meth="repeat">
+      <a:schemeClr val="accent5"/>
+    </dgm:fillClrLst>
+    <dgm:linClrLst meth="repeat">
+      <a:schemeClr val="lt1">
+        <a:shade val="80000"/>
+      </a:schemeClr>
+    </dgm:linClrLst>
+    <dgm:effectClrLst/>
+    <dgm:txLinClrLst/>
+    <dgm:txFillClrLst/>
+    <dgm:txEffectClrLst/>
+  </dgm:styleLbl>
+  <dgm:styleLbl name="asst1">
+    <dgm:fillClrLst meth="repeat">
+      <a:schemeClr val="accent6"/>
+    </dgm:fillClrLst>
+    <dgm:linClrLst meth="repeat">
+      <a:schemeClr val="lt1">
+        <a:shade val="80000"/>
+      </a:schemeClr>
+    </dgm:linClrLst>
+    <dgm:effectClrLst/>
+    <dgm:txLinClrLst/>
+    <dgm:txFillClrLst/>
+    <dgm:txEffectClrLst/>
+  </dgm:styleLbl>
+  <dgm:styleLbl name="asst2">
+    <dgm:fillClrLst>
+      <a:schemeClr val="accent1"/>
+    </dgm:fillClrLst>
+    <dgm:linClrLst meth="repeat">
+      <a:schemeClr val="lt1"/>
+    </dgm:linClrLst>
+    <dgm:effectClrLst/>
+    <dgm:txLinClrLst/>
+    <dgm:txFillClrLst/>
+    <dgm:txEffectClrLst/>
+  </dgm:styleLbl>
+  <dgm:styleLbl name="asst3">
+    <dgm:fillClrLst>
+      <a:schemeClr val="accent2"/>
+    </dgm:fillClrLst>
+    <dgm:linClrLst meth="repeat">
+      <a:schemeClr val="lt1"/>
+    </dgm:linClrLst>
+    <dgm:effectClrLst/>
+    <dgm:txLinClrLst/>
+    <dgm:txFillClrLst/>
+    <dgm:txEffectClrLst/>
+  </dgm:styleLbl>
+  <dgm:styleLbl name="asst4">
+    <dgm:fillClrLst>
+      <a:schemeClr val="accent3"/>
+    </dgm:fillClrLst>
+    <dgm:linClrLst meth="repeat">
+      <a:schemeClr val="lt1"/>
+    </dgm:linClrLst>
+    <dgm:effectClrLst/>
+    <dgm:txLinClrLst/>
+    <dgm:txFillClrLst/>
+    <dgm:txEffectClrLst/>
+  </dgm:styleLbl>
+  <dgm:styleLbl name="parChTrans2D1">
+    <dgm:fillClrLst meth="repeat">
+      <a:schemeClr val="accent5"/>
+    </dgm:fillClrLst>
+    <dgm:linClrLst meth="repeat">
+      <a:schemeClr val="lt1"/>
+    </dgm:linClrLst>
+    <dgm:effectClrLst/>
+    <dgm:txLinClrLst/>
+    <dgm:txFillClrLst meth="repeat">
+      <a:schemeClr val="lt1"/>
+    </dgm:txFillClrLst>
+    <dgm:txEffectClrLst/>
+  </dgm:styleLbl>
+  <dgm:styleLbl name="parChTrans2D2">
+    <dgm:fillClrLst meth="repeat">
+      <a:schemeClr val="accent6"/>
+    </dgm:fillClrLst>
+    <dgm:linClrLst meth="repeat">
+      <a:schemeClr val="lt1"/>
+    </dgm:linClrLst>
+    <dgm:effectClrLst/>
+    <dgm:txLinClrLst/>
+    <dgm:txFillClrLst/>
+    <dgm:txEffectClrLst/>
+  </dgm:styleLbl>
+  <dgm:styleLbl name="parChTrans2D3">
+    <dgm:fillClrLst meth="repeat">
+      <a:schemeClr val="accent6"/>
+    </dgm:fillClrLst>
+    <dgm:linClrLst meth="repeat">
+      <a:schemeClr val="lt1"/>
+    </dgm:linClrLst>
+    <dgm:effectClrLst/>
+    <dgm:txLinClrLst/>
+    <dgm:txFillClrLst/>
+    <dgm:txEffectClrLst/>
+  </dgm:styleLbl>
+  <dgm:styleLbl name="parChTrans2D4">
+    <dgm:fillClrLst meth="repeat">
+      <a:schemeClr val="accent1"/>
+    </dgm:fillClrLst>
+    <dgm:linClrLst meth="repeat">
+      <a:schemeClr val="lt1"/>
+    </dgm:linClrLst>
+    <dgm:effectClrLst/>
+    <dgm:txLinClrLst/>
+    <dgm:txFillClrLst meth="repeat">
+      <a:schemeClr val="lt1"/>
+    </dgm:txFillClrLst>
+    <dgm:txEffectClrLst/>
+  </dgm:styleLbl>
+  <dgm:styleLbl name="parChTrans1D1">
+    <dgm:fillClrLst meth="repeat">
+      <a:schemeClr val="accent5"/>
+    </dgm:fillClrLst>
+    <dgm:linClrLst meth="repeat">
+      <a:schemeClr val="accent5"/>
+    </dgm:linClrLst>
+    <dgm:effectClrLst/>
+    <dgm:txLinClrLst/>
+    <dgm:txFillClrLst meth="repeat">
+      <a:schemeClr val="tx1"/>
+    </dgm:txFillClrLst>
+    <dgm:txEffectClrLst/>
+  </dgm:styleLbl>
+  <dgm:styleLbl name="parChTrans1D2">
+    <dgm:fillClrLst meth="repeat">
+      <a:schemeClr val="accent6">
+        <a:tint val="90000"/>
+      </a:schemeClr>
+    </dgm:fillClrLst>
+    <dgm:linClrLst meth="repeat">
+      <a:schemeClr val="accent6"/>
+    </dgm:linClrLst>
+    <dgm:effectClrLst/>
+    <dgm:txLinClrLst/>
+    <dgm:txFillClrLst meth="repeat">
+      <a:schemeClr val="tx1"/>
+    </dgm:txFillClrLst>
+    <dgm:txEffectClrLst/>
+  </dgm:styleLbl>
+  <dgm:styleLbl name="parChTrans1D3">
+    <dgm:fillClrLst meth="repeat">
+      <a:schemeClr val="accent6">
+        <a:tint val="70000"/>
+      </a:schemeClr>
+    </dgm:fillClrLst>
+    <dgm:linClrLst meth="repeat">
+      <a:schemeClr val="accent1"/>
+    </dgm:linClrLst>
+    <dgm:effectClrLst/>
+    <dgm:txLinClrLst/>
+    <dgm:txFillClrLst meth="repeat">
+      <a:schemeClr val="tx1"/>
+    </dgm:txFillClrLst>
+    <dgm:txEffectClrLst/>
+  </dgm:styleLbl>
+  <dgm:styleLbl name="parChTrans1D4">
+    <dgm:fillClrLst meth="repeat">
+      <a:schemeClr val="accent6">
+        <a:tint val="50000"/>
+      </a:schemeClr>
+    </dgm:fillClrLst>
+    <dgm:linClrLst meth="repeat">
+      <a:schemeClr val="accent2"/>
+    </dgm:linClrLst>
+    <dgm:effectClrLst/>
+    <dgm:txLinClrLst/>
+    <dgm:txFillClrLst meth="repeat">
+      <a:schemeClr val="tx1"/>
+    </dgm:txFillClrLst>
+    <dgm:txEffectClrLst/>
+  </dgm:styleLbl>
+  <dgm:styleLbl name="fgAcc1">
+    <dgm:fillClrLst meth="repeat">
+      <a:schemeClr val="lt1">
+        <a:alpha val="90000"/>
+      </a:schemeClr>
+    </dgm:fillClrLst>
+    <dgm:linClrLst>
+      <a:schemeClr val="accent5"/>
+      <a:schemeClr val="accent6"/>
+    </dgm:linClrLst>
+    <dgm:effectClrLst/>
+    <dgm:txLinClrLst/>
+    <dgm:txFillClrLst meth="repeat">
+      <a:schemeClr val="dk1"/>
+    </dgm:txFillClrLst>
+    <dgm:txEffectClrLst/>
+  </dgm:styleLbl>
+  <dgm:styleLbl name="conFgAcc1">
+    <dgm:fillClrLst meth="repeat">
+      <a:schemeClr val="lt1">
+        <a:alpha val="90000"/>
+      </a:schemeClr>
+    </dgm:fillClrLst>
+    <dgm:linClrLst>
+      <a:schemeClr val="accent5"/>
+      <a:schemeClr val="accent6"/>
+    </dgm:linClrLst>
+    <dgm:effectClrLst/>
+    <dgm:txLinClrLst/>
+    <dgm:txFillClrLst meth="repeat">
+      <a:schemeClr val="dk1"/>
+    </dgm:txFillClrLst>
+    <dgm:txEffectClrLst/>
+  </dgm:styleLbl>
+  <dgm:styleLbl name="alignAcc1">
+    <dgm:fillClrLst meth="repeat">
+      <a:schemeClr val="lt1">
+        <a:alpha val="90000"/>
+      </a:schemeClr>
+    </dgm:fillClrLst>
+    <dgm:linClrLst>
+      <a:schemeClr val="accent5"/>
+      <a:schemeClr val="accent6"/>
+    </dgm:linClrLst>
+    <dgm:effectClrLst/>
+    <dgm:txLinClrLst/>
+    <dgm:txFillClrLst meth="repeat">
+      <a:schemeClr val="dk1"/>
+    </dgm:txFillClrLst>
+    <dgm:txEffectClrLst/>
+  </dgm:styleLbl>
+  <dgm:styleLbl name="trAlignAcc1">
+    <dgm:fillClrLst meth="repeat">
+      <a:schemeClr val="lt1">
+        <a:alpha val="40000"/>
+      </a:schemeClr>
+    </dgm:fillClrLst>
+    <dgm:linClrLst meth="repeat">
+      <a:schemeClr val="accent5"/>
+    </dgm:linClrLst>
+    <dgm:effectClrLst/>
+    <dgm:txLinClrLst/>
+    <dgm:txFillClrLst meth="repeat">
+      <a:schemeClr val="dk1"/>
+    </dgm:txFillClrLst>
+    <dgm:txEffectClrLst/>
+  </dgm:styleLbl>
+  <dgm:styleLbl name="bgAcc1">
+    <dgm:fillClrLst meth="repeat">
+      <a:schemeClr val="lt1">
+        <a:alpha val="90000"/>
+      </a:schemeClr>
+    </dgm:fillClrLst>
+    <dgm:linClrLst>
+      <a:schemeClr val="accent5"/>
+      <a:schemeClr val="accent6"/>
+    </dgm:linClrLst>
+    <dgm:effectClrLst/>
+    <dgm:txLinClrLst/>
+    <dgm:txFillClrLst meth="repeat">
+      <a:schemeClr val="dk1"/>
+    </dgm:txFillClrLst>
+    <dgm:txEffectClrLst/>
+  </dgm:styleLbl>
+  <dgm:styleLbl name="solidFgAcc1">
+    <dgm:fillClrLst meth="repeat">
+      <a:schemeClr val="lt1"/>
+    </dgm:fillClrLst>
+    <dgm:linClrLst>
+      <a:schemeClr val="accent5"/>
+      <a:schemeClr val="accent6"/>
+    </dgm:linClrLst>
+    <dgm:effectClrLst/>
+    <dgm:txLinClrLst/>
+    <dgm:txFillClrLst meth="repeat">
+      <a:schemeClr val="dk1"/>
+    </dgm:txFillClrLst>
+    <dgm:txEffectClrLst/>
+  </dgm:styleLbl>
+  <dgm:styleLbl name="solidAlignAcc1">
+    <dgm:fillClrLst meth="repeat">
+      <a:schemeClr val="lt1"/>
+    </dgm:fillClrLst>
+    <dgm:linClrLst>
+      <a:schemeClr val="accent5"/>
+      <a:schemeClr val="accent6"/>
+    </dgm:linClrLst>
+    <dgm:effectClrLst/>
+    <dgm:txLinClrLst/>
+    <dgm:txFillClrLst meth="repeat">
+      <a:schemeClr val="dk1"/>
+    </dgm:txFillClrLst>
+    <dgm:txEffectClrLst/>
+  </dgm:styleLbl>
+  <dgm:styleLbl name="solidBgAcc1">
+    <dgm:fillClrLst meth="repeat">
+      <a:schemeClr val="lt1"/>
+    </dgm:fillClrLst>
+    <dgm:linClrLst>
+      <a:schemeClr val="accent5"/>
+      <a:schemeClr val="accent6"/>
+    </dgm:linClrLst>
+    <dgm:effectClrLst/>
+    <dgm:txLinClrLst/>
+    <dgm:txFillClrLst meth="repeat">
+      <a:schemeClr val="dk1"/>
+    </dgm:txFillClrLst>
+    <dgm:txEffectClrLst/>
+  </dgm:styleLbl>
+  <dgm:styleLbl name="fgAccFollowNode1">
+    <dgm:fillClrLst>
+      <a:schemeClr val="accent5">
+        <a:tint val="40000"/>
+        <a:alpha val="90000"/>
+      </a:schemeClr>
+      <a:schemeClr val="accent6">
+        <a:tint val="40000"/>
+        <a:alpha val="90000"/>
+      </a:schemeClr>
+    </dgm:fillClrLst>
+    <dgm:linClrLst>
+      <a:schemeClr val="accent5">
+        <a:tint val="40000"/>
+        <a:alpha val="90000"/>
+      </a:schemeClr>
+      <a:schemeClr val="accent5">
+        <a:tint val="40000"/>
+        <a:alpha val="90000"/>
+      </a:schemeClr>
+    </dgm:linClrLst>
+    <dgm:effectClrLst/>
+    <dgm:txLinClrLst/>
+    <dgm:txFillClrLst meth="repeat">
+      <a:schemeClr val="dk1"/>
+    </dgm:txFillClrLst>
+    <dgm:txEffectClrLst/>
+  </dgm:styleLbl>
+  <dgm:styleLbl name="alignAccFollowNode1">
+    <dgm:fillClrLst>
+      <a:schemeClr val="accent5">
+        <a:tint val="40000"/>
+        <a:alpha val="90000"/>
+      </a:schemeClr>
+      <a:schemeClr val="accent6">
+        <a:tint val="40000"/>
+        <a:alpha val="90000"/>
+      </a:schemeClr>
+    </dgm:fillClrLst>
+    <dgm:linClrLst>
+      <a:schemeClr val="accent5">
+        <a:tint val="40000"/>
+        <a:alpha val="90000"/>
+      </a:schemeClr>
+      <a:schemeClr val="accent6">
+        <a:tint val="40000"/>
+        <a:alpha val="90000"/>
+      </a:schemeClr>
+    </dgm:linClrLst>
+    <dgm:effectClrLst/>
+    <dgm:txLinClrLst/>
+    <dgm:txFillClrLst meth="repeat">
+      <a:schemeClr val="dk1"/>
+    </dgm:txFillClrLst>
+    <dgm:txEffectClrLst/>
+  </dgm:styleLbl>
+  <dgm:styleLbl name="bgAccFollowNode1">
+    <dgm:fillClrLst>
+      <a:schemeClr val="accent5">
+        <a:tint val="40000"/>
+        <a:alpha val="90000"/>
+      </a:schemeClr>
+      <a:schemeClr val="accent6">
+        <a:tint val="40000"/>
+        <a:alpha val="90000"/>
+      </a:schemeClr>
+    </dgm:fillClrLst>
+    <dgm:linClrLst>
+      <a:schemeClr val="accent5">
+        <a:tint val="40000"/>
+        <a:alpha val="90000"/>
+      </a:schemeClr>
+      <a:schemeClr val="accent6">
+        <a:tint val="40000"/>
+        <a:alpha val="90000"/>
+      </a:schemeClr>
+    </dgm:linClrLst>
+    <dgm:effectClrLst/>
+    <dgm:txLinClrLst/>
+    <dgm:txFillClrLst meth="repeat">
+      <a:schemeClr val="dk1"/>
+    </dgm:txFillClrLst>
+    <dgm:txEffectClrLst/>
+  </dgm:styleLbl>
+  <dgm:styleLbl name="fgAcc0">
+    <dgm:fillClrLst meth="repeat">
+      <a:schemeClr val="lt1">
+        <a:alpha val="90000"/>
+      </a:schemeClr>
+    </dgm:fillClrLst>
+    <dgm:linClrLst>
+      <a:schemeClr val="accent4"/>
+    </dgm:linClrLst>
+    <dgm:effectClrLst/>
+    <dgm:txLinClrLst/>
+    <dgm:txFillClrLst meth="repeat">
+      <a:schemeClr val="dk1"/>
+    </dgm:txFillClrLst>
+    <dgm:txEffectClrLst/>
+  </dgm:styleLbl>
+  <dgm:styleLbl name="fgAcc2">
+    <dgm:fillClrLst meth="repeat">
+      <a:schemeClr val="lt1">
+        <a:alpha val="90000"/>
+      </a:schemeClr>
+    </dgm:fillClrLst>
+    <dgm:linClrLst>
+      <a:schemeClr val="accent6"/>
+    </dgm:linClrLst>
+    <dgm:effectClrLst/>
+    <dgm:txLinClrLst/>
+    <dgm:txFillClrLst meth="repeat">
+      <a:schemeClr val="dk1"/>
+    </dgm:txFillClrLst>
+    <dgm:txEffectClrLst/>
+  </dgm:styleLbl>
+  <dgm:styleLbl name="fgAcc3">
+    <dgm:fillClrLst meth="repeat">
+      <a:schemeClr val="lt1">
+        <a:alpha val="90000"/>
+      </a:schemeClr>
+    </dgm:fillClrLst>
+    <dgm:linClrLst>
+      <a:schemeClr val="accent1"/>
+    </dgm:linClrLst>
+    <dgm:effectClrLst/>
+    <dgm:txLinClrLst/>
+    <dgm:txFillClrLst meth="repeat">
+      <a:schemeClr val="dk1"/>
+    </dgm:txFillClrLst>
+    <dgm:txEffectClrLst/>
+  </dgm:styleLbl>
+  <dgm:styleLbl name="fgAcc4">
+    <dgm:fillClrLst meth="repeat">
+      <a:schemeClr val="lt1">
+        <a:alpha val="90000"/>
+      </a:schemeClr>
+    </dgm:fillClrLst>
+    <dgm:linClrLst>
+      <a:schemeClr val="accent2"/>
+    </dgm:linClrLst>
+    <dgm:effectClrLst/>
+    <dgm:txLinClrLst/>
+    <dgm:txFillClrLst meth="repeat">
+      <a:schemeClr val="dk1"/>
+    </dgm:txFillClrLst>
+    <dgm:txEffectClrLst/>
+  </dgm:styleLbl>
+  <dgm:styleLbl name="bgShp">
+    <dgm:fillClrLst meth="repeat">
+      <a:schemeClr val="accent5">
+        <a:tint val="40000"/>
+      </a:schemeClr>
+    </dgm:fillClrLst>
+    <dgm:linClrLst meth="repeat">
+      <a:schemeClr val="dk1"/>
+    </dgm:linClrLst>
+    <dgm:effectClrLst/>
+    <dgm:txLinClrLst/>
+    <dgm:txFillClrLst meth="repeat">
+      <a:schemeClr val="dk1"/>
+    </dgm:txFillClrLst>
+    <dgm:txEffectClrLst/>
+  </dgm:styleLbl>
+  <dgm:styleLbl name="dkBgShp">
+    <dgm:fillClrLst meth="repeat">
+      <a:schemeClr val="accent5">
+        <a:shade val="90000"/>
+      </a:schemeClr>
+    </dgm:fillClrLst>
+    <dgm:linClrLst meth="repeat">
+      <a:schemeClr val="dk1"/>
+    </dgm:linClrLst>
+    <dgm:effectClrLst/>
+    <dgm:txLinClrLst/>
+    <dgm:txFillClrLst meth="repeat">
+      <a:schemeClr val="lt1"/>
+    </dgm:txFillClrLst>
+    <dgm:txEffectClrLst/>
+  </dgm:styleLbl>
+  <dgm:styleLbl name="trBgShp">
+    <dgm:fillClrLst meth="repeat">
+      <a:schemeClr val="accent5">
+        <a:tint val="50000"/>
+        <a:alpha val="40000"/>
+      </a:schemeClr>
+    </dgm:fillClrLst>
+    <dgm:linClrLst meth="repeat">
+      <a:schemeClr val="accent5"/>
+    </dgm:linClrLst>
+    <dgm:effectClrLst/>
+    <dgm:txLinClrLst/>
+    <dgm:txFillClrLst meth="repeat">
+      <a:schemeClr val="lt1"/>
+    </dgm:txFillClrLst>
+    <dgm:txEffectClrLst/>
+  </dgm:styleLbl>
+  <dgm:styleLbl name="fgShp">
+    <dgm:fillClrLst meth="repeat">
+      <a:schemeClr val="accent5">
         <a:tint val="40000"/>
       </a:schemeClr>
     </dgm:fillClrLst>
@@ -1479,6 +3043,971 @@
   <dgm:extLst>
     <a:ext uri="http://schemas.microsoft.com/office/drawing/2008/diagram">
       <dsp:dataModelExt xmlns:dsp="http://schemas.microsoft.com/office/drawing/2008/diagram" relId="rId7" minVer="http://schemas.openxmlformats.org/drawingml/2006/diagram"/>
+    </a:ext>
+  </dgm:extLst>
+</dgm:dataModel>
+</file>
+
+<file path=ppt/diagrams/data2.xml><?xml version="1.0" encoding="utf-8"?>
+<dgm:dataModel xmlns:dgm="http://schemas.openxmlformats.org/drawingml/2006/diagram" xmlns:a="http://schemas.openxmlformats.org/drawingml/2006/main">
+  <dgm:ptLst>
+    <dgm:pt modelId="{97641A64-9786-494F-8240-AE37C22C24F9}" type="doc">
+      <dgm:prSet loTypeId="urn:microsoft.com/office/officeart/2005/8/layout/vList5" loCatId="list" qsTypeId="urn:microsoft.com/office/officeart/2005/8/quickstyle/simple1" qsCatId="simple" csTypeId="urn:microsoft.com/office/officeart/2005/8/colors/colorful2" csCatId="colorful"/>
+      <dgm:spPr/>
+      <dgm:t>
+        <a:bodyPr/>
+        <a:lstStyle/>
+        <a:p>
+          <a:endParaRPr lang="en-US"/>
+        </a:p>
+      </dgm:t>
+    </dgm:pt>
+    <dgm:pt modelId="{6AF8AA31-9606-49C5-872B-E90FE235CBE9}">
+      <dgm:prSet/>
+      <dgm:spPr/>
+      <dgm:t>
+        <a:bodyPr/>
+        <a:lstStyle/>
+        <a:p>
+          <a:r>
+            <a:rPr lang="hu-HU"/>
+            <a:t>Felhasználók számára:</a:t>
+          </a:r>
+          <a:endParaRPr lang="en-US"/>
+        </a:p>
+      </dgm:t>
+    </dgm:pt>
+    <dgm:pt modelId="{E1CC4527-AC95-437B-9799-B4ED21F73AF6}" type="parTrans" cxnId="{EDF6DDA3-6F64-46F7-86B3-EFC5262D7130}">
+      <dgm:prSet/>
+      <dgm:spPr/>
+      <dgm:t>
+        <a:bodyPr/>
+        <a:lstStyle/>
+        <a:p>
+          <a:endParaRPr lang="en-US"/>
+        </a:p>
+      </dgm:t>
+    </dgm:pt>
+    <dgm:pt modelId="{F1768953-7816-46E1-9942-B240F1C22B2E}" type="sibTrans" cxnId="{EDF6DDA3-6F64-46F7-86B3-EFC5262D7130}">
+      <dgm:prSet/>
+      <dgm:spPr/>
+      <dgm:t>
+        <a:bodyPr/>
+        <a:lstStyle/>
+        <a:p>
+          <a:endParaRPr lang="en-US"/>
+        </a:p>
+      </dgm:t>
+    </dgm:pt>
+    <dgm:pt modelId="{999D5868-207C-40B8-BE2A-3F03CB90A017}">
+      <dgm:prSet/>
+      <dgm:spPr/>
+      <dgm:t>
+        <a:bodyPr/>
+        <a:lstStyle/>
+        <a:p>
+          <a:r>
+            <a:rPr lang="hu-HU"/>
+            <a:t>Regisztráció</a:t>
+          </a:r>
+          <a:endParaRPr lang="en-US"/>
+        </a:p>
+      </dgm:t>
+    </dgm:pt>
+    <dgm:pt modelId="{9D58B950-2E6C-4C33-8A05-EAB84F2531F0}" type="parTrans" cxnId="{69D8204E-9BEE-4D80-927F-390DA6B85F2F}">
+      <dgm:prSet/>
+      <dgm:spPr/>
+      <dgm:t>
+        <a:bodyPr/>
+        <a:lstStyle/>
+        <a:p>
+          <a:endParaRPr lang="en-US"/>
+        </a:p>
+      </dgm:t>
+    </dgm:pt>
+    <dgm:pt modelId="{9E5D0DED-CD6A-44C0-9F7E-2E497DEBF54B}" type="sibTrans" cxnId="{69D8204E-9BEE-4D80-927F-390DA6B85F2F}">
+      <dgm:prSet/>
+      <dgm:spPr/>
+      <dgm:t>
+        <a:bodyPr/>
+        <a:lstStyle/>
+        <a:p>
+          <a:endParaRPr lang="en-US"/>
+        </a:p>
+      </dgm:t>
+    </dgm:pt>
+    <dgm:pt modelId="{71156581-7226-4D4B-91EE-4C7A1C4BC28E}">
+      <dgm:prSet/>
+      <dgm:spPr/>
+      <dgm:t>
+        <a:bodyPr/>
+        <a:lstStyle/>
+        <a:p>
+          <a:r>
+            <a:rPr lang="hu-HU"/>
+            <a:t>Bejelentkezés</a:t>
+          </a:r>
+          <a:endParaRPr lang="en-US"/>
+        </a:p>
+      </dgm:t>
+    </dgm:pt>
+    <dgm:pt modelId="{E03D5F18-0FB2-4BC4-8B13-69FCEBE34061}" type="parTrans" cxnId="{1A751384-1C20-4B0F-B0AA-756D0A15A1B4}">
+      <dgm:prSet/>
+      <dgm:spPr/>
+      <dgm:t>
+        <a:bodyPr/>
+        <a:lstStyle/>
+        <a:p>
+          <a:endParaRPr lang="en-US"/>
+        </a:p>
+      </dgm:t>
+    </dgm:pt>
+    <dgm:pt modelId="{A57DC10E-B583-475B-AD33-F9B9C71F7BA7}" type="sibTrans" cxnId="{1A751384-1C20-4B0F-B0AA-756D0A15A1B4}">
+      <dgm:prSet/>
+      <dgm:spPr/>
+      <dgm:t>
+        <a:bodyPr/>
+        <a:lstStyle/>
+        <a:p>
+          <a:endParaRPr lang="en-US"/>
+        </a:p>
+      </dgm:t>
+    </dgm:pt>
+    <dgm:pt modelId="{431BDC22-A674-4FC8-8426-9C60C94A748C}">
+      <dgm:prSet/>
+      <dgm:spPr/>
+      <dgm:t>
+        <a:bodyPr/>
+        <a:lstStyle/>
+        <a:p>
+          <a:r>
+            <a:rPr lang="hu-HU"/>
+            <a:t>Keresni a termékeink között</a:t>
+          </a:r>
+          <a:endParaRPr lang="en-US"/>
+        </a:p>
+      </dgm:t>
+    </dgm:pt>
+    <dgm:pt modelId="{DCEAEA35-369A-4F33-9734-3A48DF5FF81F}" type="parTrans" cxnId="{5B4E3035-F4D0-4848-9090-272F2F2348A4}">
+      <dgm:prSet/>
+      <dgm:spPr/>
+      <dgm:t>
+        <a:bodyPr/>
+        <a:lstStyle/>
+        <a:p>
+          <a:endParaRPr lang="en-US"/>
+        </a:p>
+      </dgm:t>
+    </dgm:pt>
+    <dgm:pt modelId="{0794BC9D-D291-4FBF-875A-176E0E27FEFC}" type="sibTrans" cxnId="{5B4E3035-F4D0-4848-9090-272F2F2348A4}">
+      <dgm:prSet/>
+      <dgm:spPr/>
+      <dgm:t>
+        <a:bodyPr/>
+        <a:lstStyle/>
+        <a:p>
+          <a:endParaRPr lang="en-US"/>
+        </a:p>
+      </dgm:t>
+    </dgm:pt>
+    <dgm:pt modelId="{9FE91EB9-7CE4-4077-983D-19972552FCB9}">
+      <dgm:prSet/>
+      <dgm:spPr/>
+      <dgm:t>
+        <a:bodyPr/>
+        <a:lstStyle/>
+        <a:p>
+          <a:r>
+            <a:rPr lang="hu-HU"/>
+            <a:t>Vásárolni</a:t>
+          </a:r>
+          <a:endParaRPr lang="en-US"/>
+        </a:p>
+      </dgm:t>
+    </dgm:pt>
+    <dgm:pt modelId="{C867E03C-AF0B-4B00-9876-A49E919C7C87}" type="parTrans" cxnId="{74E6EF1E-DD23-452F-81C6-D6892322CD89}">
+      <dgm:prSet/>
+      <dgm:spPr/>
+      <dgm:t>
+        <a:bodyPr/>
+        <a:lstStyle/>
+        <a:p>
+          <a:endParaRPr lang="en-US"/>
+        </a:p>
+      </dgm:t>
+    </dgm:pt>
+    <dgm:pt modelId="{E869A6D6-530E-4136-BE42-49C65EB86212}" type="sibTrans" cxnId="{74E6EF1E-DD23-452F-81C6-D6892322CD89}">
+      <dgm:prSet/>
+      <dgm:spPr/>
+      <dgm:t>
+        <a:bodyPr/>
+        <a:lstStyle/>
+        <a:p>
+          <a:endParaRPr lang="en-US"/>
+        </a:p>
+      </dgm:t>
+    </dgm:pt>
+    <dgm:pt modelId="{C67A9539-A56A-4C7D-8F61-0B208005BADA}">
+      <dgm:prSet/>
+      <dgm:spPr/>
+      <dgm:t>
+        <a:bodyPr/>
+        <a:lstStyle/>
+        <a:p>
+          <a:r>
+            <a:rPr lang="hu-HU"/>
+            <a:t>Adminok számára:</a:t>
+          </a:r>
+          <a:endParaRPr lang="en-US"/>
+        </a:p>
+      </dgm:t>
+    </dgm:pt>
+    <dgm:pt modelId="{40AD3800-B2A9-4108-953E-3AE65E870C65}" type="parTrans" cxnId="{50A37D3C-5E5E-45EA-8FB7-530AE7BC13F7}">
+      <dgm:prSet/>
+      <dgm:spPr/>
+      <dgm:t>
+        <a:bodyPr/>
+        <a:lstStyle/>
+        <a:p>
+          <a:endParaRPr lang="en-US"/>
+        </a:p>
+      </dgm:t>
+    </dgm:pt>
+    <dgm:pt modelId="{FA0F830B-4875-46F8-93D0-AD94FA61C552}" type="sibTrans" cxnId="{50A37D3C-5E5E-45EA-8FB7-530AE7BC13F7}">
+      <dgm:prSet/>
+      <dgm:spPr/>
+      <dgm:t>
+        <a:bodyPr/>
+        <a:lstStyle/>
+        <a:p>
+          <a:endParaRPr lang="en-US"/>
+        </a:p>
+      </dgm:t>
+    </dgm:pt>
+    <dgm:pt modelId="{8DE15586-09D0-4FAE-A62B-BB2E015A41DF}">
+      <dgm:prSet/>
+      <dgm:spPr/>
+      <dgm:t>
+        <a:bodyPr/>
+        <a:lstStyle/>
+        <a:p>
+          <a:r>
+            <a:rPr lang="hu-HU"/>
+            <a:t>Létrehozni, módosítani a termékeket</a:t>
+          </a:r>
+          <a:endParaRPr lang="en-US"/>
+        </a:p>
+      </dgm:t>
+    </dgm:pt>
+    <dgm:pt modelId="{D35C13E2-4F0F-4DE8-8F02-34C453A48A17}" type="parTrans" cxnId="{43550695-B397-46FC-A944-2A2BFA0FFD03}">
+      <dgm:prSet/>
+      <dgm:spPr/>
+      <dgm:t>
+        <a:bodyPr/>
+        <a:lstStyle/>
+        <a:p>
+          <a:endParaRPr lang="en-US"/>
+        </a:p>
+      </dgm:t>
+    </dgm:pt>
+    <dgm:pt modelId="{4EDC4F39-11BB-4595-83A2-D771D877E3DE}" type="sibTrans" cxnId="{43550695-B397-46FC-A944-2A2BFA0FFD03}">
+      <dgm:prSet/>
+      <dgm:spPr/>
+      <dgm:t>
+        <a:bodyPr/>
+        <a:lstStyle/>
+        <a:p>
+          <a:endParaRPr lang="en-US"/>
+        </a:p>
+      </dgm:t>
+    </dgm:pt>
+    <dgm:pt modelId="{E551DA4F-58FB-4756-90B0-2C82B72C50E5}">
+      <dgm:prSet/>
+      <dgm:spPr/>
+      <dgm:t>
+        <a:bodyPr/>
+        <a:lstStyle/>
+        <a:p>
+          <a:r>
+            <a:rPr lang="hu-HU"/>
+            <a:t>Létrehozni, módosítani az aukciókat</a:t>
+          </a:r>
+          <a:endParaRPr lang="en-US"/>
+        </a:p>
+      </dgm:t>
+    </dgm:pt>
+    <dgm:pt modelId="{70375D5B-D3FA-41B2-BC82-56B7C9E3641B}" type="parTrans" cxnId="{0B2FED58-25B5-4790-B127-CA83E13AA1D9}">
+      <dgm:prSet/>
+      <dgm:spPr/>
+      <dgm:t>
+        <a:bodyPr/>
+        <a:lstStyle/>
+        <a:p>
+          <a:endParaRPr lang="en-US"/>
+        </a:p>
+      </dgm:t>
+    </dgm:pt>
+    <dgm:pt modelId="{BA2EFB70-7AC8-4173-B6E6-D7B5F443DFCC}" type="sibTrans" cxnId="{0B2FED58-25B5-4790-B127-CA83E13AA1D9}">
+      <dgm:prSet/>
+      <dgm:spPr/>
+      <dgm:t>
+        <a:bodyPr/>
+        <a:lstStyle/>
+        <a:p>
+          <a:endParaRPr lang="en-US"/>
+        </a:p>
+      </dgm:t>
+    </dgm:pt>
+    <dgm:pt modelId="{4C88E184-EAC3-41A1-B289-B4A2F8728D50}">
+      <dgm:prSet/>
+      <dgm:spPr/>
+      <dgm:t>
+        <a:bodyPr/>
+        <a:lstStyle/>
+        <a:p>
+          <a:r>
+            <a:rPr lang="hu-HU"/>
+            <a:t>Rendelések megtekintése</a:t>
+          </a:r>
+          <a:endParaRPr lang="en-US"/>
+        </a:p>
+      </dgm:t>
+    </dgm:pt>
+    <dgm:pt modelId="{6A2F6C9F-5645-4BC9-A554-8F5A17BEA4BA}" type="parTrans" cxnId="{3878EF39-3A72-455D-B771-9E8BEDE441B3}">
+      <dgm:prSet/>
+      <dgm:spPr/>
+      <dgm:t>
+        <a:bodyPr/>
+        <a:lstStyle/>
+        <a:p>
+          <a:endParaRPr lang="en-US"/>
+        </a:p>
+      </dgm:t>
+    </dgm:pt>
+    <dgm:pt modelId="{58DAC087-2B21-4554-9B64-F876C3A30067}" type="sibTrans" cxnId="{3878EF39-3A72-455D-B771-9E8BEDE441B3}">
+      <dgm:prSet/>
+      <dgm:spPr/>
+      <dgm:t>
+        <a:bodyPr/>
+        <a:lstStyle/>
+        <a:p>
+          <a:endParaRPr lang="en-US"/>
+        </a:p>
+      </dgm:t>
+    </dgm:pt>
+    <dgm:pt modelId="{7D0DC598-C547-4B55-9095-32BC84C6E519}" type="pres">
+      <dgm:prSet presAssocID="{97641A64-9786-494F-8240-AE37C22C24F9}" presName="Name0" presStyleCnt="0">
+        <dgm:presLayoutVars>
+          <dgm:dir/>
+          <dgm:animLvl val="lvl"/>
+          <dgm:resizeHandles val="exact"/>
+        </dgm:presLayoutVars>
+      </dgm:prSet>
+      <dgm:spPr/>
+    </dgm:pt>
+    <dgm:pt modelId="{6AF59C77-D217-4CCA-AC82-42831D532660}" type="pres">
+      <dgm:prSet presAssocID="{6AF8AA31-9606-49C5-872B-E90FE235CBE9}" presName="linNode" presStyleCnt="0"/>
+      <dgm:spPr/>
+    </dgm:pt>
+    <dgm:pt modelId="{8662B388-0E90-4D06-9027-4E494ADAD32B}" type="pres">
+      <dgm:prSet presAssocID="{6AF8AA31-9606-49C5-872B-E90FE235CBE9}" presName="parentText" presStyleLbl="node1" presStyleIdx="0" presStyleCnt="2">
+        <dgm:presLayoutVars>
+          <dgm:chMax val="1"/>
+          <dgm:bulletEnabled val="1"/>
+        </dgm:presLayoutVars>
+      </dgm:prSet>
+      <dgm:spPr/>
+    </dgm:pt>
+    <dgm:pt modelId="{3F9D7986-B68D-4F70-AF37-1AF4574ACD80}" type="pres">
+      <dgm:prSet presAssocID="{6AF8AA31-9606-49C5-872B-E90FE235CBE9}" presName="descendantText" presStyleLbl="alignAccFollowNode1" presStyleIdx="0" presStyleCnt="2">
+        <dgm:presLayoutVars>
+          <dgm:bulletEnabled val="1"/>
+        </dgm:presLayoutVars>
+      </dgm:prSet>
+      <dgm:spPr/>
+    </dgm:pt>
+    <dgm:pt modelId="{2BC888CB-5950-416C-850F-CB73180D30AD}" type="pres">
+      <dgm:prSet presAssocID="{F1768953-7816-46E1-9942-B240F1C22B2E}" presName="sp" presStyleCnt="0"/>
+      <dgm:spPr/>
+    </dgm:pt>
+    <dgm:pt modelId="{170C5856-DDE1-4854-81B8-7D2BED06FB87}" type="pres">
+      <dgm:prSet presAssocID="{C67A9539-A56A-4C7D-8F61-0B208005BADA}" presName="linNode" presStyleCnt="0"/>
+      <dgm:spPr/>
+    </dgm:pt>
+    <dgm:pt modelId="{C5669453-5492-4553-9DA9-AC29B0A564B3}" type="pres">
+      <dgm:prSet presAssocID="{C67A9539-A56A-4C7D-8F61-0B208005BADA}" presName="parentText" presStyleLbl="node1" presStyleIdx="1" presStyleCnt="2">
+        <dgm:presLayoutVars>
+          <dgm:chMax val="1"/>
+          <dgm:bulletEnabled val="1"/>
+        </dgm:presLayoutVars>
+      </dgm:prSet>
+      <dgm:spPr/>
+    </dgm:pt>
+    <dgm:pt modelId="{BE2A2BBA-DDB9-4560-8785-B506E274D38C}" type="pres">
+      <dgm:prSet presAssocID="{C67A9539-A56A-4C7D-8F61-0B208005BADA}" presName="descendantText" presStyleLbl="alignAccFollowNode1" presStyleIdx="1" presStyleCnt="2">
+        <dgm:presLayoutVars>
+          <dgm:bulletEnabled val="1"/>
+        </dgm:presLayoutVars>
+      </dgm:prSet>
+      <dgm:spPr/>
+    </dgm:pt>
+  </dgm:ptLst>
+  <dgm:cxnLst>
+    <dgm:cxn modelId="{6447B704-3032-42C7-9EDD-E43C418B0C51}" type="presOf" srcId="{E551DA4F-58FB-4756-90B0-2C82B72C50E5}" destId="{BE2A2BBA-DDB9-4560-8785-B506E274D38C}" srcOrd="0" destOrd="1" presId="urn:microsoft.com/office/officeart/2005/8/layout/vList5"/>
+    <dgm:cxn modelId="{74E6EF1E-DD23-452F-81C6-D6892322CD89}" srcId="{6AF8AA31-9606-49C5-872B-E90FE235CBE9}" destId="{9FE91EB9-7CE4-4077-983D-19972552FCB9}" srcOrd="3" destOrd="0" parTransId="{C867E03C-AF0B-4B00-9876-A49E919C7C87}" sibTransId="{E869A6D6-530E-4136-BE42-49C65EB86212}"/>
+    <dgm:cxn modelId="{663E5E32-EF34-4C13-B08E-E2B165859397}" type="presOf" srcId="{4C88E184-EAC3-41A1-B289-B4A2F8728D50}" destId="{BE2A2BBA-DDB9-4560-8785-B506E274D38C}" srcOrd="0" destOrd="2" presId="urn:microsoft.com/office/officeart/2005/8/layout/vList5"/>
+    <dgm:cxn modelId="{5B4E3035-F4D0-4848-9090-272F2F2348A4}" srcId="{6AF8AA31-9606-49C5-872B-E90FE235CBE9}" destId="{431BDC22-A674-4FC8-8426-9C60C94A748C}" srcOrd="2" destOrd="0" parTransId="{DCEAEA35-369A-4F33-9734-3A48DF5FF81F}" sibTransId="{0794BC9D-D291-4FBF-875A-176E0E27FEFC}"/>
+    <dgm:cxn modelId="{3878EF39-3A72-455D-B771-9E8BEDE441B3}" srcId="{C67A9539-A56A-4C7D-8F61-0B208005BADA}" destId="{4C88E184-EAC3-41A1-B289-B4A2F8728D50}" srcOrd="2" destOrd="0" parTransId="{6A2F6C9F-5645-4BC9-A554-8F5A17BEA4BA}" sibTransId="{58DAC087-2B21-4554-9B64-F876C3A30067}"/>
+    <dgm:cxn modelId="{50A37D3C-5E5E-45EA-8FB7-530AE7BC13F7}" srcId="{97641A64-9786-494F-8240-AE37C22C24F9}" destId="{C67A9539-A56A-4C7D-8F61-0B208005BADA}" srcOrd="1" destOrd="0" parTransId="{40AD3800-B2A9-4108-953E-3AE65E870C65}" sibTransId="{FA0F830B-4875-46F8-93D0-AD94FA61C552}"/>
+    <dgm:cxn modelId="{95952D47-D888-452B-BDB6-32C2009A909D}" type="presOf" srcId="{431BDC22-A674-4FC8-8426-9C60C94A748C}" destId="{3F9D7986-B68D-4F70-AF37-1AF4574ACD80}" srcOrd="0" destOrd="2" presId="urn:microsoft.com/office/officeart/2005/8/layout/vList5"/>
+    <dgm:cxn modelId="{69D8204E-9BEE-4D80-927F-390DA6B85F2F}" srcId="{6AF8AA31-9606-49C5-872B-E90FE235CBE9}" destId="{999D5868-207C-40B8-BE2A-3F03CB90A017}" srcOrd="0" destOrd="0" parTransId="{9D58B950-2E6C-4C33-8A05-EAB84F2531F0}" sibTransId="{9E5D0DED-CD6A-44C0-9F7E-2E497DEBF54B}"/>
+    <dgm:cxn modelId="{0B2FED58-25B5-4790-B127-CA83E13AA1D9}" srcId="{C67A9539-A56A-4C7D-8F61-0B208005BADA}" destId="{E551DA4F-58FB-4756-90B0-2C82B72C50E5}" srcOrd="1" destOrd="0" parTransId="{70375D5B-D3FA-41B2-BC82-56B7C9E3641B}" sibTransId="{BA2EFB70-7AC8-4173-B6E6-D7B5F443DFCC}"/>
+    <dgm:cxn modelId="{1A751384-1C20-4B0F-B0AA-756D0A15A1B4}" srcId="{6AF8AA31-9606-49C5-872B-E90FE235CBE9}" destId="{71156581-7226-4D4B-91EE-4C7A1C4BC28E}" srcOrd="1" destOrd="0" parTransId="{E03D5F18-0FB2-4BC4-8B13-69FCEBE34061}" sibTransId="{A57DC10E-B583-475B-AD33-F9B9C71F7BA7}"/>
+    <dgm:cxn modelId="{ACDF2D86-B82F-440B-B338-A361EB043998}" type="presOf" srcId="{97641A64-9786-494F-8240-AE37C22C24F9}" destId="{7D0DC598-C547-4B55-9095-32BC84C6E519}" srcOrd="0" destOrd="0" presId="urn:microsoft.com/office/officeart/2005/8/layout/vList5"/>
+    <dgm:cxn modelId="{43550695-B397-46FC-A944-2A2BFA0FFD03}" srcId="{C67A9539-A56A-4C7D-8F61-0B208005BADA}" destId="{8DE15586-09D0-4FAE-A62B-BB2E015A41DF}" srcOrd="0" destOrd="0" parTransId="{D35C13E2-4F0F-4DE8-8F02-34C453A48A17}" sibTransId="{4EDC4F39-11BB-4595-83A2-D771D877E3DE}"/>
+    <dgm:cxn modelId="{EDF6DDA3-6F64-46F7-86B3-EFC5262D7130}" srcId="{97641A64-9786-494F-8240-AE37C22C24F9}" destId="{6AF8AA31-9606-49C5-872B-E90FE235CBE9}" srcOrd="0" destOrd="0" parTransId="{E1CC4527-AC95-437B-9799-B4ED21F73AF6}" sibTransId="{F1768953-7816-46E1-9942-B240F1C22B2E}"/>
+    <dgm:cxn modelId="{940733AC-7445-4741-B0D3-9CC93EAB2EF9}" type="presOf" srcId="{8DE15586-09D0-4FAE-A62B-BB2E015A41DF}" destId="{BE2A2BBA-DDB9-4560-8785-B506E274D38C}" srcOrd="0" destOrd="0" presId="urn:microsoft.com/office/officeart/2005/8/layout/vList5"/>
+    <dgm:cxn modelId="{8D8FCDAC-AFF7-478B-BDD0-7754D5551384}" type="presOf" srcId="{9FE91EB9-7CE4-4077-983D-19972552FCB9}" destId="{3F9D7986-B68D-4F70-AF37-1AF4574ACD80}" srcOrd="0" destOrd="3" presId="urn:microsoft.com/office/officeart/2005/8/layout/vList5"/>
+    <dgm:cxn modelId="{1195C9C1-1445-481A-A50D-A201EFED04EA}" type="presOf" srcId="{71156581-7226-4D4B-91EE-4C7A1C4BC28E}" destId="{3F9D7986-B68D-4F70-AF37-1AF4574ACD80}" srcOrd="0" destOrd="1" presId="urn:microsoft.com/office/officeart/2005/8/layout/vList5"/>
+    <dgm:cxn modelId="{1B7F7BCB-6E7F-4E06-8251-E8D9AF8FF4D2}" type="presOf" srcId="{6AF8AA31-9606-49C5-872B-E90FE235CBE9}" destId="{8662B388-0E90-4D06-9027-4E494ADAD32B}" srcOrd="0" destOrd="0" presId="urn:microsoft.com/office/officeart/2005/8/layout/vList5"/>
+    <dgm:cxn modelId="{BD2597CC-08FF-47EE-9C9E-071BD334F8F5}" type="presOf" srcId="{C67A9539-A56A-4C7D-8F61-0B208005BADA}" destId="{C5669453-5492-4553-9DA9-AC29B0A564B3}" srcOrd="0" destOrd="0" presId="urn:microsoft.com/office/officeart/2005/8/layout/vList5"/>
+    <dgm:cxn modelId="{EEBC59FA-33C6-4B07-82E4-E60A2D511004}" type="presOf" srcId="{999D5868-207C-40B8-BE2A-3F03CB90A017}" destId="{3F9D7986-B68D-4F70-AF37-1AF4574ACD80}" srcOrd="0" destOrd="0" presId="urn:microsoft.com/office/officeart/2005/8/layout/vList5"/>
+    <dgm:cxn modelId="{9F3DD080-0646-443C-8496-4133A20CC104}" type="presParOf" srcId="{7D0DC598-C547-4B55-9095-32BC84C6E519}" destId="{6AF59C77-D217-4CCA-AC82-42831D532660}" srcOrd="0" destOrd="0" presId="urn:microsoft.com/office/officeart/2005/8/layout/vList5"/>
+    <dgm:cxn modelId="{BA35671B-34C6-48DC-9DC3-AC34BC22B13A}" type="presParOf" srcId="{6AF59C77-D217-4CCA-AC82-42831D532660}" destId="{8662B388-0E90-4D06-9027-4E494ADAD32B}" srcOrd="0" destOrd="0" presId="urn:microsoft.com/office/officeart/2005/8/layout/vList5"/>
+    <dgm:cxn modelId="{D5C0083D-43D9-44E6-9C94-3F7D8333D139}" type="presParOf" srcId="{6AF59C77-D217-4CCA-AC82-42831D532660}" destId="{3F9D7986-B68D-4F70-AF37-1AF4574ACD80}" srcOrd="1" destOrd="0" presId="urn:microsoft.com/office/officeart/2005/8/layout/vList5"/>
+    <dgm:cxn modelId="{9BB15F9E-9FFB-4FBD-90D7-96222A732EF8}" type="presParOf" srcId="{7D0DC598-C547-4B55-9095-32BC84C6E519}" destId="{2BC888CB-5950-416C-850F-CB73180D30AD}" srcOrd="1" destOrd="0" presId="urn:microsoft.com/office/officeart/2005/8/layout/vList5"/>
+    <dgm:cxn modelId="{B551B96E-9FD4-4735-B753-3F22D9184EC8}" type="presParOf" srcId="{7D0DC598-C547-4B55-9095-32BC84C6E519}" destId="{170C5856-DDE1-4854-81B8-7D2BED06FB87}" srcOrd="2" destOrd="0" presId="urn:microsoft.com/office/officeart/2005/8/layout/vList5"/>
+    <dgm:cxn modelId="{56E82FD6-B1BB-45A2-9900-D8F0F98414E1}" type="presParOf" srcId="{170C5856-DDE1-4854-81B8-7D2BED06FB87}" destId="{C5669453-5492-4553-9DA9-AC29B0A564B3}" srcOrd="0" destOrd="0" presId="urn:microsoft.com/office/officeart/2005/8/layout/vList5"/>
+    <dgm:cxn modelId="{ED22D2CD-81BC-4A7A-9E12-2B0F4FADBF35}" type="presParOf" srcId="{170C5856-DDE1-4854-81B8-7D2BED06FB87}" destId="{BE2A2BBA-DDB9-4560-8785-B506E274D38C}" srcOrd="1" destOrd="0" presId="urn:microsoft.com/office/officeart/2005/8/layout/vList5"/>
+  </dgm:cxnLst>
+  <dgm:bg/>
+  <dgm:whole/>
+  <dgm:extLst>
+    <a:ext uri="http://schemas.microsoft.com/office/drawing/2008/diagram">
+      <dsp:dataModelExt xmlns:dsp="http://schemas.microsoft.com/office/drawing/2008/diagram" relId="rId6" minVer="http://schemas.openxmlformats.org/drawingml/2006/diagram"/>
+    </a:ext>
+  </dgm:extLst>
+</dgm:dataModel>
+</file>
+
+<file path=ppt/diagrams/data3.xml><?xml version="1.0" encoding="utf-8"?>
+<dgm:dataModel xmlns:dgm="http://schemas.openxmlformats.org/drawingml/2006/diagram" xmlns:a="http://schemas.openxmlformats.org/drawingml/2006/main">
+  <dgm:ptLst>
+    <dgm:pt modelId="{C06DB95D-5C87-49BE-9D3E-FEBD420CA21F}" type="doc">
+      <dgm:prSet loTypeId="urn:microsoft.com/office/officeart/2005/8/layout/vList2" loCatId="list" qsTypeId="urn:microsoft.com/office/officeart/2005/8/quickstyle/simple1" qsCatId="simple" csTypeId="urn:microsoft.com/office/officeart/2005/8/colors/colorful5" csCatId="colorful"/>
+      <dgm:spPr/>
+      <dgm:t>
+        <a:bodyPr/>
+        <a:lstStyle/>
+        <a:p>
+          <a:endParaRPr lang="en-US"/>
+        </a:p>
+      </dgm:t>
+    </dgm:pt>
+    <dgm:pt modelId="{E1553C06-7A3A-4268-858C-D2C8F0509A78}">
+      <dgm:prSet/>
+      <dgm:spPr/>
+      <dgm:t>
+        <a:bodyPr/>
+        <a:lstStyle/>
+        <a:p>
+          <a:r>
+            <a:rPr lang="hu-HU" b="1"/>
+            <a:t>Backend – Next.js</a:t>
+          </a:r>
+          <a:endParaRPr lang="en-US"/>
+        </a:p>
+      </dgm:t>
+    </dgm:pt>
+    <dgm:pt modelId="{4F5397FC-6A88-48BC-8790-3C56D1824FD4}" type="parTrans" cxnId="{466A505C-06E2-4F83-B478-D61BDDC07D2C}">
+      <dgm:prSet/>
+      <dgm:spPr/>
+      <dgm:t>
+        <a:bodyPr/>
+        <a:lstStyle/>
+        <a:p>
+          <a:endParaRPr lang="en-US"/>
+        </a:p>
+      </dgm:t>
+    </dgm:pt>
+    <dgm:pt modelId="{154B505C-3E29-47A8-B3F3-9DA273F78D26}" type="sibTrans" cxnId="{466A505C-06E2-4F83-B478-D61BDDC07D2C}">
+      <dgm:prSet/>
+      <dgm:spPr/>
+      <dgm:t>
+        <a:bodyPr/>
+        <a:lstStyle/>
+        <a:p>
+          <a:endParaRPr lang="en-US"/>
+        </a:p>
+      </dgm:t>
+    </dgm:pt>
+    <dgm:pt modelId="{352584C7-6210-4B01-B969-34CBF9C928BF}">
+      <dgm:prSet/>
+      <dgm:spPr/>
+      <dgm:t>
+        <a:bodyPr/>
+        <a:lstStyle/>
+        <a:p>
+          <a:r>
+            <a:rPr lang="hu-HU"/>
+            <a:t>Axios 1.6.7</a:t>
+          </a:r>
+          <a:endParaRPr lang="en-US"/>
+        </a:p>
+      </dgm:t>
+    </dgm:pt>
+    <dgm:pt modelId="{BEEA46EF-777A-4B95-9779-8D8F5500F7FA}" type="parTrans" cxnId="{D3E1FDB1-9F73-4DF6-9A34-68FECB54EB50}">
+      <dgm:prSet/>
+      <dgm:spPr/>
+      <dgm:t>
+        <a:bodyPr/>
+        <a:lstStyle/>
+        <a:p>
+          <a:endParaRPr lang="en-US"/>
+        </a:p>
+      </dgm:t>
+    </dgm:pt>
+    <dgm:pt modelId="{F06FC514-606D-4E66-B598-55C22A483AD6}" type="sibTrans" cxnId="{D3E1FDB1-9F73-4DF6-9A34-68FECB54EB50}">
+      <dgm:prSet/>
+      <dgm:spPr/>
+      <dgm:t>
+        <a:bodyPr/>
+        <a:lstStyle/>
+        <a:p>
+          <a:endParaRPr lang="en-US"/>
+        </a:p>
+      </dgm:t>
+    </dgm:pt>
+    <dgm:pt modelId="{65173FD7-FC8C-41C3-9756-E58C69224778}">
+      <dgm:prSet/>
+      <dgm:spPr/>
+      <dgm:t>
+        <a:bodyPr/>
+        <a:lstStyle/>
+        <a:p>
+          <a:r>
+            <a:rPr lang="hu-HU"/>
+            <a:t>Next-auth 4.24.5</a:t>
+          </a:r>
+          <a:endParaRPr lang="en-US"/>
+        </a:p>
+      </dgm:t>
+    </dgm:pt>
+    <dgm:pt modelId="{10ECAECD-EBCC-4D3B-989B-8D6399F58BA2}" type="parTrans" cxnId="{BE1D629B-78F5-4297-B5A3-9FA1AA683BDE}">
+      <dgm:prSet/>
+      <dgm:spPr/>
+      <dgm:t>
+        <a:bodyPr/>
+        <a:lstStyle/>
+        <a:p>
+          <a:endParaRPr lang="en-US"/>
+        </a:p>
+      </dgm:t>
+    </dgm:pt>
+    <dgm:pt modelId="{1793B1DF-44A8-47F1-A821-13E363E1995F}" type="sibTrans" cxnId="{BE1D629B-78F5-4297-B5A3-9FA1AA683BDE}">
+      <dgm:prSet/>
+      <dgm:spPr/>
+      <dgm:t>
+        <a:bodyPr/>
+        <a:lstStyle/>
+        <a:p>
+          <a:endParaRPr lang="en-US"/>
+        </a:p>
+      </dgm:t>
+    </dgm:pt>
+    <dgm:pt modelId="{1336ACBF-4E29-40A4-8714-56F1A22857E9}">
+      <dgm:prSet/>
+      <dgm:spPr/>
+      <dgm:t>
+        <a:bodyPr/>
+        <a:lstStyle/>
+        <a:p>
+          <a:r>
+            <a:rPr lang="hu-HU"/>
+            <a:t>Mongoose 8.1.1</a:t>
+          </a:r>
+          <a:endParaRPr lang="en-US"/>
+        </a:p>
+      </dgm:t>
+    </dgm:pt>
+    <dgm:pt modelId="{E4FE6864-DB38-4F93-8761-38149D1A4706}" type="parTrans" cxnId="{8594899F-D846-45D1-8105-E69A5FB8BC10}">
+      <dgm:prSet/>
+      <dgm:spPr/>
+      <dgm:t>
+        <a:bodyPr/>
+        <a:lstStyle/>
+        <a:p>
+          <a:endParaRPr lang="en-US"/>
+        </a:p>
+      </dgm:t>
+    </dgm:pt>
+    <dgm:pt modelId="{80B0DB8B-E62F-4D25-9A5B-0C44020F156D}" type="sibTrans" cxnId="{8594899F-D846-45D1-8105-E69A5FB8BC10}">
+      <dgm:prSet/>
+      <dgm:spPr/>
+      <dgm:t>
+        <a:bodyPr/>
+        <a:lstStyle/>
+        <a:p>
+          <a:endParaRPr lang="en-US"/>
+        </a:p>
+      </dgm:t>
+    </dgm:pt>
+    <dgm:pt modelId="{F5AB630F-3425-4EF5-BD14-3A052E2895A9}">
+      <dgm:prSet/>
+      <dgm:spPr/>
+      <dgm:t>
+        <a:bodyPr/>
+        <a:lstStyle/>
+        <a:p>
+          <a:r>
+            <a:rPr lang="hu-HU" b="1"/>
+            <a:t>Frontend - Next.js</a:t>
+          </a:r>
+          <a:endParaRPr lang="en-US"/>
+        </a:p>
+      </dgm:t>
+    </dgm:pt>
+    <dgm:pt modelId="{1914EE5B-9EEC-43E4-B8FC-691C6C678EA6}" type="parTrans" cxnId="{B63A1D2D-E45A-41CB-BE4C-CAF271A8AD79}">
+      <dgm:prSet/>
+      <dgm:spPr/>
+      <dgm:t>
+        <a:bodyPr/>
+        <a:lstStyle/>
+        <a:p>
+          <a:endParaRPr lang="en-US"/>
+        </a:p>
+      </dgm:t>
+    </dgm:pt>
+    <dgm:pt modelId="{5A41A8A4-4B93-40DF-9800-7803A1D28B3D}" type="sibTrans" cxnId="{B63A1D2D-E45A-41CB-BE4C-CAF271A8AD79}">
+      <dgm:prSet/>
+      <dgm:spPr/>
+      <dgm:t>
+        <a:bodyPr/>
+        <a:lstStyle/>
+        <a:p>
+          <a:endParaRPr lang="en-US"/>
+        </a:p>
+      </dgm:t>
+    </dgm:pt>
+    <dgm:pt modelId="{9C72C19A-6291-48B3-9E5A-53C6E8D198DC}">
+      <dgm:prSet/>
+      <dgm:spPr/>
+      <dgm:t>
+        <a:bodyPr/>
+        <a:lstStyle/>
+        <a:p>
+          <a:r>
+            <a:rPr lang="hu-HU"/>
+            <a:t>Tailwindcss 3.3.0</a:t>
+          </a:r>
+          <a:endParaRPr lang="en-US"/>
+        </a:p>
+      </dgm:t>
+    </dgm:pt>
+    <dgm:pt modelId="{C7A97F05-FCD2-49D2-A515-F5A60208960A}" type="parTrans" cxnId="{D9F1183E-7ADF-40FA-AEE4-F20E3DDCE16A}">
+      <dgm:prSet/>
+      <dgm:spPr/>
+      <dgm:t>
+        <a:bodyPr/>
+        <a:lstStyle/>
+        <a:p>
+          <a:endParaRPr lang="en-US"/>
+        </a:p>
+      </dgm:t>
+    </dgm:pt>
+    <dgm:pt modelId="{E70F7764-20F5-4C59-8CEB-813ECCF8707C}" type="sibTrans" cxnId="{D9F1183E-7ADF-40FA-AEE4-F20E3DDCE16A}">
+      <dgm:prSet/>
+      <dgm:spPr/>
+      <dgm:t>
+        <a:bodyPr/>
+        <a:lstStyle/>
+        <a:p>
+          <a:endParaRPr lang="en-US"/>
+        </a:p>
+      </dgm:t>
+    </dgm:pt>
+    <dgm:pt modelId="{C9D9698C-E23A-4BC9-BB34-A5A01C6E968A}">
+      <dgm:prSet/>
+      <dgm:spPr/>
+      <dgm:t>
+        <a:bodyPr/>
+        <a:lstStyle/>
+        <a:p>
+          <a:r>
+            <a:rPr lang="hu-HU"/>
+            <a:t>React-icons 5.0.1</a:t>
+          </a:r>
+          <a:endParaRPr lang="en-US"/>
+        </a:p>
+      </dgm:t>
+    </dgm:pt>
+    <dgm:pt modelId="{BD7DF338-1EBB-4BA7-85B4-99EB17A7E34D}" type="parTrans" cxnId="{9B019BCF-4241-42E9-BD53-F3DA2D9F29EB}">
+      <dgm:prSet/>
+      <dgm:spPr/>
+      <dgm:t>
+        <a:bodyPr/>
+        <a:lstStyle/>
+        <a:p>
+          <a:endParaRPr lang="en-US"/>
+        </a:p>
+      </dgm:t>
+    </dgm:pt>
+    <dgm:pt modelId="{806B6DCB-0D45-4538-83CA-448F87F7488C}" type="sibTrans" cxnId="{9B019BCF-4241-42E9-BD53-F3DA2D9F29EB}">
+      <dgm:prSet/>
+      <dgm:spPr/>
+      <dgm:t>
+        <a:bodyPr/>
+        <a:lstStyle/>
+        <a:p>
+          <a:endParaRPr lang="en-US"/>
+        </a:p>
+      </dgm:t>
+    </dgm:pt>
+    <dgm:pt modelId="{1379818D-7A0F-409F-8490-0E90CD7D10CE}">
+      <dgm:prSet/>
+      <dgm:spPr/>
+      <dgm:t>
+        <a:bodyPr/>
+        <a:lstStyle/>
+        <a:p>
+          <a:r>
+            <a:rPr lang="hu-HU"/>
+            <a:t>Shadcn/ui 0.8.0</a:t>
+          </a:r>
+          <a:endParaRPr lang="en-US"/>
+        </a:p>
+      </dgm:t>
+    </dgm:pt>
+    <dgm:pt modelId="{ECAC6A20-73B5-439A-895A-87DE0C5B07CB}" type="parTrans" cxnId="{38DAC796-1B65-4738-985A-502A40644DC4}">
+      <dgm:prSet/>
+      <dgm:spPr/>
+      <dgm:t>
+        <a:bodyPr/>
+        <a:lstStyle/>
+        <a:p>
+          <a:endParaRPr lang="en-US"/>
+        </a:p>
+      </dgm:t>
+    </dgm:pt>
+    <dgm:pt modelId="{66907BA6-72A9-4F68-A08E-BC65D9982721}" type="sibTrans" cxnId="{38DAC796-1B65-4738-985A-502A40644DC4}">
+      <dgm:prSet/>
+      <dgm:spPr/>
+      <dgm:t>
+        <a:bodyPr/>
+        <a:lstStyle/>
+        <a:p>
+          <a:endParaRPr lang="en-US"/>
+        </a:p>
+      </dgm:t>
+    </dgm:pt>
+    <dgm:pt modelId="{39CDE238-69AD-4A7C-B5E7-03C2DB48AF9F}">
+      <dgm:prSet/>
+      <dgm:spPr/>
+      <dgm:t>
+        <a:bodyPr/>
+        <a:lstStyle/>
+        <a:p>
+          <a:r>
+            <a:rPr lang="hu-HU" b="1"/>
+            <a:t>Adatbázis - MongoDB</a:t>
+          </a:r>
+          <a:endParaRPr lang="en-US"/>
+        </a:p>
+      </dgm:t>
+    </dgm:pt>
+    <dgm:pt modelId="{900A3A89-E14B-4888-9A19-3E27ADAB9536}" type="parTrans" cxnId="{A87E6519-8126-4315-BE68-4381B1DE9A49}">
+      <dgm:prSet/>
+      <dgm:spPr/>
+      <dgm:t>
+        <a:bodyPr/>
+        <a:lstStyle/>
+        <a:p>
+          <a:endParaRPr lang="en-US"/>
+        </a:p>
+      </dgm:t>
+    </dgm:pt>
+    <dgm:pt modelId="{08276698-ECBB-4FEB-9C7D-A34BBCE30898}" type="sibTrans" cxnId="{A87E6519-8126-4315-BE68-4381B1DE9A49}">
+      <dgm:prSet/>
+      <dgm:spPr/>
+      <dgm:t>
+        <a:bodyPr/>
+        <a:lstStyle/>
+        <a:p>
+          <a:endParaRPr lang="en-US"/>
+        </a:p>
+      </dgm:t>
+    </dgm:pt>
+    <dgm:pt modelId="{E6A385E4-1F59-42E7-B7A9-10336B3BF8B9}">
+      <dgm:prSet/>
+      <dgm:spPr/>
+      <dgm:t>
+        <a:bodyPr/>
+        <a:lstStyle/>
+        <a:p>
+          <a:r>
+            <a:rPr lang="hu-HU"/>
+            <a:t>Mongoose 8.1.1</a:t>
+          </a:r>
+          <a:endParaRPr lang="en-US"/>
+        </a:p>
+      </dgm:t>
+    </dgm:pt>
+    <dgm:pt modelId="{D24A8A8F-FA0B-4194-A1E0-D3CBCD00CB19}" type="parTrans" cxnId="{579583FC-CD11-42B9-91C6-1AB8577412DA}">
+      <dgm:prSet/>
+      <dgm:spPr/>
+      <dgm:t>
+        <a:bodyPr/>
+        <a:lstStyle/>
+        <a:p>
+          <a:endParaRPr lang="en-US"/>
+        </a:p>
+      </dgm:t>
+    </dgm:pt>
+    <dgm:pt modelId="{BFB255CC-35D6-450E-92A6-3C2EE929D320}" type="sibTrans" cxnId="{579583FC-CD11-42B9-91C6-1AB8577412DA}">
+      <dgm:prSet/>
+      <dgm:spPr/>
+      <dgm:t>
+        <a:bodyPr/>
+        <a:lstStyle/>
+        <a:p>
+          <a:endParaRPr lang="en-US"/>
+        </a:p>
+      </dgm:t>
+    </dgm:pt>
+    <dgm:pt modelId="{36007BA0-5469-4575-9757-FF333559BEEA}">
+      <dgm:prSet/>
+      <dgm:spPr/>
+      <dgm:t>
+        <a:bodyPr/>
+        <a:lstStyle/>
+        <a:p>
+          <a:r>
+            <a:rPr lang="hu-HU"/>
+            <a:t>MongoDB 6.3.0</a:t>
+          </a:r>
+          <a:endParaRPr lang="en-US"/>
+        </a:p>
+      </dgm:t>
+    </dgm:pt>
+    <dgm:pt modelId="{B2FFD4D3-07DB-4AFD-8E1D-D552367659F9}" type="parTrans" cxnId="{932211C3-F6B0-46A6-BB42-0D4C68D07465}">
+      <dgm:prSet/>
+      <dgm:spPr/>
+      <dgm:t>
+        <a:bodyPr/>
+        <a:lstStyle/>
+        <a:p>
+          <a:endParaRPr lang="en-US"/>
+        </a:p>
+      </dgm:t>
+    </dgm:pt>
+    <dgm:pt modelId="{86CF4653-D32E-47EA-94EE-BCB660BF5A96}" type="sibTrans" cxnId="{932211C3-F6B0-46A6-BB42-0D4C68D07465}">
+      <dgm:prSet/>
+      <dgm:spPr/>
+      <dgm:t>
+        <a:bodyPr/>
+        <a:lstStyle/>
+        <a:p>
+          <a:endParaRPr lang="en-US"/>
+        </a:p>
+      </dgm:t>
+    </dgm:pt>
+    <dgm:pt modelId="{6D18D977-1391-419A-BACA-576A08B59D2A}" type="pres">
+      <dgm:prSet presAssocID="{C06DB95D-5C87-49BE-9D3E-FEBD420CA21F}" presName="linear" presStyleCnt="0">
+        <dgm:presLayoutVars>
+          <dgm:animLvl val="lvl"/>
+          <dgm:resizeHandles val="exact"/>
+        </dgm:presLayoutVars>
+      </dgm:prSet>
+      <dgm:spPr/>
+    </dgm:pt>
+    <dgm:pt modelId="{81800FAB-DFFC-4F32-A1CE-717BB008BC08}" type="pres">
+      <dgm:prSet presAssocID="{E1553C06-7A3A-4268-858C-D2C8F0509A78}" presName="parentText" presStyleLbl="node1" presStyleIdx="0" presStyleCnt="3">
+        <dgm:presLayoutVars>
+          <dgm:chMax val="0"/>
+          <dgm:bulletEnabled val="1"/>
+        </dgm:presLayoutVars>
+      </dgm:prSet>
+      <dgm:spPr/>
+    </dgm:pt>
+    <dgm:pt modelId="{2A8ECBFC-BB75-4165-8875-DF1E7640D52B}" type="pres">
+      <dgm:prSet presAssocID="{E1553C06-7A3A-4268-858C-D2C8F0509A78}" presName="childText" presStyleLbl="revTx" presStyleIdx="0" presStyleCnt="3">
+        <dgm:presLayoutVars>
+          <dgm:bulletEnabled val="1"/>
+        </dgm:presLayoutVars>
+      </dgm:prSet>
+      <dgm:spPr/>
+    </dgm:pt>
+    <dgm:pt modelId="{D90E7906-B15B-47B1-9050-B6FDA1DF3FD1}" type="pres">
+      <dgm:prSet presAssocID="{F5AB630F-3425-4EF5-BD14-3A052E2895A9}" presName="parentText" presStyleLbl="node1" presStyleIdx="1" presStyleCnt="3">
+        <dgm:presLayoutVars>
+          <dgm:chMax val="0"/>
+          <dgm:bulletEnabled val="1"/>
+        </dgm:presLayoutVars>
+      </dgm:prSet>
+      <dgm:spPr/>
+    </dgm:pt>
+    <dgm:pt modelId="{0788865B-2D63-4131-9887-62B21888E6BC}" type="pres">
+      <dgm:prSet presAssocID="{F5AB630F-3425-4EF5-BD14-3A052E2895A9}" presName="childText" presStyleLbl="revTx" presStyleIdx="1" presStyleCnt="3">
+        <dgm:presLayoutVars>
+          <dgm:bulletEnabled val="1"/>
+        </dgm:presLayoutVars>
+      </dgm:prSet>
+      <dgm:spPr/>
+    </dgm:pt>
+    <dgm:pt modelId="{34D2DE9B-17C7-41C9-BF66-8CD44830C248}" type="pres">
+      <dgm:prSet presAssocID="{39CDE238-69AD-4A7C-B5E7-03C2DB48AF9F}" presName="parentText" presStyleLbl="node1" presStyleIdx="2" presStyleCnt="3">
+        <dgm:presLayoutVars>
+          <dgm:chMax val="0"/>
+          <dgm:bulletEnabled val="1"/>
+        </dgm:presLayoutVars>
+      </dgm:prSet>
+      <dgm:spPr/>
+    </dgm:pt>
+    <dgm:pt modelId="{0C78240B-26A2-4980-8C1B-0678E0C5A17E}" type="pres">
+      <dgm:prSet presAssocID="{39CDE238-69AD-4A7C-B5E7-03C2DB48AF9F}" presName="childText" presStyleLbl="revTx" presStyleIdx="2" presStyleCnt="3">
+        <dgm:presLayoutVars>
+          <dgm:bulletEnabled val="1"/>
+        </dgm:presLayoutVars>
+      </dgm:prSet>
+      <dgm:spPr/>
+    </dgm:pt>
+  </dgm:ptLst>
+  <dgm:cxnLst>
+    <dgm:cxn modelId="{0B7A6304-A2C4-4FE7-AA64-DD316EAF715E}" type="presOf" srcId="{1336ACBF-4E29-40A4-8714-56F1A22857E9}" destId="{2A8ECBFC-BB75-4165-8875-DF1E7640D52B}" srcOrd="0" destOrd="2" presId="urn:microsoft.com/office/officeart/2005/8/layout/vList2"/>
+    <dgm:cxn modelId="{1B19DD0F-F428-4DE2-9BBA-621B0EC78151}" type="presOf" srcId="{9C72C19A-6291-48B3-9E5A-53C6E8D198DC}" destId="{0788865B-2D63-4131-9887-62B21888E6BC}" srcOrd="0" destOrd="0" presId="urn:microsoft.com/office/officeart/2005/8/layout/vList2"/>
+    <dgm:cxn modelId="{A87E6519-8126-4315-BE68-4381B1DE9A49}" srcId="{C06DB95D-5C87-49BE-9D3E-FEBD420CA21F}" destId="{39CDE238-69AD-4A7C-B5E7-03C2DB48AF9F}" srcOrd="2" destOrd="0" parTransId="{900A3A89-E14B-4888-9A19-3E27ADAB9536}" sibTransId="{08276698-ECBB-4FEB-9C7D-A34BBCE30898}"/>
+    <dgm:cxn modelId="{208D711C-9E1C-4541-A8D8-BDF8F19CA1ED}" type="presOf" srcId="{C06DB95D-5C87-49BE-9D3E-FEBD420CA21F}" destId="{6D18D977-1391-419A-BACA-576A08B59D2A}" srcOrd="0" destOrd="0" presId="urn:microsoft.com/office/officeart/2005/8/layout/vList2"/>
+    <dgm:cxn modelId="{63343829-FB71-45B8-9646-A45320ACDCE7}" type="presOf" srcId="{1379818D-7A0F-409F-8490-0E90CD7D10CE}" destId="{0788865B-2D63-4131-9887-62B21888E6BC}" srcOrd="0" destOrd="2" presId="urn:microsoft.com/office/officeart/2005/8/layout/vList2"/>
+    <dgm:cxn modelId="{B63A1D2D-E45A-41CB-BE4C-CAF271A8AD79}" srcId="{C06DB95D-5C87-49BE-9D3E-FEBD420CA21F}" destId="{F5AB630F-3425-4EF5-BD14-3A052E2895A9}" srcOrd="1" destOrd="0" parTransId="{1914EE5B-9EEC-43E4-B8FC-691C6C678EA6}" sibTransId="{5A41A8A4-4B93-40DF-9800-7803A1D28B3D}"/>
+    <dgm:cxn modelId="{C681543A-8665-4832-8C5E-E1F975EB0070}" type="presOf" srcId="{352584C7-6210-4B01-B969-34CBF9C928BF}" destId="{2A8ECBFC-BB75-4165-8875-DF1E7640D52B}" srcOrd="0" destOrd="0" presId="urn:microsoft.com/office/officeart/2005/8/layout/vList2"/>
+    <dgm:cxn modelId="{D9F1183E-7ADF-40FA-AEE4-F20E3DDCE16A}" srcId="{F5AB630F-3425-4EF5-BD14-3A052E2895A9}" destId="{9C72C19A-6291-48B3-9E5A-53C6E8D198DC}" srcOrd="0" destOrd="0" parTransId="{C7A97F05-FCD2-49D2-A515-F5A60208960A}" sibTransId="{E70F7764-20F5-4C59-8CEB-813ECCF8707C}"/>
+    <dgm:cxn modelId="{466A505C-06E2-4F83-B478-D61BDDC07D2C}" srcId="{C06DB95D-5C87-49BE-9D3E-FEBD420CA21F}" destId="{E1553C06-7A3A-4268-858C-D2C8F0509A78}" srcOrd="0" destOrd="0" parTransId="{4F5397FC-6A88-48BC-8790-3C56D1824FD4}" sibTransId="{154B505C-3E29-47A8-B3F3-9DA273F78D26}"/>
+    <dgm:cxn modelId="{5450C658-EF28-4D87-BA65-5BA6CBE89FA6}" type="presOf" srcId="{E6A385E4-1F59-42E7-B7A9-10336B3BF8B9}" destId="{0C78240B-26A2-4980-8C1B-0678E0C5A17E}" srcOrd="0" destOrd="0" presId="urn:microsoft.com/office/officeart/2005/8/layout/vList2"/>
+    <dgm:cxn modelId="{38DAC796-1B65-4738-985A-502A40644DC4}" srcId="{F5AB630F-3425-4EF5-BD14-3A052E2895A9}" destId="{1379818D-7A0F-409F-8490-0E90CD7D10CE}" srcOrd="2" destOrd="0" parTransId="{ECAC6A20-73B5-439A-895A-87DE0C5B07CB}" sibTransId="{66907BA6-72A9-4F68-A08E-BC65D9982721}"/>
+    <dgm:cxn modelId="{BE1D629B-78F5-4297-B5A3-9FA1AA683BDE}" srcId="{E1553C06-7A3A-4268-858C-D2C8F0509A78}" destId="{65173FD7-FC8C-41C3-9756-E58C69224778}" srcOrd="1" destOrd="0" parTransId="{10ECAECD-EBCC-4D3B-989B-8D6399F58BA2}" sibTransId="{1793B1DF-44A8-47F1-A821-13E363E1995F}"/>
+    <dgm:cxn modelId="{1AC4FC9E-0779-4A21-93E7-043DE6F4948F}" type="presOf" srcId="{F5AB630F-3425-4EF5-BD14-3A052E2895A9}" destId="{D90E7906-B15B-47B1-9050-B6FDA1DF3FD1}" srcOrd="0" destOrd="0" presId="urn:microsoft.com/office/officeart/2005/8/layout/vList2"/>
+    <dgm:cxn modelId="{8594899F-D846-45D1-8105-E69A5FB8BC10}" srcId="{E1553C06-7A3A-4268-858C-D2C8F0509A78}" destId="{1336ACBF-4E29-40A4-8714-56F1A22857E9}" srcOrd="2" destOrd="0" parTransId="{E4FE6864-DB38-4F93-8761-38149D1A4706}" sibTransId="{80B0DB8B-E62F-4D25-9A5B-0C44020F156D}"/>
+    <dgm:cxn modelId="{D3E1FDB1-9F73-4DF6-9A34-68FECB54EB50}" srcId="{E1553C06-7A3A-4268-858C-D2C8F0509A78}" destId="{352584C7-6210-4B01-B969-34CBF9C928BF}" srcOrd="0" destOrd="0" parTransId="{BEEA46EF-777A-4B95-9779-8D8F5500F7FA}" sibTransId="{F06FC514-606D-4E66-B598-55C22A483AD6}"/>
+    <dgm:cxn modelId="{A886C7B6-F86B-4F90-8D6D-7F950B431965}" type="presOf" srcId="{36007BA0-5469-4575-9757-FF333559BEEA}" destId="{0C78240B-26A2-4980-8C1B-0678E0C5A17E}" srcOrd="0" destOrd="1" presId="urn:microsoft.com/office/officeart/2005/8/layout/vList2"/>
+    <dgm:cxn modelId="{932211C3-F6B0-46A6-BB42-0D4C68D07465}" srcId="{39CDE238-69AD-4A7C-B5E7-03C2DB48AF9F}" destId="{36007BA0-5469-4575-9757-FF333559BEEA}" srcOrd="1" destOrd="0" parTransId="{B2FFD4D3-07DB-4AFD-8E1D-D552367659F9}" sibTransId="{86CF4653-D32E-47EA-94EE-BCB660BF5A96}"/>
+    <dgm:cxn modelId="{9B019BCF-4241-42E9-BD53-F3DA2D9F29EB}" srcId="{F5AB630F-3425-4EF5-BD14-3A052E2895A9}" destId="{C9D9698C-E23A-4BC9-BB34-A5A01C6E968A}" srcOrd="1" destOrd="0" parTransId="{BD7DF338-1EBB-4BA7-85B4-99EB17A7E34D}" sibTransId="{806B6DCB-0D45-4538-83CA-448F87F7488C}"/>
+    <dgm:cxn modelId="{FEBC48D6-53ED-4BA3-94B2-B68EBFB609DF}" type="presOf" srcId="{E1553C06-7A3A-4268-858C-D2C8F0509A78}" destId="{81800FAB-DFFC-4F32-A1CE-717BB008BC08}" srcOrd="0" destOrd="0" presId="urn:microsoft.com/office/officeart/2005/8/layout/vList2"/>
+    <dgm:cxn modelId="{5E2360E2-49DF-4AC0-902B-581A407207FF}" type="presOf" srcId="{65173FD7-FC8C-41C3-9756-E58C69224778}" destId="{2A8ECBFC-BB75-4165-8875-DF1E7640D52B}" srcOrd="0" destOrd="1" presId="urn:microsoft.com/office/officeart/2005/8/layout/vList2"/>
+    <dgm:cxn modelId="{46BE76FB-BD1B-4EAC-B022-3B17A48CCD5C}" type="presOf" srcId="{C9D9698C-E23A-4BC9-BB34-A5A01C6E968A}" destId="{0788865B-2D63-4131-9887-62B21888E6BC}" srcOrd="0" destOrd="1" presId="urn:microsoft.com/office/officeart/2005/8/layout/vList2"/>
+    <dgm:cxn modelId="{579583FC-CD11-42B9-91C6-1AB8577412DA}" srcId="{39CDE238-69AD-4A7C-B5E7-03C2DB48AF9F}" destId="{E6A385E4-1F59-42E7-B7A9-10336B3BF8B9}" srcOrd="0" destOrd="0" parTransId="{D24A8A8F-FA0B-4194-A1E0-D3CBCD00CB19}" sibTransId="{BFB255CC-35D6-450E-92A6-3C2EE929D320}"/>
+    <dgm:cxn modelId="{714A89FE-39C3-4FC9-B7FE-B635F211E56C}" type="presOf" srcId="{39CDE238-69AD-4A7C-B5E7-03C2DB48AF9F}" destId="{34D2DE9B-17C7-41C9-BF66-8CD44830C248}" srcOrd="0" destOrd="0" presId="urn:microsoft.com/office/officeart/2005/8/layout/vList2"/>
+    <dgm:cxn modelId="{FF2C85B3-5CFA-40E2-90FB-533BE7687343}" type="presParOf" srcId="{6D18D977-1391-419A-BACA-576A08B59D2A}" destId="{81800FAB-DFFC-4F32-A1CE-717BB008BC08}" srcOrd="0" destOrd="0" presId="urn:microsoft.com/office/officeart/2005/8/layout/vList2"/>
+    <dgm:cxn modelId="{5CD7B57E-3B1E-43BD-9190-63D3AF1ECB56}" type="presParOf" srcId="{6D18D977-1391-419A-BACA-576A08B59D2A}" destId="{2A8ECBFC-BB75-4165-8875-DF1E7640D52B}" srcOrd="1" destOrd="0" presId="urn:microsoft.com/office/officeart/2005/8/layout/vList2"/>
+    <dgm:cxn modelId="{1790A6D5-4B84-4C28-8CC7-DC07E0899AF5}" type="presParOf" srcId="{6D18D977-1391-419A-BACA-576A08B59D2A}" destId="{D90E7906-B15B-47B1-9050-B6FDA1DF3FD1}" srcOrd="2" destOrd="0" presId="urn:microsoft.com/office/officeart/2005/8/layout/vList2"/>
+    <dgm:cxn modelId="{4DA74766-BC1F-4627-B4C0-B810C2B10495}" type="presParOf" srcId="{6D18D977-1391-419A-BACA-576A08B59D2A}" destId="{0788865B-2D63-4131-9887-62B21888E6BC}" srcOrd="3" destOrd="0" presId="urn:microsoft.com/office/officeart/2005/8/layout/vList2"/>
+    <dgm:cxn modelId="{B97310E5-47E2-4C49-9CB4-4AC4CDE61098}" type="presParOf" srcId="{6D18D977-1391-419A-BACA-576A08B59D2A}" destId="{34D2DE9B-17C7-41C9-BF66-8CD44830C248}" srcOrd="4" destOrd="0" presId="urn:microsoft.com/office/officeart/2005/8/layout/vList2"/>
+    <dgm:cxn modelId="{254CF929-E456-466C-9BAB-839E9A1DA91B}" type="presParOf" srcId="{6D18D977-1391-419A-BACA-576A08B59D2A}" destId="{0C78240B-26A2-4980-8C1B-0678E0C5A17E}" srcOrd="5" destOrd="0" presId="urn:microsoft.com/office/officeart/2005/8/layout/vList2"/>
+  </dgm:cxnLst>
+  <dgm:bg/>
+  <dgm:whole/>
+  <dgm:extLst>
+    <a:ext uri="http://schemas.microsoft.com/office/drawing/2008/diagram">
+      <dsp:dataModelExt xmlns:dsp="http://schemas.microsoft.com/office/drawing/2008/diagram" relId="rId6" minVer="http://schemas.openxmlformats.org/drawingml/2006/diagram"/>
     </a:ext>
   </dgm:extLst>
 </dgm:dataModel>
@@ -2557,6 +5086,960 @@
 </dsp:drawing>
 </file>
 
+<file path=ppt/diagrams/drawing2.xml><?xml version="1.0" encoding="utf-8"?>
+<dsp:drawing xmlns:dgm="http://schemas.openxmlformats.org/drawingml/2006/diagram" xmlns:dsp="http://schemas.microsoft.com/office/drawing/2008/diagram" xmlns:a="http://schemas.openxmlformats.org/drawingml/2006/main">
+  <dsp:spTree>
+    <dsp:nvGrpSpPr>
+      <dsp:cNvPr id="0" name=""/>
+      <dsp:cNvGrpSpPr/>
+    </dsp:nvGrpSpPr>
+    <dsp:grpSpPr/>
+    <dsp:sp modelId="{3F9D7986-B68D-4F70-AF37-1AF4574ACD80}">
+      <dsp:nvSpPr>
+        <dsp:cNvPr id="0" name=""/>
+        <dsp:cNvSpPr/>
+      </dsp:nvSpPr>
+      <dsp:spPr>
+        <a:xfrm rot="5400000">
+          <a:off x="3251828" y="-691680"/>
+          <a:ext cx="2151686" cy="4073103"/>
+        </a:xfrm>
+        <a:prstGeom prst="round2SameRect">
+          <a:avLst/>
+        </a:prstGeom>
+        <a:solidFill>
+          <a:schemeClr val="accent2">
+            <a:tint val="40000"/>
+            <a:alpha val="90000"/>
+            <a:hueOff val="0"/>
+            <a:satOff val="0"/>
+            <a:lumOff val="0"/>
+            <a:alphaOff val="0"/>
+          </a:schemeClr>
+        </a:solidFill>
+        <a:ln w="12700" cap="flat" cmpd="sng" algn="ctr">
+          <a:solidFill>
+            <a:schemeClr val="accent2">
+              <a:tint val="40000"/>
+              <a:alpha val="90000"/>
+              <a:hueOff val="0"/>
+              <a:satOff val="0"/>
+              <a:lumOff val="0"/>
+              <a:alphaOff val="0"/>
+            </a:schemeClr>
+          </a:solidFill>
+          <a:prstDash val="solid"/>
+          <a:miter lim="800000"/>
+        </a:ln>
+        <a:effectLst/>
+      </dsp:spPr>
+      <dsp:style>
+        <a:lnRef idx="2">
+          <a:scrgbClr r="0" g="0" b="0"/>
+        </a:lnRef>
+        <a:fillRef idx="1">
+          <a:scrgbClr r="0" g="0" b="0"/>
+        </a:fillRef>
+        <a:effectRef idx="0">
+          <a:scrgbClr r="0" g="0" b="0"/>
+        </a:effectRef>
+        <a:fontRef idx="minor"/>
+      </dsp:style>
+      <dsp:txBody>
+        <a:bodyPr spcFirstLastPara="0" vert="horz" wrap="square" lIns="91440" tIns="45720" rIns="91440" bIns="45720" numCol="1" spcCol="1270" anchor="ctr" anchorCtr="0">
+          <a:noAutofit/>
+        </a:bodyPr>
+        <a:lstStyle/>
+        <a:p>
+          <a:pPr marL="228600" lvl="1" indent="-228600" algn="l" defTabSz="1066800">
+            <a:lnSpc>
+              <a:spcPct val="90000"/>
+            </a:lnSpc>
+            <a:spcBef>
+              <a:spcPct val="0"/>
+            </a:spcBef>
+            <a:spcAft>
+              <a:spcPct val="15000"/>
+            </a:spcAft>
+            <a:buChar char="•"/>
+          </a:pPr>
+          <a:r>
+            <a:rPr lang="hu-HU" sz="2400" kern="1200"/>
+            <a:t>Regisztráció</a:t>
+          </a:r>
+          <a:endParaRPr lang="en-US" sz="2400" kern="1200"/>
+        </a:p>
+        <a:p>
+          <a:pPr marL="228600" lvl="1" indent="-228600" algn="l" defTabSz="1066800">
+            <a:lnSpc>
+              <a:spcPct val="90000"/>
+            </a:lnSpc>
+            <a:spcBef>
+              <a:spcPct val="0"/>
+            </a:spcBef>
+            <a:spcAft>
+              <a:spcPct val="15000"/>
+            </a:spcAft>
+            <a:buChar char="•"/>
+          </a:pPr>
+          <a:r>
+            <a:rPr lang="hu-HU" sz="2400" kern="1200"/>
+            <a:t>Bejelentkezés</a:t>
+          </a:r>
+          <a:endParaRPr lang="en-US" sz="2400" kern="1200"/>
+        </a:p>
+        <a:p>
+          <a:pPr marL="228600" lvl="1" indent="-228600" algn="l" defTabSz="1066800">
+            <a:lnSpc>
+              <a:spcPct val="90000"/>
+            </a:lnSpc>
+            <a:spcBef>
+              <a:spcPct val="0"/>
+            </a:spcBef>
+            <a:spcAft>
+              <a:spcPct val="15000"/>
+            </a:spcAft>
+            <a:buChar char="•"/>
+          </a:pPr>
+          <a:r>
+            <a:rPr lang="hu-HU" sz="2400" kern="1200"/>
+            <a:t>Keresni a termékeink között</a:t>
+          </a:r>
+          <a:endParaRPr lang="en-US" sz="2400" kern="1200"/>
+        </a:p>
+        <a:p>
+          <a:pPr marL="228600" lvl="1" indent="-228600" algn="l" defTabSz="1066800">
+            <a:lnSpc>
+              <a:spcPct val="90000"/>
+            </a:lnSpc>
+            <a:spcBef>
+              <a:spcPct val="0"/>
+            </a:spcBef>
+            <a:spcAft>
+              <a:spcPct val="15000"/>
+            </a:spcAft>
+            <a:buChar char="•"/>
+          </a:pPr>
+          <a:r>
+            <a:rPr lang="hu-HU" sz="2400" kern="1200"/>
+            <a:t>Vásárolni</a:t>
+          </a:r>
+          <a:endParaRPr lang="en-US" sz="2400" kern="1200"/>
+        </a:p>
+      </dsp:txBody>
+      <dsp:txXfrm rot="-5400000">
+        <a:off x="2291120" y="374065"/>
+        <a:ext cx="3968066" cy="1941612"/>
+      </dsp:txXfrm>
+    </dsp:sp>
+    <dsp:sp modelId="{8662B388-0E90-4D06-9027-4E494ADAD32B}">
+      <dsp:nvSpPr>
+        <dsp:cNvPr id="0" name=""/>
+        <dsp:cNvSpPr/>
+      </dsp:nvSpPr>
+      <dsp:spPr>
+        <a:xfrm>
+          <a:off x="0" y="67"/>
+          <a:ext cx="2291120" cy="2689608"/>
+        </a:xfrm>
+        <a:prstGeom prst="roundRect">
+          <a:avLst/>
+        </a:prstGeom>
+        <a:solidFill>
+          <a:schemeClr val="accent2">
+            <a:hueOff val="0"/>
+            <a:satOff val="0"/>
+            <a:lumOff val="0"/>
+            <a:alphaOff val="0"/>
+          </a:schemeClr>
+        </a:solidFill>
+        <a:ln w="12700" cap="flat" cmpd="sng" algn="ctr">
+          <a:solidFill>
+            <a:schemeClr val="lt1">
+              <a:hueOff val="0"/>
+              <a:satOff val="0"/>
+              <a:lumOff val="0"/>
+              <a:alphaOff val="0"/>
+            </a:schemeClr>
+          </a:solidFill>
+          <a:prstDash val="solid"/>
+          <a:miter lim="800000"/>
+        </a:ln>
+        <a:effectLst/>
+      </dsp:spPr>
+      <dsp:style>
+        <a:lnRef idx="2">
+          <a:scrgbClr r="0" g="0" b="0"/>
+        </a:lnRef>
+        <a:fillRef idx="1">
+          <a:scrgbClr r="0" g="0" b="0"/>
+        </a:fillRef>
+        <a:effectRef idx="0">
+          <a:scrgbClr r="0" g="0" b="0"/>
+        </a:effectRef>
+        <a:fontRef idx="minor">
+          <a:schemeClr val="lt1"/>
+        </a:fontRef>
+      </dsp:style>
+      <dsp:txBody>
+        <a:bodyPr spcFirstLastPara="0" vert="horz" wrap="square" lIns="106680" tIns="53340" rIns="106680" bIns="53340" numCol="1" spcCol="1270" anchor="ctr" anchorCtr="0">
+          <a:noAutofit/>
+        </a:bodyPr>
+        <a:lstStyle/>
+        <a:p>
+          <a:pPr marL="0" lvl="0" indent="0" algn="ctr" defTabSz="1244600">
+            <a:lnSpc>
+              <a:spcPct val="90000"/>
+            </a:lnSpc>
+            <a:spcBef>
+              <a:spcPct val="0"/>
+            </a:spcBef>
+            <a:spcAft>
+              <a:spcPct val="35000"/>
+            </a:spcAft>
+            <a:buNone/>
+          </a:pPr>
+          <a:r>
+            <a:rPr lang="hu-HU" sz="2800" kern="1200"/>
+            <a:t>Felhasználók számára:</a:t>
+          </a:r>
+          <a:endParaRPr lang="en-US" sz="2800" kern="1200"/>
+        </a:p>
+      </dsp:txBody>
+      <dsp:txXfrm>
+        <a:off x="111843" y="111910"/>
+        <a:ext cx="2067434" cy="2465922"/>
+      </dsp:txXfrm>
+    </dsp:sp>
+    <dsp:sp modelId="{BE2A2BBA-DDB9-4560-8785-B506E274D38C}">
+      <dsp:nvSpPr>
+        <dsp:cNvPr id="0" name=""/>
+        <dsp:cNvSpPr/>
+      </dsp:nvSpPr>
+      <dsp:spPr>
+        <a:xfrm rot="5400000">
+          <a:off x="3251828" y="2132408"/>
+          <a:ext cx="2151686" cy="4073103"/>
+        </a:xfrm>
+        <a:prstGeom prst="round2SameRect">
+          <a:avLst/>
+        </a:prstGeom>
+        <a:solidFill>
+          <a:schemeClr val="accent2">
+            <a:tint val="40000"/>
+            <a:alpha val="90000"/>
+            <a:hueOff val="-849226"/>
+            <a:satOff val="-75346"/>
+            <a:lumOff val="-769"/>
+            <a:alphaOff val="0"/>
+          </a:schemeClr>
+        </a:solidFill>
+        <a:ln w="12700" cap="flat" cmpd="sng" algn="ctr">
+          <a:solidFill>
+            <a:schemeClr val="accent2">
+              <a:tint val="40000"/>
+              <a:alpha val="90000"/>
+              <a:hueOff val="-849226"/>
+              <a:satOff val="-75346"/>
+              <a:lumOff val="-769"/>
+              <a:alphaOff val="0"/>
+            </a:schemeClr>
+          </a:solidFill>
+          <a:prstDash val="solid"/>
+          <a:miter lim="800000"/>
+        </a:ln>
+        <a:effectLst/>
+      </dsp:spPr>
+      <dsp:style>
+        <a:lnRef idx="2">
+          <a:scrgbClr r="0" g="0" b="0"/>
+        </a:lnRef>
+        <a:fillRef idx="1">
+          <a:scrgbClr r="0" g="0" b="0"/>
+        </a:fillRef>
+        <a:effectRef idx="0">
+          <a:scrgbClr r="0" g="0" b="0"/>
+        </a:effectRef>
+        <a:fontRef idx="minor"/>
+      </dsp:style>
+      <dsp:txBody>
+        <a:bodyPr spcFirstLastPara="0" vert="horz" wrap="square" lIns="91440" tIns="45720" rIns="91440" bIns="45720" numCol="1" spcCol="1270" anchor="ctr" anchorCtr="0">
+          <a:noAutofit/>
+        </a:bodyPr>
+        <a:lstStyle/>
+        <a:p>
+          <a:pPr marL="228600" lvl="1" indent="-228600" algn="l" defTabSz="1066800">
+            <a:lnSpc>
+              <a:spcPct val="90000"/>
+            </a:lnSpc>
+            <a:spcBef>
+              <a:spcPct val="0"/>
+            </a:spcBef>
+            <a:spcAft>
+              <a:spcPct val="15000"/>
+            </a:spcAft>
+            <a:buChar char="•"/>
+          </a:pPr>
+          <a:r>
+            <a:rPr lang="hu-HU" sz="2400" kern="1200"/>
+            <a:t>Létrehozni, módosítani a termékeket</a:t>
+          </a:r>
+          <a:endParaRPr lang="en-US" sz="2400" kern="1200"/>
+        </a:p>
+        <a:p>
+          <a:pPr marL="228600" lvl="1" indent="-228600" algn="l" defTabSz="1066800">
+            <a:lnSpc>
+              <a:spcPct val="90000"/>
+            </a:lnSpc>
+            <a:spcBef>
+              <a:spcPct val="0"/>
+            </a:spcBef>
+            <a:spcAft>
+              <a:spcPct val="15000"/>
+            </a:spcAft>
+            <a:buChar char="•"/>
+          </a:pPr>
+          <a:r>
+            <a:rPr lang="hu-HU" sz="2400" kern="1200"/>
+            <a:t>Létrehozni, módosítani az aukciókat</a:t>
+          </a:r>
+          <a:endParaRPr lang="en-US" sz="2400" kern="1200"/>
+        </a:p>
+        <a:p>
+          <a:pPr marL="228600" lvl="1" indent="-228600" algn="l" defTabSz="1066800">
+            <a:lnSpc>
+              <a:spcPct val="90000"/>
+            </a:lnSpc>
+            <a:spcBef>
+              <a:spcPct val="0"/>
+            </a:spcBef>
+            <a:spcAft>
+              <a:spcPct val="15000"/>
+            </a:spcAft>
+            <a:buChar char="•"/>
+          </a:pPr>
+          <a:r>
+            <a:rPr lang="hu-HU" sz="2400" kern="1200"/>
+            <a:t>Rendelések megtekintése</a:t>
+          </a:r>
+          <a:endParaRPr lang="en-US" sz="2400" kern="1200"/>
+        </a:p>
+      </dsp:txBody>
+      <dsp:txXfrm rot="-5400000">
+        <a:off x="2291120" y="3198154"/>
+        <a:ext cx="3968066" cy="1941612"/>
+      </dsp:txXfrm>
+    </dsp:sp>
+    <dsp:sp modelId="{C5669453-5492-4553-9DA9-AC29B0A564B3}">
+      <dsp:nvSpPr>
+        <dsp:cNvPr id="0" name=""/>
+        <dsp:cNvSpPr/>
+      </dsp:nvSpPr>
+      <dsp:spPr>
+        <a:xfrm>
+          <a:off x="0" y="2824156"/>
+          <a:ext cx="2291120" cy="2689608"/>
+        </a:xfrm>
+        <a:prstGeom prst="roundRect">
+          <a:avLst/>
+        </a:prstGeom>
+        <a:solidFill>
+          <a:schemeClr val="accent2">
+            <a:hueOff val="-1455363"/>
+            <a:satOff val="-83928"/>
+            <a:lumOff val="8628"/>
+            <a:alphaOff val="0"/>
+          </a:schemeClr>
+        </a:solidFill>
+        <a:ln w="12700" cap="flat" cmpd="sng" algn="ctr">
+          <a:solidFill>
+            <a:schemeClr val="lt1">
+              <a:hueOff val="0"/>
+              <a:satOff val="0"/>
+              <a:lumOff val="0"/>
+              <a:alphaOff val="0"/>
+            </a:schemeClr>
+          </a:solidFill>
+          <a:prstDash val="solid"/>
+          <a:miter lim="800000"/>
+        </a:ln>
+        <a:effectLst/>
+      </dsp:spPr>
+      <dsp:style>
+        <a:lnRef idx="2">
+          <a:scrgbClr r="0" g="0" b="0"/>
+        </a:lnRef>
+        <a:fillRef idx="1">
+          <a:scrgbClr r="0" g="0" b="0"/>
+        </a:fillRef>
+        <a:effectRef idx="0">
+          <a:scrgbClr r="0" g="0" b="0"/>
+        </a:effectRef>
+        <a:fontRef idx="minor">
+          <a:schemeClr val="lt1"/>
+        </a:fontRef>
+      </dsp:style>
+      <dsp:txBody>
+        <a:bodyPr spcFirstLastPara="0" vert="horz" wrap="square" lIns="106680" tIns="53340" rIns="106680" bIns="53340" numCol="1" spcCol="1270" anchor="ctr" anchorCtr="0">
+          <a:noAutofit/>
+        </a:bodyPr>
+        <a:lstStyle/>
+        <a:p>
+          <a:pPr marL="0" lvl="0" indent="0" algn="ctr" defTabSz="1244600">
+            <a:lnSpc>
+              <a:spcPct val="90000"/>
+            </a:lnSpc>
+            <a:spcBef>
+              <a:spcPct val="0"/>
+            </a:spcBef>
+            <a:spcAft>
+              <a:spcPct val="35000"/>
+            </a:spcAft>
+            <a:buNone/>
+          </a:pPr>
+          <a:r>
+            <a:rPr lang="hu-HU" sz="2800" kern="1200"/>
+            <a:t>Adminok számára:</a:t>
+          </a:r>
+          <a:endParaRPr lang="en-US" sz="2800" kern="1200"/>
+        </a:p>
+      </dsp:txBody>
+      <dsp:txXfrm>
+        <a:off x="111843" y="2935999"/>
+        <a:ext cx="2067434" cy="2465922"/>
+      </dsp:txXfrm>
+    </dsp:sp>
+  </dsp:spTree>
+</dsp:drawing>
+</file>
+
+<file path=ppt/diagrams/drawing3.xml><?xml version="1.0" encoding="utf-8"?>
+<dsp:drawing xmlns:dgm="http://schemas.openxmlformats.org/drawingml/2006/diagram" xmlns:dsp="http://schemas.microsoft.com/office/drawing/2008/diagram" xmlns:a="http://schemas.openxmlformats.org/drawingml/2006/main">
+  <dsp:spTree>
+    <dsp:nvGrpSpPr>
+      <dsp:cNvPr id="0" name=""/>
+      <dsp:cNvGrpSpPr/>
+    </dsp:nvGrpSpPr>
+    <dsp:grpSpPr/>
+    <dsp:sp modelId="{81800FAB-DFFC-4F32-A1CE-717BB008BC08}">
+      <dsp:nvSpPr>
+        <dsp:cNvPr id="0" name=""/>
+        <dsp:cNvSpPr/>
+      </dsp:nvSpPr>
+      <dsp:spPr>
+        <a:xfrm>
+          <a:off x="0" y="70753"/>
+          <a:ext cx="6364224" cy="719549"/>
+        </a:xfrm>
+        <a:prstGeom prst="roundRect">
+          <a:avLst/>
+        </a:prstGeom>
+        <a:solidFill>
+          <a:schemeClr val="accent5">
+            <a:hueOff val="0"/>
+            <a:satOff val="0"/>
+            <a:lumOff val="0"/>
+            <a:alphaOff val="0"/>
+          </a:schemeClr>
+        </a:solidFill>
+        <a:ln w="12700" cap="flat" cmpd="sng" algn="ctr">
+          <a:solidFill>
+            <a:schemeClr val="lt1">
+              <a:hueOff val="0"/>
+              <a:satOff val="0"/>
+              <a:lumOff val="0"/>
+              <a:alphaOff val="0"/>
+            </a:schemeClr>
+          </a:solidFill>
+          <a:prstDash val="solid"/>
+          <a:miter lim="800000"/>
+        </a:ln>
+        <a:effectLst/>
+      </dsp:spPr>
+      <dsp:style>
+        <a:lnRef idx="2">
+          <a:scrgbClr r="0" g="0" b="0"/>
+        </a:lnRef>
+        <a:fillRef idx="1">
+          <a:scrgbClr r="0" g="0" b="0"/>
+        </a:fillRef>
+        <a:effectRef idx="0">
+          <a:scrgbClr r="0" g="0" b="0"/>
+        </a:effectRef>
+        <a:fontRef idx="minor">
+          <a:schemeClr val="lt1"/>
+        </a:fontRef>
+      </dsp:style>
+      <dsp:txBody>
+        <a:bodyPr spcFirstLastPara="0" vert="horz" wrap="square" lIns="114300" tIns="114300" rIns="114300" bIns="114300" numCol="1" spcCol="1270" anchor="ctr" anchorCtr="0">
+          <a:noAutofit/>
+        </a:bodyPr>
+        <a:lstStyle/>
+        <a:p>
+          <a:pPr marL="0" lvl="0" indent="0" algn="l" defTabSz="1333500">
+            <a:lnSpc>
+              <a:spcPct val="90000"/>
+            </a:lnSpc>
+            <a:spcBef>
+              <a:spcPct val="0"/>
+            </a:spcBef>
+            <a:spcAft>
+              <a:spcPct val="35000"/>
+            </a:spcAft>
+            <a:buNone/>
+          </a:pPr>
+          <a:r>
+            <a:rPr lang="hu-HU" sz="3000" b="1" kern="1200"/>
+            <a:t>Backend – Next.js</a:t>
+          </a:r>
+          <a:endParaRPr lang="en-US" sz="3000" kern="1200"/>
+        </a:p>
+      </dsp:txBody>
+      <dsp:txXfrm>
+        <a:off x="35125" y="105878"/>
+        <a:ext cx="6293974" cy="649299"/>
+      </dsp:txXfrm>
+    </dsp:sp>
+    <dsp:sp modelId="{2A8ECBFC-BB75-4165-8875-DF1E7640D52B}">
+      <dsp:nvSpPr>
+        <dsp:cNvPr id="0" name=""/>
+        <dsp:cNvSpPr/>
+      </dsp:nvSpPr>
+      <dsp:spPr>
+        <a:xfrm>
+          <a:off x="0" y="790303"/>
+          <a:ext cx="6364224" cy="1210950"/>
+        </a:xfrm>
+        <a:prstGeom prst="rect">
+          <a:avLst/>
+        </a:prstGeom>
+        <a:noFill/>
+        <a:ln>
+          <a:noFill/>
+        </a:ln>
+        <a:effectLst/>
+      </dsp:spPr>
+      <dsp:style>
+        <a:lnRef idx="0">
+          <a:scrgbClr r="0" g="0" b="0"/>
+        </a:lnRef>
+        <a:fillRef idx="0">
+          <a:scrgbClr r="0" g="0" b="0"/>
+        </a:fillRef>
+        <a:effectRef idx="0">
+          <a:scrgbClr r="0" g="0" b="0"/>
+        </a:effectRef>
+        <a:fontRef idx="minor"/>
+      </dsp:style>
+      <dsp:txBody>
+        <a:bodyPr spcFirstLastPara="0" vert="horz" wrap="square" lIns="202064" tIns="38100" rIns="213360" bIns="38100" numCol="1" spcCol="1270" anchor="t" anchorCtr="0">
+          <a:noAutofit/>
+        </a:bodyPr>
+        <a:lstStyle/>
+        <a:p>
+          <a:pPr marL="228600" lvl="1" indent="-228600" algn="l" defTabSz="1022350">
+            <a:lnSpc>
+              <a:spcPct val="90000"/>
+            </a:lnSpc>
+            <a:spcBef>
+              <a:spcPct val="0"/>
+            </a:spcBef>
+            <a:spcAft>
+              <a:spcPct val="20000"/>
+            </a:spcAft>
+            <a:buChar char="•"/>
+          </a:pPr>
+          <a:r>
+            <a:rPr lang="hu-HU" sz="2300" kern="1200"/>
+            <a:t>Axios 1.6.7</a:t>
+          </a:r>
+          <a:endParaRPr lang="en-US" sz="2300" kern="1200"/>
+        </a:p>
+        <a:p>
+          <a:pPr marL="228600" lvl="1" indent="-228600" algn="l" defTabSz="1022350">
+            <a:lnSpc>
+              <a:spcPct val="90000"/>
+            </a:lnSpc>
+            <a:spcBef>
+              <a:spcPct val="0"/>
+            </a:spcBef>
+            <a:spcAft>
+              <a:spcPct val="20000"/>
+            </a:spcAft>
+            <a:buChar char="•"/>
+          </a:pPr>
+          <a:r>
+            <a:rPr lang="hu-HU" sz="2300" kern="1200"/>
+            <a:t>Next-auth 4.24.5</a:t>
+          </a:r>
+          <a:endParaRPr lang="en-US" sz="2300" kern="1200"/>
+        </a:p>
+        <a:p>
+          <a:pPr marL="228600" lvl="1" indent="-228600" algn="l" defTabSz="1022350">
+            <a:lnSpc>
+              <a:spcPct val="90000"/>
+            </a:lnSpc>
+            <a:spcBef>
+              <a:spcPct val="0"/>
+            </a:spcBef>
+            <a:spcAft>
+              <a:spcPct val="20000"/>
+            </a:spcAft>
+            <a:buChar char="•"/>
+          </a:pPr>
+          <a:r>
+            <a:rPr lang="hu-HU" sz="2300" kern="1200"/>
+            <a:t>Mongoose 8.1.1</a:t>
+          </a:r>
+          <a:endParaRPr lang="en-US" sz="2300" kern="1200"/>
+        </a:p>
+      </dsp:txBody>
+      <dsp:txXfrm>
+        <a:off x="0" y="790303"/>
+        <a:ext cx="6364224" cy="1210950"/>
+      </dsp:txXfrm>
+    </dsp:sp>
+    <dsp:sp modelId="{D90E7906-B15B-47B1-9050-B6FDA1DF3FD1}">
+      <dsp:nvSpPr>
+        <dsp:cNvPr id="0" name=""/>
+        <dsp:cNvSpPr/>
+      </dsp:nvSpPr>
+      <dsp:spPr>
+        <a:xfrm>
+          <a:off x="0" y="2001253"/>
+          <a:ext cx="6364224" cy="719549"/>
+        </a:xfrm>
+        <a:prstGeom prst="roundRect">
+          <a:avLst/>
+        </a:prstGeom>
+        <a:solidFill>
+          <a:schemeClr val="accent5">
+            <a:hueOff val="-3379271"/>
+            <a:satOff val="-8710"/>
+            <a:lumOff val="-5883"/>
+            <a:alphaOff val="0"/>
+          </a:schemeClr>
+        </a:solidFill>
+        <a:ln w="12700" cap="flat" cmpd="sng" algn="ctr">
+          <a:solidFill>
+            <a:schemeClr val="lt1">
+              <a:hueOff val="0"/>
+              <a:satOff val="0"/>
+              <a:lumOff val="0"/>
+              <a:alphaOff val="0"/>
+            </a:schemeClr>
+          </a:solidFill>
+          <a:prstDash val="solid"/>
+          <a:miter lim="800000"/>
+        </a:ln>
+        <a:effectLst/>
+      </dsp:spPr>
+      <dsp:style>
+        <a:lnRef idx="2">
+          <a:scrgbClr r="0" g="0" b="0"/>
+        </a:lnRef>
+        <a:fillRef idx="1">
+          <a:scrgbClr r="0" g="0" b="0"/>
+        </a:fillRef>
+        <a:effectRef idx="0">
+          <a:scrgbClr r="0" g="0" b="0"/>
+        </a:effectRef>
+        <a:fontRef idx="minor">
+          <a:schemeClr val="lt1"/>
+        </a:fontRef>
+      </dsp:style>
+      <dsp:txBody>
+        <a:bodyPr spcFirstLastPara="0" vert="horz" wrap="square" lIns="114300" tIns="114300" rIns="114300" bIns="114300" numCol="1" spcCol="1270" anchor="ctr" anchorCtr="0">
+          <a:noAutofit/>
+        </a:bodyPr>
+        <a:lstStyle/>
+        <a:p>
+          <a:pPr marL="0" lvl="0" indent="0" algn="l" defTabSz="1333500">
+            <a:lnSpc>
+              <a:spcPct val="90000"/>
+            </a:lnSpc>
+            <a:spcBef>
+              <a:spcPct val="0"/>
+            </a:spcBef>
+            <a:spcAft>
+              <a:spcPct val="35000"/>
+            </a:spcAft>
+            <a:buNone/>
+          </a:pPr>
+          <a:r>
+            <a:rPr lang="hu-HU" sz="3000" b="1" kern="1200"/>
+            <a:t>Frontend - Next.js</a:t>
+          </a:r>
+          <a:endParaRPr lang="en-US" sz="3000" kern="1200"/>
+        </a:p>
+      </dsp:txBody>
+      <dsp:txXfrm>
+        <a:off x="35125" y="2036378"/>
+        <a:ext cx="6293974" cy="649299"/>
+      </dsp:txXfrm>
+    </dsp:sp>
+    <dsp:sp modelId="{0788865B-2D63-4131-9887-62B21888E6BC}">
+      <dsp:nvSpPr>
+        <dsp:cNvPr id="0" name=""/>
+        <dsp:cNvSpPr/>
+      </dsp:nvSpPr>
+      <dsp:spPr>
+        <a:xfrm>
+          <a:off x="0" y="2720803"/>
+          <a:ext cx="6364224" cy="1210950"/>
+        </a:xfrm>
+        <a:prstGeom prst="rect">
+          <a:avLst/>
+        </a:prstGeom>
+        <a:noFill/>
+        <a:ln>
+          <a:noFill/>
+        </a:ln>
+        <a:effectLst/>
+      </dsp:spPr>
+      <dsp:style>
+        <a:lnRef idx="0">
+          <a:scrgbClr r="0" g="0" b="0"/>
+        </a:lnRef>
+        <a:fillRef idx="0">
+          <a:scrgbClr r="0" g="0" b="0"/>
+        </a:fillRef>
+        <a:effectRef idx="0">
+          <a:scrgbClr r="0" g="0" b="0"/>
+        </a:effectRef>
+        <a:fontRef idx="minor"/>
+      </dsp:style>
+      <dsp:txBody>
+        <a:bodyPr spcFirstLastPara="0" vert="horz" wrap="square" lIns="202064" tIns="38100" rIns="213360" bIns="38100" numCol="1" spcCol="1270" anchor="t" anchorCtr="0">
+          <a:noAutofit/>
+        </a:bodyPr>
+        <a:lstStyle/>
+        <a:p>
+          <a:pPr marL="228600" lvl="1" indent="-228600" algn="l" defTabSz="1022350">
+            <a:lnSpc>
+              <a:spcPct val="90000"/>
+            </a:lnSpc>
+            <a:spcBef>
+              <a:spcPct val="0"/>
+            </a:spcBef>
+            <a:spcAft>
+              <a:spcPct val="20000"/>
+            </a:spcAft>
+            <a:buChar char="•"/>
+          </a:pPr>
+          <a:r>
+            <a:rPr lang="hu-HU" sz="2300" kern="1200"/>
+            <a:t>Tailwindcss 3.3.0</a:t>
+          </a:r>
+          <a:endParaRPr lang="en-US" sz="2300" kern="1200"/>
+        </a:p>
+        <a:p>
+          <a:pPr marL="228600" lvl="1" indent="-228600" algn="l" defTabSz="1022350">
+            <a:lnSpc>
+              <a:spcPct val="90000"/>
+            </a:lnSpc>
+            <a:spcBef>
+              <a:spcPct val="0"/>
+            </a:spcBef>
+            <a:spcAft>
+              <a:spcPct val="20000"/>
+            </a:spcAft>
+            <a:buChar char="•"/>
+          </a:pPr>
+          <a:r>
+            <a:rPr lang="hu-HU" sz="2300" kern="1200"/>
+            <a:t>React-icons 5.0.1</a:t>
+          </a:r>
+          <a:endParaRPr lang="en-US" sz="2300" kern="1200"/>
+        </a:p>
+        <a:p>
+          <a:pPr marL="228600" lvl="1" indent="-228600" algn="l" defTabSz="1022350">
+            <a:lnSpc>
+              <a:spcPct val="90000"/>
+            </a:lnSpc>
+            <a:spcBef>
+              <a:spcPct val="0"/>
+            </a:spcBef>
+            <a:spcAft>
+              <a:spcPct val="20000"/>
+            </a:spcAft>
+            <a:buChar char="•"/>
+          </a:pPr>
+          <a:r>
+            <a:rPr lang="hu-HU" sz="2300" kern="1200"/>
+            <a:t>Shadcn/ui 0.8.0</a:t>
+          </a:r>
+          <a:endParaRPr lang="en-US" sz="2300" kern="1200"/>
+        </a:p>
+      </dsp:txBody>
+      <dsp:txXfrm>
+        <a:off x="0" y="2720803"/>
+        <a:ext cx="6364224" cy="1210950"/>
+      </dsp:txXfrm>
+    </dsp:sp>
+    <dsp:sp modelId="{34D2DE9B-17C7-41C9-BF66-8CD44830C248}">
+      <dsp:nvSpPr>
+        <dsp:cNvPr id="0" name=""/>
+        <dsp:cNvSpPr/>
+      </dsp:nvSpPr>
+      <dsp:spPr>
+        <a:xfrm>
+          <a:off x="0" y="3931753"/>
+          <a:ext cx="6364224" cy="719549"/>
+        </a:xfrm>
+        <a:prstGeom prst="roundRect">
+          <a:avLst/>
+        </a:prstGeom>
+        <a:solidFill>
+          <a:schemeClr val="accent5">
+            <a:hueOff val="-6758543"/>
+            <a:satOff val="-17419"/>
+            <a:lumOff val="-11765"/>
+            <a:alphaOff val="0"/>
+          </a:schemeClr>
+        </a:solidFill>
+        <a:ln w="12700" cap="flat" cmpd="sng" algn="ctr">
+          <a:solidFill>
+            <a:schemeClr val="lt1">
+              <a:hueOff val="0"/>
+              <a:satOff val="0"/>
+              <a:lumOff val="0"/>
+              <a:alphaOff val="0"/>
+            </a:schemeClr>
+          </a:solidFill>
+          <a:prstDash val="solid"/>
+          <a:miter lim="800000"/>
+        </a:ln>
+        <a:effectLst/>
+      </dsp:spPr>
+      <dsp:style>
+        <a:lnRef idx="2">
+          <a:scrgbClr r="0" g="0" b="0"/>
+        </a:lnRef>
+        <a:fillRef idx="1">
+          <a:scrgbClr r="0" g="0" b="0"/>
+        </a:fillRef>
+        <a:effectRef idx="0">
+          <a:scrgbClr r="0" g="0" b="0"/>
+        </a:effectRef>
+        <a:fontRef idx="minor">
+          <a:schemeClr val="lt1"/>
+        </a:fontRef>
+      </dsp:style>
+      <dsp:txBody>
+        <a:bodyPr spcFirstLastPara="0" vert="horz" wrap="square" lIns="114300" tIns="114300" rIns="114300" bIns="114300" numCol="1" spcCol="1270" anchor="ctr" anchorCtr="0">
+          <a:noAutofit/>
+        </a:bodyPr>
+        <a:lstStyle/>
+        <a:p>
+          <a:pPr marL="0" lvl="0" indent="0" algn="l" defTabSz="1333500">
+            <a:lnSpc>
+              <a:spcPct val="90000"/>
+            </a:lnSpc>
+            <a:spcBef>
+              <a:spcPct val="0"/>
+            </a:spcBef>
+            <a:spcAft>
+              <a:spcPct val="35000"/>
+            </a:spcAft>
+            <a:buNone/>
+          </a:pPr>
+          <a:r>
+            <a:rPr lang="hu-HU" sz="3000" b="1" kern="1200"/>
+            <a:t>Adatbázis - MongoDB</a:t>
+          </a:r>
+          <a:endParaRPr lang="en-US" sz="3000" kern="1200"/>
+        </a:p>
+      </dsp:txBody>
+      <dsp:txXfrm>
+        <a:off x="35125" y="3966878"/>
+        <a:ext cx="6293974" cy="649299"/>
+      </dsp:txXfrm>
+    </dsp:sp>
+    <dsp:sp modelId="{0C78240B-26A2-4980-8C1B-0678E0C5A17E}">
+      <dsp:nvSpPr>
+        <dsp:cNvPr id="0" name=""/>
+        <dsp:cNvSpPr/>
+      </dsp:nvSpPr>
+      <dsp:spPr>
+        <a:xfrm>
+          <a:off x="0" y="4651303"/>
+          <a:ext cx="6364224" cy="791774"/>
+        </a:xfrm>
+        <a:prstGeom prst="rect">
+          <a:avLst/>
+        </a:prstGeom>
+        <a:noFill/>
+        <a:ln>
+          <a:noFill/>
+        </a:ln>
+        <a:effectLst/>
+      </dsp:spPr>
+      <dsp:style>
+        <a:lnRef idx="0">
+          <a:scrgbClr r="0" g="0" b="0"/>
+        </a:lnRef>
+        <a:fillRef idx="0">
+          <a:scrgbClr r="0" g="0" b="0"/>
+        </a:fillRef>
+        <a:effectRef idx="0">
+          <a:scrgbClr r="0" g="0" b="0"/>
+        </a:effectRef>
+        <a:fontRef idx="minor"/>
+      </dsp:style>
+      <dsp:txBody>
+        <a:bodyPr spcFirstLastPara="0" vert="horz" wrap="square" lIns="202064" tIns="38100" rIns="213360" bIns="38100" numCol="1" spcCol="1270" anchor="t" anchorCtr="0">
+          <a:noAutofit/>
+        </a:bodyPr>
+        <a:lstStyle/>
+        <a:p>
+          <a:pPr marL="228600" lvl="1" indent="-228600" algn="l" defTabSz="1022350">
+            <a:lnSpc>
+              <a:spcPct val="90000"/>
+            </a:lnSpc>
+            <a:spcBef>
+              <a:spcPct val="0"/>
+            </a:spcBef>
+            <a:spcAft>
+              <a:spcPct val="20000"/>
+            </a:spcAft>
+            <a:buChar char="•"/>
+          </a:pPr>
+          <a:r>
+            <a:rPr lang="hu-HU" sz="2300" kern="1200"/>
+            <a:t>Mongoose 8.1.1</a:t>
+          </a:r>
+          <a:endParaRPr lang="en-US" sz="2300" kern="1200"/>
+        </a:p>
+        <a:p>
+          <a:pPr marL="228600" lvl="1" indent="-228600" algn="l" defTabSz="1022350">
+            <a:lnSpc>
+              <a:spcPct val="90000"/>
+            </a:lnSpc>
+            <a:spcBef>
+              <a:spcPct val="0"/>
+            </a:spcBef>
+            <a:spcAft>
+              <a:spcPct val="20000"/>
+            </a:spcAft>
+            <a:buChar char="•"/>
+          </a:pPr>
+          <a:r>
+            <a:rPr lang="hu-HU" sz="2300" kern="1200"/>
+            <a:t>MongoDB 6.3.0</a:t>
+          </a:r>
+          <a:endParaRPr lang="en-US" sz="2300" kern="1200"/>
+        </a:p>
+      </dsp:txBody>
+      <dsp:txXfrm>
+        <a:off x="0" y="4651303"/>
+        <a:ext cx="6364224" cy="791774"/>
+      </dsp:txXfrm>
+    </dsp:sp>
+  </dsp:spTree>
+</dsp:drawing>
+</file>
+
 <file path=ppt/diagrams/layout1.xml><?xml version="1.0" encoding="utf-8"?>
 <dgm:layoutDef xmlns:dgm="http://schemas.openxmlformats.org/drawingml/2006/diagram" xmlns:a="http://schemas.openxmlformats.org/drawingml/2006/main" uniqueId="urn:microsoft.com/office/officeart/2016/7/layout/RepeatingBendingProcessNew">
   <dgm:title val="Repeating Bending Process New"/>
@@ -2749,6 +6232,406 @@
 </dgm:layoutDef>
 </file>
 
+<file path=ppt/diagrams/layout2.xml><?xml version="1.0" encoding="utf-8"?>
+<dgm:layoutDef xmlns:dgm="http://schemas.openxmlformats.org/drawingml/2006/diagram" xmlns:a="http://schemas.openxmlformats.org/drawingml/2006/main" uniqueId="urn:microsoft.com/office/officeart/2005/8/layout/vList5">
+  <dgm:title val=""/>
+  <dgm:desc val=""/>
+  <dgm:catLst>
+    <dgm:cat type="list" pri="15000"/>
+    <dgm:cat type="convert" pri="2000"/>
+  </dgm:catLst>
+  <dgm:sampData>
+    <dgm:dataModel>
+      <dgm:ptLst>
+        <dgm:pt modelId="0" type="doc"/>
+        <dgm:pt modelId="1">
+          <dgm:prSet phldr="1"/>
+        </dgm:pt>
+        <dgm:pt modelId="11">
+          <dgm:prSet phldr="1"/>
+        </dgm:pt>
+        <dgm:pt modelId="12">
+          <dgm:prSet phldr="1"/>
+        </dgm:pt>
+        <dgm:pt modelId="2">
+          <dgm:prSet phldr="1"/>
+        </dgm:pt>
+        <dgm:pt modelId="21">
+          <dgm:prSet phldr="1"/>
+        </dgm:pt>
+        <dgm:pt modelId="22">
+          <dgm:prSet phldr="1"/>
+        </dgm:pt>
+        <dgm:pt modelId="3">
+          <dgm:prSet phldr="1"/>
+        </dgm:pt>
+        <dgm:pt modelId="31">
+          <dgm:prSet phldr="1"/>
+        </dgm:pt>
+        <dgm:pt modelId="32">
+          <dgm:prSet phldr="1"/>
+        </dgm:pt>
+      </dgm:ptLst>
+      <dgm:cxnLst>
+        <dgm:cxn modelId="4" srcId="0" destId="1" srcOrd="0" destOrd="0"/>
+        <dgm:cxn modelId="5" srcId="0" destId="2" srcOrd="1" destOrd="0"/>
+        <dgm:cxn modelId="6" srcId="0" destId="3" srcOrd="2" destOrd="0"/>
+        <dgm:cxn modelId="13" srcId="1" destId="11" srcOrd="0" destOrd="0"/>
+        <dgm:cxn modelId="14" srcId="1" destId="12" srcOrd="1" destOrd="0"/>
+        <dgm:cxn modelId="23" srcId="2" destId="21" srcOrd="0" destOrd="0"/>
+        <dgm:cxn modelId="24" srcId="2" destId="22" srcOrd="1" destOrd="0"/>
+        <dgm:cxn modelId="33" srcId="3" destId="31" srcOrd="0" destOrd="0"/>
+        <dgm:cxn modelId="34" srcId="3" destId="32" srcOrd="1" destOrd="0"/>
+      </dgm:cxnLst>
+      <dgm:bg/>
+      <dgm:whole/>
+    </dgm:dataModel>
+  </dgm:sampData>
+  <dgm:styleData>
+    <dgm:dataModel>
+      <dgm:ptLst>
+        <dgm:pt modelId="0" type="doc"/>
+        <dgm:pt modelId="1"/>
+        <dgm:pt modelId="11"/>
+        <dgm:pt modelId="2"/>
+        <dgm:pt modelId="21"/>
+      </dgm:ptLst>
+      <dgm:cxnLst>
+        <dgm:cxn modelId="4" srcId="0" destId="1" srcOrd="0" destOrd="0"/>
+        <dgm:cxn modelId="5" srcId="0" destId="2" srcOrd="1" destOrd="0"/>
+        <dgm:cxn modelId="13" srcId="1" destId="11" srcOrd="0" destOrd="0"/>
+        <dgm:cxn modelId="23" srcId="2" destId="21" srcOrd="0" destOrd="0"/>
+      </dgm:cxnLst>
+      <dgm:bg/>
+      <dgm:whole/>
+    </dgm:dataModel>
+  </dgm:styleData>
+  <dgm:clrData>
+    <dgm:dataModel>
+      <dgm:ptLst>
+        <dgm:pt modelId="0" type="doc"/>
+        <dgm:pt modelId="1"/>
+        <dgm:pt modelId="11"/>
+        <dgm:pt modelId="2"/>
+        <dgm:pt modelId="21"/>
+        <dgm:pt modelId="3"/>
+        <dgm:pt modelId="31"/>
+        <dgm:pt modelId="4"/>
+        <dgm:pt modelId="41"/>
+      </dgm:ptLst>
+      <dgm:cxnLst>
+        <dgm:cxn modelId="5" srcId="0" destId="1" srcOrd="0" destOrd="0"/>
+        <dgm:cxn modelId="6" srcId="0" destId="2" srcOrd="1" destOrd="0"/>
+        <dgm:cxn modelId="7" srcId="0" destId="3" srcOrd="2" destOrd="0"/>
+        <dgm:cxn modelId="8" srcId="0" destId="4" srcOrd="3" destOrd="0"/>
+        <dgm:cxn modelId="13" srcId="1" destId="11" srcOrd="0" destOrd="0"/>
+        <dgm:cxn modelId="23" srcId="2" destId="21" srcOrd="0" destOrd="0"/>
+        <dgm:cxn modelId="33" srcId="3" destId="31" srcOrd="0" destOrd="0"/>
+        <dgm:cxn modelId="43" srcId="4" destId="41" srcOrd="0" destOrd="0"/>
+      </dgm:cxnLst>
+      <dgm:bg/>
+      <dgm:whole/>
+    </dgm:dataModel>
+  </dgm:clrData>
+  <dgm:layoutNode name="Name0">
+    <dgm:varLst>
+      <dgm:dir/>
+      <dgm:animLvl val="lvl"/>
+      <dgm:resizeHandles val="exact"/>
+    </dgm:varLst>
+    <dgm:choose name="Name1">
+      <dgm:if name="Name2" func="var" arg="dir" op="equ" val="norm">
+        <dgm:alg type="lin">
+          <dgm:param type="linDir" val="fromT"/>
+          <dgm:param type="nodeHorzAlign" val="l"/>
+        </dgm:alg>
+      </dgm:if>
+      <dgm:else name="Name3">
+        <dgm:alg type="lin">
+          <dgm:param type="linDir" val="fromT"/>
+          <dgm:param type="nodeHorzAlign" val="r"/>
+        </dgm:alg>
+      </dgm:else>
+    </dgm:choose>
+    <dgm:shape xmlns:r="http://schemas.openxmlformats.org/officeDocument/2006/relationships" r:blip="">
+      <dgm:adjLst/>
+    </dgm:shape>
+    <dgm:presOf/>
+    <dgm:constrLst>
+      <dgm:constr type="h" for="ch" forName="linNode" refType="h"/>
+      <dgm:constr type="w" for="ch" forName="linNode" refType="w"/>
+      <dgm:constr type="h" for="ch" forName="sp" refType="h" fact="0.05"/>
+      <dgm:constr type="primFontSz" for="des" forName="parentText" op="equ" val="65"/>
+      <dgm:constr type="secFontSz" for="des" forName="descendantText" op="equ"/>
+    </dgm:constrLst>
+    <dgm:ruleLst/>
+    <dgm:forEach name="Name4" axis="ch" ptType="node">
+      <dgm:layoutNode name="linNode">
+        <dgm:choose name="Name5">
+          <dgm:if name="Name6" func="var" arg="dir" op="equ" val="norm">
+            <dgm:alg type="lin">
+              <dgm:param type="linDir" val="fromL"/>
+            </dgm:alg>
+          </dgm:if>
+          <dgm:else name="Name7">
+            <dgm:alg type="lin">
+              <dgm:param type="linDir" val="fromR"/>
+            </dgm:alg>
+          </dgm:else>
+        </dgm:choose>
+        <dgm:shape xmlns:r="http://schemas.openxmlformats.org/officeDocument/2006/relationships" r:blip="">
+          <dgm:adjLst/>
+        </dgm:shape>
+        <dgm:presOf/>
+        <dgm:constrLst>
+          <dgm:constr type="w" for="ch" forName="parentText" refType="w" fact="0.36"/>
+          <dgm:constr type="w" for="ch" forName="descendantText" refType="w" fact="0.64"/>
+          <dgm:constr type="h" for="ch" forName="parentText" refType="h"/>
+          <dgm:constr type="h" for="ch" forName="descendantText" refType="h" refFor="ch" refForName="parentText" fact="0.8"/>
+        </dgm:constrLst>
+        <dgm:ruleLst/>
+        <dgm:layoutNode name="parentText">
+          <dgm:varLst>
+            <dgm:chMax val="1"/>
+            <dgm:bulletEnabled val="1"/>
+          </dgm:varLst>
+          <dgm:alg type="tx"/>
+          <dgm:shape xmlns:r="http://schemas.openxmlformats.org/officeDocument/2006/relationships" type="roundRect" r:blip="" zOrderOff="3">
+            <dgm:adjLst/>
+          </dgm:shape>
+          <dgm:presOf axis="self" ptType="node"/>
+          <dgm:constrLst>
+            <dgm:constr type="tMarg" refType="primFontSz" fact="0.15"/>
+            <dgm:constr type="bMarg" refType="primFontSz" fact="0.15"/>
+            <dgm:constr type="lMarg" refType="primFontSz" fact="0.3"/>
+            <dgm:constr type="rMarg" refType="primFontSz" fact="0.3"/>
+          </dgm:constrLst>
+          <dgm:ruleLst>
+            <dgm:rule type="primFontSz" val="5" fact="NaN" max="NaN"/>
+          </dgm:ruleLst>
+        </dgm:layoutNode>
+        <dgm:choose name="Name8">
+          <dgm:if name="Name9" axis="ch" ptType="node" func="cnt" op="gte" val="1">
+            <dgm:layoutNode name="descendantText" styleLbl="alignAccFollowNode1">
+              <dgm:varLst>
+                <dgm:bulletEnabled val="1"/>
+              </dgm:varLst>
+              <dgm:alg type="tx">
+                <dgm:param type="stBulletLvl" val="1"/>
+                <dgm:param type="txAnchorVertCh" val="mid"/>
+              </dgm:alg>
+              <dgm:choose name="Name10">
+                <dgm:if name="Name11" func="var" arg="dir" op="equ" val="norm">
+                  <dgm:shape xmlns:r="http://schemas.openxmlformats.org/officeDocument/2006/relationships" rot="90" type="round2SameRect" r:blip="">
+                    <dgm:adjLst/>
+                  </dgm:shape>
+                </dgm:if>
+                <dgm:else name="Name12">
+                  <dgm:shape xmlns:r="http://schemas.openxmlformats.org/officeDocument/2006/relationships" rot="-90" type="round2SameRect" r:blip="">
+                    <dgm:adjLst/>
+                  </dgm:shape>
+                </dgm:else>
+              </dgm:choose>
+              <dgm:presOf axis="des" ptType="node"/>
+              <dgm:constrLst>
+                <dgm:constr type="secFontSz" val="65"/>
+                <dgm:constr type="primFontSz" refType="secFontSz"/>
+                <dgm:constr type="lMarg" refType="secFontSz" fact="0.3"/>
+                <dgm:constr type="rMarg" refType="secFontSz" fact="0.3"/>
+                <dgm:constr type="tMarg" refType="secFontSz" fact="0.15"/>
+                <dgm:constr type="bMarg" refType="secFontSz" fact="0.15"/>
+              </dgm:constrLst>
+              <dgm:ruleLst>
+                <dgm:rule type="secFontSz" val="5" fact="NaN" max="NaN"/>
+              </dgm:ruleLst>
+            </dgm:layoutNode>
+          </dgm:if>
+          <dgm:else name="Name13"/>
+        </dgm:choose>
+      </dgm:layoutNode>
+      <dgm:forEach name="Name14" axis="followSib" ptType="sibTrans" cnt="1">
+        <dgm:layoutNode name="sp">
+          <dgm:alg type="sp"/>
+          <dgm:shape xmlns:r="http://schemas.openxmlformats.org/officeDocument/2006/relationships" r:blip="">
+            <dgm:adjLst/>
+          </dgm:shape>
+          <dgm:presOf/>
+          <dgm:constrLst/>
+          <dgm:ruleLst/>
+        </dgm:layoutNode>
+      </dgm:forEach>
+    </dgm:forEach>
+  </dgm:layoutNode>
+</dgm:layoutDef>
+</file>
+
+<file path=ppt/diagrams/layout3.xml><?xml version="1.0" encoding="utf-8"?>
+<dgm:layoutDef xmlns:dgm="http://schemas.openxmlformats.org/drawingml/2006/diagram" xmlns:a="http://schemas.openxmlformats.org/drawingml/2006/main" uniqueId="urn:microsoft.com/office/officeart/2005/8/layout/vList2">
+  <dgm:title val=""/>
+  <dgm:desc val=""/>
+  <dgm:catLst>
+    <dgm:cat type="list" pri="3000"/>
+    <dgm:cat type="convert" pri="1000"/>
+  </dgm:catLst>
+  <dgm:sampData>
+    <dgm:dataModel>
+      <dgm:ptLst>
+        <dgm:pt modelId="0" type="doc"/>
+        <dgm:pt modelId="1">
+          <dgm:prSet phldr="1"/>
+        </dgm:pt>
+        <dgm:pt modelId="11">
+          <dgm:prSet phldr="1"/>
+        </dgm:pt>
+        <dgm:pt modelId="2">
+          <dgm:prSet phldr="1"/>
+        </dgm:pt>
+        <dgm:pt modelId="21">
+          <dgm:prSet phldr="1"/>
+        </dgm:pt>
+      </dgm:ptLst>
+      <dgm:cxnLst>
+        <dgm:cxn modelId="4" srcId="0" destId="1" srcOrd="0" destOrd="0"/>
+        <dgm:cxn modelId="5" srcId="0" destId="2" srcOrd="1" destOrd="0"/>
+        <dgm:cxn modelId="12" srcId="1" destId="11" srcOrd="0" destOrd="0"/>
+        <dgm:cxn modelId="23" srcId="2" destId="21" srcOrd="0" destOrd="0"/>
+      </dgm:cxnLst>
+      <dgm:bg/>
+      <dgm:whole/>
+    </dgm:dataModel>
+  </dgm:sampData>
+  <dgm:styleData>
+    <dgm:dataModel>
+      <dgm:ptLst>
+        <dgm:pt modelId="0" type="doc"/>
+        <dgm:pt modelId="1"/>
+        <dgm:pt modelId="2"/>
+      </dgm:ptLst>
+      <dgm:cxnLst>
+        <dgm:cxn modelId="3" srcId="0" destId="1" srcOrd="0" destOrd="0"/>
+        <dgm:cxn modelId="4" srcId="0" destId="2" srcOrd="1" destOrd="0"/>
+      </dgm:cxnLst>
+      <dgm:bg/>
+      <dgm:whole/>
+    </dgm:dataModel>
+  </dgm:styleData>
+  <dgm:clrData>
+    <dgm:dataModel>
+      <dgm:ptLst>
+        <dgm:pt modelId="0" type="doc"/>
+        <dgm:pt modelId="1"/>
+        <dgm:pt modelId="2"/>
+        <dgm:pt modelId="3"/>
+        <dgm:pt modelId="4"/>
+      </dgm:ptLst>
+      <dgm:cxnLst>
+        <dgm:cxn modelId="5" srcId="0" destId="1" srcOrd="0" destOrd="0"/>
+        <dgm:cxn modelId="6" srcId="0" destId="2" srcOrd="1" destOrd="0"/>
+        <dgm:cxn modelId="7" srcId="0" destId="3" srcOrd="2" destOrd="0"/>
+        <dgm:cxn modelId="8" srcId="0" destId="4" srcOrd="3" destOrd="0"/>
+      </dgm:cxnLst>
+      <dgm:bg/>
+      <dgm:whole/>
+    </dgm:dataModel>
+  </dgm:clrData>
+  <dgm:layoutNode name="linear">
+    <dgm:varLst>
+      <dgm:animLvl val="lvl"/>
+      <dgm:resizeHandles val="exact"/>
+    </dgm:varLst>
+    <dgm:alg type="lin">
+      <dgm:param type="linDir" val="fromT"/>
+      <dgm:param type="vertAlign" val="mid"/>
+    </dgm:alg>
+    <dgm:shape xmlns:r="http://schemas.openxmlformats.org/officeDocument/2006/relationships" r:blip="">
+      <dgm:adjLst/>
+    </dgm:shape>
+    <dgm:presOf/>
+    <dgm:constrLst>
+      <dgm:constr type="w" for="ch" forName="parentText" refType="w"/>
+      <dgm:constr type="h" for="ch" forName="parentText" refType="primFontSz" refFor="ch" refForName="parentText" fact="0.52"/>
+      <dgm:constr type="w" for="ch" forName="childText" refType="w"/>
+      <dgm:constr type="h" for="ch" forName="childText" refType="primFontSz" refFor="ch" refForName="parentText" fact="0.46"/>
+      <dgm:constr type="h" for="ch" forName="parentText" op="equ"/>
+      <dgm:constr type="primFontSz" for="ch" forName="parentText" op="equ" val="65"/>
+      <dgm:constr type="primFontSz" for="ch" forName="childText" refType="primFontSz" refFor="ch" refForName="parentText" op="equ"/>
+      <dgm:constr type="h" for="ch" forName="spacer" refType="primFontSz" refFor="ch" refForName="parentText" fact="0.08"/>
+    </dgm:constrLst>
+    <dgm:ruleLst>
+      <dgm:rule type="primFontSz" for="ch" forName="parentText" val="5" fact="NaN" max="NaN"/>
+    </dgm:ruleLst>
+    <dgm:forEach name="Name0" axis="ch" ptType="node">
+      <dgm:layoutNode name="parentText" styleLbl="node1">
+        <dgm:varLst>
+          <dgm:chMax val="0"/>
+          <dgm:bulletEnabled val="1"/>
+        </dgm:varLst>
+        <dgm:alg type="tx">
+          <dgm:param type="parTxLTRAlign" val="l"/>
+          <dgm:param type="parTxRTLAlign" val="r"/>
+        </dgm:alg>
+        <dgm:shape xmlns:r="http://schemas.openxmlformats.org/officeDocument/2006/relationships" type="roundRect" r:blip="">
+          <dgm:adjLst/>
+        </dgm:shape>
+        <dgm:presOf axis="self"/>
+        <dgm:constrLst>
+          <dgm:constr type="tMarg" refType="primFontSz" fact="0.3"/>
+          <dgm:constr type="bMarg" refType="primFontSz" fact="0.3"/>
+          <dgm:constr type="lMarg" refType="primFontSz" fact="0.3"/>
+          <dgm:constr type="rMarg" refType="primFontSz" fact="0.3"/>
+        </dgm:constrLst>
+        <dgm:ruleLst>
+          <dgm:rule type="h" val="INF" fact="NaN" max="NaN"/>
+        </dgm:ruleLst>
+      </dgm:layoutNode>
+      <dgm:choose name="Name1">
+        <dgm:if name="Name2" axis="ch" ptType="node" func="cnt" op="gte" val="1">
+          <dgm:layoutNode name="childText" styleLbl="revTx">
+            <dgm:varLst>
+              <dgm:bulletEnabled val="1"/>
+            </dgm:varLst>
+            <dgm:alg type="tx">
+              <dgm:param type="stBulletLvl" val="1"/>
+              <dgm:param type="lnSpAfChP" val="20"/>
+            </dgm:alg>
+            <dgm:shape xmlns:r="http://schemas.openxmlformats.org/officeDocument/2006/relationships" type="rect" r:blip="">
+              <dgm:adjLst/>
+            </dgm:shape>
+            <dgm:presOf axis="des" ptType="node"/>
+            <dgm:constrLst>
+              <dgm:constr type="tMarg" refType="primFontSz" fact="0.1"/>
+              <dgm:constr type="bMarg" refType="primFontSz" fact="0.1"/>
+              <dgm:constr type="lMarg" refType="w" fact="0.09"/>
+            </dgm:constrLst>
+            <dgm:ruleLst>
+              <dgm:rule type="h" val="INF" fact="NaN" max="NaN"/>
+            </dgm:ruleLst>
+          </dgm:layoutNode>
+        </dgm:if>
+        <dgm:else name="Name3">
+          <dgm:choose name="Name4">
+            <dgm:if name="Name5" axis="par ch" ptType="doc node" func="cnt" op="gte" val="2">
+              <dgm:forEach name="Name6" axis="followSib" ptType="sibTrans" cnt="1">
+                <dgm:layoutNode name="spacer">
+                  <dgm:alg type="sp"/>
+                  <dgm:shape xmlns:r="http://schemas.openxmlformats.org/officeDocument/2006/relationships" r:blip="">
+                    <dgm:adjLst/>
+                  </dgm:shape>
+                  <dgm:presOf/>
+                  <dgm:constrLst/>
+                  <dgm:ruleLst/>
+                </dgm:layoutNode>
+              </dgm:forEach>
+            </dgm:if>
+            <dgm:else name="Name7"/>
+          </dgm:choose>
+        </dgm:else>
+      </dgm:choose>
+    </dgm:forEach>
+  </dgm:layoutNode>
+</dgm:layoutDef>
+</file>
+
 <file path=ppt/diagrams/quickStyle1.xml><?xml version="1.0" encoding="utf-8"?>
 <dgm:styleDef xmlns:dgm="http://schemas.openxmlformats.org/drawingml/2006/diagram" xmlns:a="http://schemas.openxmlformats.org/drawingml/2006/main" uniqueId="urn:microsoft.com/office/officeart/2005/8/quickstyle/simple4">
   <dgm:title val=""/>
@@ -3755,6 +7638,2074 @@
         <a:scrgbClr r="0" g="0" b="0"/>
       </a:fillRef>
       <a:effectRef idx="2">
+        <a:scrgbClr r="0" g="0" b="0"/>
+      </a:effectRef>
+      <a:fontRef idx="minor"/>
+    </dgm:style>
+  </dgm:styleLbl>
+  <dgm:styleLbl name="revTx">
+    <dgm:scene3d>
+      <a:camera prst="orthographicFront"/>
+      <a:lightRig rig="threePt" dir="t"/>
+    </dgm:scene3d>
+    <dgm:sp3d/>
+    <dgm:txPr/>
+    <dgm:style>
+      <a:lnRef idx="0">
+        <a:scrgbClr r="0" g="0" b="0"/>
+      </a:lnRef>
+      <a:fillRef idx="0">
+        <a:scrgbClr r="0" g="0" b="0"/>
+      </a:fillRef>
+      <a:effectRef idx="0">
+        <a:scrgbClr r="0" g="0" b="0"/>
+      </a:effectRef>
+      <a:fontRef idx="minor"/>
+    </dgm:style>
+  </dgm:styleLbl>
+</dgm:styleDef>
+</file>
+
+<file path=ppt/diagrams/quickStyle2.xml><?xml version="1.0" encoding="utf-8"?>
+<dgm:styleDef xmlns:dgm="http://schemas.openxmlformats.org/drawingml/2006/diagram" xmlns:a="http://schemas.openxmlformats.org/drawingml/2006/main" uniqueId="urn:microsoft.com/office/officeart/2005/8/quickstyle/simple1">
+  <dgm:title val=""/>
+  <dgm:desc val=""/>
+  <dgm:catLst>
+    <dgm:cat type="simple" pri="10100"/>
+  </dgm:catLst>
+  <dgm:scene3d>
+    <a:camera prst="orthographicFront"/>
+    <a:lightRig rig="threePt" dir="t"/>
+  </dgm:scene3d>
+  <dgm:styleLbl name="node0">
+    <dgm:scene3d>
+      <a:camera prst="orthographicFront"/>
+      <a:lightRig rig="threePt" dir="t"/>
+    </dgm:scene3d>
+    <dgm:sp3d/>
+    <dgm:txPr/>
+    <dgm:style>
+      <a:lnRef idx="2">
+        <a:scrgbClr r="0" g="0" b="0"/>
+      </a:lnRef>
+      <a:fillRef idx="1">
+        <a:scrgbClr r="0" g="0" b="0"/>
+      </a:fillRef>
+      <a:effectRef idx="0">
+        <a:scrgbClr r="0" g="0" b="0"/>
+      </a:effectRef>
+      <a:fontRef idx="minor">
+        <a:schemeClr val="lt1"/>
+      </a:fontRef>
+    </dgm:style>
+  </dgm:styleLbl>
+  <dgm:styleLbl name="lnNode1">
+    <dgm:scene3d>
+      <a:camera prst="orthographicFront"/>
+      <a:lightRig rig="threePt" dir="t"/>
+    </dgm:scene3d>
+    <dgm:sp3d/>
+    <dgm:txPr/>
+    <dgm:style>
+      <a:lnRef idx="2">
+        <a:scrgbClr r="0" g="0" b="0"/>
+      </a:lnRef>
+      <a:fillRef idx="1">
+        <a:scrgbClr r="0" g="0" b="0"/>
+      </a:fillRef>
+      <a:effectRef idx="0">
+        <a:scrgbClr r="0" g="0" b="0"/>
+      </a:effectRef>
+      <a:fontRef idx="minor">
+        <a:schemeClr val="lt1"/>
+      </a:fontRef>
+    </dgm:style>
+  </dgm:styleLbl>
+  <dgm:styleLbl name="vennNode1">
+    <dgm:scene3d>
+      <a:camera prst="orthographicFront"/>
+      <a:lightRig rig="threePt" dir="t"/>
+    </dgm:scene3d>
+    <dgm:sp3d/>
+    <dgm:txPr/>
+    <dgm:style>
+      <a:lnRef idx="2">
+        <a:scrgbClr r="0" g="0" b="0"/>
+      </a:lnRef>
+      <a:fillRef idx="1">
+        <a:scrgbClr r="0" g="0" b="0"/>
+      </a:fillRef>
+      <a:effectRef idx="0">
+        <a:scrgbClr r="0" g="0" b="0"/>
+      </a:effectRef>
+      <a:fontRef idx="minor">
+        <a:schemeClr val="tx1"/>
+      </a:fontRef>
+    </dgm:style>
+  </dgm:styleLbl>
+  <dgm:styleLbl name="alignNode1">
+    <dgm:scene3d>
+      <a:camera prst="orthographicFront"/>
+      <a:lightRig rig="threePt" dir="t"/>
+    </dgm:scene3d>
+    <dgm:sp3d/>
+    <dgm:txPr/>
+    <dgm:style>
+      <a:lnRef idx="2">
+        <a:scrgbClr r="0" g="0" b="0"/>
+      </a:lnRef>
+      <a:fillRef idx="1">
+        <a:scrgbClr r="0" g="0" b="0"/>
+      </a:fillRef>
+      <a:effectRef idx="0">
+        <a:scrgbClr r="0" g="0" b="0"/>
+      </a:effectRef>
+      <a:fontRef idx="minor">
+        <a:schemeClr val="lt1"/>
+      </a:fontRef>
+    </dgm:style>
+  </dgm:styleLbl>
+  <dgm:styleLbl name="node1">
+    <dgm:scene3d>
+      <a:camera prst="orthographicFront"/>
+      <a:lightRig rig="threePt" dir="t"/>
+    </dgm:scene3d>
+    <dgm:sp3d/>
+    <dgm:txPr/>
+    <dgm:style>
+      <a:lnRef idx="2">
+        <a:scrgbClr r="0" g="0" b="0"/>
+      </a:lnRef>
+      <a:fillRef idx="1">
+        <a:scrgbClr r="0" g="0" b="0"/>
+      </a:fillRef>
+      <a:effectRef idx="0">
+        <a:scrgbClr r="0" g="0" b="0"/>
+      </a:effectRef>
+      <a:fontRef idx="minor">
+        <a:schemeClr val="lt1"/>
+      </a:fontRef>
+    </dgm:style>
+  </dgm:styleLbl>
+  <dgm:styleLbl name="node2">
+    <dgm:scene3d>
+      <a:camera prst="orthographicFront"/>
+      <a:lightRig rig="threePt" dir="t"/>
+    </dgm:scene3d>
+    <dgm:sp3d/>
+    <dgm:txPr/>
+    <dgm:style>
+      <a:lnRef idx="2">
+        <a:scrgbClr r="0" g="0" b="0"/>
+      </a:lnRef>
+      <a:fillRef idx="1">
+        <a:scrgbClr r="0" g="0" b="0"/>
+      </a:fillRef>
+      <a:effectRef idx="0">
+        <a:scrgbClr r="0" g="0" b="0"/>
+      </a:effectRef>
+      <a:fontRef idx="minor">
+        <a:schemeClr val="lt1"/>
+      </a:fontRef>
+    </dgm:style>
+  </dgm:styleLbl>
+  <dgm:styleLbl name="node3">
+    <dgm:scene3d>
+      <a:camera prst="orthographicFront"/>
+      <a:lightRig rig="threePt" dir="t"/>
+    </dgm:scene3d>
+    <dgm:sp3d/>
+    <dgm:txPr/>
+    <dgm:style>
+      <a:lnRef idx="2">
+        <a:scrgbClr r="0" g="0" b="0"/>
+      </a:lnRef>
+      <a:fillRef idx="1">
+        <a:scrgbClr r="0" g="0" b="0"/>
+      </a:fillRef>
+      <a:effectRef idx="0">
+        <a:scrgbClr r="0" g="0" b="0"/>
+      </a:effectRef>
+      <a:fontRef idx="minor">
+        <a:schemeClr val="lt1"/>
+      </a:fontRef>
+    </dgm:style>
+  </dgm:styleLbl>
+  <dgm:styleLbl name="node4">
+    <dgm:scene3d>
+      <a:camera prst="orthographicFront"/>
+      <a:lightRig rig="threePt" dir="t"/>
+    </dgm:scene3d>
+    <dgm:sp3d/>
+    <dgm:txPr/>
+    <dgm:style>
+      <a:lnRef idx="2">
+        <a:scrgbClr r="0" g="0" b="0"/>
+      </a:lnRef>
+      <a:fillRef idx="1">
+        <a:scrgbClr r="0" g="0" b="0"/>
+      </a:fillRef>
+      <a:effectRef idx="0">
+        <a:scrgbClr r="0" g="0" b="0"/>
+      </a:effectRef>
+      <a:fontRef idx="minor">
+        <a:schemeClr val="lt1"/>
+      </a:fontRef>
+    </dgm:style>
+  </dgm:styleLbl>
+  <dgm:styleLbl name="fgImgPlace1">
+    <dgm:scene3d>
+      <a:camera prst="orthographicFront"/>
+      <a:lightRig rig="threePt" dir="t"/>
+    </dgm:scene3d>
+    <dgm:sp3d/>
+    <dgm:txPr/>
+    <dgm:style>
+      <a:lnRef idx="2">
+        <a:scrgbClr r="0" g="0" b="0"/>
+      </a:lnRef>
+      <a:fillRef idx="1">
+        <a:scrgbClr r="0" g="0" b="0"/>
+      </a:fillRef>
+      <a:effectRef idx="0">
+        <a:scrgbClr r="0" g="0" b="0"/>
+      </a:effectRef>
+      <a:fontRef idx="minor"/>
+    </dgm:style>
+  </dgm:styleLbl>
+  <dgm:styleLbl name="alignImgPlace1">
+    <dgm:scene3d>
+      <a:camera prst="orthographicFront"/>
+      <a:lightRig rig="threePt" dir="t"/>
+    </dgm:scene3d>
+    <dgm:sp3d/>
+    <dgm:txPr/>
+    <dgm:style>
+      <a:lnRef idx="2">
+        <a:scrgbClr r="0" g="0" b="0"/>
+      </a:lnRef>
+      <a:fillRef idx="1">
+        <a:scrgbClr r="0" g="0" b="0"/>
+      </a:fillRef>
+      <a:effectRef idx="0">
+        <a:scrgbClr r="0" g="0" b="0"/>
+      </a:effectRef>
+      <a:fontRef idx="minor"/>
+    </dgm:style>
+  </dgm:styleLbl>
+  <dgm:styleLbl name="bgImgPlace1">
+    <dgm:scene3d>
+      <a:camera prst="orthographicFront"/>
+      <a:lightRig rig="threePt" dir="t"/>
+    </dgm:scene3d>
+    <dgm:sp3d/>
+    <dgm:txPr/>
+    <dgm:style>
+      <a:lnRef idx="2">
+        <a:scrgbClr r="0" g="0" b="0"/>
+      </a:lnRef>
+      <a:fillRef idx="1">
+        <a:scrgbClr r="0" g="0" b="0"/>
+      </a:fillRef>
+      <a:effectRef idx="0">
+        <a:scrgbClr r="0" g="0" b="0"/>
+      </a:effectRef>
+      <a:fontRef idx="minor"/>
+    </dgm:style>
+  </dgm:styleLbl>
+  <dgm:styleLbl name="sibTrans2D1">
+    <dgm:scene3d>
+      <a:camera prst="orthographicFront"/>
+      <a:lightRig rig="threePt" dir="t"/>
+    </dgm:scene3d>
+    <dgm:sp3d/>
+    <dgm:txPr/>
+    <dgm:style>
+      <a:lnRef idx="0">
+        <a:scrgbClr r="0" g="0" b="0"/>
+      </a:lnRef>
+      <a:fillRef idx="1">
+        <a:scrgbClr r="0" g="0" b="0"/>
+      </a:fillRef>
+      <a:effectRef idx="0">
+        <a:scrgbClr r="0" g="0" b="0"/>
+      </a:effectRef>
+      <a:fontRef idx="minor">
+        <a:schemeClr val="lt1"/>
+      </a:fontRef>
+    </dgm:style>
+  </dgm:styleLbl>
+  <dgm:styleLbl name="fgSibTrans2D1">
+    <dgm:scene3d>
+      <a:camera prst="orthographicFront"/>
+      <a:lightRig rig="threePt" dir="t"/>
+    </dgm:scene3d>
+    <dgm:sp3d/>
+    <dgm:txPr/>
+    <dgm:style>
+      <a:lnRef idx="0">
+        <a:scrgbClr r="0" g="0" b="0"/>
+      </a:lnRef>
+      <a:fillRef idx="1">
+        <a:scrgbClr r="0" g="0" b="0"/>
+      </a:fillRef>
+      <a:effectRef idx="0">
+        <a:scrgbClr r="0" g="0" b="0"/>
+      </a:effectRef>
+      <a:fontRef idx="minor">
+        <a:schemeClr val="lt1"/>
+      </a:fontRef>
+    </dgm:style>
+  </dgm:styleLbl>
+  <dgm:styleLbl name="bgSibTrans2D1">
+    <dgm:scene3d>
+      <a:camera prst="orthographicFront"/>
+      <a:lightRig rig="threePt" dir="t"/>
+    </dgm:scene3d>
+    <dgm:sp3d/>
+    <dgm:txPr/>
+    <dgm:style>
+      <a:lnRef idx="0">
+        <a:scrgbClr r="0" g="0" b="0"/>
+      </a:lnRef>
+      <a:fillRef idx="1">
+        <a:scrgbClr r="0" g="0" b="0"/>
+      </a:fillRef>
+      <a:effectRef idx="0">
+        <a:scrgbClr r="0" g="0" b="0"/>
+      </a:effectRef>
+      <a:fontRef idx="minor">
+        <a:schemeClr val="lt1"/>
+      </a:fontRef>
+    </dgm:style>
+  </dgm:styleLbl>
+  <dgm:styleLbl name="sibTrans1D1">
+    <dgm:scene3d>
+      <a:camera prst="orthographicFront"/>
+      <a:lightRig rig="threePt" dir="t"/>
+    </dgm:scene3d>
+    <dgm:sp3d/>
+    <dgm:txPr/>
+    <dgm:style>
+      <a:lnRef idx="1">
+        <a:scrgbClr r="0" g="0" b="0"/>
+      </a:lnRef>
+      <a:fillRef idx="0">
+        <a:scrgbClr r="0" g="0" b="0"/>
+      </a:fillRef>
+      <a:effectRef idx="0">
+        <a:scrgbClr r="0" g="0" b="0"/>
+      </a:effectRef>
+      <a:fontRef idx="minor"/>
+    </dgm:style>
+  </dgm:styleLbl>
+  <dgm:styleLbl name="callout">
+    <dgm:scene3d>
+      <a:camera prst="orthographicFront"/>
+      <a:lightRig rig="threePt" dir="t"/>
+    </dgm:scene3d>
+    <dgm:sp3d/>
+    <dgm:txPr/>
+    <dgm:style>
+      <a:lnRef idx="2">
+        <a:scrgbClr r="0" g="0" b="0"/>
+      </a:lnRef>
+      <a:fillRef idx="1">
+        <a:scrgbClr r="0" g="0" b="0"/>
+      </a:fillRef>
+      <a:effectRef idx="0">
+        <a:scrgbClr r="0" g="0" b="0"/>
+      </a:effectRef>
+      <a:fontRef idx="minor"/>
+    </dgm:style>
+  </dgm:styleLbl>
+  <dgm:styleLbl name="asst0">
+    <dgm:scene3d>
+      <a:camera prst="orthographicFront"/>
+      <a:lightRig rig="threePt" dir="t"/>
+    </dgm:scene3d>
+    <dgm:sp3d/>
+    <dgm:txPr/>
+    <dgm:style>
+      <a:lnRef idx="2">
+        <a:scrgbClr r="0" g="0" b="0"/>
+      </a:lnRef>
+      <a:fillRef idx="1">
+        <a:scrgbClr r="0" g="0" b="0"/>
+      </a:fillRef>
+      <a:effectRef idx="0">
+        <a:scrgbClr r="0" g="0" b="0"/>
+      </a:effectRef>
+      <a:fontRef idx="minor">
+        <a:schemeClr val="lt1"/>
+      </a:fontRef>
+    </dgm:style>
+  </dgm:styleLbl>
+  <dgm:styleLbl name="asst1">
+    <dgm:scene3d>
+      <a:camera prst="orthographicFront"/>
+      <a:lightRig rig="threePt" dir="t"/>
+    </dgm:scene3d>
+    <dgm:sp3d/>
+    <dgm:txPr/>
+    <dgm:style>
+      <a:lnRef idx="2">
+        <a:scrgbClr r="0" g="0" b="0"/>
+      </a:lnRef>
+      <a:fillRef idx="1">
+        <a:scrgbClr r="0" g="0" b="0"/>
+      </a:fillRef>
+      <a:effectRef idx="0">
+        <a:scrgbClr r="0" g="0" b="0"/>
+      </a:effectRef>
+      <a:fontRef idx="minor">
+        <a:schemeClr val="lt1"/>
+      </a:fontRef>
+    </dgm:style>
+  </dgm:styleLbl>
+  <dgm:styleLbl name="asst2">
+    <dgm:scene3d>
+      <a:camera prst="orthographicFront"/>
+      <a:lightRig rig="threePt" dir="t"/>
+    </dgm:scene3d>
+    <dgm:sp3d/>
+    <dgm:txPr/>
+    <dgm:style>
+      <a:lnRef idx="2">
+        <a:scrgbClr r="0" g="0" b="0"/>
+      </a:lnRef>
+      <a:fillRef idx="1">
+        <a:scrgbClr r="0" g="0" b="0"/>
+      </a:fillRef>
+      <a:effectRef idx="0">
+        <a:scrgbClr r="0" g="0" b="0"/>
+      </a:effectRef>
+      <a:fontRef idx="minor">
+        <a:schemeClr val="lt1"/>
+      </a:fontRef>
+    </dgm:style>
+  </dgm:styleLbl>
+  <dgm:styleLbl name="asst3">
+    <dgm:scene3d>
+      <a:camera prst="orthographicFront"/>
+      <a:lightRig rig="threePt" dir="t"/>
+    </dgm:scene3d>
+    <dgm:sp3d/>
+    <dgm:txPr/>
+    <dgm:style>
+      <a:lnRef idx="2">
+        <a:scrgbClr r="0" g="0" b="0"/>
+      </a:lnRef>
+      <a:fillRef idx="1">
+        <a:scrgbClr r="0" g="0" b="0"/>
+      </a:fillRef>
+      <a:effectRef idx="0">
+        <a:scrgbClr r="0" g="0" b="0"/>
+      </a:effectRef>
+      <a:fontRef idx="minor">
+        <a:schemeClr val="lt1"/>
+      </a:fontRef>
+    </dgm:style>
+  </dgm:styleLbl>
+  <dgm:styleLbl name="asst4">
+    <dgm:scene3d>
+      <a:camera prst="orthographicFront"/>
+      <a:lightRig rig="threePt" dir="t"/>
+    </dgm:scene3d>
+    <dgm:sp3d/>
+    <dgm:txPr/>
+    <dgm:style>
+      <a:lnRef idx="2">
+        <a:scrgbClr r="0" g="0" b="0"/>
+      </a:lnRef>
+      <a:fillRef idx="1">
+        <a:scrgbClr r="0" g="0" b="0"/>
+      </a:fillRef>
+      <a:effectRef idx="0">
+        <a:scrgbClr r="0" g="0" b="0"/>
+      </a:effectRef>
+      <a:fontRef idx="minor">
+        <a:schemeClr val="lt1"/>
+      </a:fontRef>
+    </dgm:style>
+  </dgm:styleLbl>
+  <dgm:styleLbl name="parChTrans2D1">
+    <dgm:scene3d>
+      <a:camera prst="orthographicFront"/>
+      <a:lightRig rig="threePt" dir="t"/>
+    </dgm:scene3d>
+    <dgm:sp3d/>
+    <dgm:txPr/>
+    <dgm:style>
+      <a:lnRef idx="2">
+        <a:scrgbClr r="0" g="0" b="0"/>
+      </a:lnRef>
+      <a:fillRef idx="1">
+        <a:scrgbClr r="0" g="0" b="0"/>
+      </a:fillRef>
+      <a:effectRef idx="0">
+        <a:scrgbClr r="0" g="0" b="0"/>
+      </a:effectRef>
+      <a:fontRef idx="minor">
+        <a:schemeClr val="lt1"/>
+      </a:fontRef>
+    </dgm:style>
+  </dgm:styleLbl>
+  <dgm:styleLbl name="parChTrans2D2">
+    <dgm:scene3d>
+      <a:camera prst="orthographicFront"/>
+      <a:lightRig rig="threePt" dir="t"/>
+    </dgm:scene3d>
+    <dgm:sp3d/>
+    <dgm:txPr/>
+    <dgm:style>
+      <a:lnRef idx="2">
+        <a:scrgbClr r="0" g="0" b="0"/>
+      </a:lnRef>
+      <a:fillRef idx="1">
+        <a:scrgbClr r="0" g="0" b="0"/>
+      </a:fillRef>
+      <a:effectRef idx="0">
+        <a:scrgbClr r="0" g="0" b="0"/>
+      </a:effectRef>
+      <a:fontRef idx="minor">
+        <a:schemeClr val="lt1"/>
+      </a:fontRef>
+    </dgm:style>
+  </dgm:styleLbl>
+  <dgm:styleLbl name="parChTrans2D3">
+    <dgm:scene3d>
+      <a:camera prst="orthographicFront"/>
+      <a:lightRig rig="threePt" dir="t"/>
+    </dgm:scene3d>
+    <dgm:sp3d/>
+    <dgm:txPr/>
+    <dgm:style>
+      <a:lnRef idx="2">
+        <a:scrgbClr r="0" g="0" b="0"/>
+      </a:lnRef>
+      <a:fillRef idx="1">
+        <a:scrgbClr r="0" g="0" b="0"/>
+      </a:fillRef>
+      <a:effectRef idx="0">
+        <a:scrgbClr r="0" g="0" b="0"/>
+      </a:effectRef>
+      <a:fontRef idx="minor">
+        <a:schemeClr val="lt1"/>
+      </a:fontRef>
+    </dgm:style>
+  </dgm:styleLbl>
+  <dgm:styleLbl name="parChTrans2D4">
+    <dgm:scene3d>
+      <a:camera prst="orthographicFront"/>
+      <a:lightRig rig="threePt" dir="t"/>
+    </dgm:scene3d>
+    <dgm:sp3d/>
+    <dgm:txPr/>
+    <dgm:style>
+      <a:lnRef idx="2">
+        <a:scrgbClr r="0" g="0" b="0"/>
+      </a:lnRef>
+      <a:fillRef idx="1">
+        <a:scrgbClr r="0" g="0" b="0"/>
+      </a:fillRef>
+      <a:effectRef idx="0">
+        <a:scrgbClr r="0" g="0" b="0"/>
+      </a:effectRef>
+      <a:fontRef idx="minor">
+        <a:schemeClr val="lt1"/>
+      </a:fontRef>
+    </dgm:style>
+  </dgm:styleLbl>
+  <dgm:styleLbl name="parChTrans1D1">
+    <dgm:scene3d>
+      <a:camera prst="orthographicFront"/>
+      <a:lightRig rig="threePt" dir="t"/>
+    </dgm:scene3d>
+    <dgm:sp3d/>
+    <dgm:txPr/>
+    <dgm:style>
+      <a:lnRef idx="2">
+        <a:scrgbClr r="0" g="0" b="0"/>
+      </a:lnRef>
+      <a:fillRef idx="0">
+        <a:scrgbClr r="0" g="0" b="0"/>
+      </a:fillRef>
+      <a:effectRef idx="0">
+        <a:scrgbClr r="0" g="0" b="0"/>
+      </a:effectRef>
+      <a:fontRef idx="minor"/>
+    </dgm:style>
+  </dgm:styleLbl>
+  <dgm:styleLbl name="parChTrans1D2">
+    <dgm:scene3d>
+      <a:camera prst="orthographicFront"/>
+      <a:lightRig rig="threePt" dir="t"/>
+    </dgm:scene3d>
+    <dgm:sp3d/>
+    <dgm:txPr/>
+    <dgm:style>
+      <a:lnRef idx="2">
+        <a:scrgbClr r="0" g="0" b="0"/>
+      </a:lnRef>
+      <a:fillRef idx="0">
+        <a:scrgbClr r="0" g="0" b="0"/>
+      </a:fillRef>
+      <a:effectRef idx="0">
+        <a:scrgbClr r="0" g="0" b="0"/>
+      </a:effectRef>
+      <a:fontRef idx="minor"/>
+    </dgm:style>
+  </dgm:styleLbl>
+  <dgm:styleLbl name="parChTrans1D3">
+    <dgm:scene3d>
+      <a:camera prst="orthographicFront"/>
+      <a:lightRig rig="threePt" dir="t"/>
+    </dgm:scene3d>
+    <dgm:sp3d/>
+    <dgm:txPr/>
+    <dgm:style>
+      <a:lnRef idx="2">
+        <a:scrgbClr r="0" g="0" b="0"/>
+      </a:lnRef>
+      <a:fillRef idx="0">
+        <a:scrgbClr r="0" g="0" b="0"/>
+      </a:fillRef>
+      <a:effectRef idx="0">
+        <a:scrgbClr r="0" g="0" b="0"/>
+      </a:effectRef>
+      <a:fontRef idx="minor"/>
+    </dgm:style>
+  </dgm:styleLbl>
+  <dgm:styleLbl name="parChTrans1D4">
+    <dgm:scene3d>
+      <a:camera prst="orthographicFront"/>
+      <a:lightRig rig="threePt" dir="t"/>
+    </dgm:scene3d>
+    <dgm:sp3d/>
+    <dgm:txPr/>
+    <dgm:style>
+      <a:lnRef idx="2">
+        <a:scrgbClr r="0" g="0" b="0"/>
+      </a:lnRef>
+      <a:fillRef idx="0">
+        <a:scrgbClr r="0" g="0" b="0"/>
+      </a:fillRef>
+      <a:effectRef idx="0">
+        <a:scrgbClr r="0" g="0" b="0"/>
+      </a:effectRef>
+      <a:fontRef idx="minor"/>
+    </dgm:style>
+  </dgm:styleLbl>
+  <dgm:styleLbl name="fgAcc1">
+    <dgm:scene3d>
+      <a:camera prst="orthographicFront"/>
+      <a:lightRig rig="threePt" dir="t"/>
+    </dgm:scene3d>
+    <dgm:sp3d/>
+    <dgm:txPr/>
+    <dgm:style>
+      <a:lnRef idx="2">
+        <a:scrgbClr r="0" g="0" b="0"/>
+      </a:lnRef>
+      <a:fillRef idx="1">
+        <a:scrgbClr r="0" g="0" b="0"/>
+      </a:fillRef>
+      <a:effectRef idx="0">
+        <a:scrgbClr r="0" g="0" b="0"/>
+      </a:effectRef>
+      <a:fontRef idx="minor"/>
+    </dgm:style>
+  </dgm:styleLbl>
+  <dgm:styleLbl name="conFgAcc1">
+    <dgm:scene3d>
+      <a:camera prst="orthographicFront"/>
+      <a:lightRig rig="threePt" dir="t"/>
+    </dgm:scene3d>
+    <dgm:sp3d/>
+    <dgm:txPr/>
+    <dgm:style>
+      <a:lnRef idx="2">
+        <a:scrgbClr r="0" g="0" b="0"/>
+      </a:lnRef>
+      <a:fillRef idx="1">
+        <a:scrgbClr r="0" g="0" b="0"/>
+      </a:fillRef>
+      <a:effectRef idx="0">
+        <a:scrgbClr r="0" g="0" b="0"/>
+      </a:effectRef>
+      <a:fontRef idx="minor"/>
+    </dgm:style>
+  </dgm:styleLbl>
+  <dgm:styleLbl name="alignAcc1">
+    <dgm:scene3d>
+      <a:camera prst="orthographicFront"/>
+      <a:lightRig rig="threePt" dir="t"/>
+    </dgm:scene3d>
+    <dgm:sp3d/>
+    <dgm:txPr/>
+    <dgm:style>
+      <a:lnRef idx="2">
+        <a:scrgbClr r="0" g="0" b="0"/>
+      </a:lnRef>
+      <a:fillRef idx="1">
+        <a:scrgbClr r="0" g="0" b="0"/>
+      </a:fillRef>
+      <a:effectRef idx="0">
+        <a:scrgbClr r="0" g="0" b="0"/>
+      </a:effectRef>
+      <a:fontRef idx="minor"/>
+    </dgm:style>
+  </dgm:styleLbl>
+  <dgm:styleLbl name="trAlignAcc1">
+    <dgm:scene3d>
+      <a:camera prst="orthographicFront"/>
+      <a:lightRig rig="threePt" dir="t"/>
+    </dgm:scene3d>
+    <dgm:sp3d/>
+    <dgm:txPr/>
+    <dgm:style>
+      <a:lnRef idx="1">
+        <a:scrgbClr r="0" g="0" b="0"/>
+      </a:lnRef>
+      <a:fillRef idx="1">
+        <a:scrgbClr r="0" g="0" b="0"/>
+      </a:fillRef>
+      <a:effectRef idx="0">
+        <a:scrgbClr r="0" g="0" b="0"/>
+      </a:effectRef>
+      <a:fontRef idx="minor"/>
+    </dgm:style>
+  </dgm:styleLbl>
+  <dgm:styleLbl name="bgAcc1">
+    <dgm:scene3d>
+      <a:camera prst="orthographicFront"/>
+      <a:lightRig rig="threePt" dir="t"/>
+    </dgm:scene3d>
+    <dgm:sp3d/>
+    <dgm:txPr/>
+    <dgm:style>
+      <a:lnRef idx="2">
+        <a:scrgbClr r="0" g="0" b="0"/>
+      </a:lnRef>
+      <a:fillRef idx="1">
+        <a:scrgbClr r="0" g="0" b="0"/>
+      </a:fillRef>
+      <a:effectRef idx="0">
+        <a:scrgbClr r="0" g="0" b="0"/>
+      </a:effectRef>
+      <a:fontRef idx="minor"/>
+    </dgm:style>
+  </dgm:styleLbl>
+  <dgm:styleLbl name="solidFgAcc1">
+    <dgm:scene3d>
+      <a:camera prst="orthographicFront"/>
+      <a:lightRig rig="threePt" dir="t"/>
+    </dgm:scene3d>
+    <dgm:sp3d/>
+    <dgm:txPr/>
+    <dgm:style>
+      <a:lnRef idx="2">
+        <a:scrgbClr r="0" g="0" b="0"/>
+      </a:lnRef>
+      <a:fillRef idx="1">
+        <a:scrgbClr r="0" g="0" b="0"/>
+      </a:fillRef>
+      <a:effectRef idx="0">
+        <a:scrgbClr r="0" g="0" b="0"/>
+      </a:effectRef>
+      <a:fontRef idx="minor"/>
+    </dgm:style>
+  </dgm:styleLbl>
+  <dgm:styleLbl name="solidAlignAcc1">
+    <dgm:scene3d>
+      <a:camera prst="orthographicFront"/>
+      <a:lightRig rig="threePt" dir="t"/>
+    </dgm:scene3d>
+    <dgm:sp3d/>
+    <dgm:txPr/>
+    <dgm:style>
+      <a:lnRef idx="2">
+        <a:scrgbClr r="0" g="0" b="0"/>
+      </a:lnRef>
+      <a:fillRef idx="1">
+        <a:scrgbClr r="0" g="0" b="0"/>
+      </a:fillRef>
+      <a:effectRef idx="0">
+        <a:scrgbClr r="0" g="0" b="0"/>
+      </a:effectRef>
+      <a:fontRef idx="minor"/>
+    </dgm:style>
+  </dgm:styleLbl>
+  <dgm:styleLbl name="solidBgAcc1">
+    <dgm:scene3d>
+      <a:camera prst="orthographicFront"/>
+      <a:lightRig rig="threePt" dir="t"/>
+    </dgm:scene3d>
+    <dgm:sp3d/>
+    <dgm:txPr/>
+    <dgm:style>
+      <a:lnRef idx="2">
+        <a:scrgbClr r="0" g="0" b="0"/>
+      </a:lnRef>
+      <a:fillRef idx="1">
+        <a:scrgbClr r="0" g="0" b="0"/>
+      </a:fillRef>
+      <a:effectRef idx="0">
+        <a:scrgbClr r="0" g="0" b="0"/>
+      </a:effectRef>
+      <a:fontRef idx="minor"/>
+    </dgm:style>
+  </dgm:styleLbl>
+  <dgm:styleLbl name="fgAccFollowNode1">
+    <dgm:scene3d>
+      <a:camera prst="orthographicFront"/>
+      <a:lightRig rig="threePt" dir="t"/>
+    </dgm:scene3d>
+    <dgm:sp3d/>
+    <dgm:txPr/>
+    <dgm:style>
+      <a:lnRef idx="2">
+        <a:scrgbClr r="0" g="0" b="0"/>
+      </a:lnRef>
+      <a:fillRef idx="1">
+        <a:scrgbClr r="0" g="0" b="0"/>
+      </a:fillRef>
+      <a:effectRef idx="0">
+        <a:scrgbClr r="0" g="0" b="0"/>
+      </a:effectRef>
+      <a:fontRef idx="minor"/>
+    </dgm:style>
+  </dgm:styleLbl>
+  <dgm:styleLbl name="alignAccFollowNode1">
+    <dgm:scene3d>
+      <a:camera prst="orthographicFront"/>
+      <a:lightRig rig="threePt" dir="t"/>
+    </dgm:scene3d>
+    <dgm:sp3d/>
+    <dgm:txPr/>
+    <dgm:style>
+      <a:lnRef idx="2">
+        <a:scrgbClr r="0" g="0" b="0"/>
+      </a:lnRef>
+      <a:fillRef idx="1">
+        <a:scrgbClr r="0" g="0" b="0"/>
+      </a:fillRef>
+      <a:effectRef idx="0">
+        <a:scrgbClr r="0" g="0" b="0"/>
+      </a:effectRef>
+      <a:fontRef idx="minor"/>
+    </dgm:style>
+  </dgm:styleLbl>
+  <dgm:styleLbl name="bgAccFollowNode1">
+    <dgm:scene3d>
+      <a:camera prst="orthographicFront"/>
+      <a:lightRig rig="threePt" dir="t"/>
+    </dgm:scene3d>
+    <dgm:sp3d/>
+    <dgm:txPr/>
+    <dgm:style>
+      <a:lnRef idx="2">
+        <a:scrgbClr r="0" g="0" b="0"/>
+      </a:lnRef>
+      <a:fillRef idx="1">
+        <a:scrgbClr r="0" g="0" b="0"/>
+      </a:fillRef>
+      <a:effectRef idx="0">
+        <a:scrgbClr r="0" g="0" b="0"/>
+      </a:effectRef>
+      <a:fontRef idx="minor"/>
+    </dgm:style>
+  </dgm:styleLbl>
+  <dgm:styleLbl name="fgAcc0">
+    <dgm:scene3d>
+      <a:camera prst="orthographicFront"/>
+      <a:lightRig rig="threePt" dir="t"/>
+    </dgm:scene3d>
+    <dgm:sp3d/>
+    <dgm:txPr/>
+    <dgm:style>
+      <a:lnRef idx="2">
+        <a:scrgbClr r="0" g="0" b="0"/>
+      </a:lnRef>
+      <a:fillRef idx="1">
+        <a:scrgbClr r="0" g="0" b="0"/>
+      </a:fillRef>
+      <a:effectRef idx="0">
+        <a:scrgbClr r="0" g="0" b="0"/>
+      </a:effectRef>
+      <a:fontRef idx="minor"/>
+    </dgm:style>
+  </dgm:styleLbl>
+  <dgm:styleLbl name="fgAcc2">
+    <dgm:scene3d>
+      <a:camera prst="orthographicFront"/>
+      <a:lightRig rig="threePt" dir="t"/>
+    </dgm:scene3d>
+    <dgm:sp3d/>
+    <dgm:txPr/>
+    <dgm:style>
+      <a:lnRef idx="2">
+        <a:scrgbClr r="0" g="0" b="0"/>
+      </a:lnRef>
+      <a:fillRef idx="1">
+        <a:scrgbClr r="0" g="0" b="0"/>
+      </a:fillRef>
+      <a:effectRef idx="0">
+        <a:scrgbClr r="0" g="0" b="0"/>
+      </a:effectRef>
+      <a:fontRef idx="minor"/>
+    </dgm:style>
+  </dgm:styleLbl>
+  <dgm:styleLbl name="fgAcc3">
+    <dgm:scene3d>
+      <a:camera prst="orthographicFront"/>
+      <a:lightRig rig="threePt" dir="t"/>
+    </dgm:scene3d>
+    <dgm:sp3d/>
+    <dgm:txPr/>
+    <dgm:style>
+      <a:lnRef idx="2">
+        <a:scrgbClr r="0" g="0" b="0"/>
+      </a:lnRef>
+      <a:fillRef idx="1">
+        <a:scrgbClr r="0" g="0" b="0"/>
+      </a:fillRef>
+      <a:effectRef idx="0">
+        <a:scrgbClr r="0" g="0" b="0"/>
+      </a:effectRef>
+      <a:fontRef idx="minor"/>
+    </dgm:style>
+  </dgm:styleLbl>
+  <dgm:styleLbl name="fgAcc4">
+    <dgm:scene3d>
+      <a:camera prst="orthographicFront"/>
+      <a:lightRig rig="threePt" dir="t"/>
+    </dgm:scene3d>
+    <dgm:sp3d/>
+    <dgm:txPr/>
+    <dgm:style>
+      <a:lnRef idx="2">
+        <a:scrgbClr r="0" g="0" b="0"/>
+      </a:lnRef>
+      <a:fillRef idx="1">
+        <a:scrgbClr r="0" g="0" b="0"/>
+      </a:fillRef>
+      <a:effectRef idx="0">
+        <a:scrgbClr r="0" g="0" b="0"/>
+      </a:effectRef>
+      <a:fontRef idx="minor"/>
+    </dgm:style>
+  </dgm:styleLbl>
+  <dgm:styleLbl name="bgShp">
+    <dgm:scene3d>
+      <a:camera prst="orthographicFront"/>
+      <a:lightRig rig="threePt" dir="t"/>
+    </dgm:scene3d>
+    <dgm:sp3d/>
+    <dgm:txPr/>
+    <dgm:style>
+      <a:lnRef idx="0">
+        <a:scrgbClr r="0" g="0" b="0"/>
+      </a:lnRef>
+      <a:fillRef idx="1">
+        <a:scrgbClr r="0" g="0" b="0"/>
+      </a:fillRef>
+      <a:effectRef idx="0">
+        <a:scrgbClr r="0" g="0" b="0"/>
+      </a:effectRef>
+      <a:fontRef idx="minor"/>
+    </dgm:style>
+  </dgm:styleLbl>
+  <dgm:styleLbl name="dkBgShp">
+    <dgm:scene3d>
+      <a:camera prst="orthographicFront"/>
+      <a:lightRig rig="threePt" dir="t"/>
+    </dgm:scene3d>
+    <dgm:sp3d/>
+    <dgm:txPr/>
+    <dgm:style>
+      <a:lnRef idx="0">
+        <a:scrgbClr r="0" g="0" b="0"/>
+      </a:lnRef>
+      <a:fillRef idx="1">
+        <a:scrgbClr r="0" g="0" b="0"/>
+      </a:fillRef>
+      <a:effectRef idx="0">
+        <a:scrgbClr r="0" g="0" b="0"/>
+      </a:effectRef>
+      <a:fontRef idx="minor"/>
+    </dgm:style>
+  </dgm:styleLbl>
+  <dgm:styleLbl name="trBgShp">
+    <dgm:scene3d>
+      <a:camera prst="orthographicFront"/>
+      <a:lightRig rig="threePt" dir="t"/>
+    </dgm:scene3d>
+    <dgm:sp3d/>
+    <dgm:txPr/>
+    <dgm:style>
+      <a:lnRef idx="0">
+        <a:scrgbClr r="0" g="0" b="0"/>
+      </a:lnRef>
+      <a:fillRef idx="1">
+        <a:scrgbClr r="0" g="0" b="0"/>
+      </a:fillRef>
+      <a:effectRef idx="0">
+        <a:scrgbClr r="0" g="0" b="0"/>
+      </a:effectRef>
+      <a:fontRef idx="minor"/>
+    </dgm:style>
+  </dgm:styleLbl>
+  <dgm:styleLbl name="fgShp">
+    <dgm:scene3d>
+      <a:camera prst="orthographicFront"/>
+      <a:lightRig rig="threePt" dir="t"/>
+    </dgm:scene3d>
+    <dgm:sp3d/>
+    <dgm:txPr/>
+    <dgm:style>
+      <a:lnRef idx="2">
+        <a:scrgbClr r="0" g="0" b="0"/>
+      </a:lnRef>
+      <a:fillRef idx="1">
+        <a:scrgbClr r="0" g="0" b="0"/>
+      </a:fillRef>
+      <a:effectRef idx="0">
+        <a:scrgbClr r="0" g="0" b="0"/>
+      </a:effectRef>
+      <a:fontRef idx="minor"/>
+    </dgm:style>
+  </dgm:styleLbl>
+  <dgm:styleLbl name="revTx">
+    <dgm:scene3d>
+      <a:camera prst="orthographicFront"/>
+      <a:lightRig rig="threePt" dir="t"/>
+    </dgm:scene3d>
+    <dgm:sp3d/>
+    <dgm:txPr/>
+    <dgm:style>
+      <a:lnRef idx="0">
+        <a:scrgbClr r="0" g="0" b="0"/>
+      </a:lnRef>
+      <a:fillRef idx="0">
+        <a:scrgbClr r="0" g="0" b="0"/>
+      </a:fillRef>
+      <a:effectRef idx="0">
+        <a:scrgbClr r="0" g="0" b="0"/>
+      </a:effectRef>
+      <a:fontRef idx="minor"/>
+    </dgm:style>
+  </dgm:styleLbl>
+</dgm:styleDef>
+</file>
+
+<file path=ppt/diagrams/quickStyle3.xml><?xml version="1.0" encoding="utf-8"?>
+<dgm:styleDef xmlns:dgm="http://schemas.openxmlformats.org/drawingml/2006/diagram" xmlns:a="http://schemas.openxmlformats.org/drawingml/2006/main" uniqueId="urn:microsoft.com/office/officeart/2005/8/quickstyle/simple1">
+  <dgm:title val=""/>
+  <dgm:desc val=""/>
+  <dgm:catLst>
+    <dgm:cat type="simple" pri="10100"/>
+  </dgm:catLst>
+  <dgm:scene3d>
+    <a:camera prst="orthographicFront"/>
+    <a:lightRig rig="threePt" dir="t"/>
+  </dgm:scene3d>
+  <dgm:styleLbl name="node0">
+    <dgm:scene3d>
+      <a:camera prst="orthographicFront"/>
+      <a:lightRig rig="threePt" dir="t"/>
+    </dgm:scene3d>
+    <dgm:sp3d/>
+    <dgm:txPr/>
+    <dgm:style>
+      <a:lnRef idx="2">
+        <a:scrgbClr r="0" g="0" b="0"/>
+      </a:lnRef>
+      <a:fillRef idx="1">
+        <a:scrgbClr r="0" g="0" b="0"/>
+      </a:fillRef>
+      <a:effectRef idx="0">
+        <a:scrgbClr r="0" g="0" b="0"/>
+      </a:effectRef>
+      <a:fontRef idx="minor">
+        <a:schemeClr val="lt1"/>
+      </a:fontRef>
+    </dgm:style>
+  </dgm:styleLbl>
+  <dgm:styleLbl name="lnNode1">
+    <dgm:scene3d>
+      <a:camera prst="orthographicFront"/>
+      <a:lightRig rig="threePt" dir="t"/>
+    </dgm:scene3d>
+    <dgm:sp3d/>
+    <dgm:txPr/>
+    <dgm:style>
+      <a:lnRef idx="2">
+        <a:scrgbClr r="0" g="0" b="0"/>
+      </a:lnRef>
+      <a:fillRef idx="1">
+        <a:scrgbClr r="0" g="0" b="0"/>
+      </a:fillRef>
+      <a:effectRef idx="0">
+        <a:scrgbClr r="0" g="0" b="0"/>
+      </a:effectRef>
+      <a:fontRef idx="minor">
+        <a:schemeClr val="lt1"/>
+      </a:fontRef>
+    </dgm:style>
+  </dgm:styleLbl>
+  <dgm:styleLbl name="vennNode1">
+    <dgm:scene3d>
+      <a:camera prst="orthographicFront"/>
+      <a:lightRig rig="threePt" dir="t"/>
+    </dgm:scene3d>
+    <dgm:sp3d/>
+    <dgm:txPr/>
+    <dgm:style>
+      <a:lnRef idx="2">
+        <a:scrgbClr r="0" g="0" b="0"/>
+      </a:lnRef>
+      <a:fillRef idx="1">
+        <a:scrgbClr r="0" g="0" b="0"/>
+      </a:fillRef>
+      <a:effectRef idx="0">
+        <a:scrgbClr r="0" g="0" b="0"/>
+      </a:effectRef>
+      <a:fontRef idx="minor">
+        <a:schemeClr val="tx1"/>
+      </a:fontRef>
+    </dgm:style>
+  </dgm:styleLbl>
+  <dgm:styleLbl name="alignNode1">
+    <dgm:scene3d>
+      <a:camera prst="orthographicFront"/>
+      <a:lightRig rig="threePt" dir="t"/>
+    </dgm:scene3d>
+    <dgm:sp3d/>
+    <dgm:txPr/>
+    <dgm:style>
+      <a:lnRef idx="2">
+        <a:scrgbClr r="0" g="0" b="0"/>
+      </a:lnRef>
+      <a:fillRef idx="1">
+        <a:scrgbClr r="0" g="0" b="0"/>
+      </a:fillRef>
+      <a:effectRef idx="0">
+        <a:scrgbClr r="0" g="0" b="0"/>
+      </a:effectRef>
+      <a:fontRef idx="minor">
+        <a:schemeClr val="lt1"/>
+      </a:fontRef>
+    </dgm:style>
+  </dgm:styleLbl>
+  <dgm:styleLbl name="node1">
+    <dgm:scene3d>
+      <a:camera prst="orthographicFront"/>
+      <a:lightRig rig="threePt" dir="t"/>
+    </dgm:scene3d>
+    <dgm:sp3d/>
+    <dgm:txPr/>
+    <dgm:style>
+      <a:lnRef idx="2">
+        <a:scrgbClr r="0" g="0" b="0"/>
+      </a:lnRef>
+      <a:fillRef idx="1">
+        <a:scrgbClr r="0" g="0" b="0"/>
+      </a:fillRef>
+      <a:effectRef idx="0">
+        <a:scrgbClr r="0" g="0" b="0"/>
+      </a:effectRef>
+      <a:fontRef idx="minor">
+        <a:schemeClr val="lt1"/>
+      </a:fontRef>
+    </dgm:style>
+  </dgm:styleLbl>
+  <dgm:styleLbl name="node2">
+    <dgm:scene3d>
+      <a:camera prst="orthographicFront"/>
+      <a:lightRig rig="threePt" dir="t"/>
+    </dgm:scene3d>
+    <dgm:sp3d/>
+    <dgm:txPr/>
+    <dgm:style>
+      <a:lnRef idx="2">
+        <a:scrgbClr r="0" g="0" b="0"/>
+      </a:lnRef>
+      <a:fillRef idx="1">
+        <a:scrgbClr r="0" g="0" b="0"/>
+      </a:fillRef>
+      <a:effectRef idx="0">
+        <a:scrgbClr r="0" g="0" b="0"/>
+      </a:effectRef>
+      <a:fontRef idx="minor">
+        <a:schemeClr val="lt1"/>
+      </a:fontRef>
+    </dgm:style>
+  </dgm:styleLbl>
+  <dgm:styleLbl name="node3">
+    <dgm:scene3d>
+      <a:camera prst="orthographicFront"/>
+      <a:lightRig rig="threePt" dir="t"/>
+    </dgm:scene3d>
+    <dgm:sp3d/>
+    <dgm:txPr/>
+    <dgm:style>
+      <a:lnRef idx="2">
+        <a:scrgbClr r="0" g="0" b="0"/>
+      </a:lnRef>
+      <a:fillRef idx="1">
+        <a:scrgbClr r="0" g="0" b="0"/>
+      </a:fillRef>
+      <a:effectRef idx="0">
+        <a:scrgbClr r="0" g="0" b="0"/>
+      </a:effectRef>
+      <a:fontRef idx="minor">
+        <a:schemeClr val="lt1"/>
+      </a:fontRef>
+    </dgm:style>
+  </dgm:styleLbl>
+  <dgm:styleLbl name="node4">
+    <dgm:scene3d>
+      <a:camera prst="orthographicFront"/>
+      <a:lightRig rig="threePt" dir="t"/>
+    </dgm:scene3d>
+    <dgm:sp3d/>
+    <dgm:txPr/>
+    <dgm:style>
+      <a:lnRef idx="2">
+        <a:scrgbClr r="0" g="0" b="0"/>
+      </a:lnRef>
+      <a:fillRef idx="1">
+        <a:scrgbClr r="0" g="0" b="0"/>
+      </a:fillRef>
+      <a:effectRef idx="0">
+        <a:scrgbClr r="0" g="0" b="0"/>
+      </a:effectRef>
+      <a:fontRef idx="minor">
+        <a:schemeClr val="lt1"/>
+      </a:fontRef>
+    </dgm:style>
+  </dgm:styleLbl>
+  <dgm:styleLbl name="fgImgPlace1">
+    <dgm:scene3d>
+      <a:camera prst="orthographicFront"/>
+      <a:lightRig rig="threePt" dir="t"/>
+    </dgm:scene3d>
+    <dgm:sp3d/>
+    <dgm:txPr/>
+    <dgm:style>
+      <a:lnRef idx="2">
+        <a:scrgbClr r="0" g="0" b="0"/>
+      </a:lnRef>
+      <a:fillRef idx="1">
+        <a:scrgbClr r="0" g="0" b="0"/>
+      </a:fillRef>
+      <a:effectRef idx="0">
+        <a:scrgbClr r="0" g="0" b="0"/>
+      </a:effectRef>
+      <a:fontRef idx="minor"/>
+    </dgm:style>
+  </dgm:styleLbl>
+  <dgm:styleLbl name="alignImgPlace1">
+    <dgm:scene3d>
+      <a:camera prst="orthographicFront"/>
+      <a:lightRig rig="threePt" dir="t"/>
+    </dgm:scene3d>
+    <dgm:sp3d/>
+    <dgm:txPr/>
+    <dgm:style>
+      <a:lnRef idx="2">
+        <a:scrgbClr r="0" g="0" b="0"/>
+      </a:lnRef>
+      <a:fillRef idx="1">
+        <a:scrgbClr r="0" g="0" b="0"/>
+      </a:fillRef>
+      <a:effectRef idx="0">
+        <a:scrgbClr r="0" g="0" b="0"/>
+      </a:effectRef>
+      <a:fontRef idx="minor"/>
+    </dgm:style>
+  </dgm:styleLbl>
+  <dgm:styleLbl name="bgImgPlace1">
+    <dgm:scene3d>
+      <a:camera prst="orthographicFront"/>
+      <a:lightRig rig="threePt" dir="t"/>
+    </dgm:scene3d>
+    <dgm:sp3d/>
+    <dgm:txPr/>
+    <dgm:style>
+      <a:lnRef idx="2">
+        <a:scrgbClr r="0" g="0" b="0"/>
+      </a:lnRef>
+      <a:fillRef idx="1">
+        <a:scrgbClr r="0" g="0" b="0"/>
+      </a:fillRef>
+      <a:effectRef idx="0">
+        <a:scrgbClr r="0" g="0" b="0"/>
+      </a:effectRef>
+      <a:fontRef idx="minor"/>
+    </dgm:style>
+  </dgm:styleLbl>
+  <dgm:styleLbl name="sibTrans2D1">
+    <dgm:scene3d>
+      <a:camera prst="orthographicFront"/>
+      <a:lightRig rig="threePt" dir="t"/>
+    </dgm:scene3d>
+    <dgm:sp3d/>
+    <dgm:txPr/>
+    <dgm:style>
+      <a:lnRef idx="0">
+        <a:scrgbClr r="0" g="0" b="0"/>
+      </a:lnRef>
+      <a:fillRef idx="1">
+        <a:scrgbClr r="0" g="0" b="0"/>
+      </a:fillRef>
+      <a:effectRef idx="0">
+        <a:scrgbClr r="0" g="0" b="0"/>
+      </a:effectRef>
+      <a:fontRef idx="minor">
+        <a:schemeClr val="lt1"/>
+      </a:fontRef>
+    </dgm:style>
+  </dgm:styleLbl>
+  <dgm:styleLbl name="fgSibTrans2D1">
+    <dgm:scene3d>
+      <a:camera prst="orthographicFront"/>
+      <a:lightRig rig="threePt" dir="t"/>
+    </dgm:scene3d>
+    <dgm:sp3d/>
+    <dgm:txPr/>
+    <dgm:style>
+      <a:lnRef idx="0">
+        <a:scrgbClr r="0" g="0" b="0"/>
+      </a:lnRef>
+      <a:fillRef idx="1">
+        <a:scrgbClr r="0" g="0" b="0"/>
+      </a:fillRef>
+      <a:effectRef idx="0">
+        <a:scrgbClr r="0" g="0" b="0"/>
+      </a:effectRef>
+      <a:fontRef idx="minor">
+        <a:schemeClr val="lt1"/>
+      </a:fontRef>
+    </dgm:style>
+  </dgm:styleLbl>
+  <dgm:styleLbl name="bgSibTrans2D1">
+    <dgm:scene3d>
+      <a:camera prst="orthographicFront"/>
+      <a:lightRig rig="threePt" dir="t"/>
+    </dgm:scene3d>
+    <dgm:sp3d/>
+    <dgm:txPr/>
+    <dgm:style>
+      <a:lnRef idx="0">
+        <a:scrgbClr r="0" g="0" b="0"/>
+      </a:lnRef>
+      <a:fillRef idx="1">
+        <a:scrgbClr r="0" g="0" b="0"/>
+      </a:fillRef>
+      <a:effectRef idx="0">
+        <a:scrgbClr r="0" g="0" b="0"/>
+      </a:effectRef>
+      <a:fontRef idx="minor">
+        <a:schemeClr val="lt1"/>
+      </a:fontRef>
+    </dgm:style>
+  </dgm:styleLbl>
+  <dgm:styleLbl name="sibTrans1D1">
+    <dgm:scene3d>
+      <a:camera prst="orthographicFront"/>
+      <a:lightRig rig="threePt" dir="t"/>
+    </dgm:scene3d>
+    <dgm:sp3d/>
+    <dgm:txPr/>
+    <dgm:style>
+      <a:lnRef idx="1">
+        <a:scrgbClr r="0" g="0" b="0"/>
+      </a:lnRef>
+      <a:fillRef idx="0">
+        <a:scrgbClr r="0" g="0" b="0"/>
+      </a:fillRef>
+      <a:effectRef idx="0">
+        <a:scrgbClr r="0" g="0" b="0"/>
+      </a:effectRef>
+      <a:fontRef idx="minor"/>
+    </dgm:style>
+  </dgm:styleLbl>
+  <dgm:styleLbl name="callout">
+    <dgm:scene3d>
+      <a:camera prst="orthographicFront"/>
+      <a:lightRig rig="threePt" dir="t"/>
+    </dgm:scene3d>
+    <dgm:sp3d/>
+    <dgm:txPr/>
+    <dgm:style>
+      <a:lnRef idx="2">
+        <a:scrgbClr r="0" g="0" b="0"/>
+      </a:lnRef>
+      <a:fillRef idx="1">
+        <a:scrgbClr r="0" g="0" b="0"/>
+      </a:fillRef>
+      <a:effectRef idx="0">
+        <a:scrgbClr r="0" g="0" b="0"/>
+      </a:effectRef>
+      <a:fontRef idx="minor"/>
+    </dgm:style>
+  </dgm:styleLbl>
+  <dgm:styleLbl name="asst0">
+    <dgm:scene3d>
+      <a:camera prst="orthographicFront"/>
+      <a:lightRig rig="threePt" dir="t"/>
+    </dgm:scene3d>
+    <dgm:sp3d/>
+    <dgm:txPr/>
+    <dgm:style>
+      <a:lnRef idx="2">
+        <a:scrgbClr r="0" g="0" b="0"/>
+      </a:lnRef>
+      <a:fillRef idx="1">
+        <a:scrgbClr r="0" g="0" b="0"/>
+      </a:fillRef>
+      <a:effectRef idx="0">
+        <a:scrgbClr r="0" g="0" b="0"/>
+      </a:effectRef>
+      <a:fontRef idx="minor">
+        <a:schemeClr val="lt1"/>
+      </a:fontRef>
+    </dgm:style>
+  </dgm:styleLbl>
+  <dgm:styleLbl name="asst1">
+    <dgm:scene3d>
+      <a:camera prst="orthographicFront"/>
+      <a:lightRig rig="threePt" dir="t"/>
+    </dgm:scene3d>
+    <dgm:sp3d/>
+    <dgm:txPr/>
+    <dgm:style>
+      <a:lnRef idx="2">
+        <a:scrgbClr r="0" g="0" b="0"/>
+      </a:lnRef>
+      <a:fillRef idx="1">
+        <a:scrgbClr r="0" g="0" b="0"/>
+      </a:fillRef>
+      <a:effectRef idx="0">
+        <a:scrgbClr r="0" g="0" b="0"/>
+      </a:effectRef>
+      <a:fontRef idx="minor">
+        <a:schemeClr val="lt1"/>
+      </a:fontRef>
+    </dgm:style>
+  </dgm:styleLbl>
+  <dgm:styleLbl name="asst2">
+    <dgm:scene3d>
+      <a:camera prst="orthographicFront"/>
+      <a:lightRig rig="threePt" dir="t"/>
+    </dgm:scene3d>
+    <dgm:sp3d/>
+    <dgm:txPr/>
+    <dgm:style>
+      <a:lnRef idx="2">
+        <a:scrgbClr r="0" g="0" b="0"/>
+      </a:lnRef>
+      <a:fillRef idx="1">
+        <a:scrgbClr r="0" g="0" b="0"/>
+      </a:fillRef>
+      <a:effectRef idx="0">
+        <a:scrgbClr r="0" g="0" b="0"/>
+      </a:effectRef>
+      <a:fontRef idx="minor">
+        <a:schemeClr val="lt1"/>
+      </a:fontRef>
+    </dgm:style>
+  </dgm:styleLbl>
+  <dgm:styleLbl name="asst3">
+    <dgm:scene3d>
+      <a:camera prst="orthographicFront"/>
+      <a:lightRig rig="threePt" dir="t"/>
+    </dgm:scene3d>
+    <dgm:sp3d/>
+    <dgm:txPr/>
+    <dgm:style>
+      <a:lnRef idx="2">
+        <a:scrgbClr r="0" g="0" b="0"/>
+      </a:lnRef>
+      <a:fillRef idx="1">
+        <a:scrgbClr r="0" g="0" b="0"/>
+      </a:fillRef>
+      <a:effectRef idx="0">
+        <a:scrgbClr r="0" g="0" b="0"/>
+      </a:effectRef>
+      <a:fontRef idx="minor">
+        <a:schemeClr val="lt1"/>
+      </a:fontRef>
+    </dgm:style>
+  </dgm:styleLbl>
+  <dgm:styleLbl name="asst4">
+    <dgm:scene3d>
+      <a:camera prst="orthographicFront"/>
+      <a:lightRig rig="threePt" dir="t"/>
+    </dgm:scene3d>
+    <dgm:sp3d/>
+    <dgm:txPr/>
+    <dgm:style>
+      <a:lnRef idx="2">
+        <a:scrgbClr r="0" g="0" b="0"/>
+      </a:lnRef>
+      <a:fillRef idx="1">
+        <a:scrgbClr r="0" g="0" b="0"/>
+      </a:fillRef>
+      <a:effectRef idx="0">
+        <a:scrgbClr r="0" g="0" b="0"/>
+      </a:effectRef>
+      <a:fontRef idx="minor">
+        <a:schemeClr val="lt1"/>
+      </a:fontRef>
+    </dgm:style>
+  </dgm:styleLbl>
+  <dgm:styleLbl name="parChTrans2D1">
+    <dgm:scene3d>
+      <a:camera prst="orthographicFront"/>
+      <a:lightRig rig="threePt" dir="t"/>
+    </dgm:scene3d>
+    <dgm:sp3d/>
+    <dgm:txPr/>
+    <dgm:style>
+      <a:lnRef idx="2">
+        <a:scrgbClr r="0" g="0" b="0"/>
+      </a:lnRef>
+      <a:fillRef idx="1">
+        <a:scrgbClr r="0" g="0" b="0"/>
+      </a:fillRef>
+      <a:effectRef idx="0">
+        <a:scrgbClr r="0" g="0" b="0"/>
+      </a:effectRef>
+      <a:fontRef idx="minor">
+        <a:schemeClr val="lt1"/>
+      </a:fontRef>
+    </dgm:style>
+  </dgm:styleLbl>
+  <dgm:styleLbl name="parChTrans2D2">
+    <dgm:scene3d>
+      <a:camera prst="orthographicFront"/>
+      <a:lightRig rig="threePt" dir="t"/>
+    </dgm:scene3d>
+    <dgm:sp3d/>
+    <dgm:txPr/>
+    <dgm:style>
+      <a:lnRef idx="2">
+        <a:scrgbClr r="0" g="0" b="0"/>
+      </a:lnRef>
+      <a:fillRef idx="1">
+        <a:scrgbClr r="0" g="0" b="0"/>
+      </a:fillRef>
+      <a:effectRef idx="0">
+        <a:scrgbClr r="0" g="0" b="0"/>
+      </a:effectRef>
+      <a:fontRef idx="minor">
+        <a:schemeClr val="lt1"/>
+      </a:fontRef>
+    </dgm:style>
+  </dgm:styleLbl>
+  <dgm:styleLbl name="parChTrans2D3">
+    <dgm:scene3d>
+      <a:camera prst="orthographicFront"/>
+      <a:lightRig rig="threePt" dir="t"/>
+    </dgm:scene3d>
+    <dgm:sp3d/>
+    <dgm:txPr/>
+    <dgm:style>
+      <a:lnRef idx="2">
+        <a:scrgbClr r="0" g="0" b="0"/>
+      </a:lnRef>
+      <a:fillRef idx="1">
+        <a:scrgbClr r="0" g="0" b="0"/>
+      </a:fillRef>
+      <a:effectRef idx="0">
+        <a:scrgbClr r="0" g="0" b="0"/>
+      </a:effectRef>
+      <a:fontRef idx="minor">
+        <a:schemeClr val="lt1"/>
+      </a:fontRef>
+    </dgm:style>
+  </dgm:styleLbl>
+  <dgm:styleLbl name="parChTrans2D4">
+    <dgm:scene3d>
+      <a:camera prst="orthographicFront"/>
+      <a:lightRig rig="threePt" dir="t"/>
+    </dgm:scene3d>
+    <dgm:sp3d/>
+    <dgm:txPr/>
+    <dgm:style>
+      <a:lnRef idx="2">
+        <a:scrgbClr r="0" g="0" b="0"/>
+      </a:lnRef>
+      <a:fillRef idx="1">
+        <a:scrgbClr r="0" g="0" b="0"/>
+      </a:fillRef>
+      <a:effectRef idx="0">
+        <a:scrgbClr r="0" g="0" b="0"/>
+      </a:effectRef>
+      <a:fontRef idx="minor">
+        <a:schemeClr val="lt1"/>
+      </a:fontRef>
+    </dgm:style>
+  </dgm:styleLbl>
+  <dgm:styleLbl name="parChTrans1D1">
+    <dgm:scene3d>
+      <a:camera prst="orthographicFront"/>
+      <a:lightRig rig="threePt" dir="t"/>
+    </dgm:scene3d>
+    <dgm:sp3d/>
+    <dgm:txPr/>
+    <dgm:style>
+      <a:lnRef idx="2">
+        <a:scrgbClr r="0" g="0" b="0"/>
+      </a:lnRef>
+      <a:fillRef idx="0">
+        <a:scrgbClr r="0" g="0" b="0"/>
+      </a:fillRef>
+      <a:effectRef idx="0">
+        <a:scrgbClr r="0" g="0" b="0"/>
+      </a:effectRef>
+      <a:fontRef idx="minor"/>
+    </dgm:style>
+  </dgm:styleLbl>
+  <dgm:styleLbl name="parChTrans1D2">
+    <dgm:scene3d>
+      <a:camera prst="orthographicFront"/>
+      <a:lightRig rig="threePt" dir="t"/>
+    </dgm:scene3d>
+    <dgm:sp3d/>
+    <dgm:txPr/>
+    <dgm:style>
+      <a:lnRef idx="2">
+        <a:scrgbClr r="0" g="0" b="0"/>
+      </a:lnRef>
+      <a:fillRef idx="0">
+        <a:scrgbClr r="0" g="0" b="0"/>
+      </a:fillRef>
+      <a:effectRef idx="0">
+        <a:scrgbClr r="0" g="0" b="0"/>
+      </a:effectRef>
+      <a:fontRef idx="minor"/>
+    </dgm:style>
+  </dgm:styleLbl>
+  <dgm:styleLbl name="parChTrans1D3">
+    <dgm:scene3d>
+      <a:camera prst="orthographicFront"/>
+      <a:lightRig rig="threePt" dir="t"/>
+    </dgm:scene3d>
+    <dgm:sp3d/>
+    <dgm:txPr/>
+    <dgm:style>
+      <a:lnRef idx="2">
+        <a:scrgbClr r="0" g="0" b="0"/>
+      </a:lnRef>
+      <a:fillRef idx="0">
+        <a:scrgbClr r="0" g="0" b="0"/>
+      </a:fillRef>
+      <a:effectRef idx="0">
+        <a:scrgbClr r="0" g="0" b="0"/>
+      </a:effectRef>
+      <a:fontRef idx="minor"/>
+    </dgm:style>
+  </dgm:styleLbl>
+  <dgm:styleLbl name="parChTrans1D4">
+    <dgm:scene3d>
+      <a:camera prst="orthographicFront"/>
+      <a:lightRig rig="threePt" dir="t"/>
+    </dgm:scene3d>
+    <dgm:sp3d/>
+    <dgm:txPr/>
+    <dgm:style>
+      <a:lnRef idx="2">
+        <a:scrgbClr r="0" g="0" b="0"/>
+      </a:lnRef>
+      <a:fillRef idx="0">
+        <a:scrgbClr r="0" g="0" b="0"/>
+      </a:fillRef>
+      <a:effectRef idx="0">
+        <a:scrgbClr r="0" g="0" b="0"/>
+      </a:effectRef>
+      <a:fontRef idx="minor"/>
+    </dgm:style>
+  </dgm:styleLbl>
+  <dgm:styleLbl name="fgAcc1">
+    <dgm:scene3d>
+      <a:camera prst="orthographicFront"/>
+      <a:lightRig rig="threePt" dir="t"/>
+    </dgm:scene3d>
+    <dgm:sp3d/>
+    <dgm:txPr/>
+    <dgm:style>
+      <a:lnRef idx="2">
+        <a:scrgbClr r="0" g="0" b="0"/>
+      </a:lnRef>
+      <a:fillRef idx="1">
+        <a:scrgbClr r="0" g="0" b="0"/>
+      </a:fillRef>
+      <a:effectRef idx="0">
+        <a:scrgbClr r="0" g="0" b="0"/>
+      </a:effectRef>
+      <a:fontRef idx="minor"/>
+    </dgm:style>
+  </dgm:styleLbl>
+  <dgm:styleLbl name="conFgAcc1">
+    <dgm:scene3d>
+      <a:camera prst="orthographicFront"/>
+      <a:lightRig rig="threePt" dir="t"/>
+    </dgm:scene3d>
+    <dgm:sp3d/>
+    <dgm:txPr/>
+    <dgm:style>
+      <a:lnRef idx="2">
+        <a:scrgbClr r="0" g="0" b="0"/>
+      </a:lnRef>
+      <a:fillRef idx="1">
+        <a:scrgbClr r="0" g="0" b="0"/>
+      </a:fillRef>
+      <a:effectRef idx="0">
+        <a:scrgbClr r="0" g="0" b="0"/>
+      </a:effectRef>
+      <a:fontRef idx="minor"/>
+    </dgm:style>
+  </dgm:styleLbl>
+  <dgm:styleLbl name="alignAcc1">
+    <dgm:scene3d>
+      <a:camera prst="orthographicFront"/>
+      <a:lightRig rig="threePt" dir="t"/>
+    </dgm:scene3d>
+    <dgm:sp3d/>
+    <dgm:txPr/>
+    <dgm:style>
+      <a:lnRef idx="2">
+        <a:scrgbClr r="0" g="0" b="0"/>
+      </a:lnRef>
+      <a:fillRef idx="1">
+        <a:scrgbClr r="0" g="0" b="0"/>
+      </a:fillRef>
+      <a:effectRef idx="0">
+        <a:scrgbClr r="0" g="0" b="0"/>
+      </a:effectRef>
+      <a:fontRef idx="minor"/>
+    </dgm:style>
+  </dgm:styleLbl>
+  <dgm:styleLbl name="trAlignAcc1">
+    <dgm:scene3d>
+      <a:camera prst="orthographicFront"/>
+      <a:lightRig rig="threePt" dir="t"/>
+    </dgm:scene3d>
+    <dgm:sp3d/>
+    <dgm:txPr/>
+    <dgm:style>
+      <a:lnRef idx="1">
+        <a:scrgbClr r="0" g="0" b="0"/>
+      </a:lnRef>
+      <a:fillRef idx="1">
+        <a:scrgbClr r="0" g="0" b="0"/>
+      </a:fillRef>
+      <a:effectRef idx="0">
+        <a:scrgbClr r="0" g="0" b="0"/>
+      </a:effectRef>
+      <a:fontRef idx="minor"/>
+    </dgm:style>
+  </dgm:styleLbl>
+  <dgm:styleLbl name="bgAcc1">
+    <dgm:scene3d>
+      <a:camera prst="orthographicFront"/>
+      <a:lightRig rig="threePt" dir="t"/>
+    </dgm:scene3d>
+    <dgm:sp3d/>
+    <dgm:txPr/>
+    <dgm:style>
+      <a:lnRef idx="2">
+        <a:scrgbClr r="0" g="0" b="0"/>
+      </a:lnRef>
+      <a:fillRef idx="1">
+        <a:scrgbClr r="0" g="0" b="0"/>
+      </a:fillRef>
+      <a:effectRef idx="0">
+        <a:scrgbClr r="0" g="0" b="0"/>
+      </a:effectRef>
+      <a:fontRef idx="minor"/>
+    </dgm:style>
+  </dgm:styleLbl>
+  <dgm:styleLbl name="solidFgAcc1">
+    <dgm:scene3d>
+      <a:camera prst="orthographicFront"/>
+      <a:lightRig rig="threePt" dir="t"/>
+    </dgm:scene3d>
+    <dgm:sp3d/>
+    <dgm:txPr/>
+    <dgm:style>
+      <a:lnRef idx="2">
+        <a:scrgbClr r="0" g="0" b="0"/>
+      </a:lnRef>
+      <a:fillRef idx="1">
+        <a:scrgbClr r="0" g="0" b="0"/>
+      </a:fillRef>
+      <a:effectRef idx="0">
+        <a:scrgbClr r="0" g="0" b="0"/>
+      </a:effectRef>
+      <a:fontRef idx="minor"/>
+    </dgm:style>
+  </dgm:styleLbl>
+  <dgm:styleLbl name="solidAlignAcc1">
+    <dgm:scene3d>
+      <a:camera prst="orthographicFront"/>
+      <a:lightRig rig="threePt" dir="t"/>
+    </dgm:scene3d>
+    <dgm:sp3d/>
+    <dgm:txPr/>
+    <dgm:style>
+      <a:lnRef idx="2">
+        <a:scrgbClr r="0" g="0" b="0"/>
+      </a:lnRef>
+      <a:fillRef idx="1">
+        <a:scrgbClr r="0" g="0" b="0"/>
+      </a:fillRef>
+      <a:effectRef idx="0">
+        <a:scrgbClr r="0" g="0" b="0"/>
+      </a:effectRef>
+      <a:fontRef idx="minor"/>
+    </dgm:style>
+  </dgm:styleLbl>
+  <dgm:styleLbl name="solidBgAcc1">
+    <dgm:scene3d>
+      <a:camera prst="orthographicFront"/>
+      <a:lightRig rig="threePt" dir="t"/>
+    </dgm:scene3d>
+    <dgm:sp3d/>
+    <dgm:txPr/>
+    <dgm:style>
+      <a:lnRef idx="2">
+        <a:scrgbClr r="0" g="0" b="0"/>
+      </a:lnRef>
+      <a:fillRef idx="1">
+        <a:scrgbClr r="0" g="0" b="0"/>
+      </a:fillRef>
+      <a:effectRef idx="0">
+        <a:scrgbClr r="0" g="0" b="0"/>
+      </a:effectRef>
+      <a:fontRef idx="minor"/>
+    </dgm:style>
+  </dgm:styleLbl>
+  <dgm:styleLbl name="fgAccFollowNode1">
+    <dgm:scene3d>
+      <a:camera prst="orthographicFront"/>
+      <a:lightRig rig="threePt" dir="t"/>
+    </dgm:scene3d>
+    <dgm:sp3d/>
+    <dgm:txPr/>
+    <dgm:style>
+      <a:lnRef idx="2">
+        <a:scrgbClr r="0" g="0" b="0"/>
+      </a:lnRef>
+      <a:fillRef idx="1">
+        <a:scrgbClr r="0" g="0" b="0"/>
+      </a:fillRef>
+      <a:effectRef idx="0">
+        <a:scrgbClr r="0" g="0" b="0"/>
+      </a:effectRef>
+      <a:fontRef idx="minor"/>
+    </dgm:style>
+  </dgm:styleLbl>
+  <dgm:styleLbl name="alignAccFollowNode1">
+    <dgm:scene3d>
+      <a:camera prst="orthographicFront"/>
+      <a:lightRig rig="threePt" dir="t"/>
+    </dgm:scene3d>
+    <dgm:sp3d/>
+    <dgm:txPr/>
+    <dgm:style>
+      <a:lnRef idx="2">
+        <a:scrgbClr r="0" g="0" b="0"/>
+      </a:lnRef>
+      <a:fillRef idx="1">
+        <a:scrgbClr r="0" g="0" b="0"/>
+      </a:fillRef>
+      <a:effectRef idx="0">
+        <a:scrgbClr r="0" g="0" b="0"/>
+      </a:effectRef>
+      <a:fontRef idx="minor"/>
+    </dgm:style>
+  </dgm:styleLbl>
+  <dgm:styleLbl name="bgAccFollowNode1">
+    <dgm:scene3d>
+      <a:camera prst="orthographicFront"/>
+      <a:lightRig rig="threePt" dir="t"/>
+    </dgm:scene3d>
+    <dgm:sp3d/>
+    <dgm:txPr/>
+    <dgm:style>
+      <a:lnRef idx="2">
+        <a:scrgbClr r="0" g="0" b="0"/>
+      </a:lnRef>
+      <a:fillRef idx="1">
+        <a:scrgbClr r="0" g="0" b="0"/>
+      </a:fillRef>
+      <a:effectRef idx="0">
+        <a:scrgbClr r="0" g="0" b="0"/>
+      </a:effectRef>
+      <a:fontRef idx="minor"/>
+    </dgm:style>
+  </dgm:styleLbl>
+  <dgm:styleLbl name="fgAcc0">
+    <dgm:scene3d>
+      <a:camera prst="orthographicFront"/>
+      <a:lightRig rig="threePt" dir="t"/>
+    </dgm:scene3d>
+    <dgm:sp3d/>
+    <dgm:txPr/>
+    <dgm:style>
+      <a:lnRef idx="2">
+        <a:scrgbClr r="0" g="0" b="0"/>
+      </a:lnRef>
+      <a:fillRef idx="1">
+        <a:scrgbClr r="0" g="0" b="0"/>
+      </a:fillRef>
+      <a:effectRef idx="0">
+        <a:scrgbClr r="0" g="0" b="0"/>
+      </a:effectRef>
+      <a:fontRef idx="minor"/>
+    </dgm:style>
+  </dgm:styleLbl>
+  <dgm:styleLbl name="fgAcc2">
+    <dgm:scene3d>
+      <a:camera prst="orthographicFront"/>
+      <a:lightRig rig="threePt" dir="t"/>
+    </dgm:scene3d>
+    <dgm:sp3d/>
+    <dgm:txPr/>
+    <dgm:style>
+      <a:lnRef idx="2">
+        <a:scrgbClr r="0" g="0" b="0"/>
+      </a:lnRef>
+      <a:fillRef idx="1">
+        <a:scrgbClr r="0" g="0" b="0"/>
+      </a:fillRef>
+      <a:effectRef idx="0">
+        <a:scrgbClr r="0" g="0" b="0"/>
+      </a:effectRef>
+      <a:fontRef idx="minor"/>
+    </dgm:style>
+  </dgm:styleLbl>
+  <dgm:styleLbl name="fgAcc3">
+    <dgm:scene3d>
+      <a:camera prst="orthographicFront"/>
+      <a:lightRig rig="threePt" dir="t"/>
+    </dgm:scene3d>
+    <dgm:sp3d/>
+    <dgm:txPr/>
+    <dgm:style>
+      <a:lnRef idx="2">
+        <a:scrgbClr r="0" g="0" b="0"/>
+      </a:lnRef>
+      <a:fillRef idx="1">
+        <a:scrgbClr r="0" g="0" b="0"/>
+      </a:fillRef>
+      <a:effectRef idx="0">
+        <a:scrgbClr r="0" g="0" b="0"/>
+      </a:effectRef>
+      <a:fontRef idx="minor"/>
+    </dgm:style>
+  </dgm:styleLbl>
+  <dgm:styleLbl name="fgAcc4">
+    <dgm:scene3d>
+      <a:camera prst="orthographicFront"/>
+      <a:lightRig rig="threePt" dir="t"/>
+    </dgm:scene3d>
+    <dgm:sp3d/>
+    <dgm:txPr/>
+    <dgm:style>
+      <a:lnRef idx="2">
+        <a:scrgbClr r="0" g="0" b="0"/>
+      </a:lnRef>
+      <a:fillRef idx="1">
+        <a:scrgbClr r="0" g="0" b="0"/>
+      </a:fillRef>
+      <a:effectRef idx="0">
+        <a:scrgbClr r="0" g="0" b="0"/>
+      </a:effectRef>
+      <a:fontRef idx="minor"/>
+    </dgm:style>
+  </dgm:styleLbl>
+  <dgm:styleLbl name="bgShp">
+    <dgm:scene3d>
+      <a:camera prst="orthographicFront"/>
+      <a:lightRig rig="threePt" dir="t"/>
+    </dgm:scene3d>
+    <dgm:sp3d/>
+    <dgm:txPr/>
+    <dgm:style>
+      <a:lnRef idx="0">
+        <a:scrgbClr r="0" g="0" b="0"/>
+      </a:lnRef>
+      <a:fillRef idx="1">
+        <a:scrgbClr r="0" g="0" b="0"/>
+      </a:fillRef>
+      <a:effectRef idx="0">
+        <a:scrgbClr r="0" g="0" b="0"/>
+      </a:effectRef>
+      <a:fontRef idx="minor"/>
+    </dgm:style>
+  </dgm:styleLbl>
+  <dgm:styleLbl name="dkBgShp">
+    <dgm:scene3d>
+      <a:camera prst="orthographicFront"/>
+      <a:lightRig rig="threePt" dir="t"/>
+    </dgm:scene3d>
+    <dgm:sp3d/>
+    <dgm:txPr/>
+    <dgm:style>
+      <a:lnRef idx="0">
+        <a:scrgbClr r="0" g="0" b="0"/>
+      </a:lnRef>
+      <a:fillRef idx="1">
+        <a:scrgbClr r="0" g="0" b="0"/>
+      </a:fillRef>
+      <a:effectRef idx="0">
+        <a:scrgbClr r="0" g="0" b="0"/>
+      </a:effectRef>
+      <a:fontRef idx="minor"/>
+    </dgm:style>
+  </dgm:styleLbl>
+  <dgm:styleLbl name="trBgShp">
+    <dgm:scene3d>
+      <a:camera prst="orthographicFront"/>
+      <a:lightRig rig="threePt" dir="t"/>
+    </dgm:scene3d>
+    <dgm:sp3d/>
+    <dgm:txPr/>
+    <dgm:style>
+      <a:lnRef idx="0">
+        <a:scrgbClr r="0" g="0" b="0"/>
+      </a:lnRef>
+      <a:fillRef idx="1">
+        <a:scrgbClr r="0" g="0" b="0"/>
+      </a:fillRef>
+      <a:effectRef idx="0">
+        <a:scrgbClr r="0" g="0" b="0"/>
+      </a:effectRef>
+      <a:fontRef idx="minor"/>
+    </dgm:style>
+  </dgm:styleLbl>
+  <dgm:styleLbl name="fgShp">
+    <dgm:scene3d>
+      <a:camera prst="orthographicFront"/>
+      <a:lightRig rig="threePt" dir="t"/>
+    </dgm:scene3d>
+    <dgm:sp3d/>
+    <dgm:txPr/>
+    <dgm:style>
+      <a:lnRef idx="2">
+        <a:scrgbClr r="0" g="0" b="0"/>
+      </a:lnRef>
+      <a:fillRef idx="1">
+        <a:scrgbClr r="0" g="0" b="0"/>
+      </a:fillRef>
+      <a:effectRef idx="0">
         <a:scrgbClr r="0" g="0" b="0"/>
       </a:effectRef>
       <a:fontRef idx="minor"/>
@@ -4176,6 +10127,90 @@
           <a:bodyPr/>
           <a:lstStyle/>
           <a:p>
+            <a:endParaRPr lang="hu-HU" dirty="0"/>
+          </a:p>
+        </p:txBody>
+      </p:sp>
+      <p:sp>
+        <p:nvSpPr>
+          <p:cNvPr id="4" name="Dia számának helye 3"/>
+          <p:cNvSpPr>
+            <a:spLocks noGrp="1"/>
+          </p:cNvSpPr>
+          <p:nvPr>
+            <p:ph type="sldNum" sz="quarter" idx="5"/>
+          </p:nvPr>
+        </p:nvSpPr>
+        <p:spPr/>
+        <p:txBody>
+          <a:bodyPr/>
+          <a:lstStyle/>
+          <a:p>
+            <a:fld id="{D46B4C45-D120-402A-8F31-901412E55E48}" type="slidenum">
+              <a:rPr lang="hu-HU" smtClean="0"/>
+              <a:t>10</a:t>
+            </a:fld>
+            <a:endParaRPr lang="hu-HU"/>
+          </a:p>
+        </p:txBody>
+      </p:sp>
+    </p:spTree>
+    <p:extLst>
+      <p:ext uri="{BB962C8B-B14F-4D97-AF65-F5344CB8AC3E}">
+        <p14:creationId xmlns:p14="http://schemas.microsoft.com/office/powerpoint/2010/main" val="279224318"/>
+      </p:ext>
+    </p:extLst>
+  </p:cSld>
+  <p:clrMapOvr>
+    <a:masterClrMapping/>
+  </p:clrMapOvr>
+</p:notes>
+</file>
+
+<file path=ppt/notesSlides/notesSlide2.xml><?xml version="1.0" encoding="utf-8"?>
+<p:notes xmlns:a="http://schemas.openxmlformats.org/drawingml/2006/main" xmlns:r="http://schemas.openxmlformats.org/officeDocument/2006/relationships" xmlns:p="http://schemas.openxmlformats.org/presentationml/2006/main">
+  <p:cSld>
+    <p:spTree>
+      <p:nvGrpSpPr>
+        <p:cNvPr id="1" name=""/>
+        <p:cNvGrpSpPr/>
+        <p:nvPr/>
+      </p:nvGrpSpPr>
+      <p:grpSpPr>
+        <a:xfrm>
+          <a:off x="0" y="0"/>
+          <a:ext cx="0" cy="0"/>
+          <a:chOff x="0" y="0"/>
+          <a:chExt cx="0" cy="0"/>
+        </a:xfrm>
+      </p:grpSpPr>
+      <p:sp>
+        <p:nvSpPr>
+          <p:cNvPr id="2" name="Diakép helye 1"/>
+          <p:cNvSpPr>
+            <a:spLocks noGrp="1" noRot="1" noChangeAspect="1"/>
+          </p:cNvSpPr>
+          <p:nvPr>
+            <p:ph type="sldImg"/>
+          </p:nvPr>
+        </p:nvSpPr>
+        <p:spPr/>
+      </p:sp>
+      <p:sp>
+        <p:nvSpPr>
+          <p:cNvPr id="3" name="Jegyzetek helye 2"/>
+          <p:cNvSpPr>
+            <a:spLocks noGrp="1"/>
+          </p:cNvSpPr>
+          <p:nvPr>
+            <p:ph type="body" idx="1"/>
+          </p:nvPr>
+        </p:nvSpPr>
+        <p:spPr/>
+        <p:txBody>
+          <a:bodyPr/>
+          <a:lstStyle/>
+          <a:p>
             <a:pPr marL="171450" marR="0" lvl="0" indent="-171450" algn="l" defTabSz="914400" rtl="0" eaLnBrk="1" fontAlgn="auto" latinLnBrk="0" hangingPunct="1">
               <a:lnSpc>
                 <a:spcPct val="100000"/>
@@ -4285,7 +10320,7 @@
 </p:notes>
 </file>
 
-<file path=ppt/notesSlides/notesSlide2.xml><?xml version="1.0" encoding="utf-8"?>
+<file path=ppt/notesSlides/notesSlide3.xml><?xml version="1.0" encoding="utf-8"?>
 <p:notes xmlns:a="http://schemas.openxmlformats.org/drawingml/2006/main" xmlns:r="http://schemas.openxmlformats.org/officeDocument/2006/relationships" xmlns:p="http://schemas.openxmlformats.org/presentationml/2006/main">
   <p:cSld>
     <p:spTree>
@@ -7901,6 +13936,14 @@
 <file path=ppt/slides/slide10.xml><?xml version="1.0" encoding="utf-8"?>
 <p:sld xmlns:a="http://schemas.openxmlformats.org/drawingml/2006/main" xmlns:r="http://schemas.openxmlformats.org/officeDocument/2006/relationships" xmlns:p="http://schemas.openxmlformats.org/presentationml/2006/main">
   <p:cSld>
+    <p:bg>
+      <p:bgPr>
+        <a:solidFill>
+          <a:schemeClr val="bg1"/>
+        </a:solidFill>
+        <a:effectLst/>
+      </p:bgPr>
+    </p:bg>
     <p:spTree>
       <p:nvGrpSpPr>
         <p:cNvPr id="1" name=""/>
@@ -7915,6 +13958,1620 @@
           <a:chExt cx="0" cy="0"/>
         </a:xfrm>
       </p:grpSpPr>
+      <p:sp useBgFill="1">
+        <p:nvSpPr>
+          <p:cNvPr id="13" name="Rectangle 12">
+            <a:extLst>
+              <a:ext uri="{FF2B5EF4-FFF2-40B4-BE49-F238E27FC236}">
+                <a16:creationId xmlns:a16="http://schemas.microsoft.com/office/drawing/2014/main" id="{61293230-B0F6-45B1-96D1-13D18E242995}"/>
+              </a:ext>
+              <a:ext uri="{C183D7F6-B498-43B3-948B-1728B52AA6E4}">
+                <adec:decorative xmlns:adec="http://schemas.microsoft.com/office/drawing/2017/decorative" val="1"/>
+              </a:ext>
+            </a:extLst>
+          </p:cNvPr>
+          <p:cNvSpPr>
+            <a:spLocks noGrp="1" noRot="1" noChangeAspect="1" noMove="1" noResize="1" noEditPoints="1" noAdjustHandles="1" noChangeArrowheads="1" noChangeShapeType="1" noTextEdit="1"/>
+          </p:cNvSpPr>
+          <p:nvPr>
+            <p:extLst>
+              <p:ext uri="{386F3935-93C4-4BCD-93E2-E3B085C9AB24}">
+                <p16:designElem xmlns:p16="http://schemas.microsoft.com/office/powerpoint/2015/main" val="1"/>
+              </p:ext>
+            </p:extLst>
+          </p:nvPr>
+        </p:nvSpPr>
+        <p:spPr>
+          <a:xfrm>
+            <a:off x="0" y="0"/>
+            <a:ext cx="12192000" cy="6858000"/>
+          </a:xfrm>
+          <a:prstGeom prst="rect">
+            <a:avLst/>
+          </a:prstGeom>
+          <a:ln w="12700" cap="flat" cmpd="sng" algn="ctr">
+            <a:noFill/>
+            <a:prstDash val="solid"/>
+            <a:miter lim="800000"/>
+          </a:ln>
+          <a:effectLst/>
+          <a:extLst>
+            <a:ext uri="{91240B29-F687-4F45-9708-019B960494DF}">
+              <a14:hiddenLine xmlns:a14="http://schemas.microsoft.com/office/drawing/2010/main" w="12700" cap="flat" cmpd="sng" algn="ctr">
+                <a:solidFill>
+                  <a:schemeClr val="accent1">
+                    <a:shade val="50000"/>
+                  </a:schemeClr>
+                </a:solidFill>
+                <a:prstDash val="solid"/>
+                <a:miter lim="800000"/>
+              </a14:hiddenLine>
+            </a:ext>
+          </a:extLst>
+        </p:spPr>
+        <p:style>
+          <a:lnRef idx="2">
+            <a:schemeClr val="accent1">
+              <a:shade val="50000"/>
+            </a:schemeClr>
+          </a:lnRef>
+          <a:fillRef idx="1">
+            <a:schemeClr val="accent1"/>
+          </a:fillRef>
+          <a:effectRef idx="0">
+            <a:schemeClr val="accent1"/>
+          </a:effectRef>
+          <a:fontRef idx="minor">
+            <a:schemeClr val="lt1"/>
+          </a:fontRef>
+        </p:style>
+        <p:txBody>
+          <a:bodyPr rtlCol="0" anchor="ctr"/>
+          <a:lstStyle/>
+          <a:p>
+            <a:pPr algn="ctr"/>
+            <a:endParaRPr lang="en-US"/>
+          </a:p>
+        </p:txBody>
+      </p:sp>
+      <p:sp>
+        <p:nvSpPr>
+          <p:cNvPr id="21" name="Freeform: Shape 14">
+            <a:extLst>
+              <a:ext uri="{FF2B5EF4-FFF2-40B4-BE49-F238E27FC236}">
+                <a16:creationId xmlns:a16="http://schemas.microsoft.com/office/drawing/2014/main" id="{0A1E0707-4985-454B-ACE0-4855BB55875E}"/>
+              </a:ext>
+              <a:ext uri="{C183D7F6-B498-43B3-948B-1728B52AA6E4}">
+                <adec:decorative xmlns:adec="http://schemas.microsoft.com/office/drawing/2017/decorative" val="1"/>
+              </a:ext>
+            </a:extLst>
+          </p:cNvPr>
+          <p:cNvSpPr>
+            <a:spLocks noGrp="1" noRot="1" noChangeAspect="1" noMove="1" noResize="1" noEditPoints="1" noAdjustHandles="1" noChangeArrowheads="1" noChangeShapeType="1" noTextEdit="1"/>
+          </p:cNvSpPr>
+          <p:nvPr>
+            <p:extLst>
+              <p:ext uri="{386F3935-93C4-4BCD-93E2-E3B085C9AB24}">
+                <p16:designElem xmlns:p16="http://schemas.microsoft.com/office/powerpoint/2015/main" val="1"/>
+              </p:ext>
+            </p:extLst>
+          </p:nvPr>
+        </p:nvSpPr>
+        <p:spPr>
+          <a:xfrm>
+            <a:off x="0" y="0"/>
+            <a:ext cx="5653438" cy="6858000"/>
+          </a:xfrm>
+          <a:custGeom>
+            <a:avLst/>
+            <a:gdLst>
+              <a:gd name="connsiteX0" fmla="*/ 0 w 6096000"/>
+              <a:gd name="connsiteY0" fmla="*/ 0 h 6858000"/>
+              <a:gd name="connsiteX1" fmla="*/ 5567517 w 6096000"/>
+              <a:gd name="connsiteY1" fmla="*/ 0 h 6858000"/>
+              <a:gd name="connsiteX2" fmla="*/ 5566938 w 6096000"/>
+              <a:gd name="connsiteY2" fmla="*/ 1705 h 6858000"/>
+              <a:gd name="connsiteX3" fmla="*/ 5551594 w 6096000"/>
+              <a:gd name="connsiteY3" fmla="*/ 17287 h 6858000"/>
+              <a:gd name="connsiteX4" fmla="*/ 5545641 w 6096000"/>
+              <a:gd name="connsiteY4" fmla="*/ 130336 h 6858000"/>
+              <a:gd name="connsiteX5" fmla="*/ 5538289 w 6096000"/>
+              <a:gd name="connsiteY5" fmla="*/ 187093 h 6858000"/>
+              <a:gd name="connsiteX6" fmla="*/ 5545790 w 6096000"/>
+              <a:gd name="connsiteY6" fmla="*/ 265704 h 6858000"/>
+              <a:gd name="connsiteX7" fmla="*/ 5542313 w 6096000"/>
+              <a:gd name="connsiteY7" fmla="*/ 354566 h 6858000"/>
+              <a:gd name="connsiteX8" fmla="*/ 5524126 w 6096000"/>
+              <a:gd name="connsiteY8" fmla="*/ 472000 h 6858000"/>
+              <a:gd name="connsiteX9" fmla="*/ 5522170 w 6096000"/>
+              <a:gd name="connsiteY9" fmla="*/ 473782 h 6858000"/>
+              <a:gd name="connsiteX10" fmla="*/ 5521798 w 6096000"/>
+              <a:gd name="connsiteY10" fmla="*/ 491380 h 6858000"/>
+              <a:gd name="connsiteX11" fmla="*/ 5536419 w 6096000"/>
+              <a:gd name="connsiteY11" fmla="*/ 531675 h 6858000"/>
+              <a:gd name="connsiteX12" fmla="*/ 5533435 w 6096000"/>
+              <a:gd name="connsiteY12" fmla="*/ 536015 h 6858000"/>
+              <a:gd name="connsiteX13" fmla="*/ 5538088 w 6096000"/>
+              <a:gd name="connsiteY13" fmla="*/ 572092 h 6858000"/>
+              <a:gd name="connsiteX14" fmla="*/ 5536061 w 6096000"/>
+              <a:gd name="connsiteY14" fmla="*/ 572511 h 6858000"/>
+              <a:gd name="connsiteX15" fmla="*/ 5528218 w 6096000"/>
+              <a:gd name="connsiteY15" fmla="*/ 582332 h 6858000"/>
+              <a:gd name="connsiteX16" fmla="*/ 5518011 w 6096000"/>
+              <a:gd name="connsiteY16" fmla="*/ 601285 h 6858000"/>
+              <a:gd name="connsiteX17" fmla="*/ 5473174 w 6096000"/>
+              <a:gd name="connsiteY17" fmla="*/ 681608 h 6858000"/>
+              <a:gd name="connsiteX18" fmla="*/ 5472963 w 6096000"/>
+              <a:gd name="connsiteY18" fmla="*/ 689151 h 6858000"/>
+              <a:gd name="connsiteX19" fmla="*/ 5472485 w 6096000"/>
+              <a:gd name="connsiteY19" fmla="*/ 689289 h 6858000"/>
+              <a:gd name="connsiteX20" fmla="*/ 5471326 w 6096000"/>
+              <a:gd name="connsiteY20" fmla="*/ 697222 h 6858000"/>
+              <a:gd name="connsiteX21" fmla="*/ 5472164 w 6096000"/>
+              <a:gd name="connsiteY21" fmla="*/ 717531 h 6858000"/>
+              <a:gd name="connsiteX22" fmla="*/ 5468891 w 6096000"/>
+              <a:gd name="connsiteY22" fmla="*/ 722494 h 6858000"/>
+              <a:gd name="connsiteX23" fmla="*/ 5463081 w 6096000"/>
+              <a:gd name="connsiteY23" fmla="*/ 724368 h 6858000"/>
+              <a:gd name="connsiteX24" fmla="*/ 5446981 w 6096000"/>
+              <a:gd name="connsiteY24" fmla="*/ 752692 h 6858000"/>
+              <a:gd name="connsiteX25" fmla="*/ 5417190 w 6096000"/>
+              <a:gd name="connsiteY25" fmla="*/ 816346 h 6858000"/>
+              <a:gd name="connsiteX26" fmla="*/ 5388958 w 6096000"/>
+              <a:gd name="connsiteY26" fmla="*/ 889417 h 6858000"/>
+              <a:gd name="connsiteX27" fmla="*/ 5307044 w 6096000"/>
+              <a:gd name="connsiteY27" fmla="*/ 1063288 h 6858000"/>
+              <a:gd name="connsiteX28" fmla="*/ 5303837 w 6096000"/>
+              <a:gd name="connsiteY28" fmla="*/ 1157176 h 6858000"/>
+              <a:gd name="connsiteX29" fmla="*/ 5286494 w 6096000"/>
+              <a:gd name="connsiteY29" fmla="*/ 1210776 h 6858000"/>
+              <a:gd name="connsiteX30" fmla="*/ 5282463 w 6096000"/>
+              <a:gd name="connsiteY30" fmla="*/ 1301993 h 6858000"/>
+              <a:gd name="connsiteX31" fmla="*/ 5252235 w 6096000"/>
+              <a:gd name="connsiteY31" fmla="*/ 1360879 h 6858000"/>
+              <a:gd name="connsiteX32" fmla="*/ 5244497 w 6096000"/>
+              <a:gd name="connsiteY32" fmla="*/ 1404045 h 6858000"/>
+              <a:gd name="connsiteX33" fmla="*/ 5223823 w 6096000"/>
+              <a:gd name="connsiteY33" fmla="*/ 1429568 h 6858000"/>
+              <a:gd name="connsiteX34" fmla="*/ 5224851 w 6096000"/>
+              <a:gd name="connsiteY34" fmla="*/ 1430305 h 6858000"/>
+              <a:gd name="connsiteX35" fmla="*/ 5212394 w 6096000"/>
+              <a:gd name="connsiteY35" fmla="*/ 1463304 h 6858000"/>
+              <a:gd name="connsiteX36" fmla="*/ 5209958 w 6096000"/>
+              <a:gd name="connsiteY36" fmla="*/ 1514846 h 6858000"/>
+              <a:gd name="connsiteX37" fmla="*/ 5206417 w 6096000"/>
+              <a:gd name="connsiteY37" fmla="*/ 1519731 h 6858000"/>
+              <a:gd name="connsiteX38" fmla="*/ 5206640 w 6096000"/>
+              <a:gd name="connsiteY38" fmla="*/ 1519929 h 6858000"/>
+              <a:gd name="connsiteX39" fmla="*/ 5207632 w 6096000"/>
+              <a:gd name="connsiteY39" fmla="*/ 1546022 h 6858000"/>
+              <a:gd name="connsiteX40" fmla="*/ 5212030 w 6096000"/>
+              <a:gd name="connsiteY40" fmla="*/ 1578752 h 6858000"/>
+              <a:gd name="connsiteX41" fmla="*/ 5203533 w 6096000"/>
+              <a:gd name="connsiteY41" fmla="*/ 1647555 h 6858000"/>
+              <a:gd name="connsiteX42" fmla="*/ 5190877 w 6096000"/>
+              <a:gd name="connsiteY42" fmla="*/ 1715685 h 6858000"/>
+              <a:gd name="connsiteX43" fmla="*/ 5184235 w 6096000"/>
+              <a:gd name="connsiteY43" fmla="*/ 1740358 h 6858000"/>
+              <a:gd name="connsiteX44" fmla="*/ 5181475 w 6096000"/>
+              <a:gd name="connsiteY44" fmla="*/ 1784314 h 6858000"/>
+              <a:gd name="connsiteX45" fmla="*/ 5185845 w 6096000"/>
+              <a:gd name="connsiteY45" fmla="*/ 1804434 h 6858000"/>
+              <a:gd name="connsiteX46" fmla="*/ 5185068 w 6096000"/>
+              <a:gd name="connsiteY46" fmla="*/ 1805316 h 6858000"/>
+              <a:gd name="connsiteX47" fmla="*/ 5188593 w 6096000"/>
+              <a:gd name="connsiteY47" fmla="*/ 1807109 h 6858000"/>
+              <a:gd name="connsiteX48" fmla="*/ 5185920 w 6096000"/>
+              <a:gd name="connsiteY48" fmla="*/ 1821003 h 6858000"/>
+              <a:gd name="connsiteX49" fmla="*/ 5183543 w 6096000"/>
+              <a:gd name="connsiteY49" fmla="*/ 1824832 h 6858000"/>
+              <a:gd name="connsiteX50" fmla="*/ 5182235 w 6096000"/>
+              <a:gd name="connsiteY50" fmla="*/ 1830429 h 6858000"/>
+              <a:gd name="connsiteX51" fmla="*/ 5182525 w 6096000"/>
+              <a:gd name="connsiteY51" fmla="*/ 1830569 h 6858000"/>
+              <a:gd name="connsiteX52" fmla="*/ 5180663 w 6096000"/>
+              <a:gd name="connsiteY52" fmla="*/ 1835810 h 6858000"/>
+              <a:gd name="connsiteX53" fmla="*/ 5167452 w 6096000"/>
+              <a:gd name="connsiteY53" fmla="*/ 1861483 h 6858000"/>
+              <a:gd name="connsiteX54" fmla="*/ 5174266 w 6096000"/>
+              <a:gd name="connsiteY54" fmla="*/ 1892417 h 6858000"/>
+              <a:gd name="connsiteX55" fmla="*/ 5189262 w 6096000"/>
+              <a:gd name="connsiteY55" fmla="*/ 1895114 h 6858000"/>
+              <a:gd name="connsiteX56" fmla="*/ 5187100 w 6096000"/>
+              <a:gd name="connsiteY56" fmla="*/ 1899379 h 6858000"/>
+              <a:gd name="connsiteX57" fmla="*/ 5180471 w 6096000"/>
+              <a:gd name="connsiteY57" fmla="*/ 1907867 h 6858000"/>
+              <a:gd name="connsiteX58" fmla="*/ 5181361 w 6096000"/>
+              <a:gd name="connsiteY58" fmla="*/ 1910265 h 6858000"/>
+              <a:gd name="connsiteX59" fmla="*/ 5178268 w 6096000"/>
+              <a:gd name="connsiteY59" fmla="*/ 1935584 h 6858000"/>
+              <a:gd name="connsiteX60" fmla="*/ 5183619 w 6096000"/>
+              <a:gd name="connsiteY60" fmla="*/ 1942021 h 6858000"/>
+              <a:gd name="connsiteX61" fmla="*/ 5184480 w 6096000"/>
+              <a:gd name="connsiteY61" fmla="*/ 1945112 h 6858000"/>
+              <a:gd name="connsiteX62" fmla="*/ 5172776 w 6096000"/>
+              <a:gd name="connsiteY62" fmla="*/ 1961162 h 6858000"/>
+              <a:gd name="connsiteX63" fmla="*/ 5168513 w 6096000"/>
+              <a:gd name="connsiteY63" fmla="*/ 1969445 h 6858000"/>
+              <a:gd name="connsiteX64" fmla="*/ 5126597 w 6096000"/>
+              <a:gd name="connsiteY64" fmla="*/ 2024270 h 6858000"/>
+              <a:gd name="connsiteX65" fmla="*/ 5119528 w 6096000"/>
+              <a:gd name="connsiteY65" fmla="*/ 2107942 h 6858000"/>
+              <a:gd name="connsiteX66" fmla="*/ 5110356 w 6096000"/>
+              <a:gd name="connsiteY66" fmla="*/ 2193455 h 6858000"/>
+              <a:gd name="connsiteX67" fmla="*/ 5104992 w 6096000"/>
+              <a:gd name="connsiteY67" fmla="*/ 2260088 h 6858000"/>
+              <a:gd name="connsiteX68" fmla="*/ 5059439 w 6096000"/>
+              <a:gd name="connsiteY68" fmla="*/ 2335735 h 6858000"/>
+              <a:gd name="connsiteX69" fmla="*/ 5022061 w 6096000"/>
+              <a:gd name="connsiteY69" fmla="*/ 2408995 h 6858000"/>
+              <a:gd name="connsiteX70" fmla="*/ 5022253 w 6096000"/>
+              <a:gd name="connsiteY70" fmla="*/ 2445869 h 6858000"/>
+              <a:gd name="connsiteX71" fmla="*/ 5011426 w 6096000"/>
+              <a:gd name="connsiteY71" fmla="*/ 2496499 h 6858000"/>
+              <a:gd name="connsiteX72" fmla="*/ 4994224 w 6096000"/>
+              <a:gd name="connsiteY72" fmla="*/ 2549900 h 6858000"/>
+              <a:gd name="connsiteX73" fmla="*/ 4995245 w 6096000"/>
+              <a:gd name="connsiteY73" fmla="*/ 2596456 h 6858000"/>
+              <a:gd name="connsiteX74" fmla="*/ 4988570 w 6096000"/>
+              <a:gd name="connsiteY74" fmla="*/ 2606088 h 6858000"/>
+              <a:gd name="connsiteX75" fmla="*/ 4988371 w 6096000"/>
+              <a:gd name="connsiteY75" fmla="*/ 2635351 h 6858000"/>
+              <a:gd name="connsiteX76" fmla="*/ 4983212 w 6096000"/>
+              <a:gd name="connsiteY76" fmla="*/ 2665666 h 6858000"/>
+              <a:gd name="connsiteX77" fmla="*/ 4968234 w 6096000"/>
+              <a:gd name="connsiteY77" fmla="*/ 2715895 h 6858000"/>
+              <a:gd name="connsiteX78" fmla="*/ 4975888 w 6096000"/>
+              <a:gd name="connsiteY78" fmla="*/ 2725052 h 6858000"/>
+              <a:gd name="connsiteX79" fmla="*/ 4980195 w 6096000"/>
+              <a:gd name="connsiteY79" fmla="*/ 2726489 h 6858000"/>
+              <a:gd name="connsiteX80" fmla="*/ 4976218 w 6096000"/>
+              <a:gd name="connsiteY80" fmla="*/ 2740278 h 6858000"/>
+              <a:gd name="connsiteX81" fmla="*/ 4980571 w 6096000"/>
+              <a:gd name="connsiteY81" fmla="*/ 2751112 h 6858000"/>
+              <a:gd name="connsiteX82" fmla="*/ 4973893 w 6096000"/>
+              <a:gd name="connsiteY82" fmla="*/ 2760208 h 6858000"/>
+              <a:gd name="connsiteX83" fmla="*/ 4979005 w 6096000"/>
+              <a:gd name="connsiteY83" fmla="*/ 2790136 h 6858000"/>
+              <a:gd name="connsiteX84" fmla="*/ 4986137 w 6096000"/>
+              <a:gd name="connsiteY84" fmla="*/ 2804183 h 6858000"/>
+              <a:gd name="connsiteX85" fmla="*/ 4986175 w 6096000"/>
+              <a:gd name="connsiteY85" fmla="*/ 2825860 h 6858000"/>
+              <a:gd name="connsiteX86" fmla="*/ 4993936 w 6096000"/>
+              <a:gd name="connsiteY86" fmla="*/ 2911749 h 6858000"/>
+              <a:gd name="connsiteX87" fmla="*/ 4992563 w 6096000"/>
+              <a:gd name="connsiteY87" fmla="*/ 2977278 h 6858000"/>
+              <a:gd name="connsiteX88" fmla="*/ 4980516 w 6096000"/>
+              <a:gd name="connsiteY88" fmla="*/ 2991092 h 6858000"/>
+              <a:gd name="connsiteX89" fmla="*/ 4992801 w 6096000"/>
+              <a:gd name="connsiteY89" fmla="*/ 3020247 h 6858000"/>
+              <a:gd name="connsiteX90" fmla="*/ 5014805 w 6096000"/>
+              <a:gd name="connsiteY90" fmla="*/ 3065434 h 6858000"/>
+              <a:gd name="connsiteX91" fmla="*/ 5002733 w 6096000"/>
+              <a:gd name="connsiteY91" fmla="*/ 3103777 h 6858000"/>
+              <a:gd name="connsiteX92" fmla="*/ 5002941 w 6096000"/>
+              <a:gd name="connsiteY92" fmla="*/ 3151828 h 6858000"/>
+              <a:gd name="connsiteX93" fmla="*/ 5002883 w 6096000"/>
+              <a:gd name="connsiteY93" fmla="*/ 3180546 h 6858000"/>
+              <a:gd name="connsiteX94" fmla="*/ 5016711 w 6096000"/>
+              <a:gd name="connsiteY94" fmla="*/ 3258677 h 6858000"/>
+              <a:gd name="connsiteX95" fmla="*/ 5017918 w 6096000"/>
+              <a:gd name="connsiteY95" fmla="*/ 3262610 h 6858000"/>
+              <a:gd name="connsiteX96" fmla="*/ 5011672 w 6096000"/>
+              <a:gd name="connsiteY96" fmla="*/ 3277179 h 6858000"/>
+              <a:gd name="connsiteX97" fmla="*/ 5009344 w 6096000"/>
+              <a:gd name="connsiteY97" fmla="*/ 3278130 h 6858000"/>
+              <a:gd name="connsiteX98" fmla="*/ 5026770 w 6096000"/>
+              <a:gd name="connsiteY98" fmla="*/ 3325671 h 6858000"/>
+              <a:gd name="connsiteX99" fmla="*/ 5024571 w 6096000"/>
+              <a:gd name="connsiteY99" fmla="*/ 3332072 h 6858000"/>
+              <a:gd name="connsiteX100" fmla="*/ 5041705 w 6096000"/>
+              <a:gd name="connsiteY100" fmla="*/ 3362948 h 6858000"/>
+              <a:gd name="connsiteX101" fmla="*/ 5047477 w 6096000"/>
+              <a:gd name="connsiteY101" fmla="*/ 3378959 h 6858000"/>
+              <a:gd name="connsiteX102" fmla="*/ 5060758 w 6096000"/>
+              <a:gd name="connsiteY102" fmla="*/ 3407057 h 6858000"/>
+              <a:gd name="connsiteX103" fmla="*/ 5058968 w 6096000"/>
+              <a:gd name="connsiteY103" fmla="*/ 3409825 h 6858000"/>
+              <a:gd name="connsiteX104" fmla="*/ 5062667 w 6096000"/>
+              <a:gd name="connsiteY104" fmla="*/ 3415218 h 6858000"/>
+              <a:gd name="connsiteX105" fmla="*/ 5060928 w 6096000"/>
+              <a:gd name="connsiteY105" fmla="*/ 3419880 h 6858000"/>
+              <a:gd name="connsiteX106" fmla="*/ 5062923 w 6096000"/>
+              <a:gd name="connsiteY106" fmla="*/ 3424545 h 6858000"/>
+              <a:gd name="connsiteX107" fmla="*/ 5064623 w 6096000"/>
+              <a:gd name="connsiteY107" fmla="*/ 3476412 h 6858000"/>
+              <a:gd name="connsiteX108" fmla="*/ 5069684 w 6096000"/>
+              <a:gd name="connsiteY108" fmla="*/ 3486850 h 6858000"/>
+              <a:gd name="connsiteX109" fmla="*/ 5063339 w 6096000"/>
+              <a:gd name="connsiteY109" fmla="*/ 3496391 h 6858000"/>
+              <a:gd name="connsiteX110" fmla="*/ 5070139 w 6096000"/>
+              <a:gd name="connsiteY110" fmla="*/ 3531201 h 6858000"/>
+              <a:gd name="connsiteX111" fmla="*/ 5079896 w 6096000"/>
+              <a:gd name="connsiteY111" fmla="*/ 3542019 h 6858000"/>
+              <a:gd name="connsiteX112" fmla="*/ 5087540 w 6096000"/>
+              <a:gd name="connsiteY112" fmla="*/ 3552249 h 6858000"/>
+              <a:gd name="connsiteX113" fmla="*/ 5087902 w 6096000"/>
+              <a:gd name="connsiteY113" fmla="*/ 3553678 h 6858000"/>
+              <a:gd name="connsiteX114" fmla="*/ 5091509 w 6096000"/>
+              <a:gd name="connsiteY114" fmla="*/ 3568021 h 6858000"/>
+              <a:gd name="connsiteX115" fmla="*/ 5091934 w 6096000"/>
+              <a:gd name="connsiteY115" fmla="*/ 3569719 h 6858000"/>
+              <a:gd name="connsiteX116" fmla="*/ 5089362 w 6096000"/>
+              <a:gd name="connsiteY116" fmla="*/ 3586412 h 6858000"/>
+              <a:gd name="connsiteX117" fmla="*/ 5092358 w 6096000"/>
+              <a:gd name="connsiteY117" fmla="*/ 3597336 h 6858000"/>
+              <a:gd name="connsiteX118" fmla="*/ 5084254 w 6096000"/>
+              <a:gd name="connsiteY118" fmla="*/ 3606007 h 6858000"/>
+              <a:gd name="connsiteX119" fmla="*/ 5084281 w 6096000"/>
+              <a:gd name="connsiteY119" fmla="*/ 3641228 h 6858000"/>
+              <a:gd name="connsiteX120" fmla="*/ 5091848 w 6096000"/>
+              <a:gd name="connsiteY120" fmla="*/ 3653088 h 6858000"/>
+              <a:gd name="connsiteX121" fmla="*/ 5097436 w 6096000"/>
+              <a:gd name="connsiteY121" fmla="*/ 3664114 h 6858000"/>
+              <a:gd name="connsiteX122" fmla="*/ 5097518 w 6096000"/>
+              <a:gd name="connsiteY122" fmla="*/ 3665569 h 6858000"/>
+              <a:gd name="connsiteX123" fmla="*/ 5099829 w 6096000"/>
+              <a:gd name="connsiteY123" fmla="*/ 3707357 h 6858000"/>
+              <a:gd name="connsiteX124" fmla="*/ 5114696 w 6096000"/>
+              <a:gd name="connsiteY124" fmla="*/ 3778166 h 6858000"/>
+              <a:gd name="connsiteX125" fmla="*/ 5135379 w 6096000"/>
+              <a:gd name="connsiteY125" fmla="*/ 3878222 h 6858000"/>
+              <a:gd name="connsiteX126" fmla="*/ 5130138 w 6096000"/>
+              <a:gd name="connsiteY126" fmla="*/ 4048117 h 6858000"/>
+              <a:gd name="connsiteX127" fmla="*/ 5090040 w 6096000"/>
+              <a:gd name="connsiteY127" fmla="*/ 4219510 h 6858000"/>
+              <a:gd name="connsiteX128" fmla="*/ 5092812 w 6096000"/>
+              <a:gd name="connsiteY128" fmla="*/ 4411258 h 6858000"/>
+              <a:gd name="connsiteX129" fmla="*/ 5084599 w 6096000"/>
+              <a:gd name="connsiteY129" fmla="*/ 4488531 h 6858000"/>
+              <a:gd name="connsiteX130" fmla="*/ 5084072 w 6096000"/>
+              <a:gd name="connsiteY130" fmla="*/ 4539168 h 6858000"/>
+              <a:gd name="connsiteX131" fmla="*/ 5068936 w 6096000"/>
+              <a:gd name="connsiteY131" fmla="*/ 4625153 h 6858000"/>
+              <a:gd name="connsiteX132" fmla="*/ 5059114 w 6096000"/>
+              <a:gd name="connsiteY132" fmla="*/ 4733115 h 6858000"/>
+              <a:gd name="connsiteX133" fmla="*/ 5037209 w 6096000"/>
+              <a:gd name="connsiteY133" fmla="*/ 4844323 h 6858000"/>
+              <a:gd name="connsiteX134" fmla="*/ 5020638 w 6096000"/>
+              <a:gd name="connsiteY134" fmla="*/ 4877992 h 6858000"/>
+              <a:gd name="connsiteX135" fmla="*/ 5006413 w 6096000"/>
+              <a:gd name="connsiteY135" fmla="*/ 4925805 h 6858000"/>
+              <a:gd name="connsiteX136" fmla="*/ 4971037 w 6096000"/>
+              <a:gd name="connsiteY136" fmla="*/ 5009272 h 6858000"/>
+              <a:gd name="connsiteX137" fmla="*/ 4963105 w 6096000"/>
+              <a:gd name="connsiteY137" fmla="*/ 5111369 h 6858000"/>
+              <a:gd name="connsiteX138" fmla="*/ 4976341 w 6096000"/>
+              <a:gd name="connsiteY138" fmla="*/ 5210876 h 6858000"/>
+              <a:gd name="connsiteX139" fmla="*/ 4980617 w 6096000"/>
+              <a:gd name="connsiteY139" fmla="*/ 5269726 h 6858000"/>
+              <a:gd name="connsiteX140" fmla="*/ 4997733 w 6096000"/>
+              <a:gd name="connsiteY140" fmla="*/ 5464225 h 6858000"/>
+              <a:gd name="connsiteX141" fmla="*/ 5001400 w 6096000"/>
+              <a:gd name="connsiteY141" fmla="*/ 5594585 h 6858000"/>
+              <a:gd name="connsiteX142" fmla="*/ 4983700 w 6096000"/>
+              <a:gd name="connsiteY142" fmla="*/ 5667896 h 6858000"/>
+              <a:gd name="connsiteX143" fmla="*/ 4968506 w 6096000"/>
+              <a:gd name="connsiteY143" fmla="*/ 5769225 h 6858000"/>
+              <a:gd name="connsiteX144" fmla="*/ 4969765 w 6096000"/>
+              <a:gd name="connsiteY144" fmla="*/ 5823324 h 6858000"/>
+              <a:gd name="connsiteX145" fmla="*/ 4966129 w 6096000"/>
+              <a:gd name="connsiteY145" fmla="*/ 5862699 h 6858000"/>
+              <a:gd name="connsiteX146" fmla="*/ 4970695 w 6096000"/>
+              <a:gd name="connsiteY146" fmla="*/ 5906467 h 6858000"/>
+              <a:gd name="connsiteX147" fmla="*/ 4991568 w 6096000"/>
+              <a:gd name="connsiteY147" fmla="*/ 5939847 h 6858000"/>
+              <a:gd name="connsiteX148" fmla="*/ 4986815 w 6096000"/>
+              <a:gd name="connsiteY148" fmla="*/ 5973994 h 6858000"/>
+              <a:gd name="connsiteX149" fmla="*/ 4987776 w 6096000"/>
+              <a:gd name="connsiteY149" fmla="*/ 6089693 h 6858000"/>
+              <a:gd name="connsiteX150" fmla="*/ 4991621 w 6096000"/>
+              <a:gd name="connsiteY150" fmla="*/ 6224938 h 6858000"/>
+              <a:gd name="connsiteX151" fmla="*/ 5017157 w 6096000"/>
+              <a:gd name="connsiteY151" fmla="*/ 6370251 h 6858000"/>
+              <a:gd name="connsiteX152" fmla="*/ 5040797 w 6096000"/>
+              <a:gd name="connsiteY152" fmla="*/ 6541313 h 6858000"/>
+              <a:gd name="connsiteX153" fmla="*/ 5045375 w 6096000"/>
+              <a:gd name="connsiteY153" fmla="*/ 6640957 h 6858000"/>
+              <a:gd name="connsiteX154" fmla="*/ 5058442 w 6096000"/>
+              <a:gd name="connsiteY154" fmla="*/ 6705297 h 6858000"/>
+              <a:gd name="connsiteX155" fmla="*/ 5071125 w 6096000"/>
+              <a:gd name="connsiteY155" fmla="*/ 6759582 h 6858000"/>
+              <a:gd name="connsiteX156" fmla="*/ 5069172 w 6096000"/>
+              <a:gd name="connsiteY156" fmla="*/ 6817746 h 6858000"/>
+              <a:gd name="connsiteX157" fmla="*/ 5072322 w 6096000"/>
+              <a:gd name="connsiteY157" fmla="*/ 6843646 h 6858000"/>
+              <a:gd name="connsiteX158" fmla="*/ 5091388 w 6096000"/>
+              <a:gd name="connsiteY158" fmla="*/ 6857998 h 6858000"/>
+              <a:gd name="connsiteX159" fmla="*/ 6096000 w 6096000"/>
+              <a:gd name="connsiteY159" fmla="*/ 6857998 h 6858000"/>
+              <a:gd name="connsiteX160" fmla="*/ 6096000 w 6096000"/>
+              <a:gd name="connsiteY160" fmla="*/ 6858000 h 6858000"/>
+              <a:gd name="connsiteX161" fmla="*/ 0 w 6096000"/>
+              <a:gd name="connsiteY161" fmla="*/ 6858000 h 6858000"/>
+            </a:gdLst>
+            <a:ahLst/>
+            <a:cxnLst>
+              <a:cxn ang="0">
+                <a:pos x="connsiteX0" y="connsiteY0"/>
+              </a:cxn>
+              <a:cxn ang="0">
+                <a:pos x="connsiteX1" y="connsiteY1"/>
+              </a:cxn>
+              <a:cxn ang="0">
+                <a:pos x="connsiteX2" y="connsiteY2"/>
+              </a:cxn>
+              <a:cxn ang="0">
+                <a:pos x="connsiteX3" y="connsiteY3"/>
+              </a:cxn>
+              <a:cxn ang="0">
+                <a:pos x="connsiteX4" y="connsiteY4"/>
+              </a:cxn>
+              <a:cxn ang="0">
+                <a:pos x="connsiteX5" y="connsiteY5"/>
+              </a:cxn>
+              <a:cxn ang="0">
+                <a:pos x="connsiteX6" y="connsiteY6"/>
+              </a:cxn>
+              <a:cxn ang="0">
+                <a:pos x="connsiteX7" y="connsiteY7"/>
+              </a:cxn>
+              <a:cxn ang="0">
+                <a:pos x="connsiteX8" y="connsiteY8"/>
+              </a:cxn>
+              <a:cxn ang="0">
+                <a:pos x="connsiteX9" y="connsiteY9"/>
+              </a:cxn>
+              <a:cxn ang="0">
+                <a:pos x="connsiteX10" y="connsiteY10"/>
+              </a:cxn>
+              <a:cxn ang="0">
+                <a:pos x="connsiteX11" y="connsiteY11"/>
+              </a:cxn>
+              <a:cxn ang="0">
+                <a:pos x="connsiteX12" y="connsiteY12"/>
+              </a:cxn>
+              <a:cxn ang="0">
+                <a:pos x="connsiteX13" y="connsiteY13"/>
+              </a:cxn>
+              <a:cxn ang="0">
+                <a:pos x="connsiteX14" y="connsiteY14"/>
+              </a:cxn>
+              <a:cxn ang="0">
+                <a:pos x="connsiteX15" y="connsiteY15"/>
+              </a:cxn>
+              <a:cxn ang="0">
+                <a:pos x="connsiteX16" y="connsiteY16"/>
+              </a:cxn>
+              <a:cxn ang="0">
+                <a:pos x="connsiteX17" y="connsiteY17"/>
+              </a:cxn>
+              <a:cxn ang="0">
+                <a:pos x="connsiteX18" y="connsiteY18"/>
+              </a:cxn>
+              <a:cxn ang="0">
+                <a:pos x="connsiteX19" y="connsiteY19"/>
+              </a:cxn>
+              <a:cxn ang="0">
+                <a:pos x="connsiteX20" y="connsiteY20"/>
+              </a:cxn>
+              <a:cxn ang="0">
+                <a:pos x="connsiteX21" y="connsiteY21"/>
+              </a:cxn>
+              <a:cxn ang="0">
+                <a:pos x="connsiteX22" y="connsiteY22"/>
+              </a:cxn>
+              <a:cxn ang="0">
+                <a:pos x="connsiteX23" y="connsiteY23"/>
+              </a:cxn>
+              <a:cxn ang="0">
+                <a:pos x="connsiteX24" y="connsiteY24"/>
+              </a:cxn>
+              <a:cxn ang="0">
+                <a:pos x="connsiteX25" y="connsiteY25"/>
+              </a:cxn>
+              <a:cxn ang="0">
+                <a:pos x="connsiteX26" y="connsiteY26"/>
+              </a:cxn>
+              <a:cxn ang="0">
+                <a:pos x="connsiteX27" y="connsiteY27"/>
+              </a:cxn>
+              <a:cxn ang="0">
+                <a:pos x="connsiteX28" y="connsiteY28"/>
+              </a:cxn>
+              <a:cxn ang="0">
+                <a:pos x="connsiteX29" y="connsiteY29"/>
+              </a:cxn>
+              <a:cxn ang="0">
+                <a:pos x="connsiteX30" y="connsiteY30"/>
+              </a:cxn>
+              <a:cxn ang="0">
+                <a:pos x="connsiteX31" y="connsiteY31"/>
+              </a:cxn>
+              <a:cxn ang="0">
+                <a:pos x="connsiteX32" y="connsiteY32"/>
+              </a:cxn>
+              <a:cxn ang="0">
+                <a:pos x="connsiteX33" y="connsiteY33"/>
+              </a:cxn>
+              <a:cxn ang="0">
+                <a:pos x="connsiteX34" y="connsiteY34"/>
+              </a:cxn>
+              <a:cxn ang="0">
+                <a:pos x="connsiteX35" y="connsiteY35"/>
+              </a:cxn>
+              <a:cxn ang="0">
+                <a:pos x="connsiteX36" y="connsiteY36"/>
+              </a:cxn>
+              <a:cxn ang="0">
+                <a:pos x="connsiteX37" y="connsiteY37"/>
+              </a:cxn>
+              <a:cxn ang="0">
+                <a:pos x="connsiteX38" y="connsiteY38"/>
+              </a:cxn>
+              <a:cxn ang="0">
+                <a:pos x="connsiteX39" y="connsiteY39"/>
+              </a:cxn>
+              <a:cxn ang="0">
+                <a:pos x="connsiteX40" y="connsiteY40"/>
+              </a:cxn>
+              <a:cxn ang="0">
+                <a:pos x="connsiteX41" y="connsiteY41"/>
+              </a:cxn>
+              <a:cxn ang="0">
+                <a:pos x="connsiteX42" y="connsiteY42"/>
+              </a:cxn>
+              <a:cxn ang="0">
+                <a:pos x="connsiteX43" y="connsiteY43"/>
+              </a:cxn>
+              <a:cxn ang="0">
+                <a:pos x="connsiteX44" y="connsiteY44"/>
+              </a:cxn>
+              <a:cxn ang="0">
+                <a:pos x="connsiteX45" y="connsiteY45"/>
+              </a:cxn>
+              <a:cxn ang="0">
+                <a:pos x="connsiteX46" y="connsiteY46"/>
+              </a:cxn>
+              <a:cxn ang="0">
+                <a:pos x="connsiteX47" y="connsiteY47"/>
+              </a:cxn>
+              <a:cxn ang="0">
+                <a:pos x="connsiteX48" y="connsiteY48"/>
+              </a:cxn>
+              <a:cxn ang="0">
+                <a:pos x="connsiteX49" y="connsiteY49"/>
+              </a:cxn>
+              <a:cxn ang="0">
+                <a:pos x="connsiteX50" y="connsiteY50"/>
+              </a:cxn>
+              <a:cxn ang="0">
+                <a:pos x="connsiteX51" y="connsiteY51"/>
+              </a:cxn>
+              <a:cxn ang="0">
+                <a:pos x="connsiteX52" y="connsiteY52"/>
+              </a:cxn>
+              <a:cxn ang="0">
+                <a:pos x="connsiteX53" y="connsiteY53"/>
+              </a:cxn>
+              <a:cxn ang="0">
+                <a:pos x="connsiteX54" y="connsiteY54"/>
+              </a:cxn>
+              <a:cxn ang="0">
+                <a:pos x="connsiteX55" y="connsiteY55"/>
+              </a:cxn>
+              <a:cxn ang="0">
+                <a:pos x="connsiteX56" y="connsiteY56"/>
+              </a:cxn>
+              <a:cxn ang="0">
+                <a:pos x="connsiteX57" y="connsiteY57"/>
+              </a:cxn>
+              <a:cxn ang="0">
+                <a:pos x="connsiteX58" y="connsiteY58"/>
+              </a:cxn>
+              <a:cxn ang="0">
+                <a:pos x="connsiteX59" y="connsiteY59"/>
+              </a:cxn>
+              <a:cxn ang="0">
+                <a:pos x="connsiteX60" y="connsiteY60"/>
+              </a:cxn>
+              <a:cxn ang="0">
+                <a:pos x="connsiteX61" y="connsiteY61"/>
+              </a:cxn>
+              <a:cxn ang="0">
+                <a:pos x="connsiteX62" y="connsiteY62"/>
+              </a:cxn>
+              <a:cxn ang="0">
+                <a:pos x="connsiteX63" y="connsiteY63"/>
+              </a:cxn>
+              <a:cxn ang="0">
+                <a:pos x="connsiteX64" y="connsiteY64"/>
+              </a:cxn>
+              <a:cxn ang="0">
+                <a:pos x="connsiteX65" y="connsiteY65"/>
+              </a:cxn>
+              <a:cxn ang="0">
+                <a:pos x="connsiteX66" y="connsiteY66"/>
+              </a:cxn>
+              <a:cxn ang="0">
+                <a:pos x="connsiteX67" y="connsiteY67"/>
+              </a:cxn>
+              <a:cxn ang="0">
+                <a:pos x="connsiteX68" y="connsiteY68"/>
+              </a:cxn>
+              <a:cxn ang="0">
+                <a:pos x="connsiteX69" y="connsiteY69"/>
+              </a:cxn>
+              <a:cxn ang="0">
+                <a:pos x="connsiteX70" y="connsiteY70"/>
+              </a:cxn>
+              <a:cxn ang="0">
+                <a:pos x="connsiteX71" y="connsiteY71"/>
+              </a:cxn>
+              <a:cxn ang="0">
+                <a:pos x="connsiteX72" y="connsiteY72"/>
+              </a:cxn>
+              <a:cxn ang="0">
+                <a:pos x="connsiteX73" y="connsiteY73"/>
+              </a:cxn>
+              <a:cxn ang="0">
+                <a:pos x="connsiteX74" y="connsiteY74"/>
+              </a:cxn>
+              <a:cxn ang="0">
+                <a:pos x="connsiteX75" y="connsiteY75"/>
+              </a:cxn>
+              <a:cxn ang="0">
+                <a:pos x="connsiteX76" y="connsiteY76"/>
+              </a:cxn>
+              <a:cxn ang="0">
+                <a:pos x="connsiteX77" y="connsiteY77"/>
+              </a:cxn>
+              <a:cxn ang="0">
+                <a:pos x="connsiteX78" y="connsiteY78"/>
+              </a:cxn>
+              <a:cxn ang="0">
+                <a:pos x="connsiteX79" y="connsiteY79"/>
+              </a:cxn>
+              <a:cxn ang="0">
+                <a:pos x="connsiteX80" y="connsiteY80"/>
+              </a:cxn>
+              <a:cxn ang="0">
+                <a:pos x="connsiteX81" y="connsiteY81"/>
+              </a:cxn>
+              <a:cxn ang="0">
+                <a:pos x="connsiteX82" y="connsiteY82"/>
+              </a:cxn>
+              <a:cxn ang="0">
+                <a:pos x="connsiteX83" y="connsiteY83"/>
+              </a:cxn>
+              <a:cxn ang="0">
+                <a:pos x="connsiteX84" y="connsiteY84"/>
+              </a:cxn>
+              <a:cxn ang="0">
+                <a:pos x="connsiteX85" y="connsiteY85"/>
+              </a:cxn>
+              <a:cxn ang="0">
+                <a:pos x="connsiteX86" y="connsiteY86"/>
+              </a:cxn>
+              <a:cxn ang="0">
+                <a:pos x="connsiteX87" y="connsiteY87"/>
+              </a:cxn>
+              <a:cxn ang="0">
+                <a:pos x="connsiteX88" y="connsiteY88"/>
+              </a:cxn>
+              <a:cxn ang="0">
+                <a:pos x="connsiteX89" y="connsiteY89"/>
+              </a:cxn>
+              <a:cxn ang="0">
+                <a:pos x="connsiteX90" y="connsiteY90"/>
+              </a:cxn>
+              <a:cxn ang="0">
+                <a:pos x="connsiteX91" y="connsiteY91"/>
+              </a:cxn>
+              <a:cxn ang="0">
+                <a:pos x="connsiteX92" y="connsiteY92"/>
+              </a:cxn>
+              <a:cxn ang="0">
+                <a:pos x="connsiteX93" y="connsiteY93"/>
+              </a:cxn>
+              <a:cxn ang="0">
+                <a:pos x="connsiteX94" y="connsiteY94"/>
+              </a:cxn>
+              <a:cxn ang="0">
+                <a:pos x="connsiteX95" y="connsiteY95"/>
+              </a:cxn>
+              <a:cxn ang="0">
+                <a:pos x="connsiteX96" y="connsiteY96"/>
+              </a:cxn>
+              <a:cxn ang="0">
+                <a:pos x="connsiteX97" y="connsiteY97"/>
+              </a:cxn>
+              <a:cxn ang="0">
+                <a:pos x="connsiteX98" y="connsiteY98"/>
+              </a:cxn>
+              <a:cxn ang="0">
+                <a:pos x="connsiteX99" y="connsiteY99"/>
+              </a:cxn>
+              <a:cxn ang="0">
+                <a:pos x="connsiteX100" y="connsiteY100"/>
+              </a:cxn>
+              <a:cxn ang="0">
+                <a:pos x="connsiteX101" y="connsiteY101"/>
+              </a:cxn>
+              <a:cxn ang="0">
+                <a:pos x="connsiteX102" y="connsiteY102"/>
+              </a:cxn>
+              <a:cxn ang="0">
+                <a:pos x="connsiteX103" y="connsiteY103"/>
+              </a:cxn>
+              <a:cxn ang="0">
+                <a:pos x="connsiteX104" y="connsiteY104"/>
+              </a:cxn>
+              <a:cxn ang="0">
+                <a:pos x="connsiteX105" y="connsiteY105"/>
+              </a:cxn>
+              <a:cxn ang="0">
+                <a:pos x="connsiteX106" y="connsiteY106"/>
+              </a:cxn>
+              <a:cxn ang="0">
+                <a:pos x="connsiteX107" y="connsiteY107"/>
+              </a:cxn>
+              <a:cxn ang="0">
+                <a:pos x="connsiteX108" y="connsiteY108"/>
+              </a:cxn>
+              <a:cxn ang="0">
+                <a:pos x="connsiteX109" y="connsiteY109"/>
+              </a:cxn>
+              <a:cxn ang="0">
+                <a:pos x="connsiteX110" y="connsiteY110"/>
+              </a:cxn>
+              <a:cxn ang="0">
+                <a:pos x="connsiteX111" y="connsiteY111"/>
+              </a:cxn>
+              <a:cxn ang="0">
+                <a:pos x="connsiteX112" y="connsiteY112"/>
+              </a:cxn>
+              <a:cxn ang="0">
+                <a:pos x="connsiteX113" y="connsiteY113"/>
+              </a:cxn>
+              <a:cxn ang="0">
+                <a:pos x="connsiteX114" y="connsiteY114"/>
+              </a:cxn>
+              <a:cxn ang="0">
+                <a:pos x="connsiteX115" y="connsiteY115"/>
+              </a:cxn>
+              <a:cxn ang="0">
+                <a:pos x="connsiteX116" y="connsiteY116"/>
+              </a:cxn>
+              <a:cxn ang="0">
+                <a:pos x="connsiteX117" y="connsiteY117"/>
+              </a:cxn>
+              <a:cxn ang="0">
+                <a:pos x="connsiteX118" y="connsiteY118"/>
+              </a:cxn>
+              <a:cxn ang="0">
+                <a:pos x="connsiteX119" y="connsiteY119"/>
+              </a:cxn>
+              <a:cxn ang="0">
+                <a:pos x="connsiteX120" y="connsiteY120"/>
+              </a:cxn>
+              <a:cxn ang="0">
+                <a:pos x="connsiteX121" y="connsiteY121"/>
+              </a:cxn>
+              <a:cxn ang="0">
+                <a:pos x="connsiteX122" y="connsiteY122"/>
+              </a:cxn>
+              <a:cxn ang="0">
+                <a:pos x="connsiteX123" y="connsiteY123"/>
+              </a:cxn>
+              <a:cxn ang="0">
+                <a:pos x="connsiteX124" y="connsiteY124"/>
+              </a:cxn>
+              <a:cxn ang="0">
+                <a:pos x="connsiteX125" y="connsiteY125"/>
+              </a:cxn>
+              <a:cxn ang="0">
+                <a:pos x="connsiteX126" y="connsiteY126"/>
+              </a:cxn>
+              <a:cxn ang="0">
+                <a:pos x="connsiteX127" y="connsiteY127"/>
+              </a:cxn>
+              <a:cxn ang="0">
+                <a:pos x="connsiteX128" y="connsiteY128"/>
+              </a:cxn>
+              <a:cxn ang="0">
+                <a:pos x="connsiteX129" y="connsiteY129"/>
+              </a:cxn>
+              <a:cxn ang="0">
+                <a:pos x="connsiteX130" y="connsiteY130"/>
+              </a:cxn>
+              <a:cxn ang="0">
+                <a:pos x="connsiteX131" y="connsiteY131"/>
+              </a:cxn>
+              <a:cxn ang="0">
+                <a:pos x="connsiteX132" y="connsiteY132"/>
+              </a:cxn>
+              <a:cxn ang="0">
+                <a:pos x="connsiteX133" y="connsiteY133"/>
+              </a:cxn>
+              <a:cxn ang="0">
+                <a:pos x="connsiteX134" y="connsiteY134"/>
+              </a:cxn>
+              <a:cxn ang="0">
+                <a:pos x="connsiteX135" y="connsiteY135"/>
+              </a:cxn>
+              <a:cxn ang="0">
+                <a:pos x="connsiteX136" y="connsiteY136"/>
+              </a:cxn>
+              <a:cxn ang="0">
+                <a:pos x="connsiteX137" y="connsiteY137"/>
+              </a:cxn>
+              <a:cxn ang="0">
+                <a:pos x="connsiteX138" y="connsiteY138"/>
+              </a:cxn>
+              <a:cxn ang="0">
+                <a:pos x="connsiteX139" y="connsiteY139"/>
+              </a:cxn>
+              <a:cxn ang="0">
+                <a:pos x="connsiteX140" y="connsiteY140"/>
+              </a:cxn>
+              <a:cxn ang="0">
+                <a:pos x="connsiteX141" y="connsiteY141"/>
+              </a:cxn>
+              <a:cxn ang="0">
+                <a:pos x="connsiteX142" y="connsiteY142"/>
+              </a:cxn>
+              <a:cxn ang="0">
+                <a:pos x="connsiteX143" y="connsiteY143"/>
+              </a:cxn>
+              <a:cxn ang="0">
+                <a:pos x="connsiteX144" y="connsiteY144"/>
+              </a:cxn>
+              <a:cxn ang="0">
+                <a:pos x="connsiteX145" y="connsiteY145"/>
+              </a:cxn>
+              <a:cxn ang="0">
+                <a:pos x="connsiteX146" y="connsiteY146"/>
+              </a:cxn>
+              <a:cxn ang="0">
+                <a:pos x="connsiteX147" y="connsiteY147"/>
+              </a:cxn>
+              <a:cxn ang="0">
+                <a:pos x="connsiteX148" y="connsiteY148"/>
+              </a:cxn>
+              <a:cxn ang="0">
+                <a:pos x="connsiteX149" y="connsiteY149"/>
+              </a:cxn>
+              <a:cxn ang="0">
+                <a:pos x="connsiteX150" y="connsiteY150"/>
+              </a:cxn>
+              <a:cxn ang="0">
+                <a:pos x="connsiteX151" y="connsiteY151"/>
+              </a:cxn>
+              <a:cxn ang="0">
+                <a:pos x="connsiteX152" y="connsiteY152"/>
+              </a:cxn>
+              <a:cxn ang="0">
+                <a:pos x="connsiteX153" y="connsiteY153"/>
+              </a:cxn>
+              <a:cxn ang="0">
+                <a:pos x="connsiteX154" y="connsiteY154"/>
+              </a:cxn>
+              <a:cxn ang="0">
+                <a:pos x="connsiteX155" y="connsiteY155"/>
+              </a:cxn>
+              <a:cxn ang="0">
+                <a:pos x="connsiteX156" y="connsiteY156"/>
+              </a:cxn>
+              <a:cxn ang="0">
+                <a:pos x="connsiteX157" y="connsiteY157"/>
+              </a:cxn>
+              <a:cxn ang="0">
+                <a:pos x="connsiteX158" y="connsiteY158"/>
+              </a:cxn>
+              <a:cxn ang="0">
+                <a:pos x="connsiteX159" y="connsiteY159"/>
+              </a:cxn>
+              <a:cxn ang="0">
+                <a:pos x="connsiteX160" y="connsiteY160"/>
+              </a:cxn>
+              <a:cxn ang="0">
+                <a:pos x="connsiteX161" y="connsiteY161"/>
+              </a:cxn>
+            </a:cxnLst>
+            <a:rect l="l" t="t" r="r" b="b"/>
+            <a:pathLst>
+              <a:path w="6096000" h="6858000">
+                <a:moveTo>
+                  <a:pt x="0" y="0"/>
+                </a:moveTo>
+                <a:lnTo>
+                  <a:pt x="5567517" y="0"/>
+                </a:lnTo>
+                <a:lnTo>
+                  <a:pt x="5566938" y="1705"/>
+                </a:lnTo>
+                <a:cubicBezTo>
+                  <a:pt x="5563126" y="8440"/>
+                  <a:pt x="5558112" y="13784"/>
+                  <a:pt x="5551594" y="17287"/>
+                </a:cubicBezTo>
+                <a:cubicBezTo>
+                  <a:pt x="5562364" y="82036"/>
+                  <a:pt x="5510349" y="69804"/>
+                  <a:pt x="5545641" y="130336"/>
+                </a:cubicBezTo>
+                <a:cubicBezTo>
+                  <a:pt x="5526953" y="117589"/>
+                  <a:pt x="5536978" y="162458"/>
+                  <a:pt x="5538289" y="187093"/>
+                </a:cubicBezTo>
+                <a:cubicBezTo>
+                  <a:pt x="5536205" y="226511"/>
+                  <a:pt x="5545722" y="205530"/>
+                  <a:pt x="5545790" y="265704"/>
+                </a:cubicBezTo>
+                <a:cubicBezTo>
+                  <a:pt x="5542296" y="317533"/>
+                  <a:pt x="5543813" y="325288"/>
+                  <a:pt x="5542313" y="354566"/>
+                </a:cubicBezTo>
+                <a:lnTo>
+                  <a:pt x="5524126" y="472000"/>
+                </a:lnTo>
+                <a:lnTo>
+                  <a:pt x="5522170" y="473782"/>
+                </a:lnTo>
+                <a:cubicBezTo>
+                  <a:pt x="5517847" y="482008"/>
+                  <a:pt x="5518682" y="487340"/>
+                  <a:pt x="5521798" y="491380"/>
+                </a:cubicBezTo>
+                <a:lnTo>
+                  <a:pt x="5536419" y="531675"/>
+                </a:lnTo>
+                <a:lnTo>
+                  <a:pt x="5533435" y="536015"/>
+                </a:lnTo>
+                <a:lnTo>
+                  <a:pt x="5538088" y="572092"/>
+                </a:lnTo>
+                <a:lnTo>
+                  <a:pt x="5536061" y="572511"/>
+                </a:lnTo>
+                <a:cubicBezTo>
+                  <a:pt x="5531611" y="574271"/>
+                  <a:pt x="5528529" y="577121"/>
+                  <a:pt x="5528218" y="582332"/>
+                </a:cubicBezTo>
+                <a:cubicBezTo>
+                  <a:pt x="5498002" y="573171"/>
+                  <a:pt x="5516262" y="585107"/>
+                  <a:pt x="5518011" y="601285"/>
+                </a:cubicBezTo>
+                <a:cubicBezTo>
+                  <a:pt x="5508838" y="617831"/>
+                  <a:pt x="5480684" y="666964"/>
+                  <a:pt x="5473174" y="681608"/>
+                </a:cubicBezTo>
+                <a:cubicBezTo>
+                  <a:pt x="5473102" y="684122"/>
+                  <a:pt x="5473033" y="686637"/>
+                  <a:pt x="5472963" y="689151"/>
+                </a:cubicBezTo>
+                <a:lnTo>
+                  <a:pt x="5472485" y="689289"/>
+                </a:lnTo>
+                <a:cubicBezTo>
+                  <a:pt x="5471434" y="690905"/>
+                  <a:pt x="5470986" y="693376"/>
+                  <a:pt x="5471326" y="697222"/>
+                </a:cubicBezTo>
+                <a:cubicBezTo>
+                  <a:pt x="5471606" y="703992"/>
+                  <a:pt x="5471884" y="710761"/>
+                  <a:pt x="5472164" y="717531"/>
+                </a:cubicBezTo>
+                <a:lnTo>
+                  <a:pt x="5468891" y="722494"/>
+                </a:lnTo>
+                <a:lnTo>
+                  <a:pt x="5463081" y="724368"/>
+                </a:lnTo>
+                <a:lnTo>
+                  <a:pt x="5446981" y="752692"/>
+                </a:lnTo>
+                <a:cubicBezTo>
+                  <a:pt x="5454691" y="764380"/>
+                  <a:pt x="5422719" y="808083"/>
+                  <a:pt x="5417190" y="816346"/>
+                </a:cubicBezTo>
+                <a:lnTo>
+                  <a:pt x="5388958" y="889417"/>
+                </a:lnTo>
+                <a:cubicBezTo>
+                  <a:pt x="5320491" y="969963"/>
+                  <a:pt x="5321907" y="1005331"/>
+                  <a:pt x="5307044" y="1063288"/>
+                </a:cubicBezTo>
+                <a:cubicBezTo>
+                  <a:pt x="5313332" y="1111028"/>
+                  <a:pt x="5317096" y="1110140"/>
+                  <a:pt x="5303837" y="1157176"/>
+                </a:cubicBezTo>
+                <a:cubicBezTo>
+                  <a:pt x="5301103" y="1192124"/>
+                  <a:pt x="5301884" y="1197232"/>
+                  <a:pt x="5286494" y="1210776"/>
+                </a:cubicBezTo>
+                <a:lnTo>
+                  <a:pt x="5282463" y="1301993"/>
+                </a:lnTo>
+                <a:lnTo>
+                  <a:pt x="5252235" y="1360879"/>
+                </a:lnTo>
+                <a:lnTo>
+                  <a:pt x="5244497" y="1404045"/>
+                </a:lnTo>
+                <a:lnTo>
+                  <a:pt x="5223823" y="1429568"/>
+                </a:lnTo>
+                <a:lnTo>
+                  <a:pt x="5224851" y="1430305"/>
+                </a:lnTo>
+                <a:cubicBezTo>
+                  <a:pt x="5226697" y="1432466"/>
+                  <a:pt x="5214738" y="1459891"/>
+                  <a:pt x="5212394" y="1463304"/>
+                </a:cubicBezTo>
+                <a:cubicBezTo>
+                  <a:pt x="5209912" y="1477394"/>
+                  <a:pt x="5213027" y="1501295"/>
+                  <a:pt x="5209958" y="1514846"/>
+                </a:cubicBezTo>
+                <a:lnTo>
+                  <a:pt x="5206417" y="1519731"/>
+                </a:lnTo>
+                <a:lnTo>
+                  <a:pt x="5206640" y="1519929"/>
+                </a:lnTo>
+                <a:cubicBezTo>
+                  <a:pt x="5206490" y="1521210"/>
+                  <a:pt x="5209710" y="1543635"/>
+                  <a:pt x="5207632" y="1546022"/>
+                </a:cubicBezTo>
+                <a:lnTo>
+                  <a:pt x="5212030" y="1578752"/>
+                </a:lnTo>
+                <a:cubicBezTo>
+                  <a:pt x="5206147" y="1605585"/>
+                  <a:pt x="5226381" y="1622803"/>
+                  <a:pt x="5203533" y="1647555"/>
+                </a:cubicBezTo>
+                <a:cubicBezTo>
+                  <a:pt x="5198128" y="1672675"/>
+                  <a:pt x="5203213" y="1694404"/>
+                  <a:pt x="5190877" y="1715685"/>
+                </a:cubicBezTo>
+                <a:cubicBezTo>
+                  <a:pt x="5196815" y="1724301"/>
+                  <a:pt x="5198098" y="1732435"/>
+                  <a:pt x="5184235" y="1740358"/>
+                </a:cubicBezTo>
+                <a:cubicBezTo>
+                  <a:pt x="5182625" y="1763793"/>
+                  <a:pt x="5198368" y="1769422"/>
+                  <a:pt x="5181475" y="1784314"/>
+                </a:cubicBezTo>
+                <a:cubicBezTo>
+                  <a:pt x="5205987" y="1797417"/>
+                  <a:pt x="5195246" y="1798221"/>
+                  <a:pt x="5185845" y="1804434"/>
+                </a:cubicBezTo>
+                <a:lnTo>
+                  <a:pt x="5185068" y="1805316"/>
+                </a:lnTo>
+                <a:lnTo>
+                  <a:pt x="5188593" y="1807109"/>
+                </a:lnTo>
+                <a:lnTo>
+                  <a:pt x="5185920" y="1821003"/>
+                </a:lnTo>
+                <a:lnTo>
+                  <a:pt x="5183543" y="1824832"/>
+                </a:lnTo>
+                <a:cubicBezTo>
+                  <a:pt x="5182284" y="1827468"/>
+                  <a:pt x="5181937" y="1829219"/>
+                  <a:pt x="5182235" y="1830429"/>
+                </a:cubicBezTo>
+                <a:lnTo>
+                  <a:pt x="5182525" y="1830569"/>
+                </a:lnTo>
+                <a:lnTo>
+                  <a:pt x="5180663" y="1835810"/>
+                </a:lnTo>
+                <a:cubicBezTo>
+                  <a:pt x="5176779" y="1844665"/>
+                  <a:pt x="5172297" y="1853278"/>
+                  <a:pt x="5167452" y="1861483"/>
+                </a:cubicBezTo>
+                <a:cubicBezTo>
+                  <a:pt x="5179827" y="1866643"/>
+                  <a:pt x="5166788" y="1884999"/>
+                  <a:pt x="5174266" y="1892417"/>
+                </a:cubicBezTo>
+                <a:lnTo>
+                  <a:pt x="5189262" y="1895114"/>
+                </a:lnTo>
+                <a:lnTo>
+                  <a:pt x="5187100" y="1899379"/>
+                </a:lnTo>
+                <a:lnTo>
+                  <a:pt x="5180471" y="1907867"/>
+                </a:lnTo>
+                <a:cubicBezTo>
+                  <a:pt x="5179609" y="1909162"/>
+                  <a:pt x="5179647" y="1909994"/>
+                  <a:pt x="5181361" y="1910265"/>
+                </a:cubicBezTo>
+                <a:cubicBezTo>
+                  <a:pt x="5180995" y="1914884"/>
+                  <a:pt x="5177893" y="1930292"/>
+                  <a:pt x="5178268" y="1935584"/>
+                </a:cubicBezTo>
+                <a:lnTo>
+                  <a:pt x="5183619" y="1942021"/>
+                </a:lnTo>
+                <a:lnTo>
+                  <a:pt x="5184480" y="1945112"/>
+                </a:lnTo>
+                <a:lnTo>
+                  <a:pt x="5172776" y="1961162"/>
+                </a:lnTo>
+                <a:lnTo>
+                  <a:pt x="5168513" y="1969445"/>
+                </a:lnTo>
+                <a:lnTo>
+                  <a:pt x="5126597" y="2024270"/>
+                </a:lnTo>
+                <a:lnTo>
+                  <a:pt x="5119528" y="2107942"/>
+                </a:lnTo>
+                <a:cubicBezTo>
+                  <a:pt x="5089290" y="2138038"/>
+                  <a:pt x="5110415" y="2159228"/>
+                  <a:pt x="5110356" y="2193455"/>
+                </a:cubicBezTo>
+                <a:cubicBezTo>
+                  <a:pt x="5101302" y="2220953"/>
+                  <a:pt x="5110381" y="2224200"/>
+                  <a:pt x="5104992" y="2260088"/>
+                </a:cubicBezTo>
+                <a:cubicBezTo>
+                  <a:pt x="5096504" y="2291744"/>
+                  <a:pt x="5078225" y="2299003"/>
+                  <a:pt x="5059439" y="2335735"/>
+                </a:cubicBezTo>
+                <a:cubicBezTo>
+                  <a:pt x="5029465" y="2329020"/>
+                  <a:pt x="5058046" y="2407546"/>
+                  <a:pt x="5022061" y="2408995"/>
+                </a:cubicBezTo>
+                <a:cubicBezTo>
+                  <a:pt x="5023289" y="2413465"/>
+                  <a:pt x="5019654" y="2441580"/>
+                  <a:pt x="5022253" y="2445869"/>
+                </a:cubicBezTo>
+                <a:cubicBezTo>
+                  <a:pt x="5022440" y="2449625"/>
+                  <a:pt x="5011241" y="2492743"/>
+                  <a:pt x="5011426" y="2496499"/>
+                </a:cubicBezTo>
+                <a:lnTo>
+                  <a:pt x="4994224" y="2549900"/>
+                </a:lnTo>
+                <a:cubicBezTo>
+                  <a:pt x="4992353" y="2564757"/>
+                  <a:pt x="4998952" y="2582253"/>
+                  <a:pt x="4995245" y="2596456"/>
+                </a:cubicBezTo>
+                <a:lnTo>
+                  <a:pt x="4988570" y="2606088"/>
+                </a:lnTo>
+                <a:cubicBezTo>
+                  <a:pt x="4988504" y="2615842"/>
+                  <a:pt x="4988436" y="2625597"/>
+                  <a:pt x="4988371" y="2635351"/>
+                </a:cubicBezTo>
+                <a:lnTo>
+                  <a:pt x="4983212" y="2665666"/>
+                </a:lnTo>
+                <a:lnTo>
+                  <a:pt x="4968234" y="2715895"/>
+                </a:lnTo>
+                <a:lnTo>
+                  <a:pt x="4975888" y="2725052"/>
+                </a:lnTo>
+                <a:lnTo>
+                  <a:pt x="4980195" y="2726489"/>
+                </a:lnTo>
+                <a:lnTo>
+                  <a:pt x="4976218" y="2740278"/>
+                </a:lnTo>
+                <a:lnTo>
+                  <a:pt x="4980571" y="2751112"/>
+                </a:lnTo>
+                <a:lnTo>
+                  <a:pt x="4973893" y="2760208"/>
+                </a:lnTo>
+                <a:lnTo>
+                  <a:pt x="4979005" y="2790136"/>
+                </a:lnTo>
+                <a:lnTo>
+                  <a:pt x="4986137" y="2804183"/>
+                </a:lnTo>
+                <a:cubicBezTo>
+                  <a:pt x="4986150" y="2811409"/>
+                  <a:pt x="4986162" y="2818634"/>
+                  <a:pt x="4986175" y="2825860"/>
+                </a:cubicBezTo>
+                <a:cubicBezTo>
+                  <a:pt x="4987474" y="2843788"/>
+                  <a:pt x="4992871" y="2886513"/>
+                  <a:pt x="4993936" y="2911749"/>
+                </a:cubicBezTo>
+                <a:cubicBezTo>
+                  <a:pt x="4993313" y="2946689"/>
+                  <a:pt x="4980300" y="2954448"/>
+                  <a:pt x="4992563" y="2977278"/>
+                </a:cubicBezTo>
+                <a:cubicBezTo>
+                  <a:pt x="4985688" y="2983455"/>
+                  <a:pt x="4982051" y="2987749"/>
+                  <a:pt x="4980516" y="2991092"/>
+                </a:cubicBezTo>
+                <a:cubicBezTo>
+                  <a:pt x="4975910" y="3001119"/>
+                  <a:pt x="4990216" y="3002537"/>
+                  <a:pt x="4992801" y="3020247"/>
+                </a:cubicBezTo>
+                <a:cubicBezTo>
+                  <a:pt x="4998517" y="3032637"/>
+                  <a:pt x="5013148" y="3051512"/>
+                  <a:pt x="5014805" y="3065434"/>
+                </a:cubicBezTo>
+                <a:cubicBezTo>
+                  <a:pt x="4998836" y="3057428"/>
+                  <a:pt x="5016840" y="3105196"/>
+                  <a:pt x="5002733" y="3103777"/>
+                </a:cubicBezTo>
+                <a:cubicBezTo>
+                  <a:pt x="5022381" y="3124610"/>
+                  <a:pt x="4997365" y="3128169"/>
+                  <a:pt x="5002941" y="3151828"/>
+                </a:cubicBezTo>
+                <a:cubicBezTo>
+                  <a:pt x="5010264" y="3163902"/>
+                  <a:pt x="5011356" y="3171780"/>
+                  <a:pt x="5002883" y="3180546"/>
+                </a:cubicBezTo>
+                <a:cubicBezTo>
+                  <a:pt x="5038586" y="3236545"/>
+                  <a:pt x="5003723" y="3210316"/>
+                  <a:pt x="5016711" y="3258677"/>
+                </a:cubicBezTo>
+                <a:lnTo>
+                  <a:pt x="5017918" y="3262610"/>
+                </a:lnTo>
+                <a:lnTo>
+                  <a:pt x="5011672" y="3277179"/>
+                </a:lnTo>
+                <a:lnTo>
+                  <a:pt x="5009344" y="3278130"/>
+                </a:lnTo>
+                <a:lnTo>
+                  <a:pt x="5026770" y="3325671"/>
+                </a:lnTo>
+                <a:lnTo>
+                  <a:pt x="5024571" y="3332072"/>
+                </a:lnTo>
+                <a:lnTo>
+                  <a:pt x="5041705" y="3362948"/>
+                </a:lnTo>
+                <a:lnTo>
+                  <a:pt x="5047477" y="3378959"/>
+                </a:lnTo>
+                <a:lnTo>
+                  <a:pt x="5060758" y="3407057"/>
+                </a:lnTo>
+                <a:lnTo>
+                  <a:pt x="5058968" y="3409825"/>
+                </a:lnTo>
+                <a:lnTo>
+                  <a:pt x="5062667" y="3415218"/>
+                </a:lnTo>
+                <a:lnTo>
+                  <a:pt x="5060928" y="3419880"/>
+                </a:lnTo>
+                <a:lnTo>
+                  <a:pt x="5062923" y="3424545"/>
+                </a:lnTo>
+                <a:cubicBezTo>
+                  <a:pt x="5063537" y="3433967"/>
+                  <a:pt x="5063494" y="3466028"/>
+                  <a:pt x="5064623" y="3476412"/>
+                </a:cubicBezTo>
+                <a:lnTo>
+                  <a:pt x="5069684" y="3486850"/>
+                </a:lnTo>
+                <a:lnTo>
+                  <a:pt x="5063339" y="3496391"/>
+                </a:lnTo>
+                <a:lnTo>
+                  <a:pt x="5070139" y="3531201"/>
+                </a:lnTo>
+                <a:lnTo>
+                  <a:pt x="5079896" y="3542019"/>
+                </a:lnTo>
+                <a:lnTo>
+                  <a:pt x="5087540" y="3552249"/>
+                </a:lnTo>
+                <a:lnTo>
+                  <a:pt x="5087902" y="3553678"/>
+                </a:lnTo>
+                <a:lnTo>
+                  <a:pt x="5091509" y="3568021"/>
+                </a:lnTo>
+                <a:lnTo>
+                  <a:pt x="5091934" y="3569719"/>
+                </a:lnTo>
+                <a:lnTo>
+                  <a:pt x="5089362" y="3586412"/>
+                </a:lnTo>
+                <a:lnTo>
+                  <a:pt x="5092358" y="3597336"/>
+                </a:lnTo>
+                <a:lnTo>
+                  <a:pt x="5084254" y="3606007"/>
+                </a:lnTo>
+                <a:cubicBezTo>
+                  <a:pt x="5084262" y="3617747"/>
+                  <a:pt x="5084273" y="3629488"/>
+                  <a:pt x="5084281" y="3641228"/>
+                </a:cubicBezTo>
+                <a:lnTo>
+                  <a:pt x="5091848" y="3653088"/>
+                </a:lnTo>
+                <a:lnTo>
+                  <a:pt x="5097436" y="3664114"/>
+                </a:lnTo>
+                <a:cubicBezTo>
+                  <a:pt x="5097463" y="3664599"/>
+                  <a:pt x="5097491" y="3665084"/>
+                  <a:pt x="5097518" y="3665569"/>
+                </a:cubicBezTo>
+                <a:cubicBezTo>
+                  <a:pt x="5097915" y="3672776"/>
+                  <a:pt x="5096966" y="3688591"/>
+                  <a:pt x="5099829" y="3707357"/>
+                </a:cubicBezTo>
+                <a:cubicBezTo>
+                  <a:pt x="5100505" y="3724716"/>
+                  <a:pt x="5118078" y="3760234"/>
+                  <a:pt x="5114696" y="3778166"/>
+                </a:cubicBezTo>
+                <a:cubicBezTo>
+                  <a:pt x="5141627" y="3845122"/>
+                  <a:pt x="5125427" y="3821305"/>
+                  <a:pt x="5135379" y="3878222"/>
+                </a:cubicBezTo>
+                <a:cubicBezTo>
+                  <a:pt x="5161519" y="3905047"/>
+                  <a:pt x="5125417" y="4015047"/>
+                  <a:pt x="5130138" y="4048117"/>
+                </a:cubicBezTo>
+                <a:cubicBezTo>
+                  <a:pt x="5081804" y="4192084"/>
+                  <a:pt x="5096262" y="4158987"/>
+                  <a:pt x="5090040" y="4219510"/>
+                </a:cubicBezTo>
+                <a:cubicBezTo>
+                  <a:pt x="5104553" y="4280033"/>
+                  <a:pt x="5065380" y="4345686"/>
+                  <a:pt x="5092812" y="4411258"/>
+                </a:cubicBezTo>
+                <a:cubicBezTo>
+                  <a:pt x="5090630" y="4437329"/>
+                  <a:pt x="5083878" y="4473140"/>
+                  <a:pt x="5084599" y="4488531"/>
+                </a:cubicBezTo>
+                <a:cubicBezTo>
+                  <a:pt x="5084423" y="4505410"/>
+                  <a:pt x="5084248" y="4522289"/>
+                  <a:pt x="5084072" y="4539168"/>
+                </a:cubicBezTo>
+                <a:cubicBezTo>
+                  <a:pt x="5072114" y="4567830"/>
+                  <a:pt x="5064305" y="4588197"/>
+                  <a:pt x="5068936" y="4625153"/>
+                </a:cubicBezTo>
+                <a:cubicBezTo>
+                  <a:pt x="5077433" y="4662889"/>
+                  <a:pt x="5065899" y="4679357"/>
+                  <a:pt x="5059114" y="4733115"/>
+                </a:cubicBezTo>
+                <a:cubicBezTo>
+                  <a:pt x="5068687" y="4752352"/>
+                  <a:pt x="5055370" y="4832308"/>
+                  <a:pt x="5037209" y="4844323"/>
+                </a:cubicBezTo>
+                <a:cubicBezTo>
+                  <a:pt x="5033444" y="4857054"/>
+                  <a:pt x="5040194" y="4871554"/>
+                  <a:pt x="5020638" y="4877992"/>
+                </a:cubicBezTo>
+                <a:cubicBezTo>
+                  <a:pt x="4997151" y="4888353"/>
+                  <a:pt x="5034418" y="4931200"/>
+                  <a:pt x="5006413" y="4925805"/>
+                </a:cubicBezTo>
+                <a:cubicBezTo>
+                  <a:pt x="5031964" y="4956261"/>
+                  <a:pt x="4982840" y="4982633"/>
+                  <a:pt x="4971037" y="5009272"/>
+                </a:cubicBezTo>
+                <a:cubicBezTo>
+                  <a:pt x="4973259" y="5034036"/>
+                  <a:pt x="4968375" y="5053859"/>
+                  <a:pt x="4963105" y="5111369"/>
+                </a:cubicBezTo>
+                <a:cubicBezTo>
+                  <a:pt x="4973224" y="5141336"/>
+                  <a:pt x="4937413" y="5161742"/>
+                  <a:pt x="4976341" y="5210876"/>
+                </a:cubicBezTo>
+                <a:cubicBezTo>
+                  <a:pt x="4972455" y="5212581"/>
+                  <a:pt x="4977054" y="5227501"/>
+                  <a:pt x="4980617" y="5269726"/>
+                </a:cubicBezTo>
+                <a:cubicBezTo>
+                  <a:pt x="4984182" y="5311951"/>
+                  <a:pt x="4990390" y="5400671"/>
+                  <a:pt x="4997733" y="5464225"/>
+                </a:cubicBezTo>
+                <a:cubicBezTo>
+                  <a:pt x="5001765" y="5536542"/>
+                  <a:pt x="4990225" y="5517959"/>
+                  <a:pt x="5001400" y="5594585"/>
+                </a:cubicBezTo>
+                <a:cubicBezTo>
+                  <a:pt x="4999908" y="5619318"/>
+                  <a:pt x="4974042" y="5647975"/>
+                  <a:pt x="4983700" y="5667896"/>
+                </a:cubicBezTo>
+                <a:cubicBezTo>
+                  <a:pt x="4976834" y="5696311"/>
+                  <a:pt x="4975579" y="5738356"/>
+                  <a:pt x="4968506" y="5769225"/>
+                </a:cubicBezTo>
+                <a:cubicBezTo>
+                  <a:pt x="4968926" y="5787258"/>
+                  <a:pt x="4969344" y="5805291"/>
+                  <a:pt x="4969765" y="5823324"/>
+                </a:cubicBezTo>
+                <a:cubicBezTo>
+                  <a:pt x="4966122" y="5853058"/>
+                  <a:pt x="4965608" y="5838948"/>
+                  <a:pt x="4966129" y="5862699"/>
+                </a:cubicBezTo>
+                <a:lnTo>
+                  <a:pt x="4970695" y="5906467"/>
+                </a:lnTo>
+                <a:lnTo>
+                  <a:pt x="4991568" y="5939847"/>
+                </a:lnTo>
+                <a:cubicBezTo>
+                  <a:pt x="4998848" y="5955713"/>
+                  <a:pt x="4974731" y="5940131"/>
+                  <a:pt x="4986815" y="5973994"/>
+                </a:cubicBezTo>
+                <a:cubicBezTo>
+                  <a:pt x="4961187" y="5997051"/>
+                  <a:pt x="4983444" y="6032039"/>
+                  <a:pt x="4987776" y="6089693"/>
+                </a:cubicBezTo>
+                <a:lnTo>
+                  <a:pt x="4991621" y="6224938"/>
+                </a:lnTo>
+                <a:cubicBezTo>
+                  <a:pt x="4988442" y="6270972"/>
+                  <a:pt x="5008962" y="6317522"/>
+                  <a:pt x="5017157" y="6370251"/>
+                </a:cubicBezTo>
+                <a:cubicBezTo>
+                  <a:pt x="5025353" y="6422980"/>
+                  <a:pt x="5039938" y="6490855"/>
+                  <a:pt x="5040797" y="6541313"/>
+                </a:cubicBezTo>
+                <a:cubicBezTo>
+                  <a:pt x="5039898" y="6576319"/>
+                  <a:pt x="5031912" y="6591883"/>
+                  <a:pt x="5045375" y="6640957"/>
+                </a:cubicBezTo>
+                <a:cubicBezTo>
+                  <a:pt x="5057505" y="6669536"/>
+                  <a:pt x="5052276" y="6675394"/>
+                  <a:pt x="5058442" y="6705297"/>
+                </a:cubicBezTo>
+                <a:cubicBezTo>
+                  <a:pt x="5057367" y="6727133"/>
+                  <a:pt x="5067901" y="6732087"/>
+                  <a:pt x="5071125" y="6759582"/>
+                </a:cubicBezTo>
+                <a:cubicBezTo>
+                  <a:pt x="5055614" y="6796071"/>
+                  <a:pt x="5051656" y="6769544"/>
+                  <a:pt x="5069172" y="6817746"/>
+                </a:cubicBezTo>
+                <a:cubicBezTo>
+                  <a:pt x="5060956" y="6828354"/>
+                  <a:pt x="5064525" y="6836369"/>
+                  <a:pt x="5072322" y="6843646"/>
+                </a:cubicBezTo>
+                <a:lnTo>
+                  <a:pt x="5091388" y="6857998"/>
+                </a:lnTo>
+                <a:lnTo>
+                  <a:pt x="6096000" y="6857998"/>
+                </a:lnTo>
+                <a:lnTo>
+                  <a:pt x="6096000" y="6858000"/>
+                </a:lnTo>
+                <a:lnTo>
+                  <a:pt x="0" y="6858000"/>
+                </a:lnTo>
+                <a:close/>
+              </a:path>
+            </a:pathLst>
+          </a:custGeom>
+          <a:solidFill>
+            <a:srgbClr val="82766A">
+              <a:alpha val="15000"/>
+            </a:srgbClr>
+          </a:solidFill>
+          <a:ln>
+            <a:noFill/>
+          </a:ln>
+        </p:spPr>
+        <p:style>
+          <a:lnRef idx="2">
+            <a:schemeClr val="accent1">
+              <a:shade val="50000"/>
+            </a:schemeClr>
+          </a:lnRef>
+          <a:fillRef idx="1">
+            <a:schemeClr val="accent1"/>
+          </a:fillRef>
+          <a:effectRef idx="0">
+            <a:schemeClr val="accent1"/>
+          </a:effectRef>
+          <a:fontRef idx="minor">
+            <a:schemeClr val="lt1"/>
+          </a:fontRef>
+        </p:style>
+        <p:txBody>
+          <a:bodyPr wrap="square" rtlCol="0" anchor="ctr">
+            <a:noAutofit/>
+          </a:bodyPr>
+          <a:lstStyle/>
+          <a:p>
+            <a:pPr algn="ctr"/>
+            <a:endParaRPr lang="en-US"/>
+          </a:p>
+        </p:txBody>
+      </p:sp>
       <p:sp>
         <p:nvSpPr>
           <p:cNvPr id="2" name="Cím 1">
@@ -7931,18 +15588,29 @@
             <p:ph type="title"/>
           </p:nvPr>
         </p:nvSpPr>
-        <p:spPr/>
+        <p:spPr>
+          <a:xfrm>
+            <a:off x="95962" y="479783"/>
+            <a:ext cx="4327304" cy="1322888"/>
+          </a:xfrm>
+        </p:spPr>
         <p:txBody>
-          <a:bodyPr/>
+          <a:bodyPr>
+            <a:normAutofit/>
+          </a:bodyPr>
           <a:lstStyle/>
           <a:p>
             <a:r>
-              <a:rPr lang="hu-HU" b="1" dirty="0">
+              <a:rPr lang="hu-HU" b="1" dirty="0" err="1">
                 <a:latin typeface="Arial" panose="020B0604020202020204" pitchFamily="34" charset="0"/>
                 <a:cs typeface="Arial" panose="020B0604020202020204" pitchFamily="34" charset="0"/>
               </a:rPr>
               <a:t>Reszponzívitás</a:t>
             </a:r>
+            <a:endParaRPr lang="hu-HU" b="1" dirty="0">
+              <a:latin typeface="Arial" panose="020B0604020202020204" pitchFamily="34" charset="0"/>
+              <a:cs typeface="Arial" panose="020B0604020202020204" pitchFamily="34" charset="0"/>
+            </a:endParaRPr>
           </a:p>
         </p:txBody>
       </p:sp>
@@ -7964,8 +15632,8 @@
         </p:nvSpPr>
         <p:spPr>
           <a:xfrm>
-            <a:off x="838200" y="1458328"/>
-            <a:ext cx="6558495" cy="1325563"/>
+            <a:off x="487965" y="2528317"/>
+            <a:ext cx="3543298" cy="2984214"/>
           </a:xfrm>
         </p:spPr>
         <p:txBody>
@@ -7974,14 +15642,16 @@
           </a:bodyPr>
           <a:lstStyle/>
           <a:p>
+            <a:pPr algn="just"/>
             <a:r>
-              <a:rPr lang="hu-HU" sz="3200" dirty="0"/>
+              <a:rPr lang="hu-HU" sz="3600" dirty="0"/>
               <a:t>Mobileszközökre optimalizálva</a:t>
             </a:r>
           </a:p>
           <a:p>
+            <a:pPr algn="just"/>
             <a:r>
-              <a:rPr lang="hu-HU" sz="3200" dirty="0"/>
+              <a:rPr lang="hu-HU" sz="3600" dirty="0"/>
               <a:t>Könnyen hozzáférhet bárhonnan</a:t>
             </a:r>
           </a:p>
@@ -7989,10 +15659,10 @@
       </p:sp>
       <p:pic>
         <p:nvPicPr>
-          <p:cNvPr id="4" name="Kép 3">
+          <p:cNvPr id="8" name="Kép 7">
             <a:extLst>
               <a:ext uri="{FF2B5EF4-FFF2-40B4-BE49-F238E27FC236}">
-                <a16:creationId xmlns:a16="http://schemas.microsoft.com/office/drawing/2014/main" id="{3A6698C4-1F18-4EC2-96E4-CCA98A63B2DB}"/>
+                <a16:creationId xmlns:a16="http://schemas.microsoft.com/office/drawing/2014/main" id="{4AFE6DA0-C862-9478-62A8-2F00DD093C11}"/>
               </a:ext>
             </a:extLst>
           </p:cNvPr>
@@ -8002,15 +15672,45 @@
           <p:nvPr/>
         </p:nvPicPr>
         <p:blipFill>
-          <a:blip r:embed="rId2"/>
+          <a:blip r:embed="rId3"/>
           <a:stretch>
             <a:fillRect/>
           </a:stretch>
         </p:blipFill>
         <p:spPr>
           <a:xfrm>
-            <a:off x="7396695" y="0"/>
-            <a:ext cx="4795305" cy="5577305"/>
+            <a:off x="5749400" y="384862"/>
+            <a:ext cx="2618662" cy="5399303"/>
+          </a:xfrm>
+          <a:prstGeom prst="rect">
+            <a:avLst/>
+          </a:prstGeom>
+        </p:spPr>
+      </p:pic>
+      <p:pic>
+        <p:nvPicPr>
+          <p:cNvPr id="6" name="Kép 5">
+            <a:extLst>
+              <a:ext uri="{FF2B5EF4-FFF2-40B4-BE49-F238E27FC236}">
+                <a16:creationId xmlns:a16="http://schemas.microsoft.com/office/drawing/2014/main" id="{737AAB80-84D8-7092-AAA9-E44D0BEF6925}"/>
+              </a:ext>
+            </a:extLst>
+          </p:cNvPr>
+          <p:cNvPicPr>
+            <a:picLocks noChangeAspect="1"/>
+          </p:cNvPicPr>
+          <p:nvPr/>
+        </p:nvPicPr>
+        <p:blipFill>
+          <a:blip r:embed="rId4"/>
+          <a:stretch>
+            <a:fillRect/>
+          </a:stretch>
+        </p:blipFill>
+        <p:spPr>
+          <a:xfrm>
+            <a:off x="8422770" y="1497725"/>
+            <a:ext cx="3426208" cy="3289160"/>
           </a:xfrm>
           <a:prstGeom prst="rect">
             <a:avLst/>
@@ -8877,7 +16577,7 @@
             <a:round/>
             <a:extLst>
               <a:ext uri="{C807C97D-BFC1-408E-A445-0C87EB9F89A2}">
-                <ask:lineSketchStyleProps xmlns:ask="http://schemas.microsoft.com/office/drawing/2018/sketchyshapes" xmlns="" sd="2727557108">
+                <ask:lineSketchStyleProps xmlns:ask="http://schemas.microsoft.com/office/drawing/2018/sketchyshapes" sd="2727557108">
                   <a:prstGeom prst="rect">
                     <a:avLst/>
                   </a:prstGeom>
@@ -9130,8 +16830,8 @@
         </p:blipFill>
         <p:spPr>
           <a:xfrm>
-            <a:off x="2593428" y="825366"/>
-            <a:ext cx="6811092" cy="5207268"/>
+            <a:off x="1529255" y="87109"/>
+            <a:ext cx="8742368" cy="6683782"/>
           </a:xfrm>
           <a:prstGeom prst="rect">
             <a:avLst/>
@@ -9985,9 +17685,9 @@
             </a:r>
           </a:p>
           <a:p>
-            <a:pPr lvl="1">
-              <a:buFont typeface="Courier New" panose="02070309020205020404" pitchFamily="49" charset="0"/>
-              <a:buChar char="o"/>
+            <a:pPr marL="971550" lvl="1" indent="-514350">
+              <a:buFont typeface="+mj-lt"/>
+              <a:buAutoNum type="arabicPeriod"/>
             </a:pPr>
             <a:r>
               <a:rPr lang="hu-HU" sz="2800" dirty="0"/>
@@ -9995,9 +17695,9 @@
             </a:r>
           </a:p>
           <a:p>
-            <a:pPr lvl="1">
-              <a:buFont typeface="Courier New" panose="02070309020205020404" pitchFamily="49" charset="0"/>
-              <a:buChar char="o"/>
+            <a:pPr marL="971550" lvl="1" indent="-514350">
+              <a:buFont typeface="+mj-lt"/>
+              <a:buAutoNum type="arabicPeriod"/>
             </a:pPr>
             <a:r>
               <a:rPr lang="hu-HU" sz="2800" dirty="0"/>
@@ -10005,9 +17705,9 @@
             </a:r>
           </a:p>
           <a:p>
-            <a:pPr lvl="1">
-              <a:buFont typeface="Courier New" panose="02070309020205020404" pitchFamily="49" charset="0"/>
-              <a:buChar char="o"/>
+            <a:pPr marL="971550" lvl="1" indent="-514350">
+              <a:buFont typeface="+mj-lt"/>
+              <a:buAutoNum type="arabicPeriod"/>
             </a:pPr>
             <a:r>
               <a:rPr lang="hu-HU" sz="2800" dirty="0"/>
@@ -10015,9 +17715,9 @@
             </a:r>
           </a:p>
           <a:p>
-            <a:endParaRPr lang="hu-HU" sz="3600" dirty="0"/>
-          </a:p>
-          <a:p>
+            <a:pPr marL="0" indent="0">
+              <a:buNone/>
+            </a:pPr>
             <a:endParaRPr lang="hu-HU" sz="3600" dirty="0"/>
           </a:p>
         </p:txBody>
@@ -10132,6 +17832,14 @@
 <file path=ppt/slides/slide4.xml><?xml version="1.0" encoding="utf-8"?>
 <p:sld xmlns:a="http://schemas.openxmlformats.org/drawingml/2006/main" xmlns:r="http://schemas.openxmlformats.org/officeDocument/2006/relationships" xmlns:p="http://schemas.openxmlformats.org/presentationml/2006/main">
   <p:cSld>
+    <p:bg>
+      <p:bgPr>
+        <a:solidFill>
+          <a:schemeClr val="bg1"/>
+        </a:solidFill>
+        <a:effectLst/>
+      </p:bgPr>
+    </p:bg>
     <p:spTree>
       <p:nvGrpSpPr>
         <p:cNvPr id="1" name=""/>
@@ -10146,6 +17854,401 @@
           <a:chExt cx="0" cy="0"/>
         </a:xfrm>
       </p:grpSpPr>
+      <p:sp useBgFill="1">
+        <p:nvSpPr>
+          <p:cNvPr id="9" name="Rectangle 8">
+            <a:extLst>
+              <a:ext uri="{FF2B5EF4-FFF2-40B4-BE49-F238E27FC236}">
+                <a16:creationId xmlns:a16="http://schemas.microsoft.com/office/drawing/2014/main" id="{7517A47C-B2E5-4B79-8061-D74B1311AF6E}"/>
+              </a:ext>
+              <a:ext uri="{C183D7F6-B498-43B3-948B-1728B52AA6E4}">
+                <adec:decorative xmlns:adec="http://schemas.microsoft.com/office/drawing/2017/decorative" val="1"/>
+              </a:ext>
+            </a:extLst>
+          </p:cNvPr>
+          <p:cNvSpPr>
+            <a:spLocks noGrp="1" noRot="1" noChangeAspect="1" noMove="1" noResize="1" noEditPoints="1" noAdjustHandles="1" noChangeArrowheads="1" noChangeShapeType="1" noTextEdit="1"/>
+          </p:cNvSpPr>
+          <p:nvPr>
+            <p:extLst>
+              <p:ext uri="{386F3935-93C4-4BCD-93E2-E3B085C9AB24}">
+                <p16:designElem xmlns:p16="http://schemas.microsoft.com/office/powerpoint/2015/main" val="1"/>
+              </p:ext>
+            </p:extLst>
+          </p:nvPr>
+        </p:nvSpPr>
+        <p:spPr>
+          <a:xfrm>
+            <a:off x="0" y="0"/>
+            <a:ext cx="12192000" cy="6858000"/>
+          </a:xfrm>
+          <a:prstGeom prst="rect">
+            <a:avLst/>
+          </a:prstGeom>
+          <a:ln>
+            <a:noFill/>
+          </a:ln>
+        </p:spPr>
+        <p:style>
+          <a:lnRef idx="2">
+            <a:schemeClr val="accent1">
+              <a:shade val="50000"/>
+            </a:schemeClr>
+          </a:lnRef>
+          <a:fillRef idx="1">
+            <a:schemeClr val="accent1"/>
+          </a:fillRef>
+          <a:effectRef idx="0">
+            <a:schemeClr val="accent1"/>
+          </a:effectRef>
+          <a:fontRef idx="minor">
+            <a:schemeClr val="lt1"/>
+          </a:fontRef>
+        </p:style>
+        <p:txBody>
+          <a:bodyPr rtlCol="0" anchor="ctr"/>
+          <a:lstStyle/>
+          <a:p>
+            <a:pPr algn="ctr"/>
+            <a:endParaRPr lang="en-US"/>
+          </a:p>
+        </p:txBody>
+      </p:sp>
+      <p:sp useBgFill="1">
+        <p:nvSpPr>
+          <p:cNvPr id="11" name="Freeform: Shape 10">
+            <a:extLst>
+              <a:ext uri="{FF2B5EF4-FFF2-40B4-BE49-F238E27FC236}">
+                <a16:creationId xmlns:a16="http://schemas.microsoft.com/office/drawing/2014/main" id="{C505E780-2083-4CB5-A42A-5E0E2908ECC3}"/>
+              </a:ext>
+              <a:ext uri="{C183D7F6-B498-43B3-948B-1728B52AA6E4}">
+                <adec:decorative xmlns:adec="http://schemas.microsoft.com/office/drawing/2017/decorative" val="1"/>
+              </a:ext>
+            </a:extLst>
+          </p:cNvPr>
+          <p:cNvSpPr>
+            <a:spLocks noGrp="1" noRot="1" noChangeAspect="1" noMove="1" noResize="1" noEditPoints="1" noAdjustHandles="1" noChangeArrowheads="1" noChangeShapeType="1" noTextEdit="1"/>
+          </p:cNvSpPr>
+          <p:nvPr>
+            <p:extLst>
+              <p:ext uri="{386F3935-93C4-4BCD-93E2-E3B085C9AB24}">
+                <p16:designElem xmlns:p16="http://schemas.microsoft.com/office/powerpoint/2015/main" val="1"/>
+              </p:ext>
+            </p:extLst>
+          </p:nvPr>
+        </p:nvSpPr>
+        <p:spPr>
+          <a:xfrm>
+            <a:off x="-1" y="0"/>
+            <a:ext cx="4818889" cy="6858000"/>
+          </a:xfrm>
+          <a:custGeom>
+            <a:avLst/>
+            <a:gdLst>
+              <a:gd name="connsiteX0" fmla="*/ 0 w 4818889"/>
+              <a:gd name="connsiteY0" fmla="*/ 0 h 6858000"/>
+              <a:gd name="connsiteX1" fmla="*/ 3605911 w 4818889"/>
+              <a:gd name="connsiteY1" fmla="*/ 0 h 6858000"/>
+              <a:gd name="connsiteX2" fmla="*/ 3668894 w 4818889"/>
+              <a:gd name="connsiteY2" fmla="*/ 69271 h 6858000"/>
+              <a:gd name="connsiteX3" fmla="*/ 4818889 w 4818889"/>
+              <a:gd name="connsiteY3" fmla="*/ 3429000 h 6858000"/>
+              <a:gd name="connsiteX4" fmla="*/ 3668894 w 4818889"/>
+              <a:gd name="connsiteY4" fmla="*/ 6788730 h 6858000"/>
+              <a:gd name="connsiteX5" fmla="*/ 3605911 w 4818889"/>
+              <a:gd name="connsiteY5" fmla="*/ 6858000 h 6858000"/>
+              <a:gd name="connsiteX6" fmla="*/ 0 w 4818889"/>
+              <a:gd name="connsiteY6" fmla="*/ 6858000 h 6858000"/>
+            </a:gdLst>
+            <a:ahLst/>
+            <a:cxnLst>
+              <a:cxn ang="0">
+                <a:pos x="connsiteX0" y="connsiteY0"/>
+              </a:cxn>
+              <a:cxn ang="0">
+                <a:pos x="connsiteX1" y="connsiteY1"/>
+              </a:cxn>
+              <a:cxn ang="0">
+                <a:pos x="connsiteX2" y="connsiteY2"/>
+              </a:cxn>
+              <a:cxn ang="0">
+                <a:pos x="connsiteX3" y="connsiteY3"/>
+              </a:cxn>
+              <a:cxn ang="0">
+                <a:pos x="connsiteX4" y="connsiteY4"/>
+              </a:cxn>
+              <a:cxn ang="0">
+                <a:pos x="connsiteX5" y="connsiteY5"/>
+              </a:cxn>
+              <a:cxn ang="0">
+                <a:pos x="connsiteX6" y="connsiteY6"/>
+              </a:cxn>
+            </a:cxnLst>
+            <a:rect l="l" t="t" r="r" b="b"/>
+            <a:pathLst>
+              <a:path w="4818889" h="6858000">
+                <a:moveTo>
+                  <a:pt x="0" y="0"/>
+                </a:moveTo>
+                <a:lnTo>
+                  <a:pt x="3605911" y="0"/>
+                </a:lnTo>
+                <a:lnTo>
+                  <a:pt x="3668894" y="69271"/>
+                </a:lnTo>
+                <a:cubicBezTo>
+                  <a:pt x="4379420" y="929100"/>
+                  <a:pt x="4818889" y="2116944"/>
+                  <a:pt x="4818889" y="3429000"/>
+                </a:cubicBezTo>
+                <a:cubicBezTo>
+                  <a:pt x="4818889" y="4741056"/>
+                  <a:pt x="4379420" y="5928900"/>
+                  <a:pt x="3668894" y="6788730"/>
+                </a:cubicBezTo>
+                <a:lnTo>
+                  <a:pt x="3605911" y="6858000"/>
+                </a:lnTo>
+                <a:lnTo>
+                  <a:pt x="0" y="6858000"/>
+                </a:lnTo>
+                <a:close/>
+              </a:path>
+            </a:pathLst>
+          </a:custGeom>
+          <a:ln w="9525">
+            <a:solidFill>
+              <a:srgbClr val="EFEFEF"/>
+            </a:solidFill>
+          </a:ln>
+          <a:effectLst>
+            <a:outerShdw blurRad="88900" dist="38100" algn="l" rotWithShape="0">
+              <a:schemeClr val="bg1">
+                <a:lumMod val="85000"/>
+                <a:alpha val="50000"/>
+              </a:schemeClr>
+            </a:outerShdw>
+          </a:effectLst>
+        </p:spPr>
+        <p:style>
+          <a:lnRef idx="2">
+            <a:schemeClr val="accent1">
+              <a:shade val="50000"/>
+            </a:schemeClr>
+          </a:lnRef>
+          <a:fillRef idx="1">
+            <a:schemeClr val="accent1"/>
+          </a:fillRef>
+          <a:effectRef idx="0">
+            <a:schemeClr val="accent1"/>
+          </a:effectRef>
+          <a:fontRef idx="minor">
+            <a:schemeClr val="lt1"/>
+          </a:fontRef>
+        </p:style>
+        <p:txBody>
+          <a:bodyPr wrap="square" rtlCol="0" anchor="ctr">
+            <a:noAutofit/>
+          </a:bodyPr>
+          <a:lstStyle/>
+          <a:p>
+            <a:pPr marL="0" marR="0" lvl="0" indent="0" algn="ctr" defTabSz="914400" rtl="0" eaLnBrk="1" fontAlgn="auto" latinLnBrk="0" hangingPunct="1">
+              <a:lnSpc>
+                <a:spcPct val="100000"/>
+              </a:lnSpc>
+              <a:spcBef>
+                <a:spcPts val="0"/>
+              </a:spcBef>
+              <a:spcAft>
+                <a:spcPts val="0"/>
+              </a:spcAft>
+              <a:buClrTx/>
+              <a:buSzTx/>
+              <a:buFontTx/>
+              <a:buNone/>
+              <a:tabLst/>
+              <a:defRPr/>
+            </a:pPr>
+            <a:endParaRPr kumimoji="0" lang="en-US" sz="1800" b="0" i="0" u="none" strike="noStrike" kern="1200" cap="none" spc="0" normalizeH="0" baseline="0" noProof="0">
+              <a:ln>
+                <a:noFill/>
+              </a:ln>
+              <a:solidFill>
+                <a:prstClr val="white"/>
+              </a:solidFill>
+              <a:effectLst/>
+              <a:uLnTx/>
+              <a:uFillTx/>
+              <a:latin typeface="Calibri" panose="020F0502020204030204"/>
+              <a:ea typeface="+mn-ea"/>
+              <a:cs typeface="+mn-cs"/>
+            </a:endParaRPr>
+          </a:p>
+        </p:txBody>
+      </p:sp>
+      <p:sp useBgFill="1">
+        <p:nvSpPr>
+          <p:cNvPr id="13" name="Freeform: Shape 12">
+            <a:extLst>
+              <a:ext uri="{FF2B5EF4-FFF2-40B4-BE49-F238E27FC236}">
+                <a16:creationId xmlns:a16="http://schemas.microsoft.com/office/drawing/2014/main" id="{D2C0AE1C-0118-41AE-8A10-7CDCBF10E96F}"/>
+              </a:ext>
+              <a:ext uri="{C183D7F6-B498-43B3-948B-1728B52AA6E4}">
+                <adec:decorative xmlns:adec="http://schemas.microsoft.com/office/drawing/2017/decorative" val="1"/>
+              </a:ext>
+            </a:extLst>
+          </p:cNvPr>
+          <p:cNvSpPr>
+            <a:spLocks noGrp="1" noRot="1" noChangeAspect="1" noMove="1" noResize="1" noEditPoints="1" noAdjustHandles="1" noChangeArrowheads="1" noChangeShapeType="1" noTextEdit="1"/>
+          </p:cNvSpPr>
+          <p:nvPr>
+            <p:extLst>
+              <p:ext uri="{386F3935-93C4-4BCD-93E2-E3B085C9AB24}">
+                <p16:designElem xmlns:p16="http://schemas.microsoft.com/office/powerpoint/2015/main" val="1"/>
+              </p:ext>
+            </p:extLst>
+          </p:nvPr>
+        </p:nvSpPr>
+        <p:spPr>
+          <a:xfrm>
+            <a:off x="1" y="0"/>
+            <a:ext cx="4811477" cy="6858000"/>
+          </a:xfrm>
+          <a:custGeom>
+            <a:avLst/>
+            <a:gdLst>
+              <a:gd name="connsiteX0" fmla="*/ 0 w 4811477"/>
+              <a:gd name="connsiteY0" fmla="*/ 0 h 6858000"/>
+              <a:gd name="connsiteX1" fmla="*/ 3598499 w 4811477"/>
+              <a:gd name="connsiteY1" fmla="*/ 0 h 6858000"/>
+              <a:gd name="connsiteX2" fmla="*/ 3661482 w 4811477"/>
+              <a:gd name="connsiteY2" fmla="*/ 69271 h 6858000"/>
+              <a:gd name="connsiteX3" fmla="*/ 4811477 w 4811477"/>
+              <a:gd name="connsiteY3" fmla="*/ 3429000 h 6858000"/>
+              <a:gd name="connsiteX4" fmla="*/ 3661482 w 4811477"/>
+              <a:gd name="connsiteY4" fmla="*/ 6788730 h 6858000"/>
+              <a:gd name="connsiteX5" fmla="*/ 3598499 w 4811477"/>
+              <a:gd name="connsiteY5" fmla="*/ 6858000 h 6858000"/>
+              <a:gd name="connsiteX6" fmla="*/ 0 w 4811477"/>
+              <a:gd name="connsiteY6" fmla="*/ 6858000 h 6858000"/>
+            </a:gdLst>
+            <a:ahLst/>
+            <a:cxnLst>
+              <a:cxn ang="0">
+                <a:pos x="connsiteX0" y="connsiteY0"/>
+              </a:cxn>
+              <a:cxn ang="0">
+                <a:pos x="connsiteX1" y="connsiteY1"/>
+              </a:cxn>
+              <a:cxn ang="0">
+                <a:pos x="connsiteX2" y="connsiteY2"/>
+              </a:cxn>
+              <a:cxn ang="0">
+                <a:pos x="connsiteX3" y="connsiteY3"/>
+              </a:cxn>
+              <a:cxn ang="0">
+                <a:pos x="connsiteX4" y="connsiteY4"/>
+              </a:cxn>
+              <a:cxn ang="0">
+                <a:pos x="connsiteX5" y="connsiteY5"/>
+              </a:cxn>
+              <a:cxn ang="0">
+                <a:pos x="connsiteX6" y="connsiteY6"/>
+              </a:cxn>
+            </a:cxnLst>
+            <a:rect l="l" t="t" r="r" b="b"/>
+            <a:pathLst>
+              <a:path w="4811477" h="6858000">
+                <a:moveTo>
+                  <a:pt x="0" y="0"/>
+                </a:moveTo>
+                <a:lnTo>
+                  <a:pt x="3598499" y="0"/>
+                </a:lnTo>
+                <a:lnTo>
+                  <a:pt x="3661482" y="69271"/>
+                </a:lnTo>
+                <a:cubicBezTo>
+                  <a:pt x="4372008" y="929100"/>
+                  <a:pt x="4811477" y="2116944"/>
+                  <a:pt x="4811477" y="3429000"/>
+                </a:cubicBezTo>
+                <a:cubicBezTo>
+                  <a:pt x="4811477" y="4741056"/>
+                  <a:pt x="4372008" y="5928900"/>
+                  <a:pt x="3661482" y="6788730"/>
+                </a:cubicBezTo>
+                <a:lnTo>
+                  <a:pt x="3598499" y="6858000"/>
+                </a:lnTo>
+                <a:lnTo>
+                  <a:pt x="0" y="6858000"/>
+                </a:lnTo>
+                <a:close/>
+              </a:path>
+            </a:pathLst>
+          </a:custGeom>
+          <a:ln w="9525">
+            <a:noFill/>
+          </a:ln>
+          <a:effectLst/>
+        </p:spPr>
+        <p:style>
+          <a:lnRef idx="2">
+            <a:schemeClr val="accent1">
+              <a:shade val="50000"/>
+            </a:schemeClr>
+          </a:lnRef>
+          <a:fillRef idx="1">
+            <a:schemeClr val="accent1"/>
+          </a:fillRef>
+          <a:effectRef idx="0">
+            <a:schemeClr val="accent1"/>
+          </a:effectRef>
+          <a:fontRef idx="minor">
+            <a:schemeClr val="lt1"/>
+          </a:fontRef>
+        </p:style>
+        <p:txBody>
+          <a:bodyPr wrap="square" rtlCol="0" anchor="ctr">
+            <a:noAutofit/>
+          </a:bodyPr>
+          <a:lstStyle/>
+          <a:p>
+            <a:pPr marL="0" marR="0" lvl="0" indent="0" algn="ctr" defTabSz="914400" rtl="0" eaLnBrk="1" fontAlgn="auto" latinLnBrk="0" hangingPunct="1">
+              <a:lnSpc>
+                <a:spcPct val="100000"/>
+              </a:lnSpc>
+              <a:spcBef>
+                <a:spcPts val="0"/>
+              </a:spcBef>
+              <a:spcAft>
+                <a:spcPts val="0"/>
+              </a:spcAft>
+              <a:buClrTx/>
+              <a:buSzTx/>
+              <a:buFontTx/>
+              <a:buNone/>
+              <a:tabLst/>
+              <a:defRPr/>
+            </a:pPr>
+            <a:endParaRPr kumimoji="0" lang="en-US" sz="1800" b="0" i="0" u="none" strike="noStrike" kern="1200" cap="none" spc="0" normalizeH="0" baseline="0" noProof="0">
+              <a:ln>
+                <a:noFill/>
+              </a:ln>
+              <a:solidFill>
+                <a:prstClr val="white"/>
+              </a:solidFill>
+              <a:effectLst/>
+              <a:uLnTx/>
+              <a:uFillTx/>
+              <a:latin typeface="Calibri" panose="020F0502020204030204"/>
+              <a:ea typeface="+mn-ea"/>
+              <a:cs typeface="+mn-cs"/>
+            </a:endParaRPr>
+          </a:p>
+        </p:txBody>
+      </p:sp>
       <p:sp>
         <p:nvSpPr>
           <p:cNvPr id="2" name="Cím 1">
@@ -10162,13 +18265,21 @@
             <p:ph type="title"/>
           </p:nvPr>
         </p:nvSpPr>
-        <p:spPr/>
+        <p:spPr>
+          <a:xfrm>
+            <a:off x="621792" y="1161288"/>
+            <a:ext cx="3602736" cy="4526280"/>
+          </a:xfrm>
+        </p:spPr>
         <p:txBody>
-          <a:bodyPr/>
+          <a:bodyPr>
+            <a:normAutofit/>
+          </a:bodyPr>
           <a:lstStyle/>
           <a:p>
+            <a:pPr algn="ctr"/>
             <a:r>
-              <a:rPr lang="hu-HU" b="1" dirty="0">
+              <a:rPr lang="hu-HU" sz="4000" b="1" dirty="0">
                 <a:latin typeface="Arial" panose="020B0604020202020204" pitchFamily="34" charset="0"/>
                 <a:cs typeface="Arial" panose="020B0604020202020204" pitchFamily="34" charset="0"/>
               </a:rPr>
@@ -10179,147 +18290,103 @@
       </p:sp>
       <p:sp>
         <p:nvSpPr>
-          <p:cNvPr id="3" name="Tartalom helye 2">
+          <p:cNvPr id="15" name="Rectangle 14">
             <a:extLst>
               <a:ext uri="{FF2B5EF4-FFF2-40B4-BE49-F238E27FC236}">
-                <a16:creationId xmlns:a16="http://schemas.microsoft.com/office/drawing/2014/main" id="{F9A6FD74-7C51-424A-91C9-8E0FA8A52A4A}"/>
+                <a16:creationId xmlns:a16="http://schemas.microsoft.com/office/drawing/2014/main" id="{463EEC44-1BA3-44ED-81FC-A644B04B2A44}"/>
+              </a:ext>
+              <a:ext uri="{C183D7F6-B498-43B3-948B-1728B52AA6E4}">
+                <adec:decorative xmlns:adec="http://schemas.microsoft.com/office/drawing/2017/decorative" val="1"/>
               </a:ext>
             </a:extLst>
           </p:cNvPr>
           <p:cNvSpPr>
-            <a:spLocks noGrp="1"/>
+            <a:spLocks noGrp="1" noRot="1" noChangeAspect="1" noMove="1" noResize="1" noEditPoints="1" noAdjustHandles="1" noChangeArrowheads="1" noChangeShapeType="1" noTextEdit="1"/>
           </p:cNvSpPr>
           <p:nvPr>
-            <p:ph idx="1"/>
+            <p:extLst>
+              <p:ext uri="{386F3935-93C4-4BCD-93E2-E3B085C9AB24}">
+                <p16:designElem xmlns:p16="http://schemas.microsoft.com/office/powerpoint/2015/main" val="1"/>
+              </p:ext>
+            </p:extLst>
           </p:nvPr>
         </p:nvSpPr>
         <p:spPr>
           <a:xfrm>
-            <a:off x="838200" y="1825625"/>
-            <a:ext cx="10515600" cy="4351338"/>
+            <a:off x="0" y="3081528"/>
+            <a:ext cx="128016" cy="704088"/>
           </a:xfrm>
+          <a:prstGeom prst="rect">
+            <a:avLst/>
+          </a:prstGeom>
+          <a:solidFill>
+            <a:schemeClr val="accent2"/>
+          </a:solidFill>
+          <a:ln>
+            <a:noFill/>
+          </a:ln>
         </p:spPr>
+        <p:style>
+          <a:lnRef idx="2">
+            <a:schemeClr val="accent1">
+              <a:shade val="50000"/>
+            </a:schemeClr>
+          </a:lnRef>
+          <a:fillRef idx="1">
+            <a:schemeClr val="accent1"/>
+          </a:fillRef>
+          <a:effectRef idx="0">
+            <a:schemeClr val="accent1"/>
+          </a:effectRef>
+          <a:fontRef idx="minor">
+            <a:schemeClr val="lt1"/>
+          </a:fontRef>
+        </p:style>
         <p:txBody>
-          <a:bodyPr/>
+          <a:bodyPr rtlCol="0" anchor="ctr"/>
           <a:lstStyle/>
           <a:p>
-            <a:r>
-              <a:rPr lang="hu-HU" dirty="0">
-                <a:latin typeface="Arial" panose="020B0604020202020204" pitchFamily="34" charset="0"/>
-                <a:cs typeface="Arial" panose="020B0604020202020204" pitchFamily="34" charset="0"/>
-              </a:rPr>
-              <a:t>Felhasználók számára:</a:t>
-            </a:r>
-          </a:p>
-          <a:p>
-            <a:pPr lvl="1">
-              <a:buFont typeface="Courier New" panose="02070309020205020404" pitchFamily="49" charset="0"/>
-              <a:buChar char="o"/>
-            </a:pPr>
-            <a:r>
-              <a:rPr lang="hu-HU" sz="2800" dirty="0">
-                <a:latin typeface="Arial" panose="020B0604020202020204" pitchFamily="34" charset="0"/>
-                <a:cs typeface="Arial" panose="020B0604020202020204" pitchFamily="34" charset="0"/>
-              </a:rPr>
-              <a:t>Regisztráció</a:t>
-            </a:r>
-          </a:p>
-          <a:p>
-            <a:pPr lvl="1">
-              <a:buFont typeface="Courier New" panose="02070309020205020404" pitchFamily="49" charset="0"/>
-              <a:buChar char="o"/>
-            </a:pPr>
-            <a:r>
-              <a:rPr lang="hu-HU" sz="2800" dirty="0">
-                <a:latin typeface="Arial" panose="020B0604020202020204" pitchFamily="34" charset="0"/>
-                <a:cs typeface="Arial" panose="020B0604020202020204" pitchFamily="34" charset="0"/>
-              </a:rPr>
-              <a:t>Bejelentkezés</a:t>
-            </a:r>
-          </a:p>
-          <a:p>
-            <a:pPr lvl="1">
-              <a:buFont typeface="Courier New" panose="02070309020205020404" pitchFamily="49" charset="0"/>
-              <a:buChar char="o"/>
-            </a:pPr>
-            <a:r>
-              <a:rPr lang="hu-HU" sz="2800" dirty="0">
-                <a:latin typeface="Arial" panose="020B0604020202020204" pitchFamily="34" charset="0"/>
-                <a:cs typeface="Arial" panose="020B0604020202020204" pitchFamily="34" charset="0"/>
-              </a:rPr>
-              <a:t>Keresni a termékeink között</a:t>
-            </a:r>
-          </a:p>
-          <a:p>
-            <a:pPr lvl="1">
-              <a:buFont typeface="Courier New" panose="02070309020205020404" pitchFamily="49" charset="0"/>
-              <a:buChar char="o"/>
-            </a:pPr>
-            <a:r>
-              <a:rPr lang="hu-HU" sz="2800" dirty="0">
-                <a:latin typeface="Arial" panose="020B0604020202020204" pitchFamily="34" charset="0"/>
-                <a:cs typeface="Arial" panose="020B0604020202020204" pitchFamily="34" charset="0"/>
-              </a:rPr>
-              <a:t>Vásárolni</a:t>
-            </a:r>
-          </a:p>
-          <a:p>
-            <a:r>
-              <a:rPr lang="hu-HU" dirty="0">
-                <a:latin typeface="Arial" panose="020B0604020202020204" pitchFamily="34" charset="0"/>
-                <a:cs typeface="Arial" panose="020B0604020202020204" pitchFamily="34" charset="0"/>
-              </a:rPr>
-              <a:t>Adminok számára:</a:t>
-            </a:r>
-          </a:p>
-          <a:p>
-            <a:pPr lvl="1">
-              <a:buFont typeface="Courier New" panose="02070309020205020404" pitchFamily="49" charset="0"/>
-              <a:buChar char="o"/>
-            </a:pPr>
-            <a:r>
-              <a:rPr lang="hu-HU" dirty="0">
-                <a:latin typeface="Arial" panose="020B0604020202020204" pitchFamily="34" charset="0"/>
-                <a:cs typeface="Arial" panose="020B0604020202020204" pitchFamily="34" charset="0"/>
-              </a:rPr>
-              <a:t>Létrehozni, módosítani a termékeket</a:t>
-            </a:r>
-          </a:p>
-          <a:p>
-            <a:pPr lvl="1">
-              <a:buFont typeface="Courier New" panose="02070309020205020404" pitchFamily="49" charset="0"/>
-              <a:buChar char="o"/>
-            </a:pPr>
-            <a:r>
-              <a:rPr lang="hu-HU" dirty="0">
-                <a:latin typeface="Arial" panose="020B0604020202020204" pitchFamily="34" charset="0"/>
-                <a:cs typeface="Arial" panose="020B0604020202020204" pitchFamily="34" charset="0"/>
-              </a:rPr>
-              <a:t>Létrehozni, módosítani az aukciókat</a:t>
-            </a:r>
-          </a:p>
-          <a:p>
-            <a:pPr lvl="1">
-              <a:buFont typeface="Courier New" panose="02070309020205020404" pitchFamily="49" charset="0"/>
-              <a:buChar char="o"/>
-            </a:pPr>
-            <a:r>
-              <a:rPr lang="hu-HU" dirty="0">
-                <a:latin typeface="Arial" panose="020B0604020202020204" pitchFamily="34" charset="0"/>
-                <a:cs typeface="Arial" panose="020B0604020202020204" pitchFamily="34" charset="0"/>
-              </a:rPr>
-              <a:t>Rendelések megtekintése</a:t>
-            </a:r>
-          </a:p>
-          <a:p>
-            <a:pPr lvl="1">
-              <a:buFont typeface="Courier New" panose="02070309020205020404" pitchFamily="49" charset="0"/>
-              <a:buChar char="o"/>
-            </a:pPr>
-            <a:endParaRPr lang="hu-HU" dirty="0"/>
+            <a:pPr algn="ctr"/>
+            <a:endParaRPr lang="en-US">
+              <a:solidFill>
+                <a:prstClr val="white"/>
+              </a:solidFill>
+              <a:latin typeface="Calibri" panose="020F0502020204030204"/>
+            </a:endParaRPr>
           </a:p>
         </p:txBody>
       </p:sp>
+      <p:graphicFrame>
+        <p:nvGraphicFramePr>
+          <p:cNvPr id="5" name="Tartalom helye 2">
+            <a:extLst>
+              <a:ext uri="{FF2B5EF4-FFF2-40B4-BE49-F238E27FC236}">
+                <a16:creationId xmlns:a16="http://schemas.microsoft.com/office/drawing/2014/main" id="{14960CED-61B9-C339-71B1-8161071AEA3E}"/>
+              </a:ext>
+            </a:extLst>
+          </p:cNvPr>
+          <p:cNvGraphicFramePr>
+            <a:graphicFrameLocks noGrp="1"/>
+          </p:cNvGraphicFramePr>
+          <p:nvPr>
+            <p:ph idx="1"/>
+            <p:extLst>
+              <p:ext uri="{D42A27DB-BD31-4B8C-83A1-F6EECF244321}">
+                <p14:modId xmlns:p14="http://schemas.microsoft.com/office/powerpoint/2010/main" val="1893414509"/>
+              </p:ext>
+            </p:extLst>
+          </p:nvPr>
+        </p:nvGraphicFramePr>
+        <p:xfrm>
+          <a:off x="5303520" y="676656"/>
+          <a:ext cx="6364224" cy="5513832"/>
+        </p:xfrm>
+        <a:graphic>
+          <a:graphicData uri="http://schemas.openxmlformats.org/drawingml/2006/diagram">
+            <dgm:relIds xmlns:dgm="http://schemas.openxmlformats.org/drawingml/2006/diagram" xmlns:r="http://schemas.openxmlformats.org/officeDocument/2006/relationships" r:dm="rId2" r:lo="rId3" r:qs="rId4" r:cs="rId5"/>
+          </a:graphicData>
+        </a:graphic>
+      </p:graphicFrame>
     </p:spTree>
     <p:extLst>
       <p:ext uri="{BB962C8B-B14F-4D97-AF65-F5344CB8AC3E}">
@@ -10336,6 +18403,14 @@
 <file path=ppt/slides/slide5.xml><?xml version="1.0" encoding="utf-8"?>
 <p:sld xmlns:a="http://schemas.openxmlformats.org/drawingml/2006/main" xmlns:r="http://schemas.openxmlformats.org/officeDocument/2006/relationships" xmlns:p="http://schemas.openxmlformats.org/presentationml/2006/main">
   <p:cSld>
+    <p:bg>
+      <p:bgPr>
+        <a:solidFill>
+          <a:schemeClr val="bg1"/>
+        </a:solidFill>
+        <a:effectLst/>
+      </p:bgPr>
+    </p:bg>
     <p:spTree>
       <p:nvGrpSpPr>
         <p:cNvPr id="1" name=""/>
@@ -10350,6 +18425,401 @@
           <a:chExt cx="0" cy="0"/>
         </a:xfrm>
       </p:grpSpPr>
+      <p:sp useBgFill="1">
+        <p:nvSpPr>
+          <p:cNvPr id="9" name="Rectangle 8">
+            <a:extLst>
+              <a:ext uri="{FF2B5EF4-FFF2-40B4-BE49-F238E27FC236}">
+                <a16:creationId xmlns:a16="http://schemas.microsoft.com/office/drawing/2014/main" id="{7517A47C-B2E5-4B79-8061-D74B1311AF6E}"/>
+              </a:ext>
+              <a:ext uri="{C183D7F6-B498-43B3-948B-1728B52AA6E4}">
+                <adec:decorative xmlns:adec="http://schemas.microsoft.com/office/drawing/2017/decorative" val="1"/>
+              </a:ext>
+            </a:extLst>
+          </p:cNvPr>
+          <p:cNvSpPr>
+            <a:spLocks noGrp="1" noRot="1" noChangeAspect="1" noMove="1" noResize="1" noEditPoints="1" noAdjustHandles="1" noChangeArrowheads="1" noChangeShapeType="1" noTextEdit="1"/>
+          </p:cNvSpPr>
+          <p:nvPr>
+            <p:extLst>
+              <p:ext uri="{386F3935-93C4-4BCD-93E2-E3B085C9AB24}">
+                <p16:designElem xmlns:p16="http://schemas.microsoft.com/office/powerpoint/2015/main" val="1"/>
+              </p:ext>
+            </p:extLst>
+          </p:nvPr>
+        </p:nvSpPr>
+        <p:spPr>
+          <a:xfrm>
+            <a:off x="0" y="0"/>
+            <a:ext cx="12192000" cy="6858000"/>
+          </a:xfrm>
+          <a:prstGeom prst="rect">
+            <a:avLst/>
+          </a:prstGeom>
+          <a:ln>
+            <a:noFill/>
+          </a:ln>
+        </p:spPr>
+        <p:style>
+          <a:lnRef idx="2">
+            <a:schemeClr val="accent1">
+              <a:shade val="50000"/>
+            </a:schemeClr>
+          </a:lnRef>
+          <a:fillRef idx="1">
+            <a:schemeClr val="accent1"/>
+          </a:fillRef>
+          <a:effectRef idx="0">
+            <a:schemeClr val="accent1"/>
+          </a:effectRef>
+          <a:fontRef idx="minor">
+            <a:schemeClr val="lt1"/>
+          </a:fontRef>
+        </p:style>
+        <p:txBody>
+          <a:bodyPr rtlCol="0" anchor="ctr"/>
+          <a:lstStyle/>
+          <a:p>
+            <a:pPr algn="ctr"/>
+            <a:endParaRPr lang="en-US"/>
+          </a:p>
+        </p:txBody>
+      </p:sp>
+      <p:sp useBgFill="1">
+        <p:nvSpPr>
+          <p:cNvPr id="11" name="Freeform: Shape 10">
+            <a:extLst>
+              <a:ext uri="{FF2B5EF4-FFF2-40B4-BE49-F238E27FC236}">
+                <a16:creationId xmlns:a16="http://schemas.microsoft.com/office/drawing/2014/main" id="{C505E780-2083-4CB5-A42A-5E0E2908ECC3}"/>
+              </a:ext>
+              <a:ext uri="{C183D7F6-B498-43B3-948B-1728B52AA6E4}">
+                <adec:decorative xmlns:adec="http://schemas.microsoft.com/office/drawing/2017/decorative" val="1"/>
+              </a:ext>
+            </a:extLst>
+          </p:cNvPr>
+          <p:cNvSpPr>
+            <a:spLocks noGrp="1" noRot="1" noChangeAspect="1" noMove="1" noResize="1" noEditPoints="1" noAdjustHandles="1" noChangeArrowheads="1" noChangeShapeType="1" noTextEdit="1"/>
+          </p:cNvSpPr>
+          <p:nvPr>
+            <p:extLst>
+              <p:ext uri="{386F3935-93C4-4BCD-93E2-E3B085C9AB24}">
+                <p16:designElem xmlns:p16="http://schemas.microsoft.com/office/powerpoint/2015/main" val="1"/>
+              </p:ext>
+            </p:extLst>
+          </p:nvPr>
+        </p:nvSpPr>
+        <p:spPr>
+          <a:xfrm>
+            <a:off x="-1" y="0"/>
+            <a:ext cx="4818889" cy="6858000"/>
+          </a:xfrm>
+          <a:custGeom>
+            <a:avLst/>
+            <a:gdLst>
+              <a:gd name="connsiteX0" fmla="*/ 0 w 4818889"/>
+              <a:gd name="connsiteY0" fmla="*/ 0 h 6858000"/>
+              <a:gd name="connsiteX1" fmla="*/ 3605911 w 4818889"/>
+              <a:gd name="connsiteY1" fmla="*/ 0 h 6858000"/>
+              <a:gd name="connsiteX2" fmla="*/ 3668894 w 4818889"/>
+              <a:gd name="connsiteY2" fmla="*/ 69271 h 6858000"/>
+              <a:gd name="connsiteX3" fmla="*/ 4818889 w 4818889"/>
+              <a:gd name="connsiteY3" fmla="*/ 3429000 h 6858000"/>
+              <a:gd name="connsiteX4" fmla="*/ 3668894 w 4818889"/>
+              <a:gd name="connsiteY4" fmla="*/ 6788730 h 6858000"/>
+              <a:gd name="connsiteX5" fmla="*/ 3605911 w 4818889"/>
+              <a:gd name="connsiteY5" fmla="*/ 6858000 h 6858000"/>
+              <a:gd name="connsiteX6" fmla="*/ 0 w 4818889"/>
+              <a:gd name="connsiteY6" fmla="*/ 6858000 h 6858000"/>
+            </a:gdLst>
+            <a:ahLst/>
+            <a:cxnLst>
+              <a:cxn ang="0">
+                <a:pos x="connsiteX0" y="connsiteY0"/>
+              </a:cxn>
+              <a:cxn ang="0">
+                <a:pos x="connsiteX1" y="connsiteY1"/>
+              </a:cxn>
+              <a:cxn ang="0">
+                <a:pos x="connsiteX2" y="connsiteY2"/>
+              </a:cxn>
+              <a:cxn ang="0">
+                <a:pos x="connsiteX3" y="connsiteY3"/>
+              </a:cxn>
+              <a:cxn ang="0">
+                <a:pos x="connsiteX4" y="connsiteY4"/>
+              </a:cxn>
+              <a:cxn ang="0">
+                <a:pos x="connsiteX5" y="connsiteY5"/>
+              </a:cxn>
+              <a:cxn ang="0">
+                <a:pos x="connsiteX6" y="connsiteY6"/>
+              </a:cxn>
+            </a:cxnLst>
+            <a:rect l="l" t="t" r="r" b="b"/>
+            <a:pathLst>
+              <a:path w="4818889" h="6858000">
+                <a:moveTo>
+                  <a:pt x="0" y="0"/>
+                </a:moveTo>
+                <a:lnTo>
+                  <a:pt x="3605911" y="0"/>
+                </a:lnTo>
+                <a:lnTo>
+                  <a:pt x="3668894" y="69271"/>
+                </a:lnTo>
+                <a:cubicBezTo>
+                  <a:pt x="4379420" y="929100"/>
+                  <a:pt x="4818889" y="2116944"/>
+                  <a:pt x="4818889" y="3429000"/>
+                </a:cubicBezTo>
+                <a:cubicBezTo>
+                  <a:pt x="4818889" y="4741056"/>
+                  <a:pt x="4379420" y="5928900"/>
+                  <a:pt x="3668894" y="6788730"/>
+                </a:cubicBezTo>
+                <a:lnTo>
+                  <a:pt x="3605911" y="6858000"/>
+                </a:lnTo>
+                <a:lnTo>
+                  <a:pt x="0" y="6858000"/>
+                </a:lnTo>
+                <a:close/>
+              </a:path>
+            </a:pathLst>
+          </a:custGeom>
+          <a:ln w="9525">
+            <a:solidFill>
+              <a:srgbClr val="EFEFEF"/>
+            </a:solidFill>
+          </a:ln>
+          <a:effectLst>
+            <a:outerShdw blurRad="88900" dist="38100" algn="l" rotWithShape="0">
+              <a:schemeClr val="bg1">
+                <a:lumMod val="85000"/>
+                <a:alpha val="50000"/>
+              </a:schemeClr>
+            </a:outerShdw>
+          </a:effectLst>
+        </p:spPr>
+        <p:style>
+          <a:lnRef idx="2">
+            <a:schemeClr val="accent1">
+              <a:shade val="50000"/>
+            </a:schemeClr>
+          </a:lnRef>
+          <a:fillRef idx="1">
+            <a:schemeClr val="accent1"/>
+          </a:fillRef>
+          <a:effectRef idx="0">
+            <a:schemeClr val="accent1"/>
+          </a:effectRef>
+          <a:fontRef idx="minor">
+            <a:schemeClr val="lt1"/>
+          </a:fontRef>
+        </p:style>
+        <p:txBody>
+          <a:bodyPr wrap="square" rtlCol="0" anchor="ctr">
+            <a:noAutofit/>
+          </a:bodyPr>
+          <a:lstStyle/>
+          <a:p>
+            <a:pPr marL="0" marR="0" lvl="0" indent="0" algn="ctr" defTabSz="914400" rtl="0" eaLnBrk="1" fontAlgn="auto" latinLnBrk="0" hangingPunct="1">
+              <a:lnSpc>
+                <a:spcPct val="100000"/>
+              </a:lnSpc>
+              <a:spcBef>
+                <a:spcPts val="0"/>
+              </a:spcBef>
+              <a:spcAft>
+                <a:spcPts val="0"/>
+              </a:spcAft>
+              <a:buClrTx/>
+              <a:buSzTx/>
+              <a:buFontTx/>
+              <a:buNone/>
+              <a:tabLst/>
+              <a:defRPr/>
+            </a:pPr>
+            <a:endParaRPr kumimoji="0" lang="en-US" sz="1800" b="0" i="0" u="none" strike="noStrike" kern="1200" cap="none" spc="0" normalizeH="0" baseline="0" noProof="0">
+              <a:ln>
+                <a:noFill/>
+              </a:ln>
+              <a:solidFill>
+                <a:prstClr val="white"/>
+              </a:solidFill>
+              <a:effectLst/>
+              <a:uLnTx/>
+              <a:uFillTx/>
+              <a:latin typeface="Calibri" panose="020F0502020204030204"/>
+              <a:ea typeface="+mn-ea"/>
+              <a:cs typeface="+mn-cs"/>
+            </a:endParaRPr>
+          </a:p>
+        </p:txBody>
+      </p:sp>
+      <p:sp useBgFill="1">
+        <p:nvSpPr>
+          <p:cNvPr id="13" name="Freeform: Shape 12">
+            <a:extLst>
+              <a:ext uri="{FF2B5EF4-FFF2-40B4-BE49-F238E27FC236}">
+                <a16:creationId xmlns:a16="http://schemas.microsoft.com/office/drawing/2014/main" id="{D2C0AE1C-0118-41AE-8A10-7CDCBF10E96F}"/>
+              </a:ext>
+              <a:ext uri="{C183D7F6-B498-43B3-948B-1728B52AA6E4}">
+                <adec:decorative xmlns:adec="http://schemas.microsoft.com/office/drawing/2017/decorative" val="1"/>
+              </a:ext>
+            </a:extLst>
+          </p:cNvPr>
+          <p:cNvSpPr>
+            <a:spLocks noGrp="1" noRot="1" noChangeAspect="1" noMove="1" noResize="1" noEditPoints="1" noAdjustHandles="1" noChangeArrowheads="1" noChangeShapeType="1" noTextEdit="1"/>
+          </p:cNvSpPr>
+          <p:nvPr>
+            <p:extLst>
+              <p:ext uri="{386F3935-93C4-4BCD-93E2-E3B085C9AB24}">
+                <p16:designElem xmlns:p16="http://schemas.microsoft.com/office/powerpoint/2015/main" val="1"/>
+              </p:ext>
+            </p:extLst>
+          </p:nvPr>
+        </p:nvSpPr>
+        <p:spPr>
+          <a:xfrm>
+            <a:off x="1" y="0"/>
+            <a:ext cx="4811477" cy="6858000"/>
+          </a:xfrm>
+          <a:custGeom>
+            <a:avLst/>
+            <a:gdLst>
+              <a:gd name="connsiteX0" fmla="*/ 0 w 4811477"/>
+              <a:gd name="connsiteY0" fmla="*/ 0 h 6858000"/>
+              <a:gd name="connsiteX1" fmla="*/ 3598499 w 4811477"/>
+              <a:gd name="connsiteY1" fmla="*/ 0 h 6858000"/>
+              <a:gd name="connsiteX2" fmla="*/ 3661482 w 4811477"/>
+              <a:gd name="connsiteY2" fmla="*/ 69271 h 6858000"/>
+              <a:gd name="connsiteX3" fmla="*/ 4811477 w 4811477"/>
+              <a:gd name="connsiteY3" fmla="*/ 3429000 h 6858000"/>
+              <a:gd name="connsiteX4" fmla="*/ 3661482 w 4811477"/>
+              <a:gd name="connsiteY4" fmla="*/ 6788730 h 6858000"/>
+              <a:gd name="connsiteX5" fmla="*/ 3598499 w 4811477"/>
+              <a:gd name="connsiteY5" fmla="*/ 6858000 h 6858000"/>
+              <a:gd name="connsiteX6" fmla="*/ 0 w 4811477"/>
+              <a:gd name="connsiteY6" fmla="*/ 6858000 h 6858000"/>
+            </a:gdLst>
+            <a:ahLst/>
+            <a:cxnLst>
+              <a:cxn ang="0">
+                <a:pos x="connsiteX0" y="connsiteY0"/>
+              </a:cxn>
+              <a:cxn ang="0">
+                <a:pos x="connsiteX1" y="connsiteY1"/>
+              </a:cxn>
+              <a:cxn ang="0">
+                <a:pos x="connsiteX2" y="connsiteY2"/>
+              </a:cxn>
+              <a:cxn ang="0">
+                <a:pos x="connsiteX3" y="connsiteY3"/>
+              </a:cxn>
+              <a:cxn ang="0">
+                <a:pos x="connsiteX4" y="connsiteY4"/>
+              </a:cxn>
+              <a:cxn ang="0">
+                <a:pos x="connsiteX5" y="connsiteY5"/>
+              </a:cxn>
+              <a:cxn ang="0">
+                <a:pos x="connsiteX6" y="connsiteY6"/>
+              </a:cxn>
+            </a:cxnLst>
+            <a:rect l="l" t="t" r="r" b="b"/>
+            <a:pathLst>
+              <a:path w="4811477" h="6858000">
+                <a:moveTo>
+                  <a:pt x="0" y="0"/>
+                </a:moveTo>
+                <a:lnTo>
+                  <a:pt x="3598499" y="0"/>
+                </a:lnTo>
+                <a:lnTo>
+                  <a:pt x="3661482" y="69271"/>
+                </a:lnTo>
+                <a:cubicBezTo>
+                  <a:pt x="4372008" y="929100"/>
+                  <a:pt x="4811477" y="2116944"/>
+                  <a:pt x="4811477" y="3429000"/>
+                </a:cubicBezTo>
+                <a:cubicBezTo>
+                  <a:pt x="4811477" y="4741056"/>
+                  <a:pt x="4372008" y="5928900"/>
+                  <a:pt x="3661482" y="6788730"/>
+                </a:cubicBezTo>
+                <a:lnTo>
+                  <a:pt x="3598499" y="6858000"/>
+                </a:lnTo>
+                <a:lnTo>
+                  <a:pt x="0" y="6858000"/>
+                </a:lnTo>
+                <a:close/>
+              </a:path>
+            </a:pathLst>
+          </a:custGeom>
+          <a:ln w="9525">
+            <a:noFill/>
+          </a:ln>
+          <a:effectLst/>
+        </p:spPr>
+        <p:style>
+          <a:lnRef idx="2">
+            <a:schemeClr val="accent1">
+              <a:shade val="50000"/>
+            </a:schemeClr>
+          </a:lnRef>
+          <a:fillRef idx="1">
+            <a:schemeClr val="accent1"/>
+          </a:fillRef>
+          <a:effectRef idx="0">
+            <a:schemeClr val="accent1"/>
+          </a:effectRef>
+          <a:fontRef idx="minor">
+            <a:schemeClr val="lt1"/>
+          </a:fontRef>
+        </p:style>
+        <p:txBody>
+          <a:bodyPr wrap="square" rtlCol="0" anchor="ctr">
+            <a:noAutofit/>
+          </a:bodyPr>
+          <a:lstStyle/>
+          <a:p>
+            <a:pPr marL="0" marR="0" lvl="0" indent="0" algn="ctr" defTabSz="914400" rtl="0" eaLnBrk="1" fontAlgn="auto" latinLnBrk="0" hangingPunct="1">
+              <a:lnSpc>
+                <a:spcPct val="100000"/>
+              </a:lnSpc>
+              <a:spcBef>
+                <a:spcPts val="0"/>
+              </a:spcBef>
+              <a:spcAft>
+                <a:spcPts val="0"/>
+              </a:spcAft>
+              <a:buClrTx/>
+              <a:buSzTx/>
+              <a:buFontTx/>
+              <a:buNone/>
+              <a:tabLst/>
+              <a:defRPr/>
+            </a:pPr>
+            <a:endParaRPr kumimoji="0" lang="en-US" sz="1800" b="0" i="0" u="none" strike="noStrike" kern="1200" cap="none" spc="0" normalizeH="0" baseline="0" noProof="0">
+              <a:ln>
+                <a:noFill/>
+              </a:ln>
+              <a:solidFill>
+                <a:prstClr val="white"/>
+              </a:solidFill>
+              <a:effectLst/>
+              <a:uLnTx/>
+              <a:uFillTx/>
+              <a:latin typeface="Calibri" panose="020F0502020204030204"/>
+              <a:ea typeface="+mn-ea"/>
+              <a:cs typeface="+mn-cs"/>
+            </a:endParaRPr>
+          </a:p>
+        </p:txBody>
+      </p:sp>
       <p:sp>
         <p:nvSpPr>
           <p:cNvPr id="2" name="Cím 1">
@@ -10368,17 +18838,18 @@
         </p:nvSpPr>
         <p:spPr>
           <a:xfrm>
-            <a:off x="838200" y="365125"/>
-            <a:ext cx="10515600" cy="728889"/>
+            <a:off x="621792" y="1161288"/>
+            <a:ext cx="3602736" cy="4526280"/>
           </a:xfrm>
         </p:spPr>
         <p:txBody>
-          <a:bodyPr/>
+          <a:bodyPr>
+            <a:normAutofit/>
+          </a:bodyPr>
           <a:lstStyle/>
           <a:p>
-            <a:pPr algn="ctr"/>
             <a:r>
-              <a:rPr lang="hu-HU" b="1" dirty="0">
+              <a:rPr lang="hu-HU" sz="4000" b="1">
                 <a:latin typeface="Arial" panose="020B0604020202020204" pitchFamily="34" charset="0"/>
                 <a:cs typeface="Arial" panose="020B0604020202020204" pitchFamily="34" charset="0"/>
               </a:rPr>
@@ -10389,161 +18860,103 @@
       </p:sp>
       <p:sp>
         <p:nvSpPr>
-          <p:cNvPr id="3" name="Tartalom helye 2">
+          <p:cNvPr id="15" name="Rectangle 14">
             <a:extLst>
               <a:ext uri="{FF2B5EF4-FFF2-40B4-BE49-F238E27FC236}">
-                <a16:creationId xmlns:a16="http://schemas.microsoft.com/office/drawing/2014/main" id="{06A6433F-33DF-4B4D-ABF4-C77BB4479B71}"/>
+                <a16:creationId xmlns:a16="http://schemas.microsoft.com/office/drawing/2014/main" id="{463EEC44-1BA3-44ED-81FC-A644B04B2A44}"/>
+              </a:ext>
+              <a:ext uri="{C183D7F6-B498-43B3-948B-1728B52AA6E4}">
+                <adec:decorative xmlns:adec="http://schemas.microsoft.com/office/drawing/2017/decorative" val="1"/>
               </a:ext>
             </a:extLst>
           </p:cNvPr>
           <p:cNvSpPr>
-            <a:spLocks noGrp="1"/>
+            <a:spLocks noGrp="1" noRot="1" noChangeAspect="1" noMove="1" noResize="1" noEditPoints="1" noAdjustHandles="1" noChangeArrowheads="1" noChangeShapeType="1" noTextEdit="1"/>
           </p:cNvSpPr>
           <p:nvPr>
-            <p:ph idx="1"/>
+            <p:extLst>
+              <p:ext uri="{386F3935-93C4-4BCD-93E2-E3B085C9AB24}">
+                <p16:designElem xmlns:p16="http://schemas.microsoft.com/office/powerpoint/2015/main" val="1"/>
+              </p:ext>
+            </p:extLst>
           </p:nvPr>
         </p:nvSpPr>
         <p:spPr>
           <a:xfrm>
-            <a:off x="838200" y="1485900"/>
-            <a:ext cx="10515600" cy="5159829"/>
+            <a:off x="0" y="3081528"/>
+            <a:ext cx="128016" cy="704088"/>
           </a:xfrm>
+          <a:prstGeom prst="rect">
+            <a:avLst/>
+          </a:prstGeom>
+          <a:solidFill>
+            <a:schemeClr val="accent2"/>
+          </a:solidFill>
+          <a:ln>
+            <a:noFill/>
+          </a:ln>
         </p:spPr>
+        <p:style>
+          <a:lnRef idx="2">
+            <a:schemeClr val="accent1">
+              <a:shade val="50000"/>
+            </a:schemeClr>
+          </a:lnRef>
+          <a:fillRef idx="1">
+            <a:schemeClr val="accent1"/>
+          </a:fillRef>
+          <a:effectRef idx="0">
+            <a:schemeClr val="accent1"/>
+          </a:effectRef>
+          <a:fontRef idx="minor">
+            <a:schemeClr val="lt1"/>
+          </a:fontRef>
+        </p:style>
         <p:txBody>
-          <a:bodyPr>
-            <a:normAutofit/>
-          </a:bodyPr>
+          <a:bodyPr rtlCol="0" anchor="ctr"/>
           <a:lstStyle/>
           <a:p>
-            <a:pPr marL="0" indent="0">
-              <a:buNone/>
-            </a:pPr>
-            <a:r>
-              <a:rPr lang="hu-HU" b="1" dirty="0">
-                <a:latin typeface="Arial" panose="020B0604020202020204" pitchFamily="34" charset="0"/>
-                <a:cs typeface="Arial" panose="020B0604020202020204" pitchFamily="34" charset="0"/>
-              </a:rPr>
-              <a:t>Backend – Next.js</a:t>
-            </a:r>
-          </a:p>
-          <a:p>
-            <a:pPr lvl="1"/>
-            <a:r>
-              <a:rPr lang="hu-HU" sz="2800" dirty="0">
-                <a:latin typeface="Arial" panose="020B0604020202020204" pitchFamily="34" charset="0"/>
-                <a:cs typeface="Arial" panose="020B0604020202020204" pitchFamily="34" charset="0"/>
-              </a:rPr>
-              <a:t>Axios 1.6.7</a:t>
-            </a:r>
-          </a:p>
-          <a:p>
-            <a:pPr lvl="1"/>
-            <a:r>
-              <a:rPr lang="hu-HU" sz="2800" dirty="0">
-                <a:latin typeface="Arial" panose="020B0604020202020204" pitchFamily="34" charset="0"/>
-                <a:cs typeface="Arial" panose="020B0604020202020204" pitchFamily="34" charset="0"/>
-              </a:rPr>
-              <a:t>Next-auth 4.24.5</a:t>
-            </a:r>
-          </a:p>
-          <a:p>
-            <a:pPr lvl="1"/>
-            <a:r>
-              <a:rPr lang="hu-HU" sz="2800" dirty="0">
-                <a:latin typeface="Arial" panose="020B0604020202020204" pitchFamily="34" charset="0"/>
-                <a:cs typeface="Arial" panose="020B0604020202020204" pitchFamily="34" charset="0"/>
-              </a:rPr>
-              <a:t>Mongoose 8.1.1</a:t>
-            </a:r>
-          </a:p>
-          <a:p>
-            <a:pPr marL="0" indent="0">
-              <a:buNone/>
-            </a:pPr>
-            <a:r>
-              <a:rPr lang="hu-HU" b="1" dirty="0">
-                <a:latin typeface="Arial" panose="020B0604020202020204" pitchFamily="34" charset="0"/>
-                <a:cs typeface="Arial" panose="020B0604020202020204" pitchFamily="34" charset="0"/>
-              </a:rPr>
-              <a:t>Frontend - Next.js</a:t>
-            </a:r>
-          </a:p>
-          <a:p>
-            <a:pPr lvl="1"/>
-            <a:r>
-              <a:rPr lang="hu-HU" sz="2800" dirty="0">
-                <a:latin typeface="Arial" panose="020B0604020202020204" pitchFamily="34" charset="0"/>
-                <a:cs typeface="Arial" panose="020B0604020202020204" pitchFamily="34" charset="0"/>
-              </a:rPr>
-              <a:t>Tailwindcss 3.3.0</a:t>
-            </a:r>
-          </a:p>
-          <a:p>
-            <a:pPr lvl="1"/>
-            <a:r>
-              <a:rPr lang="hu-HU" sz="2800" dirty="0">
-                <a:latin typeface="Arial" panose="020B0604020202020204" pitchFamily="34" charset="0"/>
-                <a:cs typeface="Arial" panose="020B0604020202020204" pitchFamily="34" charset="0"/>
-              </a:rPr>
-              <a:t>React-icons 5.0.1</a:t>
-            </a:r>
-          </a:p>
-          <a:p>
-            <a:pPr lvl="1"/>
-            <a:r>
-              <a:rPr lang="hu-HU" sz="2800" dirty="0">
-                <a:latin typeface="Arial" panose="020B0604020202020204" pitchFamily="34" charset="0"/>
-                <a:cs typeface="Arial" panose="020B0604020202020204" pitchFamily="34" charset="0"/>
-              </a:rPr>
-              <a:t>Shadcn/ui 0.8.0</a:t>
-            </a:r>
-          </a:p>
-          <a:p>
-            <a:pPr marL="0" indent="0">
-              <a:buNone/>
-            </a:pPr>
-            <a:r>
-              <a:rPr lang="hu-HU" b="1" dirty="0">
-                <a:latin typeface="Arial" panose="020B0604020202020204" pitchFamily="34" charset="0"/>
-                <a:cs typeface="Arial" panose="020B0604020202020204" pitchFamily="34" charset="0"/>
-              </a:rPr>
-              <a:t>Adatbázis - MongoDB</a:t>
-            </a:r>
-          </a:p>
-          <a:p>
-            <a:pPr lvl="1"/>
-            <a:r>
-              <a:rPr lang="hu-HU" sz="2800" dirty="0">
-                <a:latin typeface="Arial" panose="020B0604020202020204" pitchFamily="34" charset="0"/>
-                <a:cs typeface="Arial" panose="020B0604020202020204" pitchFamily="34" charset="0"/>
-              </a:rPr>
-              <a:t>Mongoose 8.1.1</a:t>
-            </a:r>
-          </a:p>
-          <a:p>
-            <a:pPr lvl="1"/>
-            <a:r>
-              <a:rPr lang="hu-HU" sz="2800" dirty="0">
-                <a:latin typeface="Arial" panose="020B0604020202020204" pitchFamily="34" charset="0"/>
-                <a:cs typeface="Arial" panose="020B0604020202020204" pitchFamily="34" charset="0"/>
-              </a:rPr>
-              <a:t>MongoDB 6.3.0</a:t>
-            </a:r>
-          </a:p>
-          <a:p>
-            <a:endParaRPr lang="hu-HU" dirty="0">
-              <a:latin typeface="Arial" panose="020B0604020202020204" pitchFamily="34" charset="0"/>
-              <a:cs typeface="Arial" panose="020B0604020202020204" pitchFamily="34" charset="0"/>
-            </a:endParaRPr>
-          </a:p>
-          <a:p>
-            <a:endParaRPr lang="hu-HU" dirty="0">
-              <a:latin typeface="Arial" panose="020B0604020202020204" pitchFamily="34" charset="0"/>
-              <a:cs typeface="Arial" panose="020B0604020202020204" pitchFamily="34" charset="0"/>
+            <a:pPr algn="ctr"/>
+            <a:endParaRPr lang="en-US">
+              <a:solidFill>
+                <a:prstClr val="white"/>
+              </a:solidFill>
+              <a:latin typeface="Calibri" panose="020F0502020204030204"/>
             </a:endParaRPr>
           </a:p>
         </p:txBody>
       </p:sp>
+      <p:graphicFrame>
+        <p:nvGraphicFramePr>
+          <p:cNvPr id="5" name="Tartalom helye 2">
+            <a:extLst>
+              <a:ext uri="{FF2B5EF4-FFF2-40B4-BE49-F238E27FC236}">
+                <a16:creationId xmlns:a16="http://schemas.microsoft.com/office/drawing/2014/main" id="{B73ABA88-EECF-0DC3-621C-989700499E3C}"/>
+              </a:ext>
+            </a:extLst>
+          </p:cNvPr>
+          <p:cNvGraphicFramePr>
+            <a:graphicFrameLocks noGrp="1"/>
+          </p:cNvGraphicFramePr>
+          <p:nvPr>
+            <p:ph idx="1"/>
+            <p:extLst>
+              <p:ext uri="{D42A27DB-BD31-4B8C-83A1-F6EECF244321}">
+                <p14:modId xmlns:p14="http://schemas.microsoft.com/office/powerpoint/2010/main" val="1207738080"/>
+              </p:ext>
+            </p:extLst>
+          </p:nvPr>
+        </p:nvGraphicFramePr>
+        <p:xfrm>
+          <a:off x="5303520" y="676656"/>
+          <a:ext cx="6364224" cy="5513832"/>
+        </p:xfrm>
+        <a:graphic>
+          <a:graphicData uri="http://schemas.openxmlformats.org/drawingml/2006/diagram">
+            <dgm:relIds xmlns:dgm="http://schemas.openxmlformats.org/drawingml/2006/diagram" xmlns:r="http://schemas.openxmlformats.org/officeDocument/2006/relationships" r:dm="rId2" r:lo="rId3" r:qs="rId4" r:cs="rId5"/>
+          </a:graphicData>
+        </a:graphic>
+      </p:graphicFrame>
     </p:spTree>
     <p:extLst>
       <p:ext uri="{BB962C8B-B14F-4D97-AF65-F5344CB8AC3E}">

--- a/Bemutato.pptx
+++ b/Bemutato.pptx
@@ -9816,7 +9816,7 @@
           <a:p>
             <a:fld id="{F3967C4F-389E-4158-BF12-0F45FCA2644D}" type="datetimeFigureOut">
               <a:rPr lang="hu-HU" smtClean="0"/>
-              <a:t>2024. 03. 20.</a:t>
+              <a:t>2024. 03. 21.</a:t>
             </a:fld>
             <a:endParaRPr lang="hu-HU"/>
           </a:p>
@@ -10551,7 +10551,7 @@
           <a:p>
             <a:fld id="{FA64CA88-A0F0-4D5B-BEA8-B57532FDFF33}" type="datetimeFigureOut">
               <a:rPr lang="hu-HU" smtClean="0"/>
-              <a:t>2024. 03. 20.</a:t>
+              <a:t>2024. 03. 21.</a:t>
             </a:fld>
             <a:endParaRPr lang="hu-HU"/>
           </a:p>
@@ -10749,7 +10749,7 @@
           <a:p>
             <a:fld id="{FA64CA88-A0F0-4D5B-BEA8-B57532FDFF33}" type="datetimeFigureOut">
               <a:rPr lang="hu-HU" smtClean="0"/>
-              <a:t>2024. 03. 20.</a:t>
+              <a:t>2024. 03. 21.</a:t>
             </a:fld>
             <a:endParaRPr lang="hu-HU"/>
           </a:p>
@@ -10957,7 +10957,7 @@
           <a:p>
             <a:fld id="{FA64CA88-A0F0-4D5B-BEA8-B57532FDFF33}" type="datetimeFigureOut">
               <a:rPr lang="hu-HU" smtClean="0"/>
-              <a:t>2024. 03. 20.</a:t>
+              <a:t>2024. 03. 21.</a:t>
             </a:fld>
             <a:endParaRPr lang="hu-HU"/>
           </a:p>
@@ -11155,7 +11155,7 @@
           <a:p>
             <a:fld id="{FA64CA88-A0F0-4D5B-BEA8-B57532FDFF33}" type="datetimeFigureOut">
               <a:rPr lang="hu-HU" smtClean="0"/>
-              <a:t>2024. 03. 20.</a:t>
+              <a:t>2024. 03. 21.</a:t>
             </a:fld>
             <a:endParaRPr lang="hu-HU"/>
           </a:p>
@@ -11430,7 +11430,7 @@
           <a:p>
             <a:fld id="{FA64CA88-A0F0-4D5B-BEA8-B57532FDFF33}" type="datetimeFigureOut">
               <a:rPr lang="hu-HU" smtClean="0"/>
-              <a:t>2024. 03. 20.</a:t>
+              <a:t>2024. 03. 21.</a:t>
             </a:fld>
             <a:endParaRPr lang="hu-HU"/>
           </a:p>
@@ -11695,7 +11695,7 @@
           <a:p>
             <a:fld id="{FA64CA88-A0F0-4D5B-BEA8-B57532FDFF33}" type="datetimeFigureOut">
               <a:rPr lang="hu-HU" smtClean="0"/>
-              <a:t>2024. 03. 20.</a:t>
+              <a:t>2024. 03. 21.</a:t>
             </a:fld>
             <a:endParaRPr lang="hu-HU"/>
           </a:p>
@@ -12107,7 +12107,7 @@
           <a:p>
             <a:fld id="{FA64CA88-A0F0-4D5B-BEA8-B57532FDFF33}" type="datetimeFigureOut">
               <a:rPr lang="hu-HU" smtClean="0"/>
-              <a:t>2024. 03. 20.</a:t>
+              <a:t>2024. 03. 21.</a:t>
             </a:fld>
             <a:endParaRPr lang="hu-HU"/>
           </a:p>
@@ -12248,7 +12248,7 @@
           <a:p>
             <a:fld id="{FA64CA88-A0F0-4D5B-BEA8-B57532FDFF33}" type="datetimeFigureOut">
               <a:rPr lang="hu-HU" smtClean="0"/>
-              <a:t>2024. 03. 20.</a:t>
+              <a:t>2024. 03. 21.</a:t>
             </a:fld>
             <a:endParaRPr lang="hu-HU"/>
           </a:p>
@@ -12361,7 +12361,7 @@
           <a:p>
             <a:fld id="{FA64CA88-A0F0-4D5B-BEA8-B57532FDFF33}" type="datetimeFigureOut">
               <a:rPr lang="hu-HU" smtClean="0"/>
-              <a:t>2024. 03. 20.</a:t>
+              <a:t>2024. 03. 21.</a:t>
             </a:fld>
             <a:endParaRPr lang="hu-HU"/>
           </a:p>
@@ -12672,7 +12672,7 @@
           <a:p>
             <a:fld id="{FA64CA88-A0F0-4D5B-BEA8-B57532FDFF33}" type="datetimeFigureOut">
               <a:rPr lang="hu-HU" smtClean="0"/>
-              <a:t>2024. 03. 20.</a:t>
+              <a:t>2024. 03. 21.</a:t>
             </a:fld>
             <a:endParaRPr lang="hu-HU"/>
           </a:p>
@@ -12960,7 +12960,7 @@
           <a:p>
             <a:fld id="{FA64CA88-A0F0-4D5B-BEA8-B57532FDFF33}" type="datetimeFigureOut">
               <a:rPr lang="hu-HU" smtClean="0"/>
-              <a:t>2024. 03. 20.</a:t>
+              <a:t>2024. 03. 21.</a:t>
             </a:fld>
             <a:endParaRPr lang="hu-HU"/>
           </a:p>
@@ -13201,7 +13201,7 @@
           <a:p>
             <a:fld id="{FA64CA88-A0F0-4D5B-BEA8-B57532FDFF33}" type="datetimeFigureOut">
               <a:rPr lang="hu-HU" smtClean="0"/>
-              <a:t>2024. 03. 20.</a:t>
+              <a:t>2024. 03. 21.</a:t>
             </a:fld>
             <a:endParaRPr lang="hu-HU"/>
           </a:p>
@@ -15601,16 +15601,12 @@
           <a:lstStyle/>
           <a:p>
             <a:r>
-              <a:rPr lang="hu-HU" b="1" dirty="0" err="1">
+              <a:rPr lang="hu-HU" b="1" dirty="0">
                 <a:latin typeface="Arial" panose="020B0604020202020204" pitchFamily="34" charset="0"/>
                 <a:cs typeface="Arial" panose="020B0604020202020204" pitchFamily="34" charset="0"/>
               </a:rPr>
               <a:t>Reszponzívitás</a:t>
             </a:r>
-            <a:endParaRPr lang="hu-HU" b="1" dirty="0">
-              <a:latin typeface="Arial" panose="020B0604020202020204" pitchFamily="34" charset="0"/>
-              <a:cs typeface="Arial" panose="020B0604020202020204" pitchFamily="34" charset="0"/>
-            </a:endParaRPr>
           </a:p>
         </p:txBody>
       </p:sp>
@@ -15727,6 +15723,9 @@
   <p:clrMapOvr>
     <a:masterClrMapping/>
   </p:clrMapOvr>
+  <p:transition spd="med">
+    <p:pull/>
+  </p:transition>
 </p:sld>
 </file>
 
@@ -16577,7 +16576,7 @@
             <a:round/>
             <a:extLst>
               <a:ext uri="{C807C97D-BFC1-408E-A445-0C87EB9F89A2}">
-                <ask:lineSketchStyleProps xmlns:ask="http://schemas.microsoft.com/office/drawing/2018/sketchyshapes" sd="2727557108">
+                <ask:lineSketchStyleProps xmlns:ask="http://schemas.microsoft.com/office/drawing/2018/sketchyshapes" xmlns="" sd="2727557108">
                   <a:prstGeom prst="rect">
                     <a:avLst/>
                   </a:prstGeom>
@@ -16965,6 +16964,9 @@
   <p:clrMapOvr>
     <a:masterClrMapping/>
   </p:clrMapOvr>
+  <p:transition spd="med">
+    <p:pull/>
+  </p:transition>
 </p:sld>
 </file>
 
@@ -17248,6 +17250,9 @@
   <p:clrMapOvr>
     <a:masterClrMapping/>
   </p:clrMapOvr>
+  <p:transition spd="med">
+    <p:pull/>
+  </p:transition>
   <p:timing>
     <p:tnLst>
       <p:par>
@@ -17826,6 +17831,9 @@
   <p:clrMapOvr>
     <a:masterClrMapping/>
   </p:clrMapOvr>
+  <p:transition spd="med">
+    <p:pull/>
+  </p:transition>
 </p:sld>
 </file>
 
@@ -18397,6 +18405,9 @@
   <p:clrMapOvr>
     <a:masterClrMapping/>
   </p:clrMapOvr>
+  <p:transition spd="med">
+    <p:pull/>
+  </p:transition>
 </p:sld>
 </file>
 
@@ -18967,6 +18978,9 @@
   <p:clrMapOvr>
     <a:masterClrMapping/>
   </p:clrMapOvr>
+  <p:transition spd="med">
+    <p:pull/>
+  </p:transition>
 </p:sld>
 </file>
 
@@ -19074,6 +19088,66 @@
           </a:p>
         </p:txBody>
       </p:sp>
+      <p:pic>
+        <p:nvPicPr>
+          <p:cNvPr id="5" name="Kép 4">
+            <a:extLst>
+              <a:ext uri="{FF2B5EF4-FFF2-40B4-BE49-F238E27FC236}">
+                <a16:creationId xmlns:a16="http://schemas.microsoft.com/office/drawing/2014/main" id="{1237241E-4191-4BA9-AD89-0EF1075F836D}"/>
+              </a:ext>
+            </a:extLst>
+          </p:cNvPr>
+          <p:cNvPicPr>
+            <a:picLocks noChangeAspect="1"/>
+          </p:cNvPicPr>
+          <p:nvPr/>
+        </p:nvPicPr>
+        <p:blipFill>
+          <a:blip r:embed="rId2"/>
+          <a:stretch>
+            <a:fillRect/>
+          </a:stretch>
+        </p:blipFill>
+        <p:spPr>
+          <a:xfrm>
+            <a:off x="8333336" y="915494"/>
+            <a:ext cx="2333235" cy="3988676"/>
+          </a:xfrm>
+          <a:prstGeom prst="rect">
+            <a:avLst/>
+          </a:prstGeom>
+        </p:spPr>
+      </p:pic>
+      <p:pic>
+        <p:nvPicPr>
+          <p:cNvPr id="6" name="Kép 5">
+            <a:extLst>
+              <a:ext uri="{FF2B5EF4-FFF2-40B4-BE49-F238E27FC236}">
+                <a16:creationId xmlns:a16="http://schemas.microsoft.com/office/drawing/2014/main" id="{F5A34CC8-B235-425C-84E9-80BB5242F965}"/>
+              </a:ext>
+            </a:extLst>
+          </p:cNvPr>
+          <p:cNvPicPr>
+            <a:picLocks noChangeAspect="1"/>
+          </p:cNvPicPr>
+          <p:nvPr/>
+        </p:nvPicPr>
+        <p:blipFill>
+          <a:blip r:embed="rId3"/>
+          <a:stretch>
+            <a:fillRect/>
+          </a:stretch>
+        </p:blipFill>
+        <p:spPr>
+          <a:xfrm>
+            <a:off x="4942255" y="915494"/>
+            <a:ext cx="2480138" cy="3988676"/>
+          </a:xfrm>
+          <a:prstGeom prst="rect">
+            <a:avLst/>
+          </a:prstGeom>
+        </p:spPr>
+      </p:pic>
     </p:spTree>
     <p:extLst>
       <p:ext uri="{BB962C8B-B14F-4D97-AF65-F5344CB8AC3E}">
@@ -19084,6 +19158,9 @@
   <p:clrMapOvr>
     <a:masterClrMapping/>
   </p:clrMapOvr>
+  <p:transition spd="med">
+    <p:pull/>
+  </p:transition>
 </p:sld>
 </file>
 
@@ -19151,7 +19228,12 @@
             <p:ph idx="1"/>
           </p:nvPr>
         </p:nvSpPr>
-        <p:spPr/>
+        <p:spPr>
+          <a:xfrm>
+            <a:off x="838200" y="1825625"/>
+            <a:ext cx="5021508" cy="4351338"/>
+          </a:xfrm>
+        </p:spPr>
         <p:txBody>
           <a:bodyPr/>
           <a:lstStyle/>
@@ -19161,7 +19243,7 @@
                 <a:latin typeface="Arial" panose="020B0604020202020204" pitchFamily="34" charset="0"/>
                 <a:cs typeface="Arial" panose="020B0604020202020204" pitchFamily="34" charset="0"/>
               </a:rPr>
-              <a:t>Exportálás</a:t>
+              <a:t>Dokumentumok</a:t>
             </a:r>
           </a:p>
           <a:p>
@@ -19170,7 +19252,7 @@
                 <a:latin typeface="Arial" panose="020B0604020202020204" pitchFamily="34" charset="0"/>
                 <a:cs typeface="Arial" panose="020B0604020202020204" pitchFamily="34" charset="0"/>
               </a:rPr>
-              <a:t>Dokumentumok</a:t>
+              <a:t>Exportálás</a:t>
             </a:r>
           </a:p>
           <a:p>
@@ -19221,6 +19303,9 @@
   <p:clrMapOvr>
     <a:masterClrMapping/>
   </p:clrMapOvr>
+  <p:transition spd="med">
+    <p:pull/>
+  </p:transition>
 </p:sld>
 </file>
 
@@ -19400,6 +19485,9 @@
   <p:clrMapOvr>
     <a:masterClrMapping/>
   </p:clrMapOvr>
+  <p:transition spd="med">
+    <p:pull/>
+  </p:transition>
 </p:sld>
 </file>
 
@@ -19653,6 +19741,9 @@
   <p:clrMapOvr>
     <a:masterClrMapping/>
   </p:clrMapOvr>
+  <p:transition spd="med">
+    <p:pull/>
+  </p:transition>
 </p:sld>
 </file>
 

--- a/Bemutato.pptx
+++ b/Bemutato.pptx
@@ -2639,7 +2639,7 @@
               <a:latin typeface="Arial" panose="020B0604020202020204" pitchFamily="34" charset="0"/>
               <a:cs typeface="Arial" panose="020B0604020202020204" pitchFamily="34" charset="0"/>
             </a:rPr>
-            <a:t>Projektünk célja egy webshop létrehozása, melyen a felhasználók számítógép alkatrészeket, különböző hardver elemeket tudnak vásárolni.</a:t>
+            <a:t>Webshop létrehozása, melyen a felhasználók számítógép alkatrészeket, különböző hardver elemeket tudnak vásárolni.</a:t>
           </a:r>
           <a:endParaRPr lang="en-US" dirty="0">
             <a:latin typeface="Arial" panose="020B0604020202020204" pitchFamily="34" charset="0"/>
@@ -3052,7 +3052,7 @@
 <dgm:dataModel xmlns:dgm="http://schemas.openxmlformats.org/drawingml/2006/diagram" xmlns:a="http://schemas.openxmlformats.org/drawingml/2006/main">
   <dgm:ptLst>
     <dgm:pt modelId="{97641A64-9786-494F-8240-AE37C22C24F9}" type="doc">
-      <dgm:prSet loTypeId="urn:microsoft.com/office/officeart/2005/8/layout/vList5" loCatId="list" qsTypeId="urn:microsoft.com/office/officeart/2005/8/quickstyle/simple1" qsCatId="simple" csTypeId="urn:microsoft.com/office/officeart/2005/8/colors/colorful2" csCatId="colorful"/>
+      <dgm:prSet loTypeId="urn:microsoft.com/office/officeart/2005/8/layout/vList5" loCatId="list" qsTypeId="urn:microsoft.com/office/officeart/2005/8/quickstyle/simple1" qsCatId="simple" csTypeId="urn:microsoft.com/office/officeart/2005/8/colors/colorful2" csCatId="colorful" phldr="1"/>
       <dgm:spPr/>
       <dgm:t>
         <a:bodyPr/>
@@ -3181,10 +3181,10 @@
         <a:lstStyle/>
         <a:p>
           <a:r>
-            <a:rPr lang="hu-HU"/>
-            <a:t>Keresni a termékeink között</a:t>
+            <a:rPr lang="hu-HU" dirty="0"/>
+            <a:t>Keresési funkció</a:t>
           </a:r>
-          <a:endParaRPr lang="en-US"/>
+          <a:endParaRPr lang="en-US" dirty="0"/>
         </a:p>
       </dgm:t>
     </dgm:pt>
@@ -3218,10 +3218,10 @@
         <a:lstStyle/>
         <a:p>
           <a:r>
-            <a:rPr lang="hu-HU"/>
+            <a:rPr lang="hu-HU" dirty="0"/>
             <a:t>Vásárolni</a:t>
           </a:r>
-          <a:endParaRPr lang="en-US"/>
+          <a:endParaRPr lang="en-US" dirty="0"/>
         </a:p>
       </dgm:t>
     </dgm:pt>
@@ -4178,7 +4178,7 @@
         </a:bodyPr>
         <a:lstStyle/>
         <a:p>
-          <a:pPr marL="0" lvl="0" indent="0" algn="ctr" defTabSz="800100">
+          <a:pPr marL="0" lvl="0" indent="0" algn="ctr" defTabSz="844550">
             <a:lnSpc>
               <a:spcPct val="90000"/>
             </a:lnSpc>
@@ -4191,13 +4191,13 @@
             <a:buNone/>
           </a:pPr>
           <a:r>
-            <a:rPr lang="hu-HU" sz="1800" kern="1200" dirty="0">
+            <a:rPr lang="hu-HU" sz="1900" kern="1200" dirty="0">
               <a:latin typeface="Arial" panose="020B0604020202020204" pitchFamily="34" charset="0"/>
               <a:cs typeface="Arial" panose="020B0604020202020204" pitchFamily="34" charset="0"/>
             </a:rPr>
-            <a:t>Projektünk célja egy webshop létrehozása, melyen a felhasználók számítógép alkatrészeket, különböző hardver elemeket tudnak vásárolni.</a:t>
+            <a:t>Webshop létrehozása, melyen a felhasználók számítógép alkatrészeket, különböző hardver elemeket tudnak vásárolni.</a:t>
           </a:r>
-          <a:endParaRPr lang="en-US" sz="1800" kern="1200" dirty="0">
+          <a:endParaRPr lang="en-US" sz="1900" kern="1200" dirty="0">
             <a:latin typeface="Arial" panose="020B0604020202020204" pitchFamily="34" charset="0"/>
             <a:cs typeface="Arial" panose="020B0604020202020204" pitchFamily="34" charset="0"/>
           </a:endParaRPr>
@@ -4365,7 +4365,7 @@
         </a:bodyPr>
         <a:lstStyle/>
         <a:p>
-          <a:pPr marL="0" lvl="0" indent="0" algn="ctr" defTabSz="800100">
+          <a:pPr marL="0" lvl="0" indent="0" algn="ctr" defTabSz="844550">
             <a:lnSpc>
               <a:spcPct val="90000"/>
             </a:lnSpc>
@@ -4378,13 +4378,13 @@
             <a:buNone/>
           </a:pPr>
           <a:r>
-            <a:rPr lang="hu-HU" sz="1800" kern="1200" dirty="0">
+            <a:rPr lang="hu-HU" sz="1900" kern="1200" dirty="0">
               <a:latin typeface="Arial" panose="020B0604020202020204" pitchFamily="34" charset="0"/>
               <a:cs typeface="Arial" panose="020B0604020202020204" pitchFamily="34" charset="0"/>
             </a:rPr>
             <a:t>Weboldalunk egyedi tulajdonsága, hogy licitálási funkcióval is rendelkezik. </a:t>
           </a:r>
-          <a:endParaRPr lang="en-US" sz="1800" kern="1200" dirty="0">
+          <a:endParaRPr lang="en-US" sz="1900" kern="1200" dirty="0">
             <a:latin typeface="Arial" panose="020B0604020202020204" pitchFamily="34" charset="0"/>
             <a:cs typeface="Arial" panose="020B0604020202020204" pitchFamily="34" charset="0"/>
           </a:endParaRPr>
@@ -4558,7 +4558,7 @@
         </a:bodyPr>
         <a:lstStyle/>
         <a:p>
-          <a:pPr marL="0" lvl="0" indent="0" algn="ctr" defTabSz="800100">
+          <a:pPr marL="0" lvl="0" indent="0" algn="ctr" defTabSz="844550">
             <a:lnSpc>
               <a:spcPct val="90000"/>
             </a:lnSpc>
@@ -4571,13 +4571,13 @@
             <a:buNone/>
           </a:pPr>
           <a:r>
-            <a:rPr lang="hu-HU" sz="1800" kern="1200" dirty="0">
+            <a:rPr lang="hu-HU" sz="1900" kern="1200" dirty="0">
               <a:latin typeface="Arial" panose="020B0604020202020204" pitchFamily="34" charset="0"/>
               <a:cs typeface="Arial" panose="020B0604020202020204" pitchFamily="34" charset="0"/>
             </a:rPr>
             <a:t>Ezen a felületen olyan termékek kapnak helyet, amelyek forgalmazását és vagy gyártását már beszüntették.</a:t>
           </a:r>
-          <a:endParaRPr lang="en-US" sz="1800" kern="1200" dirty="0">
+          <a:endParaRPr lang="en-US" sz="1900" kern="1200" dirty="0">
             <a:latin typeface="Arial" panose="020B0604020202020204" pitchFamily="34" charset="0"/>
             <a:cs typeface="Arial" panose="020B0604020202020204" pitchFamily="34" charset="0"/>
           </a:endParaRPr>
@@ -4745,7 +4745,7 @@
         </a:bodyPr>
         <a:lstStyle/>
         <a:p>
-          <a:pPr marL="0" lvl="0" indent="0" algn="ctr" defTabSz="800100">
+          <a:pPr marL="0" lvl="0" indent="0" algn="ctr" defTabSz="844550">
             <a:lnSpc>
               <a:spcPct val="90000"/>
             </a:lnSpc>
@@ -4758,27 +4758,27 @@
             <a:buNone/>
           </a:pPr>
           <a:r>
-            <a:rPr lang="hu-HU" sz="1800" kern="1200" dirty="0">
+            <a:rPr lang="hu-HU" sz="1900" kern="1200" dirty="0">
               <a:latin typeface="Arial" panose="020B0604020202020204" pitchFamily="34" charset="0"/>
               <a:cs typeface="Arial" panose="020B0604020202020204" pitchFamily="34" charset="0"/>
             </a:rPr>
             <a:t>A termékek állapota ettől függetlenül lehet még gyári, eredeti </a:t>
           </a:r>
           <a:r>
-            <a:rPr lang="hu-HU" sz="1800" kern="1200" dirty="0" err="1">
+            <a:rPr lang="hu-HU" sz="1900" kern="1200" dirty="0" err="1">
               <a:latin typeface="Arial" panose="020B0604020202020204" pitchFamily="34" charset="0"/>
               <a:cs typeface="Arial" panose="020B0604020202020204" pitchFamily="34" charset="0"/>
             </a:rPr>
             <a:t>bontatlan</a:t>
           </a:r>
           <a:r>
-            <a:rPr lang="hu-HU" sz="1800" kern="1200" dirty="0">
+            <a:rPr lang="hu-HU" sz="1900" kern="1200" dirty="0">
               <a:latin typeface="Arial" panose="020B0604020202020204" pitchFamily="34" charset="0"/>
               <a:cs typeface="Arial" panose="020B0604020202020204" pitchFamily="34" charset="0"/>
             </a:rPr>
             <a:t> vagy használt, másod kézből való. </a:t>
           </a:r>
-          <a:endParaRPr lang="en-US" sz="1800" kern="1200" dirty="0">
+          <a:endParaRPr lang="en-US" sz="1900" kern="1200" dirty="0">
             <a:latin typeface="Arial" panose="020B0604020202020204" pitchFamily="34" charset="0"/>
             <a:cs typeface="Arial" panose="020B0604020202020204" pitchFamily="34" charset="0"/>
           </a:endParaRPr>
@@ -4946,7 +4946,7 @@
         </a:bodyPr>
         <a:lstStyle/>
         <a:p>
-          <a:pPr marL="0" lvl="0" indent="0" algn="ctr" defTabSz="800100">
+          <a:pPr marL="0" lvl="0" indent="0" algn="ctr" defTabSz="844550">
             <a:lnSpc>
               <a:spcPct val="90000"/>
             </a:lnSpc>
@@ -4959,13 +4959,13 @@
             <a:buNone/>
           </a:pPr>
           <a:r>
-            <a:rPr lang="hu-HU" sz="1800" kern="1200" dirty="0">
+            <a:rPr lang="hu-HU" sz="1900" kern="1200" dirty="0">
               <a:latin typeface="Arial" panose="020B0604020202020204" pitchFamily="34" charset="0"/>
               <a:cs typeface="Arial" panose="020B0604020202020204" pitchFamily="34" charset="0"/>
             </a:rPr>
             <a:t>A funkció lehetőséget biztosít a felhasználók számára, hogy ezen a hardver elemeket akár kedvezőbb áron szerezzék be. </a:t>
           </a:r>
-          <a:endParaRPr lang="en-US" sz="1800" kern="1200" dirty="0">
+          <a:endParaRPr lang="en-US" sz="1900" kern="1200" dirty="0">
             <a:latin typeface="Arial" panose="020B0604020202020204" pitchFamily="34" charset="0"/>
             <a:cs typeface="Arial" panose="020B0604020202020204" pitchFamily="34" charset="0"/>
           </a:endParaRPr>
@@ -5052,7 +5052,7 @@
         </a:bodyPr>
         <a:lstStyle/>
         <a:p>
-          <a:pPr marL="0" lvl="0" indent="0" algn="ctr" defTabSz="800100">
+          <a:pPr marL="0" lvl="0" indent="0" algn="ctr" defTabSz="844550">
             <a:lnSpc>
               <a:spcPct val="90000"/>
             </a:lnSpc>
@@ -5065,13 +5065,13 @@
             <a:buNone/>
           </a:pPr>
           <a:r>
-            <a:rPr lang="hu-HU" sz="1800" kern="1200" dirty="0">
+            <a:rPr lang="hu-HU" sz="1900" kern="1200" dirty="0">
               <a:latin typeface="Arial" panose="020B0604020202020204" pitchFamily="34" charset="0"/>
               <a:cs typeface="Arial" panose="020B0604020202020204" pitchFamily="34" charset="0"/>
             </a:rPr>
             <a:t>Továbbá a ritka, gyűjtők számára értékes alkatrészeket is ennek a funkciónak az alkalmazásával szeretnénk értékesíteni.</a:t>
           </a:r>
-          <a:endParaRPr lang="en-US" sz="1800" kern="1200" dirty="0">
+          <a:endParaRPr lang="en-US" sz="1900" kern="1200" dirty="0">
             <a:latin typeface="Arial" panose="020B0604020202020204" pitchFamily="34" charset="0"/>
             <a:cs typeface="Arial" panose="020B0604020202020204" pitchFamily="34" charset="0"/>
           </a:endParaRPr>
@@ -5202,10 +5202,10 @@
             <a:buChar char="•"/>
           </a:pPr>
           <a:r>
-            <a:rPr lang="hu-HU" sz="2400" kern="1200"/>
-            <a:t>Keresni a termékeink között</a:t>
+            <a:rPr lang="hu-HU" sz="2400" kern="1200" dirty="0"/>
+            <a:t>Keresési funkció</a:t>
           </a:r>
-          <a:endParaRPr lang="en-US" sz="2400" kern="1200"/>
+          <a:endParaRPr lang="en-US" sz="2400" kern="1200" dirty="0"/>
         </a:p>
         <a:p>
           <a:pPr marL="228600" lvl="1" indent="-228600" algn="l" defTabSz="1066800">
@@ -5221,10 +5221,10 @@
             <a:buChar char="•"/>
           </a:pPr>
           <a:r>
-            <a:rPr lang="hu-HU" sz="2400" kern="1200"/>
+            <a:rPr lang="hu-HU" sz="2400" kern="1200" dirty="0"/>
             <a:t>Vásárolni</a:t>
           </a:r>
-          <a:endParaRPr lang="en-US" sz="2400" kern="1200"/>
+          <a:endParaRPr lang="en-US" sz="2400" kern="1200" dirty="0"/>
         </a:p>
       </dsp:txBody>
       <dsp:txXfrm rot="-5400000">
@@ -9816,7 +9816,7 @@
           <a:p>
             <a:fld id="{F3967C4F-389E-4158-BF12-0F45FCA2644D}" type="datetimeFigureOut">
               <a:rPr lang="hu-HU" smtClean="0"/>
-              <a:t>2024. 03. 21.</a:t>
+              <a:t>2024. 03. 22.</a:t>
             </a:fld>
             <a:endParaRPr lang="hu-HU"/>
           </a:p>
@@ -10551,7 +10551,7 @@
           <a:p>
             <a:fld id="{FA64CA88-A0F0-4D5B-BEA8-B57532FDFF33}" type="datetimeFigureOut">
               <a:rPr lang="hu-HU" smtClean="0"/>
-              <a:t>2024. 03. 21.</a:t>
+              <a:t>2024. 03. 22.</a:t>
             </a:fld>
             <a:endParaRPr lang="hu-HU"/>
           </a:p>
@@ -10749,7 +10749,7 @@
           <a:p>
             <a:fld id="{FA64CA88-A0F0-4D5B-BEA8-B57532FDFF33}" type="datetimeFigureOut">
               <a:rPr lang="hu-HU" smtClean="0"/>
-              <a:t>2024. 03. 21.</a:t>
+              <a:t>2024. 03. 22.</a:t>
             </a:fld>
             <a:endParaRPr lang="hu-HU"/>
           </a:p>
@@ -10957,7 +10957,7 @@
           <a:p>
             <a:fld id="{FA64CA88-A0F0-4D5B-BEA8-B57532FDFF33}" type="datetimeFigureOut">
               <a:rPr lang="hu-HU" smtClean="0"/>
-              <a:t>2024. 03. 21.</a:t>
+              <a:t>2024. 03. 22.</a:t>
             </a:fld>
             <a:endParaRPr lang="hu-HU"/>
           </a:p>
@@ -11155,7 +11155,7 @@
           <a:p>
             <a:fld id="{FA64CA88-A0F0-4D5B-BEA8-B57532FDFF33}" type="datetimeFigureOut">
               <a:rPr lang="hu-HU" smtClean="0"/>
-              <a:t>2024. 03. 21.</a:t>
+              <a:t>2024. 03. 22.</a:t>
             </a:fld>
             <a:endParaRPr lang="hu-HU"/>
           </a:p>
@@ -11430,7 +11430,7 @@
           <a:p>
             <a:fld id="{FA64CA88-A0F0-4D5B-BEA8-B57532FDFF33}" type="datetimeFigureOut">
               <a:rPr lang="hu-HU" smtClean="0"/>
-              <a:t>2024. 03. 21.</a:t>
+              <a:t>2024. 03. 22.</a:t>
             </a:fld>
             <a:endParaRPr lang="hu-HU"/>
           </a:p>
@@ -11695,7 +11695,7 @@
           <a:p>
             <a:fld id="{FA64CA88-A0F0-4D5B-BEA8-B57532FDFF33}" type="datetimeFigureOut">
               <a:rPr lang="hu-HU" smtClean="0"/>
-              <a:t>2024. 03. 21.</a:t>
+              <a:t>2024. 03. 22.</a:t>
             </a:fld>
             <a:endParaRPr lang="hu-HU"/>
           </a:p>
@@ -12107,7 +12107,7 @@
           <a:p>
             <a:fld id="{FA64CA88-A0F0-4D5B-BEA8-B57532FDFF33}" type="datetimeFigureOut">
               <a:rPr lang="hu-HU" smtClean="0"/>
-              <a:t>2024. 03. 21.</a:t>
+              <a:t>2024. 03. 22.</a:t>
             </a:fld>
             <a:endParaRPr lang="hu-HU"/>
           </a:p>
@@ -12248,7 +12248,7 @@
           <a:p>
             <a:fld id="{FA64CA88-A0F0-4D5B-BEA8-B57532FDFF33}" type="datetimeFigureOut">
               <a:rPr lang="hu-HU" smtClean="0"/>
-              <a:t>2024. 03. 21.</a:t>
+              <a:t>2024. 03. 22.</a:t>
             </a:fld>
             <a:endParaRPr lang="hu-HU"/>
           </a:p>
@@ -12361,7 +12361,7 @@
           <a:p>
             <a:fld id="{FA64CA88-A0F0-4D5B-BEA8-B57532FDFF33}" type="datetimeFigureOut">
               <a:rPr lang="hu-HU" smtClean="0"/>
-              <a:t>2024. 03. 21.</a:t>
+              <a:t>2024. 03. 22.</a:t>
             </a:fld>
             <a:endParaRPr lang="hu-HU"/>
           </a:p>
@@ -12672,7 +12672,7 @@
           <a:p>
             <a:fld id="{FA64CA88-A0F0-4D5B-BEA8-B57532FDFF33}" type="datetimeFigureOut">
               <a:rPr lang="hu-HU" smtClean="0"/>
-              <a:t>2024. 03. 21.</a:t>
+              <a:t>2024. 03. 22.</a:t>
             </a:fld>
             <a:endParaRPr lang="hu-HU"/>
           </a:p>
@@ -12960,7 +12960,7 @@
           <a:p>
             <a:fld id="{FA64CA88-A0F0-4D5B-BEA8-B57532FDFF33}" type="datetimeFigureOut">
               <a:rPr lang="hu-HU" smtClean="0"/>
-              <a:t>2024. 03. 21.</a:t>
+              <a:t>2024. 03. 22.</a:t>
             </a:fld>
             <a:endParaRPr lang="hu-HU"/>
           </a:p>
@@ -13201,7 +13201,7 @@
           <a:p>
             <a:fld id="{FA64CA88-A0F0-4D5B-BEA8-B57532FDFF33}" type="datetimeFigureOut">
               <a:rPr lang="hu-HU" smtClean="0"/>
-              <a:t>2024. 03. 21.</a:t>
+              <a:t>2024. 03. 22.</a:t>
             </a:fld>
             <a:endParaRPr lang="hu-HU"/>
           </a:p>
@@ -16576,7 +16576,7 @@
             <a:round/>
             <a:extLst>
               <a:ext uri="{C807C97D-BFC1-408E-A445-0C87EB9F89A2}">
-                <ask:lineSketchStyleProps xmlns:ask="http://schemas.microsoft.com/office/drawing/2018/sketchyshapes" xmlns="" sd="2727557108">
+                <ask:lineSketchStyleProps xmlns:ask="http://schemas.microsoft.com/office/drawing/2018/sketchyshapes" sd="2727557108">
                   <a:prstGeom prst="rect">
                     <a:avLst/>
                   </a:prstGeom>
@@ -17561,7 +17561,7 @@
             <p:ph idx="1"/>
             <p:extLst>
               <p:ext uri="{D42A27DB-BD31-4B8C-83A1-F6EECF244321}">
-                <p14:modId xmlns:p14="http://schemas.microsoft.com/office/powerpoint/2010/main" val="2745286070"/>
+                <p14:modId xmlns:p14="http://schemas.microsoft.com/office/powerpoint/2010/main" val="2348407966"/>
               </p:ext>
             </p:extLst>
           </p:nvPr>
@@ -18380,7 +18380,7 @@
             <p:ph idx="1"/>
             <p:extLst>
               <p:ext uri="{D42A27DB-BD31-4B8C-83A1-F6EECF244321}">
-                <p14:modId xmlns:p14="http://schemas.microsoft.com/office/powerpoint/2010/main" val="1893414509"/>
+                <p14:modId xmlns:p14="http://schemas.microsoft.com/office/powerpoint/2010/main" val="311490659"/>
               </p:ext>
             </p:extLst>
           </p:nvPr>
